--- a/docs/slides/03/03_analysis_sort.pptx
+++ b/docs/slides/03/03_analysis_sort.pptx
@@ -2323,7 +2323,7 @@
           </a:ln>
           <a:extLst>
             <a:ext uri="{C572A759-6A51-4108-AA02-DFA0A04FC94B}">
-              <ma14:wrappingTextBoxFlag xmlns="" xmlns:ma14="http://schemas.microsoft.com/office/mac/drawingml/2011/main" val="1"/>
+              <ma14:wrappingTextBoxFlag xmlns:ma14="http://schemas.microsoft.com/office/mac/drawingml/2011/main" val="1"/>
             </a:ext>
           </a:extLst>
         </p:spPr>
@@ -2362,7 +2362,7 @@
           </a:ln>
           <a:extLst>
             <a:ext uri="{C572A759-6A51-4108-AA02-DFA0A04FC94B}">
-              <ma14:wrappingTextBoxFlag xmlns="" xmlns:ma14="http://schemas.microsoft.com/office/mac/drawingml/2011/main" val="1"/>
+              <ma14:wrappingTextBoxFlag xmlns:ma14="http://schemas.microsoft.com/office/mac/drawingml/2011/main" val="1"/>
             </a:ext>
           </a:extLst>
         </p:spPr>
@@ -3954,7 +3954,7 @@
                       <m:dPr>
                         <m:ctrlPr>
                           <a:rPr lang="en-US" b="0" i="1" smtClean="0">
-                            <a:latin typeface="Cambria Math" panose="02040503050406030204" pitchFamily="18" charset="0"/>
+                            <a:latin typeface="Cambria Math" charset="0"/>
                           </a:rPr>
                         </m:ctrlPr>
                       </m:dPr>
@@ -4013,7 +4013,7 @@
                       <m:dPr>
                         <m:ctrlPr>
                           <a:rPr lang="en-US" b="0" i="1" smtClean="0">
-                            <a:latin typeface="Cambria Math" panose="02040503050406030204" pitchFamily="18" charset="0"/>
+                            <a:latin typeface="Cambria Math" charset="0"/>
                           </a:rPr>
                         </m:ctrlPr>
                       </m:dPr>
@@ -4036,7 +4036,7 @@
                       <m:sSupPr>
                         <m:ctrlPr>
                           <a:rPr lang="en-US" b="0" i="1" smtClean="0">
-                            <a:latin typeface="Cambria Math" panose="02040503050406030204" pitchFamily="18" charset="0"/>
+                            <a:latin typeface="Cambria Math" charset="0"/>
                           </a:rPr>
                         </m:ctrlPr>
                       </m:sSupPr>
@@ -4105,7 +4105,7 @@
                       <m:sSupPr>
                         <m:ctrlPr>
                           <a:rPr lang="en-US" b="0" i="1" smtClean="0">
-                            <a:latin typeface="Cambria Math" panose="02040503050406030204" pitchFamily="18" charset="0"/>
+                            <a:latin typeface="Cambria Math" charset="0"/>
                           </a:rPr>
                         </m:ctrlPr>
                       </m:sSupPr>
@@ -4264,7 +4264,7 @@
                       <m:dPr>
                         <m:ctrlPr>
                           <a:rPr lang="en-US" b="0" i="1" smtClean="0">
-                            <a:latin typeface="Cambria Math" panose="02040503050406030204" pitchFamily="18" charset="0"/>
+                            <a:latin typeface="Cambria Math" charset="0"/>
                           </a:rPr>
                         </m:ctrlPr>
                       </m:dPr>
@@ -4388,7 +4388,7 @@
                       <m:dPr>
                         <m:ctrlPr>
                           <a:rPr lang="en-US" b="0" i="1" smtClean="0">
-                            <a:latin typeface="Cambria Math" panose="02040503050406030204" pitchFamily="18" charset="0"/>
+                            <a:latin typeface="Cambria Math" charset="0"/>
                             <a:ea typeface="Cambria Math" panose="02040503050406030204" pitchFamily="18" charset="0"/>
                           </a:rPr>
                         </m:ctrlPr>
@@ -4570,7 +4570,7 @@
                       <m:dPr>
                         <m:ctrlPr>
                           <a:rPr lang="en-US" i="1">
-                            <a:latin typeface="Cambria Math" panose="02040503050406030204" pitchFamily="18" charset="0"/>
+                            <a:latin typeface="Cambria Math" charset="0"/>
                           </a:rPr>
                         </m:ctrlPr>
                       </m:dPr>
@@ -4688,8 +4688,8 @@
           <a:chExt cx="0" cy="0"/>
         </a:xfrm>
       </p:grpSpPr>
-      <mc:AlternateContent xmlns:mc="http://schemas.openxmlformats.org/markup-compatibility/2006">
-        <mc:Choice xmlns:a14="http://schemas.microsoft.com/office/drawing/2010/main" Requires="a14">
+      <mc:AlternateContent xmlns:mc="http://schemas.openxmlformats.org/markup-compatibility/2006" xmlns:a14="http://schemas.microsoft.com/office/drawing/2010/main">
+        <mc:Choice Requires="a14">
           <p:sp>
             <p:nvSpPr>
               <p:cNvPr id="2" name="Title 1"/>
@@ -4705,6 +4705,7 @@
               <a:bodyPr/>
               <a:lstStyle/>
               <a:p>
+                <a:pPr/>
                 <a14:m>
                   <m:oMathPara xmlns:m="http://schemas.openxmlformats.org/officeDocument/2006/math">
                     <m:oMathParaPr>
@@ -4733,7 +4734,7 @@
                         <m:dPr>
                           <m:ctrlPr>
                             <a:rPr lang="en-US" i="1">
-                              <a:latin typeface="Cambria Math" panose="02040503050406030204" pitchFamily="18" charset="0"/>
+                              <a:latin typeface="Cambria Math" charset="0"/>
                             </a:rPr>
                           </m:ctrlPr>
                         </m:dPr>
@@ -4754,7 +4755,7 @@
             </p:txBody>
           </p:sp>
         </mc:Choice>
-        <mc:Fallback>
+        <mc:Fallback xmlns="">
           <p:sp>
             <p:nvSpPr>
               <p:cNvPr id="2" name="Title 1"/>
@@ -4898,8 +4899,8 @@
           <a:chExt cx="0" cy="0"/>
         </a:xfrm>
       </p:grpSpPr>
-      <mc:AlternateContent xmlns:mc="http://schemas.openxmlformats.org/markup-compatibility/2006">
-        <mc:Choice xmlns:a14="http://schemas.microsoft.com/office/drawing/2010/main" Requires="a14">
+      <mc:AlternateContent xmlns:mc="http://schemas.openxmlformats.org/markup-compatibility/2006" xmlns:a14="http://schemas.microsoft.com/office/drawing/2010/main">
+        <mc:Choice Requires="a14">
           <p:sp>
             <p:nvSpPr>
               <p:cNvPr id="2" name="Title 1"/>
@@ -4915,6 +4916,7 @@
               <a:bodyPr/>
               <a:lstStyle/>
               <a:p>
+                <a:pPr/>
                 <a14:m>
                   <m:oMathPara xmlns:m="http://schemas.openxmlformats.org/officeDocument/2006/math">
                     <m:oMathParaPr>
@@ -4943,7 +4945,7 @@
                         <m:dPr>
                           <m:ctrlPr>
                             <a:rPr lang="en-US" i="1">
-                              <a:latin typeface="Cambria Math" panose="02040503050406030204" pitchFamily="18" charset="0"/>
+                              <a:latin typeface="Cambria Math" charset="0"/>
                             </a:rPr>
                           </m:ctrlPr>
                         </m:dPr>
@@ -4952,7 +4954,7 @@
                             <m:sSupPr>
                               <m:ctrlPr>
                                 <a:rPr lang="en-US" i="1">
-                                  <a:latin typeface="Cambria Math" panose="02040503050406030204" pitchFamily="18" charset="0"/>
+                                  <a:latin typeface="Cambria Math" charset="0"/>
                                 </a:rPr>
                               </m:ctrlPr>
                             </m:sSupPr>
@@ -4983,7 +4985,7 @@
             </p:txBody>
           </p:sp>
         </mc:Choice>
-        <mc:Fallback>
+        <mc:Fallback xmlns="">
           <p:sp>
             <p:nvSpPr>
               <p:cNvPr id="2" name="Title 1"/>
@@ -5017,8 +5019,8 @@
           </p:sp>
         </mc:Fallback>
       </mc:AlternateContent>
-      <mc:AlternateContent xmlns:mc="http://schemas.openxmlformats.org/markup-compatibility/2006">
-        <mc:Choice xmlns:a14="http://schemas.microsoft.com/office/drawing/2010/main" Requires="a14">
+      <mc:AlternateContent xmlns:mc="http://schemas.openxmlformats.org/markup-compatibility/2006" xmlns:a14="http://schemas.microsoft.com/office/drawing/2010/main">
+        <mc:Choice Requires="a14">
           <p:sp>
             <p:nvSpPr>
               <p:cNvPr id="3" name="Text Placeholder 2"/>
@@ -5049,7 +5051,7 @@
                       <m:sSupPr>
                         <m:ctrlPr>
                           <a:rPr lang="en-US" i="1">
-                            <a:latin typeface="Cambria Math" panose="02040503050406030204" pitchFamily="18" charset="0"/>
+                            <a:latin typeface="Cambria Math" charset="0"/>
                           </a:rPr>
                         </m:ctrlPr>
                       </m:sSupPr>
@@ -5095,7 +5097,7 @@
                       <m:sSupPr>
                         <m:ctrlPr>
                           <a:rPr lang="en-US" i="1">
-                            <a:latin typeface="Cambria Math" panose="02040503050406030204" pitchFamily="18" charset="0"/>
+                            <a:latin typeface="Cambria Math" charset="0"/>
                           </a:rPr>
                         </m:ctrlPr>
                       </m:sSupPr>
@@ -5131,7 +5133,7 @@
             </p:txBody>
           </p:sp>
         </mc:Choice>
-        <mc:Fallback>
+        <mc:Fallback xmlns="">
           <p:sp>
             <p:nvSpPr>
               <p:cNvPr id="3" name="Text Placeholder 2"/>
@@ -5231,8 +5233,8 @@
           <a:chExt cx="0" cy="0"/>
         </a:xfrm>
       </p:grpSpPr>
-      <mc:AlternateContent xmlns:mc="http://schemas.openxmlformats.org/markup-compatibility/2006">
-        <mc:Choice xmlns:a14="http://schemas.microsoft.com/office/drawing/2010/main" Requires="a14">
+      <mc:AlternateContent xmlns:mc="http://schemas.openxmlformats.org/markup-compatibility/2006" xmlns:a14="http://schemas.microsoft.com/office/drawing/2010/main">
+        <mc:Choice Requires="a14">
           <p:sp>
             <p:nvSpPr>
               <p:cNvPr id="2" name="Title 1"/>
@@ -5248,6 +5250,7 @@
               <a:bodyPr/>
               <a:lstStyle/>
               <a:p>
+                <a:pPr/>
                 <a14:m>
                   <m:oMathPara xmlns:m="http://schemas.openxmlformats.org/officeDocument/2006/math">
                     <m:oMathParaPr>
@@ -5282,7 +5285,7 @@
                         <m:dPr>
                           <m:ctrlPr>
                             <a:rPr lang="en-US" i="1">
-                              <a:latin typeface="Cambria Math" panose="02040503050406030204" pitchFamily="18" charset="0"/>
+                              <a:latin typeface="Cambria Math" charset="0"/>
                             </a:rPr>
                           </m:ctrlPr>
                         </m:dPr>
@@ -5303,7 +5306,7 @@
             </p:txBody>
           </p:sp>
         </mc:Choice>
-        <mc:Fallback>
+        <mc:Fallback xmlns="">
           <p:sp>
             <p:nvSpPr>
               <p:cNvPr id="2" name="Title 1"/>
@@ -5447,8 +5450,8 @@
           <a:chExt cx="0" cy="0"/>
         </a:xfrm>
       </p:grpSpPr>
-      <mc:AlternateContent xmlns:mc="http://schemas.openxmlformats.org/markup-compatibility/2006">
-        <mc:Choice xmlns:a14="http://schemas.microsoft.com/office/drawing/2010/main" Requires="a14">
+      <mc:AlternateContent xmlns:mc="http://schemas.openxmlformats.org/markup-compatibility/2006" xmlns:a14="http://schemas.microsoft.com/office/drawing/2010/main">
+        <mc:Choice Requires="a14">
           <p:sp>
             <p:nvSpPr>
               <p:cNvPr id="2" name="Title 1"/>
@@ -5464,6 +5467,7 @@
               <a:bodyPr/>
               <a:lstStyle/>
               <a:p>
+                <a:pPr/>
                 <a14:m>
                   <m:oMathPara xmlns:m="http://schemas.openxmlformats.org/officeDocument/2006/math">
                     <m:oMathParaPr>
@@ -5498,7 +5502,7 @@
                         <m:dPr>
                           <m:ctrlPr>
                             <a:rPr lang="en-US" i="1">
-                              <a:latin typeface="Cambria Math" panose="02040503050406030204" pitchFamily="18" charset="0"/>
+                              <a:latin typeface="Cambria Math" charset="0"/>
                             </a:rPr>
                           </m:ctrlPr>
                         </m:dPr>
@@ -5519,7 +5523,7 @@
             </p:txBody>
           </p:sp>
         </mc:Choice>
-        <mc:Fallback>
+        <mc:Fallback xmlns="">
           <p:sp>
             <p:nvSpPr>
               <p:cNvPr id="2" name="Title 1"/>
@@ -5570,7 +5574,9 @@
           </a:xfrm>
         </p:spPr>
         <p:txBody>
-          <a:bodyPr/>
+          <a:bodyPr>
+            <a:normAutofit lnSpcReduction="10000"/>
+          </a:bodyPr>
           <a:lstStyle/>
           <a:p>
             <a:r>
@@ -5704,8 +5710,8 @@
           <a:chExt cx="0" cy="0"/>
         </a:xfrm>
       </p:grpSpPr>
-      <mc:AlternateContent xmlns:mc="http://schemas.openxmlformats.org/markup-compatibility/2006">
-        <mc:Choice xmlns:a14="http://schemas.microsoft.com/office/drawing/2010/main" Requires="a14">
+      <mc:AlternateContent xmlns:mc="http://schemas.openxmlformats.org/markup-compatibility/2006" xmlns:a14="http://schemas.microsoft.com/office/drawing/2010/main">
+        <mc:Choice Requires="a14">
           <p:sp>
             <p:nvSpPr>
               <p:cNvPr id="2" name="Title 1"/>
@@ -5721,6 +5727,7 @@
               <a:bodyPr/>
               <a:lstStyle/>
               <a:p>
+                <a:pPr/>
                 <a14:m>
                   <m:oMathPara xmlns:m="http://schemas.openxmlformats.org/officeDocument/2006/math">
                     <m:oMathParaPr>
@@ -5731,7 +5738,7 @@
                         <m:sSupPr>
                           <m:ctrlPr>
                             <a:rPr lang="en-US" i="1">
-                              <a:latin typeface="Cambria Math" panose="02040503050406030204" pitchFamily="18" charset="0"/>
+                              <a:latin typeface="Cambria Math" charset="0"/>
                             </a:rPr>
                           </m:ctrlPr>
                         </m:sSupPr>
@@ -5780,7 +5787,7 @@
                         <m:dPr>
                           <m:ctrlPr>
                             <a:rPr lang="en-US" i="1">
-                              <a:latin typeface="Cambria Math" panose="02040503050406030204" pitchFamily="18" charset="0"/>
+                              <a:latin typeface="Cambria Math" charset="0"/>
                             </a:rPr>
                           </m:ctrlPr>
                         </m:dPr>
@@ -5789,7 +5796,7 @@
                             <m:sSupPr>
                               <m:ctrlPr>
                                 <a:rPr lang="en-US" i="1">
-                                  <a:latin typeface="Cambria Math" panose="02040503050406030204" pitchFamily="18" charset="0"/>
+                                  <a:latin typeface="Cambria Math" charset="0"/>
                                 </a:rPr>
                               </m:ctrlPr>
                             </m:sSupPr>
@@ -5820,7 +5827,7 @@
             </p:txBody>
           </p:sp>
         </mc:Choice>
-        <mc:Fallback>
+        <mc:Fallback xmlns="">
           <p:sp>
             <p:nvSpPr>
               <p:cNvPr id="2" name="Title 1"/>
@@ -5854,8 +5861,8 @@
           </p:sp>
         </mc:Fallback>
       </mc:AlternateContent>
-      <mc:AlternateContent xmlns:mc="http://schemas.openxmlformats.org/markup-compatibility/2006">
-        <mc:Choice xmlns:a14="http://schemas.microsoft.com/office/drawing/2010/main" Requires="a14">
+      <mc:AlternateContent xmlns:mc="http://schemas.openxmlformats.org/markup-compatibility/2006" xmlns:a14="http://schemas.microsoft.com/office/drawing/2010/main">
+        <mc:Choice Requires="a14">
           <p:sp>
             <p:nvSpPr>
               <p:cNvPr id="3" name="Text Placeholder 2"/>
@@ -5888,7 +5895,7 @@
                       <m:sSupPr>
                         <m:ctrlPr>
                           <a:rPr lang="en-US" i="1">
-                            <a:latin typeface="Cambria Math" panose="02040503050406030204" pitchFamily="18" charset="0"/>
+                            <a:latin typeface="Cambria Math" charset="0"/>
                           </a:rPr>
                         </m:ctrlPr>
                       </m:sSupPr>
@@ -5930,7 +5937,7 @@
                       <m:sSupPr>
                         <m:ctrlPr>
                           <a:rPr lang="en-US" i="1">
-                            <a:latin typeface="Cambria Math" panose="02040503050406030204" pitchFamily="18" charset="0"/>
+                            <a:latin typeface="Cambria Math" charset="0"/>
                           </a:rPr>
                         </m:ctrlPr>
                       </m:sSupPr>
@@ -5963,7 +5970,7 @@
                       <m:sSupPr>
                         <m:ctrlPr>
                           <a:rPr lang="en-US" i="1">
-                            <a:latin typeface="Cambria Math" panose="02040503050406030204" pitchFamily="18" charset="0"/>
+                            <a:latin typeface="Cambria Math" charset="0"/>
                           </a:rPr>
                         </m:ctrlPr>
                       </m:sSupPr>
@@ -6017,7 +6024,7 @@
             </p:txBody>
           </p:sp>
         </mc:Choice>
-        <mc:Fallback>
+        <mc:Fallback xmlns="">
           <p:sp>
             <p:nvSpPr>
               <p:cNvPr id="3" name="Text Placeholder 2"/>
@@ -6117,8 +6124,8 @@
           <a:chExt cx="0" cy="0"/>
         </a:xfrm>
       </p:grpSpPr>
-      <mc:AlternateContent xmlns:mc="http://schemas.openxmlformats.org/markup-compatibility/2006">
-        <mc:Choice xmlns:a14="http://schemas.microsoft.com/office/drawing/2010/main" Requires="a14">
+      <mc:AlternateContent xmlns:mc="http://schemas.openxmlformats.org/markup-compatibility/2006" xmlns:a14="http://schemas.microsoft.com/office/drawing/2010/main">
+        <mc:Choice Requires="a14">
           <p:sp>
             <p:nvSpPr>
               <p:cNvPr id="2" name="Title 1"/>
@@ -6134,6 +6141,7 @@
               <a:bodyPr/>
               <a:lstStyle/>
               <a:p>
+                <a:pPr/>
                 <a14:m>
                   <m:oMathPara xmlns:m="http://schemas.openxmlformats.org/officeDocument/2006/math">
                     <m:oMathParaPr>
@@ -6144,13 +6152,7 @@
                         <a:rPr lang="en-US" i="1">
                           <a:latin typeface="Cambria Math" panose="02040503050406030204" pitchFamily="18" charset="0"/>
                         </a:rPr>
-                        <m:t>5</m:t>
-                      </m:r>
-                      <m:r>
-                        <a:rPr lang="en-US" i="1">
-                          <a:latin typeface="Cambria Math" panose="02040503050406030204" pitchFamily="18" charset="0"/>
-                        </a:rPr>
-                        <m:t>=</m:t>
+                        <m:t>5=</m:t>
                       </m:r>
                       <m:r>
                         <a:rPr lang="en-US" i="1">
@@ -6162,7 +6164,7 @@
                         <m:dPr>
                           <m:ctrlPr>
                             <a:rPr lang="en-US" i="1">
-                              <a:latin typeface="Cambria Math" panose="02040503050406030204" pitchFamily="18" charset="0"/>
+                              <a:latin typeface="Cambria Math" charset="0"/>
                             </a:rPr>
                           </m:ctrlPr>
                         </m:dPr>
@@ -6183,7 +6185,7 @@
             </p:txBody>
           </p:sp>
         </mc:Choice>
-        <mc:Fallback>
+        <mc:Fallback xmlns="">
           <p:sp>
             <p:nvSpPr>
               <p:cNvPr id="2" name="Title 1"/>
@@ -6502,8 +6504,8 @@
           <a:chExt cx="0" cy="0"/>
         </a:xfrm>
       </p:grpSpPr>
-      <mc:AlternateContent xmlns:mc="http://schemas.openxmlformats.org/markup-compatibility/2006">
-        <mc:Choice xmlns:a14="http://schemas.microsoft.com/office/drawing/2010/main" Requires="a14">
+      <mc:AlternateContent xmlns:mc="http://schemas.openxmlformats.org/markup-compatibility/2006" xmlns:a14="http://schemas.microsoft.com/office/drawing/2010/main">
+        <mc:Choice Requires="a14">
           <p:sp>
             <p:nvSpPr>
               <p:cNvPr id="2" name="Title 1"/>
@@ -6519,6 +6521,7 @@
               <a:bodyPr/>
               <a:lstStyle/>
               <a:p>
+                <a:pPr/>
                 <a14:m>
                   <m:oMathPara xmlns:m="http://schemas.openxmlformats.org/officeDocument/2006/math">
                     <m:oMathParaPr>
@@ -6529,13 +6532,7 @@
                         <a:rPr lang="en-US" i="1">
                           <a:latin typeface="Cambria Math" panose="02040503050406030204" pitchFamily="18" charset="0"/>
                         </a:rPr>
-                        <m:t>5</m:t>
-                      </m:r>
-                      <m:r>
-                        <a:rPr lang="en-US" i="1">
-                          <a:latin typeface="Cambria Math" panose="02040503050406030204" pitchFamily="18" charset="0"/>
-                        </a:rPr>
-                        <m:t>=</m:t>
+                        <m:t>5=</m:t>
                       </m:r>
                       <m:r>
                         <a:rPr lang="en-US" i="1">
@@ -6547,7 +6544,7 @@
                         <m:dPr>
                           <m:ctrlPr>
                             <a:rPr lang="en-US" i="1">
-                              <a:latin typeface="Cambria Math" panose="02040503050406030204" pitchFamily="18" charset="0"/>
+                              <a:latin typeface="Cambria Math" charset="0"/>
                             </a:rPr>
                           </m:ctrlPr>
                         </m:dPr>
@@ -6568,7 +6565,7 @@
             </p:txBody>
           </p:sp>
         </mc:Choice>
-        <mc:Fallback>
+        <mc:Fallback xmlns="">
           <p:sp>
             <p:nvSpPr>
               <p:cNvPr id="2" name="Title 1"/>
@@ -6717,8 +6714,8 @@
           <a:chExt cx="0" cy="0"/>
         </a:xfrm>
       </p:grpSpPr>
-      <mc:AlternateContent xmlns:mc="http://schemas.openxmlformats.org/markup-compatibility/2006">
-        <mc:Choice xmlns:a14="http://schemas.microsoft.com/office/drawing/2010/main" Requires="a14">
+      <mc:AlternateContent xmlns:mc="http://schemas.openxmlformats.org/markup-compatibility/2006" xmlns:a14="http://schemas.microsoft.com/office/drawing/2010/main">
+        <mc:Choice Requires="a14">
           <p:sp>
             <p:nvSpPr>
               <p:cNvPr id="2" name="Title 1"/>
@@ -6734,6 +6731,7 @@
               <a:bodyPr/>
               <a:lstStyle/>
               <a:p>
+                <a:pPr/>
                 <a14:m>
                   <m:oMathPara xmlns:m="http://schemas.openxmlformats.org/officeDocument/2006/math">
                     <m:oMathParaPr>
@@ -6762,7 +6760,7 @@
                         <m:dPr>
                           <m:ctrlPr>
                             <a:rPr lang="en-US" i="1">
-                              <a:latin typeface="Cambria Math" panose="02040503050406030204" pitchFamily="18" charset="0"/>
+                              <a:latin typeface="Cambria Math" charset="0"/>
                             </a:rPr>
                           </m:ctrlPr>
                         </m:dPr>
@@ -6783,7 +6781,7 @@
             </p:txBody>
           </p:sp>
         </mc:Choice>
-        <mc:Fallback>
+        <mc:Fallback xmlns="">
           <p:sp>
             <p:nvSpPr>
               <p:cNvPr id="2" name="Title 1"/>
@@ -6932,8 +6930,8 @@
           <a:chExt cx="0" cy="0"/>
         </a:xfrm>
       </p:grpSpPr>
-      <mc:AlternateContent xmlns:mc="http://schemas.openxmlformats.org/markup-compatibility/2006">
-        <mc:Choice xmlns:a14="http://schemas.microsoft.com/office/drawing/2010/main" Requires="a14">
+      <mc:AlternateContent xmlns:mc="http://schemas.openxmlformats.org/markup-compatibility/2006" xmlns:a14="http://schemas.microsoft.com/office/drawing/2010/main">
+        <mc:Choice Requires="a14">
           <p:sp>
             <p:nvSpPr>
               <p:cNvPr id="2" name="Title 1"/>
@@ -6949,6 +6947,7 @@
               <a:bodyPr/>
               <a:lstStyle/>
               <a:p>
+                <a:pPr/>
                 <a14:m>
                   <m:oMathPara xmlns:m="http://schemas.openxmlformats.org/officeDocument/2006/math">
                     <m:oMathParaPr>
@@ -6977,7 +6976,7 @@
                         <m:dPr>
                           <m:ctrlPr>
                             <a:rPr lang="en-US" i="1">
-                              <a:latin typeface="Cambria Math" panose="02040503050406030204" pitchFamily="18" charset="0"/>
+                              <a:latin typeface="Cambria Math" charset="0"/>
                             </a:rPr>
                           </m:ctrlPr>
                         </m:dPr>
@@ -6998,7 +6997,7 @@
             </p:txBody>
           </p:sp>
         </mc:Choice>
-        <mc:Fallback>
+        <mc:Fallback xmlns="">
           <p:sp>
             <p:nvSpPr>
               <p:cNvPr id="2" name="Title 1"/>
@@ -7169,8 +7168,8 @@
           <a:chExt cx="0" cy="0"/>
         </a:xfrm>
       </p:grpSpPr>
-      <mc:AlternateContent xmlns:mc="http://schemas.openxmlformats.org/markup-compatibility/2006">
-        <mc:Choice xmlns:a14="http://schemas.microsoft.com/office/drawing/2010/main" Requires="a14">
+      <mc:AlternateContent xmlns:mc="http://schemas.openxmlformats.org/markup-compatibility/2006" xmlns:a14="http://schemas.microsoft.com/office/drawing/2010/main">
+        <mc:Choice Requires="a14">
           <p:sp>
             <p:nvSpPr>
               <p:cNvPr id="2" name="Title 1"/>
@@ -7186,6 +7185,7 @@
               <a:bodyPr/>
               <a:lstStyle/>
               <a:p>
+                <a:pPr/>
                 <a14:m>
                   <m:oMathPara xmlns:m="http://schemas.openxmlformats.org/officeDocument/2006/math">
                     <m:oMathParaPr>
@@ -7196,7 +7196,7 @@
                         <m:sSupPr>
                           <m:ctrlPr>
                             <a:rPr lang="en-US" i="1">
-                              <a:latin typeface="Cambria Math" panose="02040503050406030204" pitchFamily="18" charset="0"/>
+                              <a:latin typeface="Cambria Math" charset="0"/>
                             </a:rPr>
                           </m:ctrlPr>
                         </m:sSupPr>
@@ -7233,7 +7233,7 @@
                         <m:dPr>
                           <m:ctrlPr>
                             <a:rPr lang="en-US" i="1">
-                              <a:latin typeface="Cambria Math" panose="02040503050406030204" pitchFamily="18" charset="0"/>
+                              <a:latin typeface="Cambria Math" charset="0"/>
                             </a:rPr>
                           </m:ctrlPr>
                         </m:dPr>
@@ -7254,7 +7254,7 @@
             </p:txBody>
           </p:sp>
         </mc:Choice>
-        <mc:Fallback>
+        <mc:Fallback xmlns="">
           <p:sp>
             <p:nvSpPr>
               <p:cNvPr id="2" name="Title 1"/>
@@ -7456,8 +7456,8 @@
           </a:p>
         </p:txBody>
       </p:sp>
-      <mc:AlternateContent xmlns:mc="http://schemas.openxmlformats.org/markup-compatibility/2006">
-        <mc:Choice xmlns:a14="http://schemas.microsoft.com/office/drawing/2010/main" Requires="a14">
+      <mc:AlternateContent xmlns:mc="http://schemas.openxmlformats.org/markup-compatibility/2006" xmlns:a14="http://schemas.microsoft.com/office/drawing/2010/main">
+        <mc:Choice Requires="a14">
           <p:sp>
             <p:nvSpPr>
               <p:cNvPr id="3" name="Text Placeholder 2"/>
@@ -7503,7 +7503,7 @@
                       <m:dPr>
                         <m:ctrlPr>
                           <a:rPr lang="en-US" i="1">
-                            <a:latin typeface="Cambria Math" panose="02040503050406030204" pitchFamily="18" charset="0"/>
+                            <a:latin typeface="Cambria Math" charset="0"/>
                           </a:rPr>
                         </m:ctrlPr>
                       </m:dPr>
@@ -7546,7 +7546,7 @@
                       <m:dPr>
                         <m:ctrlPr>
                           <a:rPr lang="en-US" i="1">
-                            <a:latin typeface="Cambria Math" panose="02040503050406030204" pitchFamily="18" charset="0"/>
+                            <a:latin typeface="Cambria Math" charset="0"/>
                           </a:rPr>
                         </m:ctrlPr>
                       </m:dPr>
@@ -7555,7 +7555,7 @@
                           <m:sSupPr>
                             <m:ctrlPr>
                               <a:rPr lang="en-US" i="1">
-                                <a:latin typeface="Cambria Math" panose="02040503050406030204" pitchFamily="18" charset="0"/>
+                                <a:latin typeface="Cambria Math" charset="0"/>
                               </a:rPr>
                             </m:ctrlPr>
                           </m:sSupPr>
@@ -7613,7 +7613,7 @@
                       <m:dPr>
                         <m:ctrlPr>
                           <a:rPr lang="en-US" i="1">
-                            <a:latin typeface="Cambria Math" panose="02040503050406030204" pitchFamily="18" charset="0"/>
+                            <a:latin typeface="Cambria Math" charset="0"/>
                           </a:rPr>
                         </m:ctrlPr>
                       </m:dPr>
@@ -7668,7 +7668,7 @@
                       <m:dPr>
                         <m:ctrlPr>
                           <a:rPr lang="en-US" i="1">
-                            <a:latin typeface="Cambria Math" panose="02040503050406030204" pitchFamily="18" charset="0"/>
+                            <a:latin typeface="Cambria Math" charset="0"/>
                           </a:rPr>
                         </m:ctrlPr>
                       </m:dPr>
@@ -7693,7 +7693,7 @@
                       <m:sSupPr>
                         <m:ctrlPr>
                           <a:rPr lang="en-US" i="1">
-                            <a:latin typeface="Cambria Math" panose="02040503050406030204" pitchFamily="18" charset="0"/>
+                            <a:latin typeface="Cambria Math" charset="0"/>
                           </a:rPr>
                         </m:ctrlPr>
                       </m:sSupPr>
@@ -7718,13 +7718,7 @@
                       <a:rPr lang="en-US" b="0" i="1" smtClean="0">
                         <a:latin typeface="Cambria Math" panose="02040503050406030204" pitchFamily="18" charset="0"/>
                       </a:rPr>
-                      <m:t>+</m:t>
-                    </m:r>
-                    <m:r>
-                      <a:rPr lang="en-US" b="0" i="1" smtClean="0">
-                        <a:latin typeface="Cambria Math" panose="02040503050406030204" pitchFamily="18" charset="0"/>
-                      </a:rPr>
-                      <m:t>2</m:t>
+                      <m:t>+2</m:t>
                     </m:r>
                     <m:r>
                       <a:rPr lang="en-US" i="1">
@@ -7748,7 +7742,7 @@
                       <m:dPr>
                         <m:ctrlPr>
                           <a:rPr lang="en-US" i="1">
-                            <a:latin typeface="Cambria Math" panose="02040503050406030204" pitchFamily="18" charset="0"/>
+                            <a:latin typeface="Cambria Math" charset="0"/>
                           </a:rPr>
                         </m:ctrlPr>
                       </m:dPr>
@@ -7757,7 +7751,7 @@
                           <m:sSupPr>
                             <m:ctrlPr>
                               <a:rPr lang="en-US" i="1">
-                                <a:latin typeface="Cambria Math" panose="02040503050406030204" pitchFamily="18" charset="0"/>
+                                <a:latin typeface="Cambria Math" charset="0"/>
                               </a:rPr>
                             </m:ctrlPr>
                           </m:sSupPr>
@@ -7791,7 +7785,7 @@
             </p:txBody>
           </p:sp>
         </mc:Choice>
-        <mc:Fallback>
+        <mc:Fallback xmlns="">
           <p:sp>
             <p:nvSpPr>
               <p:cNvPr id="3" name="Text Placeholder 2"/>
@@ -7852,7 +7846,7 @@
               </a:ln>
               <a:extLst>
                 <a:ext uri="{C572A759-6A51-4108-AA02-DFA0A04FC94B}">
-                  <ma14:wrappingTextBoxFlag xmlns="" xmlns:ma14="http://schemas.microsoft.com/office/mac/drawingml/2011/main" val="1"/>
+                  <ma14:wrappingTextBoxFlag xmlns:ma14="http://schemas.microsoft.com/office/mac/drawingml/2011/main" val="1"/>
                 </a:ext>
               </a:extLst>
             </p:spPr>
@@ -8149,7 +8143,7 @@
                       <m:dPr>
                         <m:ctrlPr>
                           <a:rPr lang="en-US" i="1">
-                            <a:latin typeface="Cambria Math" panose="02040503050406030204" pitchFamily="18" charset="0"/>
+                            <a:latin typeface="Cambria Math" charset="0"/>
                           </a:rPr>
                         </m:ctrlPr>
                       </m:dPr>
@@ -8192,7 +8186,7 @@
                       <m:dPr>
                         <m:ctrlPr>
                           <a:rPr lang="en-US" i="1">
-                            <a:latin typeface="Cambria Math" panose="02040503050406030204" pitchFamily="18" charset="0"/>
+                            <a:latin typeface="Cambria Math" charset="0"/>
                           </a:rPr>
                         </m:ctrlPr>
                       </m:dPr>
@@ -8229,7 +8223,7 @@
                       <m:dPr>
                         <m:ctrlPr>
                           <a:rPr lang="en-US" i="1">
-                            <a:latin typeface="Cambria Math" panose="02040503050406030204" pitchFamily="18" charset="0"/>
+                            <a:latin typeface="Cambria Math" charset="0"/>
                           </a:rPr>
                         </m:ctrlPr>
                       </m:dPr>
@@ -8272,7 +8266,7 @@
                       <m:dPr>
                         <m:ctrlPr>
                           <a:rPr lang="en-US" i="1">
-                            <a:latin typeface="Cambria Math" panose="02040503050406030204" pitchFamily="18" charset="0"/>
+                            <a:latin typeface="Cambria Math" charset="0"/>
                           </a:rPr>
                         </m:ctrlPr>
                       </m:dPr>
@@ -8297,7 +8291,7 @@
                       <m:sSupPr>
                         <m:ctrlPr>
                           <a:rPr lang="en-US" i="1">
-                            <a:latin typeface="Cambria Math" panose="02040503050406030204" pitchFamily="18" charset="0"/>
+                            <a:latin typeface="Cambria Math" charset="0"/>
                           </a:rPr>
                         </m:ctrlPr>
                       </m:sSupPr>
@@ -8334,7 +8328,7 @@
                       <m:dPr>
                         <m:ctrlPr>
                           <a:rPr lang="en-US" i="1">
-                            <a:latin typeface="Cambria Math" panose="02040503050406030204" pitchFamily="18" charset="0"/>
+                            <a:latin typeface="Cambria Math" charset="0"/>
                           </a:rPr>
                         </m:ctrlPr>
                       </m:dPr>
@@ -8495,7 +8489,7 @@
                       <m:sSupPr>
                         <m:ctrlPr>
                           <a:rPr lang="en-US" i="1">
-                            <a:latin typeface="Cambria Math" panose="02040503050406030204" pitchFamily="18" charset="0"/>
+                            <a:latin typeface="Cambria Math" charset="0"/>
                           </a:rPr>
                         </m:ctrlPr>
                       </m:sSupPr>
@@ -8538,7 +8532,7 @@
                       <m:sSupPr>
                         <m:ctrlPr>
                           <a:rPr lang="en-US" i="1">
-                            <a:latin typeface="Cambria Math" panose="02040503050406030204" pitchFamily="18" charset="0"/>
+                            <a:latin typeface="Cambria Math" charset="0"/>
                           </a:rPr>
                         </m:ctrlPr>
                       </m:sSupPr>
@@ -8605,7 +8599,7 @@
                       <m:dPr>
                         <m:ctrlPr>
                           <a:rPr lang="en-US" i="1">
-                            <a:latin typeface="Cambria Math" panose="02040503050406030204" pitchFamily="18" charset="0"/>
+                            <a:latin typeface="Cambria Math" charset="0"/>
                           </a:rPr>
                         </m:ctrlPr>
                       </m:dPr>
@@ -8614,7 +8608,7 @@
                           <m:sSupPr>
                             <m:ctrlPr>
                               <a:rPr lang="en-US" i="1">
-                                <a:latin typeface="Cambria Math" panose="02040503050406030204" pitchFamily="18" charset="0"/>
+                                <a:latin typeface="Cambria Math" charset="0"/>
                               </a:rPr>
                             </m:ctrlPr>
                           </m:sSupPr>
@@ -8672,7 +8666,7 @@
                       <m:dPr>
                         <m:ctrlPr>
                           <a:rPr lang="en-US" i="1">
-                            <a:latin typeface="Cambria Math" panose="02040503050406030204" pitchFamily="18" charset="0"/>
+                            <a:latin typeface="Cambria Math" charset="0"/>
                           </a:rPr>
                         </m:ctrlPr>
                       </m:dPr>
@@ -8807,37 +8801,37 @@
                 <a14:m>
                   <m:oMath xmlns:m="http://schemas.openxmlformats.org/officeDocument/2006/math">
                     <m:r>
-                      <a:rPr lang="en-US" i="1">
+                      <a:rPr lang="en-US" i="1" smtClean="0">
                         <a:latin typeface="Cambria Math" panose="02040503050406030204" pitchFamily="18" charset="0"/>
                       </a:rPr>
                       <m:t>𝑂</m:t>
                     </m:r>
                     <m:r>
-                      <a:rPr lang="en-US" i="1">
+                      <a:rPr lang="en-US" i="1" smtClean="0">
                         <a:latin typeface="Cambria Math" panose="02040503050406030204" pitchFamily="18" charset="0"/>
                       </a:rPr>
                       <m:t>(</m:t>
                     </m:r>
                     <m:r>
-                      <a:rPr lang="en-US" i="1">
+                      <a:rPr lang="en-US" i="1" smtClean="0">
                         <a:latin typeface="Cambria Math" panose="02040503050406030204" pitchFamily="18" charset="0"/>
                       </a:rPr>
                       <m:t>𝑔</m:t>
                     </m:r>
                     <m:r>
-                      <a:rPr lang="en-US" i="1">
+                      <a:rPr lang="en-US" i="1" smtClean="0">
                         <a:latin typeface="Cambria Math" panose="02040503050406030204" pitchFamily="18" charset="0"/>
                       </a:rPr>
                       <m:t>(</m:t>
                     </m:r>
                     <m:r>
-                      <a:rPr lang="en-US" i="1">
+                      <a:rPr lang="en-US" i="1" smtClean="0">
                         <a:latin typeface="Cambria Math" panose="02040503050406030204" pitchFamily="18" charset="0"/>
                       </a:rPr>
                       <m:t>𝑛</m:t>
                     </m:r>
                     <m:r>
-                      <a:rPr lang="en-US" i="1">
+                      <a:rPr lang="en-US" i="1" smtClean="0">
                         <a:latin typeface="Cambria Math" panose="02040503050406030204" pitchFamily="18" charset="0"/>
                       </a:rPr>
                       <m:t>))</m:t>
@@ -8920,7 +8914,7 @@
                       <m:dPr>
                         <m:ctrlPr>
                           <a:rPr lang="en-US" i="1">
-                            <a:latin typeface="Cambria Math" panose="02040503050406030204" pitchFamily="18" charset="0"/>
+                            <a:latin typeface="Cambria Math" charset="0"/>
                             <a:ea typeface="Cambria Math" panose="02040503050406030204" pitchFamily="18" charset="0"/>
                           </a:rPr>
                         </m:ctrlPr>
@@ -9066,7 +9060,131 @@
                   <a:rPr lang="en-US" i="1" dirty="0"/>
                   <a:t>O(g(n)) </a:t>
                 </a:r>
-                <a:endParaRPr lang="en-US" i="1" dirty="0"/>
+                <a:endParaRPr lang="en-US" i="1" dirty="0" smtClean="0"/>
+              </a:p>
+              <a:p>
+                <a14:m>
+                  <m:oMath xmlns:m="http://schemas.openxmlformats.org/officeDocument/2006/math">
+                    <m:r>
+                      <a:rPr lang="en-US" b="0" i="1" smtClean="0">
+                        <a:latin typeface="Cambria Math" charset="0"/>
+                      </a:rPr>
+                      <m:t>𝑓</m:t>
+                    </m:r>
+                    <m:d>
+                      <m:dPr>
+                        <m:ctrlPr>
+                          <a:rPr lang="en-US" b="0" i="1" smtClean="0">
+                            <a:latin typeface="Cambria Math" charset="0"/>
+                          </a:rPr>
+                        </m:ctrlPr>
+                      </m:dPr>
+                      <m:e>
+                        <m:r>
+                          <a:rPr lang="en-US" b="0" i="1" smtClean="0">
+                            <a:latin typeface="Cambria Math" charset="0"/>
+                          </a:rPr>
+                          <m:t>𝑛</m:t>
+                        </m:r>
+                      </m:e>
+                    </m:d>
+                    <m:r>
+                      <a:rPr lang="en-US" i="1">
+                        <a:latin typeface="Cambria Math" charset="0"/>
+                        <a:ea typeface="Cambria Math" charset="0"/>
+                        <a:cs typeface="Cambria Math" charset="0"/>
+                      </a:rPr>
+                      <m:t>∈</m:t>
+                    </m:r>
+                    <m:r>
+                      <a:rPr lang="en-US" b="0" i="1" smtClean="0">
+                        <a:latin typeface="Cambria Math" charset="0"/>
+                        <a:ea typeface="Cambria Math" charset="0"/>
+                        <a:cs typeface="Cambria Math" charset="0"/>
+                      </a:rPr>
+                      <m:t>𝑂</m:t>
+                    </m:r>
+                    <m:d>
+                      <m:dPr>
+                        <m:ctrlPr>
+                          <a:rPr lang="en-US" b="0" i="1" smtClean="0">
+                            <a:latin typeface="Cambria Math" charset="0"/>
+                            <a:ea typeface="Cambria Math" charset="0"/>
+                            <a:cs typeface="Cambria Math" charset="0"/>
+                          </a:rPr>
+                        </m:ctrlPr>
+                      </m:dPr>
+                      <m:e>
+                        <m:r>
+                          <a:rPr lang="en-US" b="0" i="1" smtClean="0">
+                            <a:latin typeface="Cambria Math" charset="0"/>
+                            <a:ea typeface="Cambria Math" charset="0"/>
+                            <a:cs typeface="Cambria Math" charset="0"/>
+                          </a:rPr>
+                          <m:t>𝑔</m:t>
+                        </m:r>
+                        <m:d>
+                          <m:dPr>
+                            <m:ctrlPr>
+                              <a:rPr lang="en-US" b="0" i="1" smtClean="0">
+                                <a:latin typeface="Cambria Math" charset="0"/>
+                                <a:ea typeface="Cambria Math" charset="0"/>
+                                <a:cs typeface="Cambria Math" charset="0"/>
+                              </a:rPr>
+                            </m:ctrlPr>
+                          </m:dPr>
+                          <m:e>
+                            <m:r>
+                              <a:rPr lang="en-US" b="0" i="1" smtClean="0">
+                                <a:latin typeface="Cambria Math" charset="0"/>
+                                <a:ea typeface="Cambria Math" charset="0"/>
+                                <a:cs typeface="Cambria Math" charset="0"/>
+                              </a:rPr>
+                              <m:t>𝑛</m:t>
+                            </m:r>
+                          </m:e>
+                        </m:d>
+                      </m:e>
+                    </m:d>
+                  </m:oMath>
+                </a14:m>
+                <a:r>
+                  <a:rPr lang="en-US" b="0" i="1" dirty="0" smtClean="0">
+                    <a:ea typeface="Cambria Math" charset="0"/>
+                    <a:cs typeface="Cambria Math" charset="0"/>
+                  </a:rPr>
+                  <a:t> </a:t>
+                </a:r>
+                <a:r>
+                  <a:rPr lang="en-US" dirty="0" smtClean="0">
+                    <a:ea typeface="Cambria Math" charset="0"/>
+                    <a:cs typeface="Cambria Math" charset="0"/>
+                  </a:rPr>
+                  <a:t>would be more precise, but often for simplicity you will see “=” instead of “</a:t>
+                </a:r>
+                <a14:m>
+                  <m:oMath xmlns:m="http://schemas.openxmlformats.org/officeDocument/2006/math">
+                    <m:r>
+                      <a:rPr lang="en-US" i="1">
+                        <a:latin typeface="Cambria Math" charset="0"/>
+                        <a:ea typeface="Cambria Math" charset="0"/>
+                        <a:cs typeface="Cambria Math" charset="0"/>
+                      </a:rPr>
+                      <m:t>∈</m:t>
+                    </m:r>
+                  </m:oMath>
+                </a14:m>
+                <a:r>
+                  <a:rPr lang="en-US" dirty="0" smtClean="0">
+                    <a:ea typeface="Cambria Math" charset="0"/>
+                    <a:cs typeface="Cambria Math" charset="0"/>
+                  </a:rPr>
+                  <a:t>”</a:t>
+                </a:r>
+                <a:endParaRPr lang="en-US" b="0" i="1" dirty="0" smtClean="0">
+                  <a:ea typeface="Cambria Math" charset="0"/>
+                  <a:cs typeface="Cambria Math" charset="0"/>
+                </a:endParaRPr>
               </a:p>
             </p:txBody>
           </p:sp>
@@ -9083,10 +9201,10 @@
               </p:nvPr>
             </p:nvSpPr>
             <p:spPr>
-              <a:blipFill>
+              <a:blipFill rotWithShape="0">
                 <a:blip r:embed="rId2"/>
                 <a:stretch>
-                  <a:fillRect l="-1263"/>
+                  <a:fillRect l="-1098" t="-679" r="-769" b="-2619"/>
                 </a:stretch>
               </a:blipFill>
             </p:spPr>
@@ -9203,7 +9321,7 @@
                       <m:dPr>
                         <m:ctrlPr>
                           <a:rPr lang="en-US" i="1">
-                            <a:latin typeface="Cambria Math" panose="02040503050406030204" pitchFamily="18" charset="0"/>
+                            <a:latin typeface="Cambria Math" charset="0"/>
                           </a:rPr>
                         </m:ctrlPr>
                       </m:dPr>
@@ -9233,7 +9351,7 @@
                       <m:dPr>
                         <m:ctrlPr>
                           <a:rPr lang="en-US" i="1" dirty="0">
-                            <a:latin typeface="Cambria Math" panose="02040503050406030204" pitchFamily="18" charset="0"/>
+                            <a:latin typeface="Cambria Math" charset="0"/>
                           </a:rPr>
                         </m:ctrlPr>
                       </m:dPr>
@@ -9248,7 +9366,7 @@
                           <m:dPr>
                             <m:ctrlPr>
                               <a:rPr lang="en-US" i="1">
-                                <a:latin typeface="Cambria Math" panose="02040503050406030204" pitchFamily="18" charset="0"/>
+                                <a:latin typeface="Cambria Math" charset="0"/>
                               </a:rPr>
                             </m:ctrlPr>
                           </m:dPr>
@@ -9386,7 +9504,7 @@
                       <m:dPr>
                         <m:ctrlPr>
                           <a:rPr lang="en-US" i="1">
-                            <a:latin typeface="Cambria Math" panose="02040503050406030204" pitchFamily="18" charset="0"/>
+                            <a:latin typeface="Cambria Math" charset="0"/>
                             <a:ea typeface="Cambria Math" panose="02040503050406030204" pitchFamily="18" charset="0"/>
                           </a:rPr>
                         </m:ctrlPr>
@@ -9523,7 +9641,7 @@
                       <m:dPr>
                         <m:ctrlPr>
                           <a:rPr lang="en-US" i="1" dirty="0">
-                            <a:latin typeface="Cambria Math" panose="02040503050406030204" pitchFamily="18" charset="0"/>
+                            <a:latin typeface="Cambria Math" charset="0"/>
                           </a:rPr>
                         </m:ctrlPr>
                       </m:dPr>
@@ -9727,7 +9845,7 @@
                       <m:dPr>
                         <m:ctrlPr>
                           <a:rPr lang="en-US" i="1">
-                            <a:latin typeface="Cambria Math" panose="02040503050406030204" pitchFamily="18" charset="0"/>
+                            <a:latin typeface="Cambria Math" charset="0"/>
                           </a:rPr>
                         </m:ctrlPr>
                       </m:dPr>
@@ -9759,7 +9877,7 @@
                       <m:dPr>
                         <m:ctrlPr>
                           <a:rPr lang="en-US" i="1" dirty="0">
-                            <a:latin typeface="Cambria Math" panose="02040503050406030204" pitchFamily="18" charset="0"/>
+                            <a:latin typeface="Cambria Math" charset="0"/>
                           </a:rPr>
                         </m:ctrlPr>
                       </m:dPr>
@@ -9774,7 +9892,7 @@
                           <m:dPr>
                             <m:ctrlPr>
                               <a:rPr lang="en-US" i="1">
-                                <a:latin typeface="Cambria Math" panose="02040503050406030204" pitchFamily="18" charset="0"/>
+                                <a:latin typeface="Cambria Math" charset="0"/>
                               </a:rPr>
                             </m:ctrlPr>
                           </m:dPr>
@@ -9928,7 +10046,7 @@
                       <m:dPr>
                         <m:ctrlPr>
                           <a:rPr lang="en-US" i="1">
-                            <a:latin typeface="Cambria Math" panose="02040503050406030204" pitchFamily="18" charset="0"/>
+                            <a:latin typeface="Cambria Math" charset="0"/>
                             <a:ea typeface="Cambria Math" panose="02040503050406030204" pitchFamily="18" charset="0"/>
                           </a:rPr>
                         </m:ctrlPr>
@@ -11200,8 +11318,8 @@
           </a:p>
         </p:txBody>
       </p:sp>
-      <mc:AlternateContent xmlns:mc="http://schemas.openxmlformats.org/markup-compatibility/2006">
-        <mc:Choice xmlns:a14="http://schemas.microsoft.com/office/drawing/2010/main" Requires="a14">
+      <mc:AlternateContent xmlns:mc="http://schemas.openxmlformats.org/markup-compatibility/2006" xmlns:a14="http://schemas.microsoft.com/office/drawing/2010/main">
+        <mc:Choice Requires="a14">
           <p:sp>
             <p:nvSpPr>
               <p:cNvPr id="3" name="Text Placeholder 2"/>
@@ -11234,7 +11352,7 @@
                       <m:dPr>
                         <m:ctrlPr>
                           <a:rPr lang="en-US" i="1">
-                            <a:latin typeface="Cambria Math" panose="02040503050406030204" pitchFamily="18" charset="0"/>
+                            <a:latin typeface="Cambria Math" charset="0"/>
                           </a:rPr>
                         </m:ctrlPr>
                       </m:dPr>
@@ -11264,7 +11382,7 @@
                       <m:dPr>
                         <m:ctrlPr>
                           <a:rPr lang="en-US" i="1" dirty="0">
-                            <a:latin typeface="Cambria Math" panose="02040503050406030204" pitchFamily="18" charset="0"/>
+                            <a:latin typeface="Cambria Math" charset="0"/>
                           </a:rPr>
                         </m:ctrlPr>
                       </m:dPr>
@@ -11296,7 +11414,7 @@
                       <m:dPr>
                         <m:ctrlPr>
                           <a:rPr lang="en-US" i="1">
-                            <a:latin typeface="Cambria Math" panose="02040503050406030204" pitchFamily="18" charset="0"/>
+                            <a:latin typeface="Cambria Math" charset="0"/>
                           </a:rPr>
                         </m:ctrlPr>
                       </m:dPr>
@@ -11326,7 +11444,7 @@
                       <m:dPr>
                         <m:ctrlPr>
                           <a:rPr lang="en-US" i="1" dirty="0">
-                            <a:latin typeface="Cambria Math" panose="02040503050406030204" pitchFamily="18" charset="0"/>
+                            <a:latin typeface="Cambria Math" charset="0"/>
                           </a:rPr>
                         </m:ctrlPr>
                       </m:dPr>
@@ -11356,7 +11474,7 @@
                       <m:dPr>
                         <m:ctrlPr>
                           <a:rPr lang="en-US" i="1">
-                            <a:latin typeface="Cambria Math" panose="02040503050406030204" pitchFamily="18" charset="0"/>
+                            <a:latin typeface="Cambria Math" charset="0"/>
                           </a:rPr>
                         </m:ctrlPr>
                       </m:dPr>
@@ -11386,7 +11504,7 @@
                       <m:dPr>
                         <m:ctrlPr>
                           <a:rPr lang="en-US" i="1" dirty="0">
-                            <a:latin typeface="Cambria Math" panose="02040503050406030204" pitchFamily="18" charset="0"/>
+                            <a:latin typeface="Cambria Math" charset="0"/>
                           </a:rPr>
                         </m:ctrlPr>
                       </m:dPr>
@@ -11413,7 +11531,7 @@
                           <m:dPr>
                             <m:ctrlPr>
                               <a:rPr lang="en-US" i="1">
-                                <a:latin typeface="Cambria Math" panose="02040503050406030204" pitchFamily="18" charset="0"/>
+                                <a:latin typeface="Cambria Math" charset="0"/>
                               </a:rPr>
                             </m:ctrlPr>
                           </m:dPr>
@@ -11445,7 +11563,7 @@
                       <m:dPr>
                         <m:ctrlPr>
                           <a:rPr lang="en-US" i="1">
-                            <a:latin typeface="Cambria Math" panose="02040503050406030204" pitchFamily="18" charset="0"/>
+                            <a:latin typeface="Cambria Math" charset="0"/>
                           </a:rPr>
                         </m:ctrlPr>
                       </m:dPr>
@@ -11486,7 +11604,7 @@
                       <m:sSupPr>
                         <m:ctrlPr>
                           <a:rPr lang="en-US" i="1">
-                            <a:latin typeface="Cambria Math" panose="02040503050406030204" pitchFamily="18" charset="0"/>
+                            <a:latin typeface="Cambria Math" charset="0"/>
                           </a:rPr>
                         </m:ctrlPr>
                       </m:sSupPr>
@@ -11534,7 +11652,7 @@
                       <m:dPr>
                         <m:ctrlPr>
                           <a:rPr lang="en-US" i="1" dirty="0">
-                            <a:latin typeface="Cambria Math" panose="02040503050406030204" pitchFamily="18" charset="0"/>
+                            <a:latin typeface="Cambria Math" charset="0"/>
                           </a:rPr>
                         </m:ctrlPr>
                       </m:dPr>
@@ -11554,7 +11672,7 @@
             </p:txBody>
           </p:sp>
         </mc:Choice>
-        <mc:Fallback>
+        <mc:Fallback xmlns="">
           <p:sp>
             <p:nvSpPr>
               <p:cNvPr id="3" name="Text Placeholder 2"/>
@@ -11592,8 +11710,8 @@
           </p:sp>
         </mc:Fallback>
       </mc:AlternateContent>
-      <mc:AlternateContent xmlns:mc="http://schemas.openxmlformats.org/markup-compatibility/2006">
-        <mc:Choice xmlns:a14="http://schemas.microsoft.com/office/drawing/2010/main" Requires="a14">
+      <mc:AlternateContent xmlns:mc="http://schemas.openxmlformats.org/markup-compatibility/2006" xmlns:a14="http://schemas.microsoft.com/office/drawing/2010/main">
+        <mc:Choice Requires="a14">
           <p:sp>
             <p:nvSpPr>
               <p:cNvPr id="4" name="TextBox 3"/>
@@ -11688,41 +11806,7 @@
                     <a:cs typeface="+mn-cs"/>
                     <a:sym typeface="Helvetica Light"/>
                   </a:rPr>
-                  <a:t> thing that I can say </a:t>
-                </a:r>
-                <a:r>
-                  <a:rPr kumimoji="0" lang="en-US" sz="3600" b="0" i="0" u="none" strike="noStrike" cap="none" spc="0" normalizeH="0" dirty="0" smtClean="0">
-                    <a:ln>
-                      <a:noFill/>
-                    </a:ln>
-                    <a:solidFill>
-                      <a:srgbClr val="000000"/>
-                    </a:solidFill>
-                    <a:effectLst/>
-                    <a:uFillTx/>
-                    <a:latin typeface="+mn-lt"/>
-                    <a:ea typeface="+mn-ea"/>
-                    <a:cs typeface="+mn-cs"/>
-                    <a:sym typeface="Helvetica Light"/>
-                  </a:rPr>
-                  <a:t>for sure is </a:t>
-                </a:r>
-                <a:r>
-                  <a:rPr kumimoji="0" lang="en-US" sz="3600" b="0" i="0" u="none" strike="noStrike" cap="none" spc="0" normalizeH="0" dirty="0" smtClean="0">
-                    <a:ln>
-                      <a:noFill/>
-                    </a:ln>
-                    <a:solidFill>
-                      <a:srgbClr val="000000"/>
-                    </a:solidFill>
-                    <a:effectLst/>
-                    <a:uFillTx/>
-                    <a:latin typeface="+mn-lt"/>
-                    <a:ea typeface="+mn-ea"/>
-                    <a:cs typeface="+mn-cs"/>
-                    <a:sym typeface="Helvetica Light"/>
-                  </a:rPr>
-                  <a:t>that </a:t>
+                  <a:t> thing that I can say for sure is that </a:t>
                 </a:r>
                 <a14:m>
                   <m:oMath xmlns:m="http://schemas.openxmlformats.org/officeDocument/2006/math">
@@ -11736,7 +11820,7 @@
                       <m:dPr>
                         <m:ctrlPr>
                           <a:rPr lang="en-US" i="1">
-                            <a:latin typeface="Cambria Math" panose="02040503050406030204" pitchFamily="18" charset="0"/>
+                            <a:latin typeface="Cambria Math" charset="0"/>
                           </a:rPr>
                         </m:ctrlPr>
                       </m:dPr>
@@ -11784,7 +11868,7 @@
                       <m:dPr>
                         <m:ctrlPr>
                           <a:rPr lang="en-US" i="1">
-                            <a:latin typeface="Cambria Math" panose="02040503050406030204" pitchFamily="18" charset="0"/>
+                            <a:latin typeface="Cambria Math" charset="0"/>
                           </a:rPr>
                         </m:ctrlPr>
                       </m:dPr>
@@ -11834,7 +11918,7 @@
             </p:txBody>
           </p:sp>
         </mc:Choice>
-        <mc:Fallback>
+        <mc:Fallback xmlns="">
           <p:sp>
             <p:nvSpPr>
               <p:cNvPr id="4" name="TextBox 3"/>
@@ -11916,8 +12000,8 @@
           <a:chExt cx="0" cy="0"/>
         </a:xfrm>
       </p:grpSpPr>
-      <mc:AlternateContent xmlns:mc="http://schemas.openxmlformats.org/markup-compatibility/2006">
-        <mc:Choice xmlns:a14="http://schemas.microsoft.com/office/drawing/2010/main" Requires="a14">
+      <mc:AlternateContent xmlns:mc="http://schemas.openxmlformats.org/markup-compatibility/2006" xmlns:a14="http://schemas.microsoft.com/office/drawing/2010/main">
+        <mc:Choice Requires="a14">
           <p:graphicFrame>
             <p:nvGraphicFramePr>
               <p:cNvPr id="4" name="Table 3"/>
@@ -11946,56 +12030,56 @@
                     <a:gridCol w="2111601">
                       <a:extLst>
                         <a:ext uri="{9D8B030D-6E8A-4147-A177-3AD203B41FA5}">
-                          <a16:colId xmlns:a16="http://schemas.microsoft.com/office/drawing/2014/main" val="842974714"/>
+                          <a16:colId xmlns:a16="http://schemas.microsoft.com/office/drawing/2014/main" xmlns="" val="842974714"/>
                         </a:ext>
                       </a:extLst>
                     </a:gridCol>
                     <a:gridCol w="961534">
                       <a:extLst>
                         <a:ext uri="{9D8B030D-6E8A-4147-A177-3AD203B41FA5}">
-                          <a16:colId xmlns:a16="http://schemas.microsoft.com/office/drawing/2014/main" val="75775168"/>
+                          <a16:colId xmlns:a16="http://schemas.microsoft.com/office/drawing/2014/main" xmlns="" val="75775168"/>
                         </a:ext>
                       </a:extLst>
                     </a:gridCol>
                     <a:gridCol w="1197204">
                       <a:extLst>
                         <a:ext uri="{9D8B030D-6E8A-4147-A177-3AD203B41FA5}">
-                          <a16:colId xmlns:a16="http://schemas.microsoft.com/office/drawing/2014/main" val="1914839310"/>
+                          <a16:colId xmlns:a16="http://schemas.microsoft.com/office/drawing/2014/main" xmlns="" val="1914839310"/>
                         </a:ext>
                       </a:extLst>
                     </a:gridCol>
                     <a:gridCol w="1077237">
                       <a:extLst>
                         <a:ext uri="{9D8B030D-6E8A-4147-A177-3AD203B41FA5}">
-                          <a16:colId xmlns:a16="http://schemas.microsoft.com/office/drawing/2014/main" val="1695561390"/>
+                          <a16:colId xmlns:a16="http://schemas.microsoft.com/office/drawing/2014/main" xmlns="" val="1695561390"/>
                         </a:ext>
                       </a:extLst>
                     </a:gridCol>
                     <a:gridCol w="1336894">
                       <a:extLst>
                         <a:ext uri="{9D8B030D-6E8A-4147-A177-3AD203B41FA5}">
-                          <a16:colId xmlns:a16="http://schemas.microsoft.com/office/drawing/2014/main" val="3067558408"/>
+                          <a16:colId xmlns:a16="http://schemas.microsoft.com/office/drawing/2014/main" xmlns="" val="3067558408"/>
                         </a:ext>
                       </a:extLst>
                     </a:gridCol>
                     <a:gridCol w="1336894">
                       <a:extLst>
                         <a:ext uri="{9D8B030D-6E8A-4147-A177-3AD203B41FA5}">
-                          <a16:colId xmlns:a16="http://schemas.microsoft.com/office/drawing/2014/main" val="2976133629"/>
+                          <a16:colId xmlns:a16="http://schemas.microsoft.com/office/drawing/2014/main" xmlns="" val="2976133629"/>
                         </a:ext>
                       </a:extLst>
                     </a:gridCol>
                     <a:gridCol w="1336894">
                       <a:extLst>
                         <a:ext uri="{9D8B030D-6E8A-4147-A177-3AD203B41FA5}">
-                          <a16:colId xmlns:a16="http://schemas.microsoft.com/office/drawing/2014/main" val="333504347"/>
+                          <a16:colId xmlns:a16="http://schemas.microsoft.com/office/drawing/2014/main" xmlns="" val="333504347"/>
                         </a:ext>
                       </a:extLst>
                     </a:gridCol>
                     <a:gridCol w="1336894">
                       <a:extLst>
                         <a:ext uri="{9D8B030D-6E8A-4147-A177-3AD203B41FA5}">
-                          <a16:colId xmlns:a16="http://schemas.microsoft.com/office/drawing/2014/main" val="40518306"/>
+                          <a16:colId xmlns:a16="http://schemas.microsoft.com/office/drawing/2014/main" xmlns="" val="40518306"/>
                         </a:ext>
                       </a:extLst>
                     </a:gridCol>
@@ -12197,7 +12281,7 @@
                     </a:tc>
                     <a:extLst>
                       <a:ext uri="{0D108BD9-81ED-4DB2-BD59-A6C34878D82A}">
-                        <a16:rowId xmlns:a16="http://schemas.microsoft.com/office/drawing/2014/main" val="1595423175"/>
+                        <a16:rowId xmlns:a16="http://schemas.microsoft.com/office/drawing/2014/main" xmlns="" val="1595423175"/>
                       </a:ext>
                     </a:extLst>
                   </a:tr>
@@ -12210,6 +12294,7 @@
                           <a:endParaRPr lang="en-US" sz="2800" dirty="0" smtClean="0"/>
                         </a:p>
                         <a:p>
+                          <a:pPr/>
                           <a14:m>
                             <m:oMathPara xmlns:m="http://schemas.openxmlformats.org/officeDocument/2006/math">
                               <m:oMathParaPr>
@@ -12227,7 +12312,7 @@
                                   <m:dPr>
                                     <m:ctrlPr>
                                       <a:rPr lang="en-US" sz="2800" i="1" dirty="0">
-                                        <a:latin typeface="Cambria Math" panose="02040503050406030204" pitchFamily="18" charset="0"/>
+                                        <a:latin typeface="Cambria Math" charset="0"/>
                                       </a:rPr>
                                     </m:ctrlPr>
                                   </m:dPr>
@@ -12345,7 +12430,7 @@
                     </a:tc>
                     <a:extLst>
                       <a:ext uri="{0D108BD9-81ED-4DB2-BD59-A6C34878D82A}">
-                        <a16:rowId xmlns:a16="http://schemas.microsoft.com/office/drawing/2014/main" val="58183496"/>
+                        <a16:rowId xmlns:a16="http://schemas.microsoft.com/office/drawing/2014/main" xmlns="" val="58183496"/>
                       </a:ext>
                     </a:extLst>
                   </a:tr>
@@ -12358,6 +12443,7 @@
                           <a:endParaRPr lang="en-US" sz="2800" dirty="0" smtClean="0"/>
                         </a:p>
                         <a:p>
+                          <a:pPr/>
                           <a14:m>
                             <m:oMathPara xmlns:m="http://schemas.openxmlformats.org/officeDocument/2006/math">
                               <m:oMathParaPr>
@@ -12375,7 +12461,7 @@
                                   <m:dPr>
                                     <m:ctrlPr>
                                       <a:rPr lang="en-US" sz="2800" i="1" dirty="0">
-                                        <a:latin typeface="Cambria Math" panose="02040503050406030204" pitchFamily="18" charset="0"/>
+                                        <a:latin typeface="Cambria Math" charset="0"/>
                                       </a:rPr>
                                     </m:ctrlPr>
                                   </m:dPr>
@@ -12507,7 +12593,7 @@
                     </a:tc>
                     <a:extLst>
                       <a:ext uri="{0D108BD9-81ED-4DB2-BD59-A6C34878D82A}">
-                        <a16:rowId xmlns:a16="http://schemas.microsoft.com/office/drawing/2014/main" val="996808120"/>
+                        <a16:rowId xmlns:a16="http://schemas.microsoft.com/office/drawing/2014/main" xmlns="" val="996808120"/>
                       </a:ext>
                     </a:extLst>
                   </a:tr>
@@ -12520,6 +12606,7 @@
                           <a:endParaRPr lang="en-US" sz="2800" dirty="0" smtClean="0"/>
                         </a:p>
                         <a:p>
+                          <a:pPr/>
                           <a14:m>
                             <m:oMathPara xmlns:m="http://schemas.openxmlformats.org/officeDocument/2006/math">
                               <m:oMathParaPr>
@@ -12537,7 +12624,7 @@
                                   <m:dPr>
                                     <m:ctrlPr>
                                       <a:rPr lang="en-US" sz="2800" i="1" dirty="0">
-                                        <a:latin typeface="Cambria Math" panose="02040503050406030204" pitchFamily="18" charset="0"/>
+                                        <a:latin typeface="Cambria Math" charset="0"/>
                                       </a:rPr>
                                     </m:ctrlPr>
                                   </m:dPr>
@@ -12564,7 +12651,7 @@
                                       <m:dPr>
                                         <m:ctrlPr>
                                           <a:rPr lang="en-US" sz="2800" i="1">
-                                            <a:latin typeface="Cambria Math" panose="02040503050406030204" pitchFamily="18" charset="0"/>
+                                            <a:latin typeface="Cambria Math" charset="0"/>
                                           </a:rPr>
                                         </m:ctrlPr>
                                       </m:dPr>
@@ -12691,7 +12778,7 @@
                     </a:tc>
                     <a:extLst>
                       <a:ext uri="{0D108BD9-81ED-4DB2-BD59-A6C34878D82A}">
-                        <a16:rowId xmlns:a16="http://schemas.microsoft.com/office/drawing/2014/main" val="3601360477"/>
+                        <a16:rowId xmlns:a16="http://schemas.microsoft.com/office/drawing/2014/main" xmlns="" val="3601360477"/>
                       </a:ext>
                     </a:extLst>
                   </a:tr>
@@ -12745,7 +12832,7 @@
                                 <m:sSupPr>
                                   <m:ctrlPr>
                                     <a:rPr lang="en-US" sz="2800" i="1">
-                                      <a:latin typeface="Cambria Math" panose="02040503050406030204" pitchFamily="18" charset="0"/>
+                                      <a:latin typeface="Cambria Math" charset="0"/>
                                     </a:rPr>
                                   </m:ctrlPr>
                                 </m:sSupPr>
@@ -12888,7 +12975,7 @@
                     </a:tc>
                     <a:extLst>
                       <a:ext uri="{0D108BD9-81ED-4DB2-BD59-A6C34878D82A}">
-                        <a16:rowId xmlns:a16="http://schemas.microsoft.com/office/drawing/2014/main" val="264172186"/>
+                        <a16:rowId xmlns:a16="http://schemas.microsoft.com/office/drawing/2014/main" xmlns="" val="264172186"/>
                       </a:ext>
                     </a:extLst>
                   </a:tr>
@@ -12954,7 +13041,7 @@
                                   <m:dPr>
                                     <m:ctrlPr>
                                       <a:rPr lang="en-US" sz="2800" i="1" dirty="0">
-                                        <a:latin typeface="Cambria Math" panose="02040503050406030204" pitchFamily="18" charset="0"/>
+                                        <a:latin typeface="Cambria Math" charset="0"/>
                                       </a:rPr>
                                     </m:ctrlPr>
                                   </m:dPr>
@@ -13066,7 +13153,7 @@
                     </a:tc>
                     <a:extLst>
                       <a:ext uri="{0D108BD9-81ED-4DB2-BD59-A6C34878D82A}">
-                        <a16:rowId xmlns:a16="http://schemas.microsoft.com/office/drawing/2014/main" val="3353503529"/>
+                        <a16:rowId xmlns:a16="http://schemas.microsoft.com/office/drawing/2014/main" xmlns="" val="3353503529"/>
                       </a:ext>
                     </a:extLst>
                   </a:tr>
@@ -13075,7 +13162,7 @@
             </a:graphic>
           </p:graphicFrame>
         </mc:Choice>
-        <mc:Fallback>
+        <mc:Fallback xmlns="">
           <p:graphicFrame>
             <p:nvGraphicFramePr>
               <p:cNvPr id="4" name="Table 3"/>
@@ -14091,7 +14178,7 @@
                       <m:dPr>
                         <m:ctrlPr>
                           <a:rPr lang="en-US" i="1" dirty="0">
-                            <a:latin typeface="Cambria Math" panose="02040503050406030204" pitchFamily="18" charset="0"/>
+                            <a:latin typeface="Cambria Math" charset="0"/>
                           </a:rPr>
                         </m:ctrlPr>
                       </m:dPr>
@@ -14257,7 +14344,7 @@
                       <m:dPr>
                         <m:ctrlPr>
                           <a:rPr lang="en-US" i="1">
-                            <a:latin typeface="Cambria Math" panose="02040503050406030204" pitchFamily="18" charset="0"/>
+                            <a:latin typeface="Cambria Math" charset="0"/>
                           </a:rPr>
                         </m:ctrlPr>
                       </m:dPr>
@@ -14287,7 +14374,7 @@
                       <m:dPr>
                         <m:ctrlPr>
                           <a:rPr lang="en-US" i="1" dirty="0">
-                            <a:latin typeface="Cambria Math" panose="02040503050406030204" pitchFamily="18" charset="0"/>
+                            <a:latin typeface="Cambria Math" charset="0"/>
                           </a:rPr>
                         </m:ctrlPr>
                       </m:dPr>
@@ -14324,7 +14411,7 @@
                       <m:dPr>
                         <m:ctrlPr>
                           <a:rPr lang="en-US" i="1">
-                            <a:latin typeface="Cambria Math" panose="02040503050406030204" pitchFamily="18" charset="0"/>
+                            <a:latin typeface="Cambria Math" charset="0"/>
                           </a:rPr>
                         </m:ctrlPr>
                       </m:dPr>
@@ -14354,7 +14441,7 @@
                       <m:dPr>
                         <m:ctrlPr>
                           <a:rPr lang="en-US" i="1" dirty="0">
-                            <a:latin typeface="Cambria Math" panose="02040503050406030204" pitchFamily="18" charset="0"/>
+                            <a:latin typeface="Cambria Math" charset="0"/>
                           </a:rPr>
                         </m:ctrlPr>
                       </m:dPr>
@@ -14363,7 +14450,7 @@
                           <m:sSupPr>
                             <m:ctrlPr>
                               <a:rPr lang="en-US" i="1">
-                                <a:latin typeface="Cambria Math" panose="02040503050406030204" pitchFamily="18" charset="0"/>
+                                <a:latin typeface="Cambria Math" charset="0"/>
                               </a:rPr>
                             </m:ctrlPr>
                           </m:sSupPr>
@@ -14408,7 +14495,7 @@
                       <m:dPr>
                         <m:ctrlPr>
                           <a:rPr lang="en-US" i="1">
-                            <a:latin typeface="Cambria Math" panose="02040503050406030204" pitchFamily="18" charset="0"/>
+                            <a:latin typeface="Cambria Math" charset="0"/>
                           </a:rPr>
                         </m:ctrlPr>
                       </m:dPr>
@@ -14469,7 +14556,7 @@
                       <m:sSupPr>
                         <m:ctrlPr>
                           <a:rPr lang="en-US" i="1">
-                            <a:latin typeface="Cambria Math" panose="02040503050406030204" pitchFamily="18" charset="0"/>
+                            <a:latin typeface="Cambria Math" charset="0"/>
                           </a:rPr>
                         </m:ctrlPr>
                       </m:sSupPr>
@@ -14646,7 +14733,7 @@
                       <m:dPr>
                         <m:ctrlPr>
                           <a:rPr lang="en-US" i="1" dirty="0">
-                            <a:latin typeface="Cambria Math" panose="02040503050406030204" pitchFamily="18" charset="0"/>
+                            <a:latin typeface="Cambria Math" charset="0"/>
                           </a:rPr>
                         </m:ctrlPr>
                       </m:dPr>
@@ -14708,7 +14795,7 @@
                       <m:sSupPr>
                         <m:ctrlPr>
                           <a:rPr lang="en-US" i="1">
-                            <a:latin typeface="Cambria Math" panose="02040503050406030204" pitchFamily="18" charset="0"/>
+                            <a:latin typeface="Cambria Math" charset="0"/>
                           </a:rPr>
                         </m:ctrlPr>
                       </m:sSupPr>
@@ -15747,7 +15834,7 @@
                       <m:dPr>
                         <m:ctrlPr>
                           <a:rPr lang="en-US" b="0" i="1" smtClean="0">
-                            <a:latin typeface="Cambria Math" panose="02040503050406030204" pitchFamily="18" charset="0"/>
+                            <a:latin typeface="Cambria Math" charset="0"/>
                           </a:rPr>
                         </m:ctrlPr>
                       </m:dPr>
@@ -15779,7 +15866,7 @@
                       <m:dPr>
                         <m:ctrlPr>
                           <a:rPr lang="en-US" b="0" i="1" smtClean="0">
-                            <a:latin typeface="Cambria Math" panose="02040503050406030204" pitchFamily="18" charset="0"/>
+                            <a:latin typeface="Cambria Math" charset="0"/>
                           </a:rPr>
                         </m:ctrlPr>
                       </m:dPr>
@@ -15812,7 +15899,7 @@
                         <m:chr m:val="∑"/>
                         <m:ctrlPr>
                           <a:rPr lang="en-US" i="1" smtClean="0">
-                            <a:latin typeface="Cambria Math" panose="02040503050406030204" pitchFamily="18" charset="0"/>
+                            <a:latin typeface="Cambria Math" charset="0"/>
                           </a:rPr>
                         </m:ctrlPr>
                       </m:naryPr>
@@ -15860,7 +15947,7 @@
                       <m:fPr>
                         <m:ctrlPr>
                           <a:rPr lang="en-US" b="0" i="1" smtClean="0">
-                            <a:latin typeface="Cambria Math" panose="02040503050406030204" pitchFamily="18" charset="0"/>
+                            <a:latin typeface="Cambria Math" charset="0"/>
                           </a:rPr>
                         </m:ctrlPr>
                       </m:fPr>
@@ -15891,7 +15978,7 @@
                       <m:dPr>
                         <m:ctrlPr>
                           <a:rPr lang="en-US" b="0" i="1" smtClean="0">
-                            <a:latin typeface="Cambria Math" panose="02040503050406030204" pitchFamily="18" charset="0"/>
+                            <a:latin typeface="Cambria Math" charset="0"/>
                           </a:rPr>
                         </m:ctrlPr>
                       </m:dPr>
@@ -15920,7 +16007,7 @@
                       <m:fPr>
                         <m:ctrlPr>
                           <a:rPr lang="en-US" i="1">
-                            <a:latin typeface="Cambria Math" panose="02040503050406030204" pitchFamily="18" charset="0"/>
+                            <a:latin typeface="Cambria Math" charset="0"/>
                           </a:rPr>
                         </m:ctrlPr>
                       </m:fPr>
@@ -15945,7 +16032,7 @@
                       <m:dPr>
                         <m:ctrlPr>
                           <a:rPr lang="en-US" i="1">
-                            <a:latin typeface="Cambria Math" panose="02040503050406030204" pitchFamily="18" charset="0"/>
+                            <a:latin typeface="Cambria Math" charset="0"/>
                           </a:rPr>
                         </m:ctrlPr>
                       </m:dPr>
@@ -15954,7 +16041,7 @@
                           <m:sSupPr>
                             <m:ctrlPr>
                               <a:rPr lang="en-US" i="1" smtClean="0">
-                                <a:latin typeface="Cambria Math" panose="02040503050406030204" pitchFamily="18" charset="0"/>
+                                <a:latin typeface="Cambria Math" charset="0"/>
                               </a:rPr>
                             </m:ctrlPr>
                           </m:sSupPr>
@@ -16014,7 +16101,7 @@
                       <m:sSupPr>
                         <m:ctrlPr>
                           <a:rPr lang="en-US" b="0" i="1" smtClean="0">
-                            <a:latin typeface="Cambria Math" panose="02040503050406030204" pitchFamily="18" charset="0"/>
+                            <a:latin typeface="Cambria Math" charset="0"/>
                           </a:rPr>
                         </m:ctrlPr>
                       </m:sSupPr>
@@ -16835,7 +16922,7 @@
                           <m:chr m:val="∑"/>
                           <m:ctrlPr>
                             <a:rPr lang="en-US" sz="4800" i="1">
-                              <a:latin typeface="Cambria Math" panose="02040503050406030204" pitchFamily="18" charset="0"/>
+                              <a:latin typeface="Cambria Math" charset="0"/>
                             </a:rPr>
                           </m:ctrlPr>
                         </m:naryPr>
@@ -16883,7 +16970,7 @@
                         <m:fPr>
                           <m:ctrlPr>
                             <a:rPr lang="en-US" sz="4800" i="1">
-                              <a:latin typeface="Cambria Math" panose="02040503050406030204" pitchFamily="18" charset="0"/>
+                              <a:latin typeface="Cambria Math" charset="0"/>
                             </a:rPr>
                           </m:ctrlPr>
                         </m:fPr>
@@ -16914,7 +17001,7 @@
                         <m:dPr>
                           <m:ctrlPr>
                             <a:rPr lang="en-US" sz="4800" i="1">
-                              <a:latin typeface="Cambria Math" panose="02040503050406030204" pitchFamily="18" charset="0"/>
+                              <a:latin typeface="Cambria Math" charset="0"/>
                             </a:rPr>
                           </m:ctrlPr>
                         </m:dPr>
@@ -17027,7 +17114,7 @@
                       <m:dPr>
                         <m:ctrlPr>
                           <a:rPr lang="en-US" b="0" i="1" smtClean="0">
-                            <a:latin typeface="Cambria Math" panose="02040503050406030204" pitchFamily="18" charset="0"/>
+                            <a:latin typeface="Cambria Math" charset="0"/>
                           </a:rPr>
                         </m:ctrlPr>
                       </m:dPr>
@@ -17132,28 +17219,28 @@
                 <a:gridCol w="1279790">
                   <a:extLst>
                     <a:ext uri="{9D8B030D-6E8A-4147-A177-3AD203B41FA5}">
-                      <a16:colId xmlns:a16="http://schemas.microsoft.com/office/drawing/2014/main" val="1427888952"/>
+                      <a16:colId xmlns:a16="http://schemas.microsoft.com/office/drawing/2014/main" xmlns="" val="1427888952"/>
                     </a:ext>
                   </a:extLst>
                 </a:gridCol>
                 <a:gridCol w="1279790">
                   <a:extLst>
                     <a:ext uri="{9D8B030D-6E8A-4147-A177-3AD203B41FA5}">
-                      <a16:colId xmlns:a16="http://schemas.microsoft.com/office/drawing/2014/main" val="2800842422"/>
+                      <a16:colId xmlns:a16="http://schemas.microsoft.com/office/drawing/2014/main" xmlns="" val="2800842422"/>
                     </a:ext>
                   </a:extLst>
                 </a:gridCol>
                 <a:gridCol w="1279790">
                   <a:extLst>
                     <a:ext uri="{9D8B030D-6E8A-4147-A177-3AD203B41FA5}">
-                      <a16:colId xmlns:a16="http://schemas.microsoft.com/office/drawing/2014/main" val="829614565"/>
+                      <a16:colId xmlns:a16="http://schemas.microsoft.com/office/drawing/2014/main" xmlns="" val="829614565"/>
                     </a:ext>
                   </a:extLst>
                 </a:gridCol>
                 <a:gridCol w="1279790">
                   <a:extLst>
                     <a:ext uri="{9D8B030D-6E8A-4147-A177-3AD203B41FA5}">
-                      <a16:colId xmlns:a16="http://schemas.microsoft.com/office/drawing/2014/main" val="1942014112"/>
+                      <a16:colId xmlns:a16="http://schemas.microsoft.com/office/drawing/2014/main" xmlns="" val="1942014112"/>
                     </a:ext>
                   </a:extLst>
                 </a:gridCol>
@@ -17201,7 +17288,7 @@
                 </a:tc>
                 <a:extLst>
                   <a:ext uri="{0D108BD9-81ED-4DB2-BD59-A6C34878D82A}">
-                    <a16:rowId xmlns:a16="http://schemas.microsoft.com/office/drawing/2014/main" val="130454017"/>
+                    <a16:rowId xmlns:a16="http://schemas.microsoft.com/office/drawing/2014/main" xmlns="" val="130454017"/>
                   </a:ext>
                 </a:extLst>
               </a:tr>
@@ -17252,7 +17339,7 @@
                 </a:tc>
                 <a:extLst>
                   <a:ext uri="{0D108BD9-81ED-4DB2-BD59-A6C34878D82A}">
-                    <a16:rowId xmlns:a16="http://schemas.microsoft.com/office/drawing/2014/main" val="3524873903"/>
+                    <a16:rowId xmlns:a16="http://schemas.microsoft.com/office/drawing/2014/main" xmlns="" val="3524873903"/>
                   </a:ext>
                 </a:extLst>
               </a:tr>
@@ -17307,7 +17394,7 @@
                 </a:tc>
                 <a:extLst>
                   <a:ext uri="{0D108BD9-81ED-4DB2-BD59-A6C34878D82A}">
-                    <a16:rowId xmlns:a16="http://schemas.microsoft.com/office/drawing/2014/main" val="3670279432"/>
+                    <a16:rowId xmlns:a16="http://schemas.microsoft.com/office/drawing/2014/main" xmlns="" val="3670279432"/>
                   </a:ext>
                 </a:extLst>
               </a:tr>
@@ -17366,7 +17453,7 @@
                 </a:tc>
                 <a:extLst>
                   <a:ext uri="{0D108BD9-81ED-4DB2-BD59-A6C34878D82A}">
-                    <a16:rowId xmlns:a16="http://schemas.microsoft.com/office/drawing/2014/main" val="569282809"/>
+                    <a16:rowId xmlns:a16="http://schemas.microsoft.com/office/drawing/2014/main" xmlns="" val="569282809"/>
                   </a:ext>
                 </a:extLst>
               </a:tr>
@@ -17429,7 +17516,7 @@
                 </a:tc>
                 <a:extLst>
                   <a:ext uri="{0D108BD9-81ED-4DB2-BD59-A6C34878D82A}">
-                    <a16:rowId xmlns:a16="http://schemas.microsoft.com/office/drawing/2014/main" val="3394859053"/>
+                    <a16:rowId xmlns:a16="http://schemas.microsoft.com/office/drawing/2014/main" xmlns="" val="3394859053"/>
                   </a:ext>
                 </a:extLst>
               </a:tr>
@@ -17976,7 +18063,7 @@
                       <m:sSupPr>
                         <m:ctrlPr>
                           <a:rPr lang="en-US" b="0" i="1" smtClean="0">
-                            <a:latin typeface="Cambria Math" panose="02040503050406030204" pitchFamily="18" charset="0"/>
+                            <a:latin typeface="Cambria Math" charset="0"/>
                           </a:rPr>
                         </m:ctrlPr>
                       </m:sSupPr>
@@ -22320,8 +22407,8 @@
           </a:p>
         </p:txBody>
       </p:sp>
-      <mc:AlternateContent xmlns:mc="http://schemas.openxmlformats.org/markup-compatibility/2006">
-        <mc:Choice xmlns:a14="http://schemas.microsoft.com/office/drawing/2010/main" Requires="a14">
+      <mc:AlternateContent xmlns:mc="http://schemas.openxmlformats.org/markup-compatibility/2006" xmlns:a14="http://schemas.microsoft.com/office/drawing/2010/main">
+        <mc:Choice Requires="a14">
           <p:sp>
             <p:nvSpPr>
               <p:cNvPr id="3" name="Text Placeholder 2"/>
@@ -22397,7 +22484,7 @@
                       <m:dPr>
                         <m:ctrlPr>
                           <a:rPr lang="en-US" i="1" dirty="0">
-                            <a:latin typeface="Cambria Math" panose="02040503050406030204" pitchFamily="18" charset="0"/>
+                            <a:latin typeface="Cambria Math" charset="0"/>
                           </a:rPr>
                         </m:ctrlPr>
                       </m:dPr>
@@ -22414,11 +22501,7 @@
                 </a14:m>
                 <a:r>
                   <a:rPr lang="en-US" dirty="0"/>
-                  <a:t> and O</a:t>
-                </a:r>
-                <a:r>
-                  <a:rPr lang="en-US" dirty="0"/>
-                  <a:t>(</a:t>
+                  <a:t> and O(</a:t>
                 </a:r>
                 <a14:m>
                   <m:oMath xmlns:m="http://schemas.openxmlformats.org/officeDocument/2006/math">
@@ -22426,7 +22509,7 @@
                       <m:sSupPr>
                         <m:ctrlPr>
                           <a:rPr lang="en-US" i="1">
-                            <a:latin typeface="Cambria Math" panose="02040503050406030204" pitchFamily="18" charset="0"/>
+                            <a:latin typeface="Cambria Math" charset="0"/>
                           </a:rPr>
                         </m:ctrlPr>
                       </m:sSupPr>
@@ -22451,11 +22534,7 @@
                 </a14:m>
                 <a:r>
                   <a:rPr lang="en-US" dirty="0"/>
-                  <a:t>) pair </a:t>
-                </a:r>
-                <a:r>
-                  <a:rPr lang="en-US" dirty="0"/>
-                  <a:t>comparisons</a:t>
+                  <a:t>) pair comparisons</a:t>
                 </a:r>
               </a:p>
               <a:p>
@@ -22472,7 +22551,7 @@
             </p:txBody>
           </p:sp>
         </mc:Choice>
-        <mc:Fallback>
+        <mc:Fallback xmlns="">
           <p:sp>
             <p:nvSpPr>
               <p:cNvPr id="3" name="Text Placeholder 2"/>
@@ -23160,7 +23239,7 @@
                       <m:dPr>
                         <m:ctrlPr>
                           <a:rPr lang="en-US" b="0" i="1" smtClean="0">
-                            <a:latin typeface="Cambria Math" panose="02040503050406030204" pitchFamily="18" charset="0"/>
+                            <a:latin typeface="Cambria Math" charset="0"/>
                           </a:rPr>
                         </m:ctrlPr>
                       </m:dPr>
@@ -23195,7 +23274,7 @@
                       <m:sSupPr>
                         <m:ctrlPr>
                           <a:rPr lang="en-US" b="0" i="1" smtClean="0">
-                            <a:latin typeface="Cambria Math" panose="02040503050406030204" pitchFamily="18" charset="0"/>
+                            <a:latin typeface="Cambria Math" charset="0"/>
                           </a:rPr>
                         </m:ctrlPr>
                       </m:sSupPr>
@@ -23283,7 +23362,7 @@
                       <m:dPr>
                         <m:ctrlPr>
                           <a:rPr lang="en-US" i="1">
-                            <a:latin typeface="Cambria Math" panose="02040503050406030204" pitchFamily="18" charset="0"/>
+                            <a:latin typeface="Cambria Math" charset="0"/>
                           </a:rPr>
                         </m:ctrlPr>
                       </m:dPr>
@@ -23552,7 +23631,7 @@
                       <m:dPr>
                         <m:ctrlPr>
                           <a:rPr lang="en-US" b="0" i="1" smtClean="0">
-                            <a:latin typeface="Cambria Math" panose="02040503050406030204" pitchFamily="18" charset="0"/>
+                            <a:latin typeface="Cambria Math" charset="0"/>
                           </a:rPr>
                         </m:ctrlPr>
                       </m:dPr>
@@ -23575,7 +23654,7 @@
                       <m:sSupPr>
                         <m:ctrlPr>
                           <a:rPr lang="en-US" b="0" i="1" smtClean="0">
-                            <a:latin typeface="Cambria Math" panose="02040503050406030204" pitchFamily="18" charset="0"/>
+                            <a:latin typeface="Cambria Math" charset="0"/>
                           </a:rPr>
                         </m:ctrlPr>
                       </m:sSupPr>
@@ -23613,7 +23692,7 @@
                       <m:dPr>
                         <m:ctrlPr>
                           <a:rPr lang="en-US" b="0" i="1" smtClean="0">
-                            <a:latin typeface="Cambria Math" panose="02040503050406030204" pitchFamily="18" charset="0"/>
+                            <a:latin typeface="Cambria Math" charset="0"/>
                           </a:rPr>
                         </m:ctrlPr>
                       </m:dPr>
@@ -23665,7 +23744,7 @@
                       <m:dPr>
                         <m:ctrlPr>
                           <a:rPr lang="en-US" i="1">
-                            <a:latin typeface="Cambria Math" panose="02040503050406030204" pitchFamily="18" charset="0"/>
+                            <a:latin typeface="Cambria Math" charset="0"/>
                           </a:rPr>
                         </m:ctrlPr>
                       </m:dPr>
@@ -23741,7 +23820,7 @@
                       <m:dPr>
                         <m:ctrlPr>
                           <a:rPr lang="en-US" i="1">
-                            <a:latin typeface="Cambria Math" panose="02040503050406030204" pitchFamily="18" charset="0"/>
+                            <a:latin typeface="Cambria Math" charset="0"/>
                           </a:rPr>
                         </m:ctrlPr>
                       </m:dPr>

--- a/docs/slides/03/03_analysis_sort.pptx
+++ b/docs/slides/03/03_analysis_sort.pptx
@@ -2323,7 +2323,7 @@
           </a:ln>
           <a:extLst>
             <a:ext uri="{C572A759-6A51-4108-AA02-DFA0A04FC94B}">
-              <ma14:wrappingTextBoxFlag xmlns:ma14="http://schemas.microsoft.com/office/mac/drawingml/2011/main" val="1"/>
+              <ma14:wrappingTextBoxFlag xmlns:ma14="http://schemas.microsoft.com/office/mac/drawingml/2011/main" xmlns="" val="1"/>
             </a:ext>
           </a:extLst>
         </p:spPr>
@@ -2362,7 +2362,7 @@
           </a:ln>
           <a:extLst>
             <a:ext uri="{C572A759-6A51-4108-AA02-DFA0A04FC94B}">
-              <ma14:wrappingTextBoxFlag xmlns:ma14="http://schemas.microsoft.com/office/mac/drawingml/2011/main" val="1"/>
+              <ma14:wrappingTextBoxFlag xmlns:ma14="http://schemas.microsoft.com/office/mac/drawingml/2011/main" xmlns="" val="1"/>
             </a:ext>
           </a:extLst>
         </p:spPr>
@@ -3345,7 +3345,15 @@
             <a:pPr algn="r"/>
             <a:r>
               <a:rPr lang="en-US" dirty="0" smtClean="0"/>
-              <a:t>Dr. Andrea Arcuri</a:t>
+              <a:t>Prof</a:t>
+            </a:r>
+            <a:r>
+              <a:rPr lang="en-US" dirty="0" smtClean="0"/>
+              <a:t>. </a:t>
+            </a:r>
+            <a:r>
+              <a:rPr lang="en-US" dirty="0" smtClean="0"/>
+              <a:t>Andrea Arcuri</a:t>
             </a:r>
             <a:endParaRPr lang="en-US" dirty="0"/>
           </a:p>
@@ -3954,7 +3962,7 @@
                       <m:dPr>
                         <m:ctrlPr>
                           <a:rPr lang="en-US" b="0" i="1" smtClean="0">
-                            <a:latin typeface="Cambria Math" charset="0"/>
+                            <a:latin typeface="Cambria Math" panose="02040503050406030204" pitchFamily="18" charset="0"/>
                           </a:rPr>
                         </m:ctrlPr>
                       </m:dPr>
@@ -4013,7 +4021,7 @@
                       <m:dPr>
                         <m:ctrlPr>
                           <a:rPr lang="en-US" b="0" i="1" smtClean="0">
-                            <a:latin typeface="Cambria Math" charset="0"/>
+                            <a:latin typeface="Cambria Math" panose="02040503050406030204" pitchFamily="18" charset="0"/>
                           </a:rPr>
                         </m:ctrlPr>
                       </m:dPr>
@@ -4036,7 +4044,7 @@
                       <m:sSupPr>
                         <m:ctrlPr>
                           <a:rPr lang="en-US" b="0" i="1" smtClean="0">
-                            <a:latin typeface="Cambria Math" charset="0"/>
+                            <a:latin typeface="Cambria Math" panose="02040503050406030204" pitchFamily="18" charset="0"/>
                           </a:rPr>
                         </m:ctrlPr>
                       </m:sSupPr>
@@ -4105,7 +4113,7 @@
                       <m:sSupPr>
                         <m:ctrlPr>
                           <a:rPr lang="en-US" b="0" i="1" smtClean="0">
-                            <a:latin typeface="Cambria Math" charset="0"/>
+                            <a:latin typeface="Cambria Math" panose="02040503050406030204" pitchFamily="18" charset="0"/>
                           </a:rPr>
                         </m:ctrlPr>
                       </m:sSupPr>
@@ -4264,7 +4272,7 @@
                       <m:dPr>
                         <m:ctrlPr>
                           <a:rPr lang="en-US" b="0" i="1" smtClean="0">
-                            <a:latin typeface="Cambria Math" charset="0"/>
+                            <a:latin typeface="Cambria Math" panose="02040503050406030204" pitchFamily="18" charset="0"/>
                           </a:rPr>
                         </m:ctrlPr>
                       </m:dPr>
@@ -4388,7 +4396,7 @@
                       <m:dPr>
                         <m:ctrlPr>
                           <a:rPr lang="en-US" b="0" i="1" smtClean="0">
-                            <a:latin typeface="Cambria Math" charset="0"/>
+                            <a:latin typeface="Cambria Math" panose="02040503050406030204" pitchFamily="18" charset="0"/>
                             <a:ea typeface="Cambria Math" panose="02040503050406030204" pitchFamily="18" charset="0"/>
                           </a:rPr>
                         </m:ctrlPr>
@@ -4570,7 +4578,7 @@
                       <m:dPr>
                         <m:ctrlPr>
                           <a:rPr lang="en-US" i="1">
-                            <a:latin typeface="Cambria Math" charset="0"/>
+                            <a:latin typeface="Cambria Math" panose="02040503050406030204" pitchFamily="18" charset="0"/>
                           </a:rPr>
                         </m:ctrlPr>
                       </m:dPr>
@@ -4734,7 +4742,7 @@
                         <m:dPr>
                           <m:ctrlPr>
                             <a:rPr lang="en-US" i="1">
-                              <a:latin typeface="Cambria Math" charset="0"/>
+                              <a:latin typeface="Cambria Math" panose="02040503050406030204" pitchFamily="18" charset="0"/>
                             </a:rPr>
                           </m:ctrlPr>
                         </m:dPr>
@@ -4945,7 +4953,7 @@
                         <m:dPr>
                           <m:ctrlPr>
                             <a:rPr lang="en-US" i="1">
-                              <a:latin typeface="Cambria Math" charset="0"/>
+                              <a:latin typeface="Cambria Math" panose="02040503050406030204" pitchFamily="18" charset="0"/>
                             </a:rPr>
                           </m:ctrlPr>
                         </m:dPr>
@@ -4954,7 +4962,7 @@
                             <m:sSupPr>
                               <m:ctrlPr>
                                 <a:rPr lang="en-US" i="1">
-                                  <a:latin typeface="Cambria Math" charset="0"/>
+                                  <a:latin typeface="Cambria Math" panose="02040503050406030204" pitchFamily="18" charset="0"/>
                                 </a:rPr>
                               </m:ctrlPr>
                             </m:sSupPr>
@@ -5051,7 +5059,7 @@
                       <m:sSupPr>
                         <m:ctrlPr>
                           <a:rPr lang="en-US" i="1">
-                            <a:latin typeface="Cambria Math" charset="0"/>
+                            <a:latin typeface="Cambria Math" panose="02040503050406030204" pitchFamily="18" charset="0"/>
                           </a:rPr>
                         </m:ctrlPr>
                       </m:sSupPr>
@@ -5097,7 +5105,7 @@
                       <m:sSupPr>
                         <m:ctrlPr>
                           <a:rPr lang="en-US" i="1">
-                            <a:latin typeface="Cambria Math" charset="0"/>
+                            <a:latin typeface="Cambria Math" panose="02040503050406030204" pitchFamily="18" charset="0"/>
                           </a:rPr>
                         </m:ctrlPr>
                       </m:sSupPr>
@@ -5285,7 +5293,7 @@
                         <m:dPr>
                           <m:ctrlPr>
                             <a:rPr lang="en-US" i="1">
-                              <a:latin typeface="Cambria Math" charset="0"/>
+                              <a:latin typeface="Cambria Math" panose="02040503050406030204" pitchFamily="18" charset="0"/>
                             </a:rPr>
                           </m:ctrlPr>
                         </m:dPr>
@@ -5502,7 +5510,7 @@
                         <m:dPr>
                           <m:ctrlPr>
                             <a:rPr lang="en-US" i="1">
-                              <a:latin typeface="Cambria Math" charset="0"/>
+                              <a:latin typeface="Cambria Math" panose="02040503050406030204" pitchFamily="18" charset="0"/>
                             </a:rPr>
                           </m:ctrlPr>
                         </m:dPr>
@@ -5575,7 +5583,7 @@
         </p:spPr>
         <p:txBody>
           <a:bodyPr>
-            <a:normAutofit lnSpcReduction="10000"/>
+            <a:normAutofit/>
           </a:bodyPr>
           <a:lstStyle/>
           <a:p>
@@ -5738,7 +5746,7 @@
                         <m:sSupPr>
                           <m:ctrlPr>
                             <a:rPr lang="en-US" i="1">
-                              <a:latin typeface="Cambria Math" charset="0"/>
+                              <a:latin typeface="Cambria Math" panose="02040503050406030204" pitchFamily="18" charset="0"/>
                             </a:rPr>
                           </m:ctrlPr>
                         </m:sSupPr>
@@ -5787,7 +5795,7 @@
                         <m:dPr>
                           <m:ctrlPr>
                             <a:rPr lang="en-US" i="1">
-                              <a:latin typeface="Cambria Math" charset="0"/>
+                              <a:latin typeface="Cambria Math" panose="02040503050406030204" pitchFamily="18" charset="0"/>
                             </a:rPr>
                           </m:ctrlPr>
                         </m:dPr>
@@ -5796,7 +5804,7 @@
                             <m:sSupPr>
                               <m:ctrlPr>
                                 <a:rPr lang="en-US" i="1">
-                                  <a:latin typeface="Cambria Math" charset="0"/>
+                                  <a:latin typeface="Cambria Math" panose="02040503050406030204" pitchFamily="18" charset="0"/>
                                 </a:rPr>
                               </m:ctrlPr>
                             </m:sSupPr>
@@ -5895,7 +5903,7 @@
                       <m:sSupPr>
                         <m:ctrlPr>
                           <a:rPr lang="en-US" i="1">
-                            <a:latin typeface="Cambria Math" charset="0"/>
+                            <a:latin typeface="Cambria Math" panose="02040503050406030204" pitchFamily="18" charset="0"/>
                           </a:rPr>
                         </m:ctrlPr>
                       </m:sSupPr>
@@ -5937,7 +5945,7 @@
                       <m:sSupPr>
                         <m:ctrlPr>
                           <a:rPr lang="en-US" i="1">
-                            <a:latin typeface="Cambria Math" charset="0"/>
+                            <a:latin typeface="Cambria Math" panose="02040503050406030204" pitchFamily="18" charset="0"/>
                           </a:rPr>
                         </m:ctrlPr>
                       </m:sSupPr>
@@ -5970,7 +5978,7 @@
                       <m:sSupPr>
                         <m:ctrlPr>
                           <a:rPr lang="en-US" i="1">
-                            <a:latin typeface="Cambria Math" charset="0"/>
+                            <a:latin typeface="Cambria Math" panose="02040503050406030204" pitchFamily="18" charset="0"/>
                           </a:rPr>
                         </m:ctrlPr>
                       </m:sSupPr>
@@ -6164,7 +6172,7 @@
                         <m:dPr>
                           <m:ctrlPr>
                             <a:rPr lang="en-US" i="1">
-                              <a:latin typeface="Cambria Math" charset="0"/>
+                              <a:latin typeface="Cambria Math" panose="02040503050406030204" pitchFamily="18" charset="0"/>
                             </a:rPr>
                           </m:ctrlPr>
                         </m:dPr>
@@ -6544,7 +6552,7 @@
                         <m:dPr>
                           <m:ctrlPr>
                             <a:rPr lang="en-US" i="1">
-                              <a:latin typeface="Cambria Math" charset="0"/>
+                              <a:latin typeface="Cambria Math" panose="02040503050406030204" pitchFamily="18" charset="0"/>
                             </a:rPr>
                           </m:ctrlPr>
                         </m:dPr>
@@ -6760,7 +6768,7 @@
                         <m:dPr>
                           <m:ctrlPr>
                             <a:rPr lang="en-US" i="1">
-                              <a:latin typeface="Cambria Math" charset="0"/>
+                              <a:latin typeface="Cambria Math" panose="02040503050406030204" pitchFamily="18" charset="0"/>
                             </a:rPr>
                           </m:ctrlPr>
                         </m:dPr>
@@ -6976,7 +6984,7 @@
                         <m:dPr>
                           <m:ctrlPr>
                             <a:rPr lang="en-US" i="1">
-                              <a:latin typeface="Cambria Math" charset="0"/>
+                              <a:latin typeface="Cambria Math" panose="02040503050406030204" pitchFamily="18" charset="0"/>
                             </a:rPr>
                           </m:ctrlPr>
                         </m:dPr>
@@ -7196,7 +7204,7 @@
                         <m:sSupPr>
                           <m:ctrlPr>
                             <a:rPr lang="en-US" i="1">
-                              <a:latin typeface="Cambria Math" charset="0"/>
+                              <a:latin typeface="Cambria Math" panose="02040503050406030204" pitchFamily="18" charset="0"/>
                             </a:rPr>
                           </m:ctrlPr>
                         </m:sSupPr>
@@ -7233,7 +7241,7 @@
                         <m:dPr>
                           <m:ctrlPr>
                             <a:rPr lang="en-US" i="1">
-                              <a:latin typeface="Cambria Math" charset="0"/>
+                              <a:latin typeface="Cambria Math" panose="02040503050406030204" pitchFamily="18" charset="0"/>
                             </a:rPr>
                           </m:ctrlPr>
                         </m:dPr>
@@ -7503,7 +7511,7 @@
                       <m:dPr>
                         <m:ctrlPr>
                           <a:rPr lang="en-US" i="1">
-                            <a:latin typeface="Cambria Math" charset="0"/>
+                            <a:latin typeface="Cambria Math" panose="02040503050406030204" pitchFamily="18" charset="0"/>
                           </a:rPr>
                         </m:ctrlPr>
                       </m:dPr>
@@ -7546,7 +7554,7 @@
                       <m:dPr>
                         <m:ctrlPr>
                           <a:rPr lang="en-US" i="1">
-                            <a:latin typeface="Cambria Math" charset="0"/>
+                            <a:latin typeface="Cambria Math" panose="02040503050406030204" pitchFamily="18" charset="0"/>
                           </a:rPr>
                         </m:ctrlPr>
                       </m:dPr>
@@ -7555,7 +7563,7 @@
                           <m:sSupPr>
                             <m:ctrlPr>
                               <a:rPr lang="en-US" i="1">
-                                <a:latin typeface="Cambria Math" charset="0"/>
+                                <a:latin typeface="Cambria Math" panose="02040503050406030204" pitchFamily="18" charset="0"/>
                               </a:rPr>
                             </m:ctrlPr>
                           </m:sSupPr>
@@ -7613,7 +7621,7 @@
                       <m:dPr>
                         <m:ctrlPr>
                           <a:rPr lang="en-US" i="1">
-                            <a:latin typeface="Cambria Math" charset="0"/>
+                            <a:latin typeface="Cambria Math" panose="02040503050406030204" pitchFamily="18" charset="0"/>
                           </a:rPr>
                         </m:ctrlPr>
                       </m:dPr>
@@ -7668,7 +7676,7 @@
                       <m:dPr>
                         <m:ctrlPr>
                           <a:rPr lang="en-US" i="1">
-                            <a:latin typeface="Cambria Math" charset="0"/>
+                            <a:latin typeface="Cambria Math" panose="02040503050406030204" pitchFamily="18" charset="0"/>
                           </a:rPr>
                         </m:ctrlPr>
                       </m:dPr>
@@ -7693,7 +7701,7 @@
                       <m:sSupPr>
                         <m:ctrlPr>
                           <a:rPr lang="en-US" i="1">
-                            <a:latin typeface="Cambria Math" charset="0"/>
+                            <a:latin typeface="Cambria Math" panose="02040503050406030204" pitchFamily="18" charset="0"/>
                           </a:rPr>
                         </m:ctrlPr>
                       </m:sSupPr>
@@ -7742,7 +7750,7 @@
                       <m:dPr>
                         <m:ctrlPr>
                           <a:rPr lang="en-US" i="1">
-                            <a:latin typeface="Cambria Math" charset="0"/>
+                            <a:latin typeface="Cambria Math" panose="02040503050406030204" pitchFamily="18" charset="0"/>
                           </a:rPr>
                         </m:ctrlPr>
                       </m:dPr>
@@ -7751,7 +7759,7 @@
                           <m:sSupPr>
                             <m:ctrlPr>
                               <a:rPr lang="en-US" i="1">
-                                <a:latin typeface="Cambria Math" charset="0"/>
+                                <a:latin typeface="Cambria Math" panose="02040503050406030204" pitchFamily="18" charset="0"/>
                               </a:rPr>
                             </m:ctrlPr>
                           </m:sSupPr>
@@ -7846,7 +7854,7 @@
               </a:ln>
               <a:extLst>
                 <a:ext uri="{C572A759-6A51-4108-AA02-DFA0A04FC94B}">
-                  <ma14:wrappingTextBoxFlag xmlns:ma14="http://schemas.microsoft.com/office/mac/drawingml/2011/main" val="1"/>
+                  <ma14:wrappingTextBoxFlag xmlns:ma14="http://schemas.microsoft.com/office/mac/drawingml/2011/main" xmlns="" val="1"/>
                 </a:ext>
               </a:extLst>
             </p:spPr>
@@ -8143,7 +8151,7 @@
                       <m:dPr>
                         <m:ctrlPr>
                           <a:rPr lang="en-US" i="1">
-                            <a:latin typeface="Cambria Math" charset="0"/>
+                            <a:latin typeface="Cambria Math" panose="02040503050406030204" pitchFamily="18" charset="0"/>
                           </a:rPr>
                         </m:ctrlPr>
                       </m:dPr>
@@ -8186,7 +8194,7 @@
                       <m:dPr>
                         <m:ctrlPr>
                           <a:rPr lang="en-US" i="1">
-                            <a:latin typeface="Cambria Math" charset="0"/>
+                            <a:latin typeface="Cambria Math" panose="02040503050406030204" pitchFamily="18" charset="0"/>
                           </a:rPr>
                         </m:ctrlPr>
                       </m:dPr>
@@ -8223,7 +8231,7 @@
                       <m:dPr>
                         <m:ctrlPr>
                           <a:rPr lang="en-US" i="1">
-                            <a:latin typeface="Cambria Math" charset="0"/>
+                            <a:latin typeface="Cambria Math" panose="02040503050406030204" pitchFamily="18" charset="0"/>
                           </a:rPr>
                         </m:ctrlPr>
                       </m:dPr>
@@ -8266,7 +8274,7 @@
                       <m:dPr>
                         <m:ctrlPr>
                           <a:rPr lang="en-US" i="1">
-                            <a:latin typeface="Cambria Math" charset="0"/>
+                            <a:latin typeface="Cambria Math" panose="02040503050406030204" pitchFamily="18" charset="0"/>
                           </a:rPr>
                         </m:ctrlPr>
                       </m:dPr>
@@ -8291,7 +8299,7 @@
                       <m:sSupPr>
                         <m:ctrlPr>
                           <a:rPr lang="en-US" i="1">
-                            <a:latin typeface="Cambria Math" charset="0"/>
+                            <a:latin typeface="Cambria Math" panose="02040503050406030204" pitchFamily="18" charset="0"/>
                           </a:rPr>
                         </m:ctrlPr>
                       </m:sSupPr>
@@ -8328,7 +8336,7 @@
                       <m:dPr>
                         <m:ctrlPr>
                           <a:rPr lang="en-US" i="1">
-                            <a:latin typeface="Cambria Math" charset="0"/>
+                            <a:latin typeface="Cambria Math" panose="02040503050406030204" pitchFamily="18" charset="0"/>
                           </a:rPr>
                         </m:ctrlPr>
                       </m:dPr>
@@ -8489,7 +8497,7 @@
                       <m:sSupPr>
                         <m:ctrlPr>
                           <a:rPr lang="en-US" i="1">
-                            <a:latin typeface="Cambria Math" charset="0"/>
+                            <a:latin typeface="Cambria Math" panose="02040503050406030204" pitchFamily="18" charset="0"/>
                           </a:rPr>
                         </m:ctrlPr>
                       </m:sSupPr>
@@ -8532,7 +8540,7 @@
                       <m:sSupPr>
                         <m:ctrlPr>
                           <a:rPr lang="en-US" i="1">
-                            <a:latin typeface="Cambria Math" charset="0"/>
+                            <a:latin typeface="Cambria Math" panose="02040503050406030204" pitchFamily="18" charset="0"/>
                           </a:rPr>
                         </m:ctrlPr>
                       </m:sSupPr>
@@ -8599,7 +8607,7 @@
                       <m:dPr>
                         <m:ctrlPr>
                           <a:rPr lang="en-US" i="1">
-                            <a:latin typeface="Cambria Math" charset="0"/>
+                            <a:latin typeface="Cambria Math" panose="02040503050406030204" pitchFamily="18" charset="0"/>
                           </a:rPr>
                         </m:ctrlPr>
                       </m:dPr>
@@ -8608,7 +8616,7 @@
                           <m:sSupPr>
                             <m:ctrlPr>
                               <a:rPr lang="en-US" i="1">
-                                <a:latin typeface="Cambria Math" charset="0"/>
+                                <a:latin typeface="Cambria Math" panose="02040503050406030204" pitchFamily="18" charset="0"/>
                               </a:rPr>
                             </m:ctrlPr>
                           </m:sSupPr>
@@ -8666,7 +8674,7 @@
                       <m:dPr>
                         <m:ctrlPr>
                           <a:rPr lang="en-US" i="1">
-                            <a:latin typeface="Cambria Math" charset="0"/>
+                            <a:latin typeface="Cambria Math" panose="02040503050406030204" pitchFamily="18" charset="0"/>
                           </a:rPr>
                         </m:ctrlPr>
                       </m:dPr>
@@ -8781,8 +8789,8 @@
           </a:p>
         </p:txBody>
       </p:sp>
-      <mc:AlternateContent xmlns:mc="http://schemas.openxmlformats.org/markup-compatibility/2006">
-        <mc:Choice xmlns:a14="http://schemas.microsoft.com/office/drawing/2010/main" Requires="a14">
+      <mc:AlternateContent xmlns:mc="http://schemas.openxmlformats.org/markup-compatibility/2006" xmlns:a14="http://schemas.microsoft.com/office/drawing/2010/main">
+        <mc:Choice Requires="a14">
           <p:sp>
             <p:nvSpPr>
               <p:cNvPr id="3" name="Text Placeholder 2"/>
@@ -8914,7 +8922,7 @@
                       <m:dPr>
                         <m:ctrlPr>
                           <a:rPr lang="en-US" i="1">
-                            <a:latin typeface="Cambria Math" charset="0"/>
+                            <a:latin typeface="Cambria Math" panose="02040503050406030204" pitchFamily="18" charset="0"/>
                             <a:ea typeface="Cambria Math" panose="02040503050406030204" pitchFamily="18" charset="0"/>
                           </a:rPr>
                         </m:ctrlPr>
@@ -9075,7 +9083,7 @@
                       <m:dPr>
                         <m:ctrlPr>
                           <a:rPr lang="en-US" b="0" i="1" smtClean="0">
-                            <a:latin typeface="Cambria Math" charset="0"/>
+                            <a:latin typeface="Cambria Math" panose="02040503050406030204" pitchFamily="18" charset="0"/>
                           </a:rPr>
                         </m:ctrlPr>
                       </m:dPr>
@@ -9108,7 +9116,7 @@
                       <m:dPr>
                         <m:ctrlPr>
                           <a:rPr lang="en-US" b="0" i="1" smtClean="0">
-                            <a:latin typeface="Cambria Math" charset="0"/>
+                            <a:latin typeface="Cambria Math" panose="02040503050406030204" pitchFamily="18" charset="0"/>
                             <a:ea typeface="Cambria Math" charset="0"/>
                             <a:cs typeface="Cambria Math" charset="0"/>
                           </a:rPr>
@@ -9127,7 +9135,7 @@
                           <m:dPr>
                             <m:ctrlPr>
                               <a:rPr lang="en-US" b="0" i="1" smtClean="0">
-                                <a:latin typeface="Cambria Math" charset="0"/>
+                                <a:latin typeface="Cambria Math" panose="02040503050406030204" pitchFamily="18" charset="0"/>
                                 <a:ea typeface="Cambria Math" charset="0"/>
                                 <a:cs typeface="Cambria Math" charset="0"/>
                               </a:rPr>
@@ -9189,7 +9197,7 @@
             </p:txBody>
           </p:sp>
         </mc:Choice>
-        <mc:Fallback>
+        <mc:Fallback xmlns="">
           <p:sp>
             <p:nvSpPr>
               <p:cNvPr id="3" name="Text Placeholder 2"/>
@@ -9321,7 +9329,7 @@
                       <m:dPr>
                         <m:ctrlPr>
                           <a:rPr lang="en-US" i="1">
-                            <a:latin typeface="Cambria Math" charset="0"/>
+                            <a:latin typeface="Cambria Math" panose="02040503050406030204" pitchFamily="18" charset="0"/>
                           </a:rPr>
                         </m:ctrlPr>
                       </m:dPr>
@@ -9351,7 +9359,7 @@
                       <m:dPr>
                         <m:ctrlPr>
                           <a:rPr lang="en-US" i="1" dirty="0">
-                            <a:latin typeface="Cambria Math" charset="0"/>
+                            <a:latin typeface="Cambria Math" panose="02040503050406030204" pitchFamily="18" charset="0"/>
                           </a:rPr>
                         </m:ctrlPr>
                       </m:dPr>
@@ -9366,7 +9374,7 @@
                           <m:dPr>
                             <m:ctrlPr>
                               <a:rPr lang="en-US" i="1">
-                                <a:latin typeface="Cambria Math" charset="0"/>
+                                <a:latin typeface="Cambria Math" panose="02040503050406030204" pitchFamily="18" charset="0"/>
                               </a:rPr>
                             </m:ctrlPr>
                           </m:dPr>
@@ -9504,7 +9512,7 @@
                       <m:dPr>
                         <m:ctrlPr>
                           <a:rPr lang="en-US" i="1">
-                            <a:latin typeface="Cambria Math" charset="0"/>
+                            <a:latin typeface="Cambria Math" panose="02040503050406030204" pitchFamily="18" charset="0"/>
                             <a:ea typeface="Cambria Math" panose="02040503050406030204" pitchFamily="18" charset="0"/>
                           </a:rPr>
                         </m:ctrlPr>
@@ -9641,7 +9649,7 @@
                       <m:dPr>
                         <m:ctrlPr>
                           <a:rPr lang="en-US" i="1" dirty="0">
-                            <a:latin typeface="Cambria Math" charset="0"/>
+                            <a:latin typeface="Cambria Math" panose="02040503050406030204" pitchFamily="18" charset="0"/>
                           </a:rPr>
                         </m:ctrlPr>
                       </m:dPr>
@@ -9845,7 +9853,7 @@
                       <m:dPr>
                         <m:ctrlPr>
                           <a:rPr lang="en-US" i="1">
-                            <a:latin typeface="Cambria Math" charset="0"/>
+                            <a:latin typeface="Cambria Math" panose="02040503050406030204" pitchFamily="18" charset="0"/>
                           </a:rPr>
                         </m:ctrlPr>
                       </m:dPr>
@@ -9877,7 +9885,7 @@
                       <m:dPr>
                         <m:ctrlPr>
                           <a:rPr lang="en-US" i="1" dirty="0">
-                            <a:latin typeface="Cambria Math" charset="0"/>
+                            <a:latin typeface="Cambria Math" panose="02040503050406030204" pitchFamily="18" charset="0"/>
                           </a:rPr>
                         </m:ctrlPr>
                       </m:dPr>
@@ -9892,7 +9900,7 @@
                           <m:dPr>
                             <m:ctrlPr>
                               <a:rPr lang="en-US" i="1">
-                                <a:latin typeface="Cambria Math" charset="0"/>
+                                <a:latin typeface="Cambria Math" panose="02040503050406030204" pitchFamily="18" charset="0"/>
                               </a:rPr>
                             </m:ctrlPr>
                           </m:dPr>
@@ -10046,7 +10054,7 @@
                       <m:dPr>
                         <m:ctrlPr>
                           <a:rPr lang="en-US" i="1">
-                            <a:latin typeface="Cambria Math" charset="0"/>
+                            <a:latin typeface="Cambria Math" panose="02040503050406030204" pitchFamily="18" charset="0"/>
                             <a:ea typeface="Cambria Math" panose="02040503050406030204" pitchFamily="18" charset="0"/>
                           </a:rPr>
                         </m:ctrlPr>
@@ -11352,7 +11360,7 @@
                       <m:dPr>
                         <m:ctrlPr>
                           <a:rPr lang="en-US" i="1">
-                            <a:latin typeface="Cambria Math" charset="0"/>
+                            <a:latin typeface="Cambria Math" panose="02040503050406030204" pitchFamily="18" charset="0"/>
                           </a:rPr>
                         </m:ctrlPr>
                       </m:dPr>
@@ -11382,7 +11390,7 @@
                       <m:dPr>
                         <m:ctrlPr>
                           <a:rPr lang="en-US" i="1" dirty="0">
-                            <a:latin typeface="Cambria Math" charset="0"/>
+                            <a:latin typeface="Cambria Math" panose="02040503050406030204" pitchFamily="18" charset="0"/>
                           </a:rPr>
                         </m:ctrlPr>
                       </m:dPr>
@@ -11414,7 +11422,7 @@
                       <m:dPr>
                         <m:ctrlPr>
                           <a:rPr lang="en-US" i="1">
-                            <a:latin typeface="Cambria Math" charset="0"/>
+                            <a:latin typeface="Cambria Math" panose="02040503050406030204" pitchFamily="18" charset="0"/>
                           </a:rPr>
                         </m:ctrlPr>
                       </m:dPr>
@@ -11444,7 +11452,7 @@
                       <m:dPr>
                         <m:ctrlPr>
                           <a:rPr lang="en-US" i="1" dirty="0">
-                            <a:latin typeface="Cambria Math" charset="0"/>
+                            <a:latin typeface="Cambria Math" panose="02040503050406030204" pitchFamily="18" charset="0"/>
                           </a:rPr>
                         </m:ctrlPr>
                       </m:dPr>
@@ -11474,7 +11482,7 @@
                       <m:dPr>
                         <m:ctrlPr>
                           <a:rPr lang="en-US" i="1">
-                            <a:latin typeface="Cambria Math" charset="0"/>
+                            <a:latin typeface="Cambria Math" panose="02040503050406030204" pitchFamily="18" charset="0"/>
                           </a:rPr>
                         </m:ctrlPr>
                       </m:dPr>
@@ -11504,7 +11512,7 @@
                       <m:dPr>
                         <m:ctrlPr>
                           <a:rPr lang="en-US" i="1" dirty="0">
-                            <a:latin typeface="Cambria Math" charset="0"/>
+                            <a:latin typeface="Cambria Math" panose="02040503050406030204" pitchFamily="18" charset="0"/>
                           </a:rPr>
                         </m:ctrlPr>
                       </m:dPr>
@@ -11531,7 +11539,7 @@
                           <m:dPr>
                             <m:ctrlPr>
                               <a:rPr lang="en-US" i="1">
-                                <a:latin typeface="Cambria Math" charset="0"/>
+                                <a:latin typeface="Cambria Math" panose="02040503050406030204" pitchFamily="18" charset="0"/>
                               </a:rPr>
                             </m:ctrlPr>
                           </m:dPr>
@@ -11563,7 +11571,7 @@
                       <m:dPr>
                         <m:ctrlPr>
                           <a:rPr lang="en-US" i="1">
-                            <a:latin typeface="Cambria Math" charset="0"/>
+                            <a:latin typeface="Cambria Math" panose="02040503050406030204" pitchFamily="18" charset="0"/>
                           </a:rPr>
                         </m:ctrlPr>
                       </m:dPr>
@@ -11604,7 +11612,7 @@
                       <m:sSupPr>
                         <m:ctrlPr>
                           <a:rPr lang="en-US" i="1">
-                            <a:latin typeface="Cambria Math" charset="0"/>
+                            <a:latin typeface="Cambria Math" panose="02040503050406030204" pitchFamily="18" charset="0"/>
                           </a:rPr>
                         </m:ctrlPr>
                       </m:sSupPr>
@@ -11652,7 +11660,7 @@
                       <m:dPr>
                         <m:ctrlPr>
                           <a:rPr lang="en-US" i="1" dirty="0">
-                            <a:latin typeface="Cambria Math" charset="0"/>
+                            <a:latin typeface="Cambria Math" panose="02040503050406030204" pitchFamily="18" charset="0"/>
                           </a:rPr>
                         </m:ctrlPr>
                       </m:dPr>
@@ -11820,7 +11828,7 @@
                       <m:dPr>
                         <m:ctrlPr>
                           <a:rPr lang="en-US" i="1">
-                            <a:latin typeface="Cambria Math" charset="0"/>
+                            <a:latin typeface="Cambria Math" panose="02040503050406030204" pitchFamily="18" charset="0"/>
                           </a:rPr>
                         </m:ctrlPr>
                       </m:dPr>
@@ -11868,7 +11876,7 @@
                       <m:dPr>
                         <m:ctrlPr>
                           <a:rPr lang="en-US" i="1">
-                            <a:latin typeface="Cambria Math" charset="0"/>
+                            <a:latin typeface="Cambria Math" panose="02040503050406030204" pitchFamily="18" charset="0"/>
                           </a:rPr>
                         </m:ctrlPr>
                       </m:dPr>
@@ -12030,56 +12038,56 @@
                     <a:gridCol w="2111601">
                       <a:extLst>
                         <a:ext uri="{9D8B030D-6E8A-4147-A177-3AD203B41FA5}">
-                          <a16:colId xmlns:a16="http://schemas.microsoft.com/office/drawing/2014/main" xmlns="" val="842974714"/>
+                          <a16:colId xmlns:a16="http://schemas.microsoft.com/office/drawing/2014/main" val="842974714"/>
                         </a:ext>
                       </a:extLst>
                     </a:gridCol>
                     <a:gridCol w="961534">
                       <a:extLst>
                         <a:ext uri="{9D8B030D-6E8A-4147-A177-3AD203B41FA5}">
-                          <a16:colId xmlns:a16="http://schemas.microsoft.com/office/drawing/2014/main" xmlns="" val="75775168"/>
+                          <a16:colId xmlns:a16="http://schemas.microsoft.com/office/drawing/2014/main" val="75775168"/>
                         </a:ext>
                       </a:extLst>
                     </a:gridCol>
                     <a:gridCol w="1197204">
                       <a:extLst>
                         <a:ext uri="{9D8B030D-6E8A-4147-A177-3AD203B41FA5}">
-                          <a16:colId xmlns:a16="http://schemas.microsoft.com/office/drawing/2014/main" xmlns="" val="1914839310"/>
+                          <a16:colId xmlns:a16="http://schemas.microsoft.com/office/drawing/2014/main" val="1914839310"/>
                         </a:ext>
                       </a:extLst>
                     </a:gridCol>
                     <a:gridCol w="1077237">
                       <a:extLst>
                         <a:ext uri="{9D8B030D-6E8A-4147-A177-3AD203B41FA5}">
-                          <a16:colId xmlns:a16="http://schemas.microsoft.com/office/drawing/2014/main" xmlns="" val="1695561390"/>
+                          <a16:colId xmlns:a16="http://schemas.microsoft.com/office/drawing/2014/main" val="1695561390"/>
                         </a:ext>
                       </a:extLst>
                     </a:gridCol>
                     <a:gridCol w="1336894">
                       <a:extLst>
                         <a:ext uri="{9D8B030D-6E8A-4147-A177-3AD203B41FA5}">
-                          <a16:colId xmlns:a16="http://schemas.microsoft.com/office/drawing/2014/main" xmlns="" val="3067558408"/>
+                          <a16:colId xmlns:a16="http://schemas.microsoft.com/office/drawing/2014/main" val="3067558408"/>
                         </a:ext>
                       </a:extLst>
                     </a:gridCol>
                     <a:gridCol w="1336894">
                       <a:extLst>
                         <a:ext uri="{9D8B030D-6E8A-4147-A177-3AD203B41FA5}">
-                          <a16:colId xmlns:a16="http://schemas.microsoft.com/office/drawing/2014/main" xmlns="" val="2976133629"/>
+                          <a16:colId xmlns:a16="http://schemas.microsoft.com/office/drawing/2014/main" val="2976133629"/>
                         </a:ext>
                       </a:extLst>
                     </a:gridCol>
                     <a:gridCol w="1336894">
                       <a:extLst>
                         <a:ext uri="{9D8B030D-6E8A-4147-A177-3AD203B41FA5}">
-                          <a16:colId xmlns:a16="http://schemas.microsoft.com/office/drawing/2014/main" xmlns="" val="333504347"/>
+                          <a16:colId xmlns:a16="http://schemas.microsoft.com/office/drawing/2014/main" val="333504347"/>
                         </a:ext>
                       </a:extLst>
                     </a:gridCol>
                     <a:gridCol w="1336894">
                       <a:extLst>
                         <a:ext uri="{9D8B030D-6E8A-4147-A177-3AD203B41FA5}">
-                          <a16:colId xmlns:a16="http://schemas.microsoft.com/office/drawing/2014/main" xmlns="" val="40518306"/>
+                          <a16:colId xmlns:a16="http://schemas.microsoft.com/office/drawing/2014/main" val="40518306"/>
                         </a:ext>
                       </a:extLst>
                     </a:gridCol>
@@ -12281,7 +12289,7 @@
                     </a:tc>
                     <a:extLst>
                       <a:ext uri="{0D108BD9-81ED-4DB2-BD59-A6C34878D82A}">
-                        <a16:rowId xmlns:a16="http://schemas.microsoft.com/office/drawing/2014/main" xmlns="" val="1595423175"/>
+                        <a16:rowId xmlns:a16="http://schemas.microsoft.com/office/drawing/2014/main" val="1595423175"/>
                       </a:ext>
                     </a:extLst>
                   </a:tr>
@@ -12312,7 +12320,7 @@
                                   <m:dPr>
                                     <m:ctrlPr>
                                       <a:rPr lang="en-US" sz="2800" i="1" dirty="0">
-                                        <a:latin typeface="Cambria Math" charset="0"/>
+                                        <a:latin typeface="Cambria Math" panose="02040503050406030204" pitchFamily="18" charset="0"/>
                                       </a:rPr>
                                     </m:ctrlPr>
                                   </m:dPr>
@@ -12430,7 +12438,7 @@
                     </a:tc>
                     <a:extLst>
                       <a:ext uri="{0D108BD9-81ED-4DB2-BD59-A6C34878D82A}">
-                        <a16:rowId xmlns:a16="http://schemas.microsoft.com/office/drawing/2014/main" xmlns="" val="58183496"/>
+                        <a16:rowId xmlns:a16="http://schemas.microsoft.com/office/drawing/2014/main" val="58183496"/>
                       </a:ext>
                     </a:extLst>
                   </a:tr>
@@ -12461,7 +12469,7 @@
                                   <m:dPr>
                                     <m:ctrlPr>
                                       <a:rPr lang="en-US" sz="2800" i="1" dirty="0">
-                                        <a:latin typeface="Cambria Math" charset="0"/>
+                                        <a:latin typeface="Cambria Math" panose="02040503050406030204" pitchFamily="18" charset="0"/>
                                       </a:rPr>
                                     </m:ctrlPr>
                                   </m:dPr>
@@ -12593,7 +12601,7 @@
                     </a:tc>
                     <a:extLst>
                       <a:ext uri="{0D108BD9-81ED-4DB2-BD59-A6C34878D82A}">
-                        <a16:rowId xmlns:a16="http://schemas.microsoft.com/office/drawing/2014/main" xmlns="" val="996808120"/>
+                        <a16:rowId xmlns:a16="http://schemas.microsoft.com/office/drawing/2014/main" val="996808120"/>
                       </a:ext>
                     </a:extLst>
                   </a:tr>
@@ -12624,7 +12632,7 @@
                                   <m:dPr>
                                     <m:ctrlPr>
                                       <a:rPr lang="en-US" sz="2800" i="1" dirty="0">
-                                        <a:latin typeface="Cambria Math" charset="0"/>
+                                        <a:latin typeface="Cambria Math" panose="02040503050406030204" pitchFamily="18" charset="0"/>
                                       </a:rPr>
                                     </m:ctrlPr>
                                   </m:dPr>
@@ -12651,7 +12659,7 @@
                                       <m:dPr>
                                         <m:ctrlPr>
                                           <a:rPr lang="en-US" sz="2800" i="1">
-                                            <a:latin typeface="Cambria Math" charset="0"/>
+                                            <a:latin typeface="Cambria Math" panose="02040503050406030204" pitchFamily="18" charset="0"/>
                                           </a:rPr>
                                         </m:ctrlPr>
                                       </m:dPr>
@@ -12778,7 +12786,7 @@
                     </a:tc>
                     <a:extLst>
                       <a:ext uri="{0D108BD9-81ED-4DB2-BD59-A6C34878D82A}">
-                        <a16:rowId xmlns:a16="http://schemas.microsoft.com/office/drawing/2014/main" xmlns="" val="3601360477"/>
+                        <a16:rowId xmlns:a16="http://schemas.microsoft.com/office/drawing/2014/main" val="3601360477"/>
                       </a:ext>
                     </a:extLst>
                   </a:tr>
@@ -12832,7 +12840,7 @@
                                 <m:sSupPr>
                                   <m:ctrlPr>
                                     <a:rPr lang="en-US" sz="2800" i="1">
-                                      <a:latin typeface="Cambria Math" charset="0"/>
+                                      <a:latin typeface="Cambria Math" panose="02040503050406030204" pitchFamily="18" charset="0"/>
                                     </a:rPr>
                                   </m:ctrlPr>
                                 </m:sSupPr>
@@ -12975,7 +12983,7 @@
                     </a:tc>
                     <a:extLst>
                       <a:ext uri="{0D108BD9-81ED-4DB2-BD59-A6C34878D82A}">
-                        <a16:rowId xmlns:a16="http://schemas.microsoft.com/office/drawing/2014/main" xmlns="" val="264172186"/>
+                        <a16:rowId xmlns:a16="http://schemas.microsoft.com/office/drawing/2014/main" val="264172186"/>
                       </a:ext>
                     </a:extLst>
                   </a:tr>
@@ -13041,7 +13049,7 @@
                                   <m:dPr>
                                     <m:ctrlPr>
                                       <a:rPr lang="en-US" sz="2800" i="1" dirty="0">
-                                        <a:latin typeface="Cambria Math" charset="0"/>
+                                        <a:latin typeface="Cambria Math" panose="02040503050406030204" pitchFamily="18" charset="0"/>
                                       </a:rPr>
                                     </m:ctrlPr>
                                   </m:dPr>
@@ -13153,7 +13161,7 @@
                     </a:tc>
                     <a:extLst>
                       <a:ext uri="{0D108BD9-81ED-4DB2-BD59-A6C34878D82A}">
-                        <a16:rowId xmlns:a16="http://schemas.microsoft.com/office/drawing/2014/main" xmlns="" val="3353503529"/>
+                        <a16:rowId xmlns:a16="http://schemas.microsoft.com/office/drawing/2014/main" val="3353503529"/>
                       </a:ext>
                     </a:extLst>
                   </a:tr>
@@ -14178,7 +14186,7 @@
                       <m:dPr>
                         <m:ctrlPr>
                           <a:rPr lang="en-US" i="1" dirty="0">
-                            <a:latin typeface="Cambria Math" charset="0"/>
+                            <a:latin typeface="Cambria Math" panose="02040503050406030204" pitchFamily="18" charset="0"/>
                           </a:rPr>
                         </m:ctrlPr>
                       </m:dPr>
@@ -14344,7 +14352,7 @@
                       <m:dPr>
                         <m:ctrlPr>
                           <a:rPr lang="en-US" i="1">
-                            <a:latin typeface="Cambria Math" charset="0"/>
+                            <a:latin typeface="Cambria Math" panose="02040503050406030204" pitchFamily="18" charset="0"/>
                           </a:rPr>
                         </m:ctrlPr>
                       </m:dPr>
@@ -14374,7 +14382,7 @@
                       <m:dPr>
                         <m:ctrlPr>
                           <a:rPr lang="en-US" i="1" dirty="0">
-                            <a:latin typeface="Cambria Math" charset="0"/>
+                            <a:latin typeface="Cambria Math" panose="02040503050406030204" pitchFamily="18" charset="0"/>
                           </a:rPr>
                         </m:ctrlPr>
                       </m:dPr>
@@ -14411,7 +14419,7 @@
                       <m:dPr>
                         <m:ctrlPr>
                           <a:rPr lang="en-US" i="1">
-                            <a:latin typeface="Cambria Math" charset="0"/>
+                            <a:latin typeface="Cambria Math" panose="02040503050406030204" pitchFamily="18" charset="0"/>
                           </a:rPr>
                         </m:ctrlPr>
                       </m:dPr>
@@ -14441,7 +14449,7 @@
                       <m:dPr>
                         <m:ctrlPr>
                           <a:rPr lang="en-US" i="1" dirty="0">
-                            <a:latin typeface="Cambria Math" charset="0"/>
+                            <a:latin typeface="Cambria Math" panose="02040503050406030204" pitchFamily="18" charset="0"/>
                           </a:rPr>
                         </m:ctrlPr>
                       </m:dPr>
@@ -14450,7 +14458,7 @@
                           <m:sSupPr>
                             <m:ctrlPr>
                               <a:rPr lang="en-US" i="1">
-                                <a:latin typeface="Cambria Math" charset="0"/>
+                                <a:latin typeface="Cambria Math" panose="02040503050406030204" pitchFamily="18" charset="0"/>
                               </a:rPr>
                             </m:ctrlPr>
                           </m:sSupPr>
@@ -14495,7 +14503,7 @@
                       <m:dPr>
                         <m:ctrlPr>
                           <a:rPr lang="en-US" i="1">
-                            <a:latin typeface="Cambria Math" charset="0"/>
+                            <a:latin typeface="Cambria Math" panose="02040503050406030204" pitchFamily="18" charset="0"/>
                           </a:rPr>
                         </m:ctrlPr>
                       </m:dPr>
@@ -14556,7 +14564,7 @@
                       <m:sSupPr>
                         <m:ctrlPr>
                           <a:rPr lang="en-US" i="1">
-                            <a:latin typeface="Cambria Math" charset="0"/>
+                            <a:latin typeface="Cambria Math" panose="02040503050406030204" pitchFamily="18" charset="0"/>
                           </a:rPr>
                         </m:ctrlPr>
                       </m:sSupPr>
@@ -14733,7 +14741,7 @@
                       <m:dPr>
                         <m:ctrlPr>
                           <a:rPr lang="en-US" i="1" dirty="0">
-                            <a:latin typeface="Cambria Math" charset="0"/>
+                            <a:latin typeface="Cambria Math" panose="02040503050406030204" pitchFamily="18" charset="0"/>
                           </a:rPr>
                         </m:ctrlPr>
                       </m:dPr>
@@ -14795,7 +14803,7 @@
                       <m:sSupPr>
                         <m:ctrlPr>
                           <a:rPr lang="en-US" i="1">
-                            <a:latin typeface="Cambria Math" charset="0"/>
+                            <a:latin typeface="Cambria Math" panose="02040503050406030204" pitchFamily="18" charset="0"/>
                           </a:rPr>
                         </m:ctrlPr>
                       </m:sSupPr>
@@ -15834,7 +15842,7 @@
                       <m:dPr>
                         <m:ctrlPr>
                           <a:rPr lang="en-US" b="0" i="1" smtClean="0">
-                            <a:latin typeface="Cambria Math" charset="0"/>
+                            <a:latin typeface="Cambria Math" panose="02040503050406030204" pitchFamily="18" charset="0"/>
                           </a:rPr>
                         </m:ctrlPr>
                       </m:dPr>
@@ -15866,7 +15874,7 @@
                       <m:dPr>
                         <m:ctrlPr>
                           <a:rPr lang="en-US" b="0" i="1" smtClean="0">
-                            <a:latin typeface="Cambria Math" charset="0"/>
+                            <a:latin typeface="Cambria Math" panose="02040503050406030204" pitchFamily="18" charset="0"/>
                           </a:rPr>
                         </m:ctrlPr>
                       </m:dPr>
@@ -15899,7 +15907,7 @@
                         <m:chr m:val="∑"/>
                         <m:ctrlPr>
                           <a:rPr lang="en-US" i="1" smtClean="0">
-                            <a:latin typeface="Cambria Math" charset="0"/>
+                            <a:latin typeface="Cambria Math" panose="02040503050406030204" pitchFamily="18" charset="0"/>
                           </a:rPr>
                         </m:ctrlPr>
                       </m:naryPr>
@@ -15947,7 +15955,7 @@
                       <m:fPr>
                         <m:ctrlPr>
                           <a:rPr lang="en-US" b="0" i="1" smtClean="0">
-                            <a:latin typeface="Cambria Math" charset="0"/>
+                            <a:latin typeface="Cambria Math" panose="02040503050406030204" pitchFamily="18" charset="0"/>
                           </a:rPr>
                         </m:ctrlPr>
                       </m:fPr>
@@ -15978,7 +15986,7 @@
                       <m:dPr>
                         <m:ctrlPr>
                           <a:rPr lang="en-US" b="0" i="1" smtClean="0">
-                            <a:latin typeface="Cambria Math" charset="0"/>
+                            <a:latin typeface="Cambria Math" panose="02040503050406030204" pitchFamily="18" charset="0"/>
                           </a:rPr>
                         </m:ctrlPr>
                       </m:dPr>
@@ -16007,7 +16015,7 @@
                       <m:fPr>
                         <m:ctrlPr>
                           <a:rPr lang="en-US" i="1">
-                            <a:latin typeface="Cambria Math" charset="0"/>
+                            <a:latin typeface="Cambria Math" panose="02040503050406030204" pitchFamily="18" charset="0"/>
                           </a:rPr>
                         </m:ctrlPr>
                       </m:fPr>
@@ -16032,7 +16040,7 @@
                       <m:dPr>
                         <m:ctrlPr>
                           <a:rPr lang="en-US" i="1">
-                            <a:latin typeface="Cambria Math" charset="0"/>
+                            <a:latin typeface="Cambria Math" panose="02040503050406030204" pitchFamily="18" charset="0"/>
                           </a:rPr>
                         </m:ctrlPr>
                       </m:dPr>
@@ -16041,7 +16049,7 @@
                           <m:sSupPr>
                             <m:ctrlPr>
                               <a:rPr lang="en-US" i="1" smtClean="0">
-                                <a:latin typeface="Cambria Math" charset="0"/>
+                                <a:latin typeface="Cambria Math" panose="02040503050406030204" pitchFamily="18" charset="0"/>
                               </a:rPr>
                             </m:ctrlPr>
                           </m:sSupPr>
@@ -16101,7 +16109,7 @@
                       <m:sSupPr>
                         <m:ctrlPr>
                           <a:rPr lang="en-US" b="0" i="1" smtClean="0">
-                            <a:latin typeface="Cambria Math" charset="0"/>
+                            <a:latin typeface="Cambria Math" panose="02040503050406030204" pitchFamily="18" charset="0"/>
                           </a:rPr>
                         </m:ctrlPr>
                       </m:sSupPr>
@@ -16922,7 +16930,7 @@
                           <m:chr m:val="∑"/>
                           <m:ctrlPr>
                             <a:rPr lang="en-US" sz="4800" i="1">
-                              <a:latin typeface="Cambria Math" charset="0"/>
+                              <a:latin typeface="Cambria Math" panose="02040503050406030204" pitchFamily="18" charset="0"/>
                             </a:rPr>
                           </m:ctrlPr>
                         </m:naryPr>
@@ -16970,7 +16978,7 @@
                         <m:fPr>
                           <m:ctrlPr>
                             <a:rPr lang="en-US" sz="4800" i="1">
-                              <a:latin typeface="Cambria Math" charset="0"/>
+                              <a:latin typeface="Cambria Math" panose="02040503050406030204" pitchFamily="18" charset="0"/>
                             </a:rPr>
                           </m:ctrlPr>
                         </m:fPr>
@@ -17001,7 +17009,7 @@
                         <m:dPr>
                           <m:ctrlPr>
                             <a:rPr lang="en-US" sz="4800" i="1">
-                              <a:latin typeface="Cambria Math" charset="0"/>
+                              <a:latin typeface="Cambria Math" panose="02040503050406030204" pitchFamily="18" charset="0"/>
                             </a:rPr>
                           </m:ctrlPr>
                         </m:dPr>
@@ -17114,7 +17122,7 @@
                       <m:dPr>
                         <m:ctrlPr>
                           <a:rPr lang="en-US" b="0" i="1" smtClean="0">
-                            <a:latin typeface="Cambria Math" charset="0"/>
+                            <a:latin typeface="Cambria Math" panose="02040503050406030204" pitchFamily="18" charset="0"/>
                           </a:rPr>
                         </m:ctrlPr>
                       </m:dPr>
@@ -17219,28 +17227,28 @@
                 <a:gridCol w="1279790">
                   <a:extLst>
                     <a:ext uri="{9D8B030D-6E8A-4147-A177-3AD203B41FA5}">
-                      <a16:colId xmlns:a16="http://schemas.microsoft.com/office/drawing/2014/main" xmlns="" val="1427888952"/>
+                      <a16:colId xmlns:a16="http://schemas.microsoft.com/office/drawing/2014/main" val="1427888952"/>
                     </a:ext>
                   </a:extLst>
                 </a:gridCol>
                 <a:gridCol w="1279790">
                   <a:extLst>
                     <a:ext uri="{9D8B030D-6E8A-4147-A177-3AD203B41FA5}">
-                      <a16:colId xmlns:a16="http://schemas.microsoft.com/office/drawing/2014/main" xmlns="" val="2800842422"/>
+                      <a16:colId xmlns:a16="http://schemas.microsoft.com/office/drawing/2014/main" val="2800842422"/>
                     </a:ext>
                   </a:extLst>
                 </a:gridCol>
                 <a:gridCol w="1279790">
                   <a:extLst>
                     <a:ext uri="{9D8B030D-6E8A-4147-A177-3AD203B41FA5}">
-                      <a16:colId xmlns:a16="http://schemas.microsoft.com/office/drawing/2014/main" xmlns="" val="829614565"/>
+                      <a16:colId xmlns:a16="http://schemas.microsoft.com/office/drawing/2014/main" val="829614565"/>
                     </a:ext>
                   </a:extLst>
                 </a:gridCol>
                 <a:gridCol w="1279790">
                   <a:extLst>
                     <a:ext uri="{9D8B030D-6E8A-4147-A177-3AD203B41FA5}">
-                      <a16:colId xmlns:a16="http://schemas.microsoft.com/office/drawing/2014/main" xmlns="" val="1942014112"/>
+                      <a16:colId xmlns:a16="http://schemas.microsoft.com/office/drawing/2014/main" val="1942014112"/>
                     </a:ext>
                   </a:extLst>
                 </a:gridCol>
@@ -17288,7 +17296,7 @@
                 </a:tc>
                 <a:extLst>
                   <a:ext uri="{0D108BD9-81ED-4DB2-BD59-A6C34878D82A}">
-                    <a16:rowId xmlns:a16="http://schemas.microsoft.com/office/drawing/2014/main" xmlns="" val="130454017"/>
+                    <a16:rowId xmlns:a16="http://schemas.microsoft.com/office/drawing/2014/main" val="130454017"/>
                   </a:ext>
                 </a:extLst>
               </a:tr>
@@ -17339,7 +17347,7 @@
                 </a:tc>
                 <a:extLst>
                   <a:ext uri="{0D108BD9-81ED-4DB2-BD59-A6C34878D82A}">
-                    <a16:rowId xmlns:a16="http://schemas.microsoft.com/office/drawing/2014/main" xmlns="" val="3524873903"/>
+                    <a16:rowId xmlns:a16="http://schemas.microsoft.com/office/drawing/2014/main" val="3524873903"/>
                   </a:ext>
                 </a:extLst>
               </a:tr>
@@ -17394,7 +17402,7 @@
                 </a:tc>
                 <a:extLst>
                   <a:ext uri="{0D108BD9-81ED-4DB2-BD59-A6C34878D82A}">
-                    <a16:rowId xmlns:a16="http://schemas.microsoft.com/office/drawing/2014/main" xmlns="" val="3670279432"/>
+                    <a16:rowId xmlns:a16="http://schemas.microsoft.com/office/drawing/2014/main" val="3670279432"/>
                   </a:ext>
                 </a:extLst>
               </a:tr>
@@ -17453,7 +17461,7 @@
                 </a:tc>
                 <a:extLst>
                   <a:ext uri="{0D108BD9-81ED-4DB2-BD59-A6C34878D82A}">
-                    <a16:rowId xmlns:a16="http://schemas.microsoft.com/office/drawing/2014/main" xmlns="" val="569282809"/>
+                    <a16:rowId xmlns:a16="http://schemas.microsoft.com/office/drawing/2014/main" val="569282809"/>
                   </a:ext>
                 </a:extLst>
               </a:tr>
@@ -17516,7 +17524,7 @@
                 </a:tc>
                 <a:extLst>
                   <a:ext uri="{0D108BD9-81ED-4DB2-BD59-A6C34878D82A}">
-                    <a16:rowId xmlns:a16="http://schemas.microsoft.com/office/drawing/2014/main" xmlns="" val="3394859053"/>
+                    <a16:rowId xmlns:a16="http://schemas.microsoft.com/office/drawing/2014/main" val="3394859053"/>
                   </a:ext>
                 </a:extLst>
               </a:tr>
@@ -18063,7 +18071,7 @@
                       <m:sSupPr>
                         <m:ctrlPr>
                           <a:rPr lang="en-US" b="0" i="1" smtClean="0">
-                            <a:latin typeface="Cambria Math" charset="0"/>
+                            <a:latin typeface="Cambria Math" panose="02040503050406030204" pitchFamily="18" charset="0"/>
                           </a:rPr>
                         </m:ctrlPr>
                       </m:sSupPr>
@@ -22484,7 +22492,7 @@
                       <m:dPr>
                         <m:ctrlPr>
                           <a:rPr lang="en-US" i="1" dirty="0">
-                            <a:latin typeface="Cambria Math" charset="0"/>
+                            <a:latin typeface="Cambria Math" panose="02040503050406030204" pitchFamily="18" charset="0"/>
                           </a:rPr>
                         </m:ctrlPr>
                       </m:dPr>
@@ -22509,7 +22517,7 @@
                       <m:sSupPr>
                         <m:ctrlPr>
                           <a:rPr lang="en-US" i="1">
-                            <a:latin typeface="Cambria Math" charset="0"/>
+                            <a:latin typeface="Cambria Math" panose="02040503050406030204" pitchFamily="18" charset="0"/>
                           </a:rPr>
                         </m:ctrlPr>
                       </m:sSupPr>
@@ -23239,7 +23247,7 @@
                       <m:dPr>
                         <m:ctrlPr>
                           <a:rPr lang="en-US" b="0" i="1" smtClean="0">
-                            <a:latin typeface="Cambria Math" charset="0"/>
+                            <a:latin typeface="Cambria Math" panose="02040503050406030204" pitchFamily="18" charset="0"/>
                           </a:rPr>
                         </m:ctrlPr>
                       </m:dPr>
@@ -23274,7 +23282,7 @@
                       <m:sSupPr>
                         <m:ctrlPr>
                           <a:rPr lang="en-US" b="0" i="1" smtClean="0">
-                            <a:latin typeface="Cambria Math" charset="0"/>
+                            <a:latin typeface="Cambria Math" panose="02040503050406030204" pitchFamily="18" charset="0"/>
                           </a:rPr>
                         </m:ctrlPr>
                       </m:sSupPr>
@@ -23362,7 +23370,7 @@
                       <m:dPr>
                         <m:ctrlPr>
                           <a:rPr lang="en-US" i="1">
-                            <a:latin typeface="Cambria Math" charset="0"/>
+                            <a:latin typeface="Cambria Math" panose="02040503050406030204" pitchFamily="18" charset="0"/>
                           </a:rPr>
                         </m:ctrlPr>
                       </m:dPr>
@@ -23631,7 +23639,7 @@
                       <m:dPr>
                         <m:ctrlPr>
                           <a:rPr lang="en-US" b="0" i="1" smtClean="0">
-                            <a:latin typeface="Cambria Math" charset="0"/>
+                            <a:latin typeface="Cambria Math" panose="02040503050406030204" pitchFamily="18" charset="0"/>
                           </a:rPr>
                         </m:ctrlPr>
                       </m:dPr>
@@ -23654,7 +23662,7 @@
                       <m:sSupPr>
                         <m:ctrlPr>
                           <a:rPr lang="en-US" b="0" i="1" smtClean="0">
-                            <a:latin typeface="Cambria Math" charset="0"/>
+                            <a:latin typeface="Cambria Math" panose="02040503050406030204" pitchFamily="18" charset="0"/>
                           </a:rPr>
                         </m:ctrlPr>
                       </m:sSupPr>
@@ -23692,7 +23700,7 @@
                       <m:dPr>
                         <m:ctrlPr>
                           <a:rPr lang="en-US" b="0" i="1" smtClean="0">
-                            <a:latin typeface="Cambria Math" charset="0"/>
+                            <a:latin typeface="Cambria Math" panose="02040503050406030204" pitchFamily="18" charset="0"/>
                           </a:rPr>
                         </m:ctrlPr>
                       </m:dPr>
@@ -23744,7 +23752,7 @@
                       <m:dPr>
                         <m:ctrlPr>
                           <a:rPr lang="en-US" i="1">
-                            <a:latin typeface="Cambria Math" charset="0"/>
+                            <a:latin typeface="Cambria Math" panose="02040503050406030204" pitchFamily="18" charset="0"/>
                           </a:rPr>
                         </m:ctrlPr>
                       </m:dPr>
@@ -23820,7 +23828,7 @@
                       <m:dPr>
                         <m:ctrlPr>
                           <a:rPr lang="en-US" i="1">
-                            <a:latin typeface="Cambria Math" charset="0"/>
+                            <a:latin typeface="Cambria Math" panose="02040503050406030204" pitchFamily="18" charset="0"/>
                           </a:rPr>
                         </m:ctrlPr>
                       </m:dPr>

--- a/docs/slides/03/03_analysis_sort.pptx
+++ b/docs/slides/03/03_analysis_sort.pptx
@@ -5,7 +5,7 @@
     <p:sldMasterId id="2147483648" r:id="rId1"/>
   </p:sldMasterIdLst>
   <p:notesMasterIdLst>
-    <p:notesMasterId r:id="rId48"/>
+    <p:notesMasterId r:id="rId51"/>
   </p:notesMasterIdLst>
   <p:sldIdLst>
     <p:sldId id="283" r:id="rId2"/>
@@ -49,11 +49,14 @@
     <p:sldId id="299" r:id="rId40"/>
     <p:sldId id="300" r:id="rId41"/>
     <p:sldId id="301" r:id="rId42"/>
-    <p:sldId id="302" r:id="rId43"/>
-    <p:sldId id="303" r:id="rId44"/>
-    <p:sldId id="304" r:id="rId45"/>
-    <p:sldId id="305" r:id="rId46"/>
-    <p:sldId id="284" r:id="rId47"/>
+    <p:sldId id="307" r:id="rId43"/>
+    <p:sldId id="302" r:id="rId44"/>
+    <p:sldId id="303" r:id="rId45"/>
+    <p:sldId id="304" r:id="rId46"/>
+    <p:sldId id="305" r:id="rId47"/>
+    <p:sldId id="308" r:id="rId48"/>
+    <p:sldId id="309" r:id="rId49"/>
+    <p:sldId id="284" r:id="rId50"/>
   </p:sldIdLst>
   <p:sldSz cx="13004800" cy="9753600"/>
   <p:notesSz cx="6858000" cy="9144000"/>
@@ -2323,7 +2326,7 @@
           </a:ln>
           <a:extLst>
             <a:ext uri="{C572A759-6A51-4108-AA02-DFA0A04FC94B}">
-              <ma14:wrappingTextBoxFlag xmlns:ma14="http://schemas.microsoft.com/office/mac/drawingml/2011/main" xmlns="" val="1"/>
+              <ma14:wrappingTextBoxFlag xmlns="" xmlns:ma14="http://schemas.microsoft.com/office/mac/drawingml/2011/main" val="1"/>
             </a:ext>
           </a:extLst>
         </p:spPr>
@@ -2362,7 +2365,7 @@
           </a:ln>
           <a:extLst>
             <a:ext uri="{C572A759-6A51-4108-AA02-DFA0A04FC94B}">
-              <ma14:wrappingTextBoxFlag xmlns:ma14="http://schemas.microsoft.com/office/mac/drawingml/2011/main" xmlns="" val="1"/>
+              <ma14:wrappingTextBoxFlag xmlns="" xmlns:ma14="http://schemas.microsoft.com/office/mac/drawingml/2011/main" val="1"/>
             </a:ext>
           </a:extLst>
         </p:spPr>
@@ -3345,15 +3348,7 @@
             <a:pPr algn="r"/>
             <a:r>
               <a:rPr lang="en-US" dirty="0" smtClean="0"/>
-              <a:t>Prof</a:t>
-            </a:r>
-            <a:r>
-              <a:rPr lang="en-US" dirty="0" smtClean="0"/>
-              <a:t>. </a:t>
-            </a:r>
-            <a:r>
-              <a:rPr lang="en-US" dirty="0" smtClean="0"/>
-              <a:t>Andrea Arcuri</a:t>
+              <a:t>Prof. Andrea Arcuri</a:t>
             </a:r>
             <a:endParaRPr lang="en-US" dirty="0"/>
           </a:p>
@@ -7854,7 +7849,7 @@
               </a:ln>
               <a:extLst>
                 <a:ext uri="{C572A759-6A51-4108-AA02-DFA0A04FC94B}">
-                  <ma14:wrappingTextBoxFlag xmlns:ma14="http://schemas.microsoft.com/office/mac/drawingml/2011/main" xmlns="" val="1"/>
+                  <ma14:wrappingTextBoxFlag xmlns="" xmlns:ma14="http://schemas.microsoft.com/office/mac/drawingml/2011/main" val="1"/>
                 </a:ext>
               </a:extLst>
             </p:spPr>
@@ -20137,18 +20132,26 @@
           </a:xfrm>
         </p:spPr>
         <p:txBody>
-          <a:bodyPr/>
+          <a:bodyPr>
+            <a:normAutofit fontScale="85000" lnSpcReduction="20000"/>
+          </a:bodyPr>
           <a:lstStyle/>
           <a:p>
             <a:r>
               <a:rPr lang="en-US" dirty="0" smtClean="0"/>
-              <a:t>Sorting is a very common operations in programming</a:t>
-            </a:r>
-          </a:p>
-          <a:p>
+              <a:t>Many </a:t>
+            </a:r>
             <a:r>
               <a:rPr lang="en-US" dirty="0" smtClean="0"/>
-              <a:t>Many different algorithms, with different properties</a:t>
+              <a:t>different </a:t>
+            </a:r>
+            <a:r>
+              <a:rPr lang="en-US" dirty="0" smtClean="0"/>
+              <a:t>sorting algorithms</a:t>
+            </a:r>
+            <a:r>
+              <a:rPr lang="en-US" dirty="0" smtClean="0"/>
+              <a:t>, with different properties</a:t>
             </a:r>
           </a:p>
           <a:p>
@@ -20207,7 +20210,48 @@
           <a:p>
             <a:r>
               <a:rPr lang="en-US" dirty="0" smtClean="0"/>
-              <a:t>Sorting algorithms are good examples for runtime analysis</a:t>
+              <a:t>Most </a:t>
+            </a:r>
+            <a:r>
+              <a:rPr lang="en-US" dirty="0"/>
+              <a:t>language APIs provides good defaults</a:t>
+            </a:r>
+          </a:p>
+          <a:p>
+            <a:pPr lvl="1"/>
+            <a:r>
+              <a:rPr lang="en-US" dirty="0"/>
+              <a:t>Unless very large data, default will be fine 99% of the cases</a:t>
+            </a:r>
+          </a:p>
+          <a:p>
+            <a:r>
+              <a:rPr lang="en-US" dirty="0"/>
+              <a:t>Sorting is very popular in programming</a:t>
+            </a:r>
+          </a:p>
+          <a:p>
+            <a:pPr lvl="1"/>
+            <a:r>
+              <a:rPr lang="en-US" dirty="0"/>
+              <a:t>Important to understand how it works under the hood</a:t>
+            </a:r>
+          </a:p>
+          <a:p>
+            <a:r>
+              <a:rPr lang="en-US" dirty="0"/>
+              <a:t>Tractable mathematically</a:t>
+            </a:r>
+          </a:p>
+          <a:p>
+            <a:pPr lvl="1"/>
+            <a:r>
+              <a:rPr lang="en-US" dirty="0"/>
+              <a:t>So good example to show how to analyze </a:t>
+            </a:r>
+            <a:r>
+              <a:rPr lang="en-US" dirty="0" smtClean="0"/>
+              <a:t>algorithms</a:t>
             </a:r>
             <a:endParaRPr lang="en-US" dirty="0"/>
           </a:p>
@@ -20268,6 +20312,149 @@
           <a:p>
             <a:r>
               <a:rPr lang="en-US" dirty="0" smtClean="0"/>
+              <a:t>Sorting Algorithms</a:t>
+            </a:r>
+            <a:endParaRPr lang="en-US" dirty="0"/>
+          </a:p>
+        </p:txBody>
+      </p:sp>
+      <p:sp>
+        <p:nvSpPr>
+          <p:cNvPr id="3" name="Text Placeholder 2"/>
+          <p:cNvSpPr>
+            <a:spLocks noGrp="1"/>
+          </p:cNvSpPr>
+          <p:nvPr>
+            <p:ph type="body" idx="1"/>
+          </p:nvPr>
+        </p:nvSpPr>
+        <p:spPr/>
+        <p:txBody>
+          <a:bodyPr>
+            <a:normAutofit fontScale="92500" lnSpcReduction="20000"/>
+          </a:bodyPr>
+          <a:lstStyle/>
+          <a:p>
+            <a:r>
+              <a:rPr lang="en-US" b="1" dirty="0" smtClean="0"/>
+              <a:t>Bubble Sort</a:t>
+            </a:r>
+          </a:p>
+          <a:p>
+            <a:r>
+              <a:rPr lang="en-US" b="1" dirty="0" smtClean="0"/>
+              <a:t>Insertion </a:t>
+            </a:r>
+            <a:r>
+              <a:rPr lang="en-US" b="1" dirty="0" smtClean="0"/>
+              <a:t>Sort</a:t>
+            </a:r>
+          </a:p>
+          <a:p>
+            <a:r>
+              <a:rPr lang="en-US" b="1" dirty="0" smtClean="0"/>
+              <a:t>Merge </a:t>
+            </a:r>
+            <a:r>
+              <a:rPr lang="en-US" b="1" dirty="0" smtClean="0"/>
+              <a:t>Sort</a:t>
+            </a:r>
+            <a:r>
+              <a:rPr lang="en-US" dirty="0" smtClean="0"/>
+              <a:t> (next class)</a:t>
+            </a:r>
+            <a:endParaRPr lang="en-US" dirty="0" smtClean="0"/>
+          </a:p>
+          <a:p>
+            <a:r>
+              <a:rPr lang="en-US" b="1" dirty="0" smtClean="0"/>
+              <a:t>Quick </a:t>
+            </a:r>
+            <a:r>
+              <a:rPr lang="en-US" b="1" dirty="0"/>
+              <a:t>Sort </a:t>
+            </a:r>
+            <a:r>
+              <a:rPr lang="en-US" dirty="0"/>
+              <a:t>(next class)</a:t>
+            </a:r>
+            <a:endParaRPr lang="en-US" dirty="0" smtClean="0"/>
+          </a:p>
+          <a:p>
+            <a:r>
+              <a:rPr lang="en-US" dirty="0" smtClean="0"/>
+              <a:t>There are more, but those are the most famous that you need to know </a:t>
+            </a:r>
+            <a:endParaRPr lang="en-US" dirty="0" smtClean="0"/>
+          </a:p>
+          <a:p>
+            <a:r>
+              <a:rPr lang="en-US" dirty="0" smtClean="0"/>
+              <a:t>Good </a:t>
+            </a:r>
+            <a:r>
+              <a:rPr lang="en-US" dirty="0" smtClean="0"/>
+              <a:t>way to see a problem been solved in many different ways</a:t>
+            </a:r>
+            <a:endParaRPr lang="en-US" dirty="0"/>
+          </a:p>
+        </p:txBody>
+      </p:sp>
+    </p:spTree>
+    <p:extLst>
+      <p:ext uri="{BB962C8B-B14F-4D97-AF65-F5344CB8AC3E}">
+        <p14:creationId xmlns:p14="http://schemas.microsoft.com/office/powerpoint/2010/main" val="859377593"/>
+      </p:ext>
+    </p:extLst>
+  </p:cSld>
+  <p:clrMapOvr>
+    <a:masterClrMapping/>
+  </p:clrMapOvr>
+  <p:transition spd="med"/>
+  <p:timing>
+    <p:tnLst>
+      <p:par>
+        <p:cTn id="1" dur="indefinite" restart="never" nodeType="tmRoot"/>
+      </p:par>
+    </p:tnLst>
+  </p:timing>
+</p:sld>
+</file>
+
+<file path=ppt/slides/slide43.xml><?xml version="1.0" encoding="utf-8"?>
+<p:sld xmlns:a="http://schemas.openxmlformats.org/drawingml/2006/main" xmlns:r="http://schemas.openxmlformats.org/officeDocument/2006/relationships" xmlns:p="http://schemas.openxmlformats.org/presentationml/2006/main">
+  <p:cSld>
+    <p:spTree>
+      <p:nvGrpSpPr>
+        <p:cNvPr id="1" name=""/>
+        <p:cNvGrpSpPr/>
+        <p:nvPr/>
+      </p:nvGrpSpPr>
+      <p:grpSpPr>
+        <a:xfrm>
+          <a:off x="0" y="0"/>
+          <a:ext cx="0" cy="0"/>
+          <a:chOff x="0" y="0"/>
+          <a:chExt cx="0" cy="0"/>
+        </a:xfrm>
+      </p:grpSpPr>
+      <p:sp>
+        <p:nvSpPr>
+          <p:cNvPr id="2" name="Title 1"/>
+          <p:cNvSpPr>
+            <a:spLocks noGrp="1"/>
+          </p:cNvSpPr>
+          <p:nvPr>
+            <p:ph type="title"/>
+          </p:nvPr>
+        </p:nvSpPr>
+        <p:spPr/>
+        <p:txBody>
+          <a:bodyPr/>
+          <a:lstStyle/>
+          <a:p>
+            <a:r>
+              <a:rPr lang="en-US" dirty="0" smtClean="0"/>
               <a:t>Bubble Sort</a:t>
             </a:r>
             <a:endParaRPr lang="en-US" dirty="0"/>
@@ -20340,7 +20527,7 @@
 </p:sld>
 </file>
 
-<file path=ppt/slides/slide43.xml><?xml version="1.0" encoding="utf-8"?>
+<file path=ppt/slides/slide44.xml><?xml version="1.0" encoding="utf-8"?>
 <p:sld xmlns:a="http://schemas.openxmlformats.org/drawingml/2006/main" xmlns:r="http://schemas.openxmlformats.org/officeDocument/2006/relationships" xmlns:p="http://schemas.openxmlformats.org/presentationml/2006/main">
   <p:cSld>
     <p:spTree>
@@ -21544,7 +21731,7 @@
 </p:sld>
 </file>
 
-<file path=ppt/slides/slide44.xml><?xml version="1.0" encoding="utf-8"?>
+<file path=ppt/slides/slide45.xml><?xml version="1.0" encoding="utf-8"?>
 <p:sld xmlns:a="http://schemas.openxmlformats.org/drawingml/2006/main" xmlns:r="http://schemas.openxmlformats.org/officeDocument/2006/relationships" xmlns:p="http://schemas.openxmlformats.org/presentationml/2006/main">
   <p:cSld>
     <p:spTree>
@@ -22375,7 +22562,7 @@
 </p:sld>
 </file>
 
-<file path=ppt/slides/slide45.xml><?xml version="1.0" encoding="utf-8"?>
+<file path=ppt/slides/slide46.xml><?xml version="1.0" encoding="utf-8"?>
 <p:sld xmlns:a="http://schemas.openxmlformats.org/drawingml/2006/main" xmlns:r="http://schemas.openxmlformats.org/officeDocument/2006/relationships" xmlns:p="http://schemas.openxmlformats.org/presentationml/2006/main">
   <p:cSld>
     <p:spTree>
@@ -22614,7 +22801,4382 @@
 </p:sld>
 </file>
 
-<file path=ppt/slides/slide46.xml><?xml version="1.0" encoding="utf-8"?>
+<file path=ppt/slides/slide47.xml><?xml version="1.0" encoding="utf-8"?>
+<p:sld xmlns:a="http://schemas.openxmlformats.org/drawingml/2006/main" xmlns:r="http://schemas.openxmlformats.org/officeDocument/2006/relationships" xmlns:p="http://schemas.openxmlformats.org/presentationml/2006/main">
+  <p:cSld>
+    <p:spTree>
+      <p:nvGrpSpPr>
+        <p:cNvPr id="1" name=""/>
+        <p:cNvGrpSpPr/>
+        <p:nvPr/>
+      </p:nvGrpSpPr>
+      <p:grpSpPr>
+        <a:xfrm>
+          <a:off x="0" y="0"/>
+          <a:ext cx="0" cy="0"/>
+          <a:chOff x="0" y="0"/>
+          <a:chExt cx="0" cy="0"/>
+        </a:xfrm>
+      </p:grpSpPr>
+      <p:sp>
+        <p:nvSpPr>
+          <p:cNvPr id="2" name="Title 1"/>
+          <p:cNvSpPr>
+            <a:spLocks noGrp="1"/>
+          </p:cNvSpPr>
+          <p:nvPr>
+            <p:ph type="title"/>
+          </p:nvPr>
+        </p:nvSpPr>
+        <p:spPr/>
+        <p:txBody>
+          <a:bodyPr/>
+          <a:lstStyle/>
+          <a:p>
+            <a:r>
+              <a:rPr lang="en-US" dirty="0" smtClean="0"/>
+              <a:t>Insertion Sort</a:t>
+            </a:r>
+            <a:endParaRPr lang="en-US" dirty="0"/>
+          </a:p>
+        </p:txBody>
+      </p:sp>
+      <p:sp>
+        <p:nvSpPr>
+          <p:cNvPr id="3" name="Text Placeholder 2"/>
+          <p:cNvSpPr>
+            <a:spLocks noGrp="1"/>
+          </p:cNvSpPr>
+          <p:nvPr>
+            <p:ph type="body" idx="1"/>
+          </p:nvPr>
+        </p:nvSpPr>
+        <p:spPr>
+          <a:xfrm>
+            <a:off x="320904" y="2595775"/>
+            <a:ext cx="6570090" cy="6286500"/>
+          </a:xfrm>
+        </p:spPr>
+        <p:txBody>
+          <a:bodyPr/>
+          <a:lstStyle/>
+          <a:p>
+            <a:r>
+              <a:rPr lang="en-US" dirty="0" smtClean="0"/>
+              <a:t>An array of size 0 or 1 is always considered sorted</a:t>
+            </a:r>
+          </a:p>
+          <a:p>
+            <a:r>
+              <a:rPr lang="en-US" dirty="0" smtClean="0"/>
+              <a:t>From left to right, till length N</a:t>
+            </a:r>
+          </a:p>
+          <a:p>
+            <a:r>
+              <a:rPr lang="en-US" dirty="0" smtClean="0"/>
+              <a:t>K-leftmost values are sorted</a:t>
+            </a:r>
+          </a:p>
+          <a:p>
+            <a:r>
+              <a:rPr lang="en-US" dirty="0" smtClean="0"/>
+              <a:t>Position K+1 is not sorted, insert it in the first K</a:t>
+            </a:r>
+          </a:p>
+          <a:p>
+            <a:pPr lvl="1"/>
+            <a:r>
+              <a:rPr lang="en-US" dirty="0"/>
+              <a:t>b</a:t>
+            </a:r>
+            <a:r>
+              <a:rPr lang="en-US" dirty="0" smtClean="0"/>
+              <a:t>y swapping adjacent elements, like in Bubble Sort</a:t>
+            </a:r>
+            <a:endParaRPr lang="en-US" dirty="0"/>
+          </a:p>
+        </p:txBody>
+      </p:sp>
+      <p:graphicFrame>
+        <p:nvGraphicFramePr>
+          <p:cNvPr id="4" name="Table 3"/>
+          <p:cNvGraphicFramePr>
+            <a:graphicFrameLocks noGrp="1"/>
+          </p:cNvGraphicFramePr>
+          <p:nvPr>
+            <p:extLst/>
+          </p:nvPr>
+        </p:nvGraphicFramePr>
+        <p:xfrm>
+          <a:off x="7227842" y="2906930"/>
+          <a:ext cx="4150782" cy="370840"/>
+        </p:xfrm>
+        <a:graphic>
+          <a:graphicData uri="http://schemas.openxmlformats.org/drawingml/2006/table">
+            <a:tbl>
+              <a:tblPr firstRow="1" bandRow="1">
+                <a:tableStyleId>{5940675A-B579-460E-94D1-54222C63F5DA}</a:tableStyleId>
+              </a:tblPr>
+              <a:tblGrid>
+                <a:gridCol w="691797">
+                  <a:extLst>
+                    <a:ext uri="{9D8B030D-6E8A-4147-A177-3AD203B41FA5}">
+                      <a16:colId xmlns:a16="http://schemas.microsoft.com/office/drawing/2014/main" val="1527688708"/>
+                    </a:ext>
+                  </a:extLst>
+                </a:gridCol>
+                <a:gridCol w="691797">
+                  <a:extLst>
+                    <a:ext uri="{9D8B030D-6E8A-4147-A177-3AD203B41FA5}">
+                      <a16:colId xmlns:a16="http://schemas.microsoft.com/office/drawing/2014/main" val="653538617"/>
+                    </a:ext>
+                  </a:extLst>
+                </a:gridCol>
+                <a:gridCol w="691797">
+                  <a:extLst>
+                    <a:ext uri="{9D8B030D-6E8A-4147-A177-3AD203B41FA5}">
+                      <a16:colId xmlns:a16="http://schemas.microsoft.com/office/drawing/2014/main" val="2554237578"/>
+                    </a:ext>
+                  </a:extLst>
+                </a:gridCol>
+                <a:gridCol w="691797">
+                  <a:extLst>
+                    <a:ext uri="{9D8B030D-6E8A-4147-A177-3AD203B41FA5}">
+                      <a16:colId xmlns:a16="http://schemas.microsoft.com/office/drawing/2014/main" val="2946659525"/>
+                    </a:ext>
+                  </a:extLst>
+                </a:gridCol>
+                <a:gridCol w="691797">
+                  <a:extLst>
+                    <a:ext uri="{9D8B030D-6E8A-4147-A177-3AD203B41FA5}">
+                      <a16:colId xmlns:a16="http://schemas.microsoft.com/office/drawing/2014/main" val="2043106262"/>
+                    </a:ext>
+                  </a:extLst>
+                </a:gridCol>
+                <a:gridCol w="691797">
+                  <a:extLst>
+                    <a:ext uri="{9D8B030D-6E8A-4147-A177-3AD203B41FA5}">
+                      <a16:colId xmlns:a16="http://schemas.microsoft.com/office/drawing/2014/main" val="3337530176"/>
+                    </a:ext>
+                  </a:extLst>
+                </a:gridCol>
+              </a:tblGrid>
+              <a:tr h="370840">
+                <a:tc>
+                  <a:txBody>
+                    <a:bodyPr/>
+                    <a:lstStyle/>
+                    <a:p>
+                      <a:r>
+                        <a:rPr lang="en-US" dirty="0" smtClean="0"/>
+                        <a:t>4</a:t>
+                      </a:r>
+                      <a:endParaRPr lang="en-US" dirty="0"/>
+                    </a:p>
+                  </a:txBody>
+                  <a:tcPr>
+                    <a:noFill/>
+                  </a:tcPr>
+                </a:tc>
+                <a:tc>
+                  <a:txBody>
+                    <a:bodyPr/>
+                    <a:lstStyle/>
+                    <a:p>
+                      <a:r>
+                        <a:rPr lang="en-US" dirty="0" smtClean="0"/>
+                        <a:t>5</a:t>
+                      </a:r>
+                      <a:endParaRPr lang="en-US" dirty="0"/>
+                    </a:p>
+                  </a:txBody>
+                  <a:tcPr>
+                    <a:noFill/>
+                  </a:tcPr>
+                </a:tc>
+                <a:tc>
+                  <a:txBody>
+                    <a:bodyPr/>
+                    <a:lstStyle/>
+                    <a:p>
+                      <a:r>
+                        <a:rPr lang="en-US" dirty="0" smtClean="0"/>
+                        <a:t>1</a:t>
+                      </a:r>
+                      <a:endParaRPr lang="en-US" dirty="0"/>
+                    </a:p>
+                  </a:txBody>
+                  <a:tcPr>
+                    <a:noFill/>
+                  </a:tcPr>
+                </a:tc>
+                <a:tc>
+                  <a:txBody>
+                    <a:bodyPr/>
+                    <a:lstStyle/>
+                    <a:p>
+                      <a:r>
+                        <a:rPr lang="en-US" dirty="0" smtClean="0"/>
+                        <a:t>3</a:t>
+                      </a:r>
+                      <a:endParaRPr lang="en-US" dirty="0"/>
+                    </a:p>
+                  </a:txBody>
+                  <a:tcPr>
+                    <a:noFill/>
+                  </a:tcPr>
+                </a:tc>
+                <a:tc>
+                  <a:txBody>
+                    <a:bodyPr/>
+                    <a:lstStyle/>
+                    <a:p>
+                      <a:r>
+                        <a:rPr lang="en-US" dirty="0" smtClean="0"/>
+                        <a:t>2</a:t>
+                      </a:r>
+                      <a:endParaRPr lang="en-US" dirty="0"/>
+                    </a:p>
+                  </a:txBody>
+                  <a:tcPr>
+                    <a:noFill/>
+                  </a:tcPr>
+                </a:tc>
+                <a:tc>
+                  <a:txBody>
+                    <a:bodyPr/>
+                    <a:lstStyle/>
+                    <a:p>
+                      <a:r>
+                        <a:rPr lang="en-US" dirty="0" smtClean="0"/>
+                        <a:t>6</a:t>
+                      </a:r>
+                      <a:endParaRPr lang="en-US" dirty="0"/>
+                    </a:p>
+                  </a:txBody>
+                  <a:tcPr>
+                    <a:noFill/>
+                  </a:tcPr>
+                </a:tc>
+                <a:extLst>
+                  <a:ext uri="{0D108BD9-81ED-4DB2-BD59-A6C34878D82A}">
+                    <a16:rowId xmlns:a16="http://schemas.microsoft.com/office/drawing/2014/main" val="1945647981"/>
+                  </a:ext>
+                </a:extLst>
+              </a:tr>
+            </a:tbl>
+          </a:graphicData>
+        </a:graphic>
+      </p:graphicFrame>
+      <p:graphicFrame>
+        <p:nvGraphicFramePr>
+          <p:cNvPr id="5" name="Table 4"/>
+          <p:cNvGraphicFramePr>
+            <a:graphicFrameLocks noGrp="1"/>
+          </p:cNvGraphicFramePr>
+          <p:nvPr>
+            <p:extLst/>
+          </p:nvPr>
+        </p:nvGraphicFramePr>
+        <p:xfrm>
+          <a:off x="7227842" y="3952040"/>
+          <a:ext cx="4150782" cy="370840"/>
+        </p:xfrm>
+        <a:graphic>
+          <a:graphicData uri="http://schemas.openxmlformats.org/drawingml/2006/table">
+            <a:tbl>
+              <a:tblPr firstRow="1" bandRow="1">
+                <a:tableStyleId>{5940675A-B579-460E-94D1-54222C63F5DA}</a:tableStyleId>
+              </a:tblPr>
+              <a:tblGrid>
+                <a:gridCol w="691797">
+                  <a:extLst>
+                    <a:ext uri="{9D8B030D-6E8A-4147-A177-3AD203B41FA5}">
+                      <a16:colId xmlns:a16="http://schemas.microsoft.com/office/drawing/2014/main" val="1527688708"/>
+                    </a:ext>
+                  </a:extLst>
+                </a:gridCol>
+                <a:gridCol w="691797">
+                  <a:extLst>
+                    <a:ext uri="{9D8B030D-6E8A-4147-A177-3AD203B41FA5}">
+                      <a16:colId xmlns:a16="http://schemas.microsoft.com/office/drawing/2014/main" val="653538617"/>
+                    </a:ext>
+                  </a:extLst>
+                </a:gridCol>
+                <a:gridCol w="691797">
+                  <a:extLst>
+                    <a:ext uri="{9D8B030D-6E8A-4147-A177-3AD203B41FA5}">
+                      <a16:colId xmlns:a16="http://schemas.microsoft.com/office/drawing/2014/main" val="2554237578"/>
+                    </a:ext>
+                  </a:extLst>
+                </a:gridCol>
+                <a:gridCol w="691797">
+                  <a:extLst>
+                    <a:ext uri="{9D8B030D-6E8A-4147-A177-3AD203B41FA5}">
+                      <a16:colId xmlns:a16="http://schemas.microsoft.com/office/drawing/2014/main" val="2946659525"/>
+                    </a:ext>
+                  </a:extLst>
+                </a:gridCol>
+                <a:gridCol w="691797">
+                  <a:extLst>
+                    <a:ext uri="{9D8B030D-6E8A-4147-A177-3AD203B41FA5}">
+                      <a16:colId xmlns:a16="http://schemas.microsoft.com/office/drawing/2014/main" val="2043106262"/>
+                    </a:ext>
+                  </a:extLst>
+                </a:gridCol>
+                <a:gridCol w="691797">
+                  <a:extLst>
+                    <a:ext uri="{9D8B030D-6E8A-4147-A177-3AD203B41FA5}">
+                      <a16:colId xmlns:a16="http://schemas.microsoft.com/office/drawing/2014/main" val="3337530176"/>
+                    </a:ext>
+                  </a:extLst>
+                </a:gridCol>
+              </a:tblGrid>
+              <a:tr h="370840">
+                <a:tc>
+                  <a:txBody>
+                    <a:bodyPr/>
+                    <a:lstStyle/>
+                    <a:p>
+                      <a:r>
+                        <a:rPr lang="en-US" dirty="0" smtClean="0"/>
+                        <a:t>4</a:t>
+                      </a:r>
+                      <a:endParaRPr lang="en-US" dirty="0"/>
+                    </a:p>
+                  </a:txBody>
+                  <a:tcPr>
+                    <a:solidFill>
+                      <a:schemeClr val="accent1">
+                        <a:lumMod val="60000"/>
+                        <a:lumOff val="40000"/>
+                      </a:schemeClr>
+                    </a:solidFill>
+                  </a:tcPr>
+                </a:tc>
+                <a:tc>
+                  <a:txBody>
+                    <a:bodyPr/>
+                    <a:lstStyle/>
+                    <a:p>
+                      <a:r>
+                        <a:rPr lang="en-US" dirty="0" smtClean="0"/>
+                        <a:t>5</a:t>
+                      </a:r>
+                      <a:endParaRPr lang="en-US" dirty="0"/>
+                    </a:p>
+                  </a:txBody>
+                  <a:tcPr>
+                    <a:noFill/>
+                  </a:tcPr>
+                </a:tc>
+                <a:tc>
+                  <a:txBody>
+                    <a:bodyPr/>
+                    <a:lstStyle/>
+                    <a:p>
+                      <a:r>
+                        <a:rPr lang="en-US" dirty="0" smtClean="0"/>
+                        <a:t>1</a:t>
+                      </a:r>
+                      <a:endParaRPr lang="en-US" dirty="0"/>
+                    </a:p>
+                  </a:txBody>
+                  <a:tcPr>
+                    <a:noFill/>
+                  </a:tcPr>
+                </a:tc>
+                <a:tc>
+                  <a:txBody>
+                    <a:bodyPr/>
+                    <a:lstStyle/>
+                    <a:p>
+                      <a:r>
+                        <a:rPr lang="en-US" dirty="0" smtClean="0"/>
+                        <a:t>3</a:t>
+                      </a:r>
+                      <a:endParaRPr lang="en-US" dirty="0"/>
+                    </a:p>
+                  </a:txBody>
+                  <a:tcPr>
+                    <a:noFill/>
+                  </a:tcPr>
+                </a:tc>
+                <a:tc>
+                  <a:txBody>
+                    <a:bodyPr/>
+                    <a:lstStyle/>
+                    <a:p>
+                      <a:r>
+                        <a:rPr lang="en-US" dirty="0" smtClean="0"/>
+                        <a:t>2</a:t>
+                      </a:r>
+                      <a:endParaRPr lang="en-US" dirty="0"/>
+                    </a:p>
+                  </a:txBody>
+                  <a:tcPr>
+                    <a:noFill/>
+                  </a:tcPr>
+                </a:tc>
+                <a:tc>
+                  <a:txBody>
+                    <a:bodyPr/>
+                    <a:lstStyle/>
+                    <a:p>
+                      <a:r>
+                        <a:rPr lang="en-US" dirty="0" smtClean="0"/>
+                        <a:t>6</a:t>
+                      </a:r>
+                      <a:endParaRPr lang="en-US" dirty="0"/>
+                    </a:p>
+                  </a:txBody>
+                  <a:tcPr>
+                    <a:noFill/>
+                  </a:tcPr>
+                </a:tc>
+                <a:extLst>
+                  <a:ext uri="{0D108BD9-81ED-4DB2-BD59-A6C34878D82A}">
+                    <a16:rowId xmlns:a16="http://schemas.microsoft.com/office/drawing/2014/main" val="1945647981"/>
+                  </a:ext>
+                </a:extLst>
+              </a:tr>
+            </a:tbl>
+          </a:graphicData>
+        </a:graphic>
+      </p:graphicFrame>
+      <p:graphicFrame>
+        <p:nvGraphicFramePr>
+          <p:cNvPr id="6" name="Table 5"/>
+          <p:cNvGraphicFramePr>
+            <a:graphicFrameLocks noGrp="1"/>
+          </p:cNvGraphicFramePr>
+          <p:nvPr>
+            <p:extLst/>
+          </p:nvPr>
+        </p:nvGraphicFramePr>
+        <p:xfrm>
+          <a:off x="7227842" y="4997150"/>
+          <a:ext cx="4150782" cy="370840"/>
+        </p:xfrm>
+        <a:graphic>
+          <a:graphicData uri="http://schemas.openxmlformats.org/drawingml/2006/table">
+            <a:tbl>
+              <a:tblPr firstRow="1" bandRow="1">
+                <a:tableStyleId>{5940675A-B579-460E-94D1-54222C63F5DA}</a:tableStyleId>
+              </a:tblPr>
+              <a:tblGrid>
+                <a:gridCol w="691797">
+                  <a:extLst>
+                    <a:ext uri="{9D8B030D-6E8A-4147-A177-3AD203B41FA5}">
+                      <a16:colId xmlns:a16="http://schemas.microsoft.com/office/drawing/2014/main" val="1527688708"/>
+                    </a:ext>
+                  </a:extLst>
+                </a:gridCol>
+                <a:gridCol w="691797">
+                  <a:extLst>
+                    <a:ext uri="{9D8B030D-6E8A-4147-A177-3AD203B41FA5}">
+                      <a16:colId xmlns:a16="http://schemas.microsoft.com/office/drawing/2014/main" val="653538617"/>
+                    </a:ext>
+                  </a:extLst>
+                </a:gridCol>
+                <a:gridCol w="691797">
+                  <a:extLst>
+                    <a:ext uri="{9D8B030D-6E8A-4147-A177-3AD203B41FA5}">
+                      <a16:colId xmlns:a16="http://schemas.microsoft.com/office/drawing/2014/main" val="2554237578"/>
+                    </a:ext>
+                  </a:extLst>
+                </a:gridCol>
+                <a:gridCol w="691797">
+                  <a:extLst>
+                    <a:ext uri="{9D8B030D-6E8A-4147-A177-3AD203B41FA5}">
+                      <a16:colId xmlns:a16="http://schemas.microsoft.com/office/drawing/2014/main" val="2946659525"/>
+                    </a:ext>
+                  </a:extLst>
+                </a:gridCol>
+                <a:gridCol w="691797">
+                  <a:extLst>
+                    <a:ext uri="{9D8B030D-6E8A-4147-A177-3AD203B41FA5}">
+                      <a16:colId xmlns:a16="http://schemas.microsoft.com/office/drawing/2014/main" val="2043106262"/>
+                    </a:ext>
+                  </a:extLst>
+                </a:gridCol>
+                <a:gridCol w="691797">
+                  <a:extLst>
+                    <a:ext uri="{9D8B030D-6E8A-4147-A177-3AD203B41FA5}">
+                      <a16:colId xmlns:a16="http://schemas.microsoft.com/office/drawing/2014/main" val="3337530176"/>
+                    </a:ext>
+                  </a:extLst>
+                </a:gridCol>
+              </a:tblGrid>
+              <a:tr h="370840">
+                <a:tc>
+                  <a:txBody>
+                    <a:bodyPr/>
+                    <a:lstStyle/>
+                    <a:p>
+                      <a:r>
+                        <a:rPr lang="en-US" dirty="0" smtClean="0"/>
+                        <a:t>4</a:t>
+                      </a:r>
+                      <a:endParaRPr lang="en-US" dirty="0"/>
+                    </a:p>
+                  </a:txBody>
+                  <a:tcPr>
+                    <a:solidFill>
+                      <a:schemeClr val="accent1">
+                        <a:lumMod val="60000"/>
+                        <a:lumOff val="40000"/>
+                      </a:schemeClr>
+                    </a:solidFill>
+                  </a:tcPr>
+                </a:tc>
+                <a:tc>
+                  <a:txBody>
+                    <a:bodyPr/>
+                    <a:lstStyle/>
+                    <a:p>
+                      <a:r>
+                        <a:rPr lang="en-US" dirty="0" smtClean="0"/>
+                        <a:t>5</a:t>
+                      </a:r>
+                      <a:endParaRPr lang="en-US" dirty="0"/>
+                    </a:p>
+                  </a:txBody>
+                  <a:tcPr>
+                    <a:solidFill>
+                      <a:schemeClr val="accent1">
+                        <a:lumMod val="60000"/>
+                        <a:lumOff val="40000"/>
+                      </a:schemeClr>
+                    </a:solidFill>
+                  </a:tcPr>
+                </a:tc>
+                <a:tc>
+                  <a:txBody>
+                    <a:bodyPr/>
+                    <a:lstStyle/>
+                    <a:p>
+                      <a:r>
+                        <a:rPr lang="en-US" dirty="0" smtClean="0"/>
+                        <a:t>1</a:t>
+                      </a:r>
+                      <a:endParaRPr lang="en-US" dirty="0"/>
+                    </a:p>
+                  </a:txBody>
+                  <a:tcPr>
+                    <a:noFill/>
+                  </a:tcPr>
+                </a:tc>
+                <a:tc>
+                  <a:txBody>
+                    <a:bodyPr/>
+                    <a:lstStyle/>
+                    <a:p>
+                      <a:r>
+                        <a:rPr lang="en-US" dirty="0" smtClean="0"/>
+                        <a:t>3</a:t>
+                      </a:r>
+                      <a:endParaRPr lang="en-US" dirty="0"/>
+                    </a:p>
+                  </a:txBody>
+                  <a:tcPr>
+                    <a:noFill/>
+                  </a:tcPr>
+                </a:tc>
+                <a:tc>
+                  <a:txBody>
+                    <a:bodyPr/>
+                    <a:lstStyle/>
+                    <a:p>
+                      <a:r>
+                        <a:rPr lang="en-US" dirty="0" smtClean="0"/>
+                        <a:t>2</a:t>
+                      </a:r>
+                      <a:endParaRPr lang="en-US" dirty="0"/>
+                    </a:p>
+                  </a:txBody>
+                  <a:tcPr>
+                    <a:noFill/>
+                  </a:tcPr>
+                </a:tc>
+                <a:tc>
+                  <a:txBody>
+                    <a:bodyPr/>
+                    <a:lstStyle/>
+                    <a:p>
+                      <a:r>
+                        <a:rPr lang="en-US" dirty="0" smtClean="0"/>
+                        <a:t>6</a:t>
+                      </a:r>
+                      <a:endParaRPr lang="en-US" dirty="0"/>
+                    </a:p>
+                  </a:txBody>
+                  <a:tcPr>
+                    <a:noFill/>
+                  </a:tcPr>
+                </a:tc>
+                <a:extLst>
+                  <a:ext uri="{0D108BD9-81ED-4DB2-BD59-A6C34878D82A}">
+                    <a16:rowId xmlns:a16="http://schemas.microsoft.com/office/drawing/2014/main" val="1945647981"/>
+                  </a:ext>
+                </a:extLst>
+              </a:tr>
+            </a:tbl>
+          </a:graphicData>
+        </a:graphic>
+      </p:graphicFrame>
+      <p:graphicFrame>
+        <p:nvGraphicFramePr>
+          <p:cNvPr id="7" name="Table 6"/>
+          <p:cNvGraphicFramePr>
+            <a:graphicFrameLocks noGrp="1"/>
+          </p:cNvGraphicFramePr>
+          <p:nvPr>
+            <p:extLst/>
+          </p:nvPr>
+        </p:nvGraphicFramePr>
+        <p:xfrm>
+          <a:off x="7227842" y="6042260"/>
+          <a:ext cx="4150782" cy="370840"/>
+        </p:xfrm>
+        <a:graphic>
+          <a:graphicData uri="http://schemas.openxmlformats.org/drawingml/2006/table">
+            <a:tbl>
+              <a:tblPr firstRow="1" bandRow="1">
+                <a:tableStyleId>{5940675A-B579-460E-94D1-54222C63F5DA}</a:tableStyleId>
+              </a:tblPr>
+              <a:tblGrid>
+                <a:gridCol w="691797">
+                  <a:extLst>
+                    <a:ext uri="{9D8B030D-6E8A-4147-A177-3AD203B41FA5}">
+                      <a16:colId xmlns:a16="http://schemas.microsoft.com/office/drawing/2014/main" val="1527688708"/>
+                    </a:ext>
+                  </a:extLst>
+                </a:gridCol>
+                <a:gridCol w="691797">
+                  <a:extLst>
+                    <a:ext uri="{9D8B030D-6E8A-4147-A177-3AD203B41FA5}">
+                      <a16:colId xmlns:a16="http://schemas.microsoft.com/office/drawing/2014/main" val="653538617"/>
+                    </a:ext>
+                  </a:extLst>
+                </a:gridCol>
+                <a:gridCol w="691797">
+                  <a:extLst>
+                    <a:ext uri="{9D8B030D-6E8A-4147-A177-3AD203B41FA5}">
+                      <a16:colId xmlns:a16="http://schemas.microsoft.com/office/drawing/2014/main" val="2554237578"/>
+                    </a:ext>
+                  </a:extLst>
+                </a:gridCol>
+                <a:gridCol w="691797">
+                  <a:extLst>
+                    <a:ext uri="{9D8B030D-6E8A-4147-A177-3AD203B41FA5}">
+                      <a16:colId xmlns:a16="http://schemas.microsoft.com/office/drawing/2014/main" val="2946659525"/>
+                    </a:ext>
+                  </a:extLst>
+                </a:gridCol>
+                <a:gridCol w="691797">
+                  <a:extLst>
+                    <a:ext uri="{9D8B030D-6E8A-4147-A177-3AD203B41FA5}">
+                      <a16:colId xmlns:a16="http://schemas.microsoft.com/office/drawing/2014/main" val="2043106262"/>
+                    </a:ext>
+                  </a:extLst>
+                </a:gridCol>
+                <a:gridCol w="691797">
+                  <a:extLst>
+                    <a:ext uri="{9D8B030D-6E8A-4147-A177-3AD203B41FA5}">
+                      <a16:colId xmlns:a16="http://schemas.microsoft.com/office/drawing/2014/main" val="3337530176"/>
+                    </a:ext>
+                  </a:extLst>
+                </a:gridCol>
+              </a:tblGrid>
+              <a:tr h="370840">
+                <a:tc>
+                  <a:txBody>
+                    <a:bodyPr/>
+                    <a:lstStyle/>
+                    <a:p>
+                      <a:r>
+                        <a:rPr lang="en-US" dirty="0" smtClean="0"/>
+                        <a:t>4</a:t>
+                      </a:r>
+                      <a:endParaRPr lang="en-US" dirty="0"/>
+                    </a:p>
+                  </a:txBody>
+                  <a:tcPr>
+                    <a:solidFill>
+                      <a:schemeClr val="accent1">
+                        <a:lumMod val="60000"/>
+                        <a:lumOff val="40000"/>
+                      </a:schemeClr>
+                    </a:solidFill>
+                  </a:tcPr>
+                </a:tc>
+                <a:tc>
+                  <a:txBody>
+                    <a:bodyPr/>
+                    <a:lstStyle/>
+                    <a:p>
+                      <a:r>
+                        <a:rPr lang="en-US" dirty="0" smtClean="0"/>
+                        <a:t>5</a:t>
+                      </a:r>
+                      <a:endParaRPr lang="en-US" dirty="0"/>
+                    </a:p>
+                  </a:txBody>
+                  <a:tcPr>
+                    <a:solidFill>
+                      <a:schemeClr val="accent1">
+                        <a:lumMod val="60000"/>
+                        <a:lumOff val="40000"/>
+                      </a:schemeClr>
+                    </a:solidFill>
+                  </a:tcPr>
+                </a:tc>
+                <a:tc>
+                  <a:txBody>
+                    <a:bodyPr/>
+                    <a:lstStyle/>
+                    <a:p>
+                      <a:r>
+                        <a:rPr lang="en-US" dirty="0" smtClean="0"/>
+                        <a:t>1</a:t>
+                      </a:r>
+                      <a:endParaRPr lang="en-US" dirty="0"/>
+                    </a:p>
+                  </a:txBody>
+                  <a:tcPr>
+                    <a:solidFill>
+                      <a:schemeClr val="accent2">
+                        <a:lumMod val="60000"/>
+                        <a:lumOff val="40000"/>
+                      </a:schemeClr>
+                    </a:solidFill>
+                  </a:tcPr>
+                </a:tc>
+                <a:tc>
+                  <a:txBody>
+                    <a:bodyPr/>
+                    <a:lstStyle/>
+                    <a:p>
+                      <a:r>
+                        <a:rPr lang="en-US" dirty="0" smtClean="0"/>
+                        <a:t>3</a:t>
+                      </a:r>
+                      <a:endParaRPr lang="en-US" dirty="0"/>
+                    </a:p>
+                  </a:txBody>
+                  <a:tcPr>
+                    <a:noFill/>
+                  </a:tcPr>
+                </a:tc>
+                <a:tc>
+                  <a:txBody>
+                    <a:bodyPr/>
+                    <a:lstStyle/>
+                    <a:p>
+                      <a:r>
+                        <a:rPr lang="en-US" dirty="0" smtClean="0"/>
+                        <a:t>2</a:t>
+                      </a:r>
+                      <a:endParaRPr lang="en-US" dirty="0"/>
+                    </a:p>
+                  </a:txBody>
+                  <a:tcPr>
+                    <a:noFill/>
+                  </a:tcPr>
+                </a:tc>
+                <a:tc>
+                  <a:txBody>
+                    <a:bodyPr/>
+                    <a:lstStyle/>
+                    <a:p>
+                      <a:r>
+                        <a:rPr lang="en-US" dirty="0" smtClean="0"/>
+                        <a:t>6</a:t>
+                      </a:r>
+                      <a:endParaRPr lang="en-US" dirty="0"/>
+                    </a:p>
+                  </a:txBody>
+                  <a:tcPr>
+                    <a:noFill/>
+                  </a:tcPr>
+                </a:tc>
+                <a:extLst>
+                  <a:ext uri="{0D108BD9-81ED-4DB2-BD59-A6C34878D82A}">
+                    <a16:rowId xmlns:a16="http://schemas.microsoft.com/office/drawing/2014/main" val="1945647981"/>
+                  </a:ext>
+                </a:extLst>
+              </a:tr>
+            </a:tbl>
+          </a:graphicData>
+        </a:graphic>
+      </p:graphicFrame>
+      <p:graphicFrame>
+        <p:nvGraphicFramePr>
+          <p:cNvPr id="8" name="Table 7"/>
+          <p:cNvGraphicFramePr>
+            <a:graphicFrameLocks noGrp="1"/>
+          </p:cNvGraphicFramePr>
+          <p:nvPr>
+            <p:extLst/>
+          </p:nvPr>
+        </p:nvGraphicFramePr>
+        <p:xfrm>
+          <a:off x="7227842" y="7087370"/>
+          <a:ext cx="4150782" cy="370840"/>
+        </p:xfrm>
+        <a:graphic>
+          <a:graphicData uri="http://schemas.openxmlformats.org/drawingml/2006/table">
+            <a:tbl>
+              <a:tblPr firstRow="1" bandRow="1">
+                <a:tableStyleId>{5940675A-B579-460E-94D1-54222C63F5DA}</a:tableStyleId>
+              </a:tblPr>
+              <a:tblGrid>
+                <a:gridCol w="691797">
+                  <a:extLst>
+                    <a:ext uri="{9D8B030D-6E8A-4147-A177-3AD203B41FA5}">
+                      <a16:colId xmlns:a16="http://schemas.microsoft.com/office/drawing/2014/main" val="1527688708"/>
+                    </a:ext>
+                  </a:extLst>
+                </a:gridCol>
+                <a:gridCol w="691797">
+                  <a:extLst>
+                    <a:ext uri="{9D8B030D-6E8A-4147-A177-3AD203B41FA5}">
+                      <a16:colId xmlns:a16="http://schemas.microsoft.com/office/drawing/2014/main" val="653538617"/>
+                    </a:ext>
+                  </a:extLst>
+                </a:gridCol>
+                <a:gridCol w="691797">
+                  <a:extLst>
+                    <a:ext uri="{9D8B030D-6E8A-4147-A177-3AD203B41FA5}">
+                      <a16:colId xmlns:a16="http://schemas.microsoft.com/office/drawing/2014/main" val="2554237578"/>
+                    </a:ext>
+                  </a:extLst>
+                </a:gridCol>
+                <a:gridCol w="691797">
+                  <a:extLst>
+                    <a:ext uri="{9D8B030D-6E8A-4147-A177-3AD203B41FA5}">
+                      <a16:colId xmlns:a16="http://schemas.microsoft.com/office/drawing/2014/main" val="2946659525"/>
+                    </a:ext>
+                  </a:extLst>
+                </a:gridCol>
+                <a:gridCol w="691797">
+                  <a:extLst>
+                    <a:ext uri="{9D8B030D-6E8A-4147-A177-3AD203B41FA5}">
+                      <a16:colId xmlns:a16="http://schemas.microsoft.com/office/drawing/2014/main" val="2043106262"/>
+                    </a:ext>
+                  </a:extLst>
+                </a:gridCol>
+                <a:gridCol w="691797">
+                  <a:extLst>
+                    <a:ext uri="{9D8B030D-6E8A-4147-A177-3AD203B41FA5}">
+                      <a16:colId xmlns:a16="http://schemas.microsoft.com/office/drawing/2014/main" val="3337530176"/>
+                    </a:ext>
+                  </a:extLst>
+                </a:gridCol>
+              </a:tblGrid>
+              <a:tr h="370840">
+                <a:tc>
+                  <a:txBody>
+                    <a:bodyPr/>
+                    <a:lstStyle/>
+                    <a:p>
+                      <a:r>
+                        <a:rPr lang="en-US" dirty="0" smtClean="0"/>
+                        <a:t>4</a:t>
+                      </a:r>
+                      <a:endParaRPr lang="en-US" dirty="0"/>
+                    </a:p>
+                  </a:txBody>
+                  <a:tcPr>
+                    <a:solidFill>
+                      <a:schemeClr val="accent1">
+                        <a:lumMod val="60000"/>
+                        <a:lumOff val="40000"/>
+                      </a:schemeClr>
+                    </a:solidFill>
+                  </a:tcPr>
+                </a:tc>
+                <a:tc>
+                  <a:txBody>
+                    <a:bodyPr/>
+                    <a:lstStyle/>
+                    <a:p>
+                      <a:r>
+                        <a:rPr lang="en-US" dirty="0" smtClean="0"/>
+                        <a:t>1</a:t>
+                      </a:r>
+                      <a:endParaRPr lang="en-US" dirty="0"/>
+                    </a:p>
+                  </a:txBody>
+                  <a:tcPr>
+                    <a:solidFill>
+                      <a:schemeClr val="accent2">
+                        <a:lumMod val="60000"/>
+                        <a:lumOff val="40000"/>
+                      </a:schemeClr>
+                    </a:solidFill>
+                  </a:tcPr>
+                </a:tc>
+                <a:tc>
+                  <a:txBody>
+                    <a:bodyPr/>
+                    <a:lstStyle/>
+                    <a:p>
+                      <a:r>
+                        <a:rPr lang="en-US" dirty="0" smtClean="0"/>
+                        <a:t>5</a:t>
+                      </a:r>
+                      <a:endParaRPr lang="en-US" dirty="0"/>
+                    </a:p>
+                  </a:txBody>
+                  <a:tcPr>
+                    <a:solidFill>
+                      <a:schemeClr val="accent1">
+                        <a:lumMod val="60000"/>
+                        <a:lumOff val="40000"/>
+                      </a:schemeClr>
+                    </a:solidFill>
+                  </a:tcPr>
+                </a:tc>
+                <a:tc>
+                  <a:txBody>
+                    <a:bodyPr/>
+                    <a:lstStyle/>
+                    <a:p>
+                      <a:r>
+                        <a:rPr lang="en-US" dirty="0" smtClean="0"/>
+                        <a:t>3</a:t>
+                      </a:r>
+                      <a:endParaRPr lang="en-US" dirty="0"/>
+                    </a:p>
+                  </a:txBody>
+                  <a:tcPr>
+                    <a:noFill/>
+                  </a:tcPr>
+                </a:tc>
+                <a:tc>
+                  <a:txBody>
+                    <a:bodyPr/>
+                    <a:lstStyle/>
+                    <a:p>
+                      <a:r>
+                        <a:rPr lang="en-US" dirty="0" smtClean="0"/>
+                        <a:t>2</a:t>
+                      </a:r>
+                      <a:endParaRPr lang="en-US" dirty="0"/>
+                    </a:p>
+                  </a:txBody>
+                  <a:tcPr>
+                    <a:noFill/>
+                  </a:tcPr>
+                </a:tc>
+                <a:tc>
+                  <a:txBody>
+                    <a:bodyPr/>
+                    <a:lstStyle/>
+                    <a:p>
+                      <a:r>
+                        <a:rPr lang="en-US" dirty="0" smtClean="0"/>
+                        <a:t>6</a:t>
+                      </a:r>
+                      <a:endParaRPr lang="en-US" dirty="0"/>
+                    </a:p>
+                  </a:txBody>
+                  <a:tcPr>
+                    <a:noFill/>
+                  </a:tcPr>
+                </a:tc>
+                <a:extLst>
+                  <a:ext uri="{0D108BD9-81ED-4DB2-BD59-A6C34878D82A}">
+                    <a16:rowId xmlns:a16="http://schemas.microsoft.com/office/drawing/2014/main" val="1945647981"/>
+                  </a:ext>
+                </a:extLst>
+              </a:tr>
+            </a:tbl>
+          </a:graphicData>
+        </a:graphic>
+      </p:graphicFrame>
+      <p:graphicFrame>
+        <p:nvGraphicFramePr>
+          <p:cNvPr id="9" name="Table 8"/>
+          <p:cNvGraphicFramePr>
+            <a:graphicFrameLocks noGrp="1"/>
+          </p:cNvGraphicFramePr>
+          <p:nvPr>
+            <p:extLst/>
+          </p:nvPr>
+        </p:nvGraphicFramePr>
+        <p:xfrm>
+          <a:off x="7227842" y="8132480"/>
+          <a:ext cx="4150782" cy="370840"/>
+        </p:xfrm>
+        <a:graphic>
+          <a:graphicData uri="http://schemas.openxmlformats.org/drawingml/2006/table">
+            <a:tbl>
+              <a:tblPr firstRow="1" bandRow="1">
+                <a:tableStyleId>{5940675A-B579-460E-94D1-54222C63F5DA}</a:tableStyleId>
+              </a:tblPr>
+              <a:tblGrid>
+                <a:gridCol w="691797">
+                  <a:extLst>
+                    <a:ext uri="{9D8B030D-6E8A-4147-A177-3AD203B41FA5}">
+                      <a16:colId xmlns:a16="http://schemas.microsoft.com/office/drawing/2014/main" val="1527688708"/>
+                    </a:ext>
+                  </a:extLst>
+                </a:gridCol>
+                <a:gridCol w="691797">
+                  <a:extLst>
+                    <a:ext uri="{9D8B030D-6E8A-4147-A177-3AD203B41FA5}">
+                      <a16:colId xmlns:a16="http://schemas.microsoft.com/office/drawing/2014/main" val="653538617"/>
+                    </a:ext>
+                  </a:extLst>
+                </a:gridCol>
+                <a:gridCol w="691797">
+                  <a:extLst>
+                    <a:ext uri="{9D8B030D-6E8A-4147-A177-3AD203B41FA5}">
+                      <a16:colId xmlns:a16="http://schemas.microsoft.com/office/drawing/2014/main" val="2554237578"/>
+                    </a:ext>
+                  </a:extLst>
+                </a:gridCol>
+                <a:gridCol w="691797">
+                  <a:extLst>
+                    <a:ext uri="{9D8B030D-6E8A-4147-A177-3AD203B41FA5}">
+                      <a16:colId xmlns:a16="http://schemas.microsoft.com/office/drawing/2014/main" val="2946659525"/>
+                    </a:ext>
+                  </a:extLst>
+                </a:gridCol>
+                <a:gridCol w="691797">
+                  <a:extLst>
+                    <a:ext uri="{9D8B030D-6E8A-4147-A177-3AD203B41FA5}">
+                      <a16:colId xmlns:a16="http://schemas.microsoft.com/office/drawing/2014/main" val="2043106262"/>
+                    </a:ext>
+                  </a:extLst>
+                </a:gridCol>
+                <a:gridCol w="691797">
+                  <a:extLst>
+                    <a:ext uri="{9D8B030D-6E8A-4147-A177-3AD203B41FA5}">
+                      <a16:colId xmlns:a16="http://schemas.microsoft.com/office/drawing/2014/main" val="3337530176"/>
+                    </a:ext>
+                  </a:extLst>
+                </a:gridCol>
+              </a:tblGrid>
+              <a:tr h="370840">
+                <a:tc>
+                  <a:txBody>
+                    <a:bodyPr/>
+                    <a:lstStyle/>
+                    <a:p>
+                      <a:r>
+                        <a:rPr lang="en-US" dirty="0" smtClean="0"/>
+                        <a:t>1</a:t>
+                      </a:r>
+                      <a:endParaRPr lang="en-US" dirty="0"/>
+                    </a:p>
+                  </a:txBody>
+                  <a:tcPr>
+                    <a:solidFill>
+                      <a:schemeClr val="accent2">
+                        <a:lumMod val="60000"/>
+                        <a:lumOff val="40000"/>
+                      </a:schemeClr>
+                    </a:solidFill>
+                  </a:tcPr>
+                </a:tc>
+                <a:tc>
+                  <a:txBody>
+                    <a:bodyPr/>
+                    <a:lstStyle/>
+                    <a:p>
+                      <a:r>
+                        <a:rPr lang="en-US" dirty="0" smtClean="0"/>
+                        <a:t>4</a:t>
+                      </a:r>
+                      <a:endParaRPr lang="en-US" dirty="0"/>
+                    </a:p>
+                  </a:txBody>
+                  <a:tcPr>
+                    <a:solidFill>
+                      <a:schemeClr val="accent1">
+                        <a:lumMod val="60000"/>
+                        <a:lumOff val="40000"/>
+                      </a:schemeClr>
+                    </a:solidFill>
+                  </a:tcPr>
+                </a:tc>
+                <a:tc>
+                  <a:txBody>
+                    <a:bodyPr/>
+                    <a:lstStyle/>
+                    <a:p>
+                      <a:r>
+                        <a:rPr lang="en-US" dirty="0" smtClean="0"/>
+                        <a:t>5</a:t>
+                      </a:r>
+                      <a:endParaRPr lang="en-US" dirty="0"/>
+                    </a:p>
+                  </a:txBody>
+                  <a:tcPr>
+                    <a:solidFill>
+                      <a:schemeClr val="accent1">
+                        <a:lumMod val="60000"/>
+                        <a:lumOff val="40000"/>
+                      </a:schemeClr>
+                    </a:solidFill>
+                  </a:tcPr>
+                </a:tc>
+                <a:tc>
+                  <a:txBody>
+                    <a:bodyPr/>
+                    <a:lstStyle/>
+                    <a:p>
+                      <a:r>
+                        <a:rPr lang="en-US" dirty="0" smtClean="0"/>
+                        <a:t>3</a:t>
+                      </a:r>
+                      <a:endParaRPr lang="en-US" dirty="0"/>
+                    </a:p>
+                  </a:txBody>
+                  <a:tcPr>
+                    <a:noFill/>
+                  </a:tcPr>
+                </a:tc>
+                <a:tc>
+                  <a:txBody>
+                    <a:bodyPr/>
+                    <a:lstStyle/>
+                    <a:p>
+                      <a:r>
+                        <a:rPr lang="en-US" dirty="0" smtClean="0"/>
+                        <a:t>2</a:t>
+                      </a:r>
+                      <a:endParaRPr lang="en-US" dirty="0"/>
+                    </a:p>
+                  </a:txBody>
+                  <a:tcPr>
+                    <a:noFill/>
+                  </a:tcPr>
+                </a:tc>
+                <a:tc>
+                  <a:txBody>
+                    <a:bodyPr/>
+                    <a:lstStyle/>
+                    <a:p>
+                      <a:r>
+                        <a:rPr lang="en-US" dirty="0" smtClean="0"/>
+                        <a:t>6</a:t>
+                      </a:r>
+                      <a:endParaRPr lang="en-US" dirty="0"/>
+                    </a:p>
+                  </a:txBody>
+                  <a:tcPr>
+                    <a:noFill/>
+                  </a:tcPr>
+                </a:tc>
+                <a:extLst>
+                  <a:ext uri="{0D108BD9-81ED-4DB2-BD59-A6C34878D82A}">
+                    <a16:rowId xmlns:a16="http://schemas.microsoft.com/office/drawing/2014/main" val="1945647981"/>
+                  </a:ext>
+                </a:extLst>
+              </a:tr>
+            </a:tbl>
+          </a:graphicData>
+        </a:graphic>
+      </p:graphicFrame>
+      <p:sp>
+        <p:nvSpPr>
+          <p:cNvPr id="10" name="TextBox 9"/>
+          <p:cNvSpPr txBox="1"/>
+          <p:nvPr/>
+        </p:nvSpPr>
+        <p:spPr>
+          <a:xfrm>
+            <a:off x="11575324" y="2813045"/>
+            <a:ext cx="751808" cy="533479"/>
+          </a:xfrm>
+          <a:prstGeom prst="rect">
+            <a:avLst/>
+          </a:prstGeom>
+          <a:noFill/>
+          <a:ln w="12700" cap="flat">
+            <a:noFill/>
+            <a:miter lim="400000"/>
+          </a:ln>
+          <a:effectLst/>
+          <a:sp3d/>
+        </p:spPr>
+        <p:style>
+          <a:lnRef idx="0">
+            <a:scrgbClr r="0" g="0" b="0"/>
+          </a:lnRef>
+          <a:fillRef idx="0">
+            <a:scrgbClr r="0" g="0" b="0"/>
+          </a:fillRef>
+          <a:effectRef idx="0">
+            <a:scrgbClr r="0" g="0" b="0"/>
+          </a:effectRef>
+          <a:fontRef idx="none"/>
+        </p:style>
+        <p:txBody>
+          <a:bodyPr rot="0" spcFirstLastPara="1" vertOverflow="overflow" horzOverflow="overflow" vert="horz" wrap="none" lIns="50800" tIns="50800" rIns="50800" bIns="50800" numCol="1" spcCol="38100" rtlCol="0" anchor="ctr">
+            <a:spAutoFit/>
+          </a:bodyPr>
+          <a:lstStyle/>
+          <a:p>
+            <a:pPr marL="0" marR="0" indent="0" algn="ctr" defTabSz="584200" rtl="0" fontAlgn="auto" latinLnBrk="0" hangingPunct="0">
+              <a:lnSpc>
+                <a:spcPct val="100000"/>
+              </a:lnSpc>
+              <a:spcBef>
+                <a:spcPts val="0"/>
+              </a:spcBef>
+              <a:spcAft>
+                <a:spcPts val="0"/>
+              </a:spcAft>
+              <a:buClrTx/>
+              <a:buSzTx/>
+              <a:buFontTx/>
+              <a:buNone/>
+              <a:tabLst/>
+            </a:pPr>
+            <a:r>
+              <a:rPr kumimoji="0" lang="en-US" sz="2800" b="0" i="0" u="none" strike="noStrike" cap="none" spc="0" normalizeH="0" baseline="0" dirty="0" smtClean="0">
+                <a:ln>
+                  <a:noFill/>
+                </a:ln>
+                <a:solidFill>
+                  <a:srgbClr val="000000"/>
+                </a:solidFill>
+                <a:effectLst/>
+                <a:uFillTx/>
+                <a:latin typeface="+mn-lt"/>
+                <a:ea typeface="+mn-ea"/>
+                <a:cs typeface="+mn-cs"/>
+                <a:sym typeface="Helvetica Light"/>
+              </a:rPr>
+              <a:t>K=0</a:t>
+            </a:r>
+            <a:endParaRPr kumimoji="0" lang="en-US" sz="2800" b="0" i="0" u="none" strike="noStrike" cap="none" spc="0" normalizeH="0" baseline="0" dirty="0">
+              <a:ln>
+                <a:noFill/>
+              </a:ln>
+              <a:solidFill>
+                <a:srgbClr val="000000"/>
+              </a:solidFill>
+              <a:effectLst/>
+              <a:uFillTx/>
+              <a:latin typeface="+mn-lt"/>
+              <a:ea typeface="+mn-ea"/>
+              <a:cs typeface="+mn-cs"/>
+              <a:sym typeface="Helvetica Light"/>
+            </a:endParaRPr>
+          </a:p>
+        </p:txBody>
+      </p:sp>
+      <p:sp>
+        <p:nvSpPr>
+          <p:cNvPr id="11" name="TextBox 10"/>
+          <p:cNvSpPr txBox="1"/>
+          <p:nvPr/>
+        </p:nvSpPr>
+        <p:spPr>
+          <a:xfrm>
+            <a:off x="11581017" y="3852841"/>
+            <a:ext cx="751809" cy="533479"/>
+          </a:xfrm>
+          <a:prstGeom prst="rect">
+            <a:avLst/>
+          </a:prstGeom>
+          <a:noFill/>
+          <a:ln w="12700" cap="flat">
+            <a:noFill/>
+            <a:miter lim="400000"/>
+          </a:ln>
+          <a:effectLst/>
+          <a:sp3d/>
+        </p:spPr>
+        <p:style>
+          <a:lnRef idx="0">
+            <a:scrgbClr r="0" g="0" b="0"/>
+          </a:lnRef>
+          <a:fillRef idx="0">
+            <a:scrgbClr r="0" g="0" b="0"/>
+          </a:fillRef>
+          <a:effectRef idx="0">
+            <a:scrgbClr r="0" g="0" b="0"/>
+          </a:effectRef>
+          <a:fontRef idx="none"/>
+        </p:style>
+        <p:txBody>
+          <a:bodyPr rot="0" spcFirstLastPara="1" vertOverflow="overflow" horzOverflow="overflow" vert="horz" wrap="none" lIns="50800" tIns="50800" rIns="50800" bIns="50800" numCol="1" spcCol="38100" rtlCol="0" anchor="ctr">
+            <a:spAutoFit/>
+          </a:bodyPr>
+          <a:lstStyle/>
+          <a:p>
+            <a:pPr marL="0" marR="0" indent="0" algn="ctr" defTabSz="584200" rtl="0" fontAlgn="auto" latinLnBrk="0" hangingPunct="0">
+              <a:lnSpc>
+                <a:spcPct val="100000"/>
+              </a:lnSpc>
+              <a:spcBef>
+                <a:spcPts val="0"/>
+              </a:spcBef>
+              <a:spcAft>
+                <a:spcPts val="0"/>
+              </a:spcAft>
+              <a:buClrTx/>
+              <a:buSzTx/>
+              <a:buFontTx/>
+              <a:buNone/>
+              <a:tabLst/>
+            </a:pPr>
+            <a:r>
+              <a:rPr kumimoji="0" lang="en-US" sz="2800" b="0" i="0" u="none" strike="noStrike" cap="none" spc="0" normalizeH="0" baseline="0" dirty="0" smtClean="0">
+                <a:ln>
+                  <a:noFill/>
+                </a:ln>
+                <a:solidFill>
+                  <a:srgbClr val="000000"/>
+                </a:solidFill>
+                <a:effectLst/>
+                <a:uFillTx/>
+                <a:latin typeface="+mn-lt"/>
+                <a:ea typeface="+mn-ea"/>
+                <a:cs typeface="+mn-cs"/>
+                <a:sym typeface="Helvetica Light"/>
+              </a:rPr>
+              <a:t>K=1</a:t>
+            </a:r>
+            <a:endParaRPr kumimoji="0" lang="en-US" sz="2800" b="0" i="0" u="none" strike="noStrike" cap="none" spc="0" normalizeH="0" baseline="0" dirty="0">
+              <a:ln>
+                <a:noFill/>
+              </a:ln>
+              <a:solidFill>
+                <a:srgbClr val="000000"/>
+              </a:solidFill>
+              <a:effectLst/>
+              <a:uFillTx/>
+              <a:latin typeface="+mn-lt"/>
+              <a:ea typeface="+mn-ea"/>
+              <a:cs typeface="+mn-cs"/>
+              <a:sym typeface="Helvetica Light"/>
+            </a:endParaRPr>
+          </a:p>
+        </p:txBody>
+      </p:sp>
+      <p:sp>
+        <p:nvSpPr>
+          <p:cNvPr id="12" name="TextBox 11"/>
+          <p:cNvSpPr txBox="1"/>
+          <p:nvPr/>
+        </p:nvSpPr>
+        <p:spPr>
+          <a:xfrm>
+            <a:off x="11581017" y="4927913"/>
+            <a:ext cx="751809" cy="533479"/>
+          </a:xfrm>
+          <a:prstGeom prst="rect">
+            <a:avLst/>
+          </a:prstGeom>
+          <a:noFill/>
+          <a:ln w="12700" cap="flat">
+            <a:noFill/>
+            <a:miter lim="400000"/>
+          </a:ln>
+          <a:effectLst/>
+          <a:sp3d/>
+        </p:spPr>
+        <p:style>
+          <a:lnRef idx="0">
+            <a:scrgbClr r="0" g="0" b="0"/>
+          </a:lnRef>
+          <a:fillRef idx="0">
+            <a:scrgbClr r="0" g="0" b="0"/>
+          </a:fillRef>
+          <a:effectRef idx="0">
+            <a:scrgbClr r="0" g="0" b="0"/>
+          </a:effectRef>
+          <a:fontRef idx="none"/>
+        </p:style>
+        <p:txBody>
+          <a:bodyPr rot="0" spcFirstLastPara="1" vertOverflow="overflow" horzOverflow="overflow" vert="horz" wrap="none" lIns="50800" tIns="50800" rIns="50800" bIns="50800" numCol="1" spcCol="38100" rtlCol="0" anchor="ctr">
+            <a:spAutoFit/>
+          </a:bodyPr>
+          <a:lstStyle/>
+          <a:p>
+            <a:pPr marL="0" marR="0" indent="0" algn="ctr" defTabSz="584200" rtl="0" fontAlgn="auto" latinLnBrk="0" hangingPunct="0">
+              <a:lnSpc>
+                <a:spcPct val="100000"/>
+              </a:lnSpc>
+              <a:spcBef>
+                <a:spcPts val="0"/>
+              </a:spcBef>
+              <a:spcAft>
+                <a:spcPts val="0"/>
+              </a:spcAft>
+              <a:buClrTx/>
+              <a:buSzTx/>
+              <a:buFontTx/>
+              <a:buNone/>
+              <a:tabLst/>
+            </a:pPr>
+            <a:r>
+              <a:rPr kumimoji="0" lang="en-US" sz="2800" b="0" i="0" u="none" strike="noStrike" cap="none" spc="0" normalizeH="0" baseline="0" dirty="0" smtClean="0">
+                <a:ln>
+                  <a:noFill/>
+                </a:ln>
+                <a:solidFill>
+                  <a:srgbClr val="000000"/>
+                </a:solidFill>
+                <a:effectLst/>
+                <a:uFillTx/>
+                <a:latin typeface="+mn-lt"/>
+                <a:ea typeface="+mn-ea"/>
+                <a:cs typeface="+mn-cs"/>
+                <a:sym typeface="Helvetica Light"/>
+              </a:rPr>
+              <a:t>K=2</a:t>
+            </a:r>
+            <a:endParaRPr kumimoji="0" lang="en-US" sz="2800" b="0" i="0" u="none" strike="noStrike" cap="none" spc="0" normalizeH="0" baseline="0" dirty="0">
+              <a:ln>
+                <a:noFill/>
+              </a:ln>
+              <a:solidFill>
+                <a:srgbClr val="000000"/>
+              </a:solidFill>
+              <a:effectLst/>
+              <a:uFillTx/>
+              <a:latin typeface="+mn-lt"/>
+              <a:ea typeface="+mn-ea"/>
+              <a:cs typeface="+mn-cs"/>
+              <a:sym typeface="Helvetica Light"/>
+            </a:endParaRPr>
+          </a:p>
+        </p:txBody>
+      </p:sp>
+      <p:sp>
+        <p:nvSpPr>
+          <p:cNvPr id="13" name="TextBox 12"/>
+          <p:cNvSpPr txBox="1"/>
+          <p:nvPr/>
+        </p:nvSpPr>
+        <p:spPr>
+          <a:xfrm>
+            <a:off x="11581017" y="5971511"/>
+            <a:ext cx="751809" cy="533479"/>
+          </a:xfrm>
+          <a:prstGeom prst="rect">
+            <a:avLst/>
+          </a:prstGeom>
+          <a:noFill/>
+          <a:ln w="12700" cap="flat">
+            <a:noFill/>
+            <a:miter lim="400000"/>
+          </a:ln>
+          <a:effectLst/>
+          <a:sp3d/>
+        </p:spPr>
+        <p:style>
+          <a:lnRef idx="0">
+            <a:scrgbClr r="0" g="0" b="0"/>
+          </a:lnRef>
+          <a:fillRef idx="0">
+            <a:scrgbClr r="0" g="0" b="0"/>
+          </a:fillRef>
+          <a:effectRef idx="0">
+            <a:scrgbClr r="0" g="0" b="0"/>
+          </a:effectRef>
+          <a:fontRef idx="none"/>
+        </p:style>
+        <p:txBody>
+          <a:bodyPr rot="0" spcFirstLastPara="1" vertOverflow="overflow" horzOverflow="overflow" vert="horz" wrap="none" lIns="50800" tIns="50800" rIns="50800" bIns="50800" numCol="1" spcCol="38100" rtlCol="0" anchor="ctr">
+            <a:spAutoFit/>
+          </a:bodyPr>
+          <a:lstStyle/>
+          <a:p>
+            <a:pPr marL="0" marR="0" indent="0" algn="ctr" defTabSz="584200" rtl="0" fontAlgn="auto" latinLnBrk="0" hangingPunct="0">
+              <a:lnSpc>
+                <a:spcPct val="100000"/>
+              </a:lnSpc>
+              <a:spcBef>
+                <a:spcPts val="0"/>
+              </a:spcBef>
+              <a:spcAft>
+                <a:spcPts val="0"/>
+              </a:spcAft>
+              <a:buClrTx/>
+              <a:buSzTx/>
+              <a:buFontTx/>
+              <a:buNone/>
+              <a:tabLst/>
+            </a:pPr>
+            <a:r>
+              <a:rPr kumimoji="0" lang="en-US" sz="2800" b="0" i="0" u="none" strike="noStrike" cap="none" spc="0" normalizeH="0" baseline="0" dirty="0" smtClean="0">
+                <a:ln>
+                  <a:noFill/>
+                </a:ln>
+                <a:solidFill>
+                  <a:srgbClr val="000000"/>
+                </a:solidFill>
+                <a:effectLst/>
+                <a:uFillTx/>
+                <a:latin typeface="+mn-lt"/>
+                <a:ea typeface="+mn-ea"/>
+                <a:cs typeface="+mn-cs"/>
+                <a:sym typeface="Helvetica Light"/>
+              </a:rPr>
+              <a:t>K=3</a:t>
+            </a:r>
+            <a:endParaRPr kumimoji="0" lang="en-US" sz="2800" b="0" i="0" u="none" strike="noStrike" cap="none" spc="0" normalizeH="0" baseline="0" dirty="0">
+              <a:ln>
+                <a:noFill/>
+              </a:ln>
+              <a:solidFill>
+                <a:srgbClr val="000000"/>
+              </a:solidFill>
+              <a:effectLst/>
+              <a:uFillTx/>
+              <a:latin typeface="+mn-lt"/>
+              <a:ea typeface="+mn-ea"/>
+              <a:cs typeface="+mn-cs"/>
+              <a:sym typeface="Helvetica Light"/>
+            </a:endParaRPr>
+          </a:p>
+        </p:txBody>
+      </p:sp>
+      <p:sp>
+        <p:nvSpPr>
+          <p:cNvPr id="14" name="TextBox 13"/>
+          <p:cNvSpPr txBox="1"/>
+          <p:nvPr/>
+        </p:nvSpPr>
+        <p:spPr>
+          <a:xfrm>
+            <a:off x="11581017" y="6924731"/>
+            <a:ext cx="942566" cy="533479"/>
+          </a:xfrm>
+          <a:prstGeom prst="rect">
+            <a:avLst/>
+          </a:prstGeom>
+          <a:noFill/>
+          <a:ln w="12700" cap="flat">
+            <a:noFill/>
+            <a:miter lim="400000"/>
+          </a:ln>
+          <a:effectLst/>
+          <a:sp3d/>
+        </p:spPr>
+        <p:style>
+          <a:lnRef idx="0">
+            <a:scrgbClr r="0" g="0" b="0"/>
+          </a:lnRef>
+          <a:fillRef idx="0">
+            <a:scrgbClr r="0" g="0" b="0"/>
+          </a:fillRef>
+          <a:effectRef idx="0">
+            <a:scrgbClr r="0" g="0" b="0"/>
+          </a:effectRef>
+          <a:fontRef idx="none"/>
+        </p:style>
+        <p:txBody>
+          <a:bodyPr rot="0" spcFirstLastPara="1" vertOverflow="overflow" horzOverflow="overflow" vert="horz" wrap="none" lIns="50800" tIns="50800" rIns="50800" bIns="50800" numCol="1" spcCol="38100" rtlCol="0" anchor="ctr">
+            <a:spAutoFit/>
+          </a:bodyPr>
+          <a:lstStyle/>
+          <a:p>
+            <a:pPr marL="0" marR="0" indent="0" algn="ctr" defTabSz="584200" rtl="0" fontAlgn="auto" latinLnBrk="0" hangingPunct="0">
+              <a:lnSpc>
+                <a:spcPct val="100000"/>
+              </a:lnSpc>
+              <a:spcBef>
+                <a:spcPts val="0"/>
+              </a:spcBef>
+              <a:spcAft>
+                <a:spcPts val="0"/>
+              </a:spcAft>
+              <a:buClrTx/>
+              <a:buSzTx/>
+              <a:buFontTx/>
+              <a:buNone/>
+              <a:tabLst/>
+            </a:pPr>
+            <a:r>
+              <a:rPr kumimoji="0" lang="en-US" sz="2800" b="0" i="0" u="none" strike="noStrike" cap="none" spc="0" normalizeH="0" baseline="0" dirty="0" smtClean="0">
+                <a:ln>
+                  <a:noFill/>
+                </a:ln>
+                <a:solidFill>
+                  <a:srgbClr val="000000"/>
+                </a:solidFill>
+                <a:effectLst/>
+                <a:uFillTx/>
+                <a:latin typeface="+mn-lt"/>
+                <a:ea typeface="+mn-ea"/>
+                <a:cs typeface="+mn-cs"/>
+                <a:sym typeface="Helvetica Light"/>
+              </a:rPr>
+              <a:t>swap</a:t>
+            </a:r>
+            <a:endParaRPr kumimoji="0" lang="en-US" sz="2800" b="0" i="0" u="none" strike="noStrike" cap="none" spc="0" normalizeH="0" baseline="0" dirty="0">
+              <a:ln>
+                <a:noFill/>
+              </a:ln>
+              <a:solidFill>
+                <a:srgbClr val="000000"/>
+              </a:solidFill>
+              <a:effectLst/>
+              <a:uFillTx/>
+              <a:latin typeface="+mn-lt"/>
+              <a:ea typeface="+mn-ea"/>
+              <a:cs typeface="+mn-cs"/>
+              <a:sym typeface="Helvetica Light"/>
+            </a:endParaRPr>
+          </a:p>
+        </p:txBody>
+      </p:sp>
+      <p:sp>
+        <p:nvSpPr>
+          <p:cNvPr id="15" name="TextBox 14"/>
+          <p:cNvSpPr txBox="1"/>
+          <p:nvPr/>
+        </p:nvSpPr>
+        <p:spPr>
+          <a:xfrm>
+            <a:off x="11581017" y="7969841"/>
+            <a:ext cx="942566" cy="533479"/>
+          </a:xfrm>
+          <a:prstGeom prst="rect">
+            <a:avLst/>
+          </a:prstGeom>
+          <a:noFill/>
+          <a:ln w="12700" cap="flat">
+            <a:noFill/>
+            <a:miter lim="400000"/>
+          </a:ln>
+          <a:effectLst/>
+          <a:sp3d/>
+        </p:spPr>
+        <p:style>
+          <a:lnRef idx="0">
+            <a:scrgbClr r="0" g="0" b="0"/>
+          </a:lnRef>
+          <a:fillRef idx="0">
+            <a:scrgbClr r="0" g="0" b="0"/>
+          </a:fillRef>
+          <a:effectRef idx="0">
+            <a:scrgbClr r="0" g="0" b="0"/>
+          </a:effectRef>
+          <a:fontRef idx="none"/>
+        </p:style>
+        <p:txBody>
+          <a:bodyPr rot="0" spcFirstLastPara="1" vertOverflow="overflow" horzOverflow="overflow" vert="horz" wrap="none" lIns="50800" tIns="50800" rIns="50800" bIns="50800" numCol="1" spcCol="38100" rtlCol="0" anchor="ctr">
+            <a:spAutoFit/>
+          </a:bodyPr>
+          <a:lstStyle/>
+          <a:p>
+            <a:pPr marL="0" marR="0" indent="0" algn="ctr" defTabSz="584200" rtl="0" fontAlgn="auto" latinLnBrk="0" hangingPunct="0">
+              <a:lnSpc>
+                <a:spcPct val="100000"/>
+              </a:lnSpc>
+              <a:spcBef>
+                <a:spcPts val="0"/>
+              </a:spcBef>
+              <a:spcAft>
+                <a:spcPts val="0"/>
+              </a:spcAft>
+              <a:buClrTx/>
+              <a:buSzTx/>
+              <a:buFontTx/>
+              <a:buNone/>
+              <a:tabLst/>
+            </a:pPr>
+            <a:r>
+              <a:rPr kumimoji="0" lang="en-US" sz="2800" b="0" i="0" u="none" strike="noStrike" cap="none" spc="0" normalizeH="0" baseline="0" dirty="0" smtClean="0">
+                <a:ln>
+                  <a:noFill/>
+                </a:ln>
+                <a:solidFill>
+                  <a:srgbClr val="000000"/>
+                </a:solidFill>
+                <a:effectLst/>
+                <a:uFillTx/>
+                <a:latin typeface="+mn-lt"/>
+                <a:ea typeface="+mn-ea"/>
+                <a:cs typeface="+mn-cs"/>
+                <a:sym typeface="Helvetica Light"/>
+              </a:rPr>
+              <a:t>swap</a:t>
+            </a:r>
+            <a:endParaRPr kumimoji="0" lang="en-US" sz="2800" b="0" i="0" u="none" strike="noStrike" cap="none" spc="0" normalizeH="0" baseline="0" dirty="0">
+              <a:ln>
+                <a:noFill/>
+              </a:ln>
+              <a:solidFill>
+                <a:srgbClr val="000000"/>
+              </a:solidFill>
+              <a:effectLst/>
+              <a:uFillTx/>
+              <a:latin typeface="+mn-lt"/>
+              <a:ea typeface="+mn-ea"/>
+              <a:cs typeface="+mn-cs"/>
+              <a:sym typeface="Helvetica Light"/>
+            </a:endParaRPr>
+          </a:p>
+        </p:txBody>
+      </p:sp>
+    </p:spTree>
+    <p:extLst>
+      <p:ext uri="{BB962C8B-B14F-4D97-AF65-F5344CB8AC3E}">
+        <p14:creationId xmlns:p14="http://schemas.microsoft.com/office/powerpoint/2010/main" val="3856517758"/>
+      </p:ext>
+    </p:extLst>
+  </p:cSld>
+  <p:clrMapOvr>
+    <a:masterClrMapping/>
+  </p:clrMapOvr>
+  <p:transition spd="med"/>
+  <p:timing>
+    <p:tnLst>
+      <p:par>
+        <p:cTn id="1" dur="indefinite" restart="never" nodeType="tmRoot"/>
+      </p:par>
+    </p:tnLst>
+  </p:timing>
+</p:sld>
+</file>
+
+<file path=ppt/slides/slide48.xml><?xml version="1.0" encoding="utf-8"?>
+<p:sld xmlns:a="http://schemas.openxmlformats.org/drawingml/2006/main" xmlns:r="http://schemas.openxmlformats.org/officeDocument/2006/relationships" xmlns:p="http://schemas.openxmlformats.org/presentationml/2006/main">
+  <p:cSld>
+    <p:spTree>
+      <p:nvGrpSpPr>
+        <p:cNvPr id="1" name=""/>
+        <p:cNvGrpSpPr/>
+        <p:nvPr/>
+      </p:nvGrpSpPr>
+      <p:grpSpPr>
+        <a:xfrm>
+          <a:off x="0" y="0"/>
+          <a:ext cx="0" cy="0"/>
+          <a:chOff x="0" y="0"/>
+          <a:chExt cx="0" cy="0"/>
+        </a:xfrm>
+      </p:grpSpPr>
+      <p:sp>
+        <p:nvSpPr>
+          <p:cNvPr id="2" name="Title 1"/>
+          <p:cNvSpPr>
+            <a:spLocks noGrp="1"/>
+          </p:cNvSpPr>
+          <p:nvPr>
+            <p:ph type="title"/>
+          </p:nvPr>
+        </p:nvSpPr>
+        <p:spPr>
+          <a:xfrm>
+            <a:off x="952500" y="39147"/>
+            <a:ext cx="11099800" cy="1110923"/>
+          </a:xfrm>
+        </p:spPr>
+        <p:txBody>
+          <a:bodyPr>
+            <a:normAutofit fontScale="90000"/>
+          </a:bodyPr>
+          <a:lstStyle/>
+          <a:p>
+            <a:r>
+              <a:rPr lang="en-US" dirty="0" smtClean="0"/>
+              <a:t>Cont.</a:t>
+            </a:r>
+            <a:endParaRPr lang="en-US" dirty="0"/>
+          </a:p>
+        </p:txBody>
+      </p:sp>
+      <p:graphicFrame>
+        <p:nvGraphicFramePr>
+          <p:cNvPr id="4" name="Table 3"/>
+          <p:cNvGraphicFramePr>
+            <a:graphicFrameLocks noGrp="1"/>
+          </p:cNvGraphicFramePr>
+          <p:nvPr>
+            <p:extLst/>
+          </p:nvPr>
+        </p:nvGraphicFramePr>
+        <p:xfrm>
+          <a:off x="479821" y="2003722"/>
+          <a:ext cx="4150782" cy="370840"/>
+        </p:xfrm>
+        <a:graphic>
+          <a:graphicData uri="http://schemas.openxmlformats.org/drawingml/2006/table">
+            <a:tbl>
+              <a:tblPr firstRow="1" bandRow="1">
+                <a:tableStyleId>{5940675A-B579-460E-94D1-54222C63F5DA}</a:tableStyleId>
+              </a:tblPr>
+              <a:tblGrid>
+                <a:gridCol w="691797">
+                  <a:extLst>
+                    <a:ext uri="{9D8B030D-6E8A-4147-A177-3AD203B41FA5}">
+                      <a16:colId xmlns:a16="http://schemas.microsoft.com/office/drawing/2014/main" val="1527688708"/>
+                    </a:ext>
+                  </a:extLst>
+                </a:gridCol>
+                <a:gridCol w="691797">
+                  <a:extLst>
+                    <a:ext uri="{9D8B030D-6E8A-4147-A177-3AD203B41FA5}">
+                      <a16:colId xmlns:a16="http://schemas.microsoft.com/office/drawing/2014/main" val="653538617"/>
+                    </a:ext>
+                  </a:extLst>
+                </a:gridCol>
+                <a:gridCol w="691797">
+                  <a:extLst>
+                    <a:ext uri="{9D8B030D-6E8A-4147-A177-3AD203B41FA5}">
+                      <a16:colId xmlns:a16="http://schemas.microsoft.com/office/drawing/2014/main" val="2554237578"/>
+                    </a:ext>
+                  </a:extLst>
+                </a:gridCol>
+                <a:gridCol w="691797">
+                  <a:extLst>
+                    <a:ext uri="{9D8B030D-6E8A-4147-A177-3AD203B41FA5}">
+                      <a16:colId xmlns:a16="http://schemas.microsoft.com/office/drawing/2014/main" val="2946659525"/>
+                    </a:ext>
+                  </a:extLst>
+                </a:gridCol>
+                <a:gridCol w="691797">
+                  <a:extLst>
+                    <a:ext uri="{9D8B030D-6E8A-4147-A177-3AD203B41FA5}">
+                      <a16:colId xmlns:a16="http://schemas.microsoft.com/office/drawing/2014/main" val="2043106262"/>
+                    </a:ext>
+                  </a:extLst>
+                </a:gridCol>
+                <a:gridCol w="691797">
+                  <a:extLst>
+                    <a:ext uri="{9D8B030D-6E8A-4147-A177-3AD203B41FA5}">
+                      <a16:colId xmlns:a16="http://schemas.microsoft.com/office/drawing/2014/main" val="3337530176"/>
+                    </a:ext>
+                  </a:extLst>
+                </a:gridCol>
+              </a:tblGrid>
+              <a:tr h="370840">
+                <a:tc>
+                  <a:txBody>
+                    <a:bodyPr/>
+                    <a:lstStyle/>
+                    <a:p>
+                      <a:r>
+                        <a:rPr lang="en-US" dirty="0" smtClean="0"/>
+                        <a:t>1</a:t>
+                      </a:r>
+                      <a:endParaRPr lang="en-US" dirty="0"/>
+                    </a:p>
+                  </a:txBody>
+                  <a:tcPr>
+                    <a:solidFill>
+                      <a:schemeClr val="accent1">
+                        <a:lumMod val="60000"/>
+                        <a:lumOff val="40000"/>
+                      </a:schemeClr>
+                    </a:solidFill>
+                  </a:tcPr>
+                </a:tc>
+                <a:tc>
+                  <a:txBody>
+                    <a:bodyPr/>
+                    <a:lstStyle/>
+                    <a:p>
+                      <a:r>
+                        <a:rPr lang="en-US" dirty="0" smtClean="0"/>
+                        <a:t>4</a:t>
+                      </a:r>
+                      <a:endParaRPr lang="en-US" dirty="0"/>
+                    </a:p>
+                  </a:txBody>
+                  <a:tcPr>
+                    <a:solidFill>
+                      <a:schemeClr val="accent1">
+                        <a:lumMod val="60000"/>
+                        <a:lumOff val="40000"/>
+                      </a:schemeClr>
+                    </a:solidFill>
+                  </a:tcPr>
+                </a:tc>
+                <a:tc>
+                  <a:txBody>
+                    <a:bodyPr/>
+                    <a:lstStyle/>
+                    <a:p>
+                      <a:r>
+                        <a:rPr lang="en-US" dirty="0" smtClean="0"/>
+                        <a:t>5</a:t>
+                      </a:r>
+                      <a:endParaRPr lang="en-US" dirty="0"/>
+                    </a:p>
+                  </a:txBody>
+                  <a:tcPr>
+                    <a:solidFill>
+                      <a:schemeClr val="accent1">
+                        <a:lumMod val="60000"/>
+                        <a:lumOff val="40000"/>
+                      </a:schemeClr>
+                    </a:solidFill>
+                  </a:tcPr>
+                </a:tc>
+                <a:tc>
+                  <a:txBody>
+                    <a:bodyPr/>
+                    <a:lstStyle/>
+                    <a:p>
+                      <a:r>
+                        <a:rPr lang="en-US" dirty="0" smtClean="0"/>
+                        <a:t>3</a:t>
+                      </a:r>
+                      <a:endParaRPr lang="en-US" dirty="0"/>
+                    </a:p>
+                  </a:txBody>
+                  <a:tcPr>
+                    <a:solidFill>
+                      <a:schemeClr val="accent2">
+                        <a:lumMod val="60000"/>
+                        <a:lumOff val="40000"/>
+                      </a:schemeClr>
+                    </a:solidFill>
+                  </a:tcPr>
+                </a:tc>
+                <a:tc>
+                  <a:txBody>
+                    <a:bodyPr/>
+                    <a:lstStyle/>
+                    <a:p>
+                      <a:r>
+                        <a:rPr lang="en-US" dirty="0" smtClean="0"/>
+                        <a:t>2</a:t>
+                      </a:r>
+                      <a:endParaRPr lang="en-US" dirty="0"/>
+                    </a:p>
+                  </a:txBody>
+                  <a:tcPr>
+                    <a:noFill/>
+                  </a:tcPr>
+                </a:tc>
+                <a:tc>
+                  <a:txBody>
+                    <a:bodyPr/>
+                    <a:lstStyle/>
+                    <a:p>
+                      <a:r>
+                        <a:rPr lang="en-US" dirty="0" smtClean="0"/>
+                        <a:t>6</a:t>
+                      </a:r>
+                      <a:endParaRPr lang="en-US" dirty="0"/>
+                    </a:p>
+                  </a:txBody>
+                  <a:tcPr>
+                    <a:noFill/>
+                  </a:tcPr>
+                </a:tc>
+                <a:extLst>
+                  <a:ext uri="{0D108BD9-81ED-4DB2-BD59-A6C34878D82A}">
+                    <a16:rowId xmlns:a16="http://schemas.microsoft.com/office/drawing/2014/main" val="1945647981"/>
+                  </a:ext>
+                </a:extLst>
+              </a:tr>
+            </a:tbl>
+          </a:graphicData>
+        </a:graphic>
+      </p:graphicFrame>
+      <p:graphicFrame>
+        <p:nvGraphicFramePr>
+          <p:cNvPr id="5" name="Table 4"/>
+          <p:cNvGraphicFramePr>
+            <a:graphicFrameLocks noGrp="1"/>
+          </p:cNvGraphicFramePr>
+          <p:nvPr>
+            <p:extLst/>
+          </p:nvPr>
+        </p:nvGraphicFramePr>
+        <p:xfrm>
+          <a:off x="479821" y="2811683"/>
+          <a:ext cx="4150782" cy="365760"/>
+        </p:xfrm>
+        <a:graphic>
+          <a:graphicData uri="http://schemas.openxmlformats.org/drawingml/2006/table">
+            <a:tbl>
+              <a:tblPr firstRow="1" bandRow="1">
+                <a:tableStyleId>{5940675A-B579-460E-94D1-54222C63F5DA}</a:tableStyleId>
+              </a:tblPr>
+              <a:tblGrid>
+                <a:gridCol w="691797">
+                  <a:extLst>
+                    <a:ext uri="{9D8B030D-6E8A-4147-A177-3AD203B41FA5}">
+                      <a16:colId xmlns:a16="http://schemas.microsoft.com/office/drawing/2014/main" val="1527688708"/>
+                    </a:ext>
+                  </a:extLst>
+                </a:gridCol>
+                <a:gridCol w="691797">
+                  <a:extLst>
+                    <a:ext uri="{9D8B030D-6E8A-4147-A177-3AD203B41FA5}">
+                      <a16:colId xmlns:a16="http://schemas.microsoft.com/office/drawing/2014/main" val="653538617"/>
+                    </a:ext>
+                  </a:extLst>
+                </a:gridCol>
+                <a:gridCol w="691797">
+                  <a:extLst>
+                    <a:ext uri="{9D8B030D-6E8A-4147-A177-3AD203B41FA5}">
+                      <a16:colId xmlns:a16="http://schemas.microsoft.com/office/drawing/2014/main" val="2554237578"/>
+                    </a:ext>
+                  </a:extLst>
+                </a:gridCol>
+                <a:gridCol w="691797">
+                  <a:extLst>
+                    <a:ext uri="{9D8B030D-6E8A-4147-A177-3AD203B41FA5}">
+                      <a16:colId xmlns:a16="http://schemas.microsoft.com/office/drawing/2014/main" val="2946659525"/>
+                    </a:ext>
+                  </a:extLst>
+                </a:gridCol>
+                <a:gridCol w="691797">
+                  <a:extLst>
+                    <a:ext uri="{9D8B030D-6E8A-4147-A177-3AD203B41FA5}">
+                      <a16:colId xmlns:a16="http://schemas.microsoft.com/office/drawing/2014/main" val="2043106262"/>
+                    </a:ext>
+                  </a:extLst>
+                </a:gridCol>
+                <a:gridCol w="691797">
+                  <a:extLst>
+                    <a:ext uri="{9D8B030D-6E8A-4147-A177-3AD203B41FA5}">
+                      <a16:colId xmlns:a16="http://schemas.microsoft.com/office/drawing/2014/main" val="3337530176"/>
+                    </a:ext>
+                  </a:extLst>
+                </a:gridCol>
+              </a:tblGrid>
+              <a:tr h="0">
+                <a:tc>
+                  <a:txBody>
+                    <a:bodyPr/>
+                    <a:lstStyle/>
+                    <a:p>
+                      <a:r>
+                        <a:rPr lang="en-US" dirty="0" smtClean="0"/>
+                        <a:t>1</a:t>
+                      </a:r>
+                      <a:endParaRPr lang="en-US" dirty="0"/>
+                    </a:p>
+                  </a:txBody>
+                  <a:tcPr>
+                    <a:solidFill>
+                      <a:schemeClr val="accent1">
+                        <a:lumMod val="60000"/>
+                        <a:lumOff val="40000"/>
+                      </a:schemeClr>
+                    </a:solidFill>
+                  </a:tcPr>
+                </a:tc>
+                <a:tc>
+                  <a:txBody>
+                    <a:bodyPr/>
+                    <a:lstStyle/>
+                    <a:p>
+                      <a:r>
+                        <a:rPr lang="en-US" dirty="0" smtClean="0"/>
+                        <a:t>4</a:t>
+                      </a:r>
+                      <a:endParaRPr lang="en-US" dirty="0"/>
+                    </a:p>
+                  </a:txBody>
+                  <a:tcPr>
+                    <a:solidFill>
+                      <a:schemeClr val="accent1">
+                        <a:lumMod val="60000"/>
+                        <a:lumOff val="40000"/>
+                      </a:schemeClr>
+                    </a:solidFill>
+                  </a:tcPr>
+                </a:tc>
+                <a:tc>
+                  <a:txBody>
+                    <a:bodyPr/>
+                    <a:lstStyle/>
+                    <a:p>
+                      <a:r>
+                        <a:rPr lang="en-US" dirty="0" smtClean="0"/>
+                        <a:t>3</a:t>
+                      </a:r>
+                      <a:endParaRPr lang="en-US" dirty="0"/>
+                    </a:p>
+                  </a:txBody>
+                  <a:tcPr>
+                    <a:solidFill>
+                      <a:schemeClr val="accent2">
+                        <a:lumMod val="60000"/>
+                        <a:lumOff val="40000"/>
+                      </a:schemeClr>
+                    </a:solidFill>
+                  </a:tcPr>
+                </a:tc>
+                <a:tc>
+                  <a:txBody>
+                    <a:bodyPr/>
+                    <a:lstStyle/>
+                    <a:p>
+                      <a:r>
+                        <a:rPr lang="en-US" dirty="0" smtClean="0"/>
+                        <a:t>5</a:t>
+                      </a:r>
+                      <a:endParaRPr lang="en-US" dirty="0"/>
+                    </a:p>
+                  </a:txBody>
+                  <a:tcPr>
+                    <a:solidFill>
+                      <a:schemeClr val="accent1">
+                        <a:lumMod val="60000"/>
+                        <a:lumOff val="40000"/>
+                      </a:schemeClr>
+                    </a:solidFill>
+                  </a:tcPr>
+                </a:tc>
+                <a:tc>
+                  <a:txBody>
+                    <a:bodyPr/>
+                    <a:lstStyle/>
+                    <a:p>
+                      <a:r>
+                        <a:rPr lang="en-US" dirty="0" smtClean="0"/>
+                        <a:t>2</a:t>
+                      </a:r>
+                      <a:endParaRPr lang="en-US" dirty="0"/>
+                    </a:p>
+                  </a:txBody>
+                  <a:tcPr>
+                    <a:noFill/>
+                  </a:tcPr>
+                </a:tc>
+                <a:tc>
+                  <a:txBody>
+                    <a:bodyPr/>
+                    <a:lstStyle/>
+                    <a:p>
+                      <a:r>
+                        <a:rPr lang="en-US" dirty="0" smtClean="0"/>
+                        <a:t>6</a:t>
+                      </a:r>
+                      <a:endParaRPr lang="en-US" dirty="0"/>
+                    </a:p>
+                  </a:txBody>
+                  <a:tcPr>
+                    <a:noFill/>
+                  </a:tcPr>
+                </a:tc>
+                <a:extLst>
+                  <a:ext uri="{0D108BD9-81ED-4DB2-BD59-A6C34878D82A}">
+                    <a16:rowId xmlns:a16="http://schemas.microsoft.com/office/drawing/2014/main" val="1945647981"/>
+                  </a:ext>
+                </a:extLst>
+              </a:tr>
+            </a:tbl>
+          </a:graphicData>
+        </a:graphic>
+      </p:graphicFrame>
+      <p:graphicFrame>
+        <p:nvGraphicFramePr>
+          <p:cNvPr id="6" name="Table 5"/>
+          <p:cNvGraphicFramePr>
+            <a:graphicFrameLocks noGrp="1"/>
+          </p:cNvGraphicFramePr>
+          <p:nvPr>
+            <p:extLst/>
+          </p:nvPr>
+        </p:nvGraphicFramePr>
+        <p:xfrm>
+          <a:off x="479821" y="3614564"/>
+          <a:ext cx="4150782" cy="370840"/>
+        </p:xfrm>
+        <a:graphic>
+          <a:graphicData uri="http://schemas.openxmlformats.org/drawingml/2006/table">
+            <a:tbl>
+              <a:tblPr firstRow="1" bandRow="1">
+                <a:tableStyleId>{5940675A-B579-460E-94D1-54222C63F5DA}</a:tableStyleId>
+              </a:tblPr>
+              <a:tblGrid>
+                <a:gridCol w="691797">
+                  <a:extLst>
+                    <a:ext uri="{9D8B030D-6E8A-4147-A177-3AD203B41FA5}">
+                      <a16:colId xmlns:a16="http://schemas.microsoft.com/office/drawing/2014/main" val="1527688708"/>
+                    </a:ext>
+                  </a:extLst>
+                </a:gridCol>
+                <a:gridCol w="691797">
+                  <a:extLst>
+                    <a:ext uri="{9D8B030D-6E8A-4147-A177-3AD203B41FA5}">
+                      <a16:colId xmlns:a16="http://schemas.microsoft.com/office/drawing/2014/main" val="653538617"/>
+                    </a:ext>
+                  </a:extLst>
+                </a:gridCol>
+                <a:gridCol w="691797">
+                  <a:extLst>
+                    <a:ext uri="{9D8B030D-6E8A-4147-A177-3AD203B41FA5}">
+                      <a16:colId xmlns:a16="http://schemas.microsoft.com/office/drawing/2014/main" val="2554237578"/>
+                    </a:ext>
+                  </a:extLst>
+                </a:gridCol>
+                <a:gridCol w="691797">
+                  <a:extLst>
+                    <a:ext uri="{9D8B030D-6E8A-4147-A177-3AD203B41FA5}">
+                      <a16:colId xmlns:a16="http://schemas.microsoft.com/office/drawing/2014/main" val="2946659525"/>
+                    </a:ext>
+                  </a:extLst>
+                </a:gridCol>
+                <a:gridCol w="691797">
+                  <a:extLst>
+                    <a:ext uri="{9D8B030D-6E8A-4147-A177-3AD203B41FA5}">
+                      <a16:colId xmlns:a16="http://schemas.microsoft.com/office/drawing/2014/main" val="2043106262"/>
+                    </a:ext>
+                  </a:extLst>
+                </a:gridCol>
+                <a:gridCol w="691797">
+                  <a:extLst>
+                    <a:ext uri="{9D8B030D-6E8A-4147-A177-3AD203B41FA5}">
+                      <a16:colId xmlns:a16="http://schemas.microsoft.com/office/drawing/2014/main" val="3337530176"/>
+                    </a:ext>
+                  </a:extLst>
+                </a:gridCol>
+              </a:tblGrid>
+              <a:tr h="370840">
+                <a:tc>
+                  <a:txBody>
+                    <a:bodyPr/>
+                    <a:lstStyle/>
+                    <a:p>
+                      <a:r>
+                        <a:rPr lang="en-US" dirty="0" smtClean="0"/>
+                        <a:t>1</a:t>
+                      </a:r>
+                      <a:endParaRPr lang="en-US" dirty="0"/>
+                    </a:p>
+                  </a:txBody>
+                  <a:tcPr>
+                    <a:solidFill>
+                      <a:schemeClr val="accent1">
+                        <a:lumMod val="60000"/>
+                        <a:lumOff val="40000"/>
+                      </a:schemeClr>
+                    </a:solidFill>
+                  </a:tcPr>
+                </a:tc>
+                <a:tc>
+                  <a:txBody>
+                    <a:bodyPr/>
+                    <a:lstStyle/>
+                    <a:p>
+                      <a:r>
+                        <a:rPr lang="en-US" dirty="0" smtClean="0"/>
+                        <a:t>3</a:t>
+                      </a:r>
+                      <a:endParaRPr lang="en-US" dirty="0"/>
+                    </a:p>
+                  </a:txBody>
+                  <a:tcPr>
+                    <a:solidFill>
+                      <a:schemeClr val="accent2">
+                        <a:lumMod val="60000"/>
+                        <a:lumOff val="40000"/>
+                      </a:schemeClr>
+                    </a:solidFill>
+                  </a:tcPr>
+                </a:tc>
+                <a:tc>
+                  <a:txBody>
+                    <a:bodyPr/>
+                    <a:lstStyle/>
+                    <a:p>
+                      <a:r>
+                        <a:rPr lang="en-US" dirty="0" smtClean="0"/>
+                        <a:t>4</a:t>
+                      </a:r>
+                      <a:endParaRPr lang="en-US" dirty="0"/>
+                    </a:p>
+                  </a:txBody>
+                  <a:tcPr>
+                    <a:solidFill>
+                      <a:schemeClr val="accent1">
+                        <a:lumMod val="60000"/>
+                        <a:lumOff val="40000"/>
+                      </a:schemeClr>
+                    </a:solidFill>
+                  </a:tcPr>
+                </a:tc>
+                <a:tc>
+                  <a:txBody>
+                    <a:bodyPr/>
+                    <a:lstStyle/>
+                    <a:p>
+                      <a:r>
+                        <a:rPr lang="en-US" dirty="0" smtClean="0"/>
+                        <a:t>5</a:t>
+                      </a:r>
+                      <a:endParaRPr lang="en-US" dirty="0"/>
+                    </a:p>
+                  </a:txBody>
+                  <a:tcPr>
+                    <a:solidFill>
+                      <a:schemeClr val="accent1">
+                        <a:lumMod val="60000"/>
+                        <a:lumOff val="40000"/>
+                      </a:schemeClr>
+                    </a:solidFill>
+                  </a:tcPr>
+                </a:tc>
+                <a:tc>
+                  <a:txBody>
+                    <a:bodyPr/>
+                    <a:lstStyle/>
+                    <a:p>
+                      <a:r>
+                        <a:rPr lang="en-US" dirty="0" smtClean="0"/>
+                        <a:t>2</a:t>
+                      </a:r>
+                      <a:endParaRPr lang="en-US" dirty="0"/>
+                    </a:p>
+                  </a:txBody>
+                  <a:tcPr>
+                    <a:noFill/>
+                  </a:tcPr>
+                </a:tc>
+                <a:tc>
+                  <a:txBody>
+                    <a:bodyPr/>
+                    <a:lstStyle/>
+                    <a:p>
+                      <a:r>
+                        <a:rPr lang="en-US" dirty="0" smtClean="0"/>
+                        <a:t>6</a:t>
+                      </a:r>
+                      <a:endParaRPr lang="en-US" dirty="0"/>
+                    </a:p>
+                  </a:txBody>
+                  <a:tcPr>
+                    <a:noFill/>
+                  </a:tcPr>
+                </a:tc>
+                <a:extLst>
+                  <a:ext uri="{0D108BD9-81ED-4DB2-BD59-A6C34878D82A}">
+                    <a16:rowId xmlns:a16="http://schemas.microsoft.com/office/drawing/2014/main" val="1945647981"/>
+                  </a:ext>
+                </a:extLst>
+              </a:tr>
+            </a:tbl>
+          </a:graphicData>
+        </a:graphic>
+      </p:graphicFrame>
+      <p:graphicFrame>
+        <p:nvGraphicFramePr>
+          <p:cNvPr id="7" name="Table 6"/>
+          <p:cNvGraphicFramePr>
+            <a:graphicFrameLocks noGrp="1"/>
+          </p:cNvGraphicFramePr>
+          <p:nvPr>
+            <p:extLst/>
+          </p:nvPr>
+        </p:nvGraphicFramePr>
+        <p:xfrm>
+          <a:off x="479821" y="4422525"/>
+          <a:ext cx="4150782" cy="370840"/>
+        </p:xfrm>
+        <a:graphic>
+          <a:graphicData uri="http://schemas.openxmlformats.org/drawingml/2006/table">
+            <a:tbl>
+              <a:tblPr firstRow="1" bandRow="1">
+                <a:tableStyleId>{5940675A-B579-460E-94D1-54222C63F5DA}</a:tableStyleId>
+              </a:tblPr>
+              <a:tblGrid>
+                <a:gridCol w="691797">
+                  <a:extLst>
+                    <a:ext uri="{9D8B030D-6E8A-4147-A177-3AD203B41FA5}">
+                      <a16:colId xmlns:a16="http://schemas.microsoft.com/office/drawing/2014/main" val="1527688708"/>
+                    </a:ext>
+                  </a:extLst>
+                </a:gridCol>
+                <a:gridCol w="691797">
+                  <a:extLst>
+                    <a:ext uri="{9D8B030D-6E8A-4147-A177-3AD203B41FA5}">
+                      <a16:colId xmlns:a16="http://schemas.microsoft.com/office/drawing/2014/main" val="653538617"/>
+                    </a:ext>
+                  </a:extLst>
+                </a:gridCol>
+                <a:gridCol w="691797">
+                  <a:extLst>
+                    <a:ext uri="{9D8B030D-6E8A-4147-A177-3AD203B41FA5}">
+                      <a16:colId xmlns:a16="http://schemas.microsoft.com/office/drawing/2014/main" val="2554237578"/>
+                    </a:ext>
+                  </a:extLst>
+                </a:gridCol>
+                <a:gridCol w="691797">
+                  <a:extLst>
+                    <a:ext uri="{9D8B030D-6E8A-4147-A177-3AD203B41FA5}">
+                      <a16:colId xmlns:a16="http://schemas.microsoft.com/office/drawing/2014/main" val="2946659525"/>
+                    </a:ext>
+                  </a:extLst>
+                </a:gridCol>
+                <a:gridCol w="691797">
+                  <a:extLst>
+                    <a:ext uri="{9D8B030D-6E8A-4147-A177-3AD203B41FA5}">
+                      <a16:colId xmlns:a16="http://schemas.microsoft.com/office/drawing/2014/main" val="2043106262"/>
+                    </a:ext>
+                  </a:extLst>
+                </a:gridCol>
+                <a:gridCol w="691797">
+                  <a:extLst>
+                    <a:ext uri="{9D8B030D-6E8A-4147-A177-3AD203B41FA5}">
+                      <a16:colId xmlns:a16="http://schemas.microsoft.com/office/drawing/2014/main" val="3337530176"/>
+                    </a:ext>
+                  </a:extLst>
+                </a:gridCol>
+              </a:tblGrid>
+              <a:tr h="370840">
+                <a:tc>
+                  <a:txBody>
+                    <a:bodyPr/>
+                    <a:lstStyle/>
+                    <a:p>
+                      <a:r>
+                        <a:rPr lang="en-US" dirty="0" smtClean="0"/>
+                        <a:t>1</a:t>
+                      </a:r>
+                      <a:endParaRPr lang="en-US" dirty="0"/>
+                    </a:p>
+                  </a:txBody>
+                  <a:tcPr>
+                    <a:solidFill>
+                      <a:schemeClr val="accent1">
+                        <a:lumMod val="60000"/>
+                        <a:lumOff val="40000"/>
+                      </a:schemeClr>
+                    </a:solidFill>
+                  </a:tcPr>
+                </a:tc>
+                <a:tc>
+                  <a:txBody>
+                    <a:bodyPr/>
+                    <a:lstStyle/>
+                    <a:p>
+                      <a:r>
+                        <a:rPr lang="en-US" dirty="0" smtClean="0"/>
+                        <a:t>3</a:t>
+                      </a:r>
+                      <a:endParaRPr lang="en-US" dirty="0"/>
+                    </a:p>
+                  </a:txBody>
+                  <a:tcPr>
+                    <a:solidFill>
+                      <a:schemeClr val="accent1">
+                        <a:lumMod val="60000"/>
+                        <a:lumOff val="40000"/>
+                      </a:schemeClr>
+                    </a:solidFill>
+                  </a:tcPr>
+                </a:tc>
+                <a:tc>
+                  <a:txBody>
+                    <a:bodyPr/>
+                    <a:lstStyle/>
+                    <a:p>
+                      <a:r>
+                        <a:rPr lang="en-US" dirty="0" smtClean="0"/>
+                        <a:t>4</a:t>
+                      </a:r>
+                      <a:endParaRPr lang="en-US" dirty="0"/>
+                    </a:p>
+                  </a:txBody>
+                  <a:tcPr>
+                    <a:solidFill>
+                      <a:schemeClr val="accent1">
+                        <a:lumMod val="60000"/>
+                        <a:lumOff val="40000"/>
+                      </a:schemeClr>
+                    </a:solidFill>
+                  </a:tcPr>
+                </a:tc>
+                <a:tc>
+                  <a:txBody>
+                    <a:bodyPr/>
+                    <a:lstStyle/>
+                    <a:p>
+                      <a:r>
+                        <a:rPr lang="en-US" dirty="0" smtClean="0"/>
+                        <a:t>5</a:t>
+                      </a:r>
+                      <a:endParaRPr lang="en-US" dirty="0"/>
+                    </a:p>
+                  </a:txBody>
+                  <a:tcPr>
+                    <a:solidFill>
+                      <a:schemeClr val="accent1">
+                        <a:lumMod val="60000"/>
+                        <a:lumOff val="40000"/>
+                      </a:schemeClr>
+                    </a:solidFill>
+                  </a:tcPr>
+                </a:tc>
+                <a:tc>
+                  <a:txBody>
+                    <a:bodyPr/>
+                    <a:lstStyle/>
+                    <a:p>
+                      <a:r>
+                        <a:rPr lang="en-US" dirty="0" smtClean="0"/>
+                        <a:t>2</a:t>
+                      </a:r>
+                      <a:endParaRPr lang="en-US" dirty="0"/>
+                    </a:p>
+                  </a:txBody>
+                  <a:tcPr>
+                    <a:solidFill>
+                      <a:schemeClr val="accent2">
+                        <a:lumMod val="60000"/>
+                        <a:lumOff val="40000"/>
+                      </a:schemeClr>
+                    </a:solidFill>
+                  </a:tcPr>
+                </a:tc>
+                <a:tc>
+                  <a:txBody>
+                    <a:bodyPr/>
+                    <a:lstStyle/>
+                    <a:p>
+                      <a:r>
+                        <a:rPr lang="en-US" dirty="0" smtClean="0"/>
+                        <a:t>6</a:t>
+                      </a:r>
+                      <a:endParaRPr lang="en-US" dirty="0"/>
+                    </a:p>
+                  </a:txBody>
+                  <a:tcPr>
+                    <a:noFill/>
+                  </a:tcPr>
+                </a:tc>
+                <a:extLst>
+                  <a:ext uri="{0D108BD9-81ED-4DB2-BD59-A6C34878D82A}">
+                    <a16:rowId xmlns:a16="http://schemas.microsoft.com/office/drawing/2014/main" val="1945647981"/>
+                  </a:ext>
+                </a:extLst>
+              </a:tr>
+            </a:tbl>
+          </a:graphicData>
+        </a:graphic>
+      </p:graphicFrame>
+      <p:graphicFrame>
+        <p:nvGraphicFramePr>
+          <p:cNvPr id="8" name="Table 7"/>
+          <p:cNvGraphicFramePr>
+            <a:graphicFrameLocks noGrp="1"/>
+          </p:cNvGraphicFramePr>
+          <p:nvPr>
+            <p:extLst/>
+          </p:nvPr>
+        </p:nvGraphicFramePr>
+        <p:xfrm>
+          <a:off x="479821" y="5230486"/>
+          <a:ext cx="4150782" cy="370840"/>
+        </p:xfrm>
+        <a:graphic>
+          <a:graphicData uri="http://schemas.openxmlformats.org/drawingml/2006/table">
+            <a:tbl>
+              <a:tblPr firstRow="1" bandRow="1">
+                <a:tableStyleId>{5940675A-B579-460E-94D1-54222C63F5DA}</a:tableStyleId>
+              </a:tblPr>
+              <a:tblGrid>
+                <a:gridCol w="691797">
+                  <a:extLst>
+                    <a:ext uri="{9D8B030D-6E8A-4147-A177-3AD203B41FA5}">
+                      <a16:colId xmlns:a16="http://schemas.microsoft.com/office/drawing/2014/main" val="1527688708"/>
+                    </a:ext>
+                  </a:extLst>
+                </a:gridCol>
+                <a:gridCol w="691797">
+                  <a:extLst>
+                    <a:ext uri="{9D8B030D-6E8A-4147-A177-3AD203B41FA5}">
+                      <a16:colId xmlns:a16="http://schemas.microsoft.com/office/drawing/2014/main" val="653538617"/>
+                    </a:ext>
+                  </a:extLst>
+                </a:gridCol>
+                <a:gridCol w="691797">
+                  <a:extLst>
+                    <a:ext uri="{9D8B030D-6E8A-4147-A177-3AD203B41FA5}">
+                      <a16:colId xmlns:a16="http://schemas.microsoft.com/office/drawing/2014/main" val="2554237578"/>
+                    </a:ext>
+                  </a:extLst>
+                </a:gridCol>
+                <a:gridCol w="691797">
+                  <a:extLst>
+                    <a:ext uri="{9D8B030D-6E8A-4147-A177-3AD203B41FA5}">
+                      <a16:colId xmlns:a16="http://schemas.microsoft.com/office/drawing/2014/main" val="2946659525"/>
+                    </a:ext>
+                  </a:extLst>
+                </a:gridCol>
+                <a:gridCol w="691797">
+                  <a:extLst>
+                    <a:ext uri="{9D8B030D-6E8A-4147-A177-3AD203B41FA5}">
+                      <a16:colId xmlns:a16="http://schemas.microsoft.com/office/drawing/2014/main" val="2043106262"/>
+                    </a:ext>
+                  </a:extLst>
+                </a:gridCol>
+                <a:gridCol w="691797">
+                  <a:extLst>
+                    <a:ext uri="{9D8B030D-6E8A-4147-A177-3AD203B41FA5}">
+                      <a16:colId xmlns:a16="http://schemas.microsoft.com/office/drawing/2014/main" val="3337530176"/>
+                    </a:ext>
+                  </a:extLst>
+                </a:gridCol>
+              </a:tblGrid>
+              <a:tr h="370840">
+                <a:tc>
+                  <a:txBody>
+                    <a:bodyPr/>
+                    <a:lstStyle/>
+                    <a:p>
+                      <a:r>
+                        <a:rPr lang="en-US" dirty="0" smtClean="0"/>
+                        <a:t>1</a:t>
+                      </a:r>
+                      <a:endParaRPr lang="en-US" dirty="0"/>
+                    </a:p>
+                  </a:txBody>
+                  <a:tcPr>
+                    <a:solidFill>
+                      <a:schemeClr val="accent1">
+                        <a:lumMod val="60000"/>
+                        <a:lumOff val="40000"/>
+                      </a:schemeClr>
+                    </a:solidFill>
+                  </a:tcPr>
+                </a:tc>
+                <a:tc>
+                  <a:txBody>
+                    <a:bodyPr/>
+                    <a:lstStyle/>
+                    <a:p>
+                      <a:r>
+                        <a:rPr lang="en-US" dirty="0" smtClean="0"/>
+                        <a:t>3</a:t>
+                      </a:r>
+                      <a:endParaRPr lang="en-US" dirty="0"/>
+                    </a:p>
+                  </a:txBody>
+                  <a:tcPr>
+                    <a:solidFill>
+                      <a:schemeClr val="accent1">
+                        <a:lumMod val="60000"/>
+                        <a:lumOff val="40000"/>
+                      </a:schemeClr>
+                    </a:solidFill>
+                  </a:tcPr>
+                </a:tc>
+                <a:tc>
+                  <a:txBody>
+                    <a:bodyPr/>
+                    <a:lstStyle/>
+                    <a:p>
+                      <a:r>
+                        <a:rPr lang="en-US" dirty="0" smtClean="0"/>
+                        <a:t>4</a:t>
+                      </a:r>
+                      <a:endParaRPr lang="en-US" dirty="0"/>
+                    </a:p>
+                  </a:txBody>
+                  <a:tcPr>
+                    <a:solidFill>
+                      <a:schemeClr val="accent1">
+                        <a:lumMod val="60000"/>
+                        <a:lumOff val="40000"/>
+                      </a:schemeClr>
+                    </a:solidFill>
+                  </a:tcPr>
+                </a:tc>
+                <a:tc>
+                  <a:txBody>
+                    <a:bodyPr/>
+                    <a:lstStyle/>
+                    <a:p>
+                      <a:r>
+                        <a:rPr lang="en-US" dirty="0" smtClean="0"/>
+                        <a:t>2</a:t>
+                      </a:r>
+                      <a:endParaRPr lang="en-US" dirty="0"/>
+                    </a:p>
+                  </a:txBody>
+                  <a:tcPr>
+                    <a:solidFill>
+                      <a:schemeClr val="accent2">
+                        <a:lumMod val="60000"/>
+                        <a:lumOff val="40000"/>
+                      </a:schemeClr>
+                    </a:solidFill>
+                  </a:tcPr>
+                </a:tc>
+                <a:tc>
+                  <a:txBody>
+                    <a:bodyPr/>
+                    <a:lstStyle/>
+                    <a:p>
+                      <a:r>
+                        <a:rPr lang="en-US" dirty="0" smtClean="0"/>
+                        <a:t>5</a:t>
+                      </a:r>
+                      <a:endParaRPr lang="en-US" dirty="0"/>
+                    </a:p>
+                  </a:txBody>
+                  <a:tcPr>
+                    <a:solidFill>
+                      <a:schemeClr val="accent1">
+                        <a:lumMod val="60000"/>
+                        <a:lumOff val="40000"/>
+                      </a:schemeClr>
+                    </a:solidFill>
+                  </a:tcPr>
+                </a:tc>
+                <a:tc>
+                  <a:txBody>
+                    <a:bodyPr/>
+                    <a:lstStyle/>
+                    <a:p>
+                      <a:r>
+                        <a:rPr lang="en-US" dirty="0" smtClean="0"/>
+                        <a:t>6</a:t>
+                      </a:r>
+                      <a:endParaRPr lang="en-US" dirty="0"/>
+                    </a:p>
+                  </a:txBody>
+                  <a:tcPr>
+                    <a:noFill/>
+                  </a:tcPr>
+                </a:tc>
+                <a:extLst>
+                  <a:ext uri="{0D108BD9-81ED-4DB2-BD59-A6C34878D82A}">
+                    <a16:rowId xmlns:a16="http://schemas.microsoft.com/office/drawing/2014/main" val="1945647981"/>
+                  </a:ext>
+                </a:extLst>
+              </a:tr>
+            </a:tbl>
+          </a:graphicData>
+        </a:graphic>
+      </p:graphicFrame>
+      <p:graphicFrame>
+        <p:nvGraphicFramePr>
+          <p:cNvPr id="9" name="Table 8"/>
+          <p:cNvGraphicFramePr>
+            <a:graphicFrameLocks noGrp="1"/>
+          </p:cNvGraphicFramePr>
+          <p:nvPr>
+            <p:extLst/>
+          </p:nvPr>
+        </p:nvGraphicFramePr>
+        <p:xfrm>
+          <a:off x="479821" y="6038447"/>
+          <a:ext cx="4150782" cy="370840"/>
+        </p:xfrm>
+        <a:graphic>
+          <a:graphicData uri="http://schemas.openxmlformats.org/drawingml/2006/table">
+            <a:tbl>
+              <a:tblPr firstRow="1" bandRow="1">
+                <a:tableStyleId>{5940675A-B579-460E-94D1-54222C63F5DA}</a:tableStyleId>
+              </a:tblPr>
+              <a:tblGrid>
+                <a:gridCol w="691797">
+                  <a:extLst>
+                    <a:ext uri="{9D8B030D-6E8A-4147-A177-3AD203B41FA5}">
+                      <a16:colId xmlns:a16="http://schemas.microsoft.com/office/drawing/2014/main" val="1527688708"/>
+                    </a:ext>
+                  </a:extLst>
+                </a:gridCol>
+                <a:gridCol w="691797">
+                  <a:extLst>
+                    <a:ext uri="{9D8B030D-6E8A-4147-A177-3AD203B41FA5}">
+                      <a16:colId xmlns:a16="http://schemas.microsoft.com/office/drawing/2014/main" val="653538617"/>
+                    </a:ext>
+                  </a:extLst>
+                </a:gridCol>
+                <a:gridCol w="691797">
+                  <a:extLst>
+                    <a:ext uri="{9D8B030D-6E8A-4147-A177-3AD203B41FA5}">
+                      <a16:colId xmlns:a16="http://schemas.microsoft.com/office/drawing/2014/main" val="2554237578"/>
+                    </a:ext>
+                  </a:extLst>
+                </a:gridCol>
+                <a:gridCol w="691797">
+                  <a:extLst>
+                    <a:ext uri="{9D8B030D-6E8A-4147-A177-3AD203B41FA5}">
+                      <a16:colId xmlns:a16="http://schemas.microsoft.com/office/drawing/2014/main" val="2946659525"/>
+                    </a:ext>
+                  </a:extLst>
+                </a:gridCol>
+                <a:gridCol w="691797">
+                  <a:extLst>
+                    <a:ext uri="{9D8B030D-6E8A-4147-A177-3AD203B41FA5}">
+                      <a16:colId xmlns:a16="http://schemas.microsoft.com/office/drawing/2014/main" val="2043106262"/>
+                    </a:ext>
+                  </a:extLst>
+                </a:gridCol>
+                <a:gridCol w="691797">
+                  <a:extLst>
+                    <a:ext uri="{9D8B030D-6E8A-4147-A177-3AD203B41FA5}">
+                      <a16:colId xmlns:a16="http://schemas.microsoft.com/office/drawing/2014/main" val="3337530176"/>
+                    </a:ext>
+                  </a:extLst>
+                </a:gridCol>
+              </a:tblGrid>
+              <a:tr h="370840">
+                <a:tc>
+                  <a:txBody>
+                    <a:bodyPr/>
+                    <a:lstStyle/>
+                    <a:p>
+                      <a:r>
+                        <a:rPr lang="en-US" dirty="0" smtClean="0"/>
+                        <a:t>1</a:t>
+                      </a:r>
+                      <a:endParaRPr lang="en-US" dirty="0"/>
+                    </a:p>
+                  </a:txBody>
+                  <a:tcPr>
+                    <a:solidFill>
+                      <a:schemeClr val="accent1">
+                        <a:lumMod val="60000"/>
+                        <a:lumOff val="40000"/>
+                      </a:schemeClr>
+                    </a:solidFill>
+                  </a:tcPr>
+                </a:tc>
+                <a:tc>
+                  <a:txBody>
+                    <a:bodyPr/>
+                    <a:lstStyle/>
+                    <a:p>
+                      <a:r>
+                        <a:rPr lang="en-US" dirty="0" smtClean="0"/>
+                        <a:t>3</a:t>
+                      </a:r>
+                      <a:endParaRPr lang="en-US" dirty="0"/>
+                    </a:p>
+                  </a:txBody>
+                  <a:tcPr>
+                    <a:solidFill>
+                      <a:schemeClr val="accent1">
+                        <a:lumMod val="60000"/>
+                        <a:lumOff val="40000"/>
+                      </a:schemeClr>
+                    </a:solidFill>
+                  </a:tcPr>
+                </a:tc>
+                <a:tc>
+                  <a:txBody>
+                    <a:bodyPr/>
+                    <a:lstStyle/>
+                    <a:p>
+                      <a:r>
+                        <a:rPr lang="en-US" dirty="0" smtClean="0"/>
+                        <a:t>2</a:t>
+                      </a:r>
+                      <a:endParaRPr lang="en-US" dirty="0"/>
+                    </a:p>
+                  </a:txBody>
+                  <a:tcPr>
+                    <a:solidFill>
+                      <a:schemeClr val="accent2">
+                        <a:lumMod val="60000"/>
+                        <a:lumOff val="40000"/>
+                      </a:schemeClr>
+                    </a:solidFill>
+                  </a:tcPr>
+                </a:tc>
+                <a:tc>
+                  <a:txBody>
+                    <a:bodyPr/>
+                    <a:lstStyle/>
+                    <a:p>
+                      <a:r>
+                        <a:rPr lang="en-US" dirty="0" smtClean="0"/>
+                        <a:t>4</a:t>
+                      </a:r>
+                      <a:endParaRPr lang="en-US" dirty="0"/>
+                    </a:p>
+                  </a:txBody>
+                  <a:tcPr>
+                    <a:solidFill>
+                      <a:schemeClr val="accent1">
+                        <a:lumMod val="60000"/>
+                        <a:lumOff val="40000"/>
+                      </a:schemeClr>
+                    </a:solidFill>
+                  </a:tcPr>
+                </a:tc>
+                <a:tc>
+                  <a:txBody>
+                    <a:bodyPr/>
+                    <a:lstStyle/>
+                    <a:p>
+                      <a:r>
+                        <a:rPr lang="en-US" dirty="0" smtClean="0"/>
+                        <a:t>5</a:t>
+                      </a:r>
+                      <a:endParaRPr lang="en-US" dirty="0"/>
+                    </a:p>
+                  </a:txBody>
+                  <a:tcPr>
+                    <a:solidFill>
+                      <a:schemeClr val="accent1">
+                        <a:lumMod val="60000"/>
+                        <a:lumOff val="40000"/>
+                      </a:schemeClr>
+                    </a:solidFill>
+                  </a:tcPr>
+                </a:tc>
+                <a:tc>
+                  <a:txBody>
+                    <a:bodyPr/>
+                    <a:lstStyle/>
+                    <a:p>
+                      <a:r>
+                        <a:rPr lang="en-US" dirty="0" smtClean="0"/>
+                        <a:t>6</a:t>
+                      </a:r>
+                      <a:endParaRPr lang="en-US" dirty="0"/>
+                    </a:p>
+                  </a:txBody>
+                  <a:tcPr>
+                    <a:noFill/>
+                  </a:tcPr>
+                </a:tc>
+                <a:extLst>
+                  <a:ext uri="{0D108BD9-81ED-4DB2-BD59-A6C34878D82A}">
+                    <a16:rowId xmlns:a16="http://schemas.microsoft.com/office/drawing/2014/main" val="1945647981"/>
+                  </a:ext>
+                </a:extLst>
+              </a:tr>
+            </a:tbl>
+          </a:graphicData>
+        </a:graphic>
+      </p:graphicFrame>
+      <p:graphicFrame>
+        <p:nvGraphicFramePr>
+          <p:cNvPr id="10" name="Table 9"/>
+          <p:cNvGraphicFramePr>
+            <a:graphicFrameLocks noGrp="1"/>
+          </p:cNvGraphicFramePr>
+          <p:nvPr>
+            <p:extLst/>
+          </p:nvPr>
+        </p:nvGraphicFramePr>
+        <p:xfrm>
+          <a:off x="479821" y="6852017"/>
+          <a:ext cx="4150782" cy="370840"/>
+        </p:xfrm>
+        <a:graphic>
+          <a:graphicData uri="http://schemas.openxmlformats.org/drawingml/2006/table">
+            <a:tbl>
+              <a:tblPr firstRow="1" bandRow="1">
+                <a:tableStyleId>{5940675A-B579-460E-94D1-54222C63F5DA}</a:tableStyleId>
+              </a:tblPr>
+              <a:tblGrid>
+                <a:gridCol w="691797">
+                  <a:extLst>
+                    <a:ext uri="{9D8B030D-6E8A-4147-A177-3AD203B41FA5}">
+                      <a16:colId xmlns:a16="http://schemas.microsoft.com/office/drawing/2014/main" val="1527688708"/>
+                    </a:ext>
+                  </a:extLst>
+                </a:gridCol>
+                <a:gridCol w="691797">
+                  <a:extLst>
+                    <a:ext uri="{9D8B030D-6E8A-4147-A177-3AD203B41FA5}">
+                      <a16:colId xmlns:a16="http://schemas.microsoft.com/office/drawing/2014/main" val="653538617"/>
+                    </a:ext>
+                  </a:extLst>
+                </a:gridCol>
+                <a:gridCol w="691797">
+                  <a:extLst>
+                    <a:ext uri="{9D8B030D-6E8A-4147-A177-3AD203B41FA5}">
+                      <a16:colId xmlns:a16="http://schemas.microsoft.com/office/drawing/2014/main" val="2554237578"/>
+                    </a:ext>
+                  </a:extLst>
+                </a:gridCol>
+                <a:gridCol w="691797">
+                  <a:extLst>
+                    <a:ext uri="{9D8B030D-6E8A-4147-A177-3AD203B41FA5}">
+                      <a16:colId xmlns:a16="http://schemas.microsoft.com/office/drawing/2014/main" val="2946659525"/>
+                    </a:ext>
+                  </a:extLst>
+                </a:gridCol>
+                <a:gridCol w="691797">
+                  <a:extLst>
+                    <a:ext uri="{9D8B030D-6E8A-4147-A177-3AD203B41FA5}">
+                      <a16:colId xmlns:a16="http://schemas.microsoft.com/office/drawing/2014/main" val="2043106262"/>
+                    </a:ext>
+                  </a:extLst>
+                </a:gridCol>
+                <a:gridCol w="691797">
+                  <a:extLst>
+                    <a:ext uri="{9D8B030D-6E8A-4147-A177-3AD203B41FA5}">
+                      <a16:colId xmlns:a16="http://schemas.microsoft.com/office/drawing/2014/main" val="3337530176"/>
+                    </a:ext>
+                  </a:extLst>
+                </a:gridCol>
+              </a:tblGrid>
+              <a:tr h="370840">
+                <a:tc>
+                  <a:txBody>
+                    <a:bodyPr/>
+                    <a:lstStyle/>
+                    <a:p>
+                      <a:r>
+                        <a:rPr lang="en-US" dirty="0" smtClean="0"/>
+                        <a:t>1</a:t>
+                      </a:r>
+                      <a:endParaRPr lang="en-US" dirty="0"/>
+                    </a:p>
+                  </a:txBody>
+                  <a:tcPr>
+                    <a:solidFill>
+                      <a:schemeClr val="accent1">
+                        <a:lumMod val="60000"/>
+                        <a:lumOff val="40000"/>
+                      </a:schemeClr>
+                    </a:solidFill>
+                  </a:tcPr>
+                </a:tc>
+                <a:tc>
+                  <a:txBody>
+                    <a:bodyPr/>
+                    <a:lstStyle/>
+                    <a:p>
+                      <a:r>
+                        <a:rPr lang="en-US" dirty="0" smtClean="0"/>
+                        <a:t>2</a:t>
+                      </a:r>
+                      <a:endParaRPr lang="en-US" dirty="0"/>
+                    </a:p>
+                  </a:txBody>
+                  <a:tcPr>
+                    <a:solidFill>
+                      <a:schemeClr val="accent2">
+                        <a:lumMod val="60000"/>
+                        <a:lumOff val="40000"/>
+                      </a:schemeClr>
+                    </a:solidFill>
+                  </a:tcPr>
+                </a:tc>
+                <a:tc>
+                  <a:txBody>
+                    <a:bodyPr/>
+                    <a:lstStyle/>
+                    <a:p>
+                      <a:r>
+                        <a:rPr lang="en-US" dirty="0" smtClean="0"/>
+                        <a:t>3</a:t>
+                      </a:r>
+                      <a:endParaRPr lang="en-US" dirty="0"/>
+                    </a:p>
+                  </a:txBody>
+                  <a:tcPr>
+                    <a:solidFill>
+                      <a:schemeClr val="accent1">
+                        <a:lumMod val="60000"/>
+                        <a:lumOff val="40000"/>
+                      </a:schemeClr>
+                    </a:solidFill>
+                  </a:tcPr>
+                </a:tc>
+                <a:tc>
+                  <a:txBody>
+                    <a:bodyPr/>
+                    <a:lstStyle/>
+                    <a:p>
+                      <a:r>
+                        <a:rPr lang="en-US" dirty="0" smtClean="0"/>
+                        <a:t>4</a:t>
+                      </a:r>
+                      <a:endParaRPr lang="en-US" dirty="0"/>
+                    </a:p>
+                  </a:txBody>
+                  <a:tcPr>
+                    <a:solidFill>
+                      <a:schemeClr val="accent1">
+                        <a:lumMod val="60000"/>
+                        <a:lumOff val="40000"/>
+                      </a:schemeClr>
+                    </a:solidFill>
+                  </a:tcPr>
+                </a:tc>
+                <a:tc>
+                  <a:txBody>
+                    <a:bodyPr/>
+                    <a:lstStyle/>
+                    <a:p>
+                      <a:r>
+                        <a:rPr lang="en-US" dirty="0" smtClean="0"/>
+                        <a:t>5</a:t>
+                      </a:r>
+                      <a:endParaRPr lang="en-US" dirty="0"/>
+                    </a:p>
+                  </a:txBody>
+                  <a:tcPr>
+                    <a:solidFill>
+                      <a:schemeClr val="accent1">
+                        <a:lumMod val="60000"/>
+                        <a:lumOff val="40000"/>
+                      </a:schemeClr>
+                    </a:solidFill>
+                  </a:tcPr>
+                </a:tc>
+                <a:tc>
+                  <a:txBody>
+                    <a:bodyPr/>
+                    <a:lstStyle/>
+                    <a:p>
+                      <a:r>
+                        <a:rPr lang="en-US" dirty="0" smtClean="0"/>
+                        <a:t>6</a:t>
+                      </a:r>
+                      <a:endParaRPr lang="en-US" dirty="0"/>
+                    </a:p>
+                  </a:txBody>
+                  <a:tcPr>
+                    <a:noFill/>
+                  </a:tcPr>
+                </a:tc>
+                <a:extLst>
+                  <a:ext uri="{0D108BD9-81ED-4DB2-BD59-A6C34878D82A}">
+                    <a16:rowId xmlns:a16="http://schemas.microsoft.com/office/drawing/2014/main" val="1945647981"/>
+                  </a:ext>
+                </a:extLst>
+              </a:tr>
+            </a:tbl>
+          </a:graphicData>
+        </a:graphic>
+      </p:graphicFrame>
+      <p:graphicFrame>
+        <p:nvGraphicFramePr>
+          <p:cNvPr id="11" name="Table 10"/>
+          <p:cNvGraphicFramePr>
+            <a:graphicFrameLocks noGrp="1"/>
+          </p:cNvGraphicFramePr>
+          <p:nvPr>
+            <p:extLst/>
+          </p:nvPr>
+        </p:nvGraphicFramePr>
+        <p:xfrm>
+          <a:off x="479821" y="7665587"/>
+          <a:ext cx="4150782" cy="370840"/>
+        </p:xfrm>
+        <a:graphic>
+          <a:graphicData uri="http://schemas.openxmlformats.org/drawingml/2006/table">
+            <a:tbl>
+              <a:tblPr firstRow="1" bandRow="1">
+                <a:tableStyleId>{5940675A-B579-460E-94D1-54222C63F5DA}</a:tableStyleId>
+              </a:tblPr>
+              <a:tblGrid>
+                <a:gridCol w="691797">
+                  <a:extLst>
+                    <a:ext uri="{9D8B030D-6E8A-4147-A177-3AD203B41FA5}">
+                      <a16:colId xmlns:a16="http://schemas.microsoft.com/office/drawing/2014/main" val="1527688708"/>
+                    </a:ext>
+                  </a:extLst>
+                </a:gridCol>
+                <a:gridCol w="691797">
+                  <a:extLst>
+                    <a:ext uri="{9D8B030D-6E8A-4147-A177-3AD203B41FA5}">
+                      <a16:colId xmlns:a16="http://schemas.microsoft.com/office/drawing/2014/main" val="653538617"/>
+                    </a:ext>
+                  </a:extLst>
+                </a:gridCol>
+                <a:gridCol w="691797">
+                  <a:extLst>
+                    <a:ext uri="{9D8B030D-6E8A-4147-A177-3AD203B41FA5}">
+                      <a16:colId xmlns:a16="http://schemas.microsoft.com/office/drawing/2014/main" val="2554237578"/>
+                    </a:ext>
+                  </a:extLst>
+                </a:gridCol>
+                <a:gridCol w="691797">
+                  <a:extLst>
+                    <a:ext uri="{9D8B030D-6E8A-4147-A177-3AD203B41FA5}">
+                      <a16:colId xmlns:a16="http://schemas.microsoft.com/office/drawing/2014/main" val="2946659525"/>
+                    </a:ext>
+                  </a:extLst>
+                </a:gridCol>
+                <a:gridCol w="691797">
+                  <a:extLst>
+                    <a:ext uri="{9D8B030D-6E8A-4147-A177-3AD203B41FA5}">
+                      <a16:colId xmlns:a16="http://schemas.microsoft.com/office/drawing/2014/main" val="2043106262"/>
+                    </a:ext>
+                  </a:extLst>
+                </a:gridCol>
+                <a:gridCol w="691797">
+                  <a:extLst>
+                    <a:ext uri="{9D8B030D-6E8A-4147-A177-3AD203B41FA5}">
+                      <a16:colId xmlns:a16="http://schemas.microsoft.com/office/drawing/2014/main" val="3337530176"/>
+                    </a:ext>
+                  </a:extLst>
+                </a:gridCol>
+              </a:tblGrid>
+              <a:tr h="370840">
+                <a:tc>
+                  <a:txBody>
+                    <a:bodyPr/>
+                    <a:lstStyle/>
+                    <a:p>
+                      <a:r>
+                        <a:rPr lang="en-US" dirty="0" smtClean="0"/>
+                        <a:t>1</a:t>
+                      </a:r>
+                      <a:endParaRPr lang="en-US" dirty="0"/>
+                    </a:p>
+                  </a:txBody>
+                  <a:tcPr>
+                    <a:solidFill>
+                      <a:schemeClr val="accent1">
+                        <a:lumMod val="60000"/>
+                        <a:lumOff val="40000"/>
+                      </a:schemeClr>
+                    </a:solidFill>
+                  </a:tcPr>
+                </a:tc>
+                <a:tc>
+                  <a:txBody>
+                    <a:bodyPr/>
+                    <a:lstStyle/>
+                    <a:p>
+                      <a:r>
+                        <a:rPr lang="en-US" dirty="0" smtClean="0"/>
+                        <a:t>2</a:t>
+                      </a:r>
+                      <a:endParaRPr lang="en-US" dirty="0"/>
+                    </a:p>
+                  </a:txBody>
+                  <a:tcPr>
+                    <a:solidFill>
+                      <a:schemeClr val="accent1">
+                        <a:lumMod val="60000"/>
+                        <a:lumOff val="40000"/>
+                      </a:schemeClr>
+                    </a:solidFill>
+                  </a:tcPr>
+                </a:tc>
+                <a:tc>
+                  <a:txBody>
+                    <a:bodyPr/>
+                    <a:lstStyle/>
+                    <a:p>
+                      <a:r>
+                        <a:rPr lang="en-US" dirty="0" smtClean="0"/>
+                        <a:t>3</a:t>
+                      </a:r>
+                      <a:endParaRPr lang="en-US" dirty="0"/>
+                    </a:p>
+                  </a:txBody>
+                  <a:tcPr>
+                    <a:solidFill>
+                      <a:schemeClr val="accent1">
+                        <a:lumMod val="60000"/>
+                        <a:lumOff val="40000"/>
+                      </a:schemeClr>
+                    </a:solidFill>
+                  </a:tcPr>
+                </a:tc>
+                <a:tc>
+                  <a:txBody>
+                    <a:bodyPr/>
+                    <a:lstStyle/>
+                    <a:p>
+                      <a:r>
+                        <a:rPr lang="en-US" dirty="0" smtClean="0"/>
+                        <a:t>4</a:t>
+                      </a:r>
+                      <a:endParaRPr lang="en-US" dirty="0"/>
+                    </a:p>
+                  </a:txBody>
+                  <a:tcPr>
+                    <a:solidFill>
+                      <a:schemeClr val="accent1">
+                        <a:lumMod val="60000"/>
+                        <a:lumOff val="40000"/>
+                      </a:schemeClr>
+                    </a:solidFill>
+                  </a:tcPr>
+                </a:tc>
+                <a:tc>
+                  <a:txBody>
+                    <a:bodyPr/>
+                    <a:lstStyle/>
+                    <a:p>
+                      <a:r>
+                        <a:rPr lang="en-US" dirty="0" smtClean="0"/>
+                        <a:t>5</a:t>
+                      </a:r>
+                      <a:endParaRPr lang="en-US" dirty="0"/>
+                    </a:p>
+                  </a:txBody>
+                  <a:tcPr>
+                    <a:solidFill>
+                      <a:schemeClr val="accent1">
+                        <a:lumMod val="60000"/>
+                        <a:lumOff val="40000"/>
+                      </a:schemeClr>
+                    </a:solidFill>
+                  </a:tcPr>
+                </a:tc>
+                <a:tc>
+                  <a:txBody>
+                    <a:bodyPr/>
+                    <a:lstStyle/>
+                    <a:p>
+                      <a:r>
+                        <a:rPr lang="en-US" dirty="0" smtClean="0"/>
+                        <a:t>6</a:t>
+                      </a:r>
+                      <a:endParaRPr lang="en-US" dirty="0"/>
+                    </a:p>
+                  </a:txBody>
+                  <a:tcPr>
+                    <a:solidFill>
+                      <a:schemeClr val="accent2">
+                        <a:lumMod val="60000"/>
+                        <a:lumOff val="40000"/>
+                      </a:schemeClr>
+                    </a:solidFill>
+                  </a:tcPr>
+                </a:tc>
+                <a:extLst>
+                  <a:ext uri="{0D108BD9-81ED-4DB2-BD59-A6C34878D82A}">
+                    <a16:rowId xmlns:a16="http://schemas.microsoft.com/office/drawing/2014/main" val="1945647981"/>
+                  </a:ext>
+                </a:extLst>
+              </a:tr>
+            </a:tbl>
+          </a:graphicData>
+        </a:graphic>
+      </p:graphicFrame>
+      <p:sp>
+        <p:nvSpPr>
+          <p:cNvPr id="12" name="TextBox 11"/>
+          <p:cNvSpPr txBox="1"/>
+          <p:nvPr/>
+        </p:nvSpPr>
+        <p:spPr>
+          <a:xfrm>
+            <a:off x="4908920" y="7566649"/>
+            <a:ext cx="751809" cy="533479"/>
+          </a:xfrm>
+          <a:prstGeom prst="rect">
+            <a:avLst/>
+          </a:prstGeom>
+          <a:noFill/>
+          <a:ln w="12700" cap="flat">
+            <a:noFill/>
+            <a:miter lim="400000"/>
+          </a:ln>
+          <a:effectLst/>
+          <a:sp3d/>
+        </p:spPr>
+        <p:style>
+          <a:lnRef idx="0">
+            <a:scrgbClr r="0" g="0" b="0"/>
+          </a:lnRef>
+          <a:fillRef idx="0">
+            <a:scrgbClr r="0" g="0" b="0"/>
+          </a:fillRef>
+          <a:effectRef idx="0">
+            <a:scrgbClr r="0" g="0" b="0"/>
+          </a:effectRef>
+          <a:fontRef idx="none"/>
+        </p:style>
+        <p:txBody>
+          <a:bodyPr rot="0" spcFirstLastPara="1" vertOverflow="overflow" horzOverflow="overflow" vert="horz" wrap="none" lIns="50800" tIns="50800" rIns="50800" bIns="50800" numCol="1" spcCol="38100" rtlCol="0" anchor="ctr">
+            <a:spAutoFit/>
+          </a:bodyPr>
+          <a:lstStyle/>
+          <a:p>
+            <a:pPr marL="0" marR="0" indent="0" algn="ctr" defTabSz="584200" rtl="0" fontAlgn="auto" latinLnBrk="0" hangingPunct="0">
+              <a:lnSpc>
+                <a:spcPct val="100000"/>
+              </a:lnSpc>
+              <a:spcBef>
+                <a:spcPts val="0"/>
+              </a:spcBef>
+              <a:spcAft>
+                <a:spcPts val="0"/>
+              </a:spcAft>
+              <a:buClrTx/>
+              <a:buSzTx/>
+              <a:buFontTx/>
+              <a:buNone/>
+              <a:tabLst/>
+            </a:pPr>
+            <a:r>
+              <a:rPr kumimoji="0" lang="en-US" sz="2800" b="0" i="0" u="none" strike="noStrike" cap="none" spc="0" normalizeH="0" baseline="0" dirty="0" smtClean="0">
+                <a:ln>
+                  <a:noFill/>
+                </a:ln>
+                <a:solidFill>
+                  <a:srgbClr val="000000"/>
+                </a:solidFill>
+                <a:effectLst/>
+                <a:uFillTx/>
+                <a:latin typeface="+mn-lt"/>
+                <a:ea typeface="+mn-ea"/>
+                <a:cs typeface="+mn-cs"/>
+                <a:sym typeface="Helvetica Light"/>
+              </a:rPr>
+              <a:t>K=6</a:t>
+            </a:r>
+            <a:endParaRPr kumimoji="0" lang="en-US" sz="2800" b="0" i="0" u="none" strike="noStrike" cap="none" spc="0" normalizeH="0" baseline="0" dirty="0">
+              <a:ln>
+                <a:noFill/>
+              </a:ln>
+              <a:solidFill>
+                <a:srgbClr val="000000"/>
+              </a:solidFill>
+              <a:effectLst/>
+              <a:uFillTx/>
+              <a:latin typeface="+mn-lt"/>
+              <a:ea typeface="+mn-ea"/>
+              <a:cs typeface="+mn-cs"/>
+              <a:sym typeface="Helvetica Light"/>
+            </a:endParaRPr>
+          </a:p>
+        </p:txBody>
+      </p:sp>
+      <p:sp>
+        <p:nvSpPr>
+          <p:cNvPr id="13" name="TextBox 12"/>
+          <p:cNvSpPr txBox="1"/>
+          <p:nvPr/>
+        </p:nvSpPr>
+        <p:spPr>
+          <a:xfrm>
+            <a:off x="4880313" y="5937558"/>
+            <a:ext cx="942566" cy="533479"/>
+          </a:xfrm>
+          <a:prstGeom prst="rect">
+            <a:avLst/>
+          </a:prstGeom>
+          <a:noFill/>
+          <a:ln w="12700" cap="flat">
+            <a:noFill/>
+            <a:miter lim="400000"/>
+          </a:ln>
+          <a:effectLst/>
+          <a:sp3d/>
+        </p:spPr>
+        <p:style>
+          <a:lnRef idx="0">
+            <a:scrgbClr r="0" g="0" b="0"/>
+          </a:lnRef>
+          <a:fillRef idx="0">
+            <a:scrgbClr r="0" g="0" b="0"/>
+          </a:fillRef>
+          <a:effectRef idx="0">
+            <a:scrgbClr r="0" g="0" b="0"/>
+          </a:effectRef>
+          <a:fontRef idx="none"/>
+        </p:style>
+        <p:txBody>
+          <a:bodyPr rot="0" spcFirstLastPara="1" vertOverflow="overflow" horzOverflow="overflow" vert="horz" wrap="none" lIns="50800" tIns="50800" rIns="50800" bIns="50800" numCol="1" spcCol="38100" rtlCol="0" anchor="ctr">
+            <a:spAutoFit/>
+          </a:bodyPr>
+          <a:lstStyle/>
+          <a:p>
+            <a:pPr marL="0" marR="0" indent="0" algn="ctr" defTabSz="584200" rtl="0" fontAlgn="auto" latinLnBrk="0" hangingPunct="0">
+              <a:lnSpc>
+                <a:spcPct val="100000"/>
+              </a:lnSpc>
+              <a:spcBef>
+                <a:spcPts val="0"/>
+              </a:spcBef>
+              <a:spcAft>
+                <a:spcPts val="0"/>
+              </a:spcAft>
+              <a:buClrTx/>
+              <a:buSzTx/>
+              <a:buFontTx/>
+              <a:buNone/>
+              <a:tabLst/>
+            </a:pPr>
+            <a:r>
+              <a:rPr kumimoji="0" lang="en-US" sz="2800" b="0" i="0" u="none" strike="noStrike" cap="none" spc="0" normalizeH="0" baseline="0" dirty="0" smtClean="0">
+                <a:ln>
+                  <a:noFill/>
+                </a:ln>
+                <a:solidFill>
+                  <a:srgbClr val="000000"/>
+                </a:solidFill>
+                <a:effectLst/>
+                <a:uFillTx/>
+                <a:latin typeface="+mn-lt"/>
+                <a:ea typeface="+mn-ea"/>
+                <a:cs typeface="+mn-cs"/>
+                <a:sym typeface="Helvetica Light"/>
+              </a:rPr>
+              <a:t>swap</a:t>
+            </a:r>
+            <a:endParaRPr kumimoji="0" lang="en-US" sz="2800" b="0" i="0" u="none" strike="noStrike" cap="none" spc="0" normalizeH="0" baseline="0" dirty="0">
+              <a:ln>
+                <a:noFill/>
+              </a:ln>
+              <a:solidFill>
+                <a:srgbClr val="000000"/>
+              </a:solidFill>
+              <a:effectLst/>
+              <a:uFillTx/>
+              <a:latin typeface="+mn-lt"/>
+              <a:ea typeface="+mn-ea"/>
+              <a:cs typeface="+mn-cs"/>
+              <a:sym typeface="Helvetica Light"/>
+            </a:endParaRPr>
+          </a:p>
+        </p:txBody>
+      </p:sp>
+      <p:sp>
+        <p:nvSpPr>
+          <p:cNvPr id="14" name="TextBox 13"/>
+          <p:cNvSpPr txBox="1"/>
+          <p:nvPr/>
+        </p:nvSpPr>
+        <p:spPr>
+          <a:xfrm>
+            <a:off x="4875548" y="2643964"/>
+            <a:ext cx="942566" cy="533479"/>
+          </a:xfrm>
+          <a:prstGeom prst="rect">
+            <a:avLst/>
+          </a:prstGeom>
+          <a:noFill/>
+          <a:ln w="12700" cap="flat">
+            <a:noFill/>
+            <a:miter lim="400000"/>
+          </a:ln>
+          <a:effectLst/>
+          <a:sp3d/>
+        </p:spPr>
+        <p:style>
+          <a:lnRef idx="0">
+            <a:scrgbClr r="0" g="0" b="0"/>
+          </a:lnRef>
+          <a:fillRef idx="0">
+            <a:scrgbClr r="0" g="0" b="0"/>
+          </a:fillRef>
+          <a:effectRef idx="0">
+            <a:scrgbClr r="0" g="0" b="0"/>
+          </a:effectRef>
+          <a:fontRef idx="none"/>
+        </p:style>
+        <p:txBody>
+          <a:bodyPr rot="0" spcFirstLastPara="1" vertOverflow="overflow" horzOverflow="overflow" vert="horz" wrap="none" lIns="50800" tIns="50800" rIns="50800" bIns="50800" numCol="1" spcCol="38100" rtlCol="0" anchor="ctr">
+            <a:spAutoFit/>
+          </a:bodyPr>
+          <a:lstStyle/>
+          <a:p>
+            <a:pPr marL="0" marR="0" indent="0" algn="ctr" defTabSz="584200" rtl="0" fontAlgn="auto" latinLnBrk="0" hangingPunct="0">
+              <a:lnSpc>
+                <a:spcPct val="100000"/>
+              </a:lnSpc>
+              <a:spcBef>
+                <a:spcPts val="0"/>
+              </a:spcBef>
+              <a:spcAft>
+                <a:spcPts val="0"/>
+              </a:spcAft>
+              <a:buClrTx/>
+              <a:buSzTx/>
+              <a:buFontTx/>
+              <a:buNone/>
+              <a:tabLst/>
+            </a:pPr>
+            <a:r>
+              <a:rPr kumimoji="0" lang="en-US" sz="2800" b="0" i="0" u="none" strike="noStrike" cap="none" spc="0" normalizeH="0" baseline="0" dirty="0" smtClean="0">
+                <a:ln>
+                  <a:noFill/>
+                </a:ln>
+                <a:solidFill>
+                  <a:srgbClr val="000000"/>
+                </a:solidFill>
+                <a:effectLst/>
+                <a:uFillTx/>
+                <a:latin typeface="+mn-lt"/>
+                <a:ea typeface="+mn-ea"/>
+                <a:cs typeface="+mn-cs"/>
+                <a:sym typeface="Helvetica Light"/>
+              </a:rPr>
+              <a:t>swap</a:t>
+            </a:r>
+            <a:endParaRPr kumimoji="0" lang="en-US" sz="2800" b="0" i="0" u="none" strike="noStrike" cap="none" spc="0" normalizeH="0" baseline="0" dirty="0">
+              <a:ln>
+                <a:noFill/>
+              </a:ln>
+              <a:solidFill>
+                <a:srgbClr val="000000"/>
+              </a:solidFill>
+              <a:effectLst/>
+              <a:uFillTx/>
+              <a:latin typeface="+mn-lt"/>
+              <a:ea typeface="+mn-ea"/>
+              <a:cs typeface="+mn-cs"/>
+              <a:sym typeface="Helvetica Light"/>
+            </a:endParaRPr>
+          </a:p>
+        </p:txBody>
+      </p:sp>
+      <p:sp>
+        <p:nvSpPr>
+          <p:cNvPr id="15" name="TextBox 14"/>
+          <p:cNvSpPr txBox="1"/>
+          <p:nvPr/>
+        </p:nvSpPr>
+        <p:spPr>
+          <a:xfrm>
+            <a:off x="4866310" y="3469727"/>
+            <a:ext cx="942566" cy="533479"/>
+          </a:xfrm>
+          <a:prstGeom prst="rect">
+            <a:avLst/>
+          </a:prstGeom>
+          <a:noFill/>
+          <a:ln w="12700" cap="flat">
+            <a:noFill/>
+            <a:miter lim="400000"/>
+          </a:ln>
+          <a:effectLst/>
+          <a:sp3d/>
+        </p:spPr>
+        <p:style>
+          <a:lnRef idx="0">
+            <a:scrgbClr r="0" g="0" b="0"/>
+          </a:lnRef>
+          <a:fillRef idx="0">
+            <a:scrgbClr r="0" g="0" b="0"/>
+          </a:fillRef>
+          <a:effectRef idx="0">
+            <a:scrgbClr r="0" g="0" b="0"/>
+          </a:effectRef>
+          <a:fontRef idx="none"/>
+        </p:style>
+        <p:txBody>
+          <a:bodyPr rot="0" spcFirstLastPara="1" vertOverflow="overflow" horzOverflow="overflow" vert="horz" wrap="none" lIns="50800" tIns="50800" rIns="50800" bIns="50800" numCol="1" spcCol="38100" rtlCol="0" anchor="ctr">
+            <a:spAutoFit/>
+          </a:bodyPr>
+          <a:lstStyle/>
+          <a:p>
+            <a:pPr marL="0" marR="0" indent="0" algn="ctr" defTabSz="584200" rtl="0" fontAlgn="auto" latinLnBrk="0" hangingPunct="0">
+              <a:lnSpc>
+                <a:spcPct val="100000"/>
+              </a:lnSpc>
+              <a:spcBef>
+                <a:spcPts val="0"/>
+              </a:spcBef>
+              <a:spcAft>
+                <a:spcPts val="0"/>
+              </a:spcAft>
+              <a:buClrTx/>
+              <a:buSzTx/>
+              <a:buFontTx/>
+              <a:buNone/>
+              <a:tabLst/>
+            </a:pPr>
+            <a:r>
+              <a:rPr kumimoji="0" lang="en-US" sz="2800" b="0" i="0" u="none" strike="noStrike" cap="none" spc="0" normalizeH="0" baseline="0" dirty="0" smtClean="0">
+                <a:ln>
+                  <a:noFill/>
+                </a:ln>
+                <a:solidFill>
+                  <a:srgbClr val="000000"/>
+                </a:solidFill>
+                <a:effectLst/>
+                <a:uFillTx/>
+                <a:latin typeface="+mn-lt"/>
+                <a:ea typeface="+mn-ea"/>
+                <a:cs typeface="+mn-cs"/>
+                <a:sym typeface="Helvetica Light"/>
+              </a:rPr>
+              <a:t>swap</a:t>
+            </a:r>
+            <a:endParaRPr kumimoji="0" lang="en-US" sz="2800" b="0" i="0" u="none" strike="noStrike" cap="none" spc="0" normalizeH="0" baseline="0" dirty="0">
+              <a:ln>
+                <a:noFill/>
+              </a:ln>
+              <a:solidFill>
+                <a:srgbClr val="000000"/>
+              </a:solidFill>
+              <a:effectLst/>
+              <a:uFillTx/>
+              <a:latin typeface="+mn-lt"/>
+              <a:ea typeface="+mn-ea"/>
+              <a:cs typeface="+mn-cs"/>
+              <a:sym typeface="Helvetica Light"/>
+            </a:endParaRPr>
+          </a:p>
+        </p:txBody>
+      </p:sp>
+      <p:sp>
+        <p:nvSpPr>
+          <p:cNvPr id="16" name="TextBox 15"/>
+          <p:cNvSpPr txBox="1"/>
+          <p:nvPr/>
+        </p:nvSpPr>
+        <p:spPr>
+          <a:xfrm>
+            <a:off x="4880313" y="5100283"/>
+            <a:ext cx="942566" cy="533479"/>
+          </a:xfrm>
+          <a:prstGeom prst="rect">
+            <a:avLst/>
+          </a:prstGeom>
+          <a:noFill/>
+          <a:ln w="12700" cap="flat">
+            <a:noFill/>
+            <a:miter lim="400000"/>
+          </a:ln>
+          <a:effectLst/>
+          <a:sp3d/>
+        </p:spPr>
+        <p:style>
+          <a:lnRef idx="0">
+            <a:scrgbClr r="0" g="0" b="0"/>
+          </a:lnRef>
+          <a:fillRef idx="0">
+            <a:scrgbClr r="0" g="0" b="0"/>
+          </a:fillRef>
+          <a:effectRef idx="0">
+            <a:scrgbClr r="0" g="0" b="0"/>
+          </a:effectRef>
+          <a:fontRef idx="none"/>
+        </p:style>
+        <p:txBody>
+          <a:bodyPr rot="0" spcFirstLastPara="1" vertOverflow="overflow" horzOverflow="overflow" vert="horz" wrap="none" lIns="50800" tIns="50800" rIns="50800" bIns="50800" numCol="1" spcCol="38100" rtlCol="0" anchor="ctr">
+            <a:spAutoFit/>
+          </a:bodyPr>
+          <a:lstStyle/>
+          <a:p>
+            <a:pPr marL="0" marR="0" indent="0" algn="ctr" defTabSz="584200" rtl="0" fontAlgn="auto" latinLnBrk="0" hangingPunct="0">
+              <a:lnSpc>
+                <a:spcPct val="100000"/>
+              </a:lnSpc>
+              <a:spcBef>
+                <a:spcPts val="0"/>
+              </a:spcBef>
+              <a:spcAft>
+                <a:spcPts val="0"/>
+              </a:spcAft>
+              <a:buClrTx/>
+              <a:buSzTx/>
+              <a:buFontTx/>
+              <a:buNone/>
+              <a:tabLst/>
+            </a:pPr>
+            <a:r>
+              <a:rPr kumimoji="0" lang="en-US" sz="2800" b="0" i="0" u="none" strike="noStrike" cap="none" spc="0" normalizeH="0" baseline="0" dirty="0" smtClean="0">
+                <a:ln>
+                  <a:noFill/>
+                </a:ln>
+                <a:solidFill>
+                  <a:srgbClr val="000000"/>
+                </a:solidFill>
+                <a:effectLst/>
+                <a:uFillTx/>
+                <a:latin typeface="+mn-lt"/>
+                <a:ea typeface="+mn-ea"/>
+                <a:cs typeface="+mn-cs"/>
+                <a:sym typeface="Helvetica Light"/>
+              </a:rPr>
+              <a:t>swap</a:t>
+            </a:r>
+            <a:endParaRPr kumimoji="0" lang="en-US" sz="2800" b="0" i="0" u="none" strike="noStrike" cap="none" spc="0" normalizeH="0" baseline="0" dirty="0">
+              <a:ln>
+                <a:noFill/>
+              </a:ln>
+              <a:solidFill>
+                <a:srgbClr val="000000"/>
+              </a:solidFill>
+              <a:effectLst/>
+              <a:uFillTx/>
+              <a:latin typeface="+mn-lt"/>
+              <a:ea typeface="+mn-ea"/>
+              <a:cs typeface="+mn-cs"/>
+              <a:sym typeface="Helvetica Light"/>
+            </a:endParaRPr>
+          </a:p>
+        </p:txBody>
+      </p:sp>
+      <p:sp>
+        <p:nvSpPr>
+          <p:cNvPr id="17" name="TextBox 16"/>
+          <p:cNvSpPr txBox="1"/>
+          <p:nvPr/>
+        </p:nvSpPr>
+        <p:spPr>
+          <a:xfrm>
+            <a:off x="4866310" y="6745600"/>
+            <a:ext cx="942566" cy="533479"/>
+          </a:xfrm>
+          <a:prstGeom prst="rect">
+            <a:avLst/>
+          </a:prstGeom>
+          <a:noFill/>
+          <a:ln w="12700" cap="flat">
+            <a:noFill/>
+            <a:miter lim="400000"/>
+          </a:ln>
+          <a:effectLst/>
+          <a:sp3d/>
+        </p:spPr>
+        <p:style>
+          <a:lnRef idx="0">
+            <a:scrgbClr r="0" g="0" b="0"/>
+          </a:lnRef>
+          <a:fillRef idx="0">
+            <a:scrgbClr r="0" g="0" b="0"/>
+          </a:fillRef>
+          <a:effectRef idx="0">
+            <a:scrgbClr r="0" g="0" b="0"/>
+          </a:effectRef>
+          <a:fontRef idx="none"/>
+        </p:style>
+        <p:txBody>
+          <a:bodyPr rot="0" spcFirstLastPara="1" vertOverflow="overflow" horzOverflow="overflow" vert="horz" wrap="none" lIns="50800" tIns="50800" rIns="50800" bIns="50800" numCol="1" spcCol="38100" rtlCol="0" anchor="ctr">
+            <a:spAutoFit/>
+          </a:bodyPr>
+          <a:lstStyle/>
+          <a:p>
+            <a:pPr marL="0" marR="0" indent="0" algn="ctr" defTabSz="584200" rtl="0" fontAlgn="auto" latinLnBrk="0" hangingPunct="0">
+              <a:lnSpc>
+                <a:spcPct val="100000"/>
+              </a:lnSpc>
+              <a:spcBef>
+                <a:spcPts val="0"/>
+              </a:spcBef>
+              <a:spcAft>
+                <a:spcPts val="0"/>
+              </a:spcAft>
+              <a:buClrTx/>
+              <a:buSzTx/>
+              <a:buFontTx/>
+              <a:buNone/>
+              <a:tabLst/>
+            </a:pPr>
+            <a:r>
+              <a:rPr kumimoji="0" lang="en-US" sz="2800" b="0" i="0" u="none" strike="noStrike" cap="none" spc="0" normalizeH="0" baseline="0" dirty="0" smtClean="0">
+                <a:ln>
+                  <a:noFill/>
+                </a:ln>
+                <a:solidFill>
+                  <a:srgbClr val="000000"/>
+                </a:solidFill>
+                <a:effectLst/>
+                <a:uFillTx/>
+                <a:latin typeface="+mn-lt"/>
+                <a:ea typeface="+mn-ea"/>
+                <a:cs typeface="+mn-cs"/>
+                <a:sym typeface="Helvetica Light"/>
+              </a:rPr>
+              <a:t>swap</a:t>
+            </a:r>
+            <a:endParaRPr kumimoji="0" lang="en-US" sz="2800" b="0" i="0" u="none" strike="noStrike" cap="none" spc="0" normalizeH="0" baseline="0" dirty="0">
+              <a:ln>
+                <a:noFill/>
+              </a:ln>
+              <a:solidFill>
+                <a:srgbClr val="000000"/>
+              </a:solidFill>
+              <a:effectLst/>
+              <a:uFillTx/>
+              <a:latin typeface="+mn-lt"/>
+              <a:ea typeface="+mn-ea"/>
+              <a:cs typeface="+mn-cs"/>
+              <a:sym typeface="Helvetica Light"/>
+            </a:endParaRPr>
+          </a:p>
+        </p:txBody>
+      </p:sp>
+      <p:sp>
+        <p:nvSpPr>
+          <p:cNvPr id="18" name="TextBox 17"/>
+          <p:cNvSpPr txBox="1"/>
+          <p:nvPr/>
+        </p:nvSpPr>
+        <p:spPr>
+          <a:xfrm>
+            <a:off x="4875548" y="1906026"/>
+            <a:ext cx="751809" cy="533479"/>
+          </a:xfrm>
+          <a:prstGeom prst="rect">
+            <a:avLst/>
+          </a:prstGeom>
+          <a:noFill/>
+          <a:ln w="12700" cap="flat">
+            <a:noFill/>
+            <a:miter lim="400000"/>
+          </a:ln>
+          <a:effectLst/>
+          <a:sp3d/>
+        </p:spPr>
+        <p:style>
+          <a:lnRef idx="0">
+            <a:scrgbClr r="0" g="0" b="0"/>
+          </a:lnRef>
+          <a:fillRef idx="0">
+            <a:scrgbClr r="0" g="0" b="0"/>
+          </a:fillRef>
+          <a:effectRef idx="0">
+            <a:scrgbClr r="0" g="0" b="0"/>
+          </a:effectRef>
+          <a:fontRef idx="none"/>
+        </p:style>
+        <p:txBody>
+          <a:bodyPr rot="0" spcFirstLastPara="1" vertOverflow="overflow" horzOverflow="overflow" vert="horz" wrap="none" lIns="50800" tIns="50800" rIns="50800" bIns="50800" numCol="1" spcCol="38100" rtlCol="0" anchor="ctr">
+            <a:spAutoFit/>
+          </a:bodyPr>
+          <a:lstStyle/>
+          <a:p>
+            <a:pPr marL="0" marR="0" indent="0" algn="ctr" defTabSz="584200" rtl="0" fontAlgn="auto" latinLnBrk="0" hangingPunct="0">
+              <a:lnSpc>
+                <a:spcPct val="100000"/>
+              </a:lnSpc>
+              <a:spcBef>
+                <a:spcPts val="0"/>
+              </a:spcBef>
+              <a:spcAft>
+                <a:spcPts val="0"/>
+              </a:spcAft>
+              <a:buClrTx/>
+              <a:buSzTx/>
+              <a:buFontTx/>
+              <a:buNone/>
+              <a:tabLst/>
+            </a:pPr>
+            <a:r>
+              <a:rPr kumimoji="0" lang="en-US" sz="2800" b="0" i="0" u="none" strike="noStrike" cap="none" spc="0" normalizeH="0" baseline="0" dirty="0" smtClean="0">
+                <a:ln>
+                  <a:noFill/>
+                </a:ln>
+                <a:solidFill>
+                  <a:srgbClr val="000000"/>
+                </a:solidFill>
+                <a:effectLst/>
+                <a:uFillTx/>
+                <a:latin typeface="+mn-lt"/>
+                <a:ea typeface="+mn-ea"/>
+                <a:cs typeface="+mn-cs"/>
+                <a:sym typeface="Helvetica Light"/>
+              </a:rPr>
+              <a:t>K=4</a:t>
+            </a:r>
+            <a:endParaRPr kumimoji="0" lang="en-US" sz="2800" b="0" i="0" u="none" strike="noStrike" cap="none" spc="0" normalizeH="0" baseline="0" dirty="0">
+              <a:ln>
+                <a:noFill/>
+              </a:ln>
+              <a:solidFill>
+                <a:srgbClr val="000000"/>
+              </a:solidFill>
+              <a:effectLst/>
+              <a:uFillTx/>
+              <a:latin typeface="+mn-lt"/>
+              <a:ea typeface="+mn-ea"/>
+              <a:cs typeface="+mn-cs"/>
+              <a:sym typeface="Helvetica Light"/>
+            </a:endParaRPr>
+          </a:p>
+        </p:txBody>
+      </p:sp>
+      <p:sp>
+        <p:nvSpPr>
+          <p:cNvPr id="19" name="TextBox 18"/>
+          <p:cNvSpPr txBox="1"/>
+          <p:nvPr/>
+        </p:nvSpPr>
+        <p:spPr>
+          <a:xfrm>
+            <a:off x="4905266" y="4295491"/>
+            <a:ext cx="751809" cy="533479"/>
+          </a:xfrm>
+          <a:prstGeom prst="rect">
+            <a:avLst/>
+          </a:prstGeom>
+          <a:noFill/>
+          <a:ln w="12700" cap="flat">
+            <a:noFill/>
+            <a:miter lim="400000"/>
+          </a:ln>
+          <a:effectLst/>
+          <a:sp3d/>
+        </p:spPr>
+        <p:style>
+          <a:lnRef idx="0">
+            <a:scrgbClr r="0" g="0" b="0"/>
+          </a:lnRef>
+          <a:fillRef idx="0">
+            <a:scrgbClr r="0" g="0" b="0"/>
+          </a:fillRef>
+          <a:effectRef idx="0">
+            <a:scrgbClr r="0" g="0" b="0"/>
+          </a:effectRef>
+          <a:fontRef idx="none"/>
+        </p:style>
+        <p:txBody>
+          <a:bodyPr rot="0" spcFirstLastPara="1" vertOverflow="overflow" horzOverflow="overflow" vert="horz" wrap="none" lIns="50800" tIns="50800" rIns="50800" bIns="50800" numCol="1" spcCol="38100" rtlCol="0" anchor="ctr">
+            <a:spAutoFit/>
+          </a:bodyPr>
+          <a:lstStyle/>
+          <a:p>
+            <a:pPr marL="0" marR="0" indent="0" algn="ctr" defTabSz="584200" rtl="0" fontAlgn="auto" latinLnBrk="0" hangingPunct="0">
+              <a:lnSpc>
+                <a:spcPct val="100000"/>
+              </a:lnSpc>
+              <a:spcBef>
+                <a:spcPts val="0"/>
+              </a:spcBef>
+              <a:spcAft>
+                <a:spcPts val="0"/>
+              </a:spcAft>
+              <a:buClrTx/>
+              <a:buSzTx/>
+              <a:buFontTx/>
+              <a:buNone/>
+              <a:tabLst/>
+            </a:pPr>
+            <a:r>
+              <a:rPr kumimoji="0" lang="en-US" sz="2800" b="0" i="0" u="none" strike="noStrike" cap="none" spc="0" normalizeH="0" baseline="0" dirty="0" smtClean="0">
+                <a:ln>
+                  <a:noFill/>
+                </a:ln>
+                <a:solidFill>
+                  <a:srgbClr val="000000"/>
+                </a:solidFill>
+                <a:effectLst/>
+                <a:uFillTx/>
+                <a:latin typeface="+mn-lt"/>
+                <a:ea typeface="+mn-ea"/>
+                <a:cs typeface="+mn-cs"/>
+                <a:sym typeface="Helvetica Light"/>
+              </a:rPr>
+              <a:t>K=5</a:t>
+            </a:r>
+            <a:endParaRPr kumimoji="0" lang="en-US" sz="2800" b="0" i="0" u="none" strike="noStrike" cap="none" spc="0" normalizeH="0" baseline="0" dirty="0">
+              <a:ln>
+                <a:noFill/>
+              </a:ln>
+              <a:solidFill>
+                <a:srgbClr val="000000"/>
+              </a:solidFill>
+              <a:effectLst/>
+              <a:uFillTx/>
+              <a:latin typeface="+mn-lt"/>
+              <a:ea typeface="+mn-ea"/>
+              <a:cs typeface="+mn-cs"/>
+              <a:sym typeface="Helvetica Light"/>
+            </a:endParaRPr>
+          </a:p>
+        </p:txBody>
+      </p:sp>
+      <mc:AlternateContent xmlns:mc="http://schemas.openxmlformats.org/markup-compatibility/2006" xmlns:a14="http://schemas.microsoft.com/office/drawing/2010/main">
+        <mc:Choice Requires="a14">
+          <p:sp>
+            <p:nvSpPr>
+              <p:cNvPr id="20" name="TextBox 19"/>
+              <p:cNvSpPr txBox="1"/>
+              <p:nvPr/>
+            </p:nvSpPr>
+            <p:spPr>
+              <a:xfrm>
+                <a:off x="6485641" y="1850617"/>
+                <a:ext cx="6174558" cy="6209136"/>
+              </a:xfrm>
+              <a:prstGeom prst="rect">
+                <a:avLst/>
+              </a:prstGeom>
+              <a:noFill/>
+              <a:ln w="12700" cap="flat">
+                <a:noFill/>
+                <a:miter lim="400000"/>
+              </a:ln>
+              <a:effectLst/>
+              <a:sp3d/>
+            </p:spPr>
+            <p:style>
+              <a:lnRef idx="0">
+                <a:scrgbClr r="0" g="0" b="0"/>
+              </a:lnRef>
+              <a:fillRef idx="0">
+                <a:scrgbClr r="0" g="0" b="0"/>
+              </a:fillRef>
+              <a:effectRef idx="0">
+                <a:scrgbClr r="0" g="0" b="0"/>
+              </a:effectRef>
+              <a:fontRef idx="none"/>
+            </p:style>
+            <p:txBody>
+              <a:bodyPr rot="0" spcFirstLastPara="1" vertOverflow="overflow" horzOverflow="overflow" vert="horz" wrap="square" lIns="50800" tIns="50800" rIns="50800" bIns="50800" numCol="1" spcCol="38100" rtlCol="0" anchor="ctr">
+                <a:spAutoFit/>
+              </a:bodyPr>
+              <a:lstStyle/>
+              <a:p>
+                <a:pPr marL="571500" marR="0" indent="-571500" algn="l" defTabSz="584200" rtl="0" fontAlgn="auto" latinLnBrk="0" hangingPunct="0">
+                  <a:lnSpc>
+                    <a:spcPct val="100000"/>
+                  </a:lnSpc>
+                  <a:spcBef>
+                    <a:spcPts val="0"/>
+                  </a:spcBef>
+                  <a:spcAft>
+                    <a:spcPts val="0"/>
+                  </a:spcAft>
+                  <a:buClrTx/>
+                  <a:buSzTx/>
+                  <a:buFont typeface="Arial" panose="020B0604020202020204" pitchFamily="34" charset="0"/>
+                  <a:buChar char="•"/>
+                  <a:tabLst/>
+                </a:pPr>
+                <a:r>
+                  <a:rPr kumimoji="0" lang="en-US" sz="3600" b="0" i="0" u="none" strike="noStrike" cap="none" spc="0" normalizeH="0" baseline="0" dirty="0" smtClean="0">
+                    <a:ln>
+                      <a:noFill/>
+                    </a:ln>
+                    <a:solidFill>
+                      <a:srgbClr val="000000"/>
+                    </a:solidFill>
+                    <a:effectLst/>
+                    <a:uFillTx/>
+                    <a:sym typeface="Helvetica Light"/>
+                  </a:rPr>
+                  <a:t>Best case:</a:t>
+                </a:r>
+                <a:r>
+                  <a:rPr kumimoji="0" lang="en-US" sz="3600" b="0" i="0" u="none" strike="noStrike" cap="none" spc="0" normalizeH="0" dirty="0" smtClean="0">
+                    <a:ln>
+                      <a:noFill/>
+                    </a:ln>
+                    <a:solidFill>
+                      <a:srgbClr val="000000"/>
+                    </a:solidFill>
+                    <a:effectLst/>
+                    <a:uFillTx/>
+                    <a:sym typeface="Helvetica Light"/>
+                  </a:rPr>
+                  <a:t> already sorted, e.g., 1-2-3-4-5-6, need to do N-1 comparisons, so </a:t>
+                </a:r>
+                <a:r>
+                  <a:rPr kumimoji="0" lang="el-GR" sz="3600" b="0" i="0" u="none" strike="noStrike" cap="none" spc="0" normalizeH="0" dirty="0" smtClean="0">
+                    <a:ln>
+                      <a:noFill/>
+                    </a:ln>
+                    <a:solidFill>
+                      <a:srgbClr val="000000"/>
+                    </a:solidFill>
+                    <a:effectLst/>
+                    <a:uFillTx/>
+                    <a:cs typeface="Times New Roman" panose="02020603050405020304" pitchFamily="18" charset="0"/>
+                    <a:sym typeface="Helvetica Light"/>
+                  </a:rPr>
+                  <a:t>Ω</a:t>
+                </a:r>
+                <a:r>
+                  <a:rPr kumimoji="0" lang="en-US" sz="3600" b="0" i="0" u="none" strike="noStrike" cap="none" spc="0" normalizeH="0" dirty="0" smtClean="0">
+                    <a:ln>
+                      <a:noFill/>
+                    </a:ln>
+                    <a:solidFill>
+                      <a:srgbClr val="000000"/>
+                    </a:solidFill>
+                    <a:effectLst/>
+                    <a:uFillTx/>
+                    <a:cs typeface="Times New Roman" panose="02020603050405020304" pitchFamily="18" charset="0"/>
+                    <a:sym typeface="Helvetica Light"/>
+                  </a:rPr>
+                  <a:t>(N)</a:t>
+                </a:r>
+              </a:p>
+              <a:p>
+                <a:pPr marL="571500" marR="0" indent="-571500" algn="l" defTabSz="584200" rtl="0" fontAlgn="auto" latinLnBrk="0" hangingPunct="0">
+                  <a:lnSpc>
+                    <a:spcPct val="100000"/>
+                  </a:lnSpc>
+                  <a:spcBef>
+                    <a:spcPts val="0"/>
+                  </a:spcBef>
+                  <a:spcAft>
+                    <a:spcPts val="0"/>
+                  </a:spcAft>
+                  <a:buClrTx/>
+                  <a:buSzTx/>
+                  <a:buFont typeface="Arial" panose="020B0604020202020204" pitchFamily="34" charset="0"/>
+                  <a:buChar char="•"/>
+                  <a:tabLst/>
+                </a:pPr>
+                <a:endParaRPr kumimoji="0" lang="en-US" sz="3600" b="0" i="0" u="none" strike="noStrike" cap="none" spc="0" normalizeH="0" dirty="0" smtClean="0">
+                  <a:ln>
+                    <a:noFill/>
+                  </a:ln>
+                  <a:solidFill>
+                    <a:srgbClr val="000000"/>
+                  </a:solidFill>
+                  <a:effectLst/>
+                  <a:uFillTx/>
+                  <a:cs typeface="Times New Roman" panose="02020603050405020304" pitchFamily="18" charset="0"/>
+                  <a:sym typeface="Helvetica Light"/>
+                </a:endParaRPr>
+              </a:p>
+              <a:p>
+                <a:pPr marL="571500" marR="0" indent="-571500" algn="l" defTabSz="584200" rtl="0" fontAlgn="auto" latinLnBrk="0" hangingPunct="0">
+                  <a:lnSpc>
+                    <a:spcPct val="100000"/>
+                  </a:lnSpc>
+                  <a:spcBef>
+                    <a:spcPts val="0"/>
+                  </a:spcBef>
+                  <a:spcAft>
+                    <a:spcPts val="0"/>
+                  </a:spcAft>
+                  <a:buClrTx/>
+                  <a:buSzTx/>
+                  <a:buFont typeface="Arial" panose="020B0604020202020204" pitchFamily="34" charset="0"/>
+                  <a:buChar char="•"/>
+                  <a:tabLst/>
+                </a:pPr>
+                <a:r>
+                  <a:rPr lang="en-US" baseline="0" dirty="0" smtClean="0">
+                    <a:cs typeface="Times New Roman" panose="02020603050405020304" pitchFamily="18" charset="0"/>
+                  </a:rPr>
+                  <a:t>Worst case:</a:t>
+                </a:r>
+                <a:r>
+                  <a:rPr lang="en-US" dirty="0" smtClean="0">
+                    <a:cs typeface="Times New Roman" panose="02020603050405020304" pitchFamily="18" charset="0"/>
+                  </a:rPr>
+                  <a:t> opposite order, </a:t>
+                </a:r>
+                <a:r>
+                  <a:rPr lang="en-US" dirty="0" err="1" smtClean="0">
+                    <a:cs typeface="Times New Roman" panose="02020603050405020304" pitchFamily="18" charset="0"/>
+                  </a:rPr>
+                  <a:t>e.g</a:t>
+                </a:r>
+                <a:r>
+                  <a:rPr lang="en-US" dirty="0" smtClean="0">
+                    <a:cs typeface="Times New Roman" panose="02020603050405020304" pitchFamily="18" charset="0"/>
+                  </a:rPr>
+                  <a:t>, 6-5-4-3-2-1, each element needs to be compared and swapped with all previous K ones, so O(</a:t>
+                </a:r>
+                <a14:m>
+                  <m:oMath xmlns:m="http://schemas.openxmlformats.org/officeDocument/2006/math">
+                    <m:sSup>
+                      <m:sSupPr>
+                        <m:ctrlPr>
+                          <a:rPr lang="en-US" i="1" smtClean="0">
+                            <a:latin typeface="Cambria Math" panose="02040503050406030204" pitchFamily="18" charset="0"/>
+                            <a:cs typeface="Times New Roman" panose="02020603050405020304" pitchFamily="18" charset="0"/>
+                          </a:rPr>
+                        </m:ctrlPr>
+                      </m:sSupPr>
+                      <m:e>
+                        <m:r>
+                          <a:rPr lang="en-US" b="0" i="1" smtClean="0">
+                            <a:latin typeface="Cambria Math" panose="02040503050406030204" pitchFamily="18" charset="0"/>
+                            <a:cs typeface="Times New Roman" panose="02020603050405020304" pitchFamily="18" charset="0"/>
+                          </a:rPr>
+                          <m:t>𝑁</m:t>
+                        </m:r>
+                      </m:e>
+                      <m:sup>
+                        <m:r>
+                          <a:rPr lang="en-US" i="1" smtClean="0">
+                            <a:latin typeface="Cambria Math" panose="02040503050406030204" pitchFamily="18" charset="0"/>
+                            <a:cs typeface="Times New Roman" panose="02020603050405020304" pitchFamily="18" charset="0"/>
+                          </a:rPr>
+                          <m:t>2</m:t>
+                        </m:r>
+                      </m:sup>
+                    </m:sSup>
+                  </m:oMath>
+                </a14:m>
+                <a:r>
+                  <a:rPr lang="en-US" dirty="0" smtClean="0">
+                    <a:cs typeface="Times New Roman" panose="02020603050405020304" pitchFamily="18" charset="0"/>
+                  </a:rPr>
+                  <a:t>)</a:t>
+                </a:r>
+                <a:endParaRPr kumimoji="0" lang="en-US" sz="3600" b="0" i="0" u="none" strike="noStrike" cap="none" spc="0" normalizeH="0" baseline="0" dirty="0">
+                  <a:ln>
+                    <a:noFill/>
+                  </a:ln>
+                  <a:solidFill>
+                    <a:srgbClr val="000000"/>
+                  </a:solidFill>
+                  <a:effectLst/>
+                  <a:uFillTx/>
+                  <a:sym typeface="Helvetica Light"/>
+                </a:endParaRPr>
+              </a:p>
+            </p:txBody>
+          </p:sp>
+        </mc:Choice>
+        <mc:Fallback xmlns="">
+          <p:sp>
+            <p:nvSpPr>
+              <p:cNvPr id="20" name="TextBox 19"/>
+              <p:cNvSpPr txBox="1">
+                <a:spLocks noRot="1" noChangeAspect="1" noMove="1" noResize="1" noEditPoints="1" noAdjustHandles="1" noChangeArrowheads="1" noChangeShapeType="1" noTextEdit="1"/>
+              </p:cNvSpPr>
+              <p:nvPr/>
+            </p:nvSpPr>
+            <p:spPr>
+              <a:xfrm>
+                <a:off x="6485641" y="1850617"/>
+                <a:ext cx="6174558" cy="6209136"/>
+              </a:xfrm>
+              <a:prstGeom prst="rect">
+                <a:avLst/>
+              </a:prstGeom>
+              <a:blipFill>
+                <a:blip r:embed="rId2"/>
+                <a:stretch>
+                  <a:fillRect l="-3356" t="-982" r="-2172" b="-3143"/>
+                </a:stretch>
+              </a:blipFill>
+              <a:ln w="12700" cap="flat">
+                <a:noFill/>
+                <a:miter lim="400000"/>
+              </a:ln>
+              <a:effectLst/>
+            </p:spPr>
+            <p:txBody>
+              <a:bodyPr/>
+              <a:lstStyle/>
+              <a:p>
+                <a:r>
+                  <a:rPr lang="en-US">
+                    <a:noFill/>
+                  </a:rPr>
+                  <a:t> </a:t>
+                </a:r>
+              </a:p>
+            </p:txBody>
+          </p:sp>
+        </mc:Fallback>
+      </mc:AlternateContent>
+    </p:spTree>
+    <p:extLst>
+      <p:ext uri="{BB962C8B-B14F-4D97-AF65-F5344CB8AC3E}">
+        <p14:creationId xmlns:p14="http://schemas.microsoft.com/office/powerpoint/2010/main" val="4109540108"/>
+      </p:ext>
+    </p:extLst>
+  </p:cSld>
+  <p:clrMapOvr>
+    <a:masterClrMapping/>
+  </p:clrMapOvr>
+  <p:transition spd="med"/>
+  <p:timing>
+    <p:tnLst>
+      <p:par>
+        <p:cTn id="1" dur="indefinite" restart="never" nodeType="tmRoot"/>
+      </p:par>
+    </p:tnLst>
+  </p:timing>
+</p:sld>
+</file>
+
+<file path=ppt/slides/slide49.xml><?xml version="1.0" encoding="utf-8"?>
 <p:sld xmlns:a="http://schemas.openxmlformats.org/drawingml/2006/main" xmlns:r="http://schemas.openxmlformats.org/officeDocument/2006/relationships" xmlns:p="http://schemas.openxmlformats.org/presentationml/2006/main">
   <p:cSld>
     <p:spTree>

--- a/docs/slides/03/03_analysis_sort.pptx
+++ b/docs/slides/03/03_analysis_sort.pptx
@@ -5,58 +5,60 @@
     <p:sldMasterId id="2147483648" r:id="rId1"/>
   </p:sldMasterIdLst>
   <p:notesMasterIdLst>
-    <p:notesMasterId r:id="rId51"/>
+    <p:notesMasterId r:id="rId53"/>
   </p:notesMasterIdLst>
   <p:sldIdLst>
     <p:sldId id="283" r:id="rId2"/>
     <p:sldId id="259" r:id="rId3"/>
     <p:sldId id="260" r:id="rId4"/>
-    <p:sldId id="261" r:id="rId5"/>
-    <p:sldId id="262" r:id="rId6"/>
-    <p:sldId id="263" r:id="rId7"/>
-    <p:sldId id="264" r:id="rId8"/>
-    <p:sldId id="265" r:id="rId9"/>
-    <p:sldId id="266" r:id="rId10"/>
-    <p:sldId id="267" r:id="rId11"/>
-    <p:sldId id="268" r:id="rId12"/>
-    <p:sldId id="269" r:id="rId13"/>
-    <p:sldId id="270" r:id="rId14"/>
-    <p:sldId id="289" r:id="rId15"/>
-    <p:sldId id="290" r:id="rId16"/>
-    <p:sldId id="291" r:id="rId17"/>
-    <p:sldId id="292" r:id="rId18"/>
-    <p:sldId id="293" r:id="rId19"/>
-    <p:sldId id="294" r:id="rId20"/>
-    <p:sldId id="295" r:id="rId21"/>
-    <p:sldId id="296" r:id="rId22"/>
-    <p:sldId id="297" r:id="rId23"/>
-    <p:sldId id="298" r:id="rId24"/>
-    <p:sldId id="271" r:id="rId25"/>
-    <p:sldId id="272" r:id="rId26"/>
-    <p:sldId id="285" r:id="rId27"/>
-    <p:sldId id="273" r:id="rId28"/>
-    <p:sldId id="274" r:id="rId29"/>
-    <p:sldId id="276" r:id="rId30"/>
-    <p:sldId id="275" r:id="rId31"/>
-    <p:sldId id="286" r:id="rId32"/>
-    <p:sldId id="277" r:id="rId33"/>
-    <p:sldId id="278" r:id="rId34"/>
-    <p:sldId id="280" r:id="rId35"/>
-    <p:sldId id="281" r:id="rId36"/>
-    <p:sldId id="282" r:id="rId37"/>
-    <p:sldId id="287" r:id="rId38"/>
-    <p:sldId id="288" r:id="rId39"/>
-    <p:sldId id="299" r:id="rId40"/>
-    <p:sldId id="300" r:id="rId41"/>
-    <p:sldId id="301" r:id="rId42"/>
-    <p:sldId id="307" r:id="rId43"/>
-    <p:sldId id="302" r:id="rId44"/>
-    <p:sldId id="303" r:id="rId45"/>
-    <p:sldId id="304" r:id="rId46"/>
-    <p:sldId id="305" r:id="rId47"/>
-    <p:sldId id="308" r:id="rId48"/>
-    <p:sldId id="309" r:id="rId49"/>
-    <p:sldId id="284" r:id="rId50"/>
+    <p:sldId id="310" r:id="rId5"/>
+    <p:sldId id="261" r:id="rId6"/>
+    <p:sldId id="262" r:id="rId7"/>
+    <p:sldId id="263" r:id="rId8"/>
+    <p:sldId id="264" r:id="rId9"/>
+    <p:sldId id="265" r:id="rId10"/>
+    <p:sldId id="266" r:id="rId11"/>
+    <p:sldId id="267" r:id="rId12"/>
+    <p:sldId id="268" r:id="rId13"/>
+    <p:sldId id="269" r:id="rId14"/>
+    <p:sldId id="270" r:id="rId15"/>
+    <p:sldId id="289" r:id="rId16"/>
+    <p:sldId id="290" r:id="rId17"/>
+    <p:sldId id="291" r:id="rId18"/>
+    <p:sldId id="292" r:id="rId19"/>
+    <p:sldId id="293" r:id="rId20"/>
+    <p:sldId id="294" r:id="rId21"/>
+    <p:sldId id="295" r:id="rId22"/>
+    <p:sldId id="296" r:id="rId23"/>
+    <p:sldId id="297" r:id="rId24"/>
+    <p:sldId id="298" r:id="rId25"/>
+    <p:sldId id="271" r:id="rId26"/>
+    <p:sldId id="272" r:id="rId27"/>
+    <p:sldId id="285" r:id="rId28"/>
+    <p:sldId id="273" r:id="rId29"/>
+    <p:sldId id="274" r:id="rId30"/>
+    <p:sldId id="311" r:id="rId31"/>
+    <p:sldId id="276" r:id="rId32"/>
+    <p:sldId id="275" r:id="rId33"/>
+    <p:sldId id="286" r:id="rId34"/>
+    <p:sldId id="277" r:id="rId35"/>
+    <p:sldId id="278" r:id="rId36"/>
+    <p:sldId id="280" r:id="rId37"/>
+    <p:sldId id="281" r:id="rId38"/>
+    <p:sldId id="282" r:id="rId39"/>
+    <p:sldId id="287" r:id="rId40"/>
+    <p:sldId id="288" r:id="rId41"/>
+    <p:sldId id="299" r:id="rId42"/>
+    <p:sldId id="300" r:id="rId43"/>
+    <p:sldId id="301" r:id="rId44"/>
+    <p:sldId id="307" r:id="rId45"/>
+    <p:sldId id="302" r:id="rId46"/>
+    <p:sldId id="303" r:id="rId47"/>
+    <p:sldId id="304" r:id="rId48"/>
+    <p:sldId id="305" r:id="rId49"/>
+    <p:sldId id="308" r:id="rId50"/>
+    <p:sldId id="309" r:id="rId51"/>
+    <p:sldId id="284" r:id="rId52"/>
   </p:sldIdLst>
   <p:sldSz cx="13004800" cy="9753600"/>
   <p:notesSz cx="6858000" cy="9144000"/>
@@ -2326,7 +2328,7 @@
           </a:ln>
           <a:extLst>
             <a:ext uri="{C572A759-6A51-4108-AA02-DFA0A04FC94B}">
-              <ma14:wrappingTextBoxFlag xmlns="" xmlns:ma14="http://schemas.microsoft.com/office/mac/drawingml/2011/main" val="1"/>
+              <ma14:wrappingTextBoxFlag xmlns:ma14="http://schemas.microsoft.com/office/mac/drawingml/2011/main" xmlns="" val="1"/>
             </a:ext>
           </a:extLst>
         </p:spPr>
@@ -2365,7 +2367,7 @@
           </a:ln>
           <a:extLst>
             <a:ext uri="{C572A759-6A51-4108-AA02-DFA0A04FC94B}">
-              <ma14:wrappingTextBoxFlag xmlns="" xmlns:ma14="http://schemas.microsoft.com/office/mac/drawingml/2011/main" val="1"/>
+              <ma14:wrappingTextBoxFlag xmlns:ma14="http://schemas.microsoft.com/office/mac/drawingml/2011/main" xmlns="" val="1"/>
             </a:ext>
           </a:extLst>
         </p:spPr>
@@ -3409,6 +3411,376 @@
           <a:p>
             <a:r>
               <a:rPr lang="en-US" dirty="0" smtClean="0"/>
+              <a:t>Which Is Better?</a:t>
+            </a:r>
+            <a:endParaRPr lang="en-US" dirty="0"/>
+          </a:p>
+        </p:txBody>
+      </p:sp>
+      <mc:AlternateContent xmlns:mc="http://schemas.openxmlformats.org/markup-compatibility/2006" xmlns:a14="http://schemas.microsoft.com/office/drawing/2010/main">
+        <mc:Choice Requires="a14">
+          <p:sp>
+            <p:nvSpPr>
+              <p:cNvPr id="3" name="Text Placeholder 2"/>
+              <p:cNvSpPr>
+                <a:spLocks noGrp="1"/>
+              </p:cNvSpPr>
+              <p:nvPr>
+                <p:ph type="body" idx="1"/>
+              </p:nvPr>
+            </p:nvSpPr>
+            <p:spPr>
+              <a:xfrm>
+                <a:off x="952500" y="2603500"/>
+                <a:ext cx="5562600" cy="6286500"/>
+              </a:xfrm>
+            </p:spPr>
+            <p:txBody>
+              <a:bodyPr/>
+              <a:lstStyle/>
+              <a:p>
+                <a14:m>
+                  <m:oMath xmlns:m="http://schemas.openxmlformats.org/officeDocument/2006/math">
+                    <m:r>
+                      <a:rPr lang="en-US" b="0" i="1" smtClean="0">
+                        <a:latin typeface="Cambria Math" panose="02040503050406030204" pitchFamily="18" charset="0"/>
+                      </a:rPr>
+                      <m:t>𝑓</m:t>
+                    </m:r>
+                    <m:d>
+                      <m:dPr>
+                        <m:ctrlPr>
+                          <a:rPr lang="en-US" b="0" i="1" smtClean="0">
+                            <a:latin typeface="Cambria Math" panose="02040503050406030204" pitchFamily="18" charset="0"/>
+                          </a:rPr>
+                        </m:ctrlPr>
+                      </m:dPr>
+                      <m:e>
+                        <m:r>
+                          <a:rPr lang="en-US" b="0" i="1" smtClean="0">
+                            <a:latin typeface="Cambria Math" panose="02040503050406030204" pitchFamily="18" charset="0"/>
+                          </a:rPr>
+                          <m:t>𝑛</m:t>
+                        </m:r>
+                      </m:e>
+                    </m:d>
+                    <m:r>
+                      <a:rPr lang="en-US" b="0" i="1" smtClean="0">
+                        <a:latin typeface="Cambria Math" panose="02040503050406030204" pitchFamily="18" charset="0"/>
+                      </a:rPr>
+                      <m:t>=</m:t>
+                    </m:r>
+                    <m:sSup>
+                      <m:sSupPr>
+                        <m:ctrlPr>
+                          <a:rPr lang="en-US" b="0" i="1" smtClean="0">
+                            <a:latin typeface="Cambria Math" panose="02040503050406030204" pitchFamily="18" charset="0"/>
+                          </a:rPr>
+                        </m:ctrlPr>
+                      </m:sSupPr>
+                      <m:e>
+                        <m:r>
+                          <a:rPr lang="en-US" b="0" i="1" smtClean="0">
+                            <a:latin typeface="Cambria Math" panose="02040503050406030204" pitchFamily="18" charset="0"/>
+                          </a:rPr>
+                          <m:t>𝑛</m:t>
+                        </m:r>
+                      </m:e>
+                      <m:sup>
+                        <m:r>
+                          <a:rPr lang="en-US" b="0" i="1" smtClean="0">
+                            <a:latin typeface="Cambria Math" panose="02040503050406030204" pitchFamily="18" charset="0"/>
+                          </a:rPr>
+                          <m:t>2</m:t>
+                        </m:r>
+                      </m:sup>
+                    </m:sSup>
+                  </m:oMath>
+                </a14:m>
+                <a:endParaRPr lang="en-US" b="0" dirty="0" smtClean="0"/>
+              </a:p>
+              <a:p>
+                <a14:m>
+                  <m:oMath xmlns:m="http://schemas.openxmlformats.org/officeDocument/2006/math">
+                    <m:r>
+                      <a:rPr lang="en-US" b="0" i="1" smtClean="0">
+                        <a:latin typeface="Cambria Math" panose="02040503050406030204" pitchFamily="18" charset="0"/>
+                      </a:rPr>
+                      <m:t>𝑔</m:t>
+                    </m:r>
+                    <m:d>
+                      <m:dPr>
+                        <m:ctrlPr>
+                          <a:rPr lang="en-US" b="0" i="1" smtClean="0">
+                            <a:latin typeface="Cambria Math" panose="02040503050406030204" pitchFamily="18" charset="0"/>
+                          </a:rPr>
+                        </m:ctrlPr>
+                      </m:dPr>
+                      <m:e>
+                        <m:r>
+                          <a:rPr lang="en-US" b="0" i="1" smtClean="0">
+                            <a:latin typeface="Cambria Math" panose="02040503050406030204" pitchFamily="18" charset="0"/>
+                          </a:rPr>
+                          <m:t>𝑛</m:t>
+                        </m:r>
+                      </m:e>
+                    </m:d>
+                    <m:r>
+                      <a:rPr lang="en-US" b="0" i="1" smtClean="0">
+                        <a:latin typeface="Cambria Math" panose="02040503050406030204" pitchFamily="18" charset="0"/>
+                      </a:rPr>
+                      <m:t>=10 </m:t>
+                    </m:r>
+                    <m:r>
+                      <a:rPr lang="en-US" b="0" i="1" smtClean="0">
+                        <a:latin typeface="Cambria Math" panose="02040503050406030204" pitchFamily="18" charset="0"/>
+                      </a:rPr>
+                      <m:t>𝑛</m:t>
+                    </m:r>
+                    <m:r>
+                      <a:rPr lang="en-US" b="0" i="1" smtClean="0">
+                        <a:latin typeface="Cambria Math" panose="02040503050406030204" pitchFamily="18" charset="0"/>
+                      </a:rPr>
+                      <m:t>+9000</m:t>
+                    </m:r>
+                  </m:oMath>
+                </a14:m>
+                <a:endParaRPr lang="en-US" dirty="0" smtClean="0"/>
+              </a:p>
+              <a:p>
+                <a:r>
+                  <a:rPr lang="en-US" dirty="0" smtClean="0"/>
+                  <a:t>For small values </a:t>
+                </a:r>
+                <a14:m>
+                  <m:oMath xmlns:m="http://schemas.openxmlformats.org/officeDocument/2006/math">
+                    <m:r>
+                      <a:rPr lang="en-US" i="1">
+                        <a:latin typeface="Cambria Math" panose="02040503050406030204" pitchFamily="18" charset="0"/>
+                      </a:rPr>
+                      <m:t>𝑓</m:t>
+                    </m:r>
+                    <m:d>
+                      <m:dPr>
+                        <m:ctrlPr>
+                          <a:rPr lang="en-US" i="1">
+                            <a:latin typeface="Cambria Math" panose="02040503050406030204" pitchFamily="18" charset="0"/>
+                          </a:rPr>
+                        </m:ctrlPr>
+                      </m:dPr>
+                      <m:e>
+                        <m:r>
+                          <a:rPr lang="en-US" i="1">
+                            <a:latin typeface="Cambria Math" panose="02040503050406030204" pitchFamily="18" charset="0"/>
+                          </a:rPr>
+                          <m:t>𝑛</m:t>
+                        </m:r>
+                      </m:e>
+                    </m:d>
+                  </m:oMath>
+                </a14:m>
+                <a:r>
+                  <a:rPr lang="en-US" dirty="0" smtClean="0"/>
+                  <a:t> is better, but it become worse from </a:t>
+                </a:r>
+                <a14:m>
+                  <m:oMath xmlns:m="http://schemas.openxmlformats.org/officeDocument/2006/math">
+                    <m:r>
+                      <a:rPr lang="en-US" b="0" i="1" smtClean="0">
+                        <a:latin typeface="Cambria Math" panose="02040503050406030204" pitchFamily="18" charset="0"/>
+                      </a:rPr>
+                      <m:t>𝑛</m:t>
+                    </m:r>
+                    <m:r>
+                      <a:rPr lang="en-US" b="0" i="1" smtClean="0">
+                        <a:latin typeface="Cambria Math" panose="02040503050406030204" pitchFamily="18" charset="0"/>
+                      </a:rPr>
+                      <m:t>&gt;100</m:t>
+                    </m:r>
+                  </m:oMath>
+                </a14:m>
+                <a:endParaRPr lang="en-US" dirty="0" smtClean="0"/>
+              </a:p>
+              <a:p>
+                <a:r>
+                  <a:rPr lang="en-US" dirty="0" smtClean="0"/>
+                  <a:t>We will look at </a:t>
+                </a:r>
+                <a:r>
+                  <a:rPr lang="en-US" i="1" dirty="0" smtClean="0"/>
+                  <a:t>large</a:t>
+                </a:r>
+                <a:r>
+                  <a:rPr lang="en-US" dirty="0" smtClean="0"/>
+                  <a:t> </a:t>
+                </a:r>
+                <a14:m>
+                  <m:oMath xmlns:m="http://schemas.openxmlformats.org/officeDocument/2006/math">
+                    <m:r>
+                      <a:rPr lang="en-US" i="1">
+                        <a:latin typeface="Cambria Math" panose="02040503050406030204" pitchFamily="18" charset="0"/>
+                      </a:rPr>
+                      <m:t>𝑛</m:t>
+                    </m:r>
+                  </m:oMath>
+                </a14:m>
+                <a:r>
+                  <a:rPr lang="en-US" dirty="0" smtClean="0"/>
+                  <a:t>, so for us </a:t>
+                </a:r>
+                <a14:m>
+                  <m:oMath xmlns:m="http://schemas.openxmlformats.org/officeDocument/2006/math">
+                    <m:r>
+                      <a:rPr lang="en-US" i="1">
+                        <a:latin typeface="Cambria Math" panose="02040503050406030204" pitchFamily="18" charset="0"/>
+                      </a:rPr>
+                      <m:t>𝑔</m:t>
+                    </m:r>
+                    <m:d>
+                      <m:dPr>
+                        <m:ctrlPr>
+                          <a:rPr lang="en-US" i="1">
+                            <a:latin typeface="Cambria Math" panose="02040503050406030204" pitchFamily="18" charset="0"/>
+                          </a:rPr>
+                        </m:ctrlPr>
+                      </m:dPr>
+                      <m:e>
+                        <m:r>
+                          <a:rPr lang="en-US" i="1">
+                            <a:latin typeface="Cambria Math" panose="02040503050406030204" pitchFamily="18" charset="0"/>
+                          </a:rPr>
+                          <m:t>𝑛</m:t>
+                        </m:r>
+                      </m:e>
+                    </m:d>
+                  </m:oMath>
+                </a14:m>
+                <a:r>
+                  <a:rPr lang="en-US" dirty="0" smtClean="0"/>
+                  <a:t> is better</a:t>
+                </a:r>
+                <a:endParaRPr lang="en-US" dirty="0"/>
+              </a:p>
+            </p:txBody>
+          </p:sp>
+        </mc:Choice>
+        <mc:Fallback xmlns="">
+          <p:sp>
+            <p:nvSpPr>
+              <p:cNvPr id="3" name="Text Placeholder 2"/>
+              <p:cNvSpPr>
+                <a:spLocks noGrp="1" noRot="1" noChangeAspect="1" noMove="1" noResize="1" noEditPoints="1" noAdjustHandles="1" noChangeArrowheads="1" noChangeShapeType="1" noTextEdit="1"/>
+              </p:cNvSpPr>
+              <p:nvPr>
+                <p:ph type="body" idx="1"/>
+              </p:nvPr>
+            </p:nvSpPr>
+            <p:spPr>
+              <a:xfrm>
+                <a:off x="952500" y="2603500"/>
+                <a:ext cx="5562600" cy="6286500"/>
+              </a:xfrm>
+              <a:blipFill>
+                <a:blip r:embed="rId2"/>
+                <a:stretch>
+                  <a:fillRect l="-2519" r="-2848"/>
+                </a:stretch>
+              </a:blipFill>
+            </p:spPr>
+            <p:txBody>
+              <a:bodyPr/>
+              <a:lstStyle/>
+              <a:p>
+                <a:r>
+                  <a:rPr lang="en-US">
+                    <a:noFill/>
+                  </a:rPr>
+                  <a:t> </a:t>
+                </a:r>
+              </a:p>
+            </p:txBody>
+          </p:sp>
+        </mc:Fallback>
+      </mc:AlternateContent>
+      <p:pic>
+        <p:nvPicPr>
+          <p:cNvPr id="4" name="Picture 3"/>
+          <p:cNvPicPr>
+            <a:picLocks noChangeAspect="1"/>
+          </p:cNvPicPr>
+          <p:nvPr/>
+        </p:nvPicPr>
+        <p:blipFill>
+          <a:blip r:embed="rId3"/>
+          <a:stretch>
+            <a:fillRect/>
+          </a:stretch>
+        </p:blipFill>
+        <p:spPr>
+          <a:xfrm>
+            <a:off x="6515100" y="2514599"/>
+            <a:ext cx="6142038" cy="6130809"/>
+          </a:xfrm>
+          <a:prstGeom prst="rect">
+            <a:avLst/>
+          </a:prstGeom>
+        </p:spPr>
+      </p:pic>
+    </p:spTree>
+    <p:extLst>
+      <p:ext uri="{BB962C8B-B14F-4D97-AF65-F5344CB8AC3E}">
+        <p14:creationId xmlns:p14="http://schemas.microsoft.com/office/powerpoint/2010/main" val="3558452819"/>
+      </p:ext>
+    </p:extLst>
+  </p:cSld>
+  <p:clrMapOvr>
+    <a:masterClrMapping/>
+  </p:clrMapOvr>
+  <p:transition spd="med"/>
+  <p:timing>
+    <p:tnLst>
+      <p:par>
+        <p:cTn id="1" dur="indefinite" restart="never" nodeType="tmRoot"/>
+      </p:par>
+    </p:tnLst>
+  </p:timing>
+</p:sld>
+</file>
+
+<file path=ppt/slides/slide11.xml><?xml version="1.0" encoding="utf-8"?>
+<p:sld xmlns:a="http://schemas.openxmlformats.org/drawingml/2006/main" xmlns:r="http://schemas.openxmlformats.org/officeDocument/2006/relationships" xmlns:p="http://schemas.openxmlformats.org/presentationml/2006/main">
+  <p:cSld>
+    <p:spTree>
+      <p:nvGrpSpPr>
+        <p:cNvPr id="1" name=""/>
+        <p:cNvGrpSpPr/>
+        <p:nvPr/>
+      </p:nvGrpSpPr>
+      <p:grpSpPr>
+        <a:xfrm>
+          <a:off x="0" y="0"/>
+          <a:ext cx="0" cy="0"/>
+          <a:chOff x="0" y="0"/>
+          <a:chExt cx="0" cy="0"/>
+        </a:xfrm>
+      </p:grpSpPr>
+      <p:sp>
+        <p:nvSpPr>
+          <p:cNvPr id="2" name="Title 1"/>
+          <p:cNvSpPr>
+            <a:spLocks noGrp="1"/>
+          </p:cNvSpPr>
+          <p:nvPr>
+            <p:ph type="title"/>
+          </p:nvPr>
+        </p:nvSpPr>
+        <p:spPr/>
+        <p:txBody>
+          <a:bodyPr/>
+          <a:lstStyle/>
+          <a:p>
+            <a:r>
+              <a:rPr lang="en-US" dirty="0" smtClean="0"/>
               <a:t>Large N???</a:t>
             </a:r>
             <a:endParaRPr lang="en-US" dirty="0"/>
@@ -3524,7 +3896,7 @@
 </p:sld>
 </file>
 
-<file path=ppt/slides/slide11.xml><?xml version="1.0" encoding="utf-8"?>
+<file path=ppt/slides/slide12.xml><?xml version="1.0" encoding="utf-8"?>
 <p:sld xmlns:a="http://schemas.openxmlformats.org/drawingml/2006/main" xmlns:r="http://schemas.openxmlformats.org/officeDocument/2006/relationships" xmlns:p="http://schemas.openxmlformats.org/presentationml/2006/main">
   <p:cSld>
     <p:spTree>
@@ -3883,7 +4255,7 @@
 </p:sld>
 </file>
 
-<file path=ppt/slides/slide12.xml><?xml version="1.0" encoding="utf-8"?>
+<file path=ppt/slides/slide13.xml><?xml version="1.0" encoding="utf-8"?>
 <p:sld xmlns:a="http://schemas.openxmlformats.org/drawingml/2006/main" xmlns:r="http://schemas.openxmlformats.org/officeDocument/2006/relationships" xmlns:p="http://schemas.openxmlformats.org/presentationml/2006/main">
   <p:cSld>
     <p:spTree>
@@ -4198,7 +4570,7 @@
 </p:sld>
 </file>
 
-<file path=ppt/slides/slide13.xml><?xml version="1.0" encoding="utf-8"?>
+<file path=ppt/slides/slide14.xml><?xml version="1.0" encoding="utf-8"?>
 <p:sld xmlns:a="http://schemas.openxmlformats.org/drawingml/2006/main" xmlns:r="http://schemas.openxmlformats.org/officeDocument/2006/relationships" xmlns:p="http://schemas.openxmlformats.org/presentationml/2006/main">
   <p:cSld>
     <p:spTree>
@@ -4674,7 +5046,7 @@
 </p:sld>
 </file>
 
-<file path=ppt/slides/slide14.xml><?xml version="1.0" encoding="utf-8"?>
+<file path=ppt/slides/slide15.xml><?xml version="1.0" encoding="utf-8"?>
 <p:sld xmlns:a="http://schemas.openxmlformats.org/drawingml/2006/main" xmlns:r="http://schemas.openxmlformats.org/officeDocument/2006/relationships" xmlns:p="http://schemas.openxmlformats.org/presentationml/2006/main">
   <p:cSld>
     <p:spTree>
@@ -4885,7 +5257,7 @@
 </p:sld>
 </file>
 
-<file path=ppt/slides/slide15.xml><?xml version="1.0" encoding="utf-8"?>
+<file path=ppt/slides/slide16.xml><?xml version="1.0" encoding="utf-8"?>
 <p:sld xmlns:a="http://schemas.openxmlformats.org/drawingml/2006/main" xmlns:r="http://schemas.openxmlformats.org/officeDocument/2006/relationships" xmlns:p="http://schemas.openxmlformats.org/presentationml/2006/main">
   <p:cSld>
     <p:spTree>
@@ -5219,7 +5591,7 @@
 </p:sld>
 </file>
 
-<file path=ppt/slides/slide16.xml><?xml version="1.0" encoding="utf-8"?>
+<file path=ppt/slides/slide17.xml><?xml version="1.0" encoding="utf-8"?>
 <p:sld xmlns:a="http://schemas.openxmlformats.org/drawingml/2006/main" xmlns:r="http://schemas.openxmlformats.org/officeDocument/2006/relationships" xmlns:p="http://schemas.openxmlformats.org/presentationml/2006/main">
   <p:cSld>
     <p:spTree>
@@ -5436,7 +5808,7 @@
 </p:sld>
 </file>
 
-<file path=ppt/slides/slide17.xml><?xml version="1.0" encoding="utf-8"?>
+<file path=ppt/slides/slide18.xml><?xml version="1.0" encoding="utf-8"?>
 <p:sld xmlns:a="http://schemas.openxmlformats.org/drawingml/2006/main" xmlns:r="http://schemas.openxmlformats.org/officeDocument/2006/relationships" xmlns:p="http://schemas.openxmlformats.org/presentationml/2006/main">
   <p:cSld>
     <p:spTree>
@@ -5696,7 +6068,7 @@
 </p:sld>
 </file>
 
-<file path=ppt/slides/slide18.xml><?xml version="1.0" encoding="utf-8"?>
+<file path=ppt/slides/slide19.xml><?xml version="1.0" encoding="utf-8"?>
 <p:sld xmlns:a="http://schemas.openxmlformats.org/drawingml/2006/main" xmlns:r="http://schemas.openxmlformats.org/officeDocument/2006/relationships" xmlns:p="http://schemas.openxmlformats.org/presentationml/2006/main">
   <p:cSld>
     <p:spTree>
@@ -6110,7 +6482,181 @@
 </p:sld>
 </file>
 
-<file path=ppt/slides/slide19.xml><?xml version="1.0" encoding="utf-8"?>
+<file path=ppt/slides/slide2.xml><?xml version="1.0" encoding="utf-8"?>
+<p:sld xmlns:a="http://schemas.openxmlformats.org/drawingml/2006/main" xmlns:r="http://schemas.openxmlformats.org/officeDocument/2006/relationships" xmlns:p="http://schemas.openxmlformats.org/presentationml/2006/main">
+  <p:cSld>
+    <p:spTree>
+      <p:nvGrpSpPr>
+        <p:cNvPr id="1" name=""/>
+        <p:cNvGrpSpPr/>
+        <p:nvPr/>
+      </p:nvGrpSpPr>
+      <p:grpSpPr>
+        <a:xfrm>
+          <a:off x="0" y="0"/>
+          <a:ext cx="0" cy="0"/>
+          <a:chOff x="0" y="0"/>
+          <a:chExt cx="0" cy="0"/>
+        </a:xfrm>
+      </p:grpSpPr>
+      <p:sp>
+        <p:nvSpPr>
+          <p:cNvPr id="137" name="Shape 137"/>
+          <p:cNvSpPr>
+            <a:spLocks noGrp="1"/>
+          </p:cNvSpPr>
+          <p:nvPr>
+            <p:ph type="title"/>
+          </p:nvPr>
+        </p:nvSpPr>
+        <p:spPr>
+          <a:prstGeom prst="rect">
+            <a:avLst/>
+          </a:prstGeom>
+        </p:spPr>
+        <p:txBody>
+          <a:bodyPr/>
+          <a:lstStyle/>
+          <a:p>
+            <a:r>
+              <a:rPr lang="en-US" dirty="0" smtClean="0"/>
+              <a:t>How Long?</a:t>
+            </a:r>
+            <a:endParaRPr dirty="0"/>
+          </a:p>
+        </p:txBody>
+      </p:sp>
+      <p:sp>
+        <p:nvSpPr>
+          <p:cNvPr id="138" name="Shape 138"/>
+          <p:cNvSpPr>
+            <a:spLocks noGrp="1"/>
+          </p:cNvSpPr>
+          <p:nvPr>
+            <p:ph type="body" idx="1"/>
+          </p:nvPr>
+        </p:nvSpPr>
+        <p:spPr>
+          <a:xfrm>
+            <a:off x="952500" y="2654300"/>
+            <a:ext cx="11099800" cy="6286500"/>
+          </a:xfrm>
+          <a:prstGeom prst="rect">
+            <a:avLst/>
+          </a:prstGeom>
+        </p:spPr>
+        <p:txBody>
+          <a:bodyPr/>
+          <a:lstStyle/>
+          <a:p>
+            <a:r>
+              <a:rPr lang="en-US" dirty="0" smtClean="0"/>
+              <a:t>You want </a:t>
+            </a:r>
+            <a:r>
+              <a:rPr lang="en-US" b="1" dirty="0" smtClean="0"/>
+              <a:t>fast</a:t>
+            </a:r>
+            <a:r>
+              <a:rPr lang="en-US" dirty="0" smtClean="0"/>
+              <a:t> algorithms</a:t>
+            </a:r>
+          </a:p>
+          <a:p>
+            <a:r>
+              <a:rPr lang="en-US" dirty="0" smtClean="0"/>
+              <a:t>You could just run some “experiments”, and check how long your algorithm takes</a:t>
+            </a:r>
+          </a:p>
+          <a:p>
+            <a:r>
+              <a:rPr lang="en-US" dirty="0" smtClean="0"/>
+              <a:t>But what if  algorithm will need to be run on a larger problem than I used in the experiments?</a:t>
+            </a:r>
+          </a:p>
+          <a:p>
+            <a:r>
+              <a:rPr lang="en-US" dirty="0" smtClean="0"/>
+              <a:t>If the problem is </a:t>
+            </a:r>
+            <a:r>
+              <a:rPr lang="en-US" b="1" dirty="0" smtClean="0"/>
+              <a:t>twice as big</a:t>
+            </a:r>
+            <a:r>
+              <a:rPr lang="en-US" dirty="0" smtClean="0"/>
+              <a:t>, will my algorithm take just </a:t>
+            </a:r>
+            <a:r>
+              <a:rPr lang="en-US" b="1" dirty="0" smtClean="0"/>
+              <a:t>twice as long</a:t>
+            </a:r>
+            <a:r>
+              <a:rPr lang="en-US" dirty="0" smtClean="0"/>
+              <a:t>???</a:t>
+            </a:r>
+            <a:endParaRPr dirty="0"/>
+          </a:p>
+        </p:txBody>
+      </p:sp>
+      <p:pic>
+        <p:nvPicPr>
+          <p:cNvPr id="1026" name="Picture 2" descr="Image result for stopwatch"/>
+          <p:cNvPicPr>
+            <a:picLocks noChangeAspect="1" noChangeArrowheads="1"/>
+          </p:cNvPicPr>
+          <p:nvPr/>
+        </p:nvPicPr>
+        <p:blipFill>
+          <a:blip r:embed="rId2" cstate="print">
+            <a:extLst>
+              <a:ext uri="{28A0092B-C50C-407E-A947-70E740481C1C}">
+                <a14:useLocalDpi xmlns:a14="http://schemas.microsoft.com/office/drawing/2010/main" val="0"/>
+              </a:ext>
+            </a:extLst>
+          </a:blip>
+          <a:srcRect/>
+          <a:stretch>
+            <a:fillRect/>
+          </a:stretch>
+        </p:blipFill>
+        <p:spPr bwMode="auto">
+          <a:xfrm>
+            <a:off x="10331090" y="493712"/>
+            <a:ext cx="2060575" cy="2060575"/>
+          </a:xfrm>
+          <a:prstGeom prst="rect">
+            <a:avLst/>
+          </a:prstGeom>
+          <a:noFill/>
+          <a:extLst>
+            <a:ext uri="{909E8E84-426E-40DD-AFC4-6F175D3DCCD1}">
+              <a14:hiddenFill xmlns:a14="http://schemas.microsoft.com/office/drawing/2010/main">
+                <a:solidFill>
+                  <a:srgbClr val="FFFFFF"/>
+                </a:solidFill>
+              </a14:hiddenFill>
+            </a:ext>
+          </a:extLst>
+        </p:spPr>
+      </p:pic>
+    </p:spTree>
+  </p:cSld>
+  <p:clrMapOvr>
+    <a:masterClrMapping/>
+  </p:clrMapOvr>
+  <p:transition spd="slow"/>
+  <p:timing>
+    <p:tnLst>
+      <p:par>
+        <p:cTn id="1" dur="indefinite" restart="never" nodeType="tmRoot"/>
+      </p:par>
+    </p:tnLst>
+  </p:timing>
+</p:sld>
+</file>
+
+<file path=ppt/slides/slide20.xml><?xml version="1.0" encoding="utf-8"?>
 <p:sld xmlns:a="http://schemas.openxmlformats.org/drawingml/2006/main" xmlns:r="http://schemas.openxmlformats.org/officeDocument/2006/relationships" xmlns:p="http://schemas.openxmlformats.org/presentationml/2006/main">
   <p:cSld>
     <p:spTree>
@@ -6316,181 +6862,7 @@
 </p:sld>
 </file>
 
-<file path=ppt/slides/slide2.xml><?xml version="1.0" encoding="utf-8"?>
-<p:sld xmlns:a="http://schemas.openxmlformats.org/drawingml/2006/main" xmlns:r="http://schemas.openxmlformats.org/officeDocument/2006/relationships" xmlns:p="http://schemas.openxmlformats.org/presentationml/2006/main">
-  <p:cSld>
-    <p:spTree>
-      <p:nvGrpSpPr>
-        <p:cNvPr id="1" name=""/>
-        <p:cNvGrpSpPr/>
-        <p:nvPr/>
-      </p:nvGrpSpPr>
-      <p:grpSpPr>
-        <a:xfrm>
-          <a:off x="0" y="0"/>
-          <a:ext cx="0" cy="0"/>
-          <a:chOff x="0" y="0"/>
-          <a:chExt cx="0" cy="0"/>
-        </a:xfrm>
-      </p:grpSpPr>
-      <p:sp>
-        <p:nvSpPr>
-          <p:cNvPr id="137" name="Shape 137"/>
-          <p:cNvSpPr>
-            <a:spLocks noGrp="1"/>
-          </p:cNvSpPr>
-          <p:nvPr>
-            <p:ph type="title"/>
-          </p:nvPr>
-        </p:nvSpPr>
-        <p:spPr>
-          <a:prstGeom prst="rect">
-            <a:avLst/>
-          </a:prstGeom>
-        </p:spPr>
-        <p:txBody>
-          <a:bodyPr/>
-          <a:lstStyle/>
-          <a:p>
-            <a:r>
-              <a:rPr lang="en-US" dirty="0" smtClean="0"/>
-              <a:t>How Long?</a:t>
-            </a:r>
-            <a:endParaRPr dirty="0"/>
-          </a:p>
-        </p:txBody>
-      </p:sp>
-      <p:sp>
-        <p:nvSpPr>
-          <p:cNvPr id="138" name="Shape 138"/>
-          <p:cNvSpPr>
-            <a:spLocks noGrp="1"/>
-          </p:cNvSpPr>
-          <p:nvPr>
-            <p:ph type="body" idx="1"/>
-          </p:nvPr>
-        </p:nvSpPr>
-        <p:spPr>
-          <a:xfrm>
-            <a:off x="952500" y="2654300"/>
-            <a:ext cx="11099800" cy="6286500"/>
-          </a:xfrm>
-          <a:prstGeom prst="rect">
-            <a:avLst/>
-          </a:prstGeom>
-        </p:spPr>
-        <p:txBody>
-          <a:bodyPr/>
-          <a:lstStyle/>
-          <a:p>
-            <a:r>
-              <a:rPr lang="en-US" dirty="0" smtClean="0"/>
-              <a:t>You want </a:t>
-            </a:r>
-            <a:r>
-              <a:rPr lang="en-US" b="1" dirty="0" smtClean="0"/>
-              <a:t>fast</a:t>
-            </a:r>
-            <a:r>
-              <a:rPr lang="en-US" dirty="0" smtClean="0"/>
-              <a:t> algorithms</a:t>
-            </a:r>
-          </a:p>
-          <a:p>
-            <a:r>
-              <a:rPr lang="en-US" dirty="0" smtClean="0"/>
-              <a:t>You could just run some “experiments”, and check how long your algorithm takes</a:t>
-            </a:r>
-          </a:p>
-          <a:p>
-            <a:r>
-              <a:rPr lang="en-US" dirty="0" smtClean="0"/>
-              <a:t>But what if  algorithm will need to be run on a larger problem than I used in the experiments?</a:t>
-            </a:r>
-          </a:p>
-          <a:p>
-            <a:r>
-              <a:rPr lang="en-US" dirty="0" smtClean="0"/>
-              <a:t>If the problem is </a:t>
-            </a:r>
-            <a:r>
-              <a:rPr lang="en-US" b="1" dirty="0" smtClean="0"/>
-              <a:t>twice as big</a:t>
-            </a:r>
-            <a:r>
-              <a:rPr lang="en-US" dirty="0" smtClean="0"/>
-              <a:t>, will my algorithm take just </a:t>
-            </a:r>
-            <a:r>
-              <a:rPr lang="en-US" b="1" dirty="0" smtClean="0"/>
-              <a:t>twice as long</a:t>
-            </a:r>
-            <a:r>
-              <a:rPr lang="en-US" dirty="0" smtClean="0"/>
-              <a:t>???</a:t>
-            </a:r>
-            <a:endParaRPr dirty="0"/>
-          </a:p>
-        </p:txBody>
-      </p:sp>
-      <p:pic>
-        <p:nvPicPr>
-          <p:cNvPr id="1026" name="Picture 2" descr="Image result for stopwatch"/>
-          <p:cNvPicPr>
-            <a:picLocks noChangeAspect="1" noChangeArrowheads="1"/>
-          </p:cNvPicPr>
-          <p:nvPr/>
-        </p:nvPicPr>
-        <p:blipFill>
-          <a:blip r:embed="rId2" cstate="print">
-            <a:extLst>
-              <a:ext uri="{28A0092B-C50C-407E-A947-70E740481C1C}">
-                <a14:useLocalDpi xmlns:a14="http://schemas.microsoft.com/office/drawing/2010/main" val="0"/>
-              </a:ext>
-            </a:extLst>
-          </a:blip>
-          <a:srcRect/>
-          <a:stretch>
-            <a:fillRect/>
-          </a:stretch>
-        </p:blipFill>
-        <p:spPr bwMode="auto">
-          <a:xfrm>
-            <a:off x="10331090" y="493712"/>
-            <a:ext cx="2060575" cy="2060575"/>
-          </a:xfrm>
-          <a:prstGeom prst="rect">
-            <a:avLst/>
-          </a:prstGeom>
-          <a:noFill/>
-          <a:extLst>
-            <a:ext uri="{909E8E84-426E-40DD-AFC4-6F175D3DCCD1}">
-              <a14:hiddenFill xmlns:a14="http://schemas.microsoft.com/office/drawing/2010/main">
-                <a:solidFill>
-                  <a:srgbClr val="FFFFFF"/>
-                </a:solidFill>
-              </a14:hiddenFill>
-            </a:ext>
-          </a:extLst>
-        </p:spPr>
-      </p:pic>
-    </p:spTree>
-  </p:cSld>
-  <p:clrMapOvr>
-    <a:masterClrMapping/>
-  </p:clrMapOvr>
-  <p:transition spd="slow"/>
-  <p:timing>
-    <p:tnLst>
-      <p:par>
-        <p:cTn id="1" dur="indefinite" restart="never" nodeType="tmRoot"/>
-      </p:par>
-    </p:tnLst>
-  </p:timing>
-</p:sld>
-</file>
-
-<file path=ppt/slides/slide20.xml><?xml version="1.0" encoding="utf-8"?>
+<file path=ppt/slides/slide21.xml><?xml version="1.0" encoding="utf-8"?>
 <p:sld xmlns:a="http://schemas.openxmlformats.org/drawingml/2006/main" xmlns:r="http://schemas.openxmlformats.org/officeDocument/2006/relationships" xmlns:p="http://schemas.openxmlformats.org/presentationml/2006/main">
   <p:cSld>
     <p:spTree>
@@ -6700,7 +7072,7 @@
 </p:sld>
 </file>
 
-<file path=ppt/slides/slide21.xml><?xml version="1.0" encoding="utf-8"?>
+<file path=ppt/slides/slide22.xml><?xml version="1.0" encoding="utf-8"?>
 <p:sld xmlns:a="http://schemas.openxmlformats.org/drawingml/2006/main" xmlns:r="http://schemas.openxmlformats.org/officeDocument/2006/relationships" xmlns:p="http://schemas.openxmlformats.org/presentationml/2006/main">
   <p:cSld>
     <p:spTree>
@@ -6916,7 +7288,7 @@
 </p:sld>
 </file>
 
-<file path=ppt/slides/slide22.xml><?xml version="1.0" encoding="utf-8"?>
+<file path=ppt/slides/slide23.xml><?xml version="1.0" encoding="utf-8"?>
 <p:sld xmlns:a="http://schemas.openxmlformats.org/drawingml/2006/main" xmlns:r="http://schemas.openxmlformats.org/officeDocument/2006/relationships" xmlns:p="http://schemas.openxmlformats.org/presentationml/2006/main">
   <p:cSld>
     <p:spTree>
@@ -7154,7 +7526,7 @@
 </p:sld>
 </file>
 
-<file path=ppt/slides/slide23.xml><?xml version="1.0" encoding="utf-8"?>
+<file path=ppt/slides/slide24.xml><?xml version="1.0" encoding="utf-8"?>
 <p:sld xmlns:a="http://schemas.openxmlformats.org/drawingml/2006/main" xmlns:r="http://schemas.openxmlformats.org/officeDocument/2006/relationships" xmlns:p="http://schemas.openxmlformats.org/presentationml/2006/main">
   <p:cSld>
     <p:spTree>
@@ -7419,7 +7791,7 @@
 </p:sld>
 </file>
 
-<file path=ppt/slides/slide24.xml><?xml version="1.0" encoding="utf-8"?>
+<file path=ppt/slides/slide25.xml><?xml version="1.0" encoding="utf-8"?>
 <p:sld xmlns:a="http://schemas.openxmlformats.org/drawingml/2006/main" xmlns:r="http://schemas.openxmlformats.org/officeDocument/2006/relationships" xmlns:p="http://schemas.openxmlformats.org/presentationml/2006/main">
   <p:cSld>
     <p:spTree>
@@ -7849,7 +8221,7 @@
               </a:ln>
               <a:extLst>
                 <a:ext uri="{C572A759-6A51-4108-AA02-DFA0A04FC94B}">
-                  <ma14:wrappingTextBoxFlag xmlns="" xmlns:ma14="http://schemas.microsoft.com/office/mac/drawingml/2011/main" val="1"/>
+                  <ma14:wrappingTextBoxFlag xmlns:ma14="http://schemas.microsoft.com/office/mac/drawingml/2011/main" xmlns="" val="1"/>
                 </a:ext>
               </a:extLst>
             </p:spPr>
@@ -8419,7 +8791,7 @@
 </p:sld>
 </file>
 
-<file path=ppt/slides/slide25.xml><?xml version="1.0" encoding="utf-8"?>
+<file path=ppt/slides/slide26.xml><?xml version="1.0" encoding="utf-8"?>
 <p:sld xmlns:a="http://schemas.openxmlformats.org/drawingml/2006/main" xmlns:r="http://schemas.openxmlformats.org/officeDocument/2006/relationships" xmlns:p="http://schemas.openxmlformats.org/presentationml/2006/main">
   <p:cSld>
     <p:spTree>
@@ -8744,7 +9116,7 @@
 </p:sld>
 </file>
 
-<file path=ppt/slides/slide26.xml><?xml version="1.0" encoding="utf-8"?>
+<file path=ppt/slides/slide27.xml><?xml version="1.0" encoding="utf-8"?>
 <p:sld xmlns:a="http://schemas.openxmlformats.org/drawingml/2006/main" xmlns:r="http://schemas.openxmlformats.org/officeDocument/2006/relationships" xmlns:p="http://schemas.openxmlformats.org/presentationml/2006/main">
   <p:cSld>
     <p:spTree>
@@ -9247,7 +9619,7 @@
 </p:sld>
 </file>
 
-<file path=ppt/slides/slide27.xml><?xml version="1.0" encoding="utf-8"?>
+<file path=ppt/slides/slide28.xml><?xml version="1.0" encoding="utf-8"?>
 <p:sld xmlns:a="http://schemas.openxmlformats.org/drawingml/2006/main" xmlns:r="http://schemas.openxmlformats.org/officeDocument/2006/relationships" xmlns:p="http://schemas.openxmlformats.org/presentationml/2006/main">
   <p:cSld>
     <p:spTree>
@@ -9723,7 +10095,7 @@
 </p:sld>
 </file>
 
-<file path=ppt/slides/slide28.xml><?xml version="1.0" encoding="utf-8"?>
+<file path=ppt/slides/slide29.xml><?xml version="1.0" encoding="utf-8"?>
 <p:sld xmlns:a="http://schemas.openxmlformats.org/drawingml/2006/main" xmlns:r="http://schemas.openxmlformats.org/officeDocument/2006/relationships" xmlns:p="http://schemas.openxmlformats.org/presentationml/2006/main">
   <p:cSld>
     <p:spTree>
@@ -10217,257 +10589,6 @@
 </p:sld>
 </file>
 
-<file path=ppt/slides/slide29.xml><?xml version="1.0" encoding="utf-8"?>
-<p:sld xmlns:a="http://schemas.openxmlformats.org/drawingml/2006/main" xmlns:r="http://schemas.openxmlformats.org/officeDocument/2006/relationships" xmlns:p="http://schemas.openxmlformats.org/presentationml/2006/main">
-  <p:cSld>
-    <p:spTree>
-      <p:nvGrpSpPr>
-        <p:cNvPr id="1" name=""/>
-        <p:cNvGrpSpPr/>
-        <p:nvPr/>
-      </p:nvGrpSpPr>
-      <p:grpSpPr>
-        <a:xfrm>
-          <a:off x="0" y="0"/>
-          <a:ext cx="0" cy="0"/>
-          <a:chOff x="0" y="0"/>
-          <a:chExt cx="0" cy="0"/>
-        </a:xfrm>
-      </p:grpSpPr>
-      <p:sp>
-        <p:nvSpPr>
-          <p:cNvPr id="2" name="Title 1"/>
-          <p:cNvSpPr>
-            <a:spLocks noGrp="1"/>
-          </p:cNvSpPr>
-          <p:nvPr>
-            <p:ph type="title"/>
-          </p:nvPr>
-        </p:nvSpPr>
-        <p:spPr>
-          <a:xfrm>
-            <a:off x="180975" y="444500"/>
-            <a:ext cx="12544425" cy="2159000"/>
-          </a:xfrm>
-        </p:spPr>
-        <p:txBody>
-          <a:bodyPr>
-            <a:normAutofit/>
-          </a:bodyPr>
-          <a:lstStyle/>
-          <a:p>
-            <a:r>
-              <a:rPr lang="en-US" sz="6000" dirty="0" smtClean="0"/>
-              <a:t>Order Of Growth Classification</a:t>
-            </a:r>
-            <a:endParaRPr lang="en-US" sz="6000" dirty="0"/>
-          </a:p>
-        </p:txBody>
-      </p:sp>
-      <p:sp>
-        <p:nvSpPr>
-          <p:cNvPr id="3" name="Text Placeholder 2"/>
-          <p:cNvSpPr>
-            <a:spLocks noGrp="1"/>
-          </p:cNvSpPr>
-          <p:nvPr>
-            <p:ph type="body" idx="1"/>
-          </p:nvPr>
-        </p:nvSpPr>
-        <p:spPr>
-          <a:xfrm>
-            <a:off x="952499" y="2603500"/>
-            <a:ext cx="11706225" cy="6286500"/>
-          </a:xfrm>
-        </p:spPr>
-        <p:txBody>
-          <a:bodyPr>
-            <a:normAutofit fontScale="85000" lnSpcReduction="10000"/>
-          </a:bodyPr>
-          <a:lstStyle/>
-          <a:p>
-            <a:r>
-              <a:rPr lang="en-US" dirty="0" smtClean="0"/>
-              <a:t>1: </a:t>
-            </a:r>
-            <a:r>
-              <a:rPr lang="en-US" b="1" dirty="0" smtClean="0"/>
-              <a:t>constant </a:t>
-            </a:r>
-            <a:r>
-              <a:rPr lang="en-US" dirty="0" smtClean="0"/>
-              <a:t>(best you can have)</a:t>
-            </a:r>
-            <a:endParaRPr lang="en-US" b="1" dirty="0" smtClean="0"/>
-          </a:p>
-          <a:p>
-            <a:r>
-              <a:rPr lang="en-US" dirty="0" smtClean="0"/>
-              <a:t>log(N): </a:t>
-            </a:r>
-            <a:r>
-              <a:rPr lang="en-US" b="1" dirty="0" smtClean="0"/>
-              <a:t>logarithmic </a:t>
-            </a:r>
-            <a:r>
-              <a:rPr lang="en-US" dirty="0"/>
-              <a:t>(</a:t>
-            </a:r>
-            <a:r>
-              <a:rPr lang="en-US" dirty="0" smtClean="0"/>
-              <a:t>very, very </a:t>
-            </a:r>
-            <a:r>
-              <a:rPr lang="en-US" dirty="0"/>
-              <a:t>efficient</a:t>
-            </a:r>
-            <a:r>
-              <a:rPr lang="en-US" dirty="0" smtClean="0"/>
-              <a:t>)</a:t>
-            </a:r>
-            <a:endParaRPr lang="en-US" b="1" dirty="0" smtClean="0"/>
-          </a:p>
-          <a:p>
-            <a:r>
-              <a:rPr lang="en-US" dirty="0" smtClean="0"/>
-              <a:t>N: </a:t>
-            </a:r>
-            <a:r>
-              <a:rPr lang="en-US" b="1" dirty="0" smtClean="0"/>
-              <a:t>linear  </a:t>
-            </a:r>
-            <a:r>
-              <a:rPr lang="en-US" dirty="0" smtClean="0"/>
-              <a:t>(OK for most cases)</a:t>
-            </a:r>
-            <a:endParaRPr lang="en-US" b="1" dirty="0" smtClean="0"/>
-          </a:p>
-          <a:p>
-            <a:r>
-              <a:rPr lang="en-US" dirty="0" smtClean="0"/>
-              <a:t>N log(N): </a:t>
-            </a:r>
-            <a:r>
-              <a:rPr lang="en-US" b="1" dirty="0" err="1" smtClean="0"/>
-              <a:t>linearithmic</a:t>
-            </a:r>
-            <a:r>
-              <a:rPr lang="en-US" b="1" dirty="0" smtClean="0"/>
-              <a:t>  </a:t>
-            </a:r>
-            <a:r>
-              <a:rPr lang="en-US" dirty="0"/>
-              <a:t>(OK for most cases</a:t>
-            </a:r>
-            <a:r>
-              <a:rPr lang="en-US" dirty="0" smtClean="0"/>
-              <a:t>)</a:t>
-            </a:r>
-            <a:endParaRPr lang="en-US" b="1" dirty="0" smtClean="0"/>
-          </a:p>
-          <a:p>
-            <a:r>
-              <a:rPr lang="en-US" dirty="0" smtClean="0"/>
-              <a:t>N</a:t>
-            </a:r>
-            <a:r>
-              <a:rPr lang="en-US" baseline="60000" dirty="0" smtClean="0"/>
-              <a:t>2</a:t>
-            </a:r>
-            <a:r>
-              <a:rPr lang="en-US" dirty="0" smtClean="0"/>
-              <a:t>: </a:t>
-            </a:r>
-            <a:r>
-              <a:rPr lang="en-US" b="1" dirty="0" smtClean="0"/>
-              <a:t>quadratic  </a:t>
-            </a:r>
-            <a:r>
-              <a:rPr lang="en-US" dirty="0" smtClean="0"/>
-              <a:t>(bearable, but things start to get expensive)</a:t>
-            </a:r>
-            <a:r>
-              <a:rPr lang="en-US" baseline="60000" dirty="0" smtClean="0"/>
-              <a:t> </a:t>
-            </a:r>
-          </a:p>
-          <a:p>
-            <a:r>
-              <a:rPr lang="en-US" dirty="0" smtClean="0"/>
-              <a:t>N</a:t>
-            </a:r>
-            <a:r>
-              <a:rPr lang="en-US" baseline="60000" dirty="0" smtClean="0"/>
-              <a:t>3</a:t>
-            </a:r>
-            <a:r>
-              <a:rPr lang="en-US" dirty="0" smtClean="0"/>
-              <a:t>: </a:t>
-            </a:r>
-            <a:r>
-              <a:rPr lang="en-US" b="1" dirty="0" smtClean="0"/>
-              <a:t>cubic </a:t>
-            </a:r>
-            <a:r>
-              <a:rPr lang="en-US" dirty="0" smtClean="0"/>
-              <a:t>(becoming painful)</a:t>
-            </a:r>
-            <a:endParaRPr lang="en-US" b="1" baseline="60000" dirty="0"/>
-          </a:p>
-          <a:p>
-            <a:r>
-              <a:rPr lang="en-US" dirty="0" smtClean="0"/>
-              <a:t>2</a:t>
-            </a:r>
-            <a:r>
-              <a:rPr lang="en-US" baseline="60000" dirty="0" smtClean="0"/>
-              <a:t>N</a:t>
-            </a:r>
-            <a:r>
-              <a:rPr lang="en-US" dirty="0" smtClean="0"/>
-              <a:t>: </a:t>
-            </a:r>
-            <a:r>
-              <a:rPr lang="en-US" b="1" dirty="0" smtClean="0"/>
-              <a:t>exponential </a:t>
-            </a:r>
-            <a:r>
-              <a:rPr lang="en-US" dirty="0" smtClean="0"/>
-              <a:t>(</a:t>
-            </a:r>
-            <a:r>
-              <a:rPr lang="en-US" i="1" dirty="0" smtClean="0"/>
-              <a:t>completely hopeless</a:t>
-            </a:r>
-            <a:r>
-              <a:rPr lang="en-US" dirty="0" smtClean="0"/>
-              <a:t>, time to cry in a corner)</a:t>
-            </a:r>
-            <a:endParaRPr lang="en-US" b="1" dirty="0" smtClean="0"/>
-          </a:p>
-        </p:txBody>
-      </p:sp>
-    </p:spTree>
-    <p:extLst>
-      <p:ext uri="{BB962C8B-B14F-4D97-AF65-F5344CB8AC3E}">
-        <p14:creationId xmlns:p14="http://schemas.microsoft.com/office/powerpoint/2010/main" val="2102918804"/>
-      </p:ext>
-    </p:extLst>
-  </p:cSld>
-  <p:clrMapOvr>
-    <a:masterClrMapping/>
-  </p:clrMapOvr>
-  <p:transition spd="med"/>
-  <p:timing>
-    <p:tnLst>
-      <p:par>
-        <p:cTn id="1" dur="indefinite" restart="never" nodeType="tmRoot"/>
-      </p:par>
-    </p:tnLst>
-  </p:timing>
-</p:sld>
-</file>
-
 <file path=ppt/slides/slide3.xml><?xml version="1.0" encoding="utf-8"?>
 <p:sld xmlns:a="http://schemas.openxmlformats.org/drawingml/2006/main" xmlns:r="http://schemas.openxmlformats.org/officeDocument/2006/relationships" xmlns:p="http://schemas.openxmlformats.org/presentationml/2006/main">
   <p:cSld>
@@ -10498,24 +10619,38 @@
         <p:spPr>
           <a:xfrm>
             <a:off x="238125" y="4708524"/>
-            <a:ext cx="12363450" cy="3330575"/>
+            <a:ext cx="12363450" cy="4485926"/>
           </a:xfrm>
         </p:spPr>
         <p:txBody>
           <a:bodyPr>
-            <a:normAutofit fontScale="92500"/>
+            <a:normAutofit fontScale="92500" lnSpcReduction="10000"/>
           </a:bodyPr>
           <a:lstStyle/>
           <a:p>
             <a:r>
               <a:rPr lang="en-US" dirty="0" smtClean="0"/>
-              <a:t>Given size of array N, the loop will be taken N times</a:t>
+              <a:t>“Cost” can be measured in number of executed statements</a:t>
             </a:r>
           </a:p>
           <a:p>
             <a:r>
               <a:rPr lang="en-US" dirty="0" smtClean="0"/>
-              <a:t>There is some constant cost, </a:t>
+              <a:t>Given </a:t>
+            </a:r>
+            <a:r>
+              <a:rPr lang="en-US" dirty="0" smtClean="0"/>
+              <a:t>size of array N, the loop will be taken N times</a:t>
+            </a:r>
+          </a:p>
+          <a:p>
+            <a:r>
+              <a:rPr lang="en-US" dirty="0" smtClean="0"/>
+              <a:t>There is some constant </a:t>
+            </a:r>
+            <a:r>
+              <a:rPr lang="en-US" dirty="0" smtClean="0"/>
+              <a:t>cost independent of N, </a:t>
             </a:r>
             <a:r>
               <a:rPr lang="en-US" dirty="0" err="1" smtClean="0"/>
@@ -11282,6 +11417,1073 @@
 </file>
 
 <file path=ppt/slides/slide30.xml><?xml version="1.0" encoding="utf-8"?>
+<p:sld xmlns:a="http://schemas.openxmlformats.org/drawingml/2006/main" xmlns:r="http://schemas.openxmlformats.org/officeDocument/2006/relationships" xmlns:p="http://schemas.openxmlformats.org/presentationml/2006/main">
+  <p:cSld>
+    <p:spTree>
+      <p:nvGrpSpPr>
+        <p:cNvPr id="1" name=""/>
+        <p:cNvGrpSpPr/>
+        <p:nvPr/>
+      </p:nvGrpSpPr>
+      <p:grpSpPr>
+        <a:xfrm>
+          <a:off x="0" y="0"/>
+          <a:ext cx="0" cy="0"/>
+          <a:chOff x="0" y="0"/>
+          <a:chExt cx="0" cy="0"/>
+        </a:xfrm>
+      </p:grpSpPr>
+      <p:sp>
+        <p:nvSpPr>
+          <p:cNvPr id="3" name="Text Placeholder 2"/>
+          <p:cNvSpPr>
+            <a:spLocks noGrp="1"/>
+          </p:cNvSpPr>
+          <p:nvPr>
+            <p:ph type="body" idx="1"/>
+          </p:nvPr>
+        </p:nvSpPr>
+        <p:spPr>
+          <a:xfrm>
+            <a:off x="334229" y="3884622"/>
+            <a:ext cx="11718071" cy="5549463"/>
+          </a:xfrm>
+        </p:spPr>
+        <p:txBody>
+          <a:bodyPr/>
+          <a:lstStyle/>
+          <a:p>
+            <a:r>
+              <a:rPr lang="en-US" dirty="0" smtClean="0"/>
+              <a:t>In this case, the actual cost in number of instructions is </a:t>
+            </a:r>
+            <a:r>
+              <a:rPr lang="en-US" i="1" dirty="0" smtClean="0"/>
+              <a:t>f(n) = 3n + 4</a:t>
+            </a:r>
+          </a:p>
+          <a:p>
+            <a:r>
+              <a:rPr lang="en-US" dirty="0" smtClean="0"/>
+              <a:t>Asymptotically, we can say that </a:t>
+            </a:r>
+            <a:r>
+              <a:rPr lang="en-US" i="1" dirty="0" smtClean="0"/>
+              <a:t>3n+4 = </a:t>
+            </a:r>
+            <a:r>
+              <a:rPr lang="el-GR" i="1" dirty="0" smtClean="0"/>
+              <a:t>Θ</a:t>
+            </a:r>
+            <a:r>
+              <a:rPr lang="en-US" i="1" dirty="0" smtClean="0"/>
+              <a:t>(n)</a:t>
+            </a:r>
+          </a:p>
+          <a:p>
+            <a:r>
+              <a:rPr lang="en-US" dirty="0" smtClean="0"/>
+              <a:t>As the number of instructions does not depend on the content of the array, the </a:t>
+            </a:r>
+            <a:r>
+              <a:rPr lang="en-US" i="1" dirty="0" smtClean="0"/>
+              <a:t>best case </a:t>
+            </a:r>
+            <a:r>
+              <a:rPr lang="en-US" dirty="0" smtClean="0"/>
+              <a:t>and </a:t>
+            </a:r>
+            <a:r>
+              <a:rPr lang="en-US" i="1" dirty="0" smtClean="0"/>
+              <a:t>worst case</a:t>
+            </a:r>
+            <a:r>
+              <a:rPr lang="en-US" dirty="0" smtClean="0"/>
+              <a:t> for the runtime are the </a:t>
+            </a:r>
+            <a:r>
+              <a:rPr lang="en-US" i="1" dirty="0" smtClean="0"/>
+              <a:t>same</a:t>
+            </a:r>
+          </a:p>
+          <a:p>
+            <a:endParaRPr lang="en-US" i="1" dirty="0" smtClean="0"/>
+          </a:p>
+        </p:txBody>
+      </p:sp>
+      <p:sp>
+        <p:nvSpPr>
+          <p:cNvPr id="4" name="Rectangle 1"/>
+          <p:cNvSpPr>
+            <a:spLocks noChangeArrowheads="1"/>
+          </p:cNvSpPr>
+          <p:nvPr/>
+        </p:nvSpPr>
+        <p:spPr bwMode="auto">
+          <a:xfrm>
+            <a:off x="466725" y="1099572"/>
+            <a:ext cx="9124950" cy="2677656"/>
+          </a:xfrm>
+          <a:prstGeom prst="rect">
+            <a:avLst/>
+          </a:prstGeom>
+          <a:solidFill>
+            <a:srgbClr val="FFFFFF"/>
+          </a:solidFill>
+          <a:ln>
+            <a:noFill/>
+          </a:ln>
+          <a:effectLst/>
+          <a:extLst>
+            <a:ext uri="{91240B29-F687-4F45-9708-019B960494DF}">
+              <a14:hiddenLine xmlns:a14="http://schemas.microsoft.com/office/drawing/2010/main" w="9525">
+                <a:solidFill>
+                  <a:schemeClr val="tx1"/>
+                </a:solidFill>
+                <a:miter lim="800000"/>
+                <a:headEnd/>
+                <a:tailEnd/>
+              </a14:hiddenLine>
+            </a:ext>
+            <a:ext uri="{AF507438-7753-43E0-B8FC-AC1667EBCBE1}">
+              <a14:hiddenEffects xmlns:a14="http://schemas.microsoft.com/office/drawing/2010/main">
+                <a:effectLst>
+                  <a:outerShdw dist="35921" dir="2700000" algn="ctr" rotWithShape="0">
+                    <a:schemeClr val="bg2"/>
+                  </a:outerShdw>
+                </a:effectLst>
+              </a14:hiddenEffects>
+            </a:ext>
+          </a:extLst>
+        </p:spPr>
+        <p:txBody>
+          <a:bodyPr vert="horz" wrap="square" lIns="91440" tIns="45720" rIns="91440" bIns="45720" numCol="1" anchor="ctr" anchorCtr="0" compatLnSpc="1">
+            <a:prstTxWarp prst="textNoShape">
+              <a:avLst/>
+            </a:prstTxWarp>
+            <a:spAutoFit/>
+          </a:bodyPr>
+          <a:lstStyle/>
+          <a:p>
+            <a:pPr marL="0" marR="0" lvl="0" indent="0" algn="l" defTabSz="914400" rtl="0" eaLnBrk="0" fontAlgn="base" latinLnBrk="0" hangingPunct="0">
+              <a:lnSpc>
+                <a:spcPct val="100000"/>
+              </a:lnSpc>
+              <a:spcBef>
+                <a:spcPct val="0"/>
+              </a:spcBef>
+              <a:spcAft>
+                <a:spcPct val="0"/>
+              </a:spcAft>
+              <a:buClrTx/>
+              <a:buSzTx/>
+              <a:buFontTx/>
+              <a:buNone/>
+              <a:tabLst/>
+            </a:pPr>
+            <a:r>
+              <a:rPr kumimoji="0" lang="en-US" altLang="en-US" sz="2400" b="1" i="0" u="none" strike="noStrike" cap="none" normalizeH="0" baseline="0" dirty="0" smtClean="0">
+                <a:ln>
+                  <a:noFill/>
+                </a:ln>
+                <a:solidFill>
+                  <a:srgbClr val="000080"/>
+                </a:solidFill>
+                <a:effectLst/>
+                <a:latin typeface="Courier New" panose="02070309020205020404" pitchFamily="49" charset="0"/>
+                <a:cs typeface="Courier New" panose="02070309020205020404" pitchFamily="49" charset="0"/>
+              </a:rPr>
+              <a:t>public static </a:t>
+            </a:r>
+            <a:r>
+              <a:rPr kumimoji="0" lang="en-US" altLang="en-US" sz="2400" b="1" i="0" u="none" strike="noStrike" cap="none" normalizeH="0" baseline="0" dirty="0" err="1" smtClean="0">
+                <a:ln>
+                  <a:noFill/>
+                </a:ln>
+                <a:solidFill>
+                  <a:srgbClr val="000080"/>
+                </a:solidFill>
+                <a:effectLst/>
+                <a:latin typeface="Courier New" panose="02070309020205020404" pitchFamily="49" charset="0"/>
+                <a:cs typeface="Courier New" panose="02070309020205020404" pitchFamily="49" charset="0"/>
+              </a:rPr>
+              <a:t>int</a:t>
+            </a:r>
+            <a:r>
+              <a:rPr kumimoji="0" lang="en-US" altLang="en-US" sz="2400" b="1" i="0" u="none" strike="noStrike" cap="none" normalizeH="0" baseline="0" dirty="0" smtClean="0">
+                <a:ln>
+                  <a:noFill/>
+                </a:ln>
+                <a:solidFill>
+                  <a:srgbClr val="000080"/>
+                </a:solidFill>
+                <a:effectLst/>
+                <a:latin typeface="Courier New" panose="02070309020205020404" pitchFamily="49" charset="0"/>
+                <a:cs typeface="Courier New" panose="02070309020205020404" pitchFamily="49" charset="0"/>
+              </a:rPr>
+              <a:t> </a:t>
+            </a:r>
+            <a:r>
+              <a:rPr kumimoji="0" lang="en-US" altLang="en-US" sz="2400" b="0" i="0" u="none" strike="noStrike" cap="none" normalizeH="0" baseline="0" dirty="0" smtClean="0">
+                <a:ln>
+                  <a:noFill/>
+                </a:ln>
+                <a:solidFill>
+                  <a:srgbClr val="000000"/>
+                </a:solidFill>
+                <a:effectLst/>
+                <a:latin typeface="Courier New" panose="02070309020205020404" pitchFamily="49" charset="0"/>
+                <a:cs typeface="Courier New" panose="02070309020205020404" pitchFamily="49" charset="0"/>
+              </a:rPr>
+              <a:t>sum(</a:t>
+            </a:r>
+            <a:r>
+              <a:rPr kumimoji="0" lang="en-US" altLang="en-US" sz="2400" b="1" i="0" u="none" strike="noStrike" cap="none" normalizeH="0" baseline="0" dirty="0" err="1" smtClean="0">
+                <a:ln>
+                  <a:noFill/>
+                </a:ln>
+                <a:solidFill>
+                  <a:srgbClr val="000080"/>
+                </a:solidFill>
+                <a:effectLst/>
+                <a:latin typeface="Courier New" panose="02070309020205020404" pitchFamily="49" charset="0"/>
+                <a:cs typeface="Courier New" panose="02070309020205020404" pitchFamily="49" charset="0"/>
+              </a:rPr>
+              <a:t>int</a:t>
+            </a:r>
+            <a:r>
+              <a:rPr kumimoji="0" lang="en-US" altLang="en-US" sz="2400" b="0" i="0" u="none" strike="noStrike" cap="none" normalizeH="0" baseline="0" dirty="0" smtClean="0">
+                <a:ln>
+                  <a:noFill/>
+                </a:ln>
+                <a:solidFill>
+                  <a:srgbClr val="000000"/>
+                </a:solidFill>
+                <a:effectLst/>
+                <a:latin typeface="Courier New" panose="02070309020205020404" pitchFamily="49" charset="0"/>
+                <a:cs typeface="Courier New" panose="02070309020205020404" pitchFamily="49" charset="0"/>
+              </a:rPr>
+              <a:t>[] array</a:t>
+            </a:r>
+            <a:r>
+              <a:rPr kumimoji="0" lang="en-US" altLang="en-US" sz="2400" b="0" i="0" u="none" strike="noStrike" cap="none" normalizeH="0" baseline="0" dirty="0" smtClean="0">
+                <a:ln>
+                  <a:noFill/>
+                </a:ln>
+                <a:solidFill>
+                  <a:srgbClr val="000000"/>
+                </a:solidFill>
+                <a:effectLst/>
+                <a:latin typeface="Courier New" panose="02070309020205020404" pitchFamily="49" charset="0"/>
+                <a:cs typeface="Courier New" panose="02070309020205020404" pitchFamily="49" charset="0"/>
+              </a:rPr>
+              <a:t>){</a:t>
+            </a:r>
+            <a:r>
+              <a:rPr kumimoji="0" lang="en-US" altLang="en-US" sz="2400" b="0" i="0" u="none" strike="noStrike" cap="none" normalizeH="0" baseline="0" dirty="0" smtClean="0">
+                <a:ln>
+                  <a:noFill/>
+                </a:ln>
+                <a:solidFill>
+                  <a:srgbClr val="000000"/>
+                </a:solidFill>
+                <a:effectLst/>
+                <a:latin typeface="Courier New" panose="02070309020205020404" pitchFamily="49" charset="0"/>
+                <a:cs typeface="Courier New" panose="02070309020205020404" pitchFamily="49" charset="0"/>
+              </a:rPr>
+              <a:t/>
+            </a:r>
+            <a:br>
+              <a:rPr kumimoji="0" lang="en-US" altLang="en-US" sz="2400" b="0" i="0" u="none" strike="noStrike" cap="none" normalizeH="0" baseline="0" dirty="0" smtClean="0">
+                <a:ln>
+                  <a:noFill/>
+                </a:ln>
+                <a:solidFill>
+                  <a:srgbClr val="000000"/>
+                </a:solidFill>
+                <a:effectLst/>
+                <a:latin typeface="Courier New" panose="02070309020205020404" pitchFamily="49" charset="0"/>
+                <a:cs typeface="Courier New" panose="02070309020205020404" pitchFamily="49" charset="0"/>
+              </a:rPr>
+            </a:br>
+            <a:r>
+              <a:rPr kumimoji="0" lang="en-US" altLang="en-US" sz="2400" b="0" i="0" u="none" strike="noStrike" cap="none" normalizeH="0" baseline="0" dirty="0" smtClean="0">
+                <a:ln>
+                  <a:noFill/>
+                </a:ln>
+                <a:solidFill>
+                  <a:srgbClr val="000000"/>
+                </a:solidFill>
+                <a:effectLst/>
+                <a:latin typeface="Courier New" panose="02070309020205020404" pitchFamily="49" charset="0"/>
+                <a:cs typeface="Courier New" panose="02070309020205020404" pitchFamily="49" charset="0"/>
+              </a:rPr>
+              <a:t>   </a:t>
+            </a:r>
+            <a:r>
+              <a:rPr kumimoji="0" lang="en-US" altLang="en-US" sz="2400" b="0" i="0" u="none" strike="noStrike" cap="none" normalizeH="0" baseline="0" dirty="0" smtClean="0">
+                <a:ln>
+                  <a:noFill/>
+                </a:ln>
+                <a:solidFill>
+                  <a:srgbClr val="000000"/>
+                </a:solidFill>
+                <a:effectLst/>
+                <a:latin typeface="Courier New" panose="02070309020205020404" pitchFamily="49" charset="0"/>
+                <a:cs typeface="Courier New" panose="02070309020205020404" pitchFamily="49" charset="0"/>
+              </a:rPr>
+              <a:t> </a:t>
+            </a:r>
+            <a:r>
+              <a:rPr kumimoji="0" lang="en-US" altLang="en-US" sz="2400" b="1" i="0" u="none" strike="noStrike" cap="none" normalizeH="0" baseline="0" dirty="0" err="1" smtClean="0">
+                <a:ln>
+                  <a:noFill/>
+                </a:ln>
+                <a:solidFill>
+                  <a:srgbClr val="000080"/>
+                </a:solidFill>
+                <a:effectLst/>
+                <a:latin typeface="Courier New" panose="02070309020205020404" pitchFamily="49" charset="0"/>
+                <a:cs typeface="Courier New" panose="02070309020205020404" pitchFamily="49" charset="0"/>
+              </a:rPr>
+              <a:t>int</a:t>
+            </a:r>
+            <a:r>
+              <a:rPr kumimoji="0" lang="en-US" altLang="en-US" sz="2400" b="1" i="0" u="none" strike="noStrike" cap="none" normalizeH="0" baseline="0" dirty="0" smtClean="0">
+                <a:ln>
+                  <a:noFill/>
+                </a:ln>
+                <a:solidFill>
+                  <a:srgbClr val="000080"/>
+                </a:solidFill>
+                <a:effectLst/>
+                <a:latin typeface="Courier New" panose="02070309020205020404" pitchFamily="49" charset="0"/>
+                <a:cs typeface="Courier New" panose="02070309020205020404" pitchFamily="49" charset="0"/>
+              </a:rPr>
+              <a:t> </a:t>
+            </a:r>
+            <a:r>
+              <a:rPr kumimoji="0" lang="en-US" altLang="en-US" sz="2400" b="0" i="0" u="none" strike="noStrike" cap="none" normalizeH="0" baseline="0" dirty="0" smtClean="0">
+                <a:ln>
+                  <a:noFill/>
+                </a:ln>
+                <a:solidFill>
+                  <a:srgbClr val="000000"/>
+                </a:solidFill>
+                <a:effectLst/>
+                <a:latin typeface="Courier New" panose="02070309020205020404" pitchFamily="49" charset="0"/>
+                <a:cs typeface="Courier New" panose="02070309020205020404" pitchFamily="49" charset="0"/>
+              </a:rPr>
+              <a:t>sum = </a:t>
+            </a:r>
+            <a:r>
+              <a:rPr kumimoji="0" lang="en-US" altLang="en-US" sz="2400" b="0" i="0" u="none" strike="noStrike" cap="none" normalizeH="0" baseline="0" dirty="0" smtClean="0">
+                <a:ln>
+                  <a:noFill/>
+                </a:ln>
+                <a:solidFill>
+                  <a:srgbClr val="0000FF"/>
+                </a:solidFill>
+                <a:effectLst/>
+                <a:latin typeface="Courier New" panose="02070309020205020404" pitchFamily="49" charset="0"/>
+                <a:cs typeface="Courier New" panose="02070309020205020404" pitchFamily="49" charset="0"/>
+              </a:rPr>
+              <a:t>0</a:t>
+            </a:r>
+            <a:r>
+              <a:rPr kumimoji="0" lang="en-US" altLang="en-US" sz="2400" b="0" i="0" u="none" strike="noStrike" cap="none" normalizeH="0" baseline="0" dirty="0" smtClean="0">
+                <a:ln>
+                  <a:noFill/>
+                </a:ln>
+                <a:solidFill>
+                  <a:srgbClr val="000000"/>
+                </a:solidFill>
+                <a:effectLst/>
+                <a:latin typeface="Courier New" panose="02070309020205020404" pitchFamily="49" charset="0"/>
+                <a:cs typeface="Courier New" panose="02070309020205020404" pitchFamily="49" charset="0"/>
+              </a:rPr>
+              <a:t>;</a:t>
+            </a:r>
+            <a:br>
+              <a:rPr kumimoji="0" lang="en-US" altLang="en-US" sz="2400" b="0" i="0" u="none" strike="noStrike" cap="none" normalizeH="0" baseline="0" dirty="0" smtClean="0">
+                <a:ln>
+                  <a:noFill/>
+                </a:ln>
+                <a:solidFill>
+                  <a:srgbClr val="000000"/>
+                </a:solidFill>
+                <a:effectLst/>
+                <a:latin typeface="Courier New" panose="02070309020205020404" pitchFamily="49" charset="0"/>
+                <a:cs typeface="Courier New" panose="02070309020205020404" pitchFamily="49" charset="0"/>
+              </a:rPr>
+            </a:br>
+            <a:r>
+              <a:rPr kumimoji="0" lang="en-US" altLang="en-US" sz="2400" b="0" i="0" u="none" strike="noStrike" cap="none" normalizeH="0" baseline="0" dirty="0" smtClean="0">
+                <a:ln>
+                  <a:noFill/>
+                </a:ln>
+                <a:solidFill>
+                  <a:srgbClr val="000000"/>
+                </a:solidFill>
+                <a:effectLst/>
+                <a:latin typeface="Courier New" panose="02070309020205020404" pitchFamily="49" charset="0"/>
+                <a:cs typeface="Courier New" panose="02070309020205020404" pitchFamily="49" charset="0"/>
+              </a:rPr>
+              <a:t>    </a:t>
+            </a:r>
+            <a:r>
+              <a:rPr kumimoji="0" lang="en-US" altLang="en-US" sz="2400" b="1" i="0" u="none" strike="noStrike" cap="none" normalizeH="0" baseline="0" dirty="0" smtClean="0">
+                <a:ln>
+                  <a:noFill/>
+                </a:ln>
+                <a:solidFill>
+                  <a:srgbClr val="000080"/>
+                </a:solidFill>
+                <a:effectLst/>
+                <a:latin typeface="Courier New" panose="02070309020205020404" pitchFamily="49" charset="0"/>
+                <a:cs typeface="Courier New" panose="02070309020205020404" pitchFamily="49" charset="0"/>
+              </a:rPr>
+              <a:t>for</a:t>
+            </a:r>
+            <a:r>
+              <a:rPr kumimoji="0" lang="en-US" altLang="en-US" sz="2400" b="0" i="0" u="none" strike="noStrike" cap="none" normalizeH="0" baseline="0" dirty="0" smtClean="0">
+                <a:ln>
+                  <a:noFill/>
+                </a:ln>
+                <a:solidFill>
+                  <a:srgbClr val="000000"/>
+                </a:solidFill>
+                <a:effectLst/>
+                <a:latin typeface="Courier New" panose="02070309020205020404" pitchFamily="49" charset="0"/>
+                <a:cs typeface="Courier New" panose="02070309020205020404" pitchFamily="49" charset="0"/>
+              </a:rPr>
+              <a:t>(</a:t>
+            </a:r>
+            <a:r>
+              <a:rPr kumimoji="0" lang="en-US" altLang="en-US" sz="2400" b="1" i="0" u="none" strike="noStrike" cap="none" normalizeH="0" baseline="0" dirty="0" err="1" smtClean="0">
+                <a:ln>
+                  <a:noFill/>
+                </a:ln>
+                <a:solidFill>
+                  <a:srgbClr val="000080"/>
+                </a:solidFill>
+                <a:effectLst/>
+                <a:latin typeface="Courier New" panose="02070309020205020404" pitchFamily="49" charset="0"/>
+                <a:cs typeface="Courier New" panose="02070309020205020404" pitchFamily="49" charset="0"/>
+              </a:rPr>
+              <a:t>int</a:t>
+            </a:r>
+            <a:r>
+              <a:rPr kumimoji="0" lang="en-US" altLang="en-US" sz="2400" b="1" i="0" u="none" strike="noStrike" cap="none" normalizeH="0" baseline="0" dirty="0" smtClean="0">
+                <a:ln>
+                  <a:noFill/>
+                </a:ln>
+                <a:solidFill>
+                  <a:srgbClr val="000080"/>
+                </a:solidFill>
+                <a:effectLst/>
+                <a:latin typeface="Courier New" panose="02070309020205020404" pitchFamily="49" charset="0"/>
+                <a:cs typeface="Courier New" panose="02070309020205020404" pitchFamily="49" charset="0"/>
+              </a:rPr>
+              <a:t> </a:t>
+            </a:r>
+            <a:r>
+              <a:rPr kumimoji="0" lang="en-US" altLang="en-US" sz="2400" b="0" i="0" u="none" strike="noStrike" cap="none" normalizeH="0" baseline="0" dirty="0" err="1" smtClean="0">
+                <a:ln>
+                  <a:noFill/>
+                </a:ln>
+                <a:solidFill>
+                  <a:srgbClr val="000000"/>
+                </a:solidFill>
+                <a:effectLst/>
+                <a:latin typeface="Courier New" panose="02070309020205020404" pitchFamily="49" charset="0"/>
+                <a:cs typeface="Courier New" panose="02070309020205020404" pitchFamily="49" charset="0"/>
+              </a:rPr>
+              <a:t>i</a:t>
+            </a:r>
+            <a:r>
+              <a:rPr kumimoji="0" lang="en-US" altLang="en-US" sz="2400" b="0" i="0" u="none" strike="noStrike" cap="none" normalizeH="0" baseline="0" dirty="0" smtClean="0">
+                <a:ln>
+                  <a:noFill/>
+                </a:ln>
+                <a:solidFill>
+                  <a:srgbClr val="000000"/>
+                </a:solidFill>
+                <a:effectLst/>
+                <a:latin typeface="Courier New" panose="02070309020205020404" pitchFamily="49" charset="0"/>
+                <a:cs typeface="Courier New" panose="02070309020205020404" pitchFamily="49" charset="0"/>
+              </a:rPr>
+              <a:t>=</a:t>
+            </a:r>
+            <a:r>
+              <a:rPr kumimoji="0" lang="en-US" altLang="en-US" sz="2400" b="0" i="0" u="none" strike="noStrike" cap="none" normalizeH="0" baseline="0" dirty="0" smtClean="0">
+                <a:ln>
+                  <a:noFill/>
+                </a:ln>
+                <a:solidFill>
+                  <a:srgbClr val="0000FF"/>
+                </a:solidFill>
+                <a:effectLst/>
+                <a:latin typeface="Courier New" panose="02070309020205020404" pitchFamily="49" charset="0"/>
+                <a:cs typeface="Courier New" panose="02070309020205020404" pitchFamily="49" charset="0"/>
+              </a:rPr>
+              <a:t>0</a:t>
+            </a:r>
+            <a:r>
+              <a:rPr kumimoji="0" lang="en-US" altLang="en-US" sz="2400" b="0" i="0" u="none" strike="noStrike" cap="none" normalizeH="0" baseline="0" dirty="0" smtClean="0">
+                <a:ln>
+                  <a:noFill/>
+                </a:ln>
+                <a:solidFill>
+                  <a:srgbClr val="000000"/>
+                </a:solidFill>
+                <a:effectLst/>
+                <a:latin typeface="Courier New" panose="02070309020205020404" pitchFamily="49" charset="0"/>
+                <a:cs typeface="Courier New" panose="02070309020205020404" pitchFamily="49" charset="0"/>
+              </a:rPr>
+              <a:t>; </a:t>
+            </a:r>
+            <a:r>
+              <a:rPr kumimoji="0" lang="en-US" altLang="en-US" sz="2400" b="0" i="0" u="none" strike="noStrike" cap="none" normalizeH="0" baseline="0" dirty="0" err="1" smtClean="0">
+                <a:ln>
+                  <a:noFill/>
+                </a:ln>
+                <a:solidFill>
+                  <a:srgbClr val="000000"/>
+                </a:solidFill>
+                <a:effectLst/>
+                <a:latin typeface="Courier New" panose="02070309020205020404" pitchFamily="49" charset="0"/>
+                <a:cs typeface="Courier New" panose="02070309020205020404" pitchFamily="49" charset="0"/>
+              </a:rPr>
+              <a:t>i</a:t>
+            </a:r>
+            <a:r>
+              <a:rPr kumimoji="0" lang="en-US" altLang="en-US" sz="2400" b="0" i="0" u="none" strike="noStrike" cap="none" normalizeH="0" baseline="0" dirty="0" smtClean="0">
+                <a:ln>
+                  <a:noFill/>
+                </a:ln>
+                <a:solidFill>
+                  <a:srgbClr val="000000"/>
+                </a:solidFill>
+                <a:effectLst/>
+                <a:latin typeface="Courier New" panose="02070309020205020404" pitchFamily="49" charset="0"/>
+                <a:cs typeface="Courier New" panose="02070309020205020404" pitchFamily="49" charset="0"/>
+              </a:rPr>
+              <a:t>&lt;</a:t>
+            </a:r>
+            <a:r>
+              <a:rPr kumimoji="0" lang="en-US" altLang="en-US" sz="2400" b="0" i="0" u="none" strike="noStrike" cap="none" normalizeH="0" baseline="0" dirty="0" err="1" smtClean="0">
+                <a:ln>
+                  <a:noFill/>
+                </a:ln>
+                <a:solidFill>
+                  <a:srgbClr val="000000"/>
+                </a:solidFill>
+                <a:effectLst/>
+                <a:latin typeface="Courier New" panose="02070309020205020404" pitchFamily="49" charset="0"/>
+                <a:cs typeface="Courier New" panose="02070309020205020404" pitchFamily="49" charset="0"/>
+              </a:rPr>
+              <a:t>array.</a:t>
+            </a:r>
+            <a:r>
+              <a:rPr kumimoji="0" lang="en-US" altLang="en-US" sz="2400" b="1" i="0" u="none" strike="noStrike" cap="none" normalizeH="0" baseline="0" dirty="0" err="1" smtClean="0">
+                <a:ln>
+                  <a:noFill/>
+                </a:ln>
+                <a:solidFill>
+                  <a:srgbClr val="660E7A"/>
+                </a:solidFill>
+                <a:effectLst/>
+                <a:latin typeface="Courier New" panose="02070309020205020404" pitchFamily="49" charset="0"/>
+                <a:cs typeface="Courier New" panose="02070309020205020404" pitchFamily="49" charset="0"/>
+              </a:rPr>
+              <a:t>length</a:t>
+            </a:r>
+            <a:r>
+              <a:rPr kumimoji="0" lang="en-US" altLang="en-US" sz="2400" b="0" i="0" u="none" strike="noStrike" cap="none" normalizeH="0" baseline="0" dirty="0" smtClean="0">
+                <a:ln>
+                  <a:noFill/>
+                </a:ln>
+                <a:solidFill>
+                  <a:srgbClr val="000000"/>
+                </a:solidFill>
+                <a:effectLst/>
+                <a:latin typeface="Courier New" panose="02070309020205020404" pitchFamily="49" charset="0"/>
+                <a:cs typeface="Courier New" panose="02070309020205020404" pitchFamily="49" charset="0"/>
+              </a:rPr>
+              <a:t>; </a:t>
+            </a:r>
+            <a:r>
+              <a:rPr kumimoji="0" lang="en-US" altLang="en-US" sz="2400" b="0" i="0" u="none" strike="noStrike" cap="none" normalizeH="0" baseline="0" dirty="0" err="1" smtClean="0">
+                <a:ln>
+                  <a:noFill/>
+                </a:ln>
+                <a:solidFill>
+                  <a:srgbClr val="000000"/>
+                </a:solidFill>
+                <a:effectLst/>
+                <a:latin typeface="Courier New" panose="02070309020205020404" pitchFamily="49" charset="0"/>
+                <a:cs typeface="Courier New" panose="02070309020205020404" pitchFamily="49" charset="0"/>
+              </a:rPr>
+              <a:t>i</a:t>
+            </a:r>
+            <a:r>
+              <a:rPr kumimoji="0" lang="en-US" altLang="en-US" sz="2400" b="0" i="0" u="none" strike="noStrike" cap="none" normalizeH="0" baseline="0" dirty="0" smtClean="0">
+                <a:ln>
+                  <a:noFill/>
+                </a:ln>
+                <a:solidFill>
+                  <a:srgbClr val="000000"/>
+                </a:solidFill>
+                <a:effectLst/>
+                <a:latin typeface="Courier New" panose="02070309020205020404" pitchFamily="49" charset="0"/>
+                <a:cs typeface="Courier New" panose="02070309020205020404" pitchFamily="49" charset="0"/>
+              </a:rPr>
+              <a:t>++){</a:t>
+            </a:r>
+            <a:br>
+              <a:rPr kumimoji="0" lang="en-US" altLang="en-US" sz="2400" b="0" i="0" u="none" strike="noStrike" cap="none" normalizeH="0" baseline="0" dirty="0" smtClean="0">
+                <a:ln>
+                  <a:noFill/>
+                </a:ln>
+                <a:solidFill>
+                  <a:srgbClr val="000000"/>
+                </a:solidFill>
+                <a:effectLst/>
+                <a:latin typeface="Courier New" panose="02070309020205020404" pitchFamily="49" charset="0"/>
+                <a:cs typeface="Courier New" panose="02070309020205020404" pitchFamily="49" charset="0"/>
+              </a:rPr>
+            </a:br>
+            <a:r>
+              <a:rPr kumimoji="0" lang="en-US" altLang="en-US" sz="2400" b="0" i="0" u="none" strike="noStrike" cap="none" normalizeH="0" baseline="0" dirty="0" smtClean="0">
+                <a:ln>
+                  <a:noFill/>
+                </a:ln>
+                <a:solidFill>
+                  <a:srgbClr val="000000"/>
+                </a:solidFill>
+                <a:effectLst/>
+                <a:latin typeface="Courier New" panose="02070309020205020404" pitchFamily="49" charset="0"/>
+                <a:cs typeface="Courier New" panose="02070309020205020404" pitchFamily="49" charset="0"/>
+              </a:rPr>
+              <a:t>        sum += array[</a:t>
+            </a:r>
+            <a:r>
+              <a:rPr kumimoji="0" lang="en-US" altLang="en-US" sz="2400" b="0" i="0" u="none" strike="noStrike" cap="none" normalizeH="0" baseline="0" dirty="0" err="1" smtClean="0">
+                <a:ln>
+                  <a:noFill/>
+                </a:ln>
+                <a:solidFill>
+                  <a:srgbClr val="000000"/>
+                </a:solidFill>
+                <a:effectLst/>
+                <a:latin typeface="Courier New" panose="02070309020205020404" pitchFamily="49" charset="0"/>
+                <a:cs typeface="Courier New" panose="02070309020205020404" pitchFamily="49" charset="0"/>
+              </a:rPr>
+              <a:t>i</a:t>
+            </a:r>
+            <a:r>
+              <a:rPr kumimoji="0" lang="en-US" altLang="en-US" sz="2400" b="0" i="0" u="none" strike="noStrike" cap="none" normalizeH="0" baseline="0" dirty="0" smtClean="0">
+                <a:ln>
+                  <a:noFill/>
+                </a:ln>
+                <a:solidFill>
+                  <a:srgbClr val="000000"/>
+                </a:solidFill>
+                <a:effectLst/>
+                <a:latin typeface="Courier New" panose="02070309020205020404" pitchFamily="49" charset="0"/>
+                <a:cs typeface="Courier New" panose="02070309020205020404" pitchFamily="49" charset="0"/>
+              </a:rPr>
+              <a:t>];</a:t>
+            </a:r>
+            <a:br>
+              <a:rPr kumimoji="0" lang="en-US" altLang="en-US" sz="2400" b="0" i="0" u="none" strike="noStrike" cap="none" normalizeH="0" baseline="0" dirty="0" smtClean="0">
+                <a:ln>
+                  <a:noFill/>
+                </a:ln>
+                <a:solidFill>
+                  <a:srgbClr val="000000"/>
+                </a:solidFill>
+                <a:effectLst/>
+                <a:latin typeface="Courier New" panose="02070309020205020404" pitchFamily="49" charset="0"/>
+                <a:cs typeface="Courier New" panose="02070309020205020404" pitchFamily="49" charset="0"/>
+              </a:rPr>
+            </a:br>
+            <a:r>
+              <a:rPr kumimoji="0" lang="en-US" altLang="en-US" sz="2400" b="0" i="0" u="none" strike="noStrike" cap="none" normalizeH="0" baseline="0" dirty="0" smtClean="0">
+                <a:ln>
+                  <a:noFill/>
+                </a:ln>
+                <a:solidFill>
+                  <a:srgbClr val="000000"/>
+                </a:solidFill>
+                <a:effectLst/>
+                <a:latin typeface="Courier New" panose="02070309020205020404" pitchFamily="49" charset="0"/>
+                <a:cs typeface="Courier New" panose="02070309020205020404" pitchFamily="49" charset="0"/>
+              </a:rPr>
+              <a:t>    }</a:t>
+            </a:r>
+            <a:br>
+              <a:rPr kumimoji="0" lang="en-US" altLang="en-US" sz="2400" b="0" i="0" u="none" strike="noStrike" cap="none" normalizeH="0" baseline="0" dirty="0" smtClean="0">
+                <a:ln>
+                  <a:noFill/>
+                </a:ln>
+                <a:solidFill>
+                  <a:srgbClr val="000000"/>
+                </a:solidFill>
+                <a:effectLst/>
+                <a:latin typeface="Courier New" panose="02070309020205020404" pitchFamily="49" charset="0"/>
+                <a:cs typeface="Courier New" panose="02070309020205020404" pitchFamily="49" charset="0"/>
+              </a:rPr>
+            </a:br>
+            <a:r>
+              <a:rPr kumimoji="0" lang="en-US" altLang="en-US" sz="2400" b="0" i="0" u="none" strike="noStrike" cap="none" normalizeH="0" baseline="0" dirty="0" smtClean="0">
+                <a:ln>
+                  <a:noFill/>
+                </a:ln>
+                <a:solidFill>
+                  <a:srgbClr val="000000"/>
+                </a:solidFill>
+                <a:effectLst/>
+                <a:latin typeface="Courier New" panose="02070309020205020404" pitchFamily="49" charset="0"/>
+                <a:cs typeface="Courier New" panose="02070309020205020404" pitchFamily="49" charset="0"/>
+              </a:rPr>
+              <a:t>    </a:t>
+            </a:r>
+            <a:r>
+              <a:rPr kumimoji="0" lang="en-US" altLang="en-US" sz="2400" b="1" i="0" u="none" strike="noStrike" cap="none" normalizeH="0" baseline="0" dirty="0" smtClean="0">
+                <a:ln>
+                  <a:noFill/>
+                </a:ln>
+                <a:solidFill>
+                  <a:srgbClr val="000080"/>
+                </a:solidFill>
+                <a:effectLst/>
+                <a:latin typeface="Courier New" panose="02070309020205020404" pitchFamily="49" charset="0"/>
+                <a:cs typeface="Courier New" panose="02070309020205020404" pitchFamily="49" charset="0"/>
+              </a:rPr>
+              <a:t>return </a:t>
+            </a:r>
+            <a:r>
+              <a:rPr kumimoji="0" lang="en-US" altLang="en-US" sz="2400" b="0" i="0" u="none" strike="noStrike" cap="none" normalizeH="0" baseline="0" dirty="0" smtClean="0">
+                <a:ln>
+                  <a:noFill/>
+                </a:ln>
+                <a:solidFill>
+                  <a:srgbClr val="000000"/>
+                </a:solidFill>
+                <a:effectLst/>
+                <a:latin typeface="Courier New" panose="02070309020205020404" pitchFamily="49" charset="0"/>
+                <a:cs typeface="Courier New" panose="02070309020205020404" pitchFamily="49" charset="0"/>
+              </a:rPr>
+              <a:t>sum;</a:t>
+            </a:r>
+            <a:br>
+              <a:rPr kumimoji="0" lang="en-US" altLang="en-US" sz="2400" b="0" i="0" u="none" strike="noStrike" cap="none" normalizeH="0" baseline="0" dirty="0" smtClean="0">
+                <a:ln>
+                  <a:noFill/>
+                </a:ln>
+                <a:solidFill>
+                  <a:srgbClr val="000000"/>
+                </a:solidFill>
+                <a:effectLst/>
+                <a:latin typeface="Courier New" panose="02070309020205020404" pitchFamily="49" charset="0"/>
+                <a:cs typeface="Courier New" panose="02070309020205020404" pitchFamily="49" charset="0"/>
+              </a:rPr>
+            </a:br>
+            <a:r>
+              <a:rPr kumimoji="0" lang="en-US" altLang="en-US" sz="2400" b="0" i="0" u="none" strike="noStrike" cap="none" normalizeH="0" baseline="0" dirty="0" smtClean="0">
+                <a:ln>
+                  <a:noFill/>
+                </a:ln>
+                <a:solidFill>
+                  <a:srgbClr val="000000"/>
+                </a:solidFill>
+                <a:effectLst/>
+                <a:latin typeface="Courier New" panose="02070309020205020404" pitchFamily="49" charset="0"/>
+                <a:cs typeface="Courier New" panose="02070309020205020404" pitchFamily="49" charset="0"/>
+              </a:rPr>
+              <a:t>}</a:t>
+            </a:r>
+            <a:endParaRPr kumimoji="0" lang="en-US" altLang="en-US" sz="2400" b="0" i="0" u="none" strike="noStrike" cap="none" normalizeH="0" baseline="0" dirty="0" smtClean="0">
+              <a:ln>
+                <a:noFill/>
+              </a:ln>
+              <a:solidFill>
+                <a:schemeClr val="tx1"/>
+              </a:solidFill>
+              <a:effectLst/>
+              <a:latin typeface="Arial" panose="020B0604020202020204" pitchFamily="34" charset="0"/>
+            </a:endParaRPr>
+          </a:p>
+        </p:txBody>
+      </p:sp>
+    </p:spTree>
+    <p:extLst>
+      <p:ext uri="{BB962C8B-B14F-4D97-AF65-F5344CB8AC3E}">
+        <p14:creationId xmlns:p14="http://schemas.microsoft.com/office/powerpoint/2010/main" val="630439817"/>
+      </p:ext>
+    </p:extLst>
+  </p:cSld>
+  <p:clrMapOvr>
+    <a:masterClrMapping/>
+  </p:clrMapOvr>
+  <p:transition spd="med"/>
+</p:sld>
+</file>
+
+<file path=ppt/slides/slide31.xml><?xml version="1.0" encoding="utf-8"?>
+<p:sld xmlns:a="http://schemas.openxmlformats.org/drawingml/2006/main" xmlns:r="http://schemas.openxmlformats.org/officeDocument/2006/relationships" xmlns:p="http://schemas.openxmlformats.org/presentationml/2006/main">
+  <p:cSld>
+    <p:spTree>
+      <p:nvGrpSpPr>
+        <p:cNvPr id="1" name=""/>
+        <p:cNvGrpSpPr/>
+        <p:nvPr/>
+      </p:nvGrpSpPr>
+      <p:grpSpPr>
+        <a:xfrm>
+          <a:off x="0" y="0"/>
+          <a:ext cx="0" cy="0"/>
+          <a:chOff x="0" y="0"/>
+          <a:chExt cx="0" cy="0"/>
+        </a:xfrm>
+      </p:grpSpPr>
+      <p:sp>
+        <p:nvSpPr>
+          <p:cNvPr id="2" name="Title 1"/>
+          <p:cNvSpPr>
+            <a:spLocks noGrp="1"/>
+          </p:cNvSpPr>
+          <p:nvPr>
+            <p:ph type="title"/>
+          </p:nvPr>
+        </p:nvSpPr>
+        <p:spPr>
+          <a:xfrm>
+            <a:off x="180975" y="444500"/>
+            <a:ext cx="12544425" cy="2159000"/>
+          </a:xfrm>
+        </p:spPr>
+        <p:txBody>
+          <a:bodyPr>
+            <a:normAutofit/>
+          </a:bodyPr>
+          <a:lstStyle/>
+          <a:p>
+            <a:r>
+              <a:rPr lang="en-US" sz="6000" dirty="0" smtClean="0"/>
+              <a:t>Order Of Growth Classification</a:t>
+            </a:r>
+            <a:endParaRPr lang="en-US" sz="6000" dirty="0"/>
+          </a:p>
+        </p:txBody>
+      </p:sp>
+      <p:sp>
+        <p:nvSpPr>
+          <p:cNvPr id="3" name="Text Placeholder 2"/>
+          <p:cNvSpPr>
+            <a:spLocks noGrp="1"/>
+          </p:cNvSpPr>
+          <p:nvPr>
+            <p:ph type="body" idx="1"/>
+          </p:nvPr>
+        </p:nvSpPr>
+        <p:spPr>
+          <a:xfrm>
+            <a:off x="952499" y="2603500"/>
+            <a:ext cx="11706225" cy="6286500"/>
+          </a:xfrm>
+        </p:spPr>
+        <p:txBody>
+          <a:bodyPr>
+            <a:normAutofit fontScale="85000" lnSpcReduction="10000"/>
+          </a:bodyPr>
+          <a:lstStyle/>
+          <a:p>
+            <a:r>
+              <a:rPr lang="en-US" dirty="0" smtClean="0"/>
+              <a:t>1: </a:t>
+            </a:r>
+            <a:r>
+              <a:rPr lang="en-US" b="1" dirty="0" smtClean="0"/>
+              <a:t>constant </a:t>
+            </a:r>
+            <a:r>
+              <a:rPr lang="en-US" dirty="0" smtClean="0"/>
+              <a:t>(best you can have)</a:t>
+            </a:r>
+            <a:endParaRPr lang="en-US" b="1" dirty="0" smtClean="0"/>
+          </a:p>
+          <a:p>
+            <a:r>
+              <a:rPr lang="en-US" dirty="0" smtClean="0"/>
+              <a:t>log(N): </a:t>
+            </a:r>
+            <a:r>
+              <a:rPr lang="en-US" b="1" dirty="0" smtClean="0"/>
+              <a:t>logarithmic </a:t>
+            </a:r>
+            <a:r>
+              <a:rPr lang="en-US" dirty="0"/>
+              <a:t>(</a:t>
+            </a:r>
+            <a:r>
+              <a:rPr lang="en-US" dirty="0" smtClean="0"/>
+              <a:t>very, very </a:t>
+            </a:r>
+            <a:r>
+              <a:rPr lang="en-US" dirty="0"/>
+              <a:t>efficient</a:t>
+            </a:r>
+            <a:r>
+              <a:rPr lang="en-US" dirty="0" smtClean="0"/>
+              <a:t>)</a:t>
+            </a:r>
+            <a:endParaRPr lang="en-US" b="1" dirty="0" smtClean="0"/>
+          </a:p>
+          <a:p>
+            <a:r>
+              <a:rPr lang="en-US" dirty="0" smtClean="0"/>
+              <a:t>N: </a:t>
+            </a:r>
+            <a:r>
+              <a:rPr lang="en-US" b="1" dirty="0" smtClean="0"/>
+              <a:t>linear  </a:t>
+            </a:r>
+            <a:r>
+              <a:rPr lang="en-US" dirty="0" smtClean="0"/>
+              <a:t>(OK for most cases)</a:t>
+            </a:r>
+            <a:endParaRPr lang="en-US" b="1" dirty="0" smtClean="0"/>
+          </a:p>
+          <a:p>
+            <a:r>
+              <a:rPr lang="en-US" dirty="0" smtClean="0"/>
+              <a:t>N log(N): </a:t>
+            </a:r>
+            <a:r>
+              <a:rPr lang="en-US" b="1" dirty="0" err="1" smtClean="0"/>
+              <a:t>linearithmic</a:t>
+            </a:r>
+            <a:r>
+              <a:rPr lang="en-US" b="1" dirty="0" smtClean="0"/>
+              <a:t>  </a:t>
+            </a:r>
+            <a:r>
+              <a:rPr lang="en-US" dirty="0"/>
+              <a:t>(OK for most cases</a:t>
+            </a:r>
+            <a:r>
+              <a:rPr lang="en-US" dirty="0" smtClean="0"/>
+              <a:t>)</a:t>
+            </a:r>
+            <a:endParaRPr lang="en-US" b="1" dirty="0" smtClean="0"/>
+          </a:p>
+          <a:p>
+            <a:r>
+              <a:rPr lang="en-US" dirty="0" smtClean="0"/>
+              <a:t>N</a:t>
+            </a:r>
+            <a:r>
+              <a:rPr lang="en-US" baseline="60000" dirty="0" smtClean="0"/>
+              <a:t>2</a:t>
+            </a:r>
+            <a:r>
+              <a:rPr lang="en-US" dirty="0" smtClean="0"/>
+              <a:t>: </a:t>
+            </a:r>
+            <a:r>
+              <a:rPr lang="en-US" b="1" dirty="0" smtClean="0"/>
+              <a:t>quadratic  </a:t>
+            </a:r>
+            <a:r>
+              <a:rPr lang="en-US" dirty="0" smtClean="0"/>
+              <a:t>(bearable, but things start to get expensive)</a:t>
+            </a:r>
+            <a:r>
+              <a:rPr lang="en-US" baseline="60000" dirty="0" smtClean="0"/>
+              <a:t> </a:t>
+            </a:r>
+          </a:p>
+          <a:p>
+            <a:r>
+              <a:rPr lang="en-US" dirty="0" smtClean="0"/>
+              <a:t>N</a:t>
+            </a:r>
+            <a:r>
+              <a:rPr lang="en-US" baseline="60000" dirty="0" smtClean="0"/>
+              <a:t>3</a:t>
+            </a:r>
+            <a:r>
+              <a:rPr lang="en-US" dirty="0" smtClean="0"/>
+              <a:t>: </a:t>
+            </a:r>
+            <a:r>
+              <a:rPr lang="en-US" b="1" dirty="0" smtClean="0"/>
+              <a:t>cubic </a:t>
+            </a:r>
+            <a:r>
+              <a:rPr lang="en-US" dirty="0" smtClean="0"/>
+              <a:t>(becoming painful)</a:t>
+            </a:r>
+            <a:endParaRPr lang="en-US" b="1" baseline="60000" dirty="0"/>
+          </a:p>
+          <a:p>
+            <a:r>
+              <a:rPr lang="en-US" dirty="0" smtClean="0"/>
+              <a:t>2</a:t>
+            </a:r>
+            <a:r>
+              <a:rPr lang="en-US" baseline="60000" dirty="0" smtClean="0"/>
+              <a:t>N</a:t>
+            </a:r>
+            <a:r>
+              <a:rPr lang="en-US" dirty="0" smtClean="0"/>
+              <a:t>: </a:t>
+            </a:r>
+            <a:r>
+              <a:rPr lang="en-US" b="1" dirty="0" smtClean="0"/>
+              <a:t>exponential </a:t>
+            </a:r>
+            <a:r>
+              <a:rPr lang="en-US" dirty="0" smtClean="0"/>
+              <a:t>(</a:t>
+            </a:r>
+            <a:r>
+              <a:rPr lang="en-US" i="1" dirty="0" smtClean="0"/>
+              <a:t>completely hopeless</a:t>
+            </a:r>
+            <a:r>
+              <a:rPr lang="en-US" dirty="0" smtClean="0"/>
+              <a:t>, time to cry in a corner)</a:t>
+            </a:r>
+            <a:endParaRPr lang="en-US" b="1" dirty="0" smtClean="0"/>
+          </a:p>
+        </p:txBody>
+      </p:sp>
+    </p:spTree>
+    <p:extLst>
+      <p:ext uri="{BB962C8B-B14F-4D97-AF65-F5344CB8AC3E}">
+        <p14:creationId xmlns:p14="http://schemas.microsoft.com/office/powerpoint/2010/main" val="2102918804"/>
+      </p:ext>
+    </p:extLst>
+  </p:cSld>
+  <p:clrMapOvr>
+    <a:masterClrMapping/>
+  </p:clrMapOvr>
+  <p:transition spd="med"/>
+  <p:timing>
+    <p:tnLst>
+      <p:par>
+        <p:cTn id="1" dur="indefinite" restart="never" nodeType="tmRoot"/>
+      </p:par>
+    </p:tnLst>
+  </p:timing>
+</p:sld>
+</file>
+
+<file path=ppt/slides/slide32.xml><?xml version="1.0" encoding="utf-8"?>
 <p:sld xmlns:a="http://schemas.openxmlformats.org/drawingml/2006/main" xmlns:r="http://schemas.openxmlformats.org/officeDocument/2006/relationships" xmlns:p="http://schemas.openxmlformats.org/presentationml/2006/main">
   <p:cSld>
     <p:spTree>
@@ -11986,7 +13188,7 @@
 </p:sld>
 </file>
 
-<file path=ppt/slides/slide31.xml><?xml version="1.0" encoding="utf-8"?>
+<file path=ppt/slides/slide33.xml><?xml version="1.0" encoding="utf-8"?>
 <p:sld xmlns:a="http://schemas.openxmlformats.org/drawingml/2006/main" xmlns:r="http://schemas.openxmlformats.org/officeDocument/2006/relationships" xmlns:p="http://schemas.openxmlformats.org/presentationml/2006/main">
   <p:cSld>
     <p:spTree>
@@ -14080,7 +15282,7 @@
 </p:sld>
 </file>
 
-<file path=ppt/slides/slide32.xml><?xml version="1.0" encoding="utf-8"?>
+<file path=ppt/slides/slide34.xml><?xml version="1.0" encoding="utf-8"?>
 <p:sld xmlns:a="http://schemas.openxmlformats.org/drawingml/2006/main" xmlns:r="http://schemas.openxmlformats.org/officeDocument/2006/relationships" xmlns:p="http://schemas.openxmlformats.org/presentationml/2006/main">
   <p:cSld>
     <p:spTree>
@@ -14260,7 +15462,7 @@
 </p:sld>
 </file>
 
-<file path=ppt/slides/slide33.xml><?xml version="1.0" encoding="utf-8"?>
+<file path=ppt/slides/slide35.xml><?xml version="1.0" encoding="utf-8"?>
 <p:sld xmlns:a="http://schemas.openxmlformats.org/drawingml/2006/main" xmlns:r="http://schemas.openxmlformats.org/officeDocument/2006/relationships" xmlns:p="http://schemas.openxmlformats.org/presentationml/2006/main">
   <p:cSld>
     <p:spTree>
@@ -14656,7 +15858,7 @@
 </p:sld>
 </file>
 
-<file path=ppt/slides/slide34.xml><?xml version="1.0" encoding="utf-8"?>
+<file path=ppt/slides/slide36.xml><?xml version="1.0" encoding="utf-8"?>
 <p:sld xmlns:a="http://schemas.openxmlformats.org/drawingml/2006/main" xmlns:r="http://schemas.openxmlformats.org/officeDocument/2006/relationships" xmlns:p="http://schemas.openxmlformats.org/presentationml/2006/main">
   <p:cSld>
     <p:spTree>
@@ -15731,7 +16933,7 @@
 </p:sld>
 </file>
 
-<file path=ppt/slides/slide35.xml><?xml version="1.0" encoding="utf-8"?>
+<file path=ppt/slides/slide37.xml><?xml version="1.0" encoding="utf-8"?>
 <p:sld xmlns:a="http://schemas.openxmlformats.org/drawingml/2006/main" xmlns:r="http://schemas.openxmlformats.org/officeDocument/2006/relationships" xmlns:p="http://schemas.openxmlformats.org/presentationml/2006/main">
   <p:cSld>
     <p:spTree>
@@ -16877,7 +18079,7 @@
 </p:sld>
 </file>
 
-<file path=ppt/slides/slide36.xml><?xml version="1.0" encoding="utf-8"?>
+<file path=ppt/slides/slide38.xml><?xml version="1.0" encoding="utf-8"?>
 <p:sld xmlns:a="http://schemas.openxmlformats.org/drawingml/2006/main" xmlns:r="http://schemas.openxmlformats.org/officeDocument/2006/relationships" xmlns:p="http://schemas.openxmlformats.org/presentationml/2006/main">
   <p:cSld>
     <p:spTree>
@@ -17548,7 +18750,7 @@
 </p:sld>
 </file>
 
-<file path=ppt/slides/slide37.xml><?xml version="1.0" encoding="utf-8"?>
+<file path=ppt/slides/slide39.xml><?xml version="1.0" encoding="utf-8"?>
 <p:sld xmlns:a="http://schemas.openxmlformats.org/drawingml/2006/main" xmlns:r="http://schemas.openxmlformats.org/officeDocument/2006/relationships" xmlns:p="http://schemas.openxmlformats.org/presentationml/2006/main">
   <p:cSld>
     <p:spTree>
@@ -17609,7 +18811,1587 @@
 </p:sld>
 </file>
 
-<file path=ppt/slides/slide38.xml><?xml version="1.0" encoding="utf-8"?>
+<file path=ppt/slides/slide4.xml><?xml version="1.0" encoding="utf-8"?>
+<p:sld xmlns:a="http://schemas.openxmlformats.org/drawingml/2006/main" xmlns:r="http://schemas.openxmlformats.org/officeDocument/2006/relationships" xmlns:p="http://schemas.openxmlformats.org/presentationml/2006/main">
+  <p:cSld>
+    <p:spTree>
+      <p:nvGrpSpPr>
+        <p:cNvPr id="1" name=""/>
+        <p:cNvGrpSpPr/>
+        <p:nvPr/>
+      </p:nvGrpSpPr>
+      <p:grpSpPr>
+        <a:xfrm>
+          <a:off x="0" y="0"/>
+          <a:ext cx="0" cy="0"/>
+          <a:chOff x="0" y="0"/>
+          <a:chExt cx="0" cy="0"/>
+        </a:xfrm>
+      </p:grpSpPr>
+      <p:sp>
+        <p:nvSpPr>
+          <p:cNvPr id="3" name="Text Placeholder 2"/>
+          <p:cNvSpPr>
+            <a:spLocks noGrp="1"/>
+          </p:cNvSpPr>
+          <p:nvPr>
+            <p:ph type="body" idx="1"/>
+          </p:nvPr>
+        </p:nvSpPr>
+        <p:spPr>
+          <a:xfrm>
+            <a:off x="208367" y="1790000"/>
+            <a:ext cx="5095153" cy="3286497"/>
+          </a:xfrm>
+        </p:spPr>
+        <p:txBody>
+          <a:bodyPr/>
+          <a:lstStyle/>
+          <a:p>
+            <a:pPr marL="742950" indent="-742950">
+              <a:spcBef>
+                <a:spcPts val="0"/>
+              </a:spcBef>
+              <a:buFont typeface="+mj-lt"/>
+              <a:buAutoNum type="arabicPeriod"/>
+            </a:pPr>
+            <a:r>
+              <a:rPr lang="en-US" altLang="en-US" b="1" dirty="0" err="1">
+                <a:solidFill>
+                  <a:srgbClr val="000080"/>
+                </a:solidFill>
+                <a:latin typeface="Courier New" panose="02070309020205020404" pitchFamily="49" charset="0"/>
+                <a:cs typeface="Courier New" panose="02070309020205020404" pitchFamily="49" charset="0"/>
+              </a:rPr>
+              <a:t>int</a:t>
+            </a:r>
+            <a:r>
+              <a:rPr lang="en-US" altLang="en-US" b="1" dirty="0">
+                <a:solidFill>
+                  <a:srgbClr val="000080"/>
+                </a:solidFill>
+                <a:latin typeface="Courier New" panose="02070309020205020404" pitchFamily="49" charset="0"/>
+                <a:cs typeface="Courier New" panose="02070309020205020404" pitchFamily="49" charset="0"/>
+              </a:rPr>
+              <a:t> </a:t>
+            </a:r>
+            <a:r>
+              <a:rPr lang="en-US" altLang="en-US" dirty="0">
+                <a:latin typeface="Courier New" panose="02070309020205020404" pitchFamily="49" charset="0"/>
+                <a:cs typeface="Courier New" panose="02070309020205020404" pitchFamily="49" charset="0"/>
+              </a:rPr>
+              <a:t>sum = </a:t>
+            </a:r>
+            <a:r>
+              <a:rPr lang="en-US" altLang="en-US" dirty="0">
+                <a:solidFill>
+                  <a:srgbClr val="0000FF"/>
+                </a:solidFill>
+                <a:latin typeface="Courier New" panose="02070309020205020404" pitchFamily="49" charset="0"/>
+                <a:cs typeface="Courier New" panose="02070309020205020404" pitchFamily="49" charset="0"/>
+              </a:rPr>
+              <a:t>0</a:t>
+            </a:r>
+            <a:r>
+              <a:rPr lang="en-US" altLang="en-US" dirty="0" smtClean="0">
+                <a:latin typeface="Courier New" panose="02070309020205020404" pitchFamily="49" charset="0"/>
+                <a:cs typeface="Courier New" panose="02070309020205020404" pitchFamily="49" charset="0"/>
+              </a:rPr>
+              <a:t>;</a:t>
+            </a:r>
+            <a:endParaRPr lang="en-US" altLang="en-US" dirty="0">
+              <a:latin typeface="Courier New" panose="02070309020205020404" pitchFamily="49" charset="0"/>
+              <a:cs typeface="Courier New" panose="02070309020205020404" pitchFamily="49" charset="0"/>
+            </a:endParaRPr>
+          </a:p>
+          <a:p>
+            <a:pPr marL="742950" indent="-742950">
+              <a:spcBef>
+                <a:spcPts val="0"/>
+              </a:spcBef>
+              <a:buFont typeface="+mj-lt"/>
+              <a:buAutoNum type="arabicPeriod"/>
+            </a:pPr>
+            <a:r>
+              <a:rPr lang="en-US" altLang="en-US" b="1" dirty="0" err="1" smtClean="0">
+                <a:solidFill>
+                  <a:srgbClr val="000080"/>
+                </a:solidFill>
+                <a:latin typeface="Courier New" panose="02070309020205020404" pitchFamily="49" charset="0"/>
+                <a:cs typeface="Courier New" panose="02070309020205020404" pitchFamily="49" charset="0"/>
+              </a:rPr>
+              <a:t>int</a:t>
+            </a:r>
+            <a:r>
+              <a:rPr lang="en-US" altLang="en-US" b="1" dirty="0" smtClean="0">
+                <a:solidFill>
+                  <a:srgbClr val="000080"/>
+                </a:solidFill>
+                <a:latin typeface="Courier New" panose="02070309020205020404" pitchFamily="49" charset="0"/>
+                <a:cs typeface="Courier New" panose="02070309020205020404" pitchFamily="49" charset="0"/>
+              </a:rPr>
+              <a:t> </a:t>
+            </a:r>
+            <a:r>
+              <a:rPr lang="en-US" altLang="en-US" dirty="0" err="1">
+                <a:latin typeface="Courier New" panose="02070309020205020404" pitchFamily="49" charset="0"/>
+                <a:cs typeface="Courier New" panose="02070309020205020404" pitchFamily="49" charset="0"/>
+              </a:rPr>
+              <a:t>i</a:t>
+            </a:r>
+            <a:r>
+              <a:rPr lang="en-US" altLang="en-US" dirty="0">
+                <a:latin typeface="Courier New" panose="02070309020205020404" pitchFamily="49" charset="0"/>
+                <a:cs typeface="Courier New" panose="02070309020205020404" pitchFamily="49" charset="0"/>
+              </a:rPr>
+              <a:t>=</a:t>
+            </a:r>
+            <a:r>
+              <a:rPr lang="en-US" altLang="en-US" dirty="0">
+                <a:solidFill>
+                  <a:srgbClr val="0000FF"/>
+                </a:solidFill>
+                <a:latin typeface="Courier New" panose="02070309020205020404" pitchFamily="49" charset="0"/>
+                <a:cs typeface="Courier New" panose="02070309020205020404" pitchFamily="49" charset="0"/>
+              </a:rPr>
+              <a:t>0</a:t>
+            </a:r>
+            <a:r>
+              <a:rPr lang="en-US" altLang="en-US" dirty="0">
+                <a:latin typeface="Courier New" panose="02070309020205020404" pitchFamily="49" charset="0"/>
+                <a:cs typeface="Courier New" panose="02070309020205020404" pitchFamily="49" charset="0"/>
+              </a:rPr>
+              <a:t>; </a:t>
+            </a:r>
+          </a:p>
+          <a:p>
+            <a:pPr marL="742950" indent="-742950">
+              <a:spcBef>
+                <a:spcPts val="0"/>
+              </a:spcBef>
+              <a:buFont typeface="+mj-lt"/>
+              <a:buAutoNum type="arabicPeriod"/>
+            </a:pPr>
+            <a:r>
+              <a:rPr lang="en-US" altLang="en-US" dirty="0" err="1" smtClean="0">
+                <a:latin typeface="Courier New" panose="02070309020205020404" pitchFamily="49" charset="0"/>
+                <a:cs typeface="Courier New" panose="02070309020205020404" pitchFamily="49" charset="0"/>
+              </a:rPr>
+              <a:t>i</a:t>
+            </a:r>
+            <a:r>
+              <a:rPr lang="en-US" altLang="en-US" dirty="0" smtClean="0">
+                <a:latin typeface="Courier New" panose="02070309020205020404" pitchFamily="49" charset="0"/>
+                <a:cs typeface="Courier New" panose="02070309020205020404" pitchFamily="49" charset="0"/>
+              </a:rPr>
+              <a:t>&lt;</a:t>
+            </a:r>
+            <a:r>
+              <a:rPr lang="en-US" altLang="en-US" dirty="0" err="1" smtClean="0">
+                <a:latin typeface="Courier New" panose="02070309020205020404" pitchFamily="49" charset="0"/>
+                <a:cs typeface="Courier New" panose="02070309020205020404" pitchFamily="49" charset="0"/>
+              </a:rPr>
+              <a:t>array.</a:t>
+            </a:r>
+            <a:r>
+              <a:rPr lang="en-US" altLang="en-US" b="1" dirty="0" err="1" smtClean="0">
+                <a:solidFill>
+                  <a:srgbClr val="660E7A"/>
+                </a:solidFill>
+                <a:latin typeface="Courier New" panose="02070309020205020404" pitchFamily="49" charset="0"/>
+                <a:cs typeface="Courier New" panose="02070309020205020404" pitchFamily="49" charset="0"/>
+              </a:rPr>
+              <a:t>length</a:t>
+            </a:r>
+            <a:r>
+              <a:rPr lang="en-US" altLang="en-US" dirty="0" smtClean="0">
+                <a:latin typeface="Courier New" panose="02070309020205020404" pitchFamily="49" charset="0"/>
+                <a:cs typeface="Courier New" panose="02070309020205020404" pitchFamily="49" charset="0"/>
+              </a:rPr>
+              <a:t>;</a:t>
+            </a:r>
+          </a:p>
+          <a:p>
+            <a:pPr marL="742950" indent="-742950">
+              <a:spcBef>
+                <a:spcPts val="0"/>
+              </a:spcBef>
+              <a:buFont typeface="+mj-lt"/>
+              <a:buAutoNum type="arabicPeriod"/>
+            </a:pPr>
+            <a:r>
+              <a:rPr lang="en-US" altLang="en-US" b="1" dirty="0" smtClean="0">
+                <a:solidFill>
+                  <a:srgbClr val="000080"/>
+                </a:solidFill>
+                <a:latin typeface="Courier New" panose="02070309020205020404" pitchFamily="49" charset="0"/>
+                <a:cs typeface="Courier New" panose="02070309020205020404" pitchFamily="49" charset="0"/>
+              </a:rPr>
+              <a:t>return </a:t>
+            </a:r>
+            <a:r>
+              <a:rPr lang="en-US" altLang="en-US" dirty="0">
+                <a:latin typeface="Courier New" panose="02070309020205020404" pitchFamily="49" charset="0"/>
+                <a:cs typeface="Courier New" panose="02070309020205020404" pitchFamily="49" charset="0"/>
+              </a:rPr>
+              <a:t>sum</a:t>
+            </a:r>
+            <a:r>
+              <a:rPr lang="en-US" altLang="en-US" dirty="0" smtClean="0">
+                <a:latin typeface="Courier New" panose="02070309020205020404" pitchFamily="49" charset="0"/>
+                <a:cs typeface="Courier New" panose="02070309020205020404" pitchFamily="49" charset="0"/>
+              </a:rPr>
+              <a:t>;</a:t>
+            </a:r>
+            <a:endParaRPr lang="en-US" dirty="0"/>
+          </a:p>
+        </p:txBody>
+      </p:sp>
+      <p:sp>
+        <p:nvSpPr>
+          <p:cNvPr id="5" name="Text Placeholder 2"/>
+          <p:cNvSpPr txBox="1">
+            <a:spLocks/>
+          </p:cNvSpPr>
+          <p:nvPr/>
+        </p:nvSpPr>
+        <p:spPr>
+          <a:xfrm>
+            <a:off x="7102453" y="1942400"/>
+            <a:ext cx="5454606" cy="7358643"/>
+          </a:xfrm>
+          <a:prstGeom prst="rect">
+            <a:avLst/>
+          </a:prstGeom>
+          <a:solidFill>
+            <a:srgbClr val="FFFFFF"/>
+          </a:solidFill>
+          <a:ln w="12700">
+            <a:noFill/>
+            <a:miter lim="400000"/>
+          </a:ln>
+          <a:extLst>
+            <a:ext uri="{C572A759-6A51-4108-AA02-DFA0A04FC94B}">
+              <ma14:wrappingTextBoxFlag xmlns:ma14="http://schemas.microsoft.com/office/mac/drawingml/2011/main" xmlns="" val="1"/>
+            </a:ext>
+          </a:extLst>
+        </p:spPr>
+        <p:txBody>
+          <a:bodyPr lIns="50800" tIns="50800" rIns="50800" bIns="50800" anchor="ctr">
+            <a:normAutofit/>
+          </a:bodyPr>
+          <a:lstStyle>
+            <a:lvl1pPr marL="444500" marR="0" indent="-444500" algn="l" defTabSz="584200" rtl="0" latinLnBrk="0">
+              <a:lnSpc>
+                <a:spcPct val="100000"/>
+              </a:lnSpc>
+              <a:spcBef>
+                <a:spcPts val="4200"/>
+              </a:spcBef>
+              <a:spcAft>
+                <a:spcPts val="0"/>
+              </a:spcAft>
+              <a:buClrTx/>
+              <a:buSzPct val="75000"/>
+              <a:buFontTx/>
+              <a:buChar char="•"/>
+              <a:tabLst/>
+              <a:defRPr sz="3600" b="0" i="0" u="none" strike="noStrike" cap="none" spc="0" baseline="0">
+                <a:ln>
+                  <a:noFill/>
+                </a:ln>
+                <a:solidFill>
+                  <a:srgbClr val="000000"/>
+                </a:solidFill>
+                <a:uFillTx/>
+                <a:latin typeface="+mn-lt"/>
+                <a:ea typeface="+mn-ea"/>
+                <a:cs typeface="+mn-cs"/>
+                <a:sym typeface="Helvetica Light"/>
+              </a:defRPr>
+            </a:lvl1pPr>
+            <a:lvl2pPr marL="889000" marR="0" indent="-444500" algn="l" defTabSz="584200" rtl="0" latinLnBrk="0">
+              <a:lnSpc>
+                <a:spcPct val="100000"/>
+              </a:lnSpc>
+              <a:spcBef>
+                <a:spcPts val="1300"/>
+              </a:spcBef>
+              <a:spcAft>
+                <a:spcPts val="0"/>
+              </a:spcAft>
+              <a:buClrTx/>
+              <a:buSzPct val="75000"/>
+              <a:buFont typeface="Arial" panose="020B0604020202020204" pitchFamily="34" charset="0"/>
+              <a:buChar char="•"/>
+              <a:tabLst/>
+              <a:defRPr sz="2800" b="0" i="0" u="none" strike="noStrike" cap="none" spc="0" baseline="0">
+                <a:ln>
+                  <a:noFill/>
+                </a:ln>
+                <a:solidFill>
+                  <a:srgbClr val="000000"/>
+                </a:solidFill>
+                <a:uFillTx/>
+                <a:latin typeface="+mn-lt"/>
+                <a:ea typeface="+mn-ea"/>
+                <a:cs typeface="+mn-cs"/>
+                <a:sym typeface="Helvetica Light"/>
+              </a:defRPr>
+            </a:lvl2pPr>
+            <a:lvl3pPr marL="1333500" marR="0" indent="-444500" algn="l" defTabSz="584200" rtl="0" latinLnBrk="0">
+              <a:lnSpc>
+                <a:spcPct val="100000"/>
+              </a:lnSpc>
+              <a:spcBef>
+                <a:spcPts val="1300"/>
+              </a:spcBef>
+              <a:spcAft>
+                <a:spcPts val="0"/>
+              </a:spcAft>
+              <a:buClrTx/>
+              <a:buSzPct val="75000"/>
+              <a:buFontTx/>
+              <a:buChar char="★"/>
+              <a:tabLst/>
+              <a:defRPr sz="2800" b="0" i="0" u="none" strike="noStrike" cap="none" spc="0" baseline="0">
+                <a:ln>
+                  <a:noFill/>
+                </a:ln>
+                <a:solidFill>
+                  <a:srgbClr val="000000"/>
+                </a:solidFill>
+                <a:uFillTx/>
+                <a:latin typeface="+mn-lt"/>
+                <a:ea typeface="+mn-ea"/>
+                <a:cs typeface="+mn-cs"/>
+                <a:sym typeface="Helvetica Light"/>
+              </a:defRPr>
+            </a:lvl3pPr>
+            <a:lvl4pPr marL="1778000" marR="0" indent="-444500" algn="l" defTabSz="584200" rtl="0" latinLnBrk="0">
+              <a:lnSpc>
+                <a:spcPct val="100000"/>
+              </a:lnSpc>
+              <a:spcBef>
+                <a:spcPts val="4200"/>
+              </a:spcBef>
+              <a:spcAft>
+                <a:spcPts val="0"/>
+              </a:spcAft>
+              <a:buClrTx/>
+              <a:buSzPct val="75000"/>
+              <a:buFontTx/>
+              <a:buChar char="•"/>
+              <a:tabLst/>
+              <a:defRPr sz="2400" b="0" i="0" u="none" strike="noStrike" cap="none" spc="0" baseline="0">
+                <a:ln>
+                  <a:noFill/>
+                </a:ln>
+                <a:solidFill>
+                  <a:srgbClr val="000000"/>
+                </a:solidFill>
+                <a:uFillTx/>
+                <a:latin typeface="+mn-lt"/>
+                <a:ea typeface="+mn-ea"/>
+                <a:cs typeface="+mn-cs"/>
+                <a:sym typeface="Helvetica Light"/>
+              </a:defRPr>
+            </a:lvl4pPr>
+            <a:lvl5pPr marL="2222500" marR="0" indent="-444500" algn="l" defTabSz="584200" rtl="0" latinLnBrk="0">
+              <a:lnSpc>
+                <a:spcPct val="100000"/>
+              </a:lnSpc>
+              <a:spcBef>
+                <a:spcPts val="4200"/>
+              </a:spcBef>
+              <a:spcAft>
+                <a:spcPts val="0"/>
+              </a:spcAft>
+              <a:buClrTx/>
+              <a:buSzPct val="75000"/>
+              <a:buFontTx/>
+              <a:buChar char="•"/>
+              <a:tabLst/>
+              <a:defRPr sz="2000" b="0" i="0" u="none" strike="noStrike" cap="none" spc="0" baseline="0">
+                <a:ln>
+                  <a:noFill/>
+                </a:ln>
+                <a:solidFill>
+                  <a:srgbClr val="000000"/>
+                </a:solidFill>
+                <a:uFillTx/>
+                <a:latin typeface="+mn-lt"/>
+                <a:ea typeface="+mn-ea"/>
+                <a:cs typeface="+mn-cs"/>
+                <a:sym typeface="Helvetica Light"/>
+              </a:defRPr>
+            </a:lvl5pPr>
+            <a:lvl6pPr marL="2667000" marR="0" indent="-444500" algn="l" defTabSz="584200" rtl="0" latinLnBrk="0">
+              <a:lnSpc>
+                <a:spcPct val="100000"/>
+              </a:lnSpc>
+              <a:spcBef>
+                <a:spcPts val="4200"/>
+              </a:spcBef>
+              <a:spcAft>
+                <a:spcPts val="0"/>
+              </a:spcAft>
+              <a:buClrTx/>
+              <a:buSzPct val="75000"/>
+              <a:buFontTx/>
+              <a:buChar char="•"/>
+              <a:tabLst/>
+              <a:defRPr sz="3600" b="0" i="0" u="none" strike="noStrike" cap="none" spc="0" baseline="0">
+                <a:ln>
+                  <a:noFill/>
+                </a:ln>
+                <a:solidFill>
+                  <a:srgbClr val="000000"/>
+                </a:solidFill>
+                <a:uFillTx/>
+                <a:latin typeface="+mn-lt"/>
+                <a:ea typeface="+mn-ea"/>
+                <a:cs typeface="+mn-cs"/>
+                <a:sym typeface="Helvetica Light"/>
+              </a:defRPr>
+            </a:lvl6pPr>
+            <a:lvl7pPr marL="3111500" marR="0" indent="-444500" algn="l" defTabSz="584200" rtl="0" latinLnBrk="0">
+              <a:lnSpc>
+                <a:spcPct val="100000"/>
+              </a:lnSpc>
+              <a:spcBef>
+                <a:spcPts val="4200"/>
+              </a:spcBef>
+              <a:spcAft>
+                <a:spcPts val="0"/>
+              </a:spcAft>
+              <a:buClrTx/>
+              <a:buSzPct val="75000"/>
+              <a:buFontTx/>
+              <a:buChar char="•"/>
+              <a:tabLst/>
+              <a:defRPr sz="3600" b="0" i="0" u="none" strike="noStrike" cap="none" spc="0" baseline="0">
+                <a:ln>
+                  <a:noFill/>
+                </a:ln>
+                <a:solidFill>
+                  <a:srgbClr val="000000"/>
+                </a:solidFill>
+                <a:uFillTx/>
+                <a:latin typeface="+mn-lt"/>
+                <a:ea typeface="+mn-ea"/>
+                <a:cs typeface="+mn-cs"/>
+                <a:sym typeface="Helvetica Light"/>
+              </a:defRPr>
+            </a:lvl7pPr>
+            <a:lvl8pPr marL="3556000" marR="0" indent="-444500" algn="l" defTabSz="584200" rtl="0" latinLnBrk="0">
+              <a:lnSpc>
+                <a:spcPct val="100000"/>
+              </a:lnSpc>
+              <a:spcBef>
+                <a:spcPts val="4200"/>
+              </a:spcBef>
+              <a:spcAft>
+                <a:spcPts val="0"/>
+              </a:spcAft>
+              <a:buClrTx/>
+              <a:buSzPct val="75000"/>
+              <a:buFontTx/>
+              <a:buChar char="•"/>
+              <a:tabLst/>
+              <a:defRPr sz="3600" b="0" i="0" u="none" strike="noStrike" cap="none" spc="0" baseline="0">
+                <a:ln>
+                  <a:noFill/>
+                </a:ln>
+                <a:solidFill>
+                  <a:srgbClr val="000000"/>
+                </a:solidFill>
+                <a:uFillTx/>
+                <a:latin typeface="+mn-lt"/>
+                <a:ea typeface="+mn-ea"/>
+                <a:cs typeface="+mn-cs"/>
+                <a:sym typeface="Helvetica Light"/>
+              </a:defRPr>
+            </a:lvl8pPr>
+            <a:lvl9pPr marL="4000500" marR="0" indent="-444500" algn="l" defTabSz="584200" rtl="0" latinLnBrk="0">
+              <a:lnSpc>
+                <a:spcPct val="100000"/>
+              </a:lnSpc>
+              <a:spcBef>
+                <a:spcPts val="4200"/>
+              </a:spcBef>
+              <a:spcAft>
+                <a:spcPts val="0"/>
+              </a:spcAft>
+              <a:buClrTx/>
+              <a:buSzPct val="75000"/>
+              <a:buFontTx/>
+              <a:buChar char="•"/>
+              <a:tabLst/>
+              <a:defRPr sz="3600" b="0" i="0" u="none" strike="noStrike" cap="none" spc="0" baseline="0">
+                <a:ln>
+                  <a:noFill/>
+                </a:ln>
+                <a:solidFill>
+                  <a:srgbClr val="000000"/>
+                </a:solidFill>
+                <a:uFillTx/>
+                <a:latin typeface="+mn-lt"/>
+                <a:ea typeface="+mn-ea"/>
+                <a:cs typeface="+mn-cs"/>
+                <a:sym typeface="Helvetica Light"/>
+              </a:defRPr>
+            </a:lvl9pPr>
+          </a:lstStyle>
+          <a:p>
+            <a:pPr marL="742950" indent="-742950" hangingPunct="1">
+              <a:spcBef>
+                <a:spcPts val="0"/>
+              </a:spcBef>
+              <a:buFont typeface="+mj-lt"/>
+              <a:buAutoNum type="arabicPeriod"/>
+            </a:pPr>
+            <a:r>
+              <a:rPr lang="en-US" altLang="en-US" b="1" dirty="0" err="1" smtClean="0">
+                <a:solidFill>
+                  <a:srgbClr val="000080"/>
+                </a:solidFill>
+                <a:latin typeface="Courier New" panose="02070309020205020404" pitchFamily="49" charset="0"/>
+                <a:cs typeface="Courier New" panose="02070309020205020404" pitchFamily="49" charset="0"/>
+              </a:rPr>
+              <a:t>int</a:t>
+            </a:r>
+            <a:r>
+              <a:rPr lang="en-US" altLang="en-US" b="1" dirty="0" smtClean="0">
+                <a:solidFill>
+                  <a:srgbClr val="000080"/>
+                </a:solidFill>
+                <a:latin typeface="Courier New" panose="02070309020205020404" pitchFamily="49" charset="0"/>
+                <a:cs typeface="Courier New" panose="02070309020205020404" pitchFamily="49" charset="0"/>
+              </a:rPr>
+              <a:t> </a:t>
+            </a:r>
+            <a:r>
+              <a:rPr lang="en-US" altLang="en-US" dirty="0" smtClean="0">
+                <a:latin typeface="Courier New" panose="02070309020205020404" pitchFamily="49" charset="0"/>
+                <a:cs typeface="Courier New" panose="02070309020205020404" pitchFamily="49" charset="0"/>
+              </a:rPr>
+              <a:t>sum = </a:t>
+            </a:r>
+            <a:r>
+              <a:rPr lang="en-US" altLang="en-US" dirty="0" smtClean="0">
+                <a:solidFill>
+                  <a:srgbClr val="0000FF"/>
+                </a:solidFill>
+                <a:latin typeface="Courier New" panose="02070309020205020404" pitchFamily="49" charset="0"/>
+                <a:cs typeface="Courier New" panose="02070309020205020404" pitchFamily="49" charset="0"/>
+              </a:rPr>
+              <a:t>0</a:t>
+            </a:r>
+            <a:r>
+              <a:rPr lang="en-US" altLang="en-US" dirty="0" smtClean="0">
+                <a:latin typeface="Courier New" panose="02070309020205020404" pitchFamily="49" charset="0"/>
+                <a:cs typeface="Courier New" panose="02070309020205020404" pitchFamily="49" charset="0"/>
+              </a:rPr>
+              <a:t>;</a:t>
+            </a:r>
+          </a:p>
+          <a:p>
+            <a:pPr marL="742950" indent="-742950" hangingPunct="1">
+              <a:spcBef>
+                <a:spcPts val="0"/>
+              </a:spcBef>
+              <a:buFont typeface="+mj-lt"/>
+              <a:buAutoNum type="arabicPeriod"/>
+            </a:pPr>
+            <a:r>
+              <a:rPr lang="en-US" altLang="en-US" b="1" dirty="0" err="1" smtClean="0">
+                <a:solidFill>
+                  <a:srgbClr val="000080"/>
+                </a:solidFill>
+                <a:latin typeface="Courier New" panose="02070309020205020404" pitchFamily="49" charset="0"/>
+                <a:cs typeface="Courier New" panose="02070309020205020404" pitchFamily="49" charset="0"/>
+              </a:rPr>
+              <a:t>int</a:t>
+            </a:r>
+            <a:r>
+              <a:rPr lang="en-US" altLang="en-US" b="1" dirty="0" smtClean="0">
+                <a:solidFill>
+                  <a:srgbClr val="000080"/>
+                </a:solidFill>
+                <a:latin typeface="Courier New" panose="02070309020205020404" pitchFamily="49" charset="0"/>
+                <a:cs typeface="Courier New" panose="02070309020205020404" pitchFamily="49" charset="0"/>
+              </a:rPr>
+              <a:t> </a:t>
+            </a:r>
+            <a:r>
+              <a:rPr lang="en-US" altLang="en-US" dirty="0" err="1" smtClean="0">
+                <a:latin typeface="Courier New" panose="02070309020205020404" pitchFamily="49" charset="0"/>
+                <a:cs typeface="Courier New" panose="02070309020205020404" pitchFamily="49" charset="0"/>
+              </a:rPr>
+              <a:t>i</a:t>
+            </a:r>
+            <a:r>
+              <a:rPr lang="en-US" altLang="en-US" dirty="0" smtClean="0">
+                <a:latin typeface="Courier New" panose="02070309020205020404" pitchFamily="49" charset="0"/>
+                <a:cs typeface="Courier New" panose="02070309020205020404" pitchFamily="49" charset="0"/>
+              </a:rPr>
+              <a:t>=</a:t>
+            </a:r>
+            <a:r>
+              <a:rPr lang="en-US" altLang="en-US" dirty="0" smtClean="0">
+                <a:solidFill>
+                  <a:srgbClr val="0000FF"/>
+                </a:solidFill>
+                <a:latin typeface="Courier New" panose="02070309020205020404" pitchFamily="49" charset="0"/>
+                <a:cs typeface="Courier New" panose="02070309020205020404" pitchFamily="49" charset="0"/>
+              </a:rPr>
+              <a:t>0</a:t>
+            </a:r>
+            <a:r>
+              <a:rPr lang="en-US" altLang="en-US" dirty="0" smtClean="0">
+                <a:latin typeface="Courier New" panose="02070309020205020404" pitchFamily="49" charset="0"/>
+                <a:cs typeface="Courier New" panose="02070309020205020404" pitchFamily="49" charset="0"/>
+              </a:rPr>
+              <a:t>; </a:t>
+            </a:r>
+          </a:p>
+          <a:p>
+            <a:pPr marL="742950" indent="-742950" hangingPunct="1">
+              <a:spcBef>
+                <a:spcPts val="0"/>
+              </a:spcBef>
+              <a:buFont typeface="+mj-lt"/>
+              <a:buAutoNum type="arabicPeriod"/>
+            </a:pPr>
+            <a:r>
+              <a:rPr lang="en-US" altLang="en-US" dirty="0" err="1" smtClean="0">
+                <a:latin typeface="Courier New" panose="02070309020205020404" pitchFamily="49" charset="0"/>
+                <a:cs typeface="Courier New" panose="02070309020205020404" pitchFamily="49" charset="0"/>
+              </a:rPr>
+              <a:t>i</a:t>
+            </a:r>
+            <a:r>
+              <a:rPr lang="en-US" altLang="en-US" dirty="0" smtClean="0">
+                <a:latin typeface="Courier New" panose="02070309020205020404" pitchFamily="49" charset="0"/>
+                <a:cs typeface="Courier New" panose="02070309020205020404" pitchFamily="49" charset="0"/>
+              </a:rPr>
+              <a:t>&lt;</a:t>
+            </a:r>
+            <a:r>
+              <a:rPr lang="en-US" altLang="en-US" dirty="0" err="1" smtClean="0">
+                <a:latin typeface="Courier New" panose="02070309020205020404" pitchFamily="49" charset="0"/>
+                <a:cs typeface="Courier New" panose="02070309020205020404" pitchFamily="49" charset="0"/>
+              </a:rPr>
+              <a:t>array.</a:t>
+            </a:r>
+            <a:r>
+              <a:rPr lang="en-US" altLang="en-US" b="1" dirty="0" err="1" smtClean="0">
+                <a:solidFill>
+                  <a:srgbClr val="660E7A"/>
+                </a:solidFill>
+                <a:latin typeface="Courier New" panose="02070309020205020404" pitchFamily="49" charset="0"/>
+                <a:cs typeface="Courier New" panose="02070309020205020404" pitchFamily="49" charset="0"/>
+              </a:rPr>
+              <a:t>length</a:t>
+            </a:r>
+            <a:r>
+              <a:rPr lang="en-US" altLang="en-US" dirty="0" smtClean="0">
+                <a:latin typeface="Courier New" panose="02070309020205020404" pitchFamily="49" charset="0"/>
+                <a:cs typeface="Courier New" panose="02070309020205020404" pitchFamily="49" charset="0"/>
+              </a:rPr>
+              <a:t>;</a:t>
+            </a:r>
+          </a:p>
+          <a:p>
+            <a:pPr marL="742950" indent="-742950" hangingPunct="1">
+              <a:spcBef>
+                <a:spcPts val="0"/>
+              </a:spcBef>
+              <a:buFont typeface="+mj-lt"/>
+              <a:buAutoNum type="arabicPeriod"/>
+            </a:pPr>
+            <a:r>
+              <a:rPr lang="en-US" altLang="en-US" dirty="0" smtClean="0">
+                <a:latin typeface="Courier New" panose="02070309020205020404" pitchFamily="49" charset="0"/>
+                <a:cs typeface="Courier New" panose="02070309020205020404" pitchFamily="49" charset="0"/>
+              </a:rPr>
+              <a:t>sum += array[</a:t>
+            </a:r>
+            <a:r>
+              <a:rPr lang="en-US" altLang="en-US" dirty="0" err="1" smtClean="0">
+                <a:latin typeface="Courier New" panose="02070309020205020404" pitchFamily="49" charset="0"/>
+                <a:cs typeface="Courier New" panose="02070309020205020404" pitchFamily="49" charset="0"/>
+              </a:rPr>
+              <a:t>i</a:t>
+            </a:r>
+            <a:r>
+              <a:rPr lang="en-US" altLang="en-US" dirty="0" smtClean="0">
+                <a:latin typeface="Courier New" panose="02070309020205020404" pitchFamily="49" charset="0"/>
+                <a:cs typeface="Courier New" panose="02070309020205020404" pitchFamily="49" charset="0"/>
+              </a:rPr>
+              <a:t>];</a:t>
+            </a:r>
+          </a:p>
+          <a:p>
+            <a:pPr marL="742950" indent="-742950" hangingPunct="1">
+              <a:spcBef>
+                <a:spcPts val="0"/>
+              </a:spcBef>
+              <a:buFont typeface="+mj-lt"/>
+              <a:buAutoNum type="arabicPeriod"/>
+            </a:pPr>
+            <a:r>
+              <a:rPr lang="en-US" altLang="en-US" dirty="0" err="1" smtClean="0">
+                <a:latin typeface="Courier New" panose="02070309020205020404" pitchFamily="49" charset="0"/>
+                <a:cs typeface="Courier New" panose="02070309020205020404" pitchFamily="49" charset="0"/>
+              </a:rPr>
+              <a:t>i</a:t>
+            </a:r>
+            <a:r>
+              <a:rPr lang="en-US" altLang="en-US" dirty="0" smtClean="0">
+                <a:latin typeface="Courier New" panose="02070309020205020404" pitchFamily="49" charset="0"/>
+                <a:cs typeface="Courier New" panose="02070309020205020404" pitchFamily="49" charset="0"/>
+              </a:rPr>
+              <a:t>++</a:t>
+            </a:r>
+          </a:p>
+          <a:p>
+            <a:pPr marL="742950" indent="-742950" hangingPunct="1">
+              <a:spcBef>
+                <a:spcPts val="0"/>
+              </a:spcBef>
+              <a:buFont typeface="+mj-lt"/>
+              <a:buAutoNum type="arabicPeriod"/>
+            </a:pPr>
+            <a:r>
+              <a:rPr lang="en-US" altLang="en-US" dirty="0" err="1" smtClean="0">
+                <a:latin typeface="Courier New" panose="02070309020205020404" pitchFamily="49" charset="0"/>
+                <a:cs typeface="Courier New" panose="02070309020205020404" pitchFamily="49" charset="0"/>
+              </a:rPr>
+              <a:t>i</a:t>
+            </a:r>
+            <a:r>
+              <a:rPr lang="en-US" altLang="en-US" dirty="0" smtClean="0">
+                <a:latin typeface="Courier New" panose="02070309020205020404" pitchFamily="49" charset="0"/>
+                <a:cs typeface="Courier New" panose="02070309020205020404" pitchFamily="49" charset="0"/>
+              </a:rPr>
+              <a:t>&lt;</a:t>
+            </a:r>
+            <a:r>
+              <a:rPr lang="en-US" altLang="en-US" dirty="0" err="1" smtClean="0">
+                <a:latin typeface="Courier New" panose="02070309020205020404" pitchFamily="49" charset="0"/>
+                <a:cs typeface="Courier New" panose="02070309020205020404" pitchFamily="49" charset="0"/>
+              </a:rPr>
+              <a:t>array.</a:t>
+            </a:r>
+            <a:r>
+              <a:rPr lang="en-US" altLang="en-US" b="1" dirty="0" err="1" smtClean="0">
+                <a:solidFill>
+                  <a:srgbClr val="660E7A"/>
+                </a:solidFill>
+                <a:latin typeface="Courier New" panose="02070309020205020404" pitchFamily="49" charset="0"/>
+                <a:cs typeface="Courier New" panose="02070309020205020404" pitchFamily="49" charset="0"/>
+              </a:rPr>
+              <a:t>length</a:t>
+            </a:r>
+            <a:r>
+              <a:rPr lang="en-US" altLang="en-US" dirty="0">
+                <a:latin typeface="Courier New" panose="02070309020205020404" pitchFamily="49" charset="0"/>
+                <a:cs typeface="Courier New" panose="02070309020205020404" pitchFamily="49" charset="0"/>
+              </a:rPr>
+              <a:t>;</a:t>
+            </a:r>
+          </a:p>
+          <a:p>
+            <a:pPr marL="742950" indent="-742950" hangingPunct="1">
+              <a:spcBef>
+                <a:spcPts val="0"/>
+              </a:spcBef>
+              <a:buFont typeface="+mj-lt"/>
+              <a:buAutoNum type="arabicPeriod"/>
+            </a:pPr>
+            <a:r>
+              <a:rPr lang="en-US" altLang="en-US" dirty="0">
+                <a:latin typeface="Courier New" panose="02070309020205020404" pitchFamily="49" charset="0"/>
+                <a:cs typeface="Courier New" panose="02070309020205020404" pitchFamily="49" charset="0"/>
+              </a:rPr>
+              <a:t>sum += array[</a:t>
+            </a:r>
+            <a:r>
+              <a:rPr lang="en-US" altLang="en-US" dirty="0" err="1">
+                <a:latin typeface="Courier New" panose="02070309020205020404" pitchFamily="49" charset="0"/>
+                <a:cs typeface="Courier New" panose="02070309020205020404" pitchFamily="49" charset="0"/>
+              </a:rPr>
+              <a:t>i</a:t>
+            </a:r>
+            <a:r>
+              <a:rPr lang="en-US" altLang="en-US" dirty="0" smtClean="0">
+                <a:latin typeface="Courier New" panose="02070309020205020404" pitchFamily="49" charset="0"/>
+                <a:cs typeface="Courier New" panose="02070309020205020404" pitchFamily="49" charset="0"/>
+              </a:rPr>
+              <a:t>];</a:t>
+            </a:r>
+          </a:p>
+          <a:p>
+            <a:pPr marL="742950" indent="-742950" hangingPunct="1">
+              <a:spcBef>
+                <a:spcPts val="0"/>
+              </a:spcBef>
+              <a:buFont typeface="+mj-lt"/>
+              <a:buAutoNum type="arabicPeriod"/>
+            </a:pPr>
+            <a:r>
+              <a:rPr lang="en-US" altLang="en-US" dirty="0" err="1" smtClean="0">
+                <a:latin typeface="Courier New" panose="02070309020205020404" pitchFamily="49" charset="0"/>
+                <a:cs typeface="Courier New" panose="02070309020205020404" pitchFamily="49" charset="0"/>
+              </a:rPr>
+              <a:t>i</a:t>
+            </a:r>
+            <a:r>
+              <a:rPr lang="en-US" altLang="en-US" dirty="0" smtClean="0">
+                <a:latin typeface="Courier New" panose="02070309020205020404" pitchFamily="49" charset="0"/>
+                <a:cs typeface="Courier New" panose="02070309020205020404" pitchFamily="49" charset="0"/>
+              </a:rPr>
+              <a:t>++</a:t>
+            </a:r>
+          </a:p>
+          <a:p>
+            <a:pPr marL="742950" indent="-742950" hangingPunct="1">
+              <a:spcBef>
+                <a:spcPts val="0"/>
+              </a:spcBef>
+              <a:buFont typeface="+mj-lt"/>
+              <a:buAutoNum type="arabicPeriod"/>
+            </a:pPr>
+            <a:r>
+              <a:rPr lang="en-US" altLang="en-US" dirty="0" err="1" smtClean="0">
+                <a:latin typeface="Courier New" panose="02070309020205020404" pitchFamily="49" charset="0"/>
+                <a:cs typeface="Courier New" panose="02070309020205020404" pitchFamily="49" charset="0"/>
+              </a:rPr>
+              <a:t>i</a:t>
+            </a:r>
+            <a:r>
+              <a:rPr lang="en-US" altLang="en-US" dirty="0" smtClean="0">
+                <a:latin typeface="Courier New" panose="02070309020205020404" pitchFamily="49" charset="0"/>
+                <a:cs typeface="Courier New" panose="02070309020205020404" pitchFamily="49" charset="0"/>
+              </a:rPr>
+              <a:t>&lt;</a:t>
+            </a:r>
+            <a:r>
+              <a:rPr lang="en-US" altLang="en-US" dirty="0" err="1" smtClean="0">
+                <a:latin typeface="Courier New" panose="02070309020205020404" pitchFamily="49" charset="0"/>
+                <a:cs typeface="Courier New" panose="02070309020205020404" pitchFamily="49" charset="0"/>
+              </a:rPr>
+              <a:t>array.</a:t>
+            </a:r>
+            <a:r>
+              <a:rPr lang="en-US" altLang="en-US" b="1" dirty="0" err="1" smtClean="0">
+                <a:solidFill>
+                  <a:srgbClr val="660E7A"/>
+                </a:solidFill>
+                <a:latin typeface="Courier New" panose="02070309020205020404" pitchFamily="49" charset="0"/>
+                <a:cs typeface="Courier New" panose="02070309020205020404" pitchFamily="49" charset="0"/>
+              </a:rPr>
+              <a:t>length</a:t>
+            </a:r>
+            <a:r>
+              <a:rPr lang="en-US" altLang="en-US" dirty="0">
+                <a:latin typeface="Courier New" panose="02070309020205020404" pitchFamily="49" charset="0"/>
+                <a:cs typeface="Courier New" panose="02070309020205020404" pitchFamily="49" charset="0"/>
+              </a:rPr>
+              <a:t>;</a:t>
+            </a:r>
+          </a:p>
+          <a:p>
+            <a:pPr marL="742950" indent="-742950" hangingPunct="1">
+              <a:spcBef>
+                <a:spcPts val="0"/>
+              </a:spcBef>
+              <a:buFont typeface="+mj-lt"/>
+              <a:buAutoNum type="arabicPeriod"/>
+            </a:pPr>
+            <a:r>
+              <a:rPr lang="en-US" altLang="en-US" dirty="0">
+                <a:latin typeface="Courier New" panose="02070309020205020404" pitchFamily="49" charset="0"/>
+                <a:cs typeface="Courier New" panose="02070309020205020404" pitchFamily="49" charset="0"/>
+              </a:rPr>
+              <a:t>sum += array[</a:t>
+            </a:r>
+            <a:r>
+              <a:rPr lang="en-US" altLang="en-US" dirty="0" err="1">
+                <a:latin typeface="Courier New" panose="02070309020205020404" pitchFamily="49" charset="0"/>
+                <a:cs typeface="Courier New" panose="02070309020205020404" pitchFamily="49" charset="0"/>
+              </a:rPr>
+              <a:t>i</a:t>
+            </a:r>
+            <a:r>
+              <a:rPr lang="en-US" altLang="en-US" dirty="0" smtClean="0">
+                <a:latin typeface="Courier New" panose="02070309020205020404" pitchFamily="49" charset="0"/>
+                <a:cs typeface="Courier New" panose="02070309020205020404" pitchFamily="49" charset="0"/>
+              </a:rPr>
+              <a:t>];</a:t>
+            </a:r>
+          </a:p>
+          <a:p>
+            <a:pPr marL="742950" indent="-742950" hangingPunct="1">
+              <a:spcBef>
+                <a:spcPts val="0"/>
+              </a:spcBef>
+              <a:buFont typeface="+mj-lt"/>
+              <a:buAutoNum type="arabicPeriod"/>
+            </a:pPr>
+            <a:r>
+              <a:rPr lang="en-US" altLang="en-US" dirty="0" err="1" smtClean="0">
+                <a:latin typeface="Courier New" panose="02070309020205020404" pitchFamily="49" charset="0"/>
+                <a:cs typeface="Courier New" panose="02070309020205020404" pitchFamily="49" charset="0"/>
+              </a:rPr>
+              <a:t>i</a:t>
+            </a:r>
+            <a:r>
+              <a:rPr lang="en-US" altLang="en-US" dirty="0" smtClean="0">
+                <a:latin typeface="Courier New" panose="02070309020205020404" pitchFamily="49" charset="0"/>
+                <a:cs typeface="Courier New" panose="02070309020205020404" pitchFamily="49" charset="0"/>
+              </a:rPr>
+              <a:t>++</a:t>
+            </a:r>
+          </a:p>
+          <a:p>
+            <a:pPr marL="742950" indent="-742950" hangingPunct="1">
+              <a:spcBef>
+                <a:spcPts val="0"/>
+              </a:spcBef>
+              <a:buFont typeface="+mj-lt"/>
+              <a:buAutoNum type="arabicPeriod"/>
+            </a:pPr>
+            <a:r>
+              <a:rPr lang="en-US" altLang="en-US" dirty="0" err="1">
+                <a:latin typeface="Courier New" panose="02070309020205020404" pitchFamily="49" charset="0"/>
+                <a:cs typeface="Courier New" panose="02070309020205020404" pitchFamily="49" charset="0"/>
+              </a:rPr>
+              <a:t>i</a:t>
+            </a:r>
+            <a:r>
+              <a:rPr lang="en-US" altLang="en-US" dirty="0">
+                <a:latin typeface="Courier New" panose="02070309020205020404" pitchFamily="49" charset="0"/>
+                <a:cs typeface="Courier New" panose="02070309020205020404" pitchFamily="49" charset="0"/>
+              </a:rPr>
+              <a:t>&lt;</a:t>
+            </a:r>
+            <a:r>
+              <a:rPr lang="en-US" altLang="en-US" dirty="0" err="1">
+                <a:latin typeface="Courier New" panose="02070309020205020404" pitchFamily="49" charset="0"/>
+                <a:cs typeface="Courier New" panose="02070309020205020404" pitchFamily="49" charset="0"/>
+              </a:rPr>
+              <a:t>array.</a:t>
+            </a:r>
+            <a:r>
+              <a:rPr lang="en-US" altLang="en-US" b="1" dirty="0" err="1">
+                <a:solidFill>
+                  <a:srgbClr val="660E7A"/>
+                </a:solidFill>
+                <a:latin typeface="Courier New" panose="02070309020205020404" pitchFamily="49" charset="0"/>
+                <a:cs typeface="Courier New" panose="02070309020205020404" pitchFamily="49" charset="0"/>
+              </a:rPr>
+              <a:t>length</a:t>
+            </a:r>
+            <a:r>
+              <a:rPr lang="en-US" altLang="en-US" dirty="0" smtClean="0">
+                <a:latin typeface="Courier New" panose="02070309020205020404" pitchFamily="49" charset="0"/>
+                <a:cs typeface="Courier New" panose="02070309020205020404" pitchFamily="49" charset="0"/>
+              </a:rPr>
+              <a:t>;</a:t>
+            </a:r>
+          </a:p>
+          <a:p>
+            <a:pPr marL="742950" indent="-742950" hangingPunct="1">
+              <a:spcBef>
+                <a:spcPts val="0"/>
+              </a:spcBef>
+              <a:buFont typeface="+mj-lt"/>
+              <a:buAutoNum type="arabicPeriod"/>
+            </a:pPr>
+            <a:r>
+              <a:rPr lang="en-US" altLang="en-US" b="1" dirty="0" smtClean="0">
+                <a:solidFill>
+                  <a:srgbClr val="000080"/>
+                </a:solidFill>
+                <a:latin typeface="Courier New" panose="02070309020205020404" pitchFamily="49" charset="0"/>
+                <a:cs typeface="Courier New" panose="02070309020205020404" pitchFamily="49" charset="0"/>
+              </a:rPr>
+              <a:t>return </a:t>
+            </a:r>
+            <a:r>
+              <a:rPr lang="en-US" altLang="en-US" dirty="0" smtClean="0">
+                <a:latin typeface="Courier New" panose="02070309020205020404" pitchFamily="49" charset="0"/>
+                <a:cs typeface="Courier New" panose="02070309020205020404" pitchFamily="49" charset="0"/>
+              </a:rPr>
+              <a:t>sum;</a:t>
+            </a:r>
+            <a:endParaRPr lang="en-US" dirty="0"/>
+          </a:p>
+        </p:txBody>
+      </p:sp>
+      <p:sp>
+        <p:nvSpPr>
+          <p:cNvPr id="6" name="TextBox 5"/>
+          <p:cNvSpPr txBox="1"/>
+          <p:nvPr/>
+        </p:nvSpPr>
+        <p:spPr>
+          <a:xfrm>
+            <a:off x="6908077" y="1168042"/>
+            <a:ext cx="5009385" cy="718145"/>
+          </a:xfrm>
+          <a:prstGeom prst="rect">
+            <a:avLst/>
+          </a:prstGeom>
+          <a:noFill/>
+          <a:ln w="12700" cap="flat">
+            <a:noFill/>
+            <a:miter lim="400000"/>
+          </a:ln>
+          <a:effectLst/>
+          <a:sp3d/>
+        </p:spPr>
+        <p:style>
+          <a:lnRef idx="0">
+            <a:scrgbClr r="0" g="0" b="0"/>
+          </a:lnRef>
+          <a:fillRef idx="0">
+            <a:scrgbClr r="0" g="0" b="0"/>
+          </a:fillRef>
+          <a:effectRef idx="0">
+            <a:scrgbClr r="0" g="0" b="0"/>
+          </a:effectRef>
+          <a:fontRef idx="none"/>
+        </p:style>
+        <p:txBody>
+          <a:bodyPr rot="0" spcFirstLastPara="1" vertOverflow="overflow" horzOverflow="overflow" vert="horz" wrap="none" lIns="50800" tIns="50800" rIns="50800" bIns="50800" numCol="1" spcCol="38100" rtlCol="0" anchor="ctr">
+            <a:spAutoFit/>
+          </a:bodyPr>
+          <a:lstStyle/>
+          <a:p>
+            <a:pPr algn="l"/>
+            <a:r>
+              <a:rPr lang="en-US" sz="4000" dirty="0" smtClean="0"/>
+              <a:t>instructions(N=3)=13 </a:t>
+            </a:r>
+            <a:endParaRPr lang="en-US" sz="4000" dirty="0"/>
+          </a:p>
+        </p:txBody>
+      </p:sp>
+      <p:sp>
+        <p:nvSpPr>
+          <p:cNvPr id="7" name="TextBox 6"/>
+          <p:cNvSpPr txBox="1"/>
+          <p:nvPr/>
+        </p:nvSpPr>
+        <p:spPr>
+          <a:xfrm>
+            <a:off x="208367" y="1482428"/>
+            <a:ext cx="6171258" cy="718145"/>
+          </a:xfrm>
+          <a:prstGeom prst="rect">
+            <a:avLst/>
+          </a:prstGeom>
+          <a:noFill/>
+          <a:ln w="12700" cap="flat">
+            <a:noFill/>
+            <a:miter lim="400000"/>
+          </a:ln>
+          <a:effectLst/>
+          <a:sp3d/>
+        </p:spPr>
+        <p:style>
+          <a:lnRef idx="0">
+            <a:scrgbClr r="0" g="0" b="0"/>
+          </a:lnRef>
+          <a:fillRef idx="0">
+            <a:scrgbClr r="0" g="0" b="0"/>
+          </a:fillRef>
+          <a:effectRef idx="0">
+            <a:scrgbClr r="0" g="0" b="0"/>
+          </a:effectRef>
+          <a:fontRef idx="none"/>
+        </p:style>
+        <p:txBody>
+          <a:bodyPr rot="0" spcFirstLastPara="1" vertOverflow="overflow" horzOverflow="overflow" vert="horz" wrap="square" lIns="50800" tIns="50800" rIns="50800" bIns="50800" numCol="1" spcCol="38100" rtlCol="0" anchor="ctr">
+            <a:spAutoFit/>
+          </a:bodyPr>
+          <a:lstStyle/>
+          <a:p>
+            <a:pPr algn="l"/>
+            <a:r>
+              <a:rPr lang="en-US" sz="4000" dirty="0"/>
+              <a:t>instructions(N=0</a:t>
+            </a:r>
+            <a:r>
+              <a:rPr lang="en-US" sz="4000" dirty="0" smtClean="0"/>
+              <a:t>)=4 </a:t>
+            </a:r>
+            <a:endParaRPr kumimoji="0" lang="en-US" sz="4000" b="0" i="0" u="none" strike="noStrike" cap="none" spc="0" normalizeH="0" baseline="0" dirty="0">
+              <a:ln>
+                <a:noFill/>
+              </a:ln>
+              <a:solidFill>
+                <a:srgbClr val="000000"/>
+              </a:solidFill>
+              <a:effectLst/>
+              <a:uFillTx/>
+              <a:sym typeface="Helvetica Light"/>
+            </a:endParaRPr>
+          </a:p>
+        </p:txBody>
+      </p:sp>
+      <p:sp>
+        <p:nvSpPr>
+          <p:cNvPr id="8" name="TextBox 7"/>
+          <p:cNvSpPr txBox="1"/>
+          <p:nvPr/>
+        </p:nvSpPr>
+        <p:spPr>
+          <a:xfrm>
+            <a:off x="208367" y="74250"/>
+            <a:ext cx="6607578" cy="841256"/>
+          </a:xfrm>
+          <a:prstGeom prst="rect">
+            <a:avLst/>
+          </a:prstGeom>
+          <a:noFill/>
+          <a:ln w="12700" cap="flat">
+            <a:noFill/>
+            <a:miter lim="400000"/>
+          </a:ln>
+          <a:effectLst/>
+          <a:sp3d/>
+        </p:spPr>
+        <p:style>
+          <a:lnRef idx="0">
+            <a:scrgbClr r="0" g="0" b="0"/>
+          </a:lnRef>
+          <a:fillRef idx="0">
+            <a:scrgbClr r="0" g="0" b="0"/>
+          </a:fillRef>
+          <a:effectRef idx="0">
+            <a:scrgbClr r="0" g="0" b="0"/>
+          </a:effectRef>
+          <a:fontRef idx="none"/>
+        </p:style>
+        <p:txBody>
+          <a:bodyPr rot="0" spcFirstLastPara="1" vertOverflow="overflow" horzOverflow="overflow" vert="horz" wrap="none" lIns="50800" tIns="50800" rIns="50800" bIns="50800" numCol="1" spcCol="38100" rtlCol="0" anchor="ctr">
+            <a:spAutoFit/>
+          </a:bodyPr>
+          <a:lstStyle/>
+          <a:p>
+            <a:pPr algn="l"/>
+            <a:r>
+              <a:rPr lang="en-US" sz="4800" dirty="0" smtClean="0"/>
+              <a:t>instructions(N)= 3N + 4 </a:t>
+            </a:r>
+            <a:endParaRPr lang="en-US" sz="4800" dirty="0"/>
+          </a:p>
+        </p:txBody>
+      </p:sp>
+      <p:sp>
+        <p:nvSpPr>
+          <p:cNvPr id="9" name="Left Brace 8"/>
+          <p:cNvSpPr/>
+          <p:nvPr/>
+        </p:nvSpPr>
+        <p:spPr>
+          <a:xfrm>
+            <a:off x="6655853" y="4023763"/>
+            <a:ext cx="395346" cy="1103586"/>
+          </a:xfrm>
+          <a:prstGeom prst="leftBrace">
+            <a:avLst>
+              <a:gd name="adj1" fmla="val 8333"/>
+              <a:gd name="adj2" fmla="val 52069"/>
+            </a:avLst>
+          </a:prstGeom>
+          <a:noFill/>
+          <a:ln w="25400" cap="flat">
+            <a:solidFill>
+              <a:srgbClr val="000000"/>
+            </a:solidFill>
+            <a:prstDash val="solid"/>
+            <a:miter lim="400000"/>
+          </a:ln>
+          <a:effectLst/>
+          <a:sp3d/>
+        </p:spPr>
+        <p:style>
+          <a:lnRef idx="0">
+            <a:scrgbClr r="0" g="0" b="0"/>
+          </a:lnRef>
+          <a:fillRef idx="0">
+            <a:scrgbClr r="0" g="0" b="0"/>
+          </a:fillRef>
+          <a:effectRef idx="0">
+            <a:scrgbClr r="0" g="0" b="0"/>
+          </a:effectRef>
+          <a:fontRef idx="none"/>
+        </p:style>
+        <p:txBody>
+          <a:bodyPr rot="0" spcFirstLastPara="1" vertOverflow="overflow" horzOverflow="overflow" vert="horz" wrap="square" lIns="91439" tIns="45719" rIns="91439" bIns="45719" numCol="1" spcCol="38100" rtlCol="0" anchor="t">
+            <a:noAutofit/>
+          </a:bodyPr>
+          <a:lstStyle/>
+          <a:p>
+            <a:pPr marL="0" marR="0" indent="0" algn="l" defTabSz="914400" rtl="0" fontAlgn="auto" latinLnBrk="1" hangingPunct="0">
+              <a:lnSpc>
+                <a:spcPct val="100000"/>
+              </a:lnSpc>
+              <a:spcBef>
+                <a:spcPts val="0"/>
+              </a:spcBef>
+              <a:spcAft>
+                <a:spcPts val="0"/>
+              </a:spcAft>
+              <a:buClrTx/>
+              <a:buSzTx/>
+              <a:buFontTx/>
+              <a:buNone/>
+              <a:tabLst/>
+            </a:pPr>
+            <a:endParaRPr kumimoji="0" lang="en-US" sz="1800" b="0" i="0" u="none" strike="noStrike" cap="none" spc="0" normalizeH="0" baseline="0">
+              <a:ln>
+                <a:noFill/>
+              </a:ln>
+              <a:solidFill>
+                <a:srgbClr val="000000"/>
+              </a:solidFill>
+              <a:effectLst/>
+              <a:uFillTx/>
+            </a:endParaRPr>
+          </a:p>
+        </p:txBody>
+      </p:sp>
+      <p:sp>
+        <p:nvSpPr>
+          <p:cNvPr id="10" name="Left Brace 9"/>
+          <p:cNvSpPr/>
+          <p:nvPr/>
+        </p:nvSpPr>
+        <p:spPr>
+          <a:xfrm>
+            <a:off x="6652832" y="5621721"/>
+            <a:ext cx="395346" cy="1103586"/>
+          </a:xfrm>
+          <a:prstGeom prst="leftBrace">
+            <a:avLst>
+              <a:gd name="adj1" fmla="val 8333"/>
+              <a:gd name="adj2" fmla="val 52069"/>
+            </a:avLst>
+          </a:prstGeom>
+          <a:noFill/>
+          <a:ln w="25400" cap="flat">
+            <a:solidFill>
+              <a:srgbClr val="000000"/>
+            </a:solidFill>
+            <a:prstDash val="solid"/>
+            <a:miter lim="400000"/>
+          </a:ln>
+          <a:effectLst/>
+          <a:sp3d/>
+        </p:spPr>
+        <p:style>
+          <a:lnRef idx="0">
+            <a:scrgbClr r="0" g="0" b="0"/>
+          </a:lnRef>
+          <a:fillRef idx="0">
+            <a:scrgbClr r="0" g="0" b="0"/>
+          </a:fillRef>
+          <a:effectRef idx="0">
+            <a:scrgbClr r="0" g="0" b="0"/>
+          </a:effectRef>
+          <a:fontRef idx="none"/>
+        </p:style>
+        <p:txBody>
+          <a:bodyPr rot="0" spcFirstLastPara="1" vertOverflow="overflow" horzOverflow="overflow" vert="horz" wrap="square" lIns="91439" tIns="45719" rIns="91439" bIns="45719" numCol="1" spcCol="38100" rtlCol="0" anchor="t">
+            <a:noAutofit/>
+          </a:bodyPr>
+          <a:lstStyle/>
+          <a:p>
+            <a:pPr marL="0" marR="0" indent="0" algn="l" defTabSz="914400" rtl="0" fontAlgn="auto" latinLnBrk="1" hangingPunct="0">
+              <a:lnSpc>
+                <a:spcPct val="100000"/>
+              </a:lnSpc>
+              <a:spcBef>
+                <a:spcPts val="0"/>
+              </a:spcBef>
+              <a:spcAft>
+                <a:spcPts val="0"/>
+              </a:spcAft>
+              <a:buClrTx/>
+              <a:buSzTx/>
+              <a:buFontTx/>
+              <a:buNone/>
+              <a:tabLst/>
+            </a:pPr>
+            <a:endParaRPr kumimoji="0" lang="en-US" sz="1800" b="0" i="0" u="none" strike="noStrike" cap="none" spc="0" normalizeH="0" baseline="0">
+              <a:ln>
+                <a:noFill/>
+              </a:ln>
+              <a:solidFill>
+                <a:srgbClr val="000000"/>
+              </a:solidFill>
+              <a:effectLst/>
+              <a:uFillTx/>
+            </a:endParaRPr>
+          </a:p>
+        </p:txBody>
+      </p:sp>
+      <p:sp>
+        <p:nvSpPr>
+          <p:cNvPr id="11" name="Left Brace 10"/>
+          <p:cNvSpPr/>
+          <p:nvPr/>
+        </p:nvSpPr>
+        <p:spPr>
+          <a:xfrm>
+            <a:off x="6662690" y="7264926"/>
+            <a:ext cx="395346" cy="1103586"/>
+          </a:xfrm>
+          <a:prstGeom prst="leftBrace">
+            <a:avLst>
+              <a:gd name="adj1" fmla="val 8333"/>
+              <a:gd name="adj2" fmla="val 52069"/>
+            </a:avLst>
+          </a:prstGeom>
+          <a:noFill/>
+          <a:ln w="25400" cap="flat">
+            <a:solidFill>
+              <a:srgbClr val="000000"/>
+            </a:solidFill>
+            <a:prstDash val="solid"/>
+            <a:miter lim="400000"/>
+          </a:ln>
+          <a:effectLst/>
+          <a:sp3d/>
+        </p:spPr>
+        <p:style>
+          <a:lnRef idx="0">
+            <a:scrgbClr r="0" g="0" b="0"/>
+          </a:lnRef>
+          <a:fillRef idx="0">
+            <a:scrgbClr r="0" g="0" b="0"/>
+          </a:fillRef>
+          <a:effectRef idx="0">
+            <a:scrgbClr r="0" g="0" b="0"/>
+          </a:effectRef>
+          <a:fontRef idx="none"/>
+        </p:style>
+        <p:txBody>
+          <a:bodyPr rot="0" spcFirstLastPara="1" vertOverflow="overflow" horzOverflow="overflow" vert="horz" wrap="square" lIns="91439" tIns="45719" rIns="91439" bIns="45719" numCol="1" spcCol="38100" rtlCol="0" anchor="t">
+            <a:noAutofit/>
+          </a:bodyPr>
+          <a:lstStyle/>
+          <a:p>
+            <a:pPr marL="0" marR="0" indent="0" algn="l" defTabSz="914400" rtl="0" fontAlgn="auto" latinLnBrk="1" hangingPunct="0">
+              <a:lnSpc>
+                <a:spcPct val="100000"/>
+              </a:lnSpc>
+              <a:spcBef>
+                <a:spcPts val="0"/>
+              </a:spcBef>
+              <a:spcAft>
+                <a:spcPts val="0"/>
+              </a:spcAft>
+              <a:buClrTx/>
+              <a:buSzTx/>
+              <a:buFontTx/>
+              <a:buNone/>
+              <a:tabLst/>
+            </a:pPr>
+            <a:endParaRPr kumimoji="0" lang="en-US" sz="1800" b="0" i="0" u="none" strike="noStrike" cap="none" spc="0" normalizeH="0" baseline="0">
+              <a:ln>
+                <a:noFill/>
+              </a:ln>
+              <a:solidFill>
+                <a:srgbClr val="000000"/>
+              </a:solidFill>
+              <a:effectLst/>
+              <a:uFillTx/>
+            </a:endParaRPr>
+          </a:p>
+        </p:txBody>
+      </p:sp>
+      <p:sp>
+        <p:nvSpPr>
+          <p:cNvPr id="12" name="TextBox 11"/>
+          <p:cNvSpPr txBox="1"/>
+          <p:nvPr/>
+        </p:nvSpPr>
+        <p:spPr>
+          <a:xfrm>
+            <a:off x="66227" y="4924100"/>
+            <a:ext cx="6250859" cy="4534575"/>
+          </a:xfrm>
+          <a:prstGeom prst="rect">
+            <a:avLst/>
+          </a:prstGeom>
+          <a:noFill/>
+          <a:ln w="12700" cap="flat">
+            <a:noFill/>
+            <a:miter lim="400000"/>
+          </a:ln>
+          <a:effectLst/>
+          <a:sp3d/>
+        </p:spPr>
+        <p:style>
+          <a:lnRef idx="0">
+            <a:scrgbClr r="0" g="0" b="0"/>
+          </a:lnRef>
+          <a:fillRef idx="0">
+            <a:scrgbClr r="0" g="0" b="0"/>
+          </a:fillRef>
+          <a:effectRef idx="0">
+            <a:scrgbClr r="0" g="0" b="0"/>
+          </a:effectRef>
+          <a:fontRef idx="none"/>
+        </p:style>
+        <p:txBody>
+          <a:bodyPr rot="0" spcFirstLastPara="1" vertOverflow="overflow" horzOverflow="overflow" vert="horz" wrap="square" lIns="50800" tIns="50800" rIns="50800" bIns="50800" numCol="1" spcCol="38100" rtlCol="0" anchor="ctr">
+            <a:spAutoFit/>
+          </a:bodyPr>
+          <a:lstStyle/>
+          <a:p>
+            <a:pPr marL="571500" marR="0" indent="-571500" algn="l" defTabSz="584200" rtl="0" fontAlgn="auto" latinLnBrk="0" hangingPunct="0">
+              <a:lnSpc>
+                <a:spcPct val="100000"/>
+              </a:lnSpc>
+              <a:spcBef>
+                <a:spcPts val="0"/>
+              </a:spcBef>
+              <a:spcAft>
+                <a:spcPts val="0"/>
+              </a:spcAft>
+              <a:buClrTx/>
+              <a:buSzTx/>
+              <a:buFont typeface="Arial" panose="020B0604020202020204" pitchFamily="34" charset="0"/>
+              <a:buChar char="•"/>
+              <a:tabLst/>
+            </a:pPr>
+            <a:r>
+              <a:rPr kumimoji="0" lang="en-US" sz="3600" b="0" i="0" u="none" strike="noStrike" cap="none" spc="0" normalizeH="0" baseline="0" dirty="0" smtClean="0">
+                <a:ln>
+                  <a:noFill/>
+                </a:ln>
+                <a:solidFill>
+                  <a:srgbClr val="000000"/>
+                </a:solidFill>
+                <a:effectLst/>
+                <a:uFillTx/>
+                <a:latin typeface="+mn-lt"/>
+                <a:ea typeface="+mn-ea"/>
+                <a:cs typeface="+mn-cs"/>
+                <a:sym typeface="Helvetica Light"/>
+              </a:rPr>
+              <a:t>Number of instructions depends on size N of the array, plus some constant cost</a:t>
+            </a:r>
+          </a:p>
+          <a:p>
+            <a:pPr marL="571500" marR="0" indent="-571500" algn="l" defTabSz="584200" rtl="0" fontAlgn="auto" latinLnBrk="0" hangingPunct="0">
+              <a:lnSpc>
+                <a:spcPct val="100000"/>
+              </a:lnSpc>
+              <a:spcBef>
+                <a:spcPts val="0"/>
+              </a:spcBef>
+              <a:spcAft>
+                <a:spcPts val="0"/>
+              </a:spcAft>
+              <a:buClrTx/>
+              <a:buSzTx/>
+              <a:buFont typeface="Arial" panose="020B0604020202020204" pitchFamily="34" charset="0"/>
+              <a:buChar char="•"/>
+              <a:tabLst/>
+            </a:pPr>
+            <a:r>
+              <a:rPr lang="en-US" dirty="0" smtClean="0"/>
+              <a:t>Can be represented with a function, </a:t>
+            </a:r>
+            <a:r>
+              <a:rPr lang="en-US" dirty="0" err="1" smtClean="0"/>
+              <a:t>eg</a:t>
+            </a:r>
+            <a:r>
+              <a:rPr lang="en-US" dirty="0" smtClean="0"/>
+              <a:t> </a:t>
+            </a:r>
+            <a:r>
+              <a:rPr lang="en-US" i="1" dirty="0" smtClean="0"/>
+              <a:t>f(N)=3N+4</a:t>
+            </a:r>
+          </a:p>
+          <a:p>
+            <a:pPr marL="571500" marR="0" indent="-571500" algn="l" defTabSz="584200" rtl="0" fontAlgn="auto" latinLnBrk="0" hangingPunct="0">
+              <a:lnSpc>
+                <a:spcPct val="100000"/>
+              </a:lnSpc>
+              <a:spcBef>
+                <a:spcPts val="0"/>
+              </a:spcBef>
+              <a:spcAft>
+                <a:spcPts val="0"/>
+              </a:spcAft>
+              <a:buClrTx/>
+              <a:buSzTx/>
+              <a:buFont typeface="Arial" panose="020B0604020202020204" pitchFamily="34" charset="0"/>
+              <a:buChar char="•"/>
+              <a:tabLst/>
+            </a:pPr>
+            <a:r>
+              <a:rPr kumimoji="0" lang="en-US" sz="3600" b="0" i="0" u="none" strike="noStrike" cap="none" spc="0" normalizeH="0" baseline="0" dirty="0" smtClean="0">
+                <a:ln>
+                  <a:noFill/>
+                </a:ln>
+                <a:solidFill>
+                  <a:srgbClr val="000000"/>
+                </a:solidFill>
+                <a:effectLst/>
+                <a:uFillTx/>
+                <a:latin typeface="+mn-lt"/>
+                <a:ea typeface="+mn-ea"/>
+                <a:cs typeface="+mn-cs"/>
+                <a:sym typeface="Helvetica Light"/>
+              </a:rPr>
+              <a:t>For large N, constants are not important</a:t>
+            </a:r>
+            <a:endParaRPr kumimoji="0" lang="en-US" sz="3600" b="0" i="0" u="none" strike="noStrike" cap="none" spc="0" normalizeH="0" baseline="0" dirty="0">
+              <a:ln>
+                <a:noFill/>
+              </a:ln>
+              <a:solidFill>
+                <a:srgbClr val="000000"/>
+              </a:solidFill>
+              <a:effectLst/>
+              <a:uFillTx/>
+              <a:latin typeface="+mn-lt"/>
+              <a:ea typeface="+mn-ea"/>
+              <a:cs typeface="+mn-cs"/>
+              <a:sym typeface="Helvetica Light"/>
+            </a:endParaRPr>
+          </a:p>
+        </p:txBody>
+      </p:sp>
+    </p:spTree>
+    <p:extLst>
+      <p:ext uri="{BB962C8B-B14F-4D97-AF65-F5344CB8AC3E}">
+        <p14:creationId xmlns:p14="http://schemas.microsoft.com/office/powerpoint/2010/main" val="1804851279"/>
+      </p:ext>
+    </p:extLst>
+  </p:cSld>
+  <p:clrMapOvr>
+    <a:masterClrMapping/>
+  </p:clrMapOvr>
+  <p:transition spd="med"/>
+</p:sld>
+</file>
+
+<file path=ppt/slides/slide40.xml><?xml version="1.0" encoding="utf-8"?>
 <p:sld xmlns:a="http://schemas.openxmlformats.org/drawingml/2006/main" xmlns:r="http://schemas.openxmlformats.org/officeDocument/2006/relationships" xmlns:p="http://schemas.openxmlformats.org/presentationml/2006/main">
   <p:cSld>
     <p:spTree>
@@ -17694,7 +20476,7 @@
 </p:sld>
 </file>
 
-<file path=ppt/slides/slide39.xml><?xml version="1.0" encoding="utf-8"?>
+<file path=ppt/slides/slide41.xml><?xml version="1.0" encoding="utf-8"?>
 <p:sld xmlns:a="http://schemas.openxmlformats.org/drawingml/2006/main" xmlns:r="http://schemas.openxmlformats.org/officeDocument/2006/relationships" xmlns:p="http://schemas.openxmlformats.org/presentationml/2006/main">
   <p:cSld>
     <p:spTree>
@@ -17979,1625 +20761,7 @@
 </p:sld>
 </file>
 
-<file path=ppt/slides/slide4.xml><?xml version="1.0" encoding="utf-8"?>
-<p:sld xmlns:a="http://schemas.openxmlformats.org/drawingml/2006/main" xmlns:r="http://schemas.openxmlformats.org/officeDocument/2006/relationships" xmlns:p="http://schemas.openxmlformats.org/presentationml/2006/main">
-  <p:cSld>
-    <p:spTree>
-      <p:nvGrpSpPr>
-        <p:cNvPr id="1" name=""/>
-        <p:cNvGrpSpPr/>
-        <p:nvPr/>
-      </p:nvGrpSpPr>
-      <p:grpSpPr>
-        <a:xfrm>
-          <a:off x="0" y="0"/>
-          <a:ext cx="0" cy="0"/>
-          <a:chOff x="0" y="0"/>
-          <a:chExt cx="0" cy="0"/>
-        </a:xfrm>
-      </p:grpSpPr>
-      <mc:AlternateContent xmlns:mc="http://schemas.openxmlformats.org/markup-compatibility/2006" xmlns:a14="http://schemas.microsoft.com/office/drawing/2010/main">
-        <mc:Choice Requires="a14">
-          <p:sp>
-            <p:nvSpPr>
-              <p:cNvPr id="3" name="Text Placeholder 2"/>
-              <p:cNvSpPr>
-                <a:spLocks noGrp="1"/>
-              </p:cNvSpPr>
-              <p:nvPr>
-                <p:ph type="body" idx="1"/>
-              </p:nvPr>
-            </p:nvSpPr>
-            <p:spPr>
-              <a:xfrm>
-                <a:off x="361950" y="4583637"/>
-                <a:ext cx="12306300" cy="3936999"/>
-              </a:xfrm>
-            </p:spPr>
-            <p:txBody>
-              <a:bodyPr>
-                <a:normAutofit/>
-              </a:bodyPr>
-              <a:lstStyle/>
-              <a:p>
-                <a:r>
-                  <a:rPr lang="en-US" dirty="0" smtClean="0"/>
-                  <a:t>Two nested loops </a:t>
-                </a:r>
-              </a:p>
-              <a:p>
-                <a:r>
-                  <a:rPr lang="en-US" dirty="0" smtClean="0"/>
-                  <a:t>Inner loop executed once per each element in array</a:t>
-                </a:r>
-              </a:p>
-              <a:p>
-                <a:r>
-                  <a:rPr lang="en-US" dirty="0" smtClean="0"/>
-                  <a:t>So, </a:t>
-                </a:r>
-                <a14:m>
-                  <m:oMath xmlns:m="http://schemas.openxmlformats.org/officeDocument/2006/math">
-                    <m:r>
-                      <a:rPr lang="en-US" b="0" i="1" smtClean="0">
-                        <a:latin typeface="Cambria Math" panose="02040503050406030204" pitchFamily="18" charset="0"/>
-                      </a:rPr>
-                      <m:t>𝑁</m:t>
-                    </m:r>
-                    <m:r>
-                      <a:rPr lang="en-US" b="0" i="1" smtClean="0">
-                        <a:latin typeface="Cambria Math" panose="02040503050406030204" pitchFamily="18" charset="0"/>
-                      </a:rPr>
-                      <m:t>∗</m:t>
-                    </m:r>
-                    <m:r>
-                      <a:rPr lang="en-US" b="0" i="1" smtClean="0">
-                        <a:latin typeface="Cambria Math" panose="02040503050406030204" pitchFamily="18" charset="0"/>
-                      </a:rPr>
-                      <m:t>𝑁</m:t>
-                    </m:r>
-                    <m:r>
-                      <a:rPr lang="en-US" b="0" i="1" smtClean="0">
-                        <a:latin typeface="Cambria Math" panose="02040503050406030204" pitchFamily="18" charset="0"/>
-                      </a:rPr>
-                      <m:t>=</m:t>
-                    </m:r>
-                    <m:sSup>
-                      <m:sSupPr>
-                        <m:ctrlPr>
-                          <a:rPr lang="en-US" b="0" i="1" smtClean="0">
-                            <a:latin typeface="Cambria Math" panose="02040503050406030204" pitchFamily="18" charset="0"/>
-                          </a:rPr>
-                        </m:ctrlPr>
-                      </m:sSupPr>
-                      <m:e>
-                        <m:r>
-                          <a:rPr lang="en-US" b="0" i="1" smtClean="0">
-                            <a:latin typeface="Cambria Math" panose="02040503050406030204" pitchFamily="18" charset="0"/>
-                          </a:rPr>
-                          <m:t>𝑁</m:t>
-                        </m:r>
-                      </m:e>
-                      <m:sup>
-                        <m:r>
-                          <a:rPr lang="en-US" b="0" i="1" smtClean="0">
-                            <a:latin typeface="Cambria Math" panose="02040503050406030204" pitchFamily="18" charset="0"/>
-                          </a:rPr>
-                          <m:t>2</m:t>
-                        </m:r>
-                      </m:sup>
-                    </m:sSup>
-                  </m:oMath>
-                </a14:m>
-                <a:endParaRPr lang="en-US" b="0" dirty="0" smtClean="0"/>
-              </a:p>
-              <a:p>
-                <a:r>
-                  <a:rPr lang="en-US" dirty="0" smtClean="0"/>
-                  <a:t>Twice as big is now </a:t>
-                </a:r>
-                <a14:m>
-                  <m:oMath xmlns:m="http://schemas.openxmlformats.org/officeDocument/2006/math">
-                    <m:r>
-                      <a:rPr lang="en-US" b="0" i="1" smtClean="0">
-                        <a:latin typeface="Cambria Math" panose="02040503050406030204" pitchFamily="18" charset="0"/>
-                      </a:rPr>
-                      <m:t>2∗2=4</m:t>
-                    </m:r>
-                  </m:oMath>
-                </a14:m>
-                <a:r>
-                  <a:rPr lang="en-US" dirty="0" smtClean="0"/>
-                  <a:t> times as slow!!! (roughly)</a:t>
-                </a:r>
-                <a:endParaRPr lang="en-US" dirty="0"/>
-              </a:p>
-            </p:txBody>
-          </p:sp>
-        </mc:Choice>
-        <mc:Fallback xmlns="">
-          <p:sp>
-            <p:nvSpPr>
-              <p:cNvPr id="3" name="Text Placeholder 2"/>
-              <p:cNvSpPr>
-                <a:spLocks noGrp="1" noRot="1" noChangeAspect="1" noMove="1" noResize="1" noEditPoints="1" noAdjustHandles="1" noChangeArrowheads="1" noChangeShapeType="1" noTextEdit="1"/>
-              </p:cNvSpPr>
-              <p:nvPr>
-                <p:ph type="body" idx="1"/>
-              </p:nvPr>
-            </p:nvSpPr>
-            <p:spPr>
-              <a:xfrm>
-                <a:off x="361950" y="4583637"/>
-                <a:ext cx="12306300" cy="3936999"/>
-              </a:xfrm>
-              <a:blipFill>
-                <a:blip r:embed="rId2"/>
-                <a:stretch>
-                  <a:fillRect l="-1139" t="-1703" b="-5108"/>
-                </a:stretch>
-              </a:blipFill>
-            </p:spPr>
-            <p:txBody>
-              <a:bodyPr/>
-              <a:lstStyle/>
-              <a:p>
-                <a:r>
-                  <a:rPr lang="en-US">
-                    <a:noFill/>
-                  </a:rPr>
-                  <a:t> </a:t>
-                </a:r>
-              </a:p>
-            </p:txBody>
-          </p:sp>
-        </mc:Fallback>
-      </mc:AlternateContent>
-      <p:sp>
-        <p:nvSpPr>
-          <p:cNvPr id="4" name="Rectangle 1"/>
-          <p:cNvSpPr>
-            <a:spLocks noChangeArrowheads="1"/>
-          </p:cNvSpPr>
-          <p:nvPr/>
-        </p:nvSpPr>
-        <p:spPr bwMode="auto">
-          <a:xfrm>
-            <a:off x="552451" y="759885"/>
-            <a:ext cx="7143750" cy="3785652"/>
-          </a:xfrm>
-          <a:prstGeom prst="rect">
-            <a:avLst/>
-          </a:prstGeom>
-          <a:solidFill>
-            <a:srgbClr val="FFFFFF"/>
-          </a:solidFill>
-          <a:ln>
-            <a:noFill/>
-          </a:ln>
-          <a:effectLst/>
-          <a:extLst>
-            <a:ext uri="{91240B29-F687-4F45-9708-019B960494DF}">
-              <a14:hiddenLine xmlns:a14="http://schemas.microsoft.com/office/drawing/2010/main" w="9525">
-                <a:solidFill>
-                  <a:schemeClr val="tx1"/>
-                </a:solidFill>
-                <a:miter lim="800000"/>
-                <a:headEnd/>
-                <a:tailEnd/>
-              </a14:hiddenLine>
-            </a:ext>
-            <a:ext uri="{AF507438-7753-43E0-B8FC-AC1667EBCBE1}">
-              <a14:hiddenEffects xmlns:a14="http://schemas.microsoft.com/office/drawing/2010/main">
-                <a:effectLst>
-                  <a:outerShdw dist="35921" dir="2700000" algn="ctr" rotWithShape="0">
-                    <a:schemeClr val="bg2"/>
-                  </a:outerShdw>
-                </a:effectLst>
-              </a14:hiddenEffects>
-            </a:ext>
-          </a:extLst>
-        </p:spPr>
-        <p:txBody>
-          <a:bodyPr vert="horz" wrap="square" lIns="91440" tIns="45720" rIns="91440" bIns="45720" numCol="1" anchor="ctr" anchorCtr="0" compatLnSpc="1">
-            <a:prstTxWarp prst="textNoShape">
-              <a:avLst/>
-            </a:prstTxWarp>
-            <a:spAutoFit/>
-          </a:bodyPr>
-          <a:lstStyle/>
-          <a:p>
-            <a:pPr marL="0" marR="0" lvl="0" indent="0" algn="l" defTabSz="914400" rtl="0" eaLnBrk="0" fontAlgn="base" latinLnBrk="0" hangingPunct="0">
-              <a:lnSpc>
-                <a:spcPct val="100000"/>
-              </a:lnSpc>
-              <a:spcBef>
-                <a:spcPct val="0"/>
-              </a:spcBef>
-              <a:spcAft>
-                <a:spcPct val="0"/>
-              </a:spcAft>
-              <a:buClrTx/>
-              <a:buSzTx/>
-              <a:buFontTx/>
-              <a:buNone/>
-              <a:tabLst/>
-            </a:pPr>
-            <a:r>
-              <a:rPr kumimoji="0" lang="en-US" altLang="en-US" sz="2000" b="1" i="0" u="none" strike="noStrike" cap="none" normalizeH="0" baseline="0" dirty="0" smtClean="0">
-                <a:ln>
-                  <a:noFill/>
-                </a:ln>
-                <a:solidFill>
-                  <a:srgbClr val="000080"/>
-                </a:solidFill>
-                <a:effectLst/>
-                <a:latin typeface="Courier New" panose="02070309020205020404" pitchFamily="49" charset="0"/>
-                <a:cs typeface="Courier New" panose="02070309020205020404" pitchFamily="49" charset="0"/>
-              </a:rPr>
-              <a:t>public static </a:t>
-            </a:r>
-            <a:r>
-              <a:rPr kumimoji="0" lang="en-US" altLang="en-US" sz="2000" b="1" i="0" u="none" strike="noStrike" cap="none" normalizeH="0" baseline="0" dirty="0" err="1" smtClean="0">
-                <a:ln>
-                  <a:noFill/>
-                </a:ln>
-                <a:solidFill>
-                  <a:srgbClr val="000080"/>
-                </a:solidFill>
-                <a:effectLst/>
-                <a:latin typeface="Courier New" panose="02070309020205020404" pitchFamily="49" charset="0"/>
-                <a:cs typeface="Courier New" panose="02070309020205020404" pitchFamily="49" charset="0"/>
-              </a:rPr>
-              <a:t>int</a:t>
-            </a:r>
-            <a:r>
-              <a:rPr kumimoji="0" lang="en-US" altLang="en-US" sz="2000" b="1" i="0" u="none" strike="noStrike" cap="none" normalizeH="0" baseline="0" dirty="0" smtClean="0">
-                <a:ln>
-                  <a:noFill/>
-                </a:ln>
-                <a:solidFill>
-                  <a:srgbClr val="000080"/>
-                </a:solidFill>
-                <a:effectLst/>
-                <a:latin typeface="Courier New" panose="02070309020205020404" pitchFamily="49" charset="0"/>
-                <a:cs typeface="Courier New" panose="02070309020205020404" pitchFamily="49" charset="0"/>
-              </a:rPr>
-              <a:t> </a:t>
-            </a:r>
-            <a:r>
-              <a:rPr kumimoji="0" lang="en-US" altLang="en-US" sz="2000" b="0" i="0" u="none" strike="noStrike" cap="none" normalizeH="0" baseline="0" dirty="0" smtClean="0">
-                <a:ln>
-                  <a:noFill/>
-                </a:ln>
-                <a:solidFill>
-                  <a:srgbClr val="000000"/>
-                </a:solidFill>
-                <a:effectLst/>
-                <a:latin typeface="Courier New" panose="02070309020205020404" pitchFamily="49" charset="0"/>
-                <a:cs typeface="Courier New" panose="02070309020205020404" pitchFamily="49" charset="0"/>
-              </a:rPr>
-              <a:t>pairs(</a:t>
-            </a:r>
-            <a:r>
-              <a:rPr kumimoji="0" lang="en-US" altLang="en-US" sz="2000" b="1" i="0" u="none" strike="noStrike" cap="none" normalizeH="0" baseline="0" dirty="0" err="1" smtClean="0">
-                <a:ln>
-                  <a:noFill/>
-                </a:ln>
-                <a:solidFill>
-                  <a:srgbClr val="000080"/>
-                </a:solidFill>
-                <a:effectLst/>
-                <a:latin typeface="Courier New" panose="02070309020205020404" pitchFamily="49" charset="0"/>
-                <a:cs typeface="Courier New" panose="02070309020205020404" pitchFamily="49" charset="0"/>
-              </a:rPr>
-              <a:t>int</a:t>
-            </a:r>
-            <a:r>
-              <a:rPr kumimoji="0" lang="en-US" altLang="en-US" sz="2000" b="0" i="0" u="none" strike="noStrike" cap="none" normalizeH="0" baseline="0" dirty="0" smtClean="0">
-                <a:ln>
-                  <a:noFill/>
-                </a:ln>
-                <a:solidFill>
-                  <a:srgbClr val="000000"/>
-                </a:solidFill>
-                <a:effectLst/>
-                <a:latin typeface="Courier New" panose="02070309020205020404" pitchFamily="49" charset="0"/>
-                <a:cs typeface="Courier New" panose="02070309020205020404" pitchFamily="49" charset="0"/>
-              </a:rPr>
-              <a:t>[] array){</a:t>
-            </a:r>
-            <a:br>
-              <a:rPr kumimoji="0" lang="en-US" altLang="en-US" sz="2000" b="0" i="0" u="none" strike="noStrike" cap="none" normalizeH="0" baseline="0" dirty="0" smtClean="0">
-                <a:ln>
-                  <a:noFill/>
-                </a:ln>
-                <a:solidFill>
-                  <a:srgbClr val="000000"/>
-                </a:solidFill>
-                <a:effectLst/>
-                <a:latin typeface="Courier New" panose="02070309020205020404" pitchFamily="49" charset="0"/>
-                <a:cs typeface="Courier New" panose="02070309020205020404" pitchFamily="49" charset="0"/>
-              </a:rPr>
-            </a:br>
-            <a:r>
-              <a:rPr kumimoji="0" lang="en-US" altLang="en-US" sz="2000" b="0" i="0" u="none" strike="noStrike" cap="none" normalizeH="0" baseline="0" dirty="0" smtClean="0">
-                <a:ln>
-                  <a:noFill/>
-                </a:ln>
-                <a:solidFill>
-                  <a:srgbClr val="000000"/>
-                </a:solidFill>
-                <a:effectLst/>
-                <a:latin typeface="Courier New" panose="02070309020205020404" pitchFamily="49" charset="0"/>
-                <a:cs typeface="Courier New" panose="02070309020205020404" pitchFamily="49" charset="0"/>
-              </a:rPr>
-              <a:t>    </a:t>
-            </a:r>
-            <a:r>
-              <a:rPr kumimoji="0" lang="en-US" altLang="en-US" sz="2000" b="1" i="0" u="none" strike="noStrike" cap="none" normalizeH="0" baseline="0" dirty="0" err="1" smtClean="0">
-                <a:ln>
-                  <a:noFill/>
-                </a:ln>
-                <a:solidFill>
-                  <a:srgbClr val="000080"/>
-                </a:solidFill>
-                <a:effectLst/>
-                <a:latin typeface="Courier New" panose="02070309020205020404" pitchFamily="49" charset="0"/>
-                <a:cs typeface="Courier New" panose="02070309020205020404" pitchFamily="49" charset="0"/>
-              </a:rPr>
-              <a:t>int</a:t>
-            </a:r>
-            <a:r>
-              <a:rPr kumimoji="0" lang="en-US" altLang="en-US" sz="2000" b="1" i="0" u="none" strike="noStrike" cap="none" normalizeH="0" baseline="0" dirty="0" smtClean="0">
-                <a:ln>
-                  <a:noFill/>
-                </a:ln>
-                <a:solidFill>
-                  <a:srgbClr val="000080"/>
-                </a:solidFill>
-                <a:effectLst/>
-                <a:latin typeface="Courier New" panose="02070309020205020404" pitchFamily="49" charset="0"/>
-                <a:cs typeface="Courier New" panose="02070309020205020404" pitchFamily="49" charset="0"/>
-              </a:rPr>
-              <a:t> </a:t>
-            </a:r>
-            <a:r>
-              <a:rPr kumimoji="0" lang="en-US" altLang="en-US" sz="2000" b="0" i="0" u="none" strike="noStrike" cap="none" normalizeH="0" baseline="0" dirty="0" smtClean="0">
-                <a:ln>
-                  <a:noFill/>
-                </a:ln>
-                <a:solidFill>
-                  <a:srgbClr val="000000"/>
-                </a:solidFill>
-                <a:effectLst/>
-                <a:latin typeface="Courier New" panose="02070309020205020404" pitchFamily="49" charset="0"/>
-                <a:cs typeface="Courier New" panose="02070309020205020404" pitchFamily="49" charset="0"/>
-              </a:rPr>
-              <a:t>pairs = </a:t>
-            </a:r>
-            <a:r>
-              <a:rPr kumimoji="0" lang="en-US" altLang="en-US" sz="2000" b="0" i="0" u="none" strike="noStrike" cap="none" normalizeH="0" baseline="0" dirty="0" smtClean="0">
-                <a:ln>
-                  <a:noFill/>
-                </a:ln>
-                <a:solidFill>
-                  <a:srgbClr val="0000FF"/>
-                </a:solidFill>
-                <a:effectLst/>
-                <a:latin typeface="Courier New" panose="02070309020205020404" pitchFamily="49" charset="0"/>
-                <a:cs typeface="Courier New" panose="02070309020205020404" pitchFamily="49" charset="0"/>
-              </a:rPr>
-              <a:t>0</a:t>
-            </a:r>
-            <a:r>
-              <a:rPr kumimoji="0" lang="en-US" altLang="en-US" sz="2000" b="0" i="0" u="none" strike="noStrike" cap="none" normalizeH="0" baseline="0" dirty="0" smtClean="0">
-                <a:ln>
-                  <a:noFill/>
-                </a:ln>
-                <a:solidFill>
-                  <a:srgbClr val="000000"/>
-                </a:solidFill>
-                <a:effectLst/>
-                <a:latin typeface="Courier New" panose="02070309020205020404" pitchFamily="49" charset="0"/>
-                <a:cs typeface="Courier New" panose="02070309020205020404" pitchFamily="49" charset="0"/>
-              </a:rPr>
-              <a:t>;</a:t>
-            </a:r>
-          </a:p>
-          <a:p>
-            <a:pPr marL="0" marR="0" lvl="0" indent="0" algn="l" defTabSz="914400" rtl="0" eaLnBrk="0" fontAlgn="base" latinLnBrk="0" hangingPunct="0">
-              <a:lnSpc>
-                <a:spcPct val="100000"/>
-              </a:lnSpc>
-              <a:spcBef>
-                <a:spcPct val="0"/>
-              </a:spcBef>
-              <a:spcAft>
-                <a:spcPct val="0"/>
-              </a:spcAft>
-              <a:buClrTx/>
-              <a:buSzTx/>
-              <a:buFontTx/>
-              <a:buNone/>
-              <a:tabLst/>
-            </a:pPr>
-            <a:r>
-              <a:rPr kumimoji="0" lang="en-US" altLang="en-US" sz="2000" b="0" i="0" u="none" strike="noStrike" cap="none" normalizeH="0" baseline="0" dirty="0" smtClean="0">
-                <a:ln>
-                  <a:noFill/>
-                </a:ln>
-                <a:solidFill>
-                  <a:srgbClr val="000000"/>
-                </a:solidFill>
-                <a:effectLst/>
-                <a:latin typeface="Courier New" panose="02070309020205020404" pitchFamily="49" charset="0"/>
-                <a:cs typeface="Courier New" panose="02070309020205020404" pitchFamily="49" charset="0"/>
-              </a:rPr>
-              <a:t/>
-            </a:r>
-            <a:br>
-              <a:rPr kumimoji="0" lang="en-US" altLang="en-US" sz="2000" b="0" i="0" u="none" strike="noStrike" cap="none" normalizeH="0" baseline="0" dirty="0" smtClean="0">
-                <a:ln>
-                  <a:noFill/>
-                </a:ln>
-                <a:solidFill>
-                  <a:srgbClr val="000000"/>
-                </a:solidFill>
-                <a:effectLst/>
-                <a:latin typeface="Courier New" panose="02070309020205020404" pitchFamily="49" charset="0"/>
-                <a:cs typeface="Courier New" panose="02070309020205020404" pitchFamily="49" charset="0"/>
-              </a:rPr>
-            </a:br>
-            <a:r>
-              <a:rPr kumimoji="0" lang="en-US" altLang="en-US" sz="2000" b="0" i="0" u="none" strike="noStrike" cap="none" normalizeH="0" baseline="0" dirty="0" smtClean="0">
-                <a:ln>
-                  <a:noFill/>
-                </a:ln>
-                <a:solidFill>
-                  <a:srgbClr val="000000"/>
-                </a:solidFill>
-                <a:effectLst/>
-                <a:latin typeface="Courier New" panose="02070309020205020404" pitchFamily="49" charset="0"/>
-                <a:cs typeface="Courier New" panose="02070309020205020404" pitchFamily="49" charset="0"/>
-              </a:rPr>
-              <a:t>    </a:t>
-            </a:r>
-            <a:r>
-              <a:rPr kumimoji="0" lang="en-US" altLang="en-US" sz="2000" b="1" i="0" u="none" strike="noStrike" cap="none" normalizeH="0" baseline="0" dirty="0" smtClean="0">
-                <a:ln>
-                  <a:noFill/>
-                </a:ln>
-                <a:solidFill>
-                  <a:srgbClr val="000080"/>
-                </a:solidFill>
-                <a:effectLst/>
-                <a:latin typeface="Courier New" panose="02070309020205020404" pitchFamily="49" charset="0"/>
-                <a:cs typeface="Courier New" panose="02070309020205020404" pitchFamily="49" charset="0"/>
-              </a:rPr>
-              <a:t>for</a:t>
-            </a:r>
-            <a:r>
-              <a:rPr kumimoji="0" lang="en-US" altLang="en-US" sz="2000" b="0" i="0" u="none" strike="noStrike" cap="none" normalizeH="0" baseline="0" dirty="0" smtClean="0">
-                <a:ln>
-                  <a:noFill/>
-                </a:ln>
-                <a:solidFill>
-                  <a:srgbClr val="000000"/>
-                </a:solidFill>
-                <a:effectLst/>
-                <a:latin typeface="Courier New" panose="02070309020205020404" pitchFamily="49" charset="0"/>
-                <a:cs typeface="Courier New" panose="02070309020205020404" pitchFamily="49" charset="0"/>
-              </a:rPr>
-              <a:t>(</a:t>
-            </a:r>
-            <a:r>
-              <a:rPr kumimoji="0" lang="en-US" altLang="en-US" sz="2000" b="1" i="0" u="none" strike="noStrike" cap="none" normalizeH="0" baseline="0" dirty="0" err="1" smtClean="0">
-                <a:ln>
-                  <a:noFill/>
-                </a:ln>
-                <a:solidFill>
-                  <a:srgbClr val="000080"/>
-                </a:solidFill>
-                <a:effectLst/>
-                <a:latin typeface="Courier New" panose="02070309020205020404" pitchFamily="49" charset="0"/>
-                <a:cs typeface="Courier New" panose="02070309020205020404" pitchFamily="49" charset="0"/>
-              </a:rPr>
-              <a:t>int</a:t>
-            </a:r>
-            <a:r>
-              <a:rPr kumimoji="0" lang="en-US" altLang="en-US" sz="2000" b="1" i="0" u="none" strike="noStrike" cap="none" normalizeH="0" baseline="0" dirty="0" smtClean="0">
-                <a:ln>
-                  <a:noFill/>
-                </a:ln>
-                <a:solidFill>
-                  <a:srgbClr val="000080"/>
-                </a:solidFill>
-                <a:effectLst/>
-                <a:latin typeface="Courier New" panose="02070309020205020404" pitchFamily="49" charset="0"/>
-                <a:cs typeface="Courier New" panose="02070309020205020404" pitchFamily="49" charset="0"/>
-              </a:rPr>
-              <a:t> </a:t>
-            </a:r>
-            <a:r>
-              <a:rPr kumimoji="0" lang="en-US" altLang="en-US" sz="2000" b="0" i="0" u="none" strike="noStrike" cap="none" normalizeH="0" baseline="0" dirty="0" err="1" smtClean="0">
-                <a:ln>
-                  <a:noFill/>
-                </a:ln>
-                <a:solidFill>
-                  <a:srgbClr val="000000"/>
-                </a:solidFill>
-                <a:effectLst/>
-                <a:latin typeface="Courier New" panose="02070309020205020404" pitchFamily="49" charset="0"/>
-                <a:cs typeface="Courier New" panose="02070309020205020404" pitchFamily="49" charset="0"/>
-              </a:rPr>
-              <a:t>i</a:t>
-            </a:r>
-            <a:r>
-              <a:rPr kumimoji="0" lang="en-US" altLang="en-US" sz="2000" b="0" i="0" u="none" strike="noStrike" cap="none" normalizeH="0" baseline="0" dirty="0" smtClean="0">
-                <a:ln>
-                  <a:noFill/>
-                </a:ln>
-                <a:solidFill>
-                  <a:srgbClr val="000000"/>
-                </a:solidFill>
-                <a:effectLst/>
-                <a:latin typeface="Courier New" panose="02070309020205020404" pitchFamily="49" charset="0"/>
-                <a:cs typeface="Courier New" panose="02070309020205020404" pitchFamily="49" charset="0"/>
-              </a:rPr>
-              <a:t>=</a:t>
-            </a:r>
-            <a:r>
-              <a:rPr kumimoji="0" lang="en-US" altLang="en-US" sz="2000" b="0" i="0" u="none" strike="noStrike" cap="none" normalizeH="0" baseline="0" dirty="0" smtClean="0">
-                <a:ln>
-                  <a:noFill/>
-                </a:ln>
-                <a:solidFill>
-                  <a:srgbClr val="0000FF"/>
-                </a:solidFill>
-                <a:effectLst/>
-                <a:latin typeface="Courier New" panose="02070309020205020404" pitchFamily="49" charset="0"/>
-                <a:cs typeface="Courier New" panose="02070309020205020404" pitchFamily="49" charset="0"/>
-              </a:rPr>
-              <a:t>0</a:t>
-            </a:r>
-            <a:r>
-              <a:rPr kumimoji="0" lang="en-US" altLang="en-US" sz="2000" b="0" i="0" u="none" strike="noStrike" cap="none" normalizeH="0" baseline="0" dirty="0" smtClean="0">
-                <a:ln>
-                  <a:noFill/>
-                </a:ln>
-                <a:solidFill>
-                  <a:srgbClr val="000000"/>
-                </a:solidFill>
-                <a:effectLst/>
-                <a:latin typeface="Courier New" panose="02070309020205020404" pitchFamily="49" charset="0"/>
-                <a:cs typeface="Courier New" panose="02070309020205020404" pitchFamily="49" charset="0"/>
-              </a:rPr>
-              <a:t>; </a:t>
-            </a:r>
-            <a:r>
-              <a:rPr kumimoji="0" lang="en-US" altLang="en-US" sz="2000" b="0" i="0" u="none" strike="noStrike" cap="none" normalizeH="0" baseline="0" dirty="0" err="1" smtClean="0">
-                <a:ln>
-                  <a:noFill/>
-                </a:ln>
-                <a:solidFill>
-                  <a:srgbClr val="000000"/>
-                </a:solidFill>
-                <a:effectLst/>
-                <a:latin typeface="Courier New" panose="02070309020205020404" pitchFamily="49" charset="0"/>
-                <a:cs typeface="Courier New" panose="02070309020205020404" pitchFamily="49" charset="0"/>
-              </a:rPr>
-              <a:t>i</a:t>
-            </a:r>
-            <a:r>
-              <a:rPr kumimoji="0" lang="en-US" altLang="en-US" sz="2000" b="0" i="0" u="none" strike="noStrike" cap="none" normalizeH="0" baseline="0" dirty="0" smtClean="0">
-                <a:ln>
-                  <a:noFill/>
-                </a:ln>
-                <a:solidFill>
-                  <a:srgbClr val="000000"/>
-                </a:solidFill>
-                <a:effectLst/>
-                <a:latin typeface="Courier New" panose="02070309020205020404" pitchFamily="49" charset="0"/>
-                <a:cs typeface="Courier New" panose="02070309020205020404" pitchFamily="49" charset="0"/>
-              </a:rPr>
-              <a:t>&lt;</a:t>
-            </a:r>
-            <a:r>
-              <a:rPr kumimoji="0" lang="en-US" altLang="en-US" sz="2000" b="0" i="0" u="none" strike="noStrike" cap="none" normalizeH="0" baseline="0" dirty="0" err="1" smtClean="0">
-                <a:ln>
-                  <a:noFill/>
-                </a:ln>
-                <a:solidFill>
-                  <a:srgbClr val="000000"/>
-                </a:solidFill>
-                <a:effectLst/>
-                <a:latin typeface="Courier New" panose="02070309020205020404" pitchFamily="49" charset="0"/>
-                <a:cs typeface="Courier New" panose="02070309020205020404" pitchFamily="49" charset="0"/>
-              </a:rPr>
-              <a:t>array.</a:t>
-            </a:r>
-            <a:r>
-              <a:rPr kumimoji="0" lang="en-US" altLang="en-US" sz="2000" b="1" i="0" u="none" strike="noStrike" cap="none" normalizeH="0" baseline="0" dirty="0" err="1" smtClean="0">
-                <a:ln>
-                  <a:noFill/>
-                </a:ln>
-                <a:solidFill>
-                  <a:srgbClr val="660E7A"/>
-                </a:solidFill>
-                <a:effectLst/>
-                <a:latin typeface="Courier New" panose="02070309020205020404" pitchFamily="49" charset="0"/>
-                <a:cs typeface="Courier New" panose="02070309020205020404" pitchFamily="49" charset="0"/>
-              </a:rPr>
-              <a:t>length</a:t>
-            </a:r>
-            <a:r>
-              <a:rPr kumimoji="0" lang="en-US" altLang="en-US" sz="2000" b="0" i="0" u="none" strike="noStrike" cap="none" normalizeH="0" baseline="0" dirty="0" smtClean="0">
-                <a:ln>
-                  <a:noFill/>
-                </a:ln>
-                <a:solidFill>
-                  <a:srgbClr val="000000"/>
-                </a:solidFill>
-                <a:effectLst/>
-                <a:latin typeface="Courier New" panose="02070309020205020404" pitchFamily="49" charset="0"/>
-                <a:cs typeface="Courier New" panose="02070309020205020404" pitchFamily="49" charset="0"/>
-              </a:rPr>
-              <a:t>; </a:t>
-            </a:r>
-            <a:r>
-              <a:rPr kumimoji="0" lang="en-US" altLang="en-US" sz="2000" b="0" i="0" u="none" strike="noStrike" cap="none" normalizeH="0" baseline="0" dirty="0" err="1" smtClean="0">
-                <a:ln>
-                  <a:noFill/>
-                </a:ln>
-                <a:solidFill>
-                  <a:srgbClr val="000000"/>
-                </a:solidFill>
-                <a:effectLst/>
-                <a:latin typeface="Courier New" panose="02070309020205020404" pitchFamily="49" charset="0"/>
-                <a:cs typeface="Courier New" panose="02070309020205020404" pitchFamily="49" charset="0"/>
-              </a:rPr>
-              <a:t>i</a:t>
-            </a:r>
-            <a:r>
-              <a:rPr kumimoji="0" lang="en-US" altLang="en-US" sz="2000" b="0" i="0" u="none" strike="noStrike" cap="none" normalizeH="0" baseline="0" dirty="0" smtClean="0">
-                <a:ln>
-                  <a:noFill/>
-                </a:ln>
-                <a:solidFill>
-                  <a:srgbClr val="000000"/>
-                </a:solidFill>
-                <a:effectLst/>
-                <a:latin typeface="Courier New" panose="02070309020205020404" pitchFamily="49" charset="0"/>
-                <a:cs typeface="Courier New" panose="02070309020205020404" pitchFamily="49" charset="0"/>
-              </a:rPr>
-              <a:t>++){</a:t>
-            </a:r>
-            <a:br>
-              <a:rPr kumimoji="0" lang="en-US" altLang="en-US" sz="2000" b="0" i="0" u="none" strike="noStrike" cap="none" normalizeH="0" baseline="0" dirty="0" smtClean="0">
-                <a:ln>
-                  <a:noFill/>
-                </a:ln>
-                <a:solidFill>
-                  <a:srgbClr val="000000"/>
-                </a:solidFill>
-                <a:effectLst/>
-                <a:latin typeface="Courier New" panose="02070309020205020404" pitchFamily="49" charset="0"/>
-                <a:cs typeface="Courier New" panose="02070309020205020404" pitchFamily="49" charset="0"/>
-              </a:rPr>
-            </a:br>
-            <a:r>
-              <a:rPr kumimoji="0" lang="en-US" altLang="en-US" sz="2000" b="0" i="0" u="none" strike="noStrike" cap="none" normalizeH="0" baseline="0" dirty="0" smtClean="0">
-                <a:ln>
-                  <a:noFill/>
-                </a:ln>
-                <a:solidFill>
-                  <a:srgbClr val="000000"/>
-                </a:solidFill>
-                <a:effectLst/>
-                <a:latin typeface="Courier New" panose="02070309020205020404" pitchFamily="49" charset="0"/>
-                <a:cs typeface="Courier New" panose="02070309020205020404" pitchFamily="49" charset="0"/>
-              </a:rPr>
-              <a:t>        </a:t>
-            </a:r>
-            <a:r>
-              <a:rPr kumimoji="0" lang="en-US" altLang="en-US" sz="2000" b="1" i="0" u="none" strike="noStrike" cap="none" normalizeH="0" baseline="0" dirty="0" smtClean="0">
-                <a:ln>
-                  <a:noFill/>
-                </a:ln>
-                <a:solidFill>
-                  <a:srgbClr val="000080"/>
-                </a:solidFill>
-                <a:effectLst/>
-                <a:latin typeface="Courier New" panose="02070309020205020404" pitchFamily="49" charset="0"/>
-                <a:cs typeface="Courier New" panose="02070309020205020404" pitchFamily="49" charset="0"/>
-              </a:rPr>
-              <a:t>for</a:t>
-            </a:r>
-            <a:r>
-              <a:rPr kumimoji="0" lang="en-US" altLang="en-US" sz="2000" b="0" i="0" u="none" strike="noStrike" cap="none" normalizeH="0" baseline="0" dirty="0" smtClean="0">
-                <a:ln>
-                  <a:noFill/>
-                </a:ln>
-                <a:solidFill>
-                  <a:srgbClr val="000000"/>
-                </a:solidFill>
-                <a:effectLst/>
-                <a:latin typeface="Courier New" panose="02070309020205020404" pitchFamily="49" charset="0"/>
-                <a:cs typeface="Courier New" panose="02070309020205020404" pitchFamily="49" charset="0"/>
-              </a:rPr>
-              <a:t>(</a:t>
-            </a:r>
-            <a:r>
-              <a:rPr kumimoji="0" lang="en-US" altLang="en-US" sz="2000" b="1" i="0" u="none" strike="noStrike" cap="none" normalizeH="0" baseline="0" dirty="0" err="1" smtClean="0">
-                <a:ln>
-                  <a:noFill/>
-                </a:ln>
-                <a:solidFill>
-                  <a:srgbClr val="000080"/>
-                </a:solidFill>
-                <a:effectLst/>
-                <a:latin typeface="Courier New" panose="02070309020205020404" pitchFamily="49" charset="0"/>
-                <a:cs typeface="Courier New" panose="02070309020205020404" pitchFamily="49" charset="0"/>
-              </a:rPr>
-              <a:t>int</a:t>
-            </a:r>
-            <a:r>
-              <a:rPr kumimoji="0" lang="en-US" altLang="en-US" sz="2000" b="1" i="0" u="none" strike="noStrike" cap="none" normalizeH="0" baseline="0" dirty="0" smtClean="0">
-                <a:ln>
-                  <a:noFill/>
-                </a:ln>
-                <a:solidFill>
-                  <a:srgbClr val="000080"/>
-                </a:solidFill>
-                <a:effectLst/>
-                <a:latin typeface="Courier New" panose="02070309020205020404" pitchFamily="49" charset="0"/>
-                <a:cs typeface="Courier New" panose="02070309020205020404" pitchFamily="49" charset="0"/>
-              </a:rPr>
-              <a:t> </a:t>
-            </a:r>
-            <a:r>
-              <a:rPr kumimoji="0" lang="en-US" altLang="en-US" sz="2000" b="0" i="0" u="none" strike="noStrike" cap="none" normalizeH="0" baseline="0" dirty="0" smtClean="0">
-                <a:ln>
-                  <a:noFill/>
-                </a:ln>
-                <a:solidFill>
-                  <a:srgbClr val="000000"/>
-                </a:solidFill>
-                <a:effectLst/>
-                <a:latin typeface="Courier New" panose="02070309020205020404" pitchFamily="49" charset="0"/>
-                <a:cs typeface="Courier New" panose="02070309020205020404" pitchFamily="49" charset="0"/>
-              </a:rPr>
-              <a:t>j=</a:t>
-            </a:r>
-            <a:r>
-              <a:rPr kumimoji="0" lang="en-US" altLang="en-US" sz="2000" b="0" i="0" u="none" strike="noStrike" cap="none" normalizeH="0" baseline="0" dirty="0" smtClean="0">
-                <a:ln>
-                  <a:noFill/>
-                </a:ln>
-                <a:solidFill>
-                  <a:srgbClr val="0000FF"/>
-                </a:solidFill>
-                <a:effectLst/>
-                <a:latin typeface="Courier New" panose="02070309020205020404" pitchFamily="49" charset="0"/>
-                <a:cs typeface="Courier New" panose="02070309020205020404" pitchFamily="49" charset="0"/>
-              </a:rPr>
-              <a:t>0</a:t>
-            </a:r>
-            <a:r>
-              <a:rPr kumimoji="0" lang="en-US" altLang="en-US" sz="2000" b="0" i="0" u="none" strike="noStrike" cap="none" normalizeH="0" baseline="0" dirty="0" smtClean="0">
-                <a:ln>
-                  <a:noFill/>
-                </a:ln>
-                <a:solidFill>
-                  <a:srgbClr val="000000"/>
-                </a:solidFill>
-                <a:effectLst/>
-                <a:latin typeface="Courier New" panose="02070309020205020404" pitchFamily="49" charset="0"/>
-                <a:cs typeface="Courier New" panose="02070309020205020404" pitchFamily="49" charset="0"/>
-              </a:rPr>
-              <a:t>; j&lt;</a:t>
-            </a:r>
-            <a:r>
-              <a:rPr kumimoji="0" lang="en-US" altLang="en-US" sz="2000" b="0" i="0" u="none" strike="noStrike" cap="none" normalizeH="0" baseline="0" dirty="0" err="1" smtClean="0">
-                <a:ln>
-                  <a:noFill/>
-                </a:ln>
-                <a:solidFill>
-                  <a:srgbClr val="000000"/>
-                </a:solidFill>
-                <a:effectLst/>
-                <a:latin typeface="Courier New" panose="02070309020205020404" pitchFamily="49" charset="0"/>
-                <a:cs typeface="Courier New" panose="02070309020205020404" pitchFamily="49" charset="0"/>
-              </a:rPr>
-              <a:t>array.</a:t>
-            </a:r>
-            <a:r>
-              <a:rPr kumimoji="0" lang="en-US" altLang="en-US" sz="2000" b="1" i="0" u="none" strike="noStrike" cap="none" normalizeH="0" baseline="0" dirty="0" err="1" smtClean="0">
-                <a:ln>
-                  <a:noFill/>
-                </a:ln>
-                <a:solidFill>
-                  <a:srgbClr val="660E7A"/>
-                </a:solidFill>
-                <a:effectLst/>
-                <a:latin typeface="Courier New" panose="02070309020205020404" pitchFamily="49" charset="0"/>
-                <a:cs typeface="Courier New" panose="02070309020205020404" pitchFamily="49" charset="0"/>
-              </a:rPr>
-              <a:t>length</a:t>
-            </a:r>
-            <a:r>
-              <a:rPr kumimoji="0" lang="en-US" altLang="en-US" sz="2000" b="0" i="0" u="none" strike="noStrike" cap="none" normalizeH="0" baseline="0" dirty="0" smtClean="0">
-                <a:ln>
-                  <a:noFill/>
-                </a:ln>
-                <a:solidFill>
-                  <a:srgbClr val="000000"/>
-                </a:solidFill>
-                <a:effectLst/>
-                <a:latin typeface="Courier New" panose="02070309020205020404" pitchFamily="49" charset="0"/>
-                <a:cs typeface="Courier New" panose="02070309020205020404" pitchFamily="49" charset="0"/>
-              </a:rPr>
-              <a:t>; </a:t>
-            </a:r>
-            <a:r>
-              <a:rPr kumimoji="0" lang="en-US" altLang="en-US" sz="2000" b="0" i="0" u="none" strike="noStrike" cap="none" normalizeH="0" baseline="0" dirty="0" err="1" smtClean="0">
-                <a:ln>
-                  <a:noFill/>
-                </a:ln>
-                <a:solidFill>
-                  <a:srgbClr val="000000"/>
-                </a:solidFill>
-                <a:effectLst/>
-                <a:latin typeface="Courier New" panose="02070309020205020404" pitchFamily="49" charset="0"/>
-                <a:cs typeface="Courier New" panose="02070309020205020404" pitchFamily="49" charset="0"/>
-              </a:rPr>
-              <a:t>j++</a:t>
-            </a:r>
-            <a:r>
-              <a:rPr kumimoji="0" lang="en-US" altLang="en-US" sz="2000" b="0" i="0" u="none" strike="noStrike" cap="none" normalizeH="0" baseline="0" dirty="0" smtClean="0">
-                <a:ln>
-                  <a:noFill/>
-                </a:ln>
-                <a:solidFill>
-                  <a:srgbClr val="000000"/>
-                </a:solidFill>
-                <a:effectLst/>
-                <a:latin typeface="Courier New" panose="02070309020205020404" pitchFamily="49" charset="0"/>
-                <a:cs typeface="Courier New" panose="02070309020205020404" pitchFamily="49" charset="0"/>
-              </a:rPr>
-              <a:t>){</a:t>
-            </a:r>
-            <a:br>
-              <a:rPr kumimoji="0" lang="en-US" altLang="en-US" sz="2000" b="0" i="0" u="none" strike="noStrike" cap="none" normalizeH="0" baseline="0" dirty="0" smtClean="0">
-                <a:ln>
-                  <a:noFill/>
-                </a:ln>
-                <a:solidFill>
-                  <a:srgbClr val="000000"/>
-                </a:solidFill>
-                <a:effectLst/>
-                <a:latin typeface="Courier New" panose="02070309020205020404" pitchFamily="49" charset="0"/>
-                <a:cs typeface="Courier New" panose="02070309020205020404" pitchFamily="49" charset="0"/>
-              </a:rPr>
-            </a:br>
-            <a:r>
-              <a:rPr kumimoji="0" lang="en-US" altLang="en-US" sz="2000" b="0" i="0" u="none" strike="noStrike" cap="none" normalizeH="0" baseline="0" dirty="0" smtClean="0">
-                <a:ln>
-                  <a:noFill/>
-                </a:ln>
-                <a:solidFill>
-                  <a:srgbClr val="000000"/>
-                </a:solidFill>
-                <a:effectLst/>
-                <a:latin typeface="Courier New" panose="02070309020205020404" pitchFamily="49" charset="0"/>
-                <a:cs typeface="Courier New" panose="02070309020205020404" pitchFamily="49" charset="0"/>
-              </a:rPr>
-              <a:t>            </a:t>
-            </a:r>
-            <a:r>
-              <a:rPr kumimoji="0" lang="en-US" altLang="en-US" sz="2000" b="1" i="0" u="none" strike="noStrike" cap="none" normalizeH="0" baseline="0" dirty="0" smtClean="0">
-                <a:ln>
-                  <a:noFill/>
-                </a:ln>
-                <a:solidFill>
-                  <a:srgbClr val="000080"/>
-                </a:solidFill>
-                <a:effectLst/>
-                <a:latin typeface="Courier New" panose="02070309020205020404" pitchFamily="49" charset="0"/>
-                <a:cs typeface="Courier New" panose="02070309020205020404" pitchFamily="49" charset="0"/>
-              </a:rPr>
-              <a:t>if</a:t>
-            </a:r>
-            <a:r>
-              <a:rPr kumimoji="0" lang="en-US" altLang="en-US" sz="2000" b="0" i="0" u="none" strike="noStrike" cap="none" normalizeH="0" baseline="0" dirty="0" smtClean="0">
-                <a:ln>
-                  <a:noFill/>
-                </a:ln>
-                <a:solidFill>
-                  <a:srgbClr val="000000"/>
-                </a:solidFill>
-                <a:effectLst/>
-                <a:latin typeface="Courier New" panose="02070309020205020404" pitchFamily="49" charset="0"/>
-                <a:cs typeface="Courier New" panose="02070309020205020404" pitchFamily="49" charset="0"/>
-              </a:rPr>
-              <a:t>(</a:t>
-            </a:r>
-            <a:r>
-              <a:rPr kumimoji="0" lang="en-US" altLang="en-US" sz="2000" b="0" i="0" u="none" strike="noStrike" cap="none" normalizeH="0" baseline="0" dirty="0" err="1" smtClean="0">
-                <a:ln>
-                  <a:noFill/>
-                </a:ln>
-                <a:solidFill>
-                  <a:srgbClr val="000000"/>
-                </a:solidFill>
-                <a:effectLst/>
-                <a:latin typeface="Courier New" panose="02070309020205020404" pitchFamily="49" charset="0"/>
-                <a:cs typeface="Courier New" panose="02070309020205020404" pitchFamily="49" charset="0"/>
-              </a:rPr>
-              <a:t>i</a:t>
-            </a:r>
-            <a:r>
-              <a:rPr kumimoji="0" lang="en-US" altLang="en-US" sz="2000" b="0" i="0" u="none" strike="noStrike" cap="none" normalizeH="0" baseline="0" dirty="0" smtClean="0">
-                <a:ln>
-                  <a:noFill/>
-                </a:ln>
-                <a:solidFill>
-                  <a:srgbClr val="000000"/>
-                </a:solidFill>
-                <a:effectLst/>
-                <a:latin typeface="Courier New" panose="02070309020205020404" pitchFamily="49" charset="0"/>
-                <a:cs typeface="Courier New" panose="02070309020205020404" pitchFamily="49" charset="0"/>
-              </a:rPr>
-              <a:t>!=j &amp;&amp; array[</a:t>
-            </a:r>
-            <a:r>
-              <a:rPr kumimoji="0" lang="en-US" altLang="en-US" sz="2000" b="0" i="0" u="none" strike="noStrike" cap="none" normalizeH="0" baseline="0" dirty="0" err="1" smtClean="0">
-                <a:ln>
-                  <a:noFill/>
-                </a:ln>
-                <a:solidFill>
-                  <a:srgbClr val="000000"/>
-                </a:solidFill>
-                <a:effectLst/>
-                <a:latin typeface="Courier New" panose="02070309020205020404" pitchFamily="49" charset="0"/>
-                <a:cs typeface="Courier New" panose="02070309020205020404" pitchFamily="49" charset="0"/>
-              </a:rPr>
-              <a:t>i</a:t>
-            </a:r>
-            <a:r>
-              <a:rPr kumimoji="0" lang="en-US" altLang="en-US" sz="2000" b="0" i="0" u="none" strike="noStrike" cap="none" normalizeH="0" baseline="0" dirty="0" smtClean="0">
-                <a:ln>
-                  <a:noFill/>
-                </a:ln>
-                <a:solidFill>
-                  <a:srgbClr val="000000"/>
-                </a:solidFill>
-                <a:effectLst/>
-                <a:latin typeface="Courier New" panose="02070309020205020404" pitchFamily="49" charset="0"/>
-                <a:cs typeface="Courier New" panose="02070309020205020404" pitchFamily="49" charset="0"/>
-              </a:rPr>
-              <a:t>] == array[j]){</a:t>
-            </a:r>
-            <a:br>
-              <a:rPr kumimoji="0" lang="en-US" altLang="en-US" sz="2000" b="0" i="0" u="none" strike="noStrike" cap="none" normalizeH="0" baseline="0" dirty="0" smtClean="0">
-                <a:ln>
-                  <a:noFill/>
-                </a:ln>
-                <a:solidFill>
-                  <a:srgbClr val="000000"/>
-                </a:solidFill>
-                <a:effectLst/>
-                <a:latin typeface="Courier New" panose="02070309020205020404" pitchFamily="49" charset="0"/>
-                <a:cs typeface="Courier New" panose="02070309020205020404" pitchFamily="49" charset="0"/>
-              </a:rPr>
-            </a:br>
-            <a:r>
-              <a:rPr kumimoji="0" lang="en-US" altLang="en-US" sz="2000" b="0" i="0" u="none" strike="noStrike" cap="none" normalizeH="0" baseline="0" dirty="0" smtClean="0">
-                <a:ln>
-                  <a:noFill/>
-                </a:ln>
-                <a:solidFill>
-                  <a:srgbClr val="000000"/>
-                </a:solidFill>
-                <a:effectLst/>
-                <a:latin typeface="Courier New" panose="02070309020205020404" pitchFamily="49" charset="0"/>
-                <a:cs typeface="Courier New" panose="02070309020205020404" pitchFamily="49" charset="0"/>
-              </a:rPr>
-              <a:t>                pairs++;</a:t>
-            </a:r>
-            <a:br>
-              <a:rPr kumimoji="0" lang="en-US" altLang="en-US" sz="2000" b="0" i="0" u="none" strike="noStrike" cap="none" normalizeH="0" baseline="0" dirty="0" smtClean="0">
-                <a:ln>
-                  <a:noFill/>
-                </a:ln>
-                <a:solidFill>
-                  <a:srgbClr val="000000"/>
-                </a:solidFill>
-                <a:effectLst/>
-                <a:latin typeface="Courier New" panose="02070309020205020404" pitchFamily="49" charset="0"/>
-                <a:cs typeface="Courier New" panose="02070309020205020404" pitchFamily="49" charset="0"/>
-              </a:rPr>
-            </a:br>
-            <a:r>
-              <a:rPr kumimoji="0" lang="en-US" altLang="en-US" sz="2000" b="0" i="0" u="none" strike="noStrike" cap="none" normalizeH="0" baseline="0" dirty="0" smtClean="0">
-                <a:ln>
-                  <a:noFill/>
-                </a:ln>
-                <a:solidFill>
-                  <a:srgbClr val="000000"/>
-                </a:solidFill>
-                <a:effectLst/>
-                <a:latin typeface="Courier New" panose="02070309020205020404" pitchFamily="49" charset="0"/>
-                <a:cs typeface="Courier New" panose="02070309020205020404" pitchFamily="49" charset="0"/>
-              </a:rPr>
-              <a:t>            }</a:t>
-            </a:r>
-            <a:br>
-              <a:rPr kumimoji="0" lang="en-US" altLang="en-US" sz="2000" b="0" i="0" u="none" strike="noStrike" cap="none" normalizeH="0" baseline="0" dirty="0" smtClean="0">
-                <a:ln>
-                  <a:noFill/>
-                </a:ln>
-                <a:solidFill>
-                  <a:srgbClr val="000000"/>
-                </a:solidFill>
-                <a:effectLst/>
-                <a:latin typeface="Courier New" panose="02070309020205020404" pitchFamily="49" charset="0"/>
-                <a:cs typeface="Courier New" panose="02070309020205020404" pitchFamily="49" charset="0"/>
-              </a:rPr>
-            </a:br>
-            <a:r>
-              <a:rPr kumimoji="0" lang="en-US" altLang="en-US" sz="2000" b="0" i="0" u="none" strike="noStrike" cap="none" normalizeH="0" baseline="0" dirty="0" smtClean="0">
-                <a:ln>
-                  <a:noFill/>
-                </a:ln>
-                <a:solidFill>
-                  <a:srgbClr val="000000"/>
-                </a:solidFill>
-                <a:effectLst/>
-                <a:latin typeface="Courier New" panose="02070309020205020404" pitchFamily="49" charset="0"/>
-                <a:cs typeface="Courier New" panose="02070309020205020404" pitchFamily="49" charset="0"/>
-              </a:rPr>
-              <a:t>        }</a:t>
-            </a:r>
-            <a:br>
-              <a:rPr kumimoji="0" lang="en-US" altLang="en-US" sz="2000" b="0" i="0" u="none" strike="noStrike" cap="none" normalizeH="0" baseline="0" dirty="0" smtClean="0">
-                <a:ln>
-                  <a:noFill/>
-                </a:ln>
-                <a:solidFill>
-                  <a:srgbClr val="000000"/>
-                </a:solidFill>
-                <a:effectLst/>
-                <a:latin typeface="Courier New" panose="02070309020205020404" pitchFamily="49" charset="0"/>
-                <a:cs typeface="Courier New" panose="02070309020205020404" pitchFamily="49" charset="0"/>
-              </a:rPr>
-            </a:br>
-            <a:r>
-              <a:rPr kumimoji="0" lang="en-US" altLang="en-US" sz="2000" b="0" i="0" u="none" strike="noStrike" cap="none" normalizeH="0" baseline="0" dirty="0" smtClean="0">
-                <a:ln>
-                  <a:noFill/>
-                </a:ln>
-                <a:solidFill>
-                  <a:srgbClr val="000000"/>
-                </a:solidFill>
-                <a:effectLst/>
-                <a:latin typeface="Courier New" panose="02070309020205020404" pitchFamily="49" charset="0"/>
-                <a:cs typeface="Courier New" panose="02070309020205020404" pitchFamily="49" charset="0"/>
-              </a:rPr>
-              <a:t>    }</a:t>
-            </a:r>
-            <a:br>
-              <a:rPr kumimoji="0" lang="en-US" altLang="en-US" sz="2000" b="0" i="0" u="none" strike="noStrike" cap="none" normalizeH="0" baseline="0" dirty="0" smtClean="0">
-                <a:ln>
-                  <a:noFill/>
-                </a:ln>
-                <a:solidFill>
-                  <a:srgbClr val="000000"/>
-                </a:solidFill>
-                <a:effectLst/>
-                <a:latin typeface="Courier New" panose="02070309020205020404" pitchFamily="49" charset="0"/>
-                <a:cs typeface="Courier New" panose="02070309020205020404" pitchFamily="49" charset="0"/>
-              </a:rPr>
-            </a:br>
-            <a:r>
-              <a:rPr kumimoji="0" lang="en-US" altLang="en-US" sz="2000" b="0" i="0" u="none" strike="noStrike" cap="none" normalizeH="0" baseline="0" dirty="0" smtClean="0">
-                <a:ln>
-                  <a:noFill/>
-                </a:ln>
-                <a:solidFill>
-                  <a:srgbClr val="000000"/>
-                </a:solidFill>
-                <a:effectLst/>
-                <a:latin typeface="Courier New" panose="02070309020205020404" pitchFamily="49" charset="0"/>
-                <a:cs typeface="Courier New" panose="02070309020205020404" pitchFamily="49" charset="0"/>
-              </a:rPr>
-              <a:t>    </a:t>
-            </a:r>
-            <a:r>
-              <a:rPr kumimoji="0" lang="en-US" altLang="en-US" sz="2000" b="1" i="0" u="none" strike="noStrike" cap="none" normalizeH="0" baseline="0" dirty="0" smtClean="0">
-                <a:ln>
-                  <a:noFill/>
-                </a:ln>
-                <a:solidFill>
-                  <a:srgbClr val="000080"/>
-                </a:solidFill>
-                <a:effectLst/>
-                <a:latin typeface="Courier New" panose="02070309020205020404" pitchFamily="49" charset="0"/>
-                <a:cs typeface="Courier New" panose="02070309020205020404" pitchFamily="49" charset="0"/>
-              </a:rPr>
-              <a:t>return </a:t>
-            </a:r>
-            <a:r>
-              <a:rPr kumimoji="0" lang="en-US" altLang="en-US" sz="2000" b="0" i="0" u="none" strike="noStrike" cap="none" normalizeH="0" baseline="0" dirty="0" smtClean="0">
-                <a:ln>
-                  <a:noFill/>
-                </a:ln>
-                <a:solidFill>
-                  <a:srgbClr val="000000"/>
-                </a:solidFill>
-                <a:effectLst/>
-                <a:latin typeface="Courier New" panose="02070309020205020404" pitchFamily="49" charset="0"/>
-                <a:cs typeface="Courier New" panose="02070309020205020404" pitchFamily="49" charset="0"/>
-              </a:rPr>
-              <a:t>pairs;</a:t>
-            </a:r>
-            <a:br>
-              <a:rPr kumimoji="0" lang="en-US" altLang="en-US" sz="2000" b="0" i="0" u="none" strike="noStrike" cap="none" normalizeH="0" baseline="0" dirty="0" smtClean="0">
-                <a:ln>
-                  <a:noFill/>
-                </a:ln>
-                <a:solidFill>
-                  <a:srgbClr val="000000"/>
-                </a:solidFill>
-                <a:effectLst/>
-                <a:latin typeface="Courier New" panose="02070309020205020404" pitchFamily="49" charset="0"/>
-                <a:cs typeface="Courier New" panose="02070309020205020404" pitchFamily="49" charset="0"/>
-              </a:rPr>
-            </a:br>
-            <a:r>
-              <a:rPr kumimoji="0" lang="en-US" altLang="en-US" sz="2000" b="0" i="0" u="none" strike="noStrike" cap="none" normalizeH="0" baseline="0" dirty="0" smtClean="0">
-                <a:ln>
-                  <a:noFill/>
-                </a:ln>
-                <a:solidFill>
-                  <a:srgbClr val="000000"/>
-                </a:solidFill>
-                <a:effectLst/>
-                <a:latin typeface="Courier New" panose="02070309020205020404" pitchFamily="49" charset="0"/>
-                <a:cs typeface="Courier New" panose="02070309020205020404" pitchFamily="49" charset="0"/>
-              </a:rPr>
-              <a:t>}</a:t>
-            </a:r>
-            <a:endParaRPr kumimoji="0" lang="en-US" altLang="en-US" sz="2000" b="0" i="0" u="none" strike="noStrike" cap="none" normalizeH="0" baseline="0" dirty="0" smtClean="0">
-              <a:ln>
-                <a:noFill/>
-              </a:ln>
-              <a:solidFill>
-                <a:schemeClr val="tx1"/>
-              </a:solidFill>
-              <a:effectLst/>
-              <a:latin typeface="Arial" panose="020B0604020202020204" pitchFamily="34" charset="0"/>
-            </a:endParaRPr>
-          </a:p>
-        </p:txBody>
-      </p:sp>
-      <p:sp>
-        <p:nvSpPr>
-          <p:cNvPr id="5" name="Rectangle 2"/>
-          <p:cNvSpPr>
-            <a:spLocks noChangeArrowheads="1"/>
-          </p:cNvSpPr>
-          <p:nvPr/>
-        </p:nvSpPr>
-        <p:spPr bwMode="auto">
-          <a:xfrm>
-            <a:off x="7524750" y="201602"/>
-            <a:ext cx="5372100" cy="3416320"/>
-          </a:xfrm>
-          <a:prstGeom prst="rect">
-            <a:avLst/>
-          </a:prstGeom>
-          <a:solidFill>
-            <a:srgbClr val="FFFFFF"/>
-          </a:solidFill>
-          <a:ln>
-            <a:noFill/>
-          </a:ln>
-          <a:effectLst/>
-          <a:extLst>
-            <a:ext uri="{91240B29-F687-4F45-9708-019B960494DF}">
-              <a14:hiddenLine xmlns:a14="http://schemas.microsoft.com/office/drawing/2010/main" w="9525">
-                <a:solidFill>
-                  <a:schemeClr val="tx1"/>
-                </a:solidFill>
-                <a:miter lim="800000"/>
-                <a:headEnd/>
-                <a:tailEnd/>
-              </a14:hiddenLine>
-            </a:ext>
-            <a:ext uri="{AF507438-7753-43E0-B8FC-AC1667EBCBE1}">
-              <a14:hiddenEffects xmlns:a14="http://schemas.microsoft.com/office/drawing/2010/main">
-                <a:effectLst>
-                  <a:outerShdw dist="35921" dir="2700000" algn="ctr" rotWithShape="0">
-                    <a:schemeClr val="bg2"/>
-                  </a:outerShdw>
-                </a:effectLst>
-              </a14:hiddenEffects>
-            </a:ext>
-          </a:extLst>
-        </p:spPr>
-        <p:txBody>
-          <a:bodyPr vert="horz" wrap="square" lIns="91440" tIns="45720" rIns="91440" bIns="45720" numCol="1" anchor="ctr" anchorCtr="0" compatLnSpc="1">
-            <a:prstTxWarp prst="textNoShape">
-              <a:avLst/>
-            </a:prstTxWarp>
-            <a:spAutoFit/>
-          </a:bodyPr>
-          <a:lstStyle/>
-          <a:p>
-            <a:pPr marL="0" marR="0" lvl="0" indent="0" algn="l" defTabSz="914400" rtl="0" eaLnBrk="0" fontAlgn="base" latinLnBrk="0" hangingPunct="0">
-              <a:lnSpc>
-                <a:spcPct val="100000"/>
-              </a:lnSpc>
-              <a:spcBef>
-                <a:spcPct val="0"/>
-              </a:spcBef>
-              <a:spcAft>
-                <a:spcPct val="0"/>
-              </a:spcAft>
-              <a:buClrTx/>
-              <a:buSzTx/>
-              <a:buFontTx/>
-              <a:buNone/>
-              <a:tabLst/>
-            </a:pPr>
-            <a:r>
-              <a:rPr kumimoji="0" lang="en-US" altLang="en-US" sz="1800" b="0" i="1" u="none" strike="noStrike" cap="none" normalizeH="0" baseline="0" dirty="0" smtClean="0">
-                <a:ln>
-                  <a:noFill/>
-                </a:ln>
-                <a:solidFill>
-                  <a:srgbClr val="808080"/>
-                </a:solidFill>
-                <a:effectLst/>
-                <a:latin typeface="Courier New" panose="02070309020205020404" pitchFamily="49" charset="0"/>
-                <a:cs typeface="Courier New" panose="02070309020205020404" pitchFamily="49" charset="0"/>
-              </a:rPr>
-              <a:t>/*</a:t>
-            </a:r>
-            <a:br>
-              <a:rPr kumimoji="0" lang="en-US" altLang="en-US" sz="1800" b="0" i="1" u="none" strike="noStrike" cap="none" normalizeH="0" baseline="0" dirty="0" smtClean="0">
-                <a:ln>
-                  <a:noFill/>
-                </a:ln>
-                <a:solidFill>
-                  <a:srgbClr val="808080"/>
-                </a:solidFill>
-                <a:effectLst/>
-                <a:latin typeface="Courier New" panose="02070309020205020404" pitchFamily="49" charset="0"/>
-                <a:cs typeface="Courier New" panose="02070309020205020404" pitchFamily="49" charset="0"/>
-              </a:rPr>
-            </a:br>
-            <a:r>
-              <a:rPr kumimoji="0" lang="en-US" altLang="en-US" sz="1800" b="0" i="1" u="none" strike="noStrike" cap="none" normalizeH="0" baseline="0" dirty="0" smtClean="0">
-                <a:ln>
-                  <a:noFill/>
-                </a:ln>
-                <a:solidFill>
-                  <a:srgbClr val="808080"/>
-                </a:solidFill>
-                <a:effectLst/>
-                <a:latin typeface="Courier New" panose="02070309020205020404" pitchFamily="49" charset="0"/>
-                <a:cs typeface="Courier New" panose="02070309020205020404" pitchFamily="49" charset="0"/>
-              </a:rPr>
-              <a:t>    On my machine, repeated 100 times:</a:t>
-            </a:r>
-            <a:br>
-              <a:rPr kumimoji="0" lang="en-US" altLang="en-US" sz="1800" b="0" i="1" u="none" strike="noStrike" cap="none" normalizeH="0" baseline="0" dirty="0" smtClean="0">
-                <a:ln>
-                  <a:noFill/>
-                </a:ln>
-                <a:solidFill>
-                  <a:srgbClr val="808080"/>
-                </a:solidFill>
-                <a:effectLst/>
-                <a:latin typeface="Courier New" panose="02070309020205020404" pitchFamily="49" charset="0"/>
-                <a:cs typeface="Courier New" panose="02070309020205020404" pitchFamily="49" charset="0"/>
-              </a:rPr>
-            </a:br>
-            <a:r>
-              <a:rPr kumimoji="0" lang="en-US" altLang="en-US" sz="1800" b="0" i="1" u="none" strike="noStrike" cap="none" normalizeH="0" baseline="0" dirty="0" smtClean="0">
-                <a:ln>
-                  <a:noFill/>
-                </a:ln>
-                <a:solidFill>
-                  <a:srgbClr val="808080"/>
-                </a:solidFill>
-                <a:effectLst/>
-                <a:latin typeface="Courier New" panose="02070309020205020404" pitchFamily="49" charset="0"/>
-                <a:cs typeface="Courier New" panose="02070309020205020404" pitchFamily="49" charset="0"/>
-              </a:rPr>
-              <a:t/>
-            </a:r>
-            <a:br>
-              <a:rPr kumimoji="0" lang="en-US" altLang="en-US" sz="1800" b="0" i="1" u="none" strike="noStrike" cap="none" normalizeH="0" baseline="0" dirty="0" smtClean="0">
-                <a:ln>
-                  <a:noFill/>
-                </a:ln>
-                <a:solidFill>
-                  <a:srgbClr val="808080"/>
-                </a:solidFill>
-                <a:effectLst/>
-                <a:latin typeface="Courier New" panose="02070309020205020404" pitchFamily="49" charset="0"/>
-                <a:cs typeface="Courier New" panose="02070309020205020404" pitchFamily="49" charset="0"/>
-              </a:rPr>
-            </a:br>
-            <a:r>
-              <a:rPr kumimoji="0" lang="en-US" altLang="en-US" sz="1800" b="0" i="1" u="none" strike="noStrike" cap="none" normalizeH="0" baseline="0" dirty="0" smtClean="0">
-                <a:ln>
-                  <a:noFill/>
-                </a:ln>
-                <a:solidFill>
-                  <a:srgbClr val="808080"/>
-                </a:solidFill>
-                <a:effectLst/>
-                <a:latin typeface="Courier New" panose="02070309020205020404" pitchFamily="49" charset="0"/>
-                <a:cs typeface="Courier New" panose="02070309020205020404" pitchFamily="49" charset="0"/>
-              </a:rPr>
-              <a:t>    N=100   seconds=0.005</a:t>
-            </a:r>
-            <a:br>
-              <a:rPr kumimoji="0" lang="en-US" altLang="en-US" sz="1800" b="0" i="1" u="none" strike="noStrike" cap="none" normalizeH="0" baseline="0" dirty="0" smtClean="0">
-                <a:ln>
-                  <a:noFill/>
-                </a:ln>
-                <a:solidFill>
-                  <a:srgbClr val="808080"/>
-                </a:solidFill>
-                <a:effectLst/>
-                <a:latin typeface="Courier New" panose="02070309020205020404" pitchFamily="49" charset="0"/>
-                <a:cs typeface="Courier New" panose="02070309020205020404" pitchFamily="49" charset="0"/>
-              </a:rPr>
-            </a:br>
-            <a:r>
-              <a:rPr kumimoji="0" lang="en-US" altLang="en-US" sz="1800" b="0" i="1" u="none" strike="noStrike" cap="none" normalizeH="0" baseline="0" dirty="0" smtClean="0">
-                <a:ln>
-                  <a:noFill/>
-                </a:ln>
-                <a:solidFill>
-                  <a:srgbClr val="808080"/>
-                </a:solidFill>
-                <a:effectLst/>
-                <a:latin typeface="Courier New" panose="02070309020205020404" pitchFamily="49" charset="0"/>
-                <a:cs typeface="Courier New" panose="02070309020205020404" pitchFamily="49" charset="0"/>
-              </a:rPr>
-              <a:t>    N=200   seconds=0.005</a:t>
-            </a:r>
-            <a:br>
-              <a:rPr kumimoji="0" lang="en-US" altLang="en-US" sz="1800" b="0" i="1" u="none" strike="noStrike" cap="none" normalizeH="0" baseline="0" dirty="0" smtClean="0">
-                <a:ln>
-                  <a:noFill/>
-                </a:ln>
-                <a:solidFill>
-                  <a:srgbClr val="808080"/>
-                </a:solidFill>
-                <a:effectLst/>
-                <a:latin typeface="Courier New" panose="02070309020205020404" pitchFamily="49" charset="0"/>
-                <a:cs typeface="Courier New" panose="02070309020205020404" pitchFamily="49" charset="0"/>
-              </a:rPr>
-            </a:br>
-            <a:r>
-              <a:rPr kumimoji="0" lang="en-US" altLang="en-US" sz="1800" b="0" i="1" u="none" strike="noStrike" cap="none" normalizeH="0" baseline="0" dirty="0" smtClean="0">
-                <a:ln>
-                  <a:noFill/>
-                </a:ln>
-                <a:solidFill>
-                  <a:srgbClr val="808080"/>
-                </a:solidFill>
-                <a:effectLst/>
-                <a:latin typeface="Courier New" panose="02070309020205020404" pitchFamily="49" charset="0"/>
-                <a:cs typeface="Courier New" panose="02070309020205020404" pitchFamily="49" charset="0"/>
-              </a:rPr>
-              <a:t>    N=400   seconds=0.012</a:t>
-            </a:r>
-            <a:br>
-              <a:rPr kumimoji="0" lang="en-US" altLang="en-US" sz="1800" b="0" i="1" u="none" strike="noStrike" cap="none" normalizeH="0" baseline="0" dirty="0" smtClean="0">
-                <a:ln>
-                  <a:noFill/>
-                </a:ln>
-                <a:solidFill>
-                  <a:srgbClr val="808080"/>
-                </a:solidFill>
-                <a:effectLst/>
-                <a:latin typeface="Courier New" panose="02070309020205020404" pitchFamily="49" charset="0"/>
-                <a:cs typeface="Courier New" panose="02070309020205020404" pitchFamily="49" charset="0"/>
-              </a:rPr>
-            </a:br>
-            <a:r>
-              <a:rPr kumimoji="0" lang="en-US" altLang="en-US" sz="1800" b="0" i="1" u="none" strike="noStrike" cap="none" normalizeH="0" baseline="0" dirty="0" smtClean="0">
-                <a:ln>
-                  <a:noFill/>
-                </a:ln>
-                <a:solidFill>
-                  <a:srgbClr val="808080"/>
-                </a:solidFill>
-                <a:effectLst/>
-                <a:latin typeface="Courier New" panose="02070309020205020404" pitchFamily="49" charset="0"/>
-                <a:cs typeface="Courier New" panose="02070309020205020404" pitchFamily="49" charset="0"/>
-              </a:rPr>
-              <a:t>    N=800   seconds=0.072</a:t>
-            </a:r>
-            <a:br>
-              <a:rPr kumimoji="0" lang="en-US" altLang="en-US" sz="1800" b="0" i="1" u="none" strike="noStrike" cap="none" normalizeH="0" baseline="0" dirty="0" smtClean="0">
-                <a:ln>
-                  <a:noFill/>
-                </a:ln>
-                <a:solidFill>
-                  <a:srgbClr val="808080"/>
-                </a:solidFill>
-                <a:effectLst/>
-                <a:latin typeface="Courier New" panose="02070309020205020404" pitchFamily="49" charset="0"/>
-                <a:cs typeface="Courier New" panose="02070309020205020404" pitchFamily="49" charset="0"/>
-              </a:rPr>
-            </a:br>
-            <a:r>
-              <a:rPr kumimoji="0" lang="en-US" altLang="en-US" sz="1800" b="0" i="1" u="none" strike="noStrike" cap="none" normalizeH="0" baseline="0" dirty="0" smtClean="0">
-                <a:ln>
-                  <a:noFill/>
-                </a:ln>
-                <a:solidFill>
-                  <a:srgbClr val="808080"/>
-                </a:solidFill>
-                <a:effectLst/>
-                <a:latin typeface="Courier New" panose="02070309020205020404" pitchFamily="49" charset="0"/>
-                <a:cs typeface="Courier New" panose="02070309020205020404" pitchFamily="49" charset="0"/>
-              </a:rPr>
-              <a:t>    N=1600  seconds=0.211</a:t>
-            </a:r>
-            <a:br>
-              <a:rPr kumimoji="0" lang="en-US" altLang="en-US" sz="1800" b="0" i="1" u="none" strike="noStrike" cap="none" normalizeH="0" baseline="0" dirty="0" smtClean="0">
-                <a:ln>
-                  <a:noFill/>
-                </a:ln>
-                <a:solidFill>
-                  <a:srgbClr val="808080"/>
-                </a:solidFill>
-                <a:effectLst/>
-                <a:latin typeface="Courier New" panose="02070309020205020404" pitchFamily="49" charset="0"/>
-                <a:cs typeface="Courier New" panose="02070309020205020404" pitchFamily="49" charset="0"/>
-              </a:rPr>
-            </a:br>
-            <a:r>
-              <a:rPr kumimoji="0" lang="en-US" altLang="en-US" sz="1800" b="0" i="1" u="none" strike="noStrike" cap="none" normalizeH="0" baseline="0" dirty="0" smtClean="0">
-                <a:ln>
-                  <a:noFill/>
-                </a:ln>
-                <a:solidFill>
-                  <a:srgbClr val="808080"/>
-                </a:solidFill>
-                <a:effectLst/>
-                <a:latin typeface="Courier New" panose="02070309020205020404" pitchFamily="49" charset="0"/>
-                <a:cs typeface="Courier New" panose="02070309020205020404" pitchFamily="49" charset="0"/>
-              </a:rPr>
-              <a:t>    N=3200  seconds=0.754</a:t>
-            </a:r>
-            <a:br>
-              <a:rPr kumimoji="0" lang="en-US" altLang="en-US" sz="1800" b="0" i="1" u="none" strike="noStrike" cap="none" normalizeH="0" baseline="0" dirty="0" smtClean="0">
-                <a:ln>
-                  <a:noFill/>
-                </a:ln>
-                <a:solidFill>
-                  <a:srgbClr val="808080"/>
-                </a:solidFill>
-                <a:effectLst/>
-                <a:latin typeface="Courier New" panose="02070309020205020404" pitchFamily="49" charset="0"/>
-                <a:cs typeface="Courier New" panose="02070309020205020404" pitchFamily="49" charset="0"/>
-              </a:rPr>
-            </a:br>
-            <a:r>
-              <a:rPr kumimoji="0" lang="en-US" altLang="en-US" sz="1800" b="0" i="1" u="none" strike="noStrike" cap="none" normalizeH="0" baseline="0" dirty="0" smtClean="0">
-                <a:ln>
-                  <a:noFill/>
-                </a:ln>
-                <a:solidFill>
-                  <a:srgbClr val="808080"/>
-                </a:solidFill>
-                <a:effectLst/>
-                <a:latin typeface="Courier New" panose="02070309020205020404" pitchFamily="49" charset="0"/>
-                <a:cs typeface="Courier New" panose="02070309020205020404" pitchFamily="49" charset="0"/>
-              </a:rPr>
-              <a:t>    N=6400  seconds=2.829</a:t>
-            </a:r>
-            <a:br>
-              <a:rPr kumimoji="0" lang="en-US" altLang="en-US" sz="1800" b="0" i="1" u="none" strike="noStrike" cap="none" normalizeH="0" baseline="0" dirty="0" smtClean="0">
-                <a:ln>
-                  <a:noFill/>
-                </a:ln>
-                <a:solidFill>
-                  <a:srgbClr val="808080"/>
-                </a:solidFill>
-                <a:effectLst/>
-                <a:latin typeface="Courier New" panose="02070309020205020404" pitchFamily="49" charset="0"/>
-                <a:cs typeface="Courier New" panose="02070309020205020404" pitchFamily="49" charset="0"/>
-              </a:rPr>
-            </a:br>
-            <a:r>
-              <a:rPr kumimoji="0" lang="en-US" altLang="en-US" sz="1800" b="0" i="1" u="none" strike="noStrike" cap="none" normalizeH="0" baseline="0" dirty="0" smtClean="0">
-                <a:ln>
-                  <a:noFill/>
-                </a:ln>
-                <a:solidFill>
-                  <a:srgbClr val="808080"/>
-                </a:solidFill>
-                <a:effectLst/>
-                <a:latin typeface="Courier New" panose="02070309020205020404" pitchFamily="49" charset="0"/>
-                <a:cs typeface="Courier New" panose="02070309020205020404" pitchFamily="49" charset="0"/>
-              </a:rPr>
-              <a:t>    N=12800 seconds=11.48</a:t>
-            </a:r>
-            <a:br>
-              <a:rPr kumimoji="0" lang="en-US" altLang="en-US" sz="1800" b="0" i="1" u="none" strike="noStrike" cap="none" normalizeH="0" baseline="0" dirty="0" smtClean="0">
-                <a:ln>
-                  <a:noFill/>
-                </a:ln>
-                <a:solidFill>
-                  <a:srgbClr val="808080"/>
-                </a:solidFill>
-                <a:effectLst/>
-                <a:latin typeface="Courier New" panose="02070309020205020404" pitchFamily="49" charset="0"/>
-                <a:cs typeface="Courier New" panose="02070309020205020404" pitchFamily="49" charset="0"/>
-              </a:rPr>
-            </a:br>
-            <a:r>
-              <a:rPr kumimoji="0" lang="en-US" altLang="en-US" sz="1800" b="0" i="1" u="none" strike="noStrike" cap="none" normalizeH="0" baseline="0" dirty="0" smtClean="0">
-                <a:ln>
-                  <a:noFill/>
-                </a:ln>
-                <a:solidFill>
-                  <a:srgbClr val="808080"/>
-                </a:solidFill>
-                <a:effectLst/>
-                <a:latin typeface="Courier New" panose="02070309020205020404" pitchFamily="49" charset="0"/>
-                <a:cs typeface="Courier New" panose="02070309020205020404" pitchFamily="49" charset="0"/>
-              </a:rPr>
-              <a:t> */</a:t>
-            </a:r>
-            <a:endParaRPr kumimoji="0" lang="en-US" altLang="en-US" sz="1800" b="0" i="0" u="none" strike="noStrike" cap="none" normalizeH="0" baseline="0" dirty="0" smtClean="0">
-              <a:ln>
-                <a:noFill/>
-              </a:ln>
-              <a:solidFill>
-                <a:schemeClr val="tx1"/>
-              </a:solidFill>
-              <a:effectLst/>
-              <a:latin typeface="Arial" panose="020B0604020202020204" pitchFamily="34" charset="0"/>
-            </a:endParaRPr>
-          </a:p>
-        </p:txBody>
-      </p:sp>
-    </p:spTree>
-    <p:extLst>
-      <p:ext uri="{BB962C8B-B14F-4D97-AF65-F5344CB8AC3E}">
-        <p14:creationId xmlns:p14="http://schemas.microsoft.com/office/powerpoint/2010/main" val="1405945670"/>
-      </p:ext>
-    </p:extLst>
-  </p:cSld>
-  <p:clrMapOvr>
-    <a:masterClrMapping/>
-  </p:clrMapOvr>
-  <p:transition spd="med"/>
-  <p:timing>
-    <p:tnLst>
-      <p:par>
-        <p:cTn id="1" dur="indefinite" restart="never" nodeType="tmRoot"/>
-      </p:par>
-    </p:tnLst>
-  </p:timing>
-</p:sld>
-</file>
-
-<file path=ppt/slides/slide40.xml><?xml version="1.0" encoding="utf-8"?>
+<file path=ppt/slides/slide42.xml><?xml version="1.0" encoding="utf-8"?>
 <p:sld xmlns:a="http://schemas.openxmlformats.org/drawingml/2006/main" xmlns:r="http://schemas.openxmlformats.org/officeDocument/2006/relationships" xmlns:p="http://schemas.openxmlformats.org/presentationml/2006/main">
   <p:cSld>
     <p:spTree>
@@ -20058,352 +21222,6 @@
     <p:extLst>
       <p:ext uri="{BB962C8B-B14F-4D97-AF65-F5344CB8AC3E}">
         <p14:creationId xmlns:p14="http://schemas.microsoft.com/office/powerpoint/2010/main" val="1012284533"/>
-      </p:ext>
-    </p:extLst>
-  </p:cSld>
-  <p:clrMapOvr>
-    <a:masterClrMapping/>
-  </p:clrMapOvr>
-  <p:transition spd="med"/>
-  <p:timing>
-    <p:tnLst>
-      <p:par>
-        <p:cTn id="1" dur="indefinite" restart="never" nodeType="tmRoot"/>
-      </p:par>
-    </p:tnLst>
-  </p:timing>
-</p:sld>
-</file>
-
-<file path=ppt/slides/slide41.xml><?xml version="1.0" encoding="utf-8"?>
-<p:sld xmlns:a="http://schemas.openxmlformats.org/drawingml/2006/main" xmlns:r="http://schemas.openxmlformats.org/officeDocument/2006/relationships" xmlns:p="http://schemas.openxmlformats.org/presentationml/2006/main">
-  <p:cSld>
-    <p:spTree>
-      <p:nvGrpSpPr>
-        <p:cNvPr id="1" name=""/>
-        <p:cNvGrpSpPr/>
-        <p:nvPr/>
-      </p:nvGrpSpPr>
-      <p:grpSpPr>
-        <a:xfrm>
-          <a:off x="0" y="0"/>
-          <a:ext cx="0" cy="0"/>
-          <a:chOff x="0" y="0"/>
-          <a:chExt cx="0" cy="0"/>
-        </a:xfrm>
-      </p:grpSpPr>
-      <p:sp>
-        <p:nvSpPr>
-          <p:cNvPr id="2" name="Title 1"/>
-          <p:cNvSpPr>
-            <a:spLocks noGrp="1"/>
-          </p:cNvSpPr>
-          <p:nvPr>
-            <p:ph type="title"/>
-          </p:nvPr>
-        </p:nvSpPr>
-        <p:spPr/>
-        <p:txBody>
-          <a:bodyPr/>
-          <a:lstStyle/>
-          <a:p>
-            <a:r>
-              <a:rPr lang="en-US" dirty="0" smtClean="0"/>
-              <a:t>Sorting Algorithms</a:t>
-            </a:r>
-            <a:endParaRPr lang="en-US" dirty="0"/>
-          </a:p>
-        </p:txBody>
-      </p:sp>
-      <p:sp>
-        <p:nvSpPr>
-          <p:cNvPr id="3" name="Text Placeholder 2"/>
-          <p:cNvSpPr>
-            <a:spLocks noGrp="1"/>
-          </p:cNvSpPr>
-          <p:nvPr>
-            <p:ph type="body" idx="1"/>
-          </p:nvPr>
-        </p:nvSpPr>
-        <p:spPr>
-          <a:xfrm>
-            <a:off x="282803" y="2603500"/>
-            <a:ext cx="12433955" cy="6823304"/>
-          </a:xfrm>
-        </p:spPr>
-        <p:txBody>
-          <a:bodyPr>
-            <a:normAutofit fontScale="85000" lnSpcReduction="20000"/>
-          </a:bodyPr>
-          <a:lstStyle/>
-          <a:p>
-            <a:r>
-              <a:rPr lang="en-US" dirty="0" smtClean="0"/>
-              <a:t>Many </a:t>
-            </a:r>
-            <a:r>
-              <a:rPr lang="en-US" dirty="0" smtClean="0"/>
-              <a:t>different </a:t>
-            </a:r>
-            <a:r>
-              <a:rPr lang="en-US" dirty="0" smtClean="0"/>
-              <a:t>sorting algorithms</a:t>
-            </a:r>
-            <a:r>
-              <a:rPr lang="en-US" dirty="0" smtClean="0"/>
-              <a:t>, with different properties</a:t>
-            </a:r>
-          </a:p>
-          <a:p>
-            <a:r>
-              <a:rPr lang="en-US" dirty="0" smtClean="0"/>
-              <a:t>Given two items </a:t>
-            </a:r>
-            <a:r>
-              <a:rPr lang="en-US" i="1" dirty="0" smtClean="0"/>
-              <a:t>A</a:t>
-            </a:r>
-            <a:r>
-              <a:rPr lang="en-US" dirty="0" smtClean="0"/>
-              <a:t> and </a:t>
-            </a:r>
-            <a:r>
-              <a:rPr lang="en-US" i="1" dirty="0" smtClean="0"/>
-              <a:t>B</a:t>
-            </a:r>
-            <a:r>
-              <a:rPr lang="en-US" dirty="0" smtClean="0"/>
-              <a:t>, just need a </a:t>
-            </a:r>
-            <a:r>
-              <a:rPr lang="en-US" i="1" dirty="0" smtClean="0"/>
-              <a:t>comparator </a:t>
-            </a:r>
-            <a:r>
-              <a:rPr lang="en-US" dirty="0" smtClean="0"/>
-              <a:t>that can state which one is greater or equal</a:t>
-            </a:r>
-          </a:p>
-          <a:p>
-            <a:pPr lvl="1"/>
-            <a:r>
-              <a:rPr lang="en-US" dirty="0" smtClean="0"/>
-              <a:t>easy to say that 5 greater than 2, but what does it mean that song </a:t>
-            </a:r>
-            <a:r>
-              <a:rPr lang="en-US" i="1" dirty="0" smtClean="0"/>
-              <a:t>A </a:t>
-            </a:r>
-            <a:r>
-              <a:rPr lang="en-US" dirty="0" smtClean="0"/>
-              <a:t>is greater than song </a:t>
-            </a:r>
-            <a:r>
-              <a:rPr lang="en-US" i="1" dirty="0" smtClean="0"/>
-              <a:t>B</a:t>
-            </a:r>
-            <a:r>
-              <a:rPr lang="en-US" dirty="0" smtClean="0"/>
-              <a:t>? e.g., could look at alphabetic ordering of titles or artist names </a:t>
-            </a:r>
-          </a:p>
-          <a:p>
-            <a:r>
-              <a:rPr lang="en-US" dirty="0" smtClean="0"/>
-              <a:t>Most </a:t>
-            </a:r>
-            <a:r>
-              <a:rPr lang="en-US" dirty="0"/>
-              <a:t>language APIs provides good defaults</a:t>
-            </a:r>
-          </a:p>
-          <a:p>
-            <a:pPr lvl="1"/>
-            <a:r>
-              <a:rPr lang="en-US" dirty="0"/>
-              <a:t>Unless very large data, default will be fine 99% of the cases</a:t>
-            </a:r>
-          </a:p>
-          <a:p>
-            <a:r>
-              <a:rPr lang="en-US" dirty="0"/>
-              <a:t>Sorting is very popular in programming</a:t>
-            </a:r>
-          </a:p>
-          <a:p>
-            <a:pPr lvl="1"/>
-            <a:r>
-              <a:rPr lang="en-US" dirty="0"/>
-              <a:t>Important to understand how it works under the hood</a:t>
-            </a:r>
-          </a:p>
-          <a:p>
-            <a:r>
-              <a:rPr lang="en-US" dirty="0"/>
-              <a:t>Tractable mathematically</a:t>
-            </a:r>
-          </a:p>
-          <a:p>
-            <a:pPr lvl="1"/>
-            <a:r>
-              <a:rPr lang="en-US" dirty="0"/>
-              <a:t>So good example to show how to analyze </a:t>
-            </a:r>
-            <a:r>
-              <a:rPr lang="en-US" dirty="0" smtClean="0"/>
-              <a:t>algorithms</a:t>
-            </a:r>
-            <a:endParaRPr lang="en-US" dirty="0"/>
-          </a:p>
-        </p:txBody>
-      </p:sp>
-    </p:spTree>
-    <p:extLst>
-      <p:ext uri="{BB962C8B-B14F-4D97-AF65-F5344CB8AC3E}">
-        <p14:creationId xmlns:p14="http://schemas.microsoft.com/office/powerpoint/2010/main" val="263818894"/>
-      </p:ext>
-    </p:extLst>
-  </p:cSld>
-  <p:clrMapOvr>
-    <a:masterClrMapping/>
-  </p:clrMapOvr>
-  <p:transition spd="med"/>
-  <p:timing>
-    <p:tnLst>
-      <p:par>
-        <p:cTn id="1" dur="indefinite" restart="never" nodeType="tmRoot"/>
-      </p:par>
-    </p:tnLst>
-  </p:timing>
-</p:sld>
-</file>
-
-<file path=ppt/slides/slide42.xml><?xml version="1.0" encoding="utf-8"?>
-<p:sld xmlns:a="http://schemas.openxmlformats.org/drawingml/2006/main" xmlns:r="http://schemas.openxmlformats.org/officeDocument/2006/relationships" xmlns:p="http://schemas.openxmlformats.org/presentationml/2006/main">
-  <p:cSld>
-    <p:spTree>
-      <p:nvGrpSpPr>
-        <p:cNvPr id="1" name=""/>
-        <p:cNvGrpSpPr/>
-        <p:nvPr/>
-      </p:nvGrpSpPr>
-      <p:grpSpPr>
-        <a:xfrm>
-          <a:off x="0" y="0"/>
-          <a:ext cx="0" cy="0"/>
-          <a:chOff x="0" y="0"/>
-          <a:chExt cx="0" cy="0"/>
-        </a:xfrm>
-      </p:grpSpPr>
-      <p:sp>
-        <p:nvSpPr>
-          <p:cNvPr id="2" name="Title 1"/>
-          <p:cNvSpPr>
-            <a:spLocks noGrp="1"/>
-          </p:cNvSpPr>
-          <p:nvPr>
-            <p:ph type="title"/>
-          </p:nvPr>
-        </p:nvSpPr>
-        <p:spPr/>
-        <p:txBody>
-          <a:bodyPr/>
-          <a:lstStyle/>
-          <a:p>
-            <a:r>
-              <a:rPr lang="en-US" dirty="0" smtClean="0"/>
-              <a:t>Sorting Algorithms</a:t>
-            </a:r>
-            <a:endParaRPr lang="en-US" dirty="0"/>
-          </a:p>
-        </p:txBody>
-      </p:sp>
-      <p:sp>
-        <p:nvSpPr>
-          <p:cNvPr id="3" name="Text Placeholder 2"/>
-          <p:cNvSpPr>
-            <a:spLocks noGrp="1"/>
-          </p:cNvSpPr>
-          <p:nvPr>
-            <p:ph type="body" idx="1"/>
-          </p:nvPr>
-        </p:nvSpPr>
-        <p:spPr/>
-        <p:txBody>
-          <a:bodyPr>
-            <a:normAutofit fontScale="92500" lnSpcReduction="20000"/>
-          </a:bodyPr>
-          <a:lstStyle/>
-          <a:p>
-            <a:r>
-              <a:rPr lang="en-US" b="1" dirty="0" smtClean="0"/>
-              <a:t>Bubble Sort</a:t>
-            </a:r>
-          </a:p>
-          <a:p>
-            <a:r>
-              <a:rPr lang="en-US" b="1" dirty="0" smtClean="0"/>
-              <a:t>Insertion </a:t>
-            </a:r>
-            <a:r>
-              <a:rPr lang="en-US" b="1" dirty="0" smtClean="0"/>
-              <a:t>Sort</a:t>
-            </a:r>
-          </a:p>
-          <a:p>
-            <a:r>
-              <a:rPr lang="en-US" b="1" dirty="0" smtClean="0"/>
-              <a:t>Merge </a:t>
-            </a:r>
-            <a:r>
-              <a:rPr lang="en-US" b="1" dirty="0" smtClean="0"/>
-              <a:t>Sort</a:t>
-            </a:r>
-            <a:r>
-              <a:rPr lang="en-US" dirty="0" smtClean="0"/>
-              <a:t> (next class)</a:t>
-            </a:r>
-            <a:endParaRPr lang="en-US" dirty="0" smtClean="0"/>
-          </a:p>
-          <a:p>
-            <a:r>
-              <a:rPr lang="en-US" b="1" dirty="0" smtClean="0"/>
-              <a:t>Quick </a:t>
-            </a:r>
-            <a:r>
-              <a:rPr lang="en-US" b="1" dirty="0"/>
-              <a:t>Sort </a:t>
-            </a:r>
-            <a:r>
-              <a:rPr lang="en-US" dirty="0"/>
-              <a:t>(next class)</a:t>
-            </a:r>
-            <a:endParaRPr lang="en-US" dirty="0" smtClean="0"/>
-          </a:p>
-          <a:p>
-            <a:r>
-              <a:rPr lang="en-US" dirty="0" smtClean="0"/>
-              <a:t>There are more, but those are the most famous that you need to know </a:t>
-            </a:r>
-            <a:endParaRPr lang="en-US" dirty="0" smtClean="0"/>
-          </a:p>
-          <a:p>
-            <a:r>
-              <a:rPr lang="en-US" dirty="0" smtClean="0"/>
-              <a:t>Good </a:t>
-            </a:r>
-            <a:r>
-              <a:rPr lang="en-US" dirty="0" smtClean="0"/>
-              <a:t>way to see a problem been solved in many different ways</a:t>
-            </a:r>
-            <a:endParaRPr lang="en-US" dirty="0"/>
-          </a:p>
-        </p:txBody>
-      </p:sp>
-    </p:spTree>
-    <p:extLst>
-      <p:ext uri="{BB962C8B-B14F-4D97-AF65-F5344CB8AC3E}">
-        <p14:creationId xmlns:p14="http://schemas.microsoft.com/office/powerpoint/2010/main" val="859377593"/>
       </p:ext>
     </p:extLst>
   </p:cSld>
@@ -20455,6 +21273,326 @@
           <a:p>
             <a:r>
               <a:rPr lang="en-US" dirty="0" smtClean="0"/>
+              <a:t>Sorting Algorithms</a:t>
+            </a:r>
+            <a:endParaRPr lang="en-US" dirty="0"/>
+          </a:p>
+        </p:txBody>
+      </p:sp>
+      <p:sp>
+        <p:nvSpPr>
+          <p:cNvPr id="3" name="Text Placeholder 2"/>
+          <p:cNvSpPr>
+            <a:spLocks noGrp="1"/>
+          </p:cNvSpPr>
+          <p:nvPr>
+            <p:ph type="body" idx="1"/>
+          </p:nvPr>
+        </p:nvSpPr>
+        <p:spPr>
+          <a:xfrm>
+            <a:off x="282803" y="2603500"/>
+            <a:ext cx="12433955" cy="6823304"/>
+          </a:xfrm>
+        </p:spPr>
+        <p:txBody>
+          <a:bodyPr>
+            <a:normAutofit fontScale="85000" lnSpcReduction="20000"/>
+          </a:bodyPr>
+          <a:lstStyle/>
+          <a:p>
+            <a:r>
+              <a:rPr lang="en-US" dirty="0" smtClean="0"/>
+              <a:t>Many different sorting algorithms, with different properties</a:t>
+            </a:r>
+          </a:p>
+          <a:p>
+            <a:r>
+              <a:rPr lang="en-US" dirty="0" smtClean="0"/>
+              <a:t>Given two items </a:t>
+            </a:r>
+            <a:r>
+              <a:rPr lang="en-US" i="1" dirty="0" smtClean="0"/>
+              <a:t>A</a:t>
+            </a:r>
+            <a:r>
+              <a:rPr lang="en-US" dirty="0" smtClean="0"/>
+              <a:t> and </a:t>
+            </a:r>
+            <a:r>
+              <a:rPr lang="en-US" i="1" dirty="0" smtClean="0"/>
+              <a:t>B</a:t>
+            </a:r>
+            <a:r>
+              <a:rPr lang="en-US" dirty="0" smtClean="0"/>
+              <a:t>, just need a </a:t>
+            </a:r>
+            <a:r>
+              <a:rPr lang="en-US" i="1" dirty="0" smtClean="0"/>
+              <a:t>comparator </a:t>
+            </a:r>
+            <a:r>
+              <a:rPr lang="en-US" dirty="0" smtClean="0"/>
+              <a:t>that can state which one is greater or equal</a:t>
+            </a:r>
+          </a:p>
+          <a:p>
+            <a:pPr lvl="1"/>
+            <a:r>
+              <a:rPr lang="en-US" dirty="0" smtClean="0"/>
+              <a:t>easy to say that 5 greater than 2, but what does it mean that song </a:t>
+            </a:r>
+            <a:r>
+              <a:rPr lang="en-US" i="1" dirty="0" smtClean="0"/>
+              <a:t>A </a:t>
+            </a:r>
+            <a:r>
+              <a:rPr lang="en-US" dirty="0" smtClean="0"/>
+              <a:t>is greater than song </a:t>
+            </a:r>
+            <a:r>
+              <a:rPr lang="en-US" i="1" dirty="0" smtClean="0"/>
+              <a:t>B</a:t>
+            </a:r>
+            <a:r>
+              <a:rPr lang="en-US" dirty="0" smtClean="0"/>
+              <a:t>? e.g., could look at alphabetic ordering of titles or artist names </a:t>
+            </a:r>
+          </a:p>
+          <a:p>
+            <a:r>
+              <a:rPr lang="en-US" dirty="0" smtClean="0"/>
+              <a:t>Most </a:t>
+            </a:r>
+            <a:r>
+              <a:rPr lang="en-US" dirty="0"/>
+              <a:t>language APIs provides good defaults</a:t>
+            </a:r>
+          </a:p>
+          <a:p>
+            <a:pPr lvl="1"/>
+            <a:r>
+              <a:rPr lang="en-US" dirty="0"/>
+              <a:t>Unless very large data, default will be fine 99% of the cases</a:t>
+            </a:r>
+          </a:p>
+          <a:p>
+            <a:r>
+              <a:rPr lang="en-US" dirty="0"/>
+              <a:t>Sorting is very popular in programming</a:t>
+            </a:r>
+          </a:p>
+          <a:p>
+            <a:pPr lvl="1"/>
+            <a:r>
+              <a:rPr lang="en-US" dirty="0"/>
+              <a:t>Important to understand how it works under the hood</a:t>
+            </a:r>
+          </a:p>
+          <a:p>
+            <a:r>
+              <a:rPr lang="en-US" dirty="0"/>
+              <a:t>Tractable mathematically</a:t>
+            </a:r>
+          </a:p>
+          <a:p>
+            <a:pPr lvl="1"/>
+            <a:r>
+              <a:rPr lang="en-US" dirty="0"/>
+              <a:t>So good example to show how to analyze </a:t>
+            </a:r>
+            <a:r>
+              <a:rPr lang="en-US" dirty="0" smtClean="0"/>
+              <a:t>algorithms</a:t>
+            </a:r>
+            <a:endParaRPr lang="en-US" dirty="0"/>
+          </a:p>
+        </p:txBody>
+      </p:sp>
+    </p:spTree>
+    <p:extLst>
+      <p:ext uri="{BB962C8B-B14F-4D97-AF65-F5344CB8AC3E}">
+        <p14:creationId xmlns:p14="http://schemas.microsoft.com/office/powerpoint/2010/main" val="263818894"/>
+      </p:ext>
+    </p:extLst>
+  </p:cSld>
+  <p:clrMapOvr>
+    <a:masterClrMapping/>
+  </p:clrMapOvr>
+  <p:transition spd="med"/>
+  <p:timing>
+    <p:tnLst>
+      <p:par>
+        <p:cTn id="1" dur="indefinite" restart="never" nodeType="tmRoot"/>
+      </p:par>
+    </p:tnLst>
+  </p:timing>
+</p:sld>
+</file>
+
+<file path=ppt/slides/slide44.xml><?xml version="1.0" encoding="utf-8"?>
+<p:sld xmlns:a="http://schemas.openxmlformats.org/drawingml/2006/main" xmlns:r="http://schemas.openxmlformats.org/officeDocument/2006/relationships" xmlns:p="http://schemas.openxmlformats.org/presentationml/2006/main">
+  <p:cSld>
+    <p:spTree>
+      <p:nvGrpSpPr>
+        <p:cNvPr id="1" name=""/>
+        <p:cNvGrpSpPr/>
+        <p:nvPr/>
+      </p:nvGrpSpPr>
+      <p:grpSpPr>
+        <a:xfrm>
+          <a:off x="0" y="0"/>
+          <a:ext cx="0" cy="0"/>
+          <a:chOff x="0" y="0"/>
+          <a:chExt cx="0" cy="0"/>
+        </a:xfrm>
+      </p:grpSpPr>
+      <p:sp>
+        <p:nvSpPr>
+          <p:cNvPr id="2" name="Title 1"/>
+          <p:cNvSpPr>
+            <a:spLocks noGrp="1"/>
+          </p:cNvSpPr>
+          <p:nvPr>
+            <p:ph type="title"/>
+          </p:nvPr>
+        </p:nvSpPr>
+        <p:spPr/>
+        <p:txBody>
+          <a:bodyPr/>
+          <a:lstStyle/>
+          <a:p>
+            <a:r>
+              <a:rPr lang="en-US" dirty="0" smtClean="0"/>
+              <a:t>Sorting Algorithms</a:t>
+            </a:r>
+            <a:endParaRPr lang="en-US" dirty="0"/>
+          </a:p>
+        </p:txBody>
+      </p:sp>
+      <p:sp>
+        <p:nvSpPr>
+          <p:cNvPr id="3" name="Text Placeholder 2"/>
+          <p:cNvSpPr>
+            <a:spLocks noGrp="1"/>
+          </p:cNvSpPr>
+          <p:nvPr>
+            <p:ph type="body" idx="1"/>
+          </p:nvPr>
+        </p:nvSpPr>
+        <p:spPr/>
+        <p:txBody>
+          <a:bodyPr>
+            <a:normAutofit fontScale="92500" lnSpcReduction="20000"/>
+          </a:bodyPr>
+          <a:lstStyle/>
+          <a:p>
+            <a:r>
+              <a:rPr lang="en-US" b="1" dirty="0" smtClean="0"/>
+              <a:t>Bubble Sort</a:t>
+            </a:r>
+          </a:p>
+          <a:p>
+            <a:r>
+              <a:rPr lang="en-US" b="1" dirty="0" smtClean="0"/>
+              <a:t>Insertion Sort</a:t>
+            </a:r>
+          </a:p>
+          <a:p>
+            <a:r>
+              <a:rPr lang="en-US" b="1" dirty="0" smtClean="0"/>
+              <a:t>Merge Sort</a:t>
+            </a:r>
+            <a:r>
+              <a:rPr lang="en-US" dirty="0" smtClean="0"/>
+              <a:t> (next class)</a:t>
+            </a:r>
+          </a:p>
+          <a:p>
+            <a:r>
+              <a:rPr lang="en-US" b="1" dirty="0" smtClean="0"/>
+              <a:t>Quick </a:t>
+            </a:r>
+            <a:r>
+              <a:rPr lang="en-US" b="1" dirty="0"/>
+              <a:t>Sort </a:t>
+            </a:r>
+            <a:r>
+              <a:rPr lang="en-US" dirty="0"/>
+              <a:t>(next class)</a:t>
+            </a:r>
+            <a:endParaRPr lang="en-US" dirty="0" smtClean="0"/>
+          </a:p>
+          <a:p>
+            <a:r>
+              <a:rPr lang="en-US" dirty="0" smtClean="0"/>
+              <a:t>There are more, but those are the most famous that you need to know </a:t>
+            </a:r>
+          </a:p>
+          <a:p>
+            <a:r>
+              <a:rPr lang="en-US" dirty="0" smtClean="0"/>
+              <a:t>Good way to see a problem been solved in many different ways</a:t>
+            </a:r>
+            <a:endParaRPr lang="en-US" dirty="0"/>
+          </a:p>
+        </p:txBody>
+      </p:sp>
+    </p:spTree>
+    <p:extLst>
+      <p:ext uri="{BB962C8B-B14F-4D97-AF65-F5344CB8AC3E}">
+        <p14:creationId xmlns:p14="http://schemas.microsoft.com/office/powerpoint/2010/main" val="859377593"/>
+      </p:ext>
+    </p:extLst>
+  </p:cSld>
+  <p:clrMapOvr>
+    <a:masterClrMapping/>
+  </p:clrMapOvr>
+  <p:transition spd="med"/>
+  <p:timing>
+    <p:tnLst>
+      <p:par>
+        <p:cTn id="1" dur="indefinite" restart="never" nodeType="tmRoot"/>
+      </p:par>
+    </p:tnLst>
+  </p:timing>
+</p:sld>
+</file>
+
+<file path=ppt/slides/slide45.xml><?xml version="1.0" encoding="utf-8"?>
+<p:sld xmlns:a="http://schemas.openxmlformats.org/drawingml/2006/main" xmlns:r="http://schemas.openxmlformats.org/officeDocument/2006/relationships" xmlns:p="http://schemas.openxmlformats.org/presentationml/2006/main">
+  <p:cSld>
+    <p:spTree>
+      <p:nvGrpSpPr>
+        <p:cNvPr id="1" name=""/>
+        <p:cNvGrpSpPr/>
+        <p:nvPr/>
+      </p:nvGrpSpPr>
+      <p:grpSpPr>
+        <a:xfrm>
+          <a:off x="0" y="0"/>
+          <a:ext cx="0" cy="0"/>
+          <a:chOff x="0" y="0"/>
+          <a:chExt cx="0" cy="0"/>
+        </a:xfrm>
+      </p:grpSpPr>
+      <p:sp>
+        <p:nvSpPr>
+          <p:cNvPr id="2" name="Title 1"/>
+          <p:cNvSpPr>
+            <a:spLocks noGrp="1"/>
+          </p:cNvSpPr>
+          <p:nvPr>
+            <p:ph type="title"/>
+          </p:nvPr>
+        </p:nvSpPr>
+        <p:spPr/>
+        <p:txBody>
+          <a:bodyPr/>
+          <a:lstStyle/>
+          <a:p>
+            <a:r>
+              <a:rPr lang="en-US" dirty="0" smtClean="0"/>
               <a:t>Bubble Sort</a:t>
             </a:r>
             <a:endParaRPr lang="en-US" dirty="0"/>
@@ -20527,7 +21665,7 @@
 </p:sld>
 </file>
 
-<file path=ppt/slides/slide44.xml><?xml version="1.0" encoding="utf-8"?>
+<file path=ppt/slides/slide46.xml><?xml version="1.0" encoding="utf-8"?>
 <p:sld xmlns:a="http://schemas.openxmlformats.org/drawingml/2006/main" xmlns:r="http://schemas.openxmlformats.org/officeDocument/2006/relationships" xmlns:p="http://schemas.openxmlformats.org/presentationml/2006/main">
   <p:cSld>
     <p:spTree>
@@ -21731,7 +22869,7 @@
 </p:sld>
 </file>
 
-<file path=ppt/slides/slide45.xml><?xml version="1.0" encoding="utf-8"?>
+<file path=ppt/slides/slide47.xml><?xml version="1.0" encoding="utf-8"?>
 <p:sld xmlns:a="http://schemas.openxmlformats.org/drawingml/2006/main" xmlns:r="http://schemas.openxmlformats.org/officeDocument/2006/relationships" xmlns:p="http://schemas.openxmlformats.org/presentationml/2006/main">
   <p:cSld>
     <p:spTree>
@@ -22562,7 +23700,7 @@
 </p:sld>
 </file>
 
-<file path=ppt/slides/slide46.xml><?xml version="1.0" encoding="utf-8"?>
+<file path=ppt/slides/slide48.xml><?xml version="1.0" encoding="utf-8"?>
 <p:sld xmlns:a="http://schemas.openxmlformats.org/drawingml/2006/main" xmlns:r="http://schemas.openxmlformats.org/officeDocument/2006/relationships" xmlns:p="http://schemas.openxmlformats.org/presentationml/2006/main">
   <p:cSld>
     <p:spTree>
@@ -22801,7 +23939,7 @@
 </p:sld>
 </file>
 
-<file path=ppt/slides/slide47.xml><?xml version="1.0" encoding="utf-8"?>
+<file path=ppt/slides/slide49.xml><?xml version="1.0" encoding="utf-8"?>
 <p:sld xmlns:a="http://schemas.openxmlformats.org/drawingml/2006/main" xmlns:r="http://schemas.openxmlformats.org/officeDocument/2006/relationships" xmlns:p="http://schemas.openxmlformats.org/presentationml/2006/main">
   <p:cSld>
     <p:spTree>
@@ -24545,7 +25683,1625 @@
 </p:sld>
 </file>
 
-<file path=ppt/slides/slide48.xml><?xml version="1.0" encoding="utf-8"?>
+<file path=ppt/slides/slide5.xml><?xml version="1.0" encoding="utf-8"?>
+<p:sld xmlns:a="http://schemas.openxmlformats.org/drawingml/2006/main" xmlns:r="http://schemas.openxmlformats.org/officeDocument/2006/relationships" xmlns:p="http://schemas.openxmlformats.org/presentationml/2006/main">
+  <p:cSld>
+    <p:spTree>
+      <p:nvGrpSpPr>
+        <p:cNvPr id="1" name=""/>
+        <p:cNvGrpSpPr/>
+        <p:nvPr/>
+      </p:nvGrpSpPr>
+      <p:grpSpPr>
+        <a:xfrm>
+          <a:off x="0" y="0"/>
+          <a:ext cx="0" cy="0"/>
+          <a:chOff x="0" y="0"/>
+          <a:chExt cx="0" cy="0"/>
+        </a:xfrm>
+      </p:grpSpPr>
+      <mc:AlternateContent xmlns:mc="http://schemas.openxmlformats.org/markup-compatibility/2006" xmlns:a14="http://schemas.microsoft.com/office/drawing/2010/main">
+        <mc:Choice Requires="a14">
+          <p:sp>
+            <p:nvSpPr>
+              <p:cNvPr id="3" name="Text Placeholder 2"/>
+              <p:cNvSpPr>
+                <a:spLocks noGrp="1"/>
+              </p:cNvSpPr>
+              <p:nvPr>
+                <p:ph type="body" idx="1"/>
+              </p:nvPr>
+            </p:nvSpPr>
+            <p:spPr>
+              <a:xfrm>
+                <a:off x="361950" y="4583637"/>
+                <a:ext cx="12306300" cy="3936999"/>
+              </a:xfrm>
+            </p:spPr>
+            <p:txBody>
+              <a:bodyPr>
+                <a:normAutofit/>
+              </a:bodyPr>
+              <a:lstStyle/>
+              <a:p>
+                <a:r>
+                  <a:rPr lang="en-US" dirty="0" smtClean="0"/>
+                  <a:t>Two nested loops </a:t>
+                </a:r>
+              </a:p>
+              <a:p>
+                <a:r>
+                  <a:rPr lang="en-US" dirty="0" smtClean="0"/>
+                  <a:t>Inner loop executed once per each element in array</a:t>
+                </a:r>
+              </a:p>
+              <a:p>
+                <a:r>
+                  <a:rPr lang="en-US" dirty="0" smtClean="0"/>
+                  <a:t>So, </a:t>
+                </a:r>
+                <a14:m>
+                  <m:oMath xmlns:m="http://schemas.openxmlformats.org/officeDocument/2006/math">
+                    <m:r>
+                      <a:rPr lang="en-US" b="0" i="1" smtClean="0">
+                        <a:latin typeface="Cambria Math" panose="02040503050406030204" pitchFamily="18" charset="0"/>
+                      </a:rPr>
+                      <m:t>𝑁</m:t>
+                    </m:r>
+                    <m:r>
+                      <a:rPr lang="en-US" b="0" i="1" smtClean="0">
+                        <a:latin typeface="Cambria Math" panose="02040503050406030204" pitchFamily="18" charset="0"/>
+                      </a:rPr>
+                      <m:t>∗</m:t>
+                    </m:r>
+                    <m:r>
+                      <a:rPr lang="en-US" b="0" i="1" smtClean="0">
+                        <a:latin typeface="Cambria Math" panose="02040503050406030204" pitchFamily="18" charset="0"/>
+                      </a:rPr>
+                      <m:t>𝑁</m:t>
+                    </m:r>
+                    <m:r>
+                      <a:rPr lang="en-US" b="0" i="1" smtClean="0">
+                        <a:latin typeface="Cambria Math" panose="02040503050406030204" pitchFamily="18" charset="0"/>
+                      </a:rPr>
+                      <m:t>=</m:t>
+                    </m:r>
+                    <m:sSup>
+                      <m:sSupPr>
+                        <m:ctrlPr>
+                          <a:rPr lang="en-US" b="0" i="1" smtClean="0">
+                            <a:latin typeface="Cambria Math" panose="02040503050406030204" pitchFamily="18" charset="0"/>
+                          </a:rPr>
+                        </m:ctrlPr>
+                      </m:sSupPr>
+                      <m:e>
+                        <m:r>
+                          <a:rPr lang="en-US" b="0" i="1" smtClean="0">
+                            <a:latin typeface="Cambria Math" panose="02040503050406030204" pitchFamily="18" charset="0"/>
+                          </a:rPr>
+                          <m:t>𝑁</m:t>
+                        </m:r>
+                      </m:e>
+                      <m:sup>
+                        <m:r>
+                          <a:rPr lang="en-US" b="0" i="1" smtClean="0">
+                            <a:latin typeface="Cambria Math" panose="02040503050406030204" pitchFamily="18" charset="0"/>
+                          </a:rPr>
+                          <m:t>2</m:t>
+                        </m:r>
+                      </m:sup>
+                    </m:sSup>
+                  </m:oMath>
+                </a14:m>
+                <a:endParaRPr lang="en-US" b="0" dirty="0" smtClean="0"/>
+              </a:p>
+              <a:p>
+                <a:r>
+                  <a:rPr lang="en-US" dirty="0" smtClean="0"/>
+                  <a:t>Twice as big is now </a:t>
+                </a:r>
+                <a14:m>
+                  <m:oMath xmlns:m="http://schemas.openxmlformats.org/officeDocument/2006/math">
+                    <m:r>
+                      <a:rPr lang="en-US" b="0" i="1" smtClean="0">
+                        <a:latin typeface="Cambria Math" panose="02040503050406030204" pitchFamily="18" charset="0"/>
+                      </a:rPr>
+                      <m:t>2∗2=4</m:t>
+                    </m:r>
+                  </m:oMath>
+                </a14:m>
+                <a:r>
+                  <a:rPr lang="en-US" dirty="0" smtClean="0"/>
+                  <a:t> times as slow!!! (roughly)</a:t>
+                </a:r>
+                <a:endParaRPr lang="en-US" dirty="0"/>
+              </a:p>
+            </p:txBody>
+          </p:sp>
+        </mc:Choice>
+        <mc:Fallback xmlns="">
+          <p:sp>
+            <p:nvSpPr>
+              <p:cNvPr id="3" name="Text Placeholder 2"/>
+              <p:cNvSpPr>
+                <a:spLocks noGrp="1" noRot="1" noChangeAspect="1" noMove="1" noResize="1" noEditPoints="1" noAdjustHandles="1" noChangeArrowheads="1" noChangeShapeType="1" noTextEdit="1"/>
+              </p:cNvSpPr>
+              <p:nvPr>
+                <p:ph type="body" idx="1"/>
+              </p:nvPr>
+            </p:nvSpPr>
+            <p:spPr>
+              <a:xfrm>
+                <a:off x="361950" y="4583637"/>
+                <a:ext cx="12306300" cy="3936999"/>
+              </a:xfrm>
+              <a:blipFill>
+                <a:blip r:embed="rId2"/>
+                <a:stretch>
+                  <a:fillRect l="-1139" t="-1703" b="-5108"/>
+                </a:stretch>
+              </a:blipFill>
+            </p:spPr>
+            <p:txBody>
+              <a:bodyPr/>
+              <a:lstStyle/>
+              <a:p>
+                <a:r>
+                  <a:rPr lang="en-US">
+                    <a:noFill/>
+                  </a:rPr>
+                  <a:t> </a:t>
+                </a:r>
+              </a:p>
+            </p:txBody>
+          </p:sp>
+        </mc:Fallback>
+      </mc:AlternateContent>
+      <p:sp>
+        <p:nvSpPr>
+          <p:cNvPr id="4" name="Rectangle 1"/>
+          <p:cNvSpPr>
+            <a:spLocks noChangeArrowheads="1"/>
+          </p:cNvSpPr>
+          <p:nvPr/>
+        </p:nvSpPr>
+        <p:spPr bwMode="auto">
+          <a:xfrm>
+            <a:off x="552451" y="759885"/>
+            <a:ext cx="7143750" cy="3785652"/>
+          </a:xfrm>
+          <a:prstGeom prst="rect">
+            <a:avLst/>
+          </a:prstGeom>
+          <a:solidFill>
+            <a:srgbClr val="FFFFFF"/>
+          </a:solidFill>
+          <a:ln>
+            <a:noFill/>
+          </a:ln>
+          <a:effectLst/>
+          <a:extLst>
+            <a:ext uri="{91240B29-F687-4F45-9708-019B960494DF}">
+              <a14:hiddenLine xmlns:a14="http://schemas.microsoft.com/office/drawing/2010/main" w="9525">
+                <a:solidFill>
+                  <a:schemeClr val="tx1"/>
+                </a:solidFill>
+                <a:miter lim="800000"/>
+                <a:headEnd/>
+                <a:tailEnd/>
+              </a14:hiddenLine>
+            </a:ext>
+            <a:ext uri="{AF507438-7753-43E0-B8FC-AC1667EBCBE1}">
+              <a14:hiddenEffects xmlns:a14="http://schemas.microsoft.com/office/drawing/2010/main">
+                <a:effectLst>
+                  <a:outerShdw dist="35921" dir="2700000" algn="ctr" rotWithShape="0">
+                    <a:schemeClr val="bg2"/>
+                  </a:outerShdw>
+                </a:effectLst>
+              </a14:hiddenEffects>
+            </a:ext>
+          </a:extLst>
+        </p:spPr>
+        <p:txBody>
+          <a:bodyPr vert="horz" wrap="square" lIns="91440" tIns="45720" rIns="91440" bIns="45720" numCol="1" anchor="ctr" anchorCtr="0" compatLnSpc="1">
+            <a:prstTxWarp prst="textNoShape">
+              <a:avLst/>
+            </a:prstTxWarp>
+            <a:spAutoFit/>
+          </a:bodyPr>
+          <a:lstStyle/>
+          <a:p>
+            <a:pPr marL="0" marR="0" lvl="0" indent="0" algn="l" defTabSz="914400" rtl="0" eaLnBrk="0" fontAlgn="base" latinLnBrk="0" hangingPunct="0">
+              <a:lnSpc>
+                <a:spcPct val="100000"/>
+              </a:lnSpc>
+              <a:spcBef>
+                <a:spcPct val="0"/>
+              </a:spcBef>
+              <a:spcAft>
+                <a:spcPct val="0"/>
+              </a:spcAft>
+              <a:buClrTx/>
+              <a:buSzTx/>
+              <a:buFontTx/>
+              <a:buNone/>
+              <a:tabLst/>
+            </a:pPr>
+            <a:r>
+              <a:rPr kumimoji="0" lang="en-US" altLang="en-US" sz="2000" b="1" i="0" u="none" strike="noStrike" cap="none" normalizeH="0" baseline="0" dirty="0" smtClean="0">
+                <a:ln>
+                  <a:noFill/>
+                </a:ln>
+                <a:solidFill>
+                  <a:srgbClr val="000080"/>
+                </a:solidFill>
+                <a:effectLst/>
+                <a:latin typeface="Courier New" panose="02070309020205020404" pitchFamily="49" charset="0"/>
+                <a:cs typeface="Courier New" panose="02070309020205020404" pitchFamily="49" charset="0"/>
+              </a:rPr>
+              <a:t>public static </a:t>
+            </a:r>
+            <a:r>
+              <a:rPr kumimoji="0" lang="en-US" altLang="en-US" sz="2000" b="1" i="0" u="none" strike="noStrike" cap="none" normalizeH="0" baseline="0" dirty="0" err="1" smtClean="0">
+                <a:ln>
+                  <a:noFill/>
+                </a:ln>
+                <a:solidFill>
+                  <a:srgbClr val="000080"/>
+                </a:solidFill>
+                <a:effectLst/>
+                <a:latin typeface="Courier New" panose="02070309020205020404" pitchFamily="49" charset="0"/>
+                <a:cs typeface="Courier New" panose="02070309020205020404" pitchFamily="49" charset="0"/>
+              </a:rPr>
+              <a:t>int</a:t>
+            </a:r>
+            <a:r>
+              <a:rPr kumimoji="0" lang="en-US" altLang="en-US" sz="2000" b="1" i="0" u="none" strike="noStrike" cap="none" normalizeH="0" baseline="0" dirty="0" smtClean="0">
+                <a:ln>
+                  <a:noFill/>
+                </a:ln>
+                <a:solidFill>
+                  <a:srgbClr val="000080"/>
+                </a:solidFill>
+                <a:effectLst/>
+                <a:latin typeface="Courier New" panose="02070309020205020404" pitchFamily="49" charset="0"/>
+                <a:cs typeface="Courier New" panose="02070309020205020404" pitchFamily="49" charset="0"/>
+              </a:rPr>
+              <a:t> </a:t>
+            </a:r>
+            <a:r>
+              <a:rPr kumimoji="0" lang="en-US" altLang="en-US" sz="2000" b="0" i="0" u="none" strike="noStrike" cap="none" normalizeH="0" baseline="0" dirty="0" smtClean="0">
+                <a:ln>
+                  <a:noFill/>
+                </a:ln>
+                <a:solidFill>
+                  <a:srgbClr val="000000"/>
+                </a:solidFill>
+                <a:effectLst/>
+                <a:latin typeface="Courier New" panose="02070309020205020404" pitchFamily="49" charset="0"/>
+                <a:cs typeface="Courier New" panose="02070309020205020404" pitchFamily="49" charset="0"/>
+              </a:rPr>
+              <a:t>pairs(</a:t>
+            </a:r>
+            <a:r>
+              <a:rPr kumimoji="0" lang="en-US" altLang="en-US" sz="2000" b="1" i="0" u="none" strike="noStrike" cap="none" normalizeH="0" baseline="0" dirty="0" err="1" smtClean="0">
+                <a:ln>
+                  <a:noFill/>
+                </a:ln>
+                <a:solidFill>
+                  <a:srgbClr val="000080"/>
+                </a:solidFill>
+                <a:effectLst/>
+                <a:latin typeface="Courier New" panose="02070309020205020404" pitchFamily="49" charset="0"/>
+                <a:cs typeface="Courier New" panose="02070309020205020404" pitchFamily="49" charset="0"/>
+              </a:rPr>
+              <a:t>int</a:t>
+            </a:r>
+            <a:r>
+              <a:rPr kumimoji="0" lang="en-US" altLang="en-US" sz="2000" b="0" i="0" u="none" strike="noStrike" cap="none" normalizeH="0" baseline="0" dirty="0" smtClean="0">
+                <a:ln>
+                  <a:noFill/>
+                </a:ln>
+                <a:solidFill>
+                  <a:srgbClr val="000000"/>
+                </a:solidFill>
+                <a:effectLst/>
+                <a:latin typeface="Courier New" panose="02070309020205020404" pitchFamily="49" charset="0"/>
+                <a:cs typeface="Courier New" panose="02070309020205020404" pitchFamily="49" charset="0"/>
+              </a:rPr>
+              <a:t>[] array){</a:t>
+            </a:r>
+            <a:br>
+              <a:rPr kumimoji="0" lang="en-US" altLang="en-US" sz="2000" b="0" i="0" u="none" strike="noStrike" cap="none" normalizeH="0" baseline="0" dirty="0" smtClean="0">
+                <a:ln>
+                  <a:noFill/>
+                </a:ln>
+                <a:solidFill>
+                  <a:srgbClr val="000000"/>
+                </a:solidFill>
+                <a:effectLst/>
+                <a:latin typeface="Courier New" panose="02070309020205020404" pitchFamily="49" charset="0"/>
+                <a:cs typeface="Courier New" panose="02070309020205020404" pitchFamily="49" charset="0"/>
+              </a:rPr>
+            </a:br>
+            <a:r>
+              <a:rPr kumimoji="0" lang="en-US" altLang="en-US" sz="2000" b="0" i="0" u="none" strike="noStrike" cap="none" normalizeH="0" baseline="0" dirty="0" smtClean="0">
+                <a:ln>
+                  <a:noFill/>
+                </a:ln>
+                <a:solidFill>
+                  <a:srgbClr val="000000"/>
+                </a:solidFill>
+                <a:effectLst/>
+                <a:latin typeface="Courier New" panose="02070309020205020404" pitchFamily="49" charset="0"/>
+                <a:cs typeface="Courier New" panose="02070309020205020404" pitchFamily="49" charset="0"/>
+              </a:rPr>
+              <a:t>    </a:t>
+            </a:r>
+            <a:r>
+              <a:rPr kumimoji="0" lang="en-US" altLang="en-US" sz="2000" b="1" i="0" u="none" strike="noStrike" cap="none" normalizeH="0" baseline="0" dirty="0" err="1" smtClean="0">
+                <a:ln>
+                  <a:noFill/>
+                </a:ln>
+                <a:solidFill>
+                  <a:srgbClr val="000080"/>
+                </a:solidFill>
+                <a:effectLst/>
+                <a:latin typeface="Courier New" panose="02070309020205020404" pitchFamily="49" charset="0"/>
+                <a:cs typeface="Courier New" panose="02070309020205020404" pitchFamily="49" charset="0"/>
+              </a:rPr>
+              <a:t>int</a:t>
+            </a:r>
+            <a:r>
+              <a:rPr kumimoji="0" lang="en-US" altLang="en-US" sz="2000" b="1" i="0" u="none" strike="noStrike" cap="none" normalizeH="0" baseline="0" dirty="0" smtClean="0">
+                <a:ln>
+                  <a:noFill/>
+                </a:ln>
+                <a:solidFill>
+                  <a:srgbClr val="000080"/>
+                </a:solidFill>
+                <a:effectLst/>
+                <a:latin typeface="Courier New" panose="02070309020205020404" pitchFamily="49" charset="0"/>
+                <a:cs typeface="Courier New" panose="02070309020205020404" pitchFamily="49" charset="0"/>
+              </a:rPr>
+              <a:t> </a:t>
+            </a:r>
+            <a:r>
+              <a:rPr kumimoji="0" lang="en-US" altLang="en-US" sz="2000" b="0" i="0" u="none" strike="noStrike" cap="none" normalizeH="0" baseline="0" dirty="0" smtClean="0">
+                <a:ln>
+                  <a:noFill/>
+                </a:ln>
+                <a:solidFill>
+                  <a:srgbClr val="000000"/>
+                </a:solidFill>
+                <a:effectLst/>
+                <a:latin typeface="Courier New" panose="02070309020205020404" pitchFamily="49" charset="0"/>
+                <a:cs typeface="Courier New" panose="02070309020205020404" pitchFamily="49" charset="0"/>
+              </a:rPr>
+              <a:t>pairs = </a:t>
+            </a:r>
+            <a:r>
+              <a:rPr kumimoji="0" lang="en-US" altLang="en-US" sz="2000" b="0" i="0" u="none" strike="noStrike" cap="none" normalizeH="0" baseline="0" dirty="0" smtClean="0">
+                <a:ln>
+                  <a:noFill/>
+                </a:ln>
+                <a:solidFill>
+                  <a:srgbClr val="0000FF"/>
+                </a:solidFill>
+                <a:effectLst/>
+                <a:latin typeface="Courier New" panose="02070309020205020404" pitchFamily="49" charset="0"/>
+                <a:cs typeface="Courier New" panose="02070309020205020404" pitchFamily="49" charset="0"/>
+              </a:rPr>
+              <a:t>0</a:t>
+            </a:r>
+            <a:r>
+              <a:rPr kumimoji="0" lang="en-US" altLang="en-US" sz="2000" b="0" i="0" u="none" strike="noStrike" cap="none" normalizeH="0" baseline="0" dirty="0" smtClean="0">
+                <a:ln>
+                  <a:noFill/>
+                </a:ln>
+                <a:solidFill>
+                  <a:srgbClr val="000000"/>
+                </a:solidFill>
+                <a:effectLst/>
+                <a:latin typeface="Courier New" panose="02070309020205020404" pitchFamily="49" charset="0"/>
+                <a:cs typeface="Courier New" panose="02070309020205020404" pitchFamily="49" charset="0"/>
+              </a:rPr>
+              <a:t>;</a:t>
+            </a:r>
+          </a:p>
+          <a:p>
+            <a:pPr marL="0" marR="0" lvl="0" indent="0" algn="l" defTabSz="914400" rtl="0" eaLnBrk="0" fontAlgn="base" latinLnBrk="0" hangingPunct="0">
+              <a:lnSpc>
+                <a:spcPct val="100000"/>
+              </a:lnSpc>
+              <a:spcBef>
+                <a:spcPct val="0"/>
+              </a:spcBef>
+              <a:spcAft>
+                <a:spcPct val="0"/>
+              </a:spcAft>
+              <a:buClrTx/>
+              <a:buSzTx/>
+              <a:buFontTx/>
+              <a:buNone/>
+              <a:tabLst/>
+            </a:pPr>
+            <a:r>
+              <a:rPr kumimoji="0" lang="en-US" altLang="en-US" sz="2000" b="0" i="0" u="none" strike="noStrike" cap="none" normalizeH="0" baseline="0" dirty="0" smtClean="0">
+                <a:ln>
+                  <a:noFill/>
+                </a:ln>
+                <a:solidFill>
+                  <a:srgbClr val="000000"/>
+                </a:solidFill>
+                <a:effectLst/>
+                <a:latin typeface="Courier New" panose="02070309020205020404" pitchFamily="49" charset="0"/>
+                <a:cs typeface="Courier New" panose="02070309020205020404" pitchFamily="49" charset="0"/>
+              </a:rPr>
+              <a:t/>
+            </a:r>
+            <a:br>
+              <a:rPr kumimoji="0" lang="en-US" altLang="en-US" sz="2000" b="0" i="0" u="none" strike="noStrike" cap="none" normalizeH="0" baseline="0" dirty="0" smtClean="0">
+                <a:ln>
+                  <a:noFill/>
+                </a:ln>
+                <a:solidFill>
+                  <a:srgbClr val="000000"/>
+                </a:solidFill>
+                <a:effectLst/>
+                <a:latin typeface="Courier New" panose="02070309020205020404" pitchFamily="49" charset="0"/>
+                <a:cs typeface="Courier New" panose="02070309020205020404" pitchFamily="49" charset="0"/>
+              </a:rPr>
+            </a:br>
+            <a:r>
+              <a:rPr kumimoji="0" lang="en-US" altLang="en-US" sz="2000" b="0" i="0" u="none" strike="noStrike" cap="none" normalizeH="0" baseline="0" dirty="0" smtClean="0">
+                <a:ln>
+                  <a:noFill/>
+                </a:ln>
+                <a:solidFill>
+                  <a:srgbClr val="000000"/>
+                </a:solidFill>
+                <a:effectLst/>
+                <a:latin typeface="Courier New" panose="02070309020205020404" pitchFamily="49" charset="0"/>
+                <a:cs typeface="Courier New" panose="02070309020205020404" pitchFamily="49" charset="0"/>
+              </a:rPr>
+              <a:t>    </a:t>
+            </a:r>
+            <a:r>
+              <a:rPr kumimoji="0" lang="en-US" altLang="en-US" sz="2000" b="1" i="0" u="none" strike="noStrike" cap="none" normalizeH="0" baseline="0" dirty="0" smtClean="0">
+                <a:ln>
+                  <a:noFill/>
+                </a:ln>
+                <a:solidFill>
+                  <a:srgbClr val="000080"/>
+                </a:solidFill>
+                <a:effectLst/>
+                <a:latin typeface="Courier New" panose="02070309020205020404" pitchFamily="49" charset="0"/>
+                <a:cs typeface="Courier New" panose="02070309020205020404" pitchFamily="49" charset="0"/>
+              </a:rPr>
+              <a:t>for</a:t>
+            </a:r>
+            <a:r>
+              <a:rPr kumimoji="0" lang="en-US" altLang="en-US" sz="2000" b="0" i="0" u="none" strike="noStrike" cap="none" normalizeH="0" baseline="0" dirty="0" smtClean="0">
+                <a:ln>
+                  <a:noFill/>
+                </a:ln>
+                <a:solidFill>
+                  <a:srgbClr val="000000"/>
+                </a:solidFill>
+                <a:effectLst/>
+                <a:latin typeface="Courier New" panose="02070309020205020404" pitchFamily="49" charset="0"/>
+                <a:cs typeface="Courier New" panose="02070309020205020404" pitchFamily="49" charset="0"/>
+              </a:rPr>
+              <a:t>(</a:t>
+            </a:r>
+            <a:r>
+              <a:rPr kumimoji="0" lang="en-US" altLang="en-US" sz="2000" b="1" i="0" u="none" strike="noStrike" cap="none" normalizeH="0" baseline="0" dirty="0" err="1" smtClean="0">
+                <a:ln>
+                  <a:noFill/>
+                </a:ln>
+                <a:solidFill>
+                  <a:srgbClr val="000080"/>
+                </a:solidFill>
+                <a:effectLst/>
+                <a:latin typeface="Courier New" panose="02070309020205020404" pitchFamily="49" charset="0"/>
+                <a:cs typeface="Courier New" panose="02070309020205020404" pitchFamily="49" charset="0"/>
+              </a:rPr>
+              <a:t>int</a:t>
+            </a:r>
+            <a:r>
+              <a:rPr kumimoji="0" lang="en-US" altLang="en-US" sz="2000" b="1" i="0" u="none" strike="noStrike" cap="none" normalizeH="0" baseline="0" dirty="0" smtClean="0">
+                <a:ln>
+                  <a:noFill/>
+                </a:ln>
+                <a:solidFill>
+                  <a:srgbClr val="000080"/>
+                </a:solidFill>
+                <a:effectLst/>
+                <a:latin typeface="Courier New" panose="02070309020205020404" pitchFamily="49" charset="0"/>
+                <a:cs typeface="Courier New" panose="02070309020205020404" pitchFamily="49" charset="0"/>
+              </a:rPr>
+              <a:t> </a:t>
+            </a:r>
+            <a:r>
+              <a:rPr kumimoji="0" lang="en-US" altLang="en-US" sz="2000" b="0" i="0" u="none" strike="noStrike" cap="none" normalizeH="0" baseline="0" dirty="0" err="1" smtClean="0">
+                <a:ln>
+                  <a:noFill/>
+                </a:ln>
+                <a:solidFill>
+                  <a:srgbClr val="000000"/>
+                </a:solidFill>
+                <a:effectLst/>
+                <a:latin typeface="Courier New" panose="02070309020205020404" pitchFamily="49" charset="0"/>
+                <a:cs typeface="Courier New" panose="02070309020205020404" pitchFamily="49" charset="0"/>
+              </a:rPr>
+              <a:t>i</a:t>
+            </a:r>
+            <a:r>
+              <a:rPr kumimoji="0" lang="en-US" altLang="en-US" sz="2000" b="0" i="0" u="none" strike="noStrike" cap="none" normalizeH="0" baseline="0" dirty="0" smtClean="0">
+                <a:ln>
+                  <a:noFill/>
+                </a:ln>
+                <a:solidFill>
+                  <a:srgbClr val="000000"/>
+                </a:solidFill>
+                <a:effectLst/>
+                <a:latin typeface="Courier New" panose="02070309020205020404" pitchFamily="49" charset="0"/>
+                <a:cs typeface="Courier New" panose="02070309020205020404" pitchFamily="49" charset="0"/>
+              </a:rPr>
+              <a:t>=</a:t>
+            </a:r>
+            <a:r>
+              <a:rPr kumimoji="0" lang="en-US" altLang="en-US" sz="2000" b="0" i="0" u="none" strike="noStrike" cap="none" normalizeH="0" baseline="0" dirty="0" smtClean="0">
+                <a:ln>
+                  <a:noFill/>
+                </a:ln>
+                <a:solidFill>
+                  <a:srgbClr val="0000FF"/>
+                </a:solidFill>
+                <a:effectLst/>
+                <a:latin typeface="Courier New" panose="02070309020205020404" pitchFamily="49" charset="0"/>
+                <a:cs typeface="Courier New" panose="02070309020205020404" pitchFamily="49" charset="0"/>
+              </a:rPr>
+              <a:t>0</a:t>
+            </a:r>
+            <a:r>
+              <a:rPr kumimoji="0" lang="en-US" altLang="en-US" sz="2000" b="0" i="0" u="none" strike="noStrike" cap="none" normalizeH="0" baseline="0" dirty="0" smtClean="0">
+                <a:ln>
+                  <a:noFill/>
+                </a:ln>
+                <a:solidFill>
+                  <a:srgbClr val="000000"/>
+                </a:solidFill>
+                <a:effectLst/>
+                <a:latin typeface="Courier New" panose="02070309020205020404" pitchFamily="49" charset="0"/>
+                <a:cs typeface="Courier New" panose="02070309020205020404" pitchFamily="49" charset="0"/>
+              </a:rPr>
+              <a:t>; </a:t>
+            </a:r>
+            <a:r>
+              <a:rPr kumimoji="0" lang="en-US" altLang="en-US" sz="2000" b="0" i="0" u="none" strike="noStrike" cap="none" normalizeH="0" baseline="0" dirty="0" err="1" smtClean="0">
+                <a:ln>
+                  <a:noFill/>
+                </a:ln>
+                <a:solidFill>
+                  <a:srgbClr val="000000"/>
+                </a:solidFill>
+                <a:effectLst/>
+                <a:latin typeface="Courier New" panose="02070309020205020404" pitchFamily="49" charset="0"/>
+                <a:cs typeface="Courier New" panose="02070309020205020404" pitchFamily="49" charset="0"/>
+              </a:rPr>
+              <a:t>i</a:t>
+            </a:r>
+            <a:r>
+              <a:rPr kumimoji="0" lang="en-US" altLang="en-US" sz="2000" b="0" i="0" u="none" strike="noStrike" cap="none" normalizeH="0" baseline="0" dirty="0" smtClean="0">
+                <a:ln>
+                  <a:noFill/>
+                </a:ln>
+                <a:solidFill>
+                  <a:srgbClr val="000000"/>
+                </a:solidFill>
+                <a:effectLst/>
+                <a:latin typeface="Courier New" panose="02070309020205020404" pitchFamily="49" charset="0"/>
+                <a:cs typeface="Courier New" panose="02070309020205020404" pitchFamily="49" charset="0"/>
+              </a:rPr>
+              <a:t>&lt;</a:t>
+            </a:r>
+            <a:r>
+              <a:rPr kumimoji="0" lang="en-US" altLang="en-US" sz="2000" b="0" i="0" u="none" strike="noStrike" cap="none" normalizeH="0" baseline="0" dirty="0" err="1" smtClean="0">
+                <a:ln>
+                  <a:noFill/>
+                </a:ln>
+                <a:solidFill>
+                  <a:srgbClr val="000000"/>
+                </a:solidFill>
+                <a:effectLst/>
+                <a:latin typeface="Courier New" panose="02070309020205020404" pitchFamily="49" charset="0"/>
+                <a:cs typeface="Courier New" panose="02070309020205020404" pitchFamily="49" charset="0"/>
+              </a:rPr>
+              <a:t>array.</a:t>
+            </a:r>
+            <a:r>
+              <a:rPr kumimoji="0" lang="en-US" altLang="en-US" sz="2000" b="1" i="0" u="none" strike="noStrike" cap="none" normalizeH="0" baseline="0" dirty="0" err="1" smtClean="0">
+                <a:ln>
+                  <a:noFill/>
+                </a:ln>
+                <a:solidFill>
+                  <a:srgbClr val="660E7A"/>
+                </a:solidFill>
+                <a:effectLst/>
+                <a:latin typeface="Courier New" panose="02070309020205020404" pitchFamily="49" charset="0"/>
+                <a:cs typeface="Courier New" panose="02070309020205020404" pitchFamily="49" charset="0"/>
+              </a:rPr>
+              <a:t>length</a:t>
+            </a:r>
+            <a:r>
+              <a:rPr kumimoji="0" lang="en-US" altLang="en-US" sz="2000" b="0" i="0" u="none" strike="noStrike" cap="none" normalizeH="0" baseline="0" dirty="0" smtClean="0">
+                <a:ln>
+                  <a:noFill/>
+                </a:ln>
+                <a:solidFill>
+                  <a:srgbClr val="000000"/>
+                </a:solidFill>
+                <a:effectLst/>
+                <a:latin typeface="Courier New" panose="02070309020205020404" pitchFamily="49" charset="0"/>
+                <a:cs typeface="Courier New" panose="02070309020205020404" pitchFamily="49" charset="0"/>
+              </a:rPr>
+              <a:t>; </a:t>
+            </a:r>
+            <a:r>
+              <a:rPr kumimoji="0" lang="en-US" altLang="en-US" sz="2000" b="0" i="0" u="none" strike="noStrike" cap="none" normalizeH="0" baseline="0" dirty="0" err="1" smtClean="0">
+                <a:ln>
+                  <a:noFill/>
+                </a:ln>
+                <a:solidFill>
+                  <a:srgbClr val="000000"/>
+                </a:solidFill>
+                <a:effectLst/>
+                <a:latin typeface="Courier New" panose="02070309020205020404" pitchFamily="49" charset="0"/>
+                <a:cs typeface="Courier New" panose="02070309020205020404" pitchFamily="49" charset="0"/>
+              </a:rPr>
+              <a:t>i</a:t>
+            </a:r>
+            <a:r>
+              <a:rPr kumimoji="0" lang="en-US" altLang="en-US" sz="2000" b="0" i="0" u="none" strike="noStrike" cap="none" normalizeH="0" baseline="0" dirty="0" smtClean="0">
+                <a:ln>
+                  <a:noFill/>
+                </a:ln>
+                <a:solidFill>
+                  <a:srgbClr val="000000"/>
+                </a:solidFill>
+                <a:effectLst/>
+                <a:latin typeface="Courier New" panose="02070309020205020404" pitchFamily="49" charset="0"/>
+                <a:cs typeface="Courier New" panose="02070309020205020404" pitchFamily="49" charset="0"/>
+              </a:rPr>
+              <a:t>++){</a:t>
+            </a:r>
+            <a:br>
+              <a:rPr kumimoji="0" lang="en-US" altLang="en-US" sz="2000" b="0" i="0" u="none" strike="noStrike" cap="none" normalizeH="0" baseline="0" dirty="0" smtClean="0">
+                <a:ln>
+                  <a:noFill/>
+                </a:ln>
+                <a:solidFill>
+                  <a:srgbClr val="000000"/>
+                </a:solidFill>
+                <a:effectLst/>
+                <a:latin typeface="Courier New" panose="02070309020205020404" pitchFamily="49" charset="0"/>
+                <a:cs typeface="Courier New" panose="02070309020205020404" pitchFamily="49" charset="0"/>
+              </a:rPr>
+            </a:br>
+            <a:r>
+              <a:rPr kumimoji="0" lang="en-US" altLang="en-US" sz="2000" b="0" i="0" u="none" strike="noStrike" cap="none" normalizeH="0" baseline="0" dirty="0" smtClean="0">
+                <a:ln>
+                  <a:noFill/>
+                </a:ln>
+                <a:solidFill>
+                  <a:srgbClr val="000000"/>
+                </a:solidFill>
+                <a:effectLst/>
+                <a:latin typeface="Courier New" panose="02070309020205020404" pitchFamily="49" charset="0"/>
+                <a:cs typeface="Courier New" panose="02070309020205020404" pitchFamily="49" charset="0"/>
+              </a:rPr>
+              <a:t>        </a:t>
+            </a:r>
+            <a:r>
+              <a:rPr kumimoji="0" lang="en-US" altLang="en-US" sz="2000" b="1" i="0" u="none" strike="noStrike" cap="none" normalizeH="0" baseline="0" dirty="0" smtClean="0">
+                <a:ln>
+                  <a:noFill/>
+                </a:ln>
+                <a:solidFill>
+                  <a:srgbClr val="000080"/>
+                </a:solidFill>
+                <a:effectLst/>
+                <a:latin typeface="Courier New" panose="02070309020205020404" pitchFamily="49" charset="0"/>
+                <a:cs typeface="Courier New" panose="02070309020205020404" pitchFamily="49" charset="0"/>
+              </a:rPr>
+              <a:t>for</a:t>
+            </a:r>
+            <a:r>
+              <a:rPr kumimoji="0" lang="en-US" altLang="en-US" sz="2000" b="0" i="0" u="none" strike="noStrike" cap="none" normalizeH="0" baseline="0" dirty="0" smtClean="0">
+                <a:ln>
+                  <a:noFill/>
+                </a:ln>
+                <a:solidFill>
+                  <a:srgbClr val="000000"/>
+                </a:solidFill>
+                <a:effectLst/>
+                <a:latin typeface="Courier New" panose="02070309020205020404" pitchFamily="49" charset="0"/>
+                <a:cs typeface="Courier New" panose="02070309020205020404" pitchFamily="49" charset="0"/>
+              </a:rPr>
+              <a:t>(</a:t>
+            </a:r>
+            <a:r>
+              <a:rPr kumimoji="0" lang="en-US" altLang="en-US" sz="2000" b="1" i="0" u="none" strike="noStrike" cap="none" normalizeH="0" baseline="0" dirty="0" err="1" smtClean="0">
+                <a:ln>
+                  <a:noFill/>
+                </a:ln>
+                <a:solidFill>
+                  <a:srgbClr val="000080"/>
+                </a:solidFill>
+                <a:effectLst/>
+                <a:latin typeface="Courier New" panose="02070309020205020404" pitchFamily="49" charset="0"/>
+                <a:cs typeface="Courier New" panose="02070309020205020404" pitchFamily="49" charset="0"/>
+              </a:rPr>
+              <a:t>int</a:t>
+            </a:r>
+            <a:r>
+              <a:rPr kumimoji="0" lang="en-US" altLang="en-US" sz="2000" b="1" i="0" u="none" strike="noStrike" cap="none" normalizeH="0" baseline="0" dirty="0" smtClean="0">
+                <a:ln>
+                  <a:noFill/>
+                </a:ln>
+                <a:solidFill>
+                  <a:srgbClr val="000080"/>
+                </a:solidFill>
+                <a:effectLst/>
+                <a:latin typeface="Courier New" panose="02070309020205020404" pitchFamily="49" charset="0"/>
+                <a:cs typeface="Courier New" panose="02070309020205020404" pitchFamily="49" charset="0"/>
+              </a:rPr>
+              <a:t> </a:t>
+            </a:r>
+            <a:r>
+              <a:rPr kumimoji="0" lang="en-US" altLang="en-US" sz="2000" b="0" i="0" u="none" strike="noStrike" cap="none" normalizeH="0" baseline="0" dirty="0" smtClean="0">
+                <a:ln>
+                  <a:noFill/>
+                </a:ln>
+                <a:solidFill>
+                  <a:srgbClr val="000000"/>
+                </a:solidFill>
+                <a:effectLst/>
+                <a:latin typeface="Courier New" panose="02070309020205020404" pitchFamily="49" charset="0"/>
+                <a:cs typeface="Courier New" panose="02070309020205020404" pitchFamily="49" charset="0"/>
+              </a:rPr>
+              <a:t>j=</a:t>
+            </a:r>
+            <a:r>
+              <a:rPr kumimoji="0" lang="en-US" altLang="en-US" sz="2000" b="0" i="0" u="none" strike="noStrike" cap="none" normalizeH="0" baseline="0" dirty="0" smtClean="0">
+                <a:ln>
+                  <a:noFill/>
+                </a:ln>
+                <a:solidFill>
+                  <a:srgbClr val="0000FF"/>
+                </a:solidFill>
+                <a:effectLst/>
+                <a:latin typeface="Courier New" panose="02070309020205020404" pitchFamily="49" charset="0"/>
+                <a:cs typeface="Courier New" panose="02070309020205020404" pitchFamily="49" charset="0"/>
+              </a:rPr>
+              <a:t>0</a:t>
+            </a:r>
+            <a:r>
+              <a:rPr kumimoji="0" lang="en-US" altLang="en-US" sz="2000" b="0" i="0" u="none" strike="noStrike" cap="none" normalizeH="0" baseline="0" dirty="0" smtClean="0">
+                <a:ln>
+                  <a:noFill/>
+                </a:ln>
+                <a:solidFill>
+                  <a:srgbClr val="000000"/>
+                </a:solidFill>
+                <a:effectLst/>
+                <a:latin typeface="Courier New" panose="02070309020205020404" pitchFamily="49" charset="0"/>
+                <a:cs typeface="Courier New" panose="02070309020205020404" pitchFamily="49" charset="0"/>
+              </a:rPr>
+              <a:t>; j&lt;</a:t>
+            </a:r>
+            <a:r>
+              <a:rPr kumimoji="0" lang="en-US" altLang="en-US" sz="2000" b="0" i="0" u="none" strike="noStrike" cap="none" normalizeH="0" baseline="0" dirty="0" err="1" smtClean="0">
+                <a:ln>
+                  <a:noFill/>
+                </a:ln>
+                <a:solidFill>
+                  <a:srgbClr val="000000"/>
+                </a:solidFill>
+                <a:effectLst/>
+                <a:latin typeface="Courier New" panose="02070309020205020404" pitchFamily="49" charset="0"/>
+                <a:cs typeface="Courier New" panose="02070309020205020404" pitchFamily="49" charset="0"/>
+              </a:rPr>
+              <a:t>array.</a:t>
+            </a:r>
+            <a:r>
+              <a:rPr kumimoji="0" lang="en-US" altLang="en-US" sz="2000" b="1" i="0" u="none" strike="noStrike" cap="none" normalizeH="0" baseline="0" dirty="0" err="1" smtClean="0">
+                <a:ln>
+                  <a:noFill/>
+                </a:ln>
+                <a:solidFill>
+                  <a:srgbClr val="660E7A"/>
+                </a:solidFill>
+                <a:effectLst/>
+                <a:latin typeface="Courier New" panose="02070309020205020404" pitchFamily="49" charset="0"/>
+                <a:cs typeface="Courier New" panose="02070309020205020404" pitchFamily="49" charset="0"/>
+              </a:rPr>
+              <a:t>length</a:t>
+            </a:r>
+            <a:r>
+              <a:rPr kumimoji="0" lang="en-US" altLang="en-US" sz="2000" b="0" i="0" u="none" strike="noStrike" cap="none" normalizeH="0" baseline="0" dirty="0" smtClean="0">
+                <a:ln>
+                  <a:noFill/>
+                </a:ln>
+                <a:solidFill>
+                  <a:srgbClr val="000000"/>
+                </a:solidFill>
+                <a:effectLst/>
+                <a:latin typeface="Courier New" panose="02070309020205020404" pitchFamily="49" charset="0"/>
+                <a:cs typeface="Courier New" panose="02070309020205020404" pitchFamily="49" charset="0"/>
+              </a:rPr>
+              <a:t>; </a:t>
+            </a:r>
+            <a:r>
+              <a:rPr kumimoji="0" lang="en-US" altLang="en-US" sz="2000" b="0" i="0" u="none" strike="noStrike" cap="none" normalizeH="0" baseline="0" dirty="0" err="1" smtClean="0">
+                <a:ln>
+                  <a:noFill/>
+                </a:ln>
+                <a:solidFill>
+                  <a:srgbClr val="000000"/>
+                </a:solidFill>
+                <a:effectLst/>
+                <a:latin typeface="Courier New" panose="02070309020205020404" pitchFamily="49" charset="0"/>
+                <a:cs typeface="Courier New" panose="02070309020205020404" pitchFamily="49" charset="0"/>
+              </a:rPr>
+              <a:t>j++</a:t>
+            </a:r>
+            <a:r>
+              <a:rPr kumimoji="0" lang="en-US" altLang="en-US" sz="2000" b="0" i="0" u="none" strike="noStrike" cap="none" normalizeH="0" baseline="0" dirty="0" smtClean="0">
+                <a:ln>
+                  <a:noFill/>
+                </a:ln>
+                <a:solidFill>
+                  <a:srgbClr val="000000"/>
+                </a:solidFill>
+                <a:effectLst/>
+                <a:latin typeface="Courier New" panose="02070309020205020404" pitchFamily="49" charset="0"/>
+                <a:cs typeface="Courier New" panose="02070309020205020404" pitchFamily="49" charset="0"/>
+              </a:rPr>
+              <a:t>){</a:t>
+            </a:r>
+            <a:br>
+              <a:rPr kumimoji="0" lang="en-US" altLang="en-US" sz="2000" b="0" i="0" u="none" strike="noStrike" cap="none" normalizeH="0" baseline="0" dirty="0" smtClean="0">
+                <a:ln>
+                  <a:noFill/>
+                </a:ln>
+                <a:solidFill>
+                  <a:srgbClr val="000000"/>
+                </a:solidFill>
+                <a:effectLst/>
+                <a:latin typeface="Courier New" panose="02070309020205020404" pitchFamily="49" charset="0"/>
+                <a:cs typeface="Courier New" panose="02070309020205020404" pitchFamily="49" charset="0"/>
+              </a:rPr>
+            </a:br>
+            <a:r>
+              <a:rPr kumimoji="0" lang="en-US" altLang="en-US" sz="2000" b="0" i="0" u="none" strike="noStrike" cap="none" normalizeH="0" baseline="0" dirty="0" smtClean="0">
+                <a:ln>
+                  <a:noFill/>
+                </a:ln>
+                <a:solidFill>
+                  <a:srgbClr val="000000"/>
+                </a:solidFill>
+                <a:effectLst/>
+                <a:latin typeface="Courier New" panose="02070309020205020404" pitchFamily="49" charset="0"/>
+                <a:cs typeface="Courier New" panose="02070309020205020404" pitchFamily="49" charset="0"/>
+              </a:rPr>
+              <a:t>            </a:t>
+            </a:r>
+            <a:r>
+              <a:rPr kumimoji="0" lang="en-US" altLang="en-US" sz="2000" b="1" i="0" u="none" strike="noStrike" cap="none" normalizeH="0" baseline="0" dirty="0" smtClean="0">
+                <a:ln>
+                  <a:noFill/>
+                </a:ln>
+                <a:solidFill>
+                  <a:srgbClr val="000080"/>
+                </a:solidFill>
+                <a:effectLst/>
+                <a:latin typeface="Courier New" panose="02070309020205020404" pitchFamily="49" charset="0"/>
+                <a:cs typeface="Courier New" panose="02070309020205020404" pitchFamily="49" charset="0"/>
+              </a:rPr>
+              <a:t>if</a:t>
+            </a:r>
+            <a:r>
+              <a:rPr kumimoji="0" lang="en-US" altLang="en-US" sz="2000" b="0" i="0" u="none" strike="noStrike" cap="none" normalizeH="0" baseline="0" dirty="0" smtClean="0">
+                <a:ln>
+                  <a:noFill/>
+                </a:ln>
+                <a:solidFill>
+                  <a:srgbClr val="000000"/>
+                </a:solidFill>
+                <a:effectLst/>
+                <a:latin typeface="Courier New" panose="02070309020205020404" pitchFamily="49" charset="0"/>
+                <a:cs typeface="Courier New" panose="02070309020205020404" pitchFamily="49" charset="0"/>
+              </a:rPr>
+              <a:t>(</a:t>
+            </a:r>
+            <a:r>
+              <a:rPr kumimoji="0" lang="en-US" altLang="en-US" sz="2000" b="0" i="0" u="none" strike="noStrike" cap="none" normalizeH="0" baseline="0" dirty="0" err="1" smtClean="0">
+                <a:ln>
+                  <a:noFill/>
+                </a:ln>
+                <a:solidFill>
+                  <a:srgbClr val="000000"/>
+                </a:solidFill>
+                <a:effectLst/>
+                <a:latin typeface="Courier New" panose="02070309020205020404" pitchFamily="49" charset="0"/>
+                <a:cs typeface="Courier New" panose="02070309020205020404" pitchFamily="49" charset="0"/>
+              </a:rPr>
+              <a:t>i</a:t>
+            </a:r>
+            <a:r>
+              <a:rPr kumimoji="0" lang="en-US" altLang="en-US" sz="2000" b="0" i="0" u="none" strike="noStrike" cap="none" normalizeH="0" baseline="0" dirty="0" smtClean="0">
+                <a:ln>
+                  <a:noFill/>
+                </a:ln>
+                <a:solidFill>
+                  <a:srgbClr val="000000"/>
+                </a:solidFill>
+                <a:effectLst/>
+                <a:latin typeface="Courier New" panose="02070309020205020404" pitchFamily="49" charset="0"/>
+                <a:cs typeface="Courier New" panose="02070309020205020404" pitchFamily="49" charset="0"/>
+              </a:rPr>
+              <a:t>!=j &amp;&amp; array[</a:t>
+            </a:r>
+            <a:r>
+              <a:rPr kumimoji="0" lang="en-US" altLang="en-US" sz="2000" b="0" i="0" u="none" strike="noStrike" cap="none" normalizeH="0" baseline="0" dirty="0" err="1" smtClean="0">
+                <a:ln>
+                  <a:noFill/>
+                </a:ln>
+                <a:solidFill>
+                  <a:srgbClr val="000000"/>
+                </a:solidFill>
+                <a:effectLst/>
+                <a:latin typeface="Courier New" panose="02070309020205020404" pitchFamily="49" charset="0"/>
+                <a:cs typeface="Courier New" panose="02070309020205020404" pitchFamily="49" charset="0"/>
+              </a:rPr>
+              <a:t>i</a:t>
+            </a:r>
+            <a:r>
+              <a:rPr kumimoji="0" lang="en-US" altLang="en-US" sz="2000" b="0" i="0" u="none" strike="noStrike" cap="none" normalizeH="0" baseline="0" dirty="0" smtClean="0">
+                <a:ln>
+                  <a:noFill/>
+                </a:ln>
+                <a:solidFill>
+                  <a:srgbClr val="000000"/>
+                </a:solidFill>
+                <a:effectLst/>
+                <a:latin typeface="Courier New" panose="02070309020205020404" pitchFamily="49" charset="0"/>
+                <a:cs typeface="Courier New" panose="02070309020205020404" pitchFamily="49" charset="0"/>
+              </a:rPr>
+              <a:t>] == array[j]){</a:t>
+            </a:r>
+            <a:br>
+              <a:rPr kumimoji="0" lang="en-US" altLang="en-US" sz="2000" b="0" i="0" u="none" strike="noStrike" cap="none" normalizeH="0" baseline="0" dirty="0" smtClean="0">
+                <a:ln>
+                  <a:noFill/>
+                </a:ln>
+                <a:solidFill>
+                  <a:srgbClr val="000000"/>
+                </a:solidFill>
+                <a:effectLst/>
+                <a:latin typeface="Courier New" panose="02070309020205020404" pitchFamily="49" charset="0"/>
+                <a:cs typeface="Courier New" panose="02070309020205020404" pitchFamily="49" charset="0"/>
+              </a:rPr>
+            </a:br>
+            <a:r>
+              <a:rPr kumimoji="0" lang="en-US" altLang="en-US" sz="2000" b="0" i="0" u="none" strike="noStrike" cap="none" normalizeH="0" baseline="0" dirty="0" smtClean="0">
+                <a:ln>
+                  <a:noFill/>
+                </a:ln>
+                <a:solidFill>
+                  <a:srgbClr val="000000"/>
+                </a:solidFill>
+                <a:effectLst/>
+                <a:latin typeface="Courier New" panose="02070309020205020404" pitchFamily="49" charset="0"/>
+                <a:cs typeface="Courier New" panose="02070309020205020404" pitchFamily="49" charset="0"/>
+              </a:rPr>
+              <a:t>                pairs++;</a:t>
+            </a:r>
+            <a:br>
+              <a:rPr kumimoji="0" lang="en-US" altLang="en-US" sz="2000" b="0" i="0" u="none" strike="noStrike" cap="none" normalizeH="0" baseline="0" dirty="0" smtClean="0">
+                <a:ln>
+                  <a:noFill/>
+                </a:ln>
+                <a:solidFill>
+                  <a:srgbClr val="000000"/>
+                </a:solidFill>
+                <a:effectLst/>
+                <a:latin typeface="Courier New" panose="02070309020205020404" pitchFamily="49" charset="0"/>
+                <a:cs typeface="Courier New" panose="02070309020205020404" pitchFamily="49" charset="0"/>
+              </a:rPr>
+            </a:br>
+            <a:r>
+              <a:rPr kumimoji="0" lang="en-US" altLang="en-US" sz="2000" b="0" i="0" u="none" strike="noStrike" cap="none" normalizeH="0" baseline="0" dirty="0" smtClean="0">
+                <a:ln>
+                  <a:noFill/>
+                </a:ln>
+                <a:solidFill>
+                  <a:srgbClr val="000000"/>
+                </a:solidFill>
+                <a:effectLst/>
+                <a:latin typeface="Courier New" panose="02070309020205020404" pitchFamily="49" charset="0"/>
+                <a:cs typeface="Courier New" panose="02070309020205020404" pitchFamily="49" charset="0"/>
+              </a:rPr>
+              <a:t>            }</a:t>
+            </a:r>
+            <a:br>
+              <a:rPr kumimoji="0" lang="en-US" altLang="en-US" sz="2000" b="0" i="0" u="none" strike="noStrike" cap="none" normalizeH="0" baseline="0" dirty="0" smtClean="0">
+                <a:ln>
+                  <a:noFill/>
+                </a:ln>
+                <a:solidFill>
+                  <a:srgbClr val="000000"/>
+                </a:solidFill>
+                <a:effectLst/>
+                <a:latin typeface="Courier New" panose="02070309020205020404" pitchFamily="49" charset="0"/>
+                <a:cs typeface="Courier New" panose="02070309020205020404" pitchFamily="49" charset="0"/>
+              </a:rPr>
+            </a:br>
+            <a:r>
+              <a:rPr kumimoji="0" lang="en-US" altLang="en-US" sz="2000" b="0" i="0" u="none" strike="noStrike" cap="none" normalizeH="0" baseline="0" dirty="0" smtClean="0">
+                <a:ln>
+                  <a:noFill/>
+                </a:ln>
+                <a:solidFill>
+                  <a:srgbClr val="000000"/>
+                </a:solidFill>
+                <a:effectLst/>
+                <a:latin typeface="Courier New" panose="02070309020205020404" pitchFamily="49" charset="0"/>
+                <a:cs typeface="Courier New" panose="02070309020205020404" pitchFamily="49" charset="0"/>
+              </a:rPr>
+              <a:t>        }</a:t>
+            </a:r>
+            <a:br>
+              <a:rPr kumimoji="0" lang="en-US" altLang="en-US" sz="2000" b="0" i="0" u="none" strike="noStrike" cap="none" normalizeH="0" baseline="0" dirty="0" smtClean="0">
+                <a:ln>
+                  <a:noFill/>
+                </a:ln>
+                <a:solidFill>
+                  <a:srgbClr val="000000"/>
+                </a:solidFill>
+                <a:effectLst/>
+                <a:latin typeface="Courier New" panose="02070309020205020404" pitchFamily="49" charset="0"/>
+                <a:cs typeface="Courier New" panose="02070309020205020404" pitchFamily="49" charset="0"/>
+              </a:rPr>
+            </a:br>
+            <a:r>
+              <a:rPr kumimoji="0" lang="en-US" altLang="en-US" sz="2000" b="0" i="0" u="none" strike="noStrike" cap="none" normalizeH="0" baseline="0" dirty="0" smtClean="0">
+                <a:ln>
+                  <a:noFill/>
+                </a:ln>
+                <a:solidFill>
+                  <a:srgbClr val="000000"/>
+                </a:solidFill>
+                <a:effectLst/>
+                <a:latin typeface="Courier New" panose="02070309020205020404" pitchFamily="49" charset="0"/>
+                <a:cs typeface="Courier New" panose="02070309020205020404" pitchFamily="49" charset="0"/>
+              </a:rPr>
+              <a:t>    }</a:t>
+            </a:r>
+            <a:br>
+              <a:rPr kumimoji="0" lang="en-US" altLang="en-US" sz="2000" b="0" i="0" u="none" strike="noStrike" cap="none" normalizeH="0" baseline="0" dirty="0" smtClean="0">
+                <a:ln>
+                  <a:noFill/>
+                </a:ln>
+                <a:solidFill>
+                  <a:srgbClr val="000000"/>
+                </a:solidFill>
+                <a:effectLst/>
+                <a:latin typeface="Courier New" panose="02070309020205020404" pitchFamily="49" charset="0"/>
+                <a:cs typeface="Courier New" panose="02070309020205020404" pitchFamily="49" charset="0"/>
+              </a:rPr>
+            </a:br>
+            <a:r>
+              <a:rPr kumimoji="0" lang="en-US" altLang="en-US" sz="2000" b="0" i="0" u="none" strike="noStrike" cap="none" normalizeH="0" baseline="0" dirty="0" smtClean="0">
+                <a:ln>
+                  <a:noFill/>
+                </a:ln>
+                <a:solidFill>
+                  <a:srgbClr val="000000"/>
+                </a:solidFill>
+                <a:effectLst/>
+                <a:latin typeface="Courier New" panose="02070309020205020404" pitchFamily="49" charset="0"/>
+                <a:cs typeface="Courier New" panose="02070309020205020404" pitchFamily="49" charset="0"/>
+              </a:rPr>
+              <a:t>    </a:t>
+            </a:r>
+            <a:r>
+              <a:rPr kumimoji="0" lang="en-US" altLang="en-US" sz="2000" b="1" i="0" u="none" strike="noStrike" cap="none" normalizeH="0" baseline="0" dirty="0" smtClean="0">
+                <a:ln>
+                  <a:noFill/>
+                </a:ln>
+                <a:solidFill>
+                  <a:srgbClr val="000080"/>
+                </a:solidFill>
+                <a:effectLst/>
+                <a:latin typeface="Courier New" panose="02070309020205020404" pitchFamily="49" charset="0"/>
+                <a:cs typeface="Courier New" panose="02070309020205020404" pitchFamily="49" charset="0"/>
+              </a:rPr>
+              <a:t>return </a:t>
+            </a:r>
+            <a:r>
+              <a:rPr kumimoji="0" lang="en-US" altLang="en-US" sz="2000" b="0" i="0" u="none" strike="noStrike" cap="none" normalizeH="0" baseline="0" dirty="0" smtClean="0">
+                <a:ln>
+                  <a:noFill/>
+                </a:ln>
+                <a:solidFill>
+                  <a:srgbClr val="000000"/>
+                </a:solidFill>
+                <a:effectLst/>
+                <a:latin typeface="Courier New" panose="02070309020205020404" pitchFamily="49" charset="0"/>
+                <a:cs typeface="Courier New" panose="02070309020205020404" pitchFamily="49" charset="0"/>
+              </a:rPr>
+              <a:t>pairs;</a:t>
+            </a:r>
+            <a:br>
+              <a:rPr kumimoji="0" lang="en-US" altLang="en-US" sz="2000" b="0" i="0" u="none" strike="noStrike" cap="none" normalizeH="0" baseline="0" dirty="0" smtClean="0">
+                <a:ln>
+                  <a:noFill/>
+                </a:ln>
+                <a:solidFill>
+                  <a:srgbClr val="000000"/>
+                </a:solidFill>
+                <a:effectLst/>
+                <a:latin typeface="Courier New" panose="02070309020205020404" pitchFamily="49" charset="0"/>
+                <a:cs typeface="Courier New" panose="02070309020205020404" pitchFamily="49" charset="0"/>
+              </a:rPr>
+            </a:br>
+            <a:r>
+              <a:rPr kumimoji="0" lang="en-US" altLang="en-US" sz="2000" b="0" i="0" u="none" strike="noStrike" cap="none" normalizeH="0" baseline="0" dirty="0" smtClean="0">
+                <a:ln>
+                  <a:noFill/>
+                </a:ln>
+                <a:solidFill>
+                  <a:srgbClr val="000000"/>
+                </a:solidFill>
+                <a:effectLst/>
+                <a:latin typeface="Courier New" panose="02070309020205020404" pitchFamily="49" charset="0"/>
+                <a:cs typeface="Courier New" panose="02070309020205020404" pitchFamily="49" charset="0"/>
+              </a:rPr>
+              <a:t>}</a:t>
+            </a:r>
+            <a:endParaRPr kumimoji="0" lang="en-US" altLang="en-US" sz="2000" b="0" i="0" u="none" strike="noStrike" cap="none" normalizeH="0" baseline="0" dirty="0" smtClean="0">
+              <a:ln>
+                <a:noFill/>
+              </a:ln>
+              <a:solidFill>
+                <a:schemeClr val="tx1"/>
+              </a:solidFill>
+              <a:effectLst/>
+              <a:latin typeface="Arial" panose="020B0604020202020204" pitchFamily="34" charset="0"/>
+            </a:endParaRPr>
+          </a:p>
+        </p:txBody>
+      </p:sp>
+      <p:sp>
+        <p:nvSpPr>
+          <p:cNvPr id="5" name="Rectangle 2"/>
+          <p:cNvSpPr>
+            <a:spLocks noChangeArrowheads="1"/>
+          </p:cNvSpPr>
+          <p:nvPr/>
+        </p:nvSpPr>
+        <p:spPr bwMode="auto">
+          <a:xfrm>
+            <a:off x="7524750" y="201602"/>
+            <a:ext cx="5372100" cy="3416320"/>
+          </a:xfrm>
+          <a:prstGeom prst="rect">
+            <a:avLst/>
+          </a:prstGeom>
+          <a:solidFill>
+            <a:srgbClr val="FFFFFF"/>
+          </a:solidFill>
+          <a:ln>
+            <a:noFill/>
+          </a:ln>
+          <a:effectLst/>
+          <a:extLst>
+            <a:ext uri="{91240B29-F687-4F45-9708-019B960494DF}">
+              <a14:hiddenLine xmlns:a14="http://schemas.microsoft.com/office/drawing/2010/main" w="9525">
+                <a:solidFill>
+                  <a:schemeClr val="tx1"/>
+                </a:solidFill>
+                <a:miter lim="800000"/>
+                <a:headEnd/>
+                <a:tailEnd/>
+              </a14:hiddenLine>
+            </a:ext>
+            <a:ext uri="{AF507438-7753-43E0-B8FC-AC1667EBCBE1}">
+              <a14:hiddenEffects xmlns:a14="http://schemas.microsoft.com/office/drawing/2010/main">
+                <a:effectLst>
+                  <a:outerShdw dist="35921" dir="2700000" algn="ctr" rotWithShape="0">
+                    <a:schemeClr val="bg2"/>
+                  </a:outerShdw>
+                </a:effectLst>
+              </a14:hiddenEffects>
+            </a:ext>
+          </a:extLst>
+        </p:spPr>
+        <p:txBody>
+          <a:bodyPr vert="horz" wrap="square" lIns="91440" tIns="45720" rIns="91440" bIns="45720" numCol="1" anchor="ctr" anchorCtr="0" compatLnSpc="1">
+            <a:prstTxWarp prst="textNoShape">
+              <a:avLst/>
+            </a:prstTxWarp>
+            <a:spAutoFit/>
+          </a:bodyPr>
+          <a:lstStyle/>
+          <a:p>
+            <a:pPr marL="0" marR="0" lvl="0" indent="0" algn="l" defTabSz="914400" rtl="0" eaLnBrk="0" fontAlgn="base" latinLnBrk="0" hangingPunct="0">
+              <a:lnSpc>
+                <a:spcPct val="100000"/>
+              </a:lnSpc>
+              <a:spcBef>
+                <a:spcPct val="0"/>
+              </a:spcBef>
+              <a:spcAft>
+                <a:spcPct val="0"/>
+              </a:spcAft>
+              <a:buClrTx/>
+              <a:buSzTx/>
+              <a:buFontTx/>
+              <a:buNone/>
+              <a:tabLst/>
+            </a:pPr>
+            <a:r>
+              <a:rPr kumimoji="0" lang="en-US" altLang="en-US" sz="1800" b="0" i="1" u="none" strike="noStrike" cap="none" normalizeH="0" baseline="0" dirty="0" smtClean="0">
+                <a:ln>
+                  <a:noFill/>
+                </a:ln>
+                <a:solidFill>
+                  <a:srgbClr val="808080"/>
+                </a:solidFill>
+                <a:effectLst/>
+                <a:latin typeface="Courier New" panose="02070309020205020404" pitchFamily="49" charset="0"/>
+                <a:cs typeface="Courier New" panose="02070309020205020404" pitchFamily="49" charset="0"/>
+              </a:rPr>
+              <a:t>/*</a:t>
+            </a:r>
+            <a:br>
+              <a:rPr kumimoji="0" lang="en-US" altLang="en-US" sz="1800" b="0" i="1" u="none" strike="noStrike" cap="none" normalizeH="0" baseline="0" dirty="0" smtClean="0">
+                <a:ln>
+                  <a:noFill/>
+                </a:ln>
+                <a:solidFill>
+                  <a:srgbClr val="808080"/>
+                </a:solidFill>
+                <a:effectLst/>
+                <a:latin typeface="Courier New" panose="02070309020205020404" pitchFamily="49" charset="0"/>
+                <a:cs typeface="Courier New" panose="02070309020205020404" pitchFamily="49" charset="0"/>
+              </a:rPr>
+            </a:br>
+            <a:r>
+              <a:rPr kumimoji="0" lang="en-US" altLang="en-US" sz="1800" b="0" i="1" u="none" strike="noStrike" cap="none" normalizeH="0" baseline="0" dirty="0" smtClean="0">
+                <a:ln>
+                  <a:noFill/>
+                </a:ln>
+                <a:solidFill>
+                  <a:srgbClr val="808080"/>
+                </a:solidFill>
+                <a:effectLst/>
+                <a:latin typeface="Courier New" panose="02070309020205020404" pitchFamily="49" charset="0"/>
+                <a:cs typeface="Courier New" panose="02070309020205020404" pitchFamily="49" charset="0"/>
+              </a:rPr>
+              <a:t>    On my machine, repeated 100 times:</a:t>
+            </a:r>
+            <a:br>
+              <a:rPr kumimoji="0" lang="en-US" altLang="en-US" sz="1800" b="0" i="1" u="none" strike="noStrike" cap="none" normalizeH="0" baseline="0" dirty="0" smtClean="0">
+                <a:ln>
+                  <a:noFill/>
+                </a:ln>
+                <a:solidFill>
+                  <a:srgbClr val="808080"/>
+                </a:solidFill>
+                <a:effectLst/>
+                <a:latin typeface="Courier New" panose="02070309020205020404" pitchFamily="49" charset="0"/>
+                <a:cs typeface="Courier New" panose="02070309020205020404" pitchFamily="49" charset="0"/>
+              </a:rPr>
+            </a:br>
+            <a:r>
+              <a:rPr kumimoji="0" lang="en-US" altLang="en-US" sz="1800" b="0" i="1" u="none" strike="noStrike" cap="none" normalizeH="0" baseline="0" dirty="0" smtClean="0">
+                <a:ln>
+                  <a:noFill/>
+                </a:ln>
+                <a:solidFill>
+                  <a:srgbClr val="808080"/>
+                </a:solidFill>
+                <a:effectLst/>
+                <a:latin typeface="Courier New" panose="02070309020205020404" pitchFamily="49" charset="0"/>
+                <a:cs typeface="Courier New" panose="02070309020205020404" pitchFamily="49" charset="0"/>
+              </a:rPr>
+              <a:t/>
+            </a:r>
+            <a:br>
+              <a:rPr kumimoji="0" lang="en-US" altLang="en-US" sz="1800" b="0" i="1" u="none" strike="noStrike" cap="none" normalizeH="0" baseline="0" dirty="0" smtClean="0">
+                <a:ln>
+                  <a:noFill/>
+                </a:ln>
+                <a:solidFill>
+                  <a:srgbClr val="808080"/>
+                </a:solidFill>
+                <a:effectLst/>
+                <a:latin typeface="Courier New" panose="02070309020205020404" pitchFamily="49" charset="0"/>
+                <a:cs typeface="Courier New" panose="02070309020205020404" pitchFamily="49" charset="0"/>
+              </a:rPr>
+            </a:br>
+            <a:r>
+              <a:rPr kumimoji="0" lang="en-US" altLang="en-US" sz="1800" b="0" i="1" u="none" strike="noStrike" cap="none" normalizeH="0" baseline="0" dirty="0" smtClean="0">
+                <a:ln>
+                  <a:noFill/>
+                </a:ln>
+                <a:solidFill>
+                  <a:srgbClr val="808080"/>
+                </a:solidFill>
+                <a:effectLst/>
+                <a:latin typeface="Courier New" panose="02070309020205020404" pitchFamily="49" charset="0"/>
+                <a:cs typeface="Courier New" panose="02070309020205020404" pitchFamily="49" charset="0"/>
+              </a:rPr>
+              <a:t>    N=100   seconds=0.005</a:t>
+            </a:r>
+            <a:br>
+              <a:rPr kumimoji="0" lang="en-US" altLang="en-US" sz="1800" b="0" i="1" u="none" strike="noStrike" cap="none" normalizeH="0" baseline="0" dirty="0" smtClean="0">
+                <a:ln>
+                  <a:noFill/>
+                </a:ln>
+                <a:solidFill>
+                  <a:srgbClr val="808080"/>
+                </a:solidFill>
+                <a:effectLst/>
+                <a:latin typeface="Courier New" panose="02070309020205020404" pitchFamily="49" charset="0"/>
+                <a:cs typeface="Courier New" panose="02070309020205020404" pitchFamily="49" charset="0"/>
+              </a:rPr>
+            </a:br>
+            <a:r>
+              <a:rPr kumimoji="0" lang="en-US" altLang="en-US" sz="1800" b="0" i="1" u="none" strike="noStrike" cap="none" normalizeH="0" baseline="0" dirty="0" smtClean="0">
+                <a:ln>
+                  <a:noFill/>
+                </a:ln>
+                <a:solidFill>
+                  <a:srgbClr val="808080"/>
+                </a:solidFill>
+                <a:effectLst/>
+                <a:latin typeface="Courier New" panose="02070309020205020404" pitchFamily="49" charset="0"/>
+                <a:cs typeface="Courier New" panose="02070309020205020404" pitchFamily="49" charset="0"/>
+              </a:rPr>
+              <a:t>    N=200   seconds=0.005</a:t>
+            </a:r>
+            <a:br>
+              <a:rPr kumimoji="0" lang="en-US" altLang="en-US" sz="1800" b="0" i="1" u="none" strike="noStrike" cap="none" normalizeH="0" baseline="0" dirty="0" smtClean="0">
+                <a:ln>
+                  <a:noFill/>
+                </a:ln>
+                <a:solidFill>
+                  <a:srgbClr val="808080"/>
+                </a:solidFill>
+                <a:effectLst/>
+                <a:latin typeface="Courier New" panose="02070309020205020404" pitchFamily="49" charset="0"/>
+                <a:cs typeface="Courier New" panose="02070309020205020404" pitchFamily="49" charset="0"/>
+              </a:rPr>
+            </a:br>
+            <a:r>
+              <a:rPr kumimoji="0" lang="en-US" altLang="en-US" sz="1800" b="0" i="1" u="none" strike="noStrike" cap="none" normalizeH="0" baseline="0" dirty="0" smtClean="0">
+                <a:ln>
+                  <a:noFill/>
+                </a:ln>
+                <a:solidFill>
+                  <a:srgbClr val="808080"/>
+                </a:solidFill>
+                <a:effectLst/>
+                <a:latin typeface="Courier New" panose="02070309020205020404" pitchFamily="49" charset="0"/>
+                <a:cs typeface="Courier New" panose="02070309020205020404" pitchFamily="49" charset="0"/>
+              </a:rPr>
+              <a:t>    N=400   seconds=0.012</a:t>
+            </a:r>
+            <a:br>
+              <a:rPr kumimoji="0" lang="en-US" altLang="en-US" sz="1800" b="0" i="1" u="none" strike="noStrike" cap="none" normalizeH="0" baseline="0" dirty="0" smtClean="0">
+                <a:ln>
+                  <a:noFill/>
+                </a:ln>
+                <a:solidFill>
+                  <a:srgbClr val="808080"/>
+                </a:solidFill>
+                <a:effectLst/>
+                <a:latin typeface="Courier New" panose="02070309020205020404" pitchFamily="49" charset="0"/>
+                <a:cs typeface="Courier New" panose="02070309020205020404" pitchFamily="49" charset="0"/>
+              </a:rPr>
+            </a:br>
+            <a:r>
+              <a:rPr kumimoji="0" lang="en-US" altLang="en-US" sz="1800" b="0" i="1" u="none" strike="noStrike" cap="none" normalizeH="0" baseline="0" dirty="0" smtClean="0">
+                <a:ln>
+                  <a:noFill/>
+                </a:ln>
+                <a:solidFill>
+                  <a:srgbClr val="808080"/>
+                </a:solidFill>
+                <a:effectLst/>
+                <a:latin typeface="Courier New" panose="02070309020205020404" pitchFamily="49" charset="0"/>
+                <a:cs typeface="Courier New" panose="02070309020205020404" pitchFamily="49" charset="0"/>
+              </a:rPr>
+              <a:t>    N=800   seconds=0.072</a:t>
+            </a:r>
+            <a:br>
+              <a:rPr kumimoji="0" lang="en-US" altLang="en-US" sz="1800" b="0" i="1" u="none" strike="noStrike" cap="none" normalizeH="0" baseline="0" dirty="0" smtClean="0">
+                <a:ln>
+                  <a:noFill/>
+                </a:ln>
+                <a:solidFill>
+                  <a:srgbClr val="808080"/>
+                </a:solidFill>
+                <a:effectLst/>
+                <a:latin typeface="Courier New" panose="02070309020205020404" pitchFamily="49" charset="0"/>
+                <a:cs typeface="Courier New" panose="02070309020205020404" pitchFamily="49" charset="0"/>
+              </a:rPr>
+            </a:br>
+            <a:r>
+              <a:rPr kumimoji="0" lang="en-US" altLang="en-US" sz="1800" b="0" i="1" u="none" strike="noStrike" cap="none" normalizeH="0" baseline="0" dirty="0" smtClean="0">
+                <a:ln>
+                  <a:noFill/>
+                </a:ln>
+                <a:solidFill>
+                  <a:srgbClr val="808080"/>
+                </a:solidFill>
+                <a:effectLst/>
+                <a:latin typeface="Courier New" panose="02070309020205020404" pitchFamily="49" charset="0"/>
+                <a:cs typeface="Courier New" panose="02070309020205020404" pitchFamily="49" charset="0"/>
+              </a:rPr>
+              <a:t>    N=1600  seconds=0.211</a:t>
+            </a:r>
+            <a:br>
+              <a:rPr kumimoji="0" lang="en-US" altLang="en-US" sz="1800" b="0" i="1" u="none" strike="noStrike" cap="none" normalizeH="0" baseline="0" dirty="0" smtClean="0">
+                <a:ln>
+                  <a:noFill/>
+                </a:ln>
+                <a:solidFill>
+                  <a:srgbClr val="808080"/>
+                </a:solidFill>
+                <a:effectLst/>
+                <a:latin typeface="Courier New" panose="02070309020205020404" pitchFamily="49" charset="0"/>
+                <a:cs typeface="Courier New" panose="02070309020205020404" pitchFamily="49" charset="0"/>
+              </a:rPr>
+            </a:br>
+            <a:r>
+              <a:rPr kumimoji="0" lang="en-US" altLang="en-US" sz="1800" b="0" i="1" u="none" strike="noStrike" cap="none" normalizeH="0" baseline="0" dirty="0" smtClean="0">
+                <a:ln>
+                  <a:noFill/>
+                </a:ln>
+                <a:solidFill>
+                  <a:srgbClr val="808080"/>
+                </a:solidFill>
+                <a:effectLst/>
+                <a:latin typeface="Courier New" panose="02070309020205020404" pitchFamily="49" charset="0"/>
+                <a:cs typeface="Courier New" panose="02070309020205020404" pitchFamily="49" charset="0"/>
+              </a:rPr>
+              <a:t>    N=3200  seconds=0.754</a:t>
+            </a:r>
+            <a:br>
+              <a:rPr kumimoji="0" lang="en-US" altLang="en-US" sz="1800" b="0" i="1" u="none" strike="noStrike" cap="none" normalizeH="0" baseline="0" dirty="0" smtClean="0">
+                <a:ln>
+                  <a:noFill/>
+                </a:ln>
+                <a:solidFill>
+                  <a:srgbClr val="808080"/>
+                </a:solidFill>
+                <a:effectLst/>
+                <a:latin typeface="Courier New" panose="02070309020205020404" pitchFamily="49" charset="0"/>
+                <a:cs typeface="Courier New" panose="02070309020205020404" pitchFamily="49" charset="0"/>
+              </a:rPr>
+            </a:br>
+            <a:r>
+              <a:rPr kumimoji="0" lang="en-US" altLang="en-US" sz="1800" b="0" i="1" u="none" strike="noStrike" cap="none" normalizeH="0" baseline="0" dirty="0" smtClean="0">
+                <a:ln>
+                  <a:noFill/>
+                </a:ln>
+                <a:solidFill>
+                  <a:srgbClr val="808080"/>
+                </a:solidFill>
+                <a:effectLst/>
+                <a:latin typeface="Courier New" panose="02070309020205020404" pitchFamily="49" charset="0"/>
+                <a:cs typeface="Courier New" panose="02070309020205020404" pitchFamily="49" charset="0"/>
+              </a:rPr>
+              <a:t>    N=6400  seconds=2.829</a:t>
+            </a:r>
+            <a:br>
+              <a:rPr kumimoji="0" lang="en-US" altLang="en-US" sz="1800" b="0" i="1" u="none" strike="noStrike" cap="none" normalizeH="0" baseline="0" dirty="0" smtClean="0">
+                <a:ln>
+                  <a:noFill/>
+                </a:ln>
+                <a:solidFill>
+                  <a:srgbClr val="808080"/>
+                </a:solidFill>
+                <a:effectLst/>
+                <a:latin typeface="Courier New" panose="02070309020205020404" pitchFamily="49" charset="0"/>
+                <a:cs typeface="Courier New" panose="02070309020205020404" pitchFamily="49" charset="0"/>
+              </a:rPr>
+            </a:br>
+            <a:r>
+              <a:rPr kumimoji="0" lang="en-US" altLang="en-US" sz="1800" b="0" i="1" u="none" strike="noStrike" cap="none" normalizeH="0" baseline="0" dirty="0" smtClean="0">
+                <a:ln>
+                  <a:noFill/>
+                </a:ln>
+                <a:solidFill>
+                  <a:srgbClr val="808080"/>
+                </a:solidFill>
+                <a:effectLst/>
+                <a:latin typeface="Courier New" panose="02070309020205020404" pitchFamily="49" charset="0"/>
+                <a:cs typeface="Courier New" panose="02070309020205020404" pitchFamily="49" charset="0"/>
+              </a:rPr>
+              <a:t>    N=12800 seconds=11.48</a:t>
+            </a:r>
+            <a:br>
+              <a:rPr kumimoji="0" lang="en-US" altLang="en-US" sz="1800" b="0" i="1" u="none" strike="noStrike" cap="none" normalizeH="0" baseline="0" dirty="0" smtClean="0">
+                <a:ln>
+                  <a:noFill/>
+                </a:ln>
+                <a:solidFill>
+                  <a:srgbClr val="808080"/>
+                </a:solidFill>
+                <a:effectLst/>
+                <a:latin typeface="Courier New" panose="02070309020205020404" pitchFamily="49" charset="0"/>
+                <a:cs typeface="Courier New" panose="02070309020205020404" pitchFamily="49" charset="0"/>
+              </a:rPr>
+            </a:br>
+            <a:r>
+              <a:rPr kumimoji="0" lang="en-US" altLang="en-US" sz="1800" b="0" i="1" u="none" strike="noStrike" cap="none" normalizeH="0" baseline="0" dirty="0" smtClean="0">
+                <a:ln>
+                  <a:noFill/>
+                </a:ln>
+                <a:solidFill>
+                  <a:srgbClr val="808080"/>
+                </a:solidFill>
+                <a:effectLst/>
+                <a:latin typeface="Courier New" panose="02070309020205020404" pitchFamily="49" charset="0"/>
+                <a:cs typeface="Courier New" panose="02070309020205020404" pitchFamily="49" charset="0"/>
+              </a:rPr>
+              <a:t> */</a:t>
+            </a:r>
+            <a:endParaRPr kumimoji="0" lang="en-US" altLang="en-US" sz="1800" b="0" i="0" u="none" strike="noStrike" cap="none" normalizeH="0" baseline="0" dirty="0" smtClean="0">
+              <a:ln>
+                <a:noFill/>
+              </a:ln>
+              <a:solidFill>
+                <a:schemeClr val="tx1"/>
+              </a:solidFill>
+              <a:effectLst/>
+              <a:latin typeface="Arial" panose="020B0604020202020204" pitchFamily="34" charset="0"/>
+            </a:endParaRPr>
+          </a:p>
+        </p:txBody>
+      </p:sp>
+    </p:spTree>
+    <p:extLst>
+      <p:ext uri="{BB962C8B-B14F-4D97-AF65-F5344CB8AC3E}">
+        <p14:creationId xmlns:p14="http://schemas.microsoft.com/office/powerpoint/2010/main" val="1405945670"/>
+      </p:ext>
+    </p:extLst>
+  </p:cSld>
+  <p:clrMapOvr>
+    <a:masterClrMapping/>
+  </p:clrMapOvr>
+  <p:transition spd="med"/>
+  <p:timing>
+    <p:tnLst>
+      <p:par>
+        <p:cTn id="1" dur="indefinite" restart="never" nodeType="tmRoot"/>
+      </p:par>
+    </p:tnLst>
+  </p:timing>
+</p:sld>
+</file>
+
+<file path=ppt/slides/slide50.xml><?xml version="1.0" encoding="utf-8"?>
 <p:sld xmlns:a="http://schemas.openxmlformats.org/drawingml/2006/main" xmlns:r="http://schemas.openxmlformats.org/officeDocument/2006/relationships" xmlns:p="http://schemas.openxmlformats.org/presentationml/2006/main">
   <p:cSld>
     <p:spTree>
@@ -27176,7 +29932,7 @@
 </p:sld>
 </file>
 
-<file path=ppt/slides/slide49.xml><?xml version="1.0" encoding="utf-8"?>
+<file path=ppt/slides/slide51.xml><?xml version="1.0" encoding="utf-8"?>
 <p:sld xmlns:a="http://schemas.openxmlformats.org/drawingml/2006/main" xmlns:r="http://schemas.openxmlformats.org/officeDocument/2006/relationships" xmlns:p="http://schemas.openxmlformats.org/presentationml/2006/main">
   <p:cSld>
     <p:spTree>
@@ -27294,7 +30050,7 @@
 </p:sld>
 </file>
 
-<file path=ppt/slides/slide5.xml><?xml version="1.0" encoding="utf-8"?>
+<file path=ppt/slides/slide6.xml><?xml version="1.0" encoding="utf-8"?>
 <p:sld xmlns:a="http://schemas.openxmlformats.org/drawingml/2006/main" xmlns:r="http://schemas.openxmlformats.org/officeDocument/2006/relationships" xmlns:p="http://schemas.openxmlformats.org/presentationml/2006/main">
   <p:cSld>
     <p:spTree>
@@ -27421,7 +30177,7 @@
 </p:sld>
 </file>
 
-<file path=ppt/slides/slide6.xml><?xml version="1.0" encoding="utf-8"?>
+<file path=ppt/slides/slide7.xml><?xml version="1.0" encoding="utf-8"?>
 <p:sld xmlns:a="http://schemas.openxmlformats.org/drawingml/2006/main" xmlns:r="http://schemas.openxmlformats.org/officeDocument/2006/relationships" xmlns:p="http://schemas.openxmlformats.org/presentationml/2006/main">
   <p:cSld>
     <p:spTree>
@@ -27614,7 +30370,7 @@
 </p:sld>
 </file>
 
-<file path=ppt/slides/slide7.xml><?xml version="1.0" encoding="utf-8"?>
+<file path=ppt/slides/slide8.xml><?xml version="1.0" encoding="utf-8"?>
 <p:sld xmlns:a="http://schemas.openxmlformats.org/drawingml/2006/main" xmlns:r="http://schemas.openxmlformats.org/officeDocument/2006/relationships" xmlns:p="http://schemas.openxmlformats.org/presentationml/2006/main">
   <p:cSld>
     <p:spTree>
@@ -27735,7 +30491,7 @@
 </p:sld>
 </file>
 
-<file path=ppt/slides/slide8.xml><?xml version="1.0" encoding="utf-8"?>
+<file path=ppt/slides/slide9.xml><?xml version="1.0" encoding="utf-8"?>
 <p:sld xmlns:a="http://schemas.openxmlformats.org/drawingml/2006/main" xmlns:r="http://schemas.openxmlformats.org/officeDocument/2006/relationships" xmlns:p="http://schemas.openxmlformats.org/presentationml/2006/main">
   <p:cSld>
     <p:spTree>
@@ -28110,376 +30866,6 @@
     <p:extLst>
       <p:ext uri="{BB962C8B-B14F-4D97-AF65-F5344CB8AC3E}">
         <p14:creationId xmlns:p14="http://schemas.microsoft.com/office/powerpoint/2010/main" val="3692604025"/>
-      </p:ext>
-    </p:extLst>
-  </p:cSld>
-  <p:clrMapOvr>
-    <a:masterClrMapping/>
-  </p:clrMapOvr>
-  <p:transition spd="med"/>
-  <p:timing>
-    <p:tnLst>
-      <p:par>
-        <p:cTn id="1" dur="indefinite" restart="never" nodeType="tmRoot"/>
-      </p:par>
-    </p:tnLst>
-  </p:timing>
-</p:sld>
-</file>
-
-<file path=ppt/slides/slide9.xml><?xml version="1.0" encoding="utf-8"?>
-<p:sld xmlns:a="http://schemas.openxmlformats.org/drawingml/2006/main" xmlns:r="http://schemas.openxmlformats.org/officeDocument/2006/relationships" xmlns:p="http://schemas.openxmlformats.org/presentationml/2006/main">
-  <p:cSld>
-    <p:spTree>
-      <p:nvGrpSpPr>
-        <p:cNvPr id="1" name=""/>
-        <p:cNvGrpSpPr/>
-        <p:nvPr/>
-      </p:nvGrpSpPr>
-      <p:grpSpPr>
-        <a:xfrm>
-          <a:off x="0" y="0"/>
-          <a:ext cx="0" cy="0"/>
-          <a:chOff x="0" y="0"/>
-          <a:chExt cx="0" cy="0"/>
-        </a:xfrm>
-      </p:grpSpPr>
-      <p:sp>
-        <p:nvSpPr>
-          <p:cNvPr id="2" name="Title 1"/>
-          <p:cNvSpPr>
-            <a:spLocks noGrp="1"/>
-          </p:cNvSpPr>
-          <p:nvPr>
-            <p:ph type="title"/>
-          </p:nvPr>
-        </p:nvSpPr>
-        <p:spPr/>
-        <p:txBody>
-          <a:bodyPr/>
-          <a:lstStyle/>
-          <a:p>
-            <a:r>
-              <a:rPr lang="en-US" dirty="0" smtClean="0"/>
-              <a:t>Which Is Better?</a:t>
-            </a:r>
-            <a:endParaRPr lang="en-US" dirty="0"/>
-          </a:p>
-        </p:txBody>
-      </p:sp>
-      <mc:AlternateContent xmlns:mc="http://schemas.openxmlformats.org/markup-compatibility/2006" xmlns:a14="http://schemas.microsoft.com/office/drawing/2010/main">
-        <mc:Choice Requires="a14">
-          <p:sp>
-            <p:nvSpPr>
-              <p:cNvPr id="3" name="Text Placeholder 2"/>
-              <p:cNvSpPr>
-                <a:spLocks noGrp="1"/>
-              </p:cNvSpPr>
-              <p:nvPr>
-                <p:ph type="body" idx="1"/>
-              </p:nvPr>
-            </p:nvSpPr>
-            <p:spPr>
-              <a:xfrm>
-                <a:off x="952500" y="2603500"/>
-                <a:ext cx="5562600" cy="6286500"/>
-              </a:xfrm>
-            </p:spPr>
-            <p:txBody>
-              <a:bodyPr/>
-              <a:lstStyle/>
-              <a:p>
-                <a14:m>
-                  <m:oMath xmlns:m="http://schemas.openxmlformats.org/officeDocument/2006/math">
-                    <m:r>
-                      <a:rPr lang="en-US" b="0" i="1" smtClean="0">
-                        <a:latin typeface="Cambria Math" panose="02040503050406030204" pitchFamily="18" charset="0"/>
-                      </a:rPr>
-                      <m:t>𝑓</m:t>
-                    </m:r>
-                    <m:d>
-                      <m:dPr>
-                        <m:ctrlPr>
-                          <a:rPr lang="en-US" b="0" i="1" smtClean="0">
-                            <a:latin typeface="Cambria Math" panose="02040503050406030204" pitchFamily="18" charset="0"/>
-                          </a:rPr>
-                        </m:ctrlPr>
-                      </m:dPr>
-                      <m:e>
-                        <m:r>
-                          <a:rPr lang="en-US" b="0" i="1" smtClean="0">
-                            <a:latin typeface="Cambria Math" panose="02040503050406030204" pitchFamily="18" charset="0"/>
-                          </a:rPr>
-                          <m:t>𝑛</m:t>
-                        </m:r>
-                      </m:e>
-                    </m:d>
-                    <m:r>
-                      <a:rPr lang="en-US" b="0" i="1" smtClean="0">
-                        <a:latin typeface="Cambria Math" panose="02040503050406030204" pitchFamily="18" charset="0"/>
-                      </a:rPr>
-                      <m:t>=</m:t>
-                    </m:r>
-                    <m:sSup>
-                      <m:sSupPr>
-                        <m:ctrlPr>
-                          <a:rPr lang="en-US" b="0" i="1" smtClean="0">
-                            <a:latin typeface="Cambria Math" panose="02040503050406030204" pitchFamily="18" charset="0"/>
-                          </a:rPr>
-                        </m:ctrlPr>
-                      </m:sSupPr>
-                      <m:e>
-                        <m:r>
-                          <a:rPr lang="en-US" b="0" i="1" smtClean="0">
-                            <a:latin typeface="Cambria Math" panose="02040503050406030204" pitchFamily="18" charset="0"/>
-                          </a:rPr>
-                          <m:t>𝑛</m:t>
-                        </m:r>
-                      </m:e>
-                      <m:sup>
-                        <m:r>
-                          <a:rPr lang="en-US" b="0" i="1" smtClean="0">
-                            <a:latin typeface="Cambria Math" panose="02040503050406030204" pitchFamily="18" charset="0"/>
-                          </a:rPr>
-                          <m:t>2</m:t>
-                        </m:r>
-                      </m:sup>
-                    </m:sSup>
-                  </m:oMath>
-                </a14:m>
-                <a:endParaRPr lang="en-US" b="0" dirty="0" smtClean="0"/>
-              </a:p>
-              <a:p>
-                <a14:m>
-                  <m:oMath xmlns:m="http://schemas.openxmlformats.org/officeDocument/2006/math">
-                    <m:r>
-                      <a:rPr lang="en-US" b="0" i="1" smtClean="0">
-                        <a:latin typeface="Cambria Math" panose="02040503050406030204" pitchFamily="18" charset="0"/>
-                      </a:rPr>
-                      <m:t>𝑔</m:t>
-                    </m:r>
-                    <m:d>
-                      <m:dPr>
-                        <m:ctrlPr>
-                          <a:rPr lang="en-US" b="0" i="1" smtClean="0">
-                            <a:latin typeface="Cambria Math" panose="02040503050406030204" pitchFamily="18" charset="0"/>
-                          </a:rPr>
-                        </m:ctrlPr>
-                      </m:dPr>
-                      <m:e>
-                        <m:r>
-                          <a:rPr lang="en-US" b="0" i="1" smtClean="0">
-                            <a:latin typeface="Cambria Math" panose="02040503050406030204" pitchFamily="18" charset="0"/>
-                          </a:rPr>
-                          <m:t>𝑛</m:t>
-                        </m:r>
-                      </m:e>
-                    </m:d>
-                    <m:r>
-                      <a:rPr lang="en-US" b="0" i="1" smtClean="0">
-                        <a:latin typeface="Cambria Math" panose="02040503050406030204" pitchFamily="18" charset="0"/>
-                      </a:rPr>
-                      <m:t>=10 </m:t>
-                    </m:r>
-                    <m:r>
-                      <a:rPr lang="en-US" b="0" i="1" smtClean="0">
-                        <a:latin typeface="Cambria Math" panose="02040503050406030204" pitchFamily="18" charset="0"/>
-                      </a:rPr>
-                      <m:t>𝑛</m:t>
-                    </m:r>
-                    <m:r>
-                      <a:rPr lang="en-US" b="0" i="1" smtClean="0">
-                        <a:latin typeface="Cambria Math" panose="02040503050406030204" pitchFamily="18" charset="0"/>
-                      </a:rPr>
-                      <m:t>+9000</m:t>
-                    </m:r>
-                  </m:oMath>
-                </a14:m>
-                <a:endParaRPr lang="en-US" dirty="0" smtClean="0"/>
-              </a:p>
-              <a:p>
-                <a:r>
-                  <a:rPr lang="en-US" dirty="0" smtClean="0"/>
-                  <a:t>For small values </a:t>
-                </a:r>
-                <a14:m>
-                  <m:oMath xmlns:m="http://schemas.openxmlformats.org/officeDocument/2006/math">
-                    <m:r>
-                      <a:rPr lang="en-US" i="1">
-                        <a:latin typeface="Cambria Math" panose="02040503050406030204" pitchFamily="18" charset="0"/>
-                      </a:rPr>
-                      <m:t>𝑓</m:t>
-                    </m:r>
-                    <m:d>
-                      <m:dPr>
-                        <m:ctrlPr>
-                          <a:rPr lang="en-US" i="1">
-                            <a:latin typeface="Cambria Math" panose="02040503050406030204" pitchFamily="18" charset="0"/>
-                          </a:rPr>
-                        </m:ctrlPr>
-                      </m:dPr>
-                      <m:e>
-                        <m:r>
-                          <a:rPr lang="en-US" i="1">
-                            <a:latin typeface="Cambria Math" panose="02040503050406030204" pitchFamily="18" charset="0"/>
-                          </a:rPr>
-                          <m:t>𝑛</m:t>
-                        </m:r>
-                      </m:e>
-                    </m:d>
-                  </m:oMath>
-                </a14:m>
-                <a:r>
-                  <a:rPr lang="en-US" dirty="0" smtClean="0"/>
-                  <a:t> is better, but it become worse from </a:t>
-                </a:r>
-                <a14:m>
-                  <m:oMath xmlns:m="http://schemas.openxmlformats.org/officeDocument/2006/math">
-                    <m:r>
-                      <a:rPr lang="en-US" b="0" i="1" smtClean="0">
-                        <a:latin typeface="Cambria Math" panose="02040503050406030204" pitchFamily="18" charset="0"/>
-                      </a:rPr>
-                      <m:t>𝑛</m:t>
-                    </m:r>
-                    <m:r>
-                      <a:rPr lang="en-US" b="0" i="1" smtClean="0">
-                        <a:latin typeface="Cambria Math" panose="02040503050406030204" pitchFamily="18" charset="0"/>
-                      </a:rPr>
-                      <m:t>&gt;100</m:t>
-                    </m:r>
-                  </m:oMath>
-                </a14:m>
-                <a:endParaRPr lang="en-US" dirty="0" smtClean="0"/>
-              </a:p>
-              <a:p>
-                <a:r>
-                  <a:rPr lang="en-US" dirty="0" smtClean="0"/>
-                  <a:t>We will look at </a:t>
-                </a:r>
-                <a:r>
-                  <a:rPr lang="en-US" i="1" dirty="0" smtClean="0"/>
-                  <a:t>large</a:t>
-                </a:r>
-                <a:r>
-                  <a:rPr lang="en-US" dirty="0" smtClean="0"/>
-                  <a:t> </a:t>
-                </a:r>
-                <a14:m>
-                  <m:oMath xmlns:m="http://schemas.openxmlformats.org/officeDocument/2006/math">
-                    <m:r>
-                      <a:rPr lang="en-US" i="1">
-                        <a:latin typeface="Cambria Math" panose="02040503050406030204" pitchFamily="18" charset="0"/>
-                      </a:rPr>
-                      <m:t>𝑛</m:t>
-                    </m:r>
-                  </m:oMath>
-                </a14:m>
-                <a:r>
-                  <a:rPr lang="en-US" dirty="0" smtClean="0"/>
-                  <a:t>, so for us </a:t>
-                </a:r>
-                <a14:m>
-                  <m:oMath xmlns:m="http://schemas.openxmlformats.org/officeDocument/2006/math">
-                    <m:r>
-                      <a:rPr lang="en-US" i="1">
-                        <a:latin typeface="Cambria Math" panose="02040503050406030204" pitchFamily="18" charset="0"/>
-                      </a:rPr>
-                      <m:t>𝑔</m:t>
-                    </m:r>
-                    <m:d>
-                      <m:dPr>
-                        <m:ctrlPr>
-                          <a:rPr lang="en-US" i="1">
-                            <a:latin typeface="Cambria Math" panose="02040503050406030204" pitchFamily="18" charset="0"/>
-                          </a:rPr>
-                        </m:ctrlPr>
-                      </m:dPr>
-                      <m:e>
-                        <m:r>
-                          <a:rPr lang="en-US" i="1">
-                            <a:latin typeface="Cambria Math" panose="02040503050406030204" pitchFamily="18" charset="0"/>
-                          </a:rPr>
-                          <m:t>𝑛</m:t>
-                        </m:r>
-                      </m:e>
-                    </m:d>
-                  </m:oMath>
-                </a14:m>
-                <a:r>
-                  <a:rPr lang="en-US" dirty="0" smtClean="0"/>
-                  <a:t> is better</a:t>
-                </a:r>
-                <a:endParaRPr lang="en-US" dirty="0"/>
-              </a:p>
-            </p:txBody>
-          </p:sp>
-        </mc:Choice>
-        <mc:Fallback xmlns="">
-          <p:sp>
-            <p:nvSpPr>
-              <p:cNvPr id="3" name="Text Placeholder 2"/>
-              <p:cNvSpPr>
-                <a:spLocks noGrp="1" noRot="1" noChangeAspect="1" noMove="1" noResize="1" noEditPoints="1" noAdjustHandles="1" noChangeArrowheads="1" noChangeShapeType="1" noTextEdit="1"/>
-              </p:cNvSpPr>
-              <p:nvPr>
-                <p:ph type="body" idx="1"/>
-              </p:nvPr>
-            </p:nvSpPr>
-            <p:spPr>
-              <a:xfrm>
-                <a:off x="952500" y="2603500"/>
-                <a:ext cx="5562600" cy="6286500"/>
-              </a:xfrm>
-              <a:blipFill>
-                <a:blip r:embed="rId2"/>
-                <a:stretch>
-                  <a:fillRect l="-2519" r="-2848"/>
-                </a:stretch>
-              </a:blipFill>
-            </p:spPr>
-            <p:txBody>
-              <a:bodyPr/>
-              <a:lstStyle/>
-              <a:p>
-                <a:r>
-                  <a:rPr lang="en-US">
-                    <a:noFill/>
-                  </a:rPr>
-                  <a:t> </a:t>
-                </a:r>
-              </a:p>
-            </p:txBody>
-          </p:sp>
-        </mc:Fallback>
-      </mc:AlternateContent>
-      <p:pic>
-        <p:nvPicPr>
-          <p:cNvPr id="4" name="Picture 3"/>
-          <p:cNvPicPr>
-            <a:picLocks noChangeAspect="1"/>
-          </p:cNvPicPr>
-          <p:nvPr/>
-        </p:nvPicPr>
-        <p:blipFill>
-          <a:blip r:embed="rId3"/>
-          <a:stretch>
-            <a:fillRect/>
-          </a:stretch>
-        </p:blipFill>
-        <p:spPr>
-          <a:xfrm>
-            <a:off x="6515100" y="2514599"/>
-            <a:ext cx="6142038" cy="6130809"/>
-          </a:xfrm>
-          <a:prstGeom prst="rect">
-            <a:avLst/>
-          </a:prstGeom>
-        </p:spPr>
-      </p:pic>
-    </p:spTree>
-    <p:extLst>
-      <p:ext uri="{BB962C8B-B14F-4D97-AF65-F5344CB8AC3E}">
-        <p14:creationId xmlns:p14="http://schemas.microsoft.com/office/powerpoint/2010/main" val="3558452819"/>
       </p:ext>
     </p:extLst>
   </p:cSld>

--- a/docs/slides/03/03_analysis_sort.pptx
+++ b/docs/slides/03/03_analysis_sort.pptx
@@ -2329,7 +2329,7 @@
           </a:ln>
           <a:extLst>
             <a:ext uri="{C572A759-6A51-4108-AA02-DFA0A04FC94B}">
-              <ma14:wrappingTextBoxFlag xmlns="" xmlns:ma14="http://schemas.microsoft.com/office/mac/drawingml/2011/main" val="1"/>
+              <ma14:wrappingTextBoxFlag xmlns:ma14="http://schemas.microsoft.com/office/mac/drawingml/2011/main" xmlns="" val="1"/>
             </a:ext>
           </a:extLst>
         </p:spPr>
@@ -2368,7 +2368,7 @@
           </a:ln>
           <a:extLst>
             <a:ext uri="{C572A759-6A51-4108-AA02-DFA0A04FC94B}">
-              <ma14:wrappingTextBoxFlag xmlns="" xmlns:ma14="http://schemas.microsoft.com/office/mac/drawingml/2011/main" val="1"/>
+              <ma14:wrappingTextBoxFlag xmlns:ma14="http://schemas.microsoft.com/office/mac/drawingml/2011/main" xmlns="" val="1"/>
             </a:ext>
           </a:extLst>
         </p:spPr>
@@ -8074,7 +8074,7 @@
               </a:ln>
               <a:extLst>
                 <a:ext uri="{C572A759-6A51-4108-AA02-DFA0A04FC94B}">
-                  <ma14:wrappingTextBoxFlag xmlns="" xmlns:ma14="http://schemas.microsoft.com/office/mac/drawingml/2011/main" val="1"/>
+                  <ma14:wrappingTextBoxFlag xmlns:ma14="http://schemas.microsoft.com/office/mac/drawingml/2011/main" xmlns="" val="1"/>
                 </a:ext>
               </a:extLst>
             </p:spPr>
@@ -18596,7 +18596,7 @@
           </a:ln>
           <a:extLst>
             <a:ext uri="{C572A759-6A51-4108-AA02-DFA0A04FC94B}">
-              <ma14:wrappingTextBoxFlag xmlns="" xmlns:ma14="http://schemas.microsoft.com/office/mac/drawingml/2011/main" val="1"/>
+              <ma14:wrappingTextBoxFlag xmlns:ma14="http://schemas.microsoft.com/office/mac/drawingml/2011/main" xmlns="" val="1"/>
             </a:ext>
           </a:extLst>
         </p:spPr>
@@ -29026,8 +29026,8 @@
           </a:p>
         </p:txBody>
       </p:sp>
-      <mc:AlternateContent xmlns:mc="http://schemas.openxmlformats.org/markup-compatibility/2006">
-        <mc:Choice xmlns:a14="http://schemas.microsoft.com/office/drawing/2010/main" Requires="a14">
+      <mc:AlternateContent xmlns:mc="http://schemas.openxmlformats.org/markup-compatibility/2006" xmlns:a14="http://schemas.microsoft.com/office/drawing/2010/main">
+        <mc:Choice Requires="a14">
           <p:sp>
             <p:nvSpPr>
               <p:cNvPr id="3" name="Text Placeholder 2">
@@ -29148,7 +29148,7 @@
             </p:txBody>
           </p:sp>
         </mc:Choice>
-        <mc:Fallback>
+        <mc:Fallback xmlns="">
           <p:sp>
             <p:nvSpPr>
               <p:cNvPr id="3" name="Text Placeholder 2">
@@ -29245,58 +29245,148 @@
           </a:p>
         </p:txBody>
       </p:sp>
-      <p:sp>
-        <p:nvSpPr>
-          <p:cNvPr id="3" name="Text Placeholder 2"/>
-          <p:cNvSpPr>
-            <a:spLocks noGrp="1"/>
-          </p:cNvSpPr>
-          <p:nvPr>
-            <p:ph type="body" idx="1"/>
-          </p:nvPr>
-        </p:nvSpPr>
-        <p:spPr/>
-        <p:txBody>
-          <a:bodyPr/>
-          <a:lstStyle/>
-          <a:p>
-            <a:r>
-              <a:rPr lang="en-US" dirty="0"/>
-              <a:t>Study Book Chapter 1.4 and 2.1</a:t>
-            </a:r>
-          </a:p>
-          <a:p>
-            <a:r>
-              <a:rPr lang="en-US" dirty="0"/>
-              <a:t>Study code in the </a:t>
-            </a:r>
-            <a:r>
-              <a:rPr lang="en-US" i="1" dirty="0"/>
-              <a:t>org.pg4200.les03</a:t>
-            </a:r>
-            <a:r>
-              <a:rPr lang="en-US" dirty="0"/>
-              <a:t> package</a:t>
-            </a:r>
-          </a:p>
-          <a:p>
-            <a:r>
-              <a:rPr lang="en-US" dirty="0"/>
-              <a:t>Do exercises in </a:t>
-            </a:r>
-            <a:r>
-              <a:rPr lang="en-US" i="1" dirty="0"/>
-              <a:t>exercises/ex03</a:t>
-            </a:r>
-          </a:p>
-          <a:p>
-            <a:r>
-              <a:rPr lang="en-US" dirty="0"/>
-              <a:t>Extra: do exercises in the book</a:t>
-            </a:r>
-          </a:p>
-        </p:txBody>
-      </p:sp>
+      <mc:AlternateContent xmlns:mc="http://schemas.openxmlformats.org/markup-compatibility/2006">
+        <mc:Choice xmlns:a14="http://schemas.microsoft.com/office/drawing/2010/main" Requires="a14">
+          <p:sp>
+            <p:nvSpPr>
+              <p:cNvPr id="3" name="Text Placeholder 2"/>
+              <p:cNvSpPr>
+                <a:spLocks noGrp="1"/>
+              </p:cNvSpPr>
+              <p:nvPr>
+                <p:ph type="body" idx="1"/>
+              </p:nvPr>
+            </p:nvSpPr>
+            <p:spPr/>
+            <p:txBody>
+              <a:bodyPr/>
+              <a:lstStyle/>
+              <a:p>
+                <a:r>
+                  <a:rPr lang="en-US" dirty="0"/>
+                  <a:t>Study Book Chapter 1.4 and 2.1</a:t>
+                </a:r>
+              </a:p>
+              <a:p>
+                <a:pPr lvl="1"/>
+                <a:r>
+                  <a:rPr lang="en-US" dirty="0"/>
+                  <a:t>Note: in the book, the authors use the ~ notation instead of the standard O, </a:t>
+                </a:r>
+                <a14:m>
+                  <m:oMath xmlns:m="http://schemas.openxmlformats.org/officeDocument/2006/math">
+                    <m:r>
+                      <m:rPr>
+                        <m:nor/>
+                      </m:rPr>
+                      <a:rPr lang="el-GR" dirty="0"/>
+                      <m:t>Ω</m:t>
+                    </m:r>
+                  </m:oMath>
+                </a14:m>
+                <a:r>
+                  <a:rPr lang="en-US" dirty="0"/>
+                  <a:t> and </a:t>
+                </a:r>
+                <a14:m>
+                  <m:oMath xmlns:m="http://schemas.openxmlformats.org/officeDocument/2006/math">
+                    <m:r>
+                      <m:rPr>
+                        <m:sty m:val="p"/>
+                      </m:rPr>
+                      <a:rPr lang="en-US" i="1">
+                        <a:latin typeface="Cambria Math" panose="02040503050406030204" pitchFamily="18" charset="0"/>
+                      </a:rPr>
+                      <m:t>Θ</m:t>
+                    </m:r>
+                    <m:r>
+                      <a:rPr lang="en-US" b="0" i="1" smtClean="0">
+                        <a:latin typeface="Cambria Math" panose="02040503050406030204" pitchFamily="18" charset="0"/>
+                      </a:rPr>
+                      <m:t>.</m:t>
+                    </m:r>
+                  </m:oMath>
+                </a14:m>
+                <a:r>
+                  <a:rPr lang="en-US" dirty="0"/>
+                  <a:t> They explain their reason in the Q&amp;A for such </a:t>
+                </a:r>
+                <a:r>
+                  <a:rPr lang="en-US"/>
+                  <a:t>weird choice, </a:t>
+                </a:r>
+                <a:r>
+                  <a:rPr lang="en-US" dirty="0"/>
+                  <a:t>but I do disagree</a:t>
+                </a:r>
+              </a:p>
+              <a:p>
+                <a:r>
+                  <a:rPr lang="en-US" dirty="0"/>
+                  <a:t>Study code in the </a:t>
+                </a:r>
+                <a:r>
+                  <a:rPr lang="en-US" i="1" dirty="0"/>
+                  <a:t>org.pg4200.les03</a:t>
+                </a:r>
+                <a:r>
+                  <a:rPr lang="en-US" dirty="0"/>
+                  <a:t> package</a:t>
+                </a:r>
+              </a:p>
+              <a:p>
+                <a:r>
+                  <a:rPr lang="en-US" dirty="0"/>
+                  <a:t>Do exercises in </a:t>
+                </a:r>
+                <a:r>
+                  <a:rPr lang="en-US" i="1" dirty="0"/>
+                  <a:t>exercises/ex03</a:t>
+                </a:r>
+              </a:p>
+              <a:p>
+                <a:r>
+                  <a:rPr lang="en-US" dirty="0"/>
+                  <a:t>Extra: do exercises in the book</a:t>
+                </a:r>
+              </a:p>
+            </p:txBody>
+          </p:sp>
+        </mc:Choice>
+        <mc:Fallback>
+          <p:sp>
+            <p:nvSpPr>
+              <p:cNvPr id="3" name="Text Placeholder 2"/>
+              <p:cNvSpPr>
+                <a:spLocks noGrp="1" noRot="1" noChangeAspect="1" noMove="1" noResize="1" noEditPoints="1" noAdjustHandles="1" noChangeArrowheads="1" noChangeShapeType="1" noTextEdit="1"/>
+              </p:cNvSpPr>
+              <p:nvPr>
+                <p:ph type="body" idx="1"/>
+              </p:nvPr>
+            </p:nvSpPr>
+            <p:spPr>
+              <a:blipFill>
+                <a:blip r:embed="rId2"/>
+                <a:stretch>
+                  <a:fillRect l="-1029"/>
+                </a:stretch>
+              </a:blipFill>
+            </p:spPr>
+            <p:txBody>
+              <a:bodyPr/>
+              <a:lstStyle/>
+              <a:p>
+                <a:r>
+                  <a:rPr lang="en-US">
+                    <a:noFill/>
+                  </a:rPr>
+                  <a:t> </a:t>
+                </a:r>
+              </a:p>
+            </p:txBody>
+          </p:sp>
+        </mc:Fallback>
+      </mc:AlternateContent>
     </p:spTree>
     <p:extLst>
       <p:ext uri="{BB962C8B-B14F-4D97-AF65-F5344CB8AC3E}">

--- a/docs/slides/03/03_analysis_sort.pptx
+++ b/docs/slides/03/03_analysis_sort.pptx
@@ -2329,7 +2329,7 @@
           </a:ln>
           <a:extLst>
             <a:ext uri="{C572A759-6A51-4108-AA02-DFA0A04FC94B}">
-              <ma14:wrappingTextBoxFlag xmlns:ma14="http://schemas.microsoft.com/office/mac/drawingml/2011/main" xmlns="" val="1"/>
+              <ma14:wrappingTextBoxFlag xmlns="" xmlns:ma14="http://schemas.microsoft.com/office/mac/drawingml/2011/main" val="1"/>
             </a:ext>
           </a:extLst>
         </p:spPr>
@@ -2368,7 +2368,7 @@
           </a:ln>
           <a:extLst>
             <a:ext uri="{C572A759-6A51-4108-AA02-DFA0A04FC94B}">
-              <ma14:wrappingTextBoxFlag xmlns:ma14="http://schemas.microsoft.com/office/mac/drawingml/2011/main" xmlns="" val="1"/>
+              <ma14:wrappingTextBoxFlag xmlns="" xmlns:ma14="http://schemas.microsoft.com/office/mac/drawingml/2011/main" val="1"/>
             </a:ext>
           </a:extLst>
         </p:spPr>
@@ -8074,7 +8074,7 @@
               </a:ln>
               <a:extLst>
                 <a:ext uri="{C572A759-6A51-4108-AA02-DFA0A04FC94B}">
-                  <ma14:wrappingTextBoxFlag xmlns:ma14="http://schemas.microsoft.com/office/mac/drawingml/2011/main" xmlns="" val="1"/>
+                  <ma14:wrappingTextBoxFlag xmlns="" xmlns:ma14="http://schemas.microsoft.com/office/mac/drawingml/2011/main" val="1"/>
                 </a:ext>
               </a:extLst>
             </p:spPr>
@@ -12596,8 +12596,8 @@
           </p:sp>
         </mc:Fallback>
       </mc:AlternateContent>
-      <mc:AlternateContent xmlns:mc="http://schemas.openxmlformats.org/markup-compatibility/2006" xmlns:a14="http://schemas.microsoft.com/office/drawing/2010/main">
-        <mc:Choice Requires="a14">
+      <mc:AlternateContent xmlns:mc="http://schemas.openxmlformats.org/markup-compatibility/2006">
+        <mc:Choice xmlns:a14="http://schemas.microsoft.com/office/drawing/2010/main" Requires="a14">
           <p:sp>
             <p:nvSpPr>
               <p:cNvPr id="4" name="TextBox 3"/>
@@ -12736,7 +12736,68 @@
                     <a:cs typeface="+mn-cs"/>
                     <a:sym typeface="Helvetica Light"/>
                   </a:rPr>
-                  <a:t> is better tha</a:t>
+                  <a:t> and </a:t>
+                </a:r>
+                <a:r>
+                  <a:rPr kumimoji="0" lang="en-US" sz="3600" b="1" i="1" u="none" strike="noStrike" cap="none" spc="0" normalizeH="0" baseline="0" dirty="0">
+                    <a:ln>
+                      <a:noFill/>
+                    </a:ln>
+                    <a:solidFill>
+                      <a:srgbClr val="000000"/>
+                    </a:solidFill>
+                    <a:effectLst/>
+                    <a:uFillTx/>
+                    <a:latin typeface="+mn-lt"/>
+                    <a:ea typeface="+mn-ea"/>
+                    <a:cs typeface="+mn-cs"/>
+                    <a:sym typeface="Helvetica Light"/>
+                  </a:rPr>
+                  <a:t>z(</a:t>
+                </a:r>
+                <a14:m>
+                  <m:oMath xmlns:m="http://schemas.openxmlformats.org/officeDocument/2006/math">
+                    <m:r>
+                      <a:rPr lang="en-US" i="1">
+                        <a:latin typeface="Cambria Math" panose="02040503050406030204" pitchFamily="18" charset="0"/>
+                      </a:rPr>
+                      <m:t>𝑛</m:t>
+                    </m:r>
+                  </m:oMath>
+                </a14:m>
+                <a:r>
+                  <a:rPr kumimoji="0" lang="en-US" sz="3600" b="1" i="1" u="none" strike="noStrike" cap="none" spc="0" normalizeH="0" baseline="0" dirty="0">
+                    <a:ln>
+                      <a:noFill/>
+                    </a:ln>
+                    <a:solidFill>
+                      <a:srgbClr val="000000"/>
+                    </a:solidFill>
+                    <a:effectLst/>
+                    <a:uFillTx/>
+                    <a:latin typeface="+mn-lt"/>
+                    <a:ea typeface="+mn-ea"/>
+                    <a:cs typeface="+mn-cs"/>
+                    <a:sym typeface="Helvetica Light"/>
+                  </a:rPr>
+                  <a:t>)</a:t>
+                </a:r>
+                <a:r>
+                  <a:rPr kumimoji="0" lang="en-US" sz="3600" b="0" i="0" u="none" strike="noStrike" cap="none" spc="0" normalizeH="0" baseline="0" dirty="0">
+                    <a:ln>
+                      <a:noFill/>
+                    </a:ln>
+                    <a:solidFill>
+                      <a:srgbClr val="000000"/>
+                    </a:solidFill>
+                    <a:effectLst/>
+                    <a:uFillTx/>
+                    <a:latin typeface="+mn-lt"/>
+                    <a:ea typeface="+mn-ea"/>
+                    <a:cs typeface="+mn-cs"/>
+                    <a:sym typeface="Helvetica Light"/>
+                  </a:rPr>
+                  <a:t> are better tha</a:t>
                 </a:r>
                 <a:r>
                   <a:rPr lang="en-US" dirty="0"/>
@@ -12790,7 +12851,7 @@
             </p:txBody>
           </p:sp>
         </mc:Choice>
-        <mc:Fallback xmlns="">
+        <mc:Fallback>
           <p:sp>
             <p:nvSpPr>
               <p:cNvPr id="4" name="TextBox 3"/>
@@ -12810,7 +12871,7 @@
               <a:blipFill>
                 <a:blip r:embed="rId3"/>
                 <a:stretch>
-                  <a:fillRect l="-3682" t="-4844" r="-2388" b="-12457"/>
+                  <a:fillRect l="-3512" t="-4286" r="-1860" b="-12143"/>
                 </a:stretch>
               </a:blipFill>
               <a:ln w="12700" cap="flat">
@@ -14917,6 +14978,89 @@
           </p:graphicFrame>
         </mc:Fallback>
       </mc:AlternateContent>
+      <p:sp>
+        <p:nvSpPr>
+          <p:cNvPr id="2" name="TextBox 1">
+            <a:extLst>
+              <a:ext uri="{FF2B5EF4-FFF2-40B4-BE49-F238E27FC236}">
+                <a16:creationId xmlns:a16="http://schemas.microsoft.com/office/drawing/2014/main" id="{7D37DCEC-0370-6743-9E07-417786405749}"/>
+              </a:ext>
+            </a:extLst>
+          </p:cNvPr>
+          <p:cNvSpPr txBox="1"/>
+          <p:nvPr/>
+        </p:nvSpPr>
+        <p:spPr>
+          <a:xfrm>
+            <a:off x="368619" y="554574"/>
+            <a:ext cx="12541895" cy="656590"/>
+          </a:xfrm>
+          <a:prstGeom prst="rect">
+            <a:avLst/>
+          </a:prstGeom>
+          <a:noFill/>
+          <a:ln w="12700" cap="flat">
+            <a:noFill/>
+            <a:miter lim="400000"/>
+          </a:ln>
+          <a:effectLst/>
+          <a:sp3d/>
+        </p:spPr>
+        <p:style>
+          <a:lnRef idx="0">
+            <a:scrgbClr r="0" g="0" b="0"/>
+          </a:lnRef>
+          <a:fillRef idx="0">
+            <a:scrgbClr r="0" g="0" b="0"/>
+          </a:fillRef>
+          <a:effectRef idx="0">
+            <a:scrgbClr r="0" g="0" b="0"/>
+          </a:effectRef>
+          <a:fontRef idx="none"/>
+        </p:style>
+        <p:txBody>
+          <a:bodyPr rot="0" spcFirstLastPara="1" vertOverflow="overflow" horzOverflow="overflow" vert="horz" wrap="none" lIns="50800" tIns="50800" rIns="50800" bIns="50800" numCol="1" spcCol="38100" rtlCol="0" anchor="ctr">
+            <a:spAutoFit/>
+          </a:bodyPr>
+          <a:lstStyle/>
+          <a:p>
+            <a:pPr marL="0" marR="0" indent="0" algn="l" defTabSz="584200" rtl="0" fontAlgn="auto" latinLnBrk="0" hangingPunct="0">
+              <a:lnSpc>
+                <a:spcPct val="100000"/>
+              </a:lnSpc>
+              <a:spcBef>
+                <a:spcPts val="0"/>
+              </a:spcBef>
+              <a:spcAft>
+                <a:spcPts val="0"/>
+              </a:spcAft>
+              <a:buClrTx/>
+              <a:buSzTx/>
+              <a:buFontTx/>
+              <a:buNone/>
+              <a:tabLst/>
+            </a:pPr>
+            <a:r>
+              <a:rPr lang="en-US" dirty="0"/>
+              <a:t>Purple represents possible actual runtimes for those bounds</a:t>
+            </a:r>
+            <a:endParaRPr kumimoji="0" lang="en-US" sz="3600" b="0" i="0" u="none" strike="noStrike" cap="none" spc="0" normalizeH="0" baseline="0" dirty="0">
+              <a:ln>
+                <a:noFill/>
+              </a:ln>
+              <a:solidFill>
+                <a:srgbClr val="000000"/>
+              </a:solidFill>
+              <a:effectLst/>
+              <a:uFillTx/>
+              <a:latin typeface="+mn-lt"/>
+              <a:ea typeface="+mn-ea"/>
+              <a:cs typeface="+mn-cs"/>
+              <a:sym typeface="Helvetica Light"/>
+            </a:endParaRPr>
+          </a:p>
+        </p:txBody>
+      </p:sp>
     </p:spTree>
     <p:extLst>
       <p:ext uri="{BB962C8B-B14F-4D97-AF65-F5344CB8AC3E}">
@@ -18596,7 +18740,7 @@
           </a:ln>
           <a:extLst>
             <a:ext uri="{C572A759-6A51-4108-AA02-DFA0A04FC94B}">
-              <ma14:wrappingTextBoxFlag xmlns:ma14="http://schemas.microsoft.com/office/mac/drawingml/2011/main" xmlns="" val="1"/>
+              <ma14:wrappingTextBoxFlag xmlns="" xmlns:ma14="http://schemas.microsoft.com/office/mac/drawingml/2011/main" val="1"/>
             </a:ext>
           </a:extLst>
         </p:spPr>
@@ -29245,8 +29389,8 @@
           </a:p>
         </p:txBody>
       </p:sp>
-      <mc:AlternateContent xmlns:mc="http://schemas.openxmlformats.org/markup-compatibility/2006">
-        <mc:Choice xmlns:a14="http://schemas.microsoft.com/office/drawing/2010/main" Requires="a14">
+      <mc:AlternateContent xmlns:mc="http://schemas.openxmlformats.org/markup-compatibility/2006" xmlns:a14="http://schemas.microsoft.com/office/drawing/2010/main">
+        <mc:Choice Requires="a14">
           <p:sp>
             <p:nvSpPr>
               <p:cNvPr id="3" name="Text Placeholder 2"/>
@@ -29353,7 +29497,7 @@
             </p:txBody>
           </p:sp>
         </mc:Choice>
-        <mc:Fallback>
+        <mc:Fallback xmlns="">
           <p:sp>
             <p:nvSpPr>
               <p:cNvPr id="3" name="Text Placeholder 2"/>

--- a/docs/slides/03/03_analysis_sort.pptx
+++ b/docs/slides/03/03_analysis_sort.pptx
@@ -5,7 +5,7 @@
     <p:sldMasterId id="2147483648" r:id="rId1"/>
   </p:sldMasterIdLst>
   <p:notesMasterIdLst>
-    <p:notesMasterId r:id="rId54"/>
+    <p:notesMasterId r:id="rId55"/>
   </p:notesMasterIdLst>
   <p:sldIdLst>
     <p:sldId id="283" r:id="rId2"/>
@@ -48,18 +48,19 @@
     <p:sldId id="282" r:id="rId39"/>
     <p:sldId id="287" r:id="rId40"/>
     <p:sldId id="288" r:id="rId41"/>
-    <p:sldId id="299" r:id="rId42"/>
-    <p:sldId id="300" r:id="rId43"/>
-    <p:sldId id="301" r:id="rId44"/>
-    <p:sldId id="307" r:id="rId45"/>
-    <p:sldId id="302" r:id="rId46"/>
-    <p:sldId id="303" r:id="rId47"/>
-    <p:sldId id="304" r:id="rId48"/>
-    <p:sldId id="305" r:id="rId49"/>
-    <p:sldId id="308" r:id="rId50"/>
-    <p:sldId id="309" r:id="rId51"/>
-    <p:sldId id="312" r:id="rId52"/>
-    <p:sldId id="284" r:id="rId53"/>
+    <p:sldId id="313" r:id="rId42"/>
+    <p:sldId id="299" r:id="rId43"/>
+    <p:sldId id="300" r:id="rId44"/>
+    <p:sldId id="301" r:id="rId45"/>
+    <p:sldId id="307" r:id="rId46"/>
+    <p:sldId id="302" r:id="rId47"/>
+    <p:sldId id="303" r:id="rId48"/>
+    <p:sldId id="304" r:id="rId49"/>
+    <p:sldId id="305" r:id="rId50"/>
+    <p:sldId id="308" r:id="rId51"/>
+    <p:sldId id="309" r:id="rId52"/>
+    <p:sldId id="312" r:id="rId53"/>
+    <p:sldId id="284" r:id="rId54"/>
   </p:sldIdLst>
   <p:sldSz cx="13004800" cy="9753600"/>
   <p:notesSz cx="6858000" cy="9144000"/>
@@ -3346,8 +3347,13 @@
             <a:pPr algn="r"/>
             <a:r>
               <a:rPr lang="en-US" dirty="0"/>
-              <a:t>Prof. Andrea Arcuri</a:t>
-            </a:r>
+              <a:t>Bogdan </a:t>
+            </a:r>
+            <a:r>
+              <a:rPr lang="en-US" dirty="0" err="1"/>
+              <a:t>Marculescu</a:t>
+            </a:r>
+            <a:endParaRPr lang="en-US" dirty="0"/>
           </a:p>
         </p:txBody>
       </p:sp>
@@ -12596,8 +12602,8 @@
           </p:sp>
         </mc:Fallback>
       </mc:AlternateContent>
-      <mc:AlternateContent xmlns:mc="http://schemas.openxmlformats.org/markup-compatibility/2006">
-        <mc:Choice xmlns:a14="http://schemas.microsoft.com/office/drawing/2010/main" Requires="a14">
+      <mc:AlternateContent xmlns:mc="http://schemas.openxmlformats.org/markup-compatibility/2006" xmlns:a14="http://schemas.microsoft.com/office/drawing/2010/main">
+        <mc:Choice Requires="a14">
           <p:sp>
             <p:nvSpPr>
               <p:cNvPr id="4" name="TextBox 3"/>
@@ -12851,7 +12857,7 @@
             </p:txBody>
           </p:sp>
         </mc:Choice>
-        <mc:Fallback>
+        <mc:Fallback xmlns="">
           <p:sp>
             <p:nvSpPr>
               <p:cNvPr id="4" name="TextBox 3"/>
@@ -20133,6 +20139,95 @@
           <a:chExt cx="0" cy="0"/>
         </a:xfrm>
       </p:grpSpPr>
+      <p:sp>
+        <p:nvSpPr>
+          <p:cNvPr id="2" name="Title 1"/>
+          <p:cNvSpPr>
+            <a:spLocks noGrp="1"/>
+          </p:cNvSpPr>
+          <p:nvPr>
+            <p:ph type="title"/>
+          </p:nvPr>
+        </p:nvSpPr>
+        <p:spPr/>
+        <p:txBody>
+          <a:bodyPr/>
+          <a:lstStyle/>
+          <a:p>
+            <a:r>
+              <a:rPr lang="en-US" dirty="0"/>
+              <a:t>Consider a Playlist</a:t>
+            </a:r>
+          </a:p>
+        </p:txBody>
+      </p:sp>
+      <p:pic>
+        <p:nvPicPr>
+          <p:cNvPr id="5" name="Picture 4">
+            <a:extLst>
+              <a:ext uri="{FF2B5EF4-FFF2-40B4-BE49-F238E27FC236}">
+                <a16:creationId xmlns:a16="http://schemas.microsoft.com/office/drawing/2014/main" id="{F78E55AB-1310-9B48-B1AD-2016329C27D7}"/>
+              </a:ext>
+            </a:extLst>
+          </p:cNvPr>
+          <p:cNvPicPr>
+            <a:picLocks noChangeAspect="1"/>
+          </p:cNvPicPr>
+          <p:nvPr/>
+        </p:nvPicPr>
+        <p:blipFill>
+          <a:blip r:embed="rId2">
+            <a:extLst>
+              <a:ext uri="{28A0092B-C50C-407E-A947-70E740481C1C}">
+                <a14:useLocalDpi xmlns:a14="http://schemas.microsoft.com/office/drawing/2010/main" val="0"/>
+              </a:ext>
+            </a:extLst>
+          </a:blip>
+          <a:stretch>
+            <a:fillRect/>
+          </a:stretch>
+        </p:blipFill>
+        <p:spPr>
+          <a:xfrm>
+            <a:off x="0" y="2037660"/>
+            <a:ext cx="13004800" cy="7715940"/>
+          </a:xfrm>
+          <a:prstGeom prst="rect">
+            <a:avLst/>
+          </a:prstGeom>
+        </p:spPr>
+      </p:pic>
+    </p:spTree>
+    <p:extLst>
+      <p:ext uri="{BB962C8B-B14F-4D97-AF65-F5344CB8AC3E}">
+        <p14:creationId xmlns:p14="http://schemas.microsoft.com/office/powerpoint/2010/main" val="3280548606"/>
+      </p:ext>
+    </p:extLst>
+  </p:cSld>
+  <p:clrMapOvr>
+    <a:masterClrMapping/>
+  </p:clrMapOvr>
+  <p:transition spd="med"/>
+</p:sld>
+</file>
+
+<file path=ppt/slides/slide42.xml><?xml version="1.0" encoding="utf-8"?>
+<p:sld xmlns:a="http://schemas.openxmlformats.org/drawingml/2006/main" xmlns:r="http://schemas.openxmlformats.org/officeDocument/2006/relationships" xmlns:p="http://schemas.openxmlformats.org/presentationml/2006/main">
+  <p:cSld>
+    <p:spTree>
+      <p:nvGrpSpPr>
+        <p:cNvPr id="1" name=""/>
+        <p:cNvGrpSpPr/>
+        <p:nvPr/>
+      </p:nvGrpSpPr>
+      <p:grpSpPr>
+        <a:xfrm>
+          <a:off x="0" y="0"/>
+          <a:ext cx="0" cy="0"/>
+          <a:chOff x="0" y="0"/>
+          <a:chExt cx="0" cy="0"/>
+        </a:xfrm>
+      </p:grpSpPr>
       <p:pic>
         <p:nvPicPr>
           <p:cNvPr id="5" name="Picture 4"/>
@@ -20393,7 +20488,7 @@
 </p:sld>
 </file>
 
-<file path=ppt/slides/slide42.xml><?xml version="1.0" encoding="utf-8"?>
+<file path=ppt/slides/slide43.xml><?xml version="1.0" encoding="utf-8"?>
 <p:sld xmlns:a="http://schemas.openxmlformats.org/drawingml/2006/main" xmlns:r="http://schemas.openxmlformats.org/officeDocument/2006/relationships" xmlns:p="http://schemas.openxmlformats.org/presentationml/2006/main">
   <p:cSld>
     <p:spTree>
@@ -20853,180 +20948,6 @@
     <p:extLst>
       <p:ext uri="{BB962C8B-B14F-4D97-AF65-F5344CB8AC3E}">
         <p14:creationId xmlns:p14="http://schemas.microsoft.com/office/powerpoint/2010/main" val="1012284533"/>
-      </p:ext>
-    </p:extLst>
-  </p:cSld>
-  <p:clrMapOvr>
-    <a:masterClrMapping/>
-  </p:clrMapOvr>
-  <p:transition spd="med"/>
-</p:sld>
-</file>
-
-<file path=ppt/slides/slide43.xml><?xml version="1.0" encoding="utf-8"?>
-<p:sld xmlns:a="http://schemas.openxmlformats.org/drawingml/2006/main" xmlns:r="http://schemas.openxmlformats.org/officeDocument/2006/relationships" xmlns:p="http://schemas.openxmlformats.org/presentationml/2006/main">
-  <p:cSld>
-    <p:spTree>
-      <p:nvGrpSpPr>
-        <p:cNvPr id="1" name=""/>
-        <p:cNvGrpSpPr/>
-        <p:nvPr/>
-      </p:nvGrpSpPr>
-      <p:grpSpPr>
-        <a:xfrm>
-          <a:off x="0" y="0"/>
-          <a:ext cx="0" cy="0"/>
-          <a:chOff x="0" y="0"/>
-          <a:chExt cx="0" cy="0"/>
-        </a:xfrm>
-      </p:grpSpPr>
-      <p:sp>
-        <p:nvSpPr>
-          <p:cNvPr id="2" name="Title 1"/>
-          <p:cNvSpPr>
-            <a:spLocks noGrp="1"/>
-          </p:cNvSpPr>
-          <p:nvPr>
-            <p:ph type="title"/>
-          </p:nvPr>
-        </p:nvSpPr>
-        <p:spPr/>
-        <p:txBody>
-          <a:bodyPr/>
-          <a:lstStyle/>
-          <a:p>
-            <a:r>
-              <a:rPr lang="en-US" dirty="0"/>
-              <a:t>Sorting Algorithms</a:t>
-            </a:r>
-          </a:p>
-        </p:txBody>
-      </p:sp>
-      <p:sp>
-        <p:nvSpPr>
-          <p:cNvPr id="3" name="Text Placeholder 2"/>
-          <p:cNvSpPr>
-            <a:spLocks noGrp="1"/>
-          </p:cNvSpPr>
-          <p:nvPr>
-            <p:ph type="body" idx="1"/>
-          </p:nvPr>
-        </p:nvSpPr>
-        <p:spPr>
-          <a:xfrm>
-            <a:off x="282803" y="2603500"/>
-            <a:ext cx="12433955" cy="6823304"/>
-          </a:xfrm>
-        </p:spPr>
-        <p:txBody>
-          <a:bodyPr>
-            <a:normAutofit fontScale="85000" lnSpcReduction="20000"/>
-          </a:bodyPr>
-          <a:lstStyle/>
-          <a:p>
-            <a:r>
-              <a:rPr lang="en-US" dirty="0"/>
-              <a:t>Many different sorting algorithms, with different properties</a:t>
-            </a:r>
-          </a:p>
-          <a:p>
-            <a:r>
-              <a:rPr lang="en-US" dirty="0"/>
-              <a:t>Given two items </a:t>
-            </a:r>
-            <a:r>
-              <a:rPr lang="en-US" i="1" dirty="0"/>
-              <a:t>A</a:t>
-            </a:r>
-            <a:r>
-              <a:rPr lang="en-US" dirty="0"/>
-              <a:t> and </a:t>
-            </a:r>
-            <a:r>
-              <a:rPr lang="en-US" i="1" dirty="0"/>
-              <a:t>B</a:t>
-            </a:r>
-            <a:r>
-              <a:rPr lang="en-US" dirty="0"/>
-              <a:t>, just need a </a:t>
-            </a:r>
-            <a:r>
-              <a:rPr lang="en-US" i="1" dirty="0"/>
-              <a:t>comparator </a:t>
-            </a:r>
-            <a:r>
-              <a:rPr lang="en-US" dirty="0"/>
-              <a:t>that can state which one is greater or equal</a:t>
-            </a:r>
-          </a:p>
-          <a:p>
-            <a:pPr lvl="1"/>
-            <a:r>
-              <a:rPr lang="en-US" dirty="0"/>
-              <a:t>easy to say that 5 greater than 2, but what does it mean that song </a:t>
-            </a:r>
-            <a:r>
-              <a:rPr lang="en-US" i="1" dirty="0"/>
-              <a:t>A </a:t>
-            </a:r>
-            <a:r>
-              <a:rPr lang="en-US" dirty="0"/>
-              <a:t>is greater than song </a:t>
-            </a:r>
-            <a:r>
-              <a:rPr lang="en-US" i="1" dirty="0"/>
-              <a:t>B</a:t>
-            </a:r>
-            <a:r>
-              <a:rPr lang="en-US" dirty="0"/>
-              <a:t>? e.g., could look at alphabetic ordering of titles or artist names </a:t>
-            </a:r>
-          </a:p>
-          <a:p>
-            <a:r>
-              <a:rPr lang="en-US" dirty="0"/>
-              <a:t>Most language APIs provides good defaults</a:t>
-            </a:r>
-          </a:p>
-          <a:p>
-            <a:pPr lvl="1"/>
-            <a:r>
-              <a:rPr lang="en-US" dirty="0"/>
-              <a:t>Unless very large data, default will be fine 99% of the cases</a:t>
-            </a:r>
-          </a:p>
-          <a:p>
-            <a:r>
-              <a:rPr lang="en-US" dirty="0"/>
-              <a:t>Sorting is very popular in programming</a:t>
-            </a:r>
-          </a:p>
-          <a:p>
-            <a:pPr lvl="1"/>
-            <a:r>
-              <a:rPr lang="en-US" dirty="0"/>
-              <a:t>Important to understand how it works under the hood</a:t>
-            </a:r>
-          </a:p>
-          <a:p>
-            <a:r>
-              <a:rPr lang="en-US" dirty="0"/>
-              <a:t>Tractable mathematically</a:t>
-            </a:r>
-          </a:p>
-          <a:p>
-            <a:pPr lvl="1"/>
-            <a:r>
-              <a:rPr lang="en-US" dirty="0"/>
-              <a:t>So good example to show how to analyze algorithms</a:t>
-            </a:r>
-          </a:p>
-        </p:txBody>
-      </p:sp>
-    </p:spTree>
-    <p:extLst>
-      <p:ext uri="{BB962C8B-B14F-4D97-AF65-F5344CB8AC3E}">
-        <p14:creationId xmlns:p14="http://schemas.microsoft.com/office/powerpoint/2010/main" val="263818894"/>
       </p:ext>
     </p:extLst>
   </p:cSld>
@@ -21086,54 +21007,113 @@
             <p:ph type="body" idx="1"/>
           </p:nvPr>
         </p:nvSpPr>
-        <p:spPr/>
+        <p:spPr>
+          <a:xfrm>
+            <a:off x="282803" y="2603500"/>
+            <a:ext cx="12433955" cy="6823304"/>
+          </a:xfrm>
+        </p:spPr>
         <p:txBody>
           <a:bodyPr>
-            <a:normAutofit fontScale="92500" lnSpcReduction="20000"/>
+            <a:normAutofit fontScale="85000" lnSpcReduction="20000"/>
           </a:bodyPr>
           <a:lstStyle/>
           <a:p>
             <a:r>
-              <a:rPr lang="en-US" b="1" dirty="0"/>
-              <a:t>Bubble Sort</a:t>
+              <a:rPr lang="en-US" dirty="0"/>
+              <a:t>Many different sorting algorithms, with different properties</a:t>
             </a:r>
           </a:p>
           <a:p>
             <a:r>
-              <a:rPr lang="en-US" b="1" dirty="0"/>
-              <a:t>Insertion Sort</a:t>
+              <a:rPr lang="en-US" dirty="0"/>
+              <a:t>Given two items </a:t>
+            </a:r>
+            <a:r>
+              <a:rPr lang="en-US" i="1" dirty="0"/>
+              <a:t>A</a:t>
+            </a:r>
+            <a:r>
+              <a:rPr lang="en-US" dirty="0"/>
+              <a:t> and </a:t>
+            </a:r>
+            <a:r>
+              <a:rPr lang="en-US" i="1" dirty="0"/>
+              <a:t>B</a:t>
+            </a:r>
+            <a:r>
+              <a:rPr lang="en-US" dirty="0"/>
+              <a:t>, just need a </a:t>
+            </a:r>
+            <a:r>
+              <a:rPr lang="en-US" i="1" dirty="0"/>
+              <a:t>comparator </a:t>
+            </a:r>
+            <a:r>
+              <a:rPr lang="en-US" dirty="0"/>
+              <a:t>that can state which one is greater or equal</a:t>
             </a:r>
           </a:p>
           <a:p>
-            <a:r>
-              <a:rPr lang="en-US" b="1" dirty="0"/>
-              <a:t>Merge Sort</a:t>
-            </a:r>
+            <a:pPr lvl="1"/>
             <a:r>
               <a:rPr lang="en-US" dirty="0"/>
-              <a:t> (next class)</a:t>
+              <a:t>easy to say that 5 greater than 2, but what does it mean that song </a:t>
+            </a:r>
+            <a:r>
+              <a:rPr lang="en-US" i="1" dirty="0"/>
+              <a:t>A </a:t>
+            </a:r>
+            <a:r>
+              <a:rPr lang="en-US" dirty="0"/>
+              <a:t>is greater than song </a:t>
+            </a:r>
+            <a:r>
+              <a:rPr lang="en-US" i="1" dirty="0"/>
+              <a:t>B</a:t>
+            </a:r>
+            <a:r>
+              <a:rPr lang="en-US" dirty="0"/>
+              <a:t>? e.g., could look at alphabetic ordering of titles or artist names </a:t>
             </a:r>
           </a:p>
           <a:p>
             <a:r>
-              <a:rPr lang="en-US" b="1" dirty="0"/>
-              <a:t>Quick Sort </a:t>
-            </a:r>
-            <a:r>
               <a:rPr lang="en-US" dirty="0"/>
-              <a:t>(next class)</a:t>
+              <a:t>Most language APIs provides good defaults</a:t>
             </a:r>
           </a:p>
           <a:p>
+            <a:pPr lvl="1"/>
             <a:r>
               <a:rPr lang="en-US" dirty="0"/>
-              <a:t>There are more, but those are the most famous that you need to know </a:t>
+              <a:t>Unless very large data, default will be fine 99% of the cases</a:t>
             </a:r>
           </a:p>
           <a:p>
             <a:r>
               <a:rPr lang="en-US" dirty="0"/>
-              <a:t>Good way to see a problem been solved in many different ways</a:t>
+              <a:t>Sorting is very popular in programming</a:t>
+            </a:r>
+          </a:p>
+          <a:p>
+            <a:pPr lvl="1"/>
+            <a:r>
+              <a:rPr lang="en-US" dirty="0"/>
+              <a:t>Important to understand how it works under the hood</a:t>
+            </a:r>
+          </a:p>
+          <a:p>
+            <a:r>
+              <a:rPr lang="en-US" dirty="0"/>
+              <a:t>Tractable mathematically</a:t>
+            </a:r>
+          </a:p>
+          <a:p>
+            <a:pPr lvl="1"/>
+            <a:r>
+              <a:rPr lang="en-US" dirty="0"/>
+              <a:t>So good example to show how to analyze algorithms</a:t>
             </a:r>
           </a:p>
         </p:txBody>
@@ -21141,7 +21121,7 @@
     </p:spTree>
     <p:extLst>
       <p:ext uri="{BB962C8B-B14F-4D97-AF65-F5344CB8AC3E}">
-        <p14:creationId xmlns:p14="http://schemas.microsoft.com/office/powerpoint/2010/main" val="859377593"/>
+        <p14:creationId xmlns:p14="http://schemas.microsoft.com/office/powerpoint/2010/main" val="263818894"/>
       </p:ext>
     </p:extLst>
   </p:cSld>
@@ -21186,6 +21166,121 @@
           <a:p>
             <a:r>
               <a:rPr lang="en-US" dirty="0"/>
+              <a:t>Sorting Algorithms</a:t>
+            </a:r>
+          </a:p>
+        </p:txBody>
+      </p:sp>
+      <p:sp>
+        <p:nvSpPr>
+          <p:cNvPr id="3" name="Text Placeholder 2"/>
+          <p:cNvSpPr>
+            <a:spLocks noGrp="1"/>
+          </p:cNvSpPr>
+          <p:nvPr>
+            <p:ph type="body" idx="1"/>
+          </p:nvPr>
+        </p:nvSpPr>
+        <p:spPr/>
+        <p:txBody>
+          <a:bodyPr>
+            <a:normAutofit fontScale="92500" lnSpcReduction="20000"/>
+          </a:bodyPr>
+          <a:lstStyle/>
+          <a:p>
+            <a:r>
+              <a:rPr lang="en-US" b="1" dirty="0"/>
+              <a:t>Bubble Sort</a:t>
+            </a:r>
+          </a:p>
+          <a:p>
+            <a:r>
+              <a:rPr lang="en-US" b="1" dirty="0"/>
+              <a:t>Insertion Sort</a:t>
+            </a:r>
+          </a:p>
+          <a:p>
+            <a:r>
+              <a:rPr lang="en-US" b="1" dirty="0"/>
+              <a:t>Merge Sort</a:t>
+            </a:r>
+            <a:r>
+              <a:rPr lang="en-US" dirty="0"/>
+              <a:t> (next class)</a:t>
+            </a:r>
+          </a:p>
+          <a:p>
+            <a:r>
+              <a:rPr lang="en-US" b="1" dirty="0"/>
+              <a:t>Quick Sort </a:t>
+            </a:r>
+            <a:r>
+              <a:rPr lang="en-US" dirty="0"/>
+              <a:t>(next class)</a:t>
+            </a:r>
+          </a:p>
+          <a:p>
+            <a:r>
+              <a:rPr lang="en-US" dirty="0"/>
+              <a:t>There are more, but those are the most famous that you need to know </a:t>
+            </a:r>
+          </a:p>
+          <a:p>
+            <a:r>
+              <a:rPr lang="en-US" dirty="0"/>
+              <a:t>Good way to see a problem been solved in many different ways</a:t>
+            </a:r>
+          </a:p>
+        </p:txBody>
+      </p:sp>
+    </p:spTree>
+    <p:extLst>
+      <p:ext uri="{BB962C8B-B14F-4D97-AF65-F5344CB8AC3E}">
+        <p14:creationId xmlns:p14="http://schemas.microsoft.com/office/powerpoint/2010/main" val="859377593"/>
+      </p:ext>
+    </p:extLst>
+  </p:cSld>
+  <p:clrMapOvr>
+    <a:masterClrMapping/>
+  </p:clrMapOvr>
+  <p:transition spd="med"/>
+</p:sld>
+</file>
+
+<file path=ppt/slides/slide46.xml><?xml version="1.0" encoding="utf-8"?>
+<p:sld xmlns:a="http://schemas.openxmlformats.org/drawingml/2006/main" xmlns:r="http://schemas.openxmlformats.org/officeDocument/2006/relationships" xmlns:p="http://schemas.openxmlformats.org/presentationml/2006/main">
+  <p:cSld>
+    <p:spTree>
+      <p:nvGrpSpPr>
+        <p:cNvPr id="1" name=""/>
+        <p:cNvGrpSpPr/>
+        <p:nvPr/>
+      </p:nvGrpSpPr>
+      <p:grpSpPr>
+        <a:xfrm>
+          <a:off x="0" y="0"/>
+          <a:ext cx="0" cy="0"/>
+          <a:chOff x="0" y="0"/>
+          <a:chExt cx="0" cy="0"/>
+        </a:xfrm>
+      </p:grpSpPr>
+      <p:sp>
+        <p:nvSpPr>
+          <p:cNvPr id="2" name="Title 1"/>
+          <p:cNvSpPr>
+            <a:spLocks noGrp="1"/>
+          </p:cNvSpPr>
+          <p:nvPr>
+            <p:ph type="title"/>
+          </p:nvPr>
+        </p:nvSpPr>
+        <p:spPr/>
+        <p:txBody>
+          <a:bodyPr/>
+          <a:lstStyle/>
+          <a:p>
+            <a:r>
+              <a:rPr lang="en-US" dirty="0"/>
               <a:t>Bubble Sort</a:t>
             </a:r>
           </a:p>
@@ -21249,7 +21344,7 @@
 </p:sld>
 </file>
 
-<file path=ppt/slides/slide46.xml><?xml version="1.0" encoding="utf-8"?>
+<file path=ppt/slides/slide47.xml><?xml version="1.0" encoding="utf-8"?>
 <p:sld xmlns:a="http://schemas.openxmlformats.org/drawingml/2006/main" xmlns:r="http://schemas.openxmlformats.org/officeDocument/2006/relationships" xmlns:p="http://schemas.openxmlformats.org/presentationml/2006/main">
   <p:cSld>
     <p:spTree>
@@ -22432,7 +22527,7 @@
 </p:sld>
 </file>
 
-<file path=ppt/slides/slide47.xml><?xml version="1.0" encoding="utf-8"?>
+<file path=ppt/slides/slide48.xml><?xml version="1.0" encoding="utf-8"?>
 <p:sld xmlns:a="http://schemas.openxmlformats.org/drawingml/2006/main" xmlns:r="http://schemas.openxmlformats.org/officeDocument/2006/relationships" xmlns:p="http://schemas.openxmlformats.org/presentationml/2006/main">
   <p:cSld>
     <p:spTree>
@@ -23242,7 +23337,7 @@
 </p:sld>
 </file>
 
-<file path=ppt/slides/slide48.xml><?xml version="1.0" encoding="utf-8"?>
+<file path=ppt/slides/slide49.xml><?xml version="1.0" encoding="utf-8"?>
 <p:sld xmlns:a="http://schemas.openxmlformats.org/drawingml/2006/main" xmlns:r="http://schemas.openxmlformats.org/officeDocument/2006/relationships" xmlns:p="http://schemas.openxmlformats.org/presentationml/2006/main">
   <p:cSld>
     <p:spTree>
@@ -23469,7 +23564,1589 @@
 </p:sld>
 </file>
 
-<file path=ppt/slides/slide49.xml><?xml version="1.0" encoding="utf-8"?>
+<file path=ppt/slides/slide5.xml><?xml version="1.0" encoding="utf-8"?>
+<p:sld xmlns:a="http://schemas.openxmlformats.org/drawingml/2006/main" xmlns:r="http://schemas.openxmlformats.org/officeDocument/2006/relationships" xmlns:p="http://schemas.openxmlformats.org/presentationml/2006/main">
+  <p:cSld>
+    <p:spTree>
+      <p:nvGrpSpPr>
+        <p:cNvPr id="1" name=""/>
+        <p:cNvGrpSpPr/>
+        <p:nvPr/>
+      </p:nvGrpSpPr>
+      <p:grpSpPr>
+        <a:xfrm>
+          <a:off x="0" y="0"/>
+          <a:ext cx="0" cy="0"/>
+          <a:chOff x="0" y="0"/>
+          <a:chExt cx="0" cy="0"/>
+        </a:xfrm>
+      </p:grpSpPr>
+      <mc:AlternateContent xmlns:mc="http://schemas.openxmlformats.org/markup-compatibility/2006" xmlns:a14="http://schemas.microsoft.com/office/drawing/2010/main">
+        <mc:Choice Requires="a14">
+          <p:sp>
+            <p:nvSpPr>
+              <p:cNvPr id="3" name="Text Placeholder 2"/>
+              <p:cNvSpPr>
+                <a:spLocks noGrp="1"/>
+              </p:cNvSpPr>
+              <p:nvPr>
+                <p:ph type="body" idx="1"/>
+              </p:nvPr>
+            </p:nvSpPr>
+            <p:spPr>
+              <a:xfrm>
+                <a:off x="361950" y="4583637"/>
+                <a:ext cx="12306300" cy="3936999"/>
+              </a:xfrm>
+            </p:spPr>
+            <p:txBody>
+              <a:bodyPr>
+                <a:normAutofit/>
+              </a:bodyPr>
+              <a:lstStyle/>
+              <a:p>
+                <a:r>
+                  <a:rPr lang="en-US" dirty="0"/>
+                  <a:t>Two nested loops </a:t>
+                </a:r>
+              </a:p>
+              <a:p>
+                <a:r>
+                  <a:rPr lang="en-US" dirty="0"/>
+                  <a:t>Inner loop executed once per each element in array</a:t>
+                </a:r>
+              </a:p>
+              <a:p>
+                <a:r>
+                  <a:rPr lang="en-US" dirty="0"/>
+                  <a:t>So, </a:t>
+                </a:r>
+                <a14:m>
+                  <m:oMath xmlns:m="http://schemas.openxmlformats.org/officeDocument/2006/math">
+                    <m:r>
+                      <a:rPr lang="en-US" b="0" i="1" smtClean="0">
+                        <a:latin typeface="Cambria Math" panose="02040503050406030204" pitchFamily="18" charset="0"/>
+                      </a:rPr>
+                      <m:t>𝑁</m:t>
+                    </m:r>
+                    <m:r>
+                      <a:rPr lang="en-US" b="0" i="1" smtClean="0">
+                        <a:latin typeface="Cambria Math" panose="02040503050406030204" pitchFamily="18" charset="0"/>
+                      </a:rPr>
+                      <m:t>∗</m:t>
+                    </m:r>
+                    <m:r>
+                      <a:rPr lang="en-US" b="0" i="1" smtClean="0">
+                        <a:latin typeface="Cambria Math" panose="02040503050406030204" pitchFamily="18" charset="0"/>
+                      </a:rPr>
+                      <m:t>𝑁</m:t>
+                    </m:r>
+                    <m:r>
+                      <a:rPr lang="en-US" b="0" i="1" smtClean="0">
+                        <a:latin typeface="Cambria Math" panose="02040503050406030204" pitchFamily="18" charset="0"/>
+                      </a:rPr>
+                      <m:t>=</m:t>
+                    </m:r>
+                    <m:sSup>
+                      <m:sSupPr>
+                        <m:ctrlPr>
+                          <a:rPr lang="en-US" b="0" i="1" smtClean="0">
+                            <a:latin typeface="Cambria Math" panose="02040503050406030204" pitchFamily="18" charset="0"/>
+                          </a:rPr>
+                        </m:ctrlPr>
+                      </m:sSupPr>
+                      <m:e>
+                        <m:r>
+                          <a:rPr lang="en-US" b="0" i="1" smtClean="0">
+                            <a:latin typeface="Cambria Math" panose="02040503050406030204" pitchFamily="18" charset="0"/>
+                          </a:rPr>
+                          <m:t>𝑁</m:t>
+                        </m:r>
+                      </m:e>
+                      <m:sup>
+                        <m:r>
+                          <a:rPr lang="en-US" b="0" i="1" smtClean="0">
+                            <a:latin typeface="Cambria Math" panose="02040503050406030204" pitchFamily="18" charset="0"/>
+                          </a:rPr>
+                          <m:t>2</m:t>
+                        </m:r>
+                      </m:sup>
+                    </m:sSup>
+                  </m:oMath>
+                </a14:m>
+                <a:endParaRPr lang="en-US" b="0" dirty="0"/>
+              </a:p>
+              <a:p>
+                <a:r>
+                  <a:rPr lang="en-US" dirty="0"/>
+                  <a:t>Twice as big is now </a:t>
+                </a:r>
+                <a14:m>
+                  <m:oMath xmlns:m="http://schemas.openxmlformats.org/officeDocument/2006/math">
+                    <m:r>
+                      <a:rPr lang="en-US" b="0" i="1" smtClean="0">
+                        <a:latin typeface="Cambria Math" panose="02040503050406030204" pitchFamily="18" charset="0"/>
+                      </a:rPr>
+                      <m:t>2∗2=4</m:t>
+                    </m:r>
+                  </m:oMath>
+                </a14:m>
+                <a:r>
+                  <a:rPr lang="en-US" dirty="0"/>
+                  <a:t> times as slow!!! (roughly)</a:t>
+                </a:r>
+              </a:p>
+            </p:txBody>
+          </p:sp>
+        </mc:Choice>
+        <mc:Fallback xmlns="">
+          <p:sp>
+            <p:nvSpPr>
+              <p:cNvPr id="3" name="Text Placeholder 2"/>
+              <p:cNvSpPr>
+                <a:spLocks noGrp="1" noRot="1" noChangeAspect="1" noMove="1" noResize="1" noEditPoints="1" noAdjustHandles="1" noChangeArrowheads="1" noChangeShapeType="1" noTextEdit="1"/>
+              </p:cNvSpPr>
+              <p:nvPr>
+                <p:ph type="body" idx="1"/>
+              </p:nvPr>
+            </p:nvSpPr>
+            <p:spPr>
+              <a:xfrm>
+                <a:off x="361950" y="4583637"/>
+                <a:ext cx="12306300" cy="3936999"/>
+              </a:xfrm>
+              <a:blipFill>
+                <a:blip r:embed="rId2"/>
+                <a:stretch>
+                  <a:fillRect l="-1139" t="-1703" b="-5108"/>
+                </a:stretch>
+              </a:blipFill>
+            </p:spPr>
+            <p:txBody>
+              <a:bodyPr/>
+              <a:lstStyle/>
+              <a:p>
+                <a:r>
+                  <a:rPr lang="en-US">
+                    <a:noFill/>
+                  </a:rPr>
+                  <a:t> </a:t>
+                </a:r>
+              </a:p>
+            </p:txBody>
+          </p:sp>
+        </mc:Fallback>
+      </mc:AlternateContent>
+      <p:sp>
+        <p:nvSpPr>
+          <p:cNvPr id="4" name="Rectangle 1"/>
+          <p:cNvSpPr>
+            <a:spLocks noChangeArrowheads="1"/>
+          </p:cNvSpPr>
+          <p:nvPr/>
+        </p:nvSpPr>
+        <p:spPr bwMode="auto">
+          <a:xfrm>
+            <a:off x="552451" y="759885"/>
+            <a:ext cx="7143750" cy="3785652"/>
+          </a:xfrm>
+          <a:prstGeom prst="rect">
+            <a:avLst/>
+          </a:prstGeom>
+          <a:solidFill>
+            <a:srgbClr val="FFFFFF"/>
+          </a:solidFill>
+          <a:ln>
+            <a:noFill/>
+          </a:ln>
+          <a:effectLst/>
+          <a:extLst>
+            <a:ext uri="{91240B29-F687-4F45-9708-019B960494DF}">
+              <a14:hiddenLine xmlns:a14="http://schemas.microsoft.com/office/drawing/2010/main" w="9525">
+                <a:solidFill>
+                  <a:schemeClr val="tx1"/>
+                </a:solidFill>
+                <a:miter lim="800000"/>
+                <a:headEnd/>
+                <a:tailEnd/>
+              </a14:hiddenLine>
+            </a:ext>
+            <a:ext uri="{AF507438-7753-43E0-B8FC-AC1667EBCBE1}">
+              <a14:hiddenEffects xmlns:a14="http://schemas.microsoft.com/office/drawing/2010/main">
+                <a:effectLst>
+                  <a:outerShdw dist="35921" dir="2700000" algn="ctr" rotWithShape="0">
+                    <a:schemeClr val="bg2"/>
+                  </a:outerShdw>
+                </a:effectLst>
+              </a14:hiddenEffects>
+            </a:ext>
+          </a:extLst>
+        </p:spPr>
+        <p:txBody>
+          <a:bodyPr vert="horz" wrap="square" lIns="91440" tIns="45720" rIns="91440" bIns="45720" numCol="1" anchor="ctr" anchorCtr="0" compatLnSpc="1">
+            <a:prstTxWarp prst="textNoShape">
+              <a:avLst/>
+            </a:prstTxWarp>
+            <a:spAutoFit/>
+          </a:bodyPr>
+          <a:lstStyle/>
+          <a:p>
+            <a:pPr marL="0" marR="0" lvl="0" indent="0" algn="l" defTabSz="914400" rtl="0" eaLnBrk="0" fontAlgn="base" latinLnBrk="0" hangingPunct="0">
+              <a:lnSpc>
+                <a:spcPct val="100000"/>
+              </a:lnSpc>
+              <a:spcBef>
+                <a:spcPct val="0"/>
+              </a:spcBef>
+              <a:spcAft>
+                <a:spcPct val="0"/>
+              </a:spcAft>
+              <a:buClrTx/>
+              <a:buSzTx/>
+              <a:buFontTx/>
+              <a:buNone/>
+              <a:tabLst/>
+            </a:pPr>
+            <a:r>
+              <a:rPr kumimoji="0" lang="en-US" altLang="en-US" sz="2000" b="1" i="0" u="none" strike="noStrike" cap="none" normalizeH="0" baseline="0" dirty="0">
+                <a:ln>
+                  <a:noFill/>
+                </a:ln>
+                <a:solidFill>
+                  <a:srgbClr val="000080"/>
+                </a:solidFill>
+                <a:effectLst/>
+                <a:latin typeface="Courier New" panose="02070309020205020404" pitchFamily="49" charset="0"/>
+                <a:cs typeface="Courier New" panose="02070309020205020404" pitchFamily="49" charset="0"/>
+              </a:rPr>
+              <a:t>public static </a:t>
+            </a:r>
+            <a:r>
+              <a:rPr kumimoji="0" lang="en-US" altLang="en-US" sz="2000" b="1" i="0" u="none" strike="noStrike" cap="none" normalizeH="0" baseline="0" dirty="0" err="1">
+                <a:ln>
+                  <a:noFill/>
+                </a:ln>
+                <a:solidFill>
+                  <a:srgbClr val="000080"/>
+                </a:solidFill>
+                <a:effectLst/>
+                <a:latin typeface="Courier New" panose="02070309020205020404" pitchFamily="49" charset="0"/>
+                <a:cs typeface="Courier New" panose="02070309020205020404" pitchFamily="49" charset="0"/>
+              </a:rPr>
+              <a:t>int</a:t>
+            </a:r>
+            <a:r>
+              <a:rPr kumimoji="0" lang="en-US" altLang="en-US" sz="2000" b="1" i="0" u="none" strike="noStrike" cap="none" normalizeH="0" baseline="0" dirty="0">
+                <a:ln>
+                  <a:noFill/>
+                </a:ln>
+                <a:solidFill>
+                  <a:srgbClr val="000080"/>
+                </a:solidFill>
+                <a:effectLst/>
+                <a:latin typeface="Courier New" panose="02070309020205020404" pitchFamily="49" charset="0"/>
+                <a:cs typeface="Courier New" panose="02070309020205020404" pitchFamily="49" charset="0"/>
+              </a:rPr>
+              <a:t> </a:t>
+            </a:r>
+            <a:r>
+              <a:rPr kumimoji="0" lang="en-US" altLang="en-US" sz="2000" b="0" i="0" u="none" strike="noStrike" cap="none" normalizeH="0" baseline="0" dirty="0">
+                <a:ln>
+                  <a:noFill/>
+                </a:ln>
+                <a:solidFill>
+                  <a:srgbClr val="000000"/>
+                </a:solidFill>
+                <a:effectLst/>
+                <a:latin typeface="Courier New" panose="02070309020205020404" pitchFamily="49" charset="0"/>
+                <a:cs typeface="Courier New" panose="02070309020205020404" pitchFamily="49" charset="0"/>
+              </a:rPr>
+              <a:t>pairs(</a:t>
+            </a:r>
+            <a:r>
+              <a:rPr kumimoji="0" lang="en-US" altLang="en-US" sz="2000" b="1" i="0" u="none" strike="noStrike" cap="none" normalizeH="0" baseline="0" dirty="0" err="1">
+                <a:ln>
+                  <a:noFill/>
+                </a:ln>
+                <a:solidFill>
+                  <a:srgbClr val="000080"/>
+                </a:solidFill>
+                <a:effectLst/>
+                <a:latin typeface="Courier New" panose="02070309020205020404" pitchFamily="49" charset="0"/>
+                <a:cs typeface="Courier New" panose="02070309020205020404" pitchFamily="49" charset="0"/>
+              </a:rPr>
+              <a:t>int</a:t>
+            </a:r>
+            <a:r>
+              <a:rPr kumimoji="0" lang="en-US" altLang="en-US" sz="2000" b="0" i="0" u="none" strike="noStrike" cap="none" normalizeH="0" baseline="0" dirty="0">
+                <a:ln>
+                  <a:noFill/>
+                </a:ln>
+                <a:solidFill>
+                  <a:srgbClr val="000000"/>
+                </a:solidFill>
+                <a:effectLst/>
+                <a:latin typeface="Courier New" panose="02070309020205020404" pitchFamily="49" charset="0"/>
+                <a:cs typeface="Courier New" panose="02070309020205020404" pitchFamily="49" charset="0"/>
+              </a:rPr>
+              <a:t>[] array){</a:t>
+            </a:r>
+            <a:br>
+              <a:rPr kumimoji="0" lang="en-US" altLang="en-US" sz="2000" b="0" i="0" u="none" strike="noStrike" cap="none" normalizeH="0" baseline="0" dirty="0">
+                <a:ln>
+                  <a:noFill/>
+                </a:ln>
+                <a:solidFill>
+                  <a:srgbClr val="000000"/>
+                </a:solidFill>
+                <a:effectLst/>
+                <a:latin typeface="Courier New" panose="02070309020205020404" pitchFamily="49" charset="0"/>
+                <a:cs typeface="Courier New" panose="02070309020205020404" pitchFamily="49" charset="0"/>
+              </a:rPr>
+            </a:br>
+            <a:r>
+              <a:rPr kumimoji="0" lang="en-US" altLang="en-US" sz="2000" b="0" i="0" u="none" strike="noStrike" cap="none" normalizeH="0" baseline="0" dirty="0">
+                <a:ln>
+                  <a:noFill/>
+                </a:ln>
+                <a:solidFill>
+                  <a:srgbClr val="000000"/>
+                </a:solidFill>
+                <a:effectLst/>
+                <a:latin typeface="Courier New" panose="02070309020205020404" pitchFamily="49" charset="0"/>
+                <a:cs typeface="Courier New" panose="02070309020205020404" pitchFamily="49" charset="0"/>
+              </a:rPr>
+              <a:t>    </a:t>
+            </a:r>
+            <a:r>
+              <a:rPr kumimoji="0" lang="en-US" altLang="en-US" sz="2000" b="1" i="0" u="none" strike="noStrike" cap="none" normalizeH="0" baseline="0" dirty="0" err="1">
+                <a:ln>
+                  <a:noFill/>
+                </a:ln>
+                <a:solidFill>
+                  <a:srgbClr val="000080"/>
+                </a:solidFill>
+                <a:effectLst/>
+                <a:latin typeface="Courier New" panose="02070309020205020404" pitchFamily="49" charset="0"/>
+                <a:cs typeface="Courier New" panose="02070309020205020404" pitchFamily="49" charset="0"/>
+              </a:rPr>
+              <a:t>int</a:t>
+            </a:r>
+            <a:r>
+              <a:rPr kumimoji="0" lang="en-US" altLang="en-US" sz="2000" b="1" i="0" u="none" strike="noStrike" cap="none" normalizeH="0" baseline="0" dirty="0">
+                <a:ln>
+                  <a:noFill/>
+                </a:ln>
+                <a:solidFill>
+                  <a:srgbClr val="000080"/>
+                </a:solidFill>
+                <a:effectLst/>
+                <a:latin typeface="Courier New" panose="02070309020205020404" pitchFamily="49" charset="0"/>
+                <a:cs typeface="Courier New" panose="02070309020205020404" pitchFamily="49" charset="0"/>
+              </a:rPr>
+              <a:t> </a:t>
+            </a:r>
+            <a:r>
+              <a:rPr kumimoji="0" lang="en-US" altLang="en-US" sz="2000" b="0" i="0" u="none" strike="noStrike" cap="none" normalizeH="0" baseline="0" dirty="0">
+                <a:ln>
+                  <a:noFill/>
+                </a:ln>
+                <a:solidFill>
+                  <a:srgbClr val="000000"/>
+                </a:solidFill>
+                <a:effectLst/>
+                <a:latin typeface="Courier New" panose="02070309020205020404" pitchFamily="49" charset="0"/>
+                <a:cs typeface="Courier New" panose="02070309020205020404" pitchFamily="49" charset="0"/>
+              </a:rPr>
+              <a:t>pairs = </a:t>
+            </a:r>
+            <a:r>
+              <a:rPr kumimoji="0" lang="en-US" altLang="en-US" sz="2000" b="0" i="0" u="none" strike="noStrike" cap="none" normalizeH="0" baseline="0" dirty="0">
+                <a:ln>
+                  <a:noFill/>
+                </a:ln>
+                <a:solidFill>
+                  <a:srgbClr val="0000FF"/>
+                </a:solidFill>
+                <a:effectLst/>
+                <a:latin typeface="Courier New" panose="02070309020205020404" pitchFamily="49" charset="0"/>
+                <a:cs typeface="Courier New" panose="02070309020205020404" pitchFamily="49" charset="0"/>
+              </a:rPr>
+              <a:t>0</a:t>
+            </a:r>
+            <a:r>
+              <a:rPr kumimoji="0" lang="en-US" altLang="en-US" sz="2000" b="0" i="0" u="none" strike="noStrike" cap="none" normalizeH="0" baseline="0" dirty="0">
+                <a:ln>
+                  <a:noFill/>
+                </a:ln>
+                <a:solidFill>
+                  <a:srgbClr val="000000"/>
+                </a:solidFill>
+                <a:effectLst/>
+                <a:latin typeface="Courier New" panose="02070309020205020404" pitchFamily="49" charset="0"/>
+                <a:cs typeface="Courier New" panose="02070309020205020404" pitchFamily="49" charset="0"/>
+              </a:rPr>
+              <a:t>;</a:t>
+            </a:r>
+          </a:p>
+          <a:p>
+            <a:pPr marL="0" marR="0" lvl="0" indent="0" algn="l" defTabSz="914400" rtl="0" eaLnBrk="0" fontAlgn="base" latinLnBrk="0" hangingPunct="0">
+              <a:lnSpc>
+                <a:spcPct val="100000"/>
+              </a:lnSpc>
+              <a:spcBef>
+                <a:spcPct val="0"/>
+              </a:spcBef>
+              <a:spcAft>
+                <a:spcPct val="0"/>
+              </a:spcAft>
+              <a:buClrTx/>
+              <a:buSzTx/>
+              <a:buFontTx/>
+              <a:buNone/>
+              <a:tabLst/>
+            </a:pPr>
+            <a:br>
+              <a:rPr kumimoji="0" lang="en-US" altLang="en-US" sz="2000" b="0" i="0" u="none" strike="noStrike" cap="none" normalizeH="0" baseline="0" dirty="0">
+                <a:ln>
+                  <a:noFill/>
+                </a:ln>
+                <a:solidFill>
+                  <a:srgbClr val="000000"/>
+                </a:solidFill>
+                <a:effectLst/>
+                <a:latin typeface="Courier New" panose="02070309020205020404" pitchFamily="49" charset="0"/>
+                <a:cs typeface="Courier New" panose="02070309020205020404" pitchFamily="49" charset="0"/>
+              </a:rPr>
+            </a:br>
+            <a:r>
+              <a:rPr kumimoji="0" lang="en-US" altLang="en-US" sz="2000" b="0" i="0" u="none" strike="noStrike" cap="none" normalizeH="0" baseline="0" dirty="0">
+                <a:ln>
+                  <a:noFill/>
+                </a:ln>
+                <a:solidFill>
+                  <a:srgbClr val="000000"/>
+                </a:solidFill>
+                <a:effectLst/>
+                <a:latin typeface="Courier New" panose="02070309020205020404" pitchFamily="49" charset="0"/>
+                <a:cs typeface="Courier New" panose="02070309020205020404" pitchFamily="49" charset="0"/>
+              </a:rPr>
+              <a:t>    </a:t>
+            </a:r>
+            <a:r>
+              <a:rPr kumimoji="0" lang="en-US" altLang="en-US" sz="2000" b="1" i="0" u="none" strike="noStrike" cap="none" normalizeH="0" baseline="0" dirty="0">
+                <a:ln>
+                  <a:noFill/>
+                </a:ln>
+                <a:solidFill>
+                  <a:srgbClr val="000080"/>
+                </a:solidFill>
+                <a:effectLst/>
+                <a:latin typeface="Courier New" panose="02070309020205020404" pitchFamily="49" charset="0"/>
+                <a:cs typeface="Courier New" panose="02070309020205020404" pitchFamily="49" charset="0"/>
+              </a:rPr>
+              <a:t>for</a:t>
+            </a:r>
+            <a:r>
+              <a:rPr kumimoji="0" lang="en-US" altLang="en-US" sz="2000" b="0" i="0" u="none" strike="noStrike" cap="none" normalizeH="0" baseline="0" dirty="0">
+                <a:ln>
+                  <a:noFill/>
+                </a:ln>
+                <a:solidFill>
+                  <a:srgbClr val="000000"/>
+                </a:solidFill>
+                <a:effectLst/>
+                <a:latin typeface="Courier New" panose="02070309020205020404" pitchFamily="49" charset="0"/>
+                <a:cs typeface="Courier New" panose="02070309020205020404" pitchFamily="49" charset="0"/>
+              </a:rPr>
+              <a:t>(</a:t>
+            </a:r>
+            <a:r>
+              <a:rPr kumimoji="0" lang="en-US" altLang="en-US" sz="2000" b="1" i="0" u="none" strike="noStrike" cap="none" normalizeH="0" baseline="0" dirty="0" err="1">
+                <a:ln>
+                  <a:noFill/>
+                </a:ln>
+                <a:solidFill>
+                  <a:srgbClr val="000080"/>
+                </a:solidFill>
+                <a:effectLst/>
+                <a:latin typeface="Courier New" panose="02070309020205020404" pitchFamily="49" charset="0"/>
+                <a:cs typeface="Courier New" panose="02070309020205020404" pitchFamily="49" charset="0"/>
+              </a:rPr>
+              <a:t>int</a:t>
+            </a:r>
+            <a:r>
+              <a:rPr kumimoji="0" lang="en-US" altLang="en-US" sz="2000" b="1" i="0" u="none" strike="noStrike" cap="none" normalizeH="0" baseline="0" dirty="0">
+                <a:ln>
+                  <a:noFill/>
+                </a:ln>
+                <a:solidFill>
+                  <a:srgbClr val="000080"/>
+                </a:solidFill>
+                <a:effectLst/>
+                <a:latin typeface="Courier New" panose="02070309020205020404" pitchFamily="49" charset="0"/>
+                <a:cs typeface="Courier New" panose="02070309020205020404" pitchFamily="49" charset="0"/>
+              </a:rPr>
+              <a:t> </a:t>
+            </a:r>
+            <a:r>
+              <a:rPr kumimoji="0" lang="en-US" altLang="en-US" sz="2000" b="0" i="0" u="none" strike="noStrike" cap="none" normalizeH="0" baseline="0" dirty="0" err="1">
+                <a:ln>
+                  <a:noFill/>
+                </a:ln>
+                <a:solidFill>
+                  <a:srgbClr val="000000"/>
+                </a:solidFill>
+                <a:effectLst/>
+                <a:latin typeface="Courier New" panose="02070309020205020404" pitchFamily="49" charset="0"/>
+                <a:cs typeface="Courier New" panose="02070309020205020404" pitchFamily="49" charset="0"/>
+              </a:rPr>
+              <a:t>i</a:t>
+            </a:r>
+            <a:r>
+              <a:rPr kumimoji="0" lang="en-US" altLang="en-US" sz="2000" b="0" i="0" u="none" strike="noStrike" cap="none" normalizeH="0" baseline="0" dirty="0">
+                <a:ln>
+                  <a:noFill/>
+                </a:ln>
+                <a:solidFill>
+                  <a:srgbClr val="000000"/>
+                </a:solidFill>
+                <a:effectLst/>
+                <a:latin typeface="Courier New" panose="02070309020205020404" pitchFamily="49" charset="0"/>
+                <a:cs typeface="Courier New" panose="02070309020205020404" pitchFamily="49" charset="0"/>
+              </a:rPr>
+              <a:t>=</a:t>
+            </a:r>
+            <a:r>
+              <a:rPr kumimoji="0" lang="en-US" altLang="en-US" sz="2000" b="0" i="0" u="none" strike="noStrike" cap="none" normalizeH="0" baseline="0" dirty="0">
+                <a:ln>
+                  <a:noFill/>
+                </a:ln>
+                <a:solidFill>
+                  <a:srgbClr val="0000FF"/>
+                </a:solidFill>
+                <a:effectLst/>
+                <a:latin typeface="Courier New" panose="02070309020205020404" pitchFamily="49" charset="0"/>
+                <a:cs typeface="Courier New" panose="02070309020205020404" pitchFamily="49" charset="0"/>
+              </a:rPr>
+              <a:t>0</a:t>
+            </a:r>
+            <a:r>
+              <a:rPr kumimoji="0" lang="en-US" altLang="en-US" sz="2000" b="0" i="0" u="none" strike="noStrike" cap="none" normalizeH="0" baseline="0" dirty="0">
+                <a:ln>
+                  <a:noFill/>
+                </a:ln>
+                <a:solidFill>
+                  <a:srgbClr val="000000"/>
+                </a:solidFill>
+                <a:effectLst/>
+                <a:latin typeface="Courier New" panose="02070309020205020404" pitchFamily="49" charset="0"/>
+                <a:cs typeface="Courier New" panose="02070309020205020404" pitchFamily="49" charset="0"/>
+              </a:rPr>
+              <a:t>; </a:t>
+            </a:r>
+            <a:r>
+              <a:rPr kumimoji="0" lang="en-US" altLang="en-US" sz="2000" b="0" i="0" u="none" strike="noStrike" cap="none" normalizeH="0" baseline="0" dirty="0" err="1">
+                <a:ln>
+                  <a:noFill/>
+                </a:ln>
+                <a:solidFill>
+                  <a:srgbClr val="000000"/>
+                </a:solidFill>
+                <a:effectLst/>
+                <a:latin typeface="Courier New" panose="02070309020205020404" pitchFamily="49" charset="0"/>
+                <a:cs typeface="Courier New" panose="02070309020205020404" pitchFamily="49" charset="0"/>
+              </a:rPr>
+              <a:t>i</a:t>
+            </a:r>
+            <a:r>
+              <a:rPr kumimoji="0" lang="en-US" altLang="en-US" sz="2000" b="0" i="0" u="none" strike="noStrike" cap="none" normalizeH="0" baseline="0" dirty="0">
+                <a:ln>
+                  <a:noFill/>
+                </a:ln>
+                <a:solidFill>
+                  <a:srgbClr val="000000"/>
+                </a:solidFill>
+                <a:effectLst/>
+                <a:latin typeface="Courier New" panose="02070309020205020404" pitchFamily="49" charset="0"/>
+                <a:cs typeface="Courier New" panose="02070309020205020404" pitchFamily="49" charset="0"/>
+              </a:rPr>
+              <a:t>&lt;</a:t>
+            </a:r>
+            <a:r>
+              <a:rPr kumimoji="0" lang="en-US" altLang="en-US" sz="2000" b="0" i="0" u="none" strike="noStrike" cap="none" normalizeH="0" baseline="0" dirty="0" err="1">
+                <a:ln>
+                  <a:noFill/>
+                </a:ln>
+                <a:solidFill>
+                  <a:srgbClr val="000000"/>
+                </a:solidFill>
+                <a:effectLst/>
+                <a:latin typeface="Courier New" panose="02070309020205020404" pitchFamily="49" charset="0"/>
+                <a:cs typeface="Courier New" panose="02070309020205020404" pitchFamily="49" charset="0"/>
+              </a:rPr>
+              <a:t>array.</a:t>
+            </a:r>
+            <a:r>
+              <a:rPr kumimoji="0" lang="en-US" altLang="en-US" sz="2000" b="1" i="0" u="none" strike="noStrike" cap="none" normalizeH="0" baseline="0" dirty="0" err="1">
+                <a:ln>
+                  <a:noFill/>
+                </a:ln>
+                <a:solidFill>
+                  <a:srgbClr val="660E7A"/>
+                </a:solidFill>
+                <a:effectLst/>
+                <a:latin typeface="Courier New" panose="02070309020205020404" pitchFamily="49" charset="0"/>
+                <a:cs typeface="Courier New" panose="02070309020205020404" pitchFamily="49" charset="0"/>
+              </a:rPr>
+              <a:t>length</a:t>
+            </a:r>
+            <a:r>
+              <a:rPr kumimoji="0" lang="en-US" altLang="en-US" sz="2000" b="0" i="0" u="none" strike="noStrike" cap="none" normalizeH="0" baseline="0" dirty="0">
+                <a:ln>
+                  <a:noFill/>
+                </a:ln>
+                <a:solidFill>
+                  <a:srgbClr val="000000"/>
+                </a:solidFill>
+                <a:effectLst/>
+                <a:latin typeface="Courier New" panose="02070309020205020404" pitchFamily="49" charset="0"/>
+                <a:cs typeface="Courier New" panose="02070309020205020404" pitchFamily="49" charset="0"/>
+              </a:rPr>
+              <a:t>; </a:t>
+            </a:r>
+            <a:r>
+              <a:rPr kumimoji="0" lang="en-US" altLang="en-US" sz="2000" b="0" i="0" u="none" strike="noStrike" cap="none" normalizeH="0" baseline="0" dirty="0" err="1">
+                <a:ln>
+                  <a:noFill/>
+                </a:ln>
+                <a:solidFill>
+                  <a:srgbClr val="000000"/>
+                </a:solidFill>
+                <a:effectLst/>
+                <a:latin typeface="Courier New" panose="02070309020205020404" pitchFamily="49" charset="0"/>
+                <a:cs typeface="Courier New" panose="02070309020205020404" pitchFamily="49" charset="0"/>
+              </a:rPr>
+              <a:t>i</a:t>
+            </a:r>
+            <a:r>
+              <a:rPr kumimoji="0" lang="en-US" altLang="en-US" sz="2000" b="0" i="0" u="none" strike="noStrike" cap="none" normalizeH="0" baseline="0" dirty="0">
+                <a:ln>
+                  <a:noFill/>
+                </a:ln>
+                <a:solidFill>
+                  <a:srgbClr val="000000"/>
+                </a:solidFill>
+                <a:effectLst/>
+                <a:latin typeface="Courier New" panose="02070309020205020404" pitchFamily="49" charset="0"/>
+                <a:cs typeface="Courier New" panose="02070309020205020404" pitchFamily="49" charset="0"/>
+              </a:rPr>
+              <a:t>++){</a:t>
+            </a:r>
+            <a:br>
+              <a:rPr kumimoji="0" lang="en-US" altLang="en-US" sz="2000" b="0" i="0" u="none" strike="noStrike" cap="none" normalizeH="0" baseline="0" dirty="0">
+                <a:ln>
+                  <a:noFill/>
+                </a:ln>
+                <a:solidFill>
+                  <a:srgbClr val="000000"/>
+                </a:solidFill>
+                <a:effectLst/>
+                <a:latin typeface="Courier New" panose="02070309020205020404" pitchFamily="49" charset="0"/>
+                <a:cs typeface="Courier New" panose="02070309020205020404" pitchFamily="49" charset="0"/>
+              </a:rPr>
+            </a:br>
+            <a:r>
+              <a:rPr kumimoji="0" lang="en-US" altLang="en-US" sz="2000" b="0" i="0" u="none" strike="noStrike" cap="none" normalizeH="0" baseline="0" dirty="0">
+                <a:ln>
+                  <a:noFill/>
+                </a:ln>
+                <a:solidFill>
+                  <a:srgbClr val="000000"/>
+                </a:solidFill>
+                <a:effectLst/>
+                <a:latin typeface="Courier New" panose="02070309020205020404" pitchFamily="49" charset="0"/>
+                <a:cs typeface="Courier New" panose="02070309020205020404" pitchFamily="49" charset="0"/>
+              </a:rPr>
+              <a:t>        </a:t>
+            </a:r>
+            <a:r>
+              <a:rPr kumimoji="0" lang="en-US" altLang="en-US" sz="2000" b="1" i="0" u="none" strike="noStrike" cap="none" normalizeH="0" baseline="0" dirty="0">
+                <a:ln>
+                  <a:noFill/>
+                </a:ln>
+                <a:solidFill>
+                  <a:srgbClr val="000080"/>
+                </a:solidFill>
+                <a:effectLst/>
+                <a:latin typeface="Courier New" panose="02070309020205020404" pitchFamily="49" charset="0"/>
+                <a:cs typeface="Courier New" panose="02070309020205020404" pitchFamily="49" charset="0"/>
+              </a:rPr>
+              <a:t>for</a:t>
+            </a:r>
+            <a:r>
+              <a:rPr kumimoji="0" lang="en-US" altLang="en-US" sz="2000" b="0" i="0" u="none" strike="noStrike" cap="none" normalizeH="0" baseline="0" dirty="0">
+                <a:ln>
+                  <a:noFill/>
+                </a:ln>
+                <a:solidFill>
+                  <a:srgbClr val="000000"/>
+                </a:solidFill>
+                <a:effectLst/>
+                <a:latin typeface="Courier New" panose="02070309020205020404" pitchFamily="49" charset="0"/>
+                <a:cs typeface="Courier New" panose="02070309020205020404" pitchFamily="49" charset="0"/>
+              </a:rPr>
+              <a:t>(</a:t>
+            </a:r>
+            <a:r>
+              <a:rPr kumimoji="0" lang="en-US" altLang="en-US" sz="2000" b="1" i="0" u="none" strike="noStrike" cap="none" normalizeH="0" baseline="0" dirty="0" err="1">
+                <a:ln>
+                  <a:noFill/>
+                </a:ln>
+                <a:solidFill>
+                  <a:srgbClr val="000080"/>
+                </a:solidFill>
+                <a:effectLst/>
+                <a:latin typeface="Courier New" panose="02070309020205020404" pitchFamily="49" charset="0"/>
+                <a:cs typeface="Courier New" panose="02070309020205020404" pitchFamily="49" charset="0"/>
+              </a:rPr>
+              <a:t>int</a:t>
+            </a:r>
+            <a:r>
+              <a:rPr kumimoji="0" lang="en-US" altLang="en-US" sz="2000" b="1" i="0" u="none" strike="noStrike" cap="none" normalizeH="0" baseline="0" dirty="0">
+                <a:ln>
+                  <a:noFill/>
+                </a:ln>
+                <a:solidFill>
+                  <a:srgbClr val="000080"/>
+                </a:solidFill>
+                <a:effectLst/>
+                <a:latin typeface="Courier New" panose="02070309020205020404" pitchFamily="49" charset="0"/>
+                <a:cs typeface="Courier New" panose="02070309020205020404" pitchFamily="49" charset="0"/>
+              </a:rPr>
+              <a:t> </a:t>
+            </a:r>
+            <a:r>
+              <a:rPr kumimoji="0" lang="en-US" altLang="en-US" sz="2000" b="0" i="0" u="none" strike="noStrike" cap="none" normalizeH="0" baseline="0" dirty="0">
+                <a:ln>
+                  <a:noFill/>
+                </a:ln>
+                <a:solidFill>
+                  <a:srgbClr val="000000"/>
+                </a:solidFill>
+                <a:effectLst/>
+                <a:latin typeface="Courier New" panose="02070309020205020404" pitchFamily="49" charset="0"/>
+                <a:cs typeface="Courier New" panose="02070309020205020404" pitchFamily="49" charset="0"/>
+              </a:rPr>
+              <a:t>j=</a:t>
+            </a:r>
+            <a:r>
+              <a:rPr kumimoji="0" lang="en-US" altLang="en-US" sz="2000" b="0" i="0" u="none" strike="noStrike" cap="none" normalizeH="0" baseline="0" dirty="0">
+                <a:ln>
+                  <a:noFill/>
+                </a:ln>
+                <a:solidFill>
+                  <a:srgbClr val="0000FF"/>
+                </a:solidFill>
+                <a:effectLst/>
+                <a:latin typeface="Courier New" panose="02070309020205020404" pitchFamily="49" charset="0"/>
+                <a:cs typeface="Courier New" panose="02070309020205020404" pitchFamily="49" charset="0"/>
+              </a:rPr>
+              <a:t>0</a:t>
+            </a:r>
+            <a:r>
+              <a:rPr kumimoji="0" lang="en-US" altLang="en-US" sz="2000" b="0" i="0" u="none" strike="noStrike" cap="none" normalizeH="0" baseline="0" dirty="0">
+                <a:ln>
+                  <a:noFill/>
+                </a:ln>
+                <a:solidFill>
+                  <a:srgbClr val="000000"/>
+                </a:solidFill>
+                <a:effectLst/>
+                <a:latin typeface="Courier New" panose="02070309020205020404" pitchFamily="49" charset="0"/>
+                <a:cs typeface="Courier New" panose="02070309020205020404" pitchFamily="49" charset="0"/>
+              </a:rPr>
+              <a:t>; j&lt;</a:t>
+            </a:r>
+            <a:r>
+              <a:rPr kumimoji="0" lang="en-US" altLang="en-US" sz="2000" b="0" i="0" u="none" strike="noStrike" cap="none" normalizeH="0" baseline="0" dirty="0" err="1">
+                <a:ln>
+                  <a:noFill/>
+                </a:ln>
+                <a:solidFill>
+                  <a:srgbClr val="000000"/>
+                </a:solidFill>
+                <a:effectLst/>
+                <a:latin typeface="Courier New" panose="02070309020205020404" pitchFamily="49" charset="0"/>
+                <a:cs typeface="Courier New" panose="02070309020205020404" pitchFamily="49" charset="0"/>
+              </a:rPr>
+              <a:t>array.</a:t>
+            </a:r>
+            <a:r>
+              <a:rPr kumimoji="0" lang="en-US" altLang="en-US" sz="2000" b="1" i="0" u="none" strike="noStrike" cap="none" normalizeH="0" baseline="0" dirty="0" err="1">
+                <a:ln>
+                  <a:noFill/>
+                </a:ln>
+                <a:solidFill>
+                  <a:srgbClr val="660E7A"/>
+                </a:solidFill>
+                <a:effectLst/>
+                <a:latin typeface="Courier New" panose="02070309020205020404" pitchFamily="49" charset="0"/>
+                <a:cs typeface="Courier New" panose="02070309020205020404" pitchFamily="49" charset="0"/>
+              </a:rPr>
+              <a:t>length</a:t>
+            </a:r>
+            <a:r>
+              <a:rPr kumimoji="0" lang="en-US" altLang="en-US" sz="2000" b="0" i="0" u="none" strike="noStrike" cap="none" normalizeH="0" baseline="0" dirty="0">
+                <a:ln>
+                  <a:noFill/>
+                </a:ln>
+                <a:solidFill>
+                  <a:srgbClr val="000000"/>
+                </a:solidFill>
+                <a:effectLst/>
+                <a:latin typeface="Courier New" panose="02070309020205020404" pitchFamily="49" charset="0"/>
+                <a:cs typeface="Courier New" panose="02070309020205020404" pitchFamily="49" charset="0"/>
+              </a:rPr>
+              <a:t>; </a:t>
+            </a:r>
+            <a:r>
+              <a:rPr kumimoji="0" lang="en-US" altLang="en-US" sz="2000" b="0" i="0" u="none" strike="noStrike" cap="none" normalizeH="0" baseline="0" dirty="0" err="1">
+                <a:ln>
+                  <a:noFill/>
+                </a:ln>
+                <a:solidFill>
+                  <a:srgbClr val="000000"/>
+                </a:solidFill>
+                <a:effectLst/>
+                <a:latin typeface="Courier New" panose="02070309020205020404" pitchFamily="49" charset="0"/>
+                <a:cs typeface="Courier New" panose="02070309020205020404" pitchFamily="49" charset="0"/>
+              </a:rPr>
+              <a:t>j++</a:t>
+            </a:r>
+            <a:r>
+              <a:rPr kumimoji="0" lang="en-US" altLang="en-US" sz="2000" b="0" i="0" u="none" strike="noStrike" cap="none" normalizeH="0" baseline="0" dirty="0">
+                <a:ln>
+                  <a:noFill/>
+                </a:ln>
+                <a:solidFill>
+                  <a:srgbClr val="000000"/>
+                </a:solidFill>
+                <a:effectLst/>
+                <a:latin typeface="Courier New" panose="02070309020205020404" pitchFamily="49" charset="0"/>
+                <a:cs typeface="Courier New" panose="02070309020205020404" pitchFamily="49" charset="0"/>
+              </a:rPr>
+              <a:t>){</a:t>
+            </a:r>
+            <a:br>
+              <a:rPr kumimoji="0" lang="en-US" altLang="en-US" sz="2000" b="0" i="0" u="none" strike="noStrike" cap="none" normalizeH="0" baseline="0" dirty="0">
+                <a:ln>
+                  <a:noFill/>
+                </a:ln>
+                <a:solidFill>
+                  <a:srgbClr val="000000"/>
+                </a:solidFill>
+                <a:effectLst/>
+                <a:latin typeface="Courier New" panose="02070309020205020404" pitchFamily="49" charset="0"/>
+                <a:cs typeface="Courier New" panose="02070309020205020404" pitchFamily="49" charset="0"/>
+              </a:rPr>
+            </a:br>
+            <a:r>
+              <a:rPr kumimoji="0" lang="en-US" altLang="en-US" sz="2000" b="0" i="0" u="none" strike="noStrike" cap="none" normalizeH="0" baseline="0" dirty="0">
+                <a:ln>
+                  <a:noFill/>
+                </a:ln>
+                <a:solidFill>
+                  <a:srgbClr val="000000"/>
+                </a:solidFill>
+                <a:effectLst/>
+                <a:latin typeface="Courier New" panose="02070309020205020404" pitchFamily="49" charset="0"/>
+                <a:cs typeface="Courier New" panose="02070309020205020404" pitchFamily="49" charset="0"/>
+              </a:rPr>
+              <a:t>            </a:t>
+            </a:r>
+            <a:r>
+              <a:rPr kumimoji="0" lang="en-US" altLang="en-US" sz="2000" b="1" i="0" u="none" strike="noStrike" cap="none" normalizeH="0" baseline="0" dirty="0">
+                <a:ln>
+                  <a:noFill/>
+                </a:ln>
+                <a:solidFill>
+                  <a:srgbClr val="000080"/>
+                </a:solidFill>
+                <a:effectLst/>
+                <a:latin typeface="Courier New" panose="02070309020205020404" pitchFamily="49" charset="0"/>
+                <a:cs typeface="Courier New" panose="02070309020205020404" pitchFamily="49" charset="0"/>
+              </a:rPr>
+              <a:t>if</a:t>
+            </a:r>
+            <a:r>
+              <a:rPr kumimoji="0" lang="en-US" altLang="en-US" sz="2000" b="0" i="0" u="none" strike="noStrike" cap="none" normalizeH="0" baseline="0" dirty="0">
+                <a:ln>
+                  <a:noFill/>
+                </a:ln>
+                <a:solidFill>
+                  <a:srgbClr val="000000"/>
+                </a:solidFill>
+                <a:effectLst/>
+                <a:latin typeface="Courier New" panose="02070309020205020404" pitchFamily="49" charset="0"/>
+                <a:cs typeface="Courier New" panose="02070309020205020404" pitchFamily="49" charset="0"/>
+              </a:rPr>
+              <a:t>(</a:t>
+            </a:r>
+            <a:r>
+              <a:rPr kumimoji="0" lang="en-US" altLang="en-US" sz="2000" b="0" i="0" u="none" strike="noStrike" cap="none" normalizeH="0" baseline="0" dirty="0" err="1">
+                <a:ln>
+                  <a:noFill/>
+                </a:ln>
+                <a:solidFill>
+                  <a:srgbClr val="000000"/>
+                </a:solidFill>
+                <a:effectLst/>
+                <a:latin typeface="Courier New" panose="02070309020205020404" pitchFamily="49" charset="0"/>
+                <a:cs typeface="Courier New" panose="02070309020205020404" pitchFamily="49" charset="0"/>
+              </a:rPr>
+              <a:t>i</a:t>
+            </a:r>
+            <a:r>
+              <a:rPr kumimoji="0" lang="en-US" altLang="en-US" sz="2000" b="0" i="0" u="none" strike="noStrike" cap="none" normalizeH="0" baseline="0" dirty="0">
+                <a:ln>
+                  <a:noFill/>
+                </a:ln>
+                <a:solidFill>
+                  <a:srgbClr val="000000"/>
+                </a:solidFill>
+                <a:effectLst/>
+                <a:latin typeface="Courier New" panose="02070309020205020404" pitchFamily="49" charset="0"/>
+                <a:cs typeface="Courier New" panose="02070309020205020404" pitchFamily="49" charset="0"/>
+              </a:rPr>
+              <a:t>!=j &amp;&amp; array[</a:t>
+            </a:r>
+            <a:r>
+              <a:rPr kumimoji="0" lang="en-US" altLang="en-US" sz="2000" b="0" i="0" u="none" strike="noStrike" cap="none" normalizeH="0" baseline="0" dirty="0" err="1">
+                <a:ln>
+                  <a:noFill/>
+                </a:ln>
+                <a:solidFill>
+                  <a:srgbClr val="000000"/>
+                </a:solidFill>
+                <a:effectLst/>
+                <a:latin typeface="Courier New" panose="02070309020205020404" pitchFamily="49" charset="0"/>
+                <a:cs typeface="Courier New" panose="02070309020205020404" pitchFamily="49" charset="0"/>
+              </a:rPr>
+              <a:t>i</a:t>
+            </a:r>
+            <a:r>
+              <a:rPr kumimoji="0" lang="en-US" altLang="en-US" sz="2000" b="0" i="0" u="none" strike="noStrike" cap="none" normalizeH="0" baseline="0" dirty="0">
+                <a:ln>
+                  <a:noFill/>
+                </a:ln>
+                <a:solidFill>
+                  <a:srgbClr val="000000"/>
+                </a:solidFill>
+                <a:effectLst/>
+                <a:latin typeface="Courier New" panose="02070309020205020404" pitchFamily="49" charset="0"/>
+                <a:cs typeface="Courier New" panose="02070309020205020404" pitchFamily="49" charset="0"/>
+              </a:rPr>
+              <a:t>] == array[j]){</a:t>
+            </a:r>
+            <a:br>
+              <a:rPr kumimoji="0" lang="en-US" altLang="en-US" sz="2000" b="0" i="0" u="none" strike="noStrike" cap="none" normalizeH="0" baseline="0" dirty="0">
+                <a:ln>
+                  <a:noFill/>
+                </a:ln>
+                <a:solidFill>
+                  <a:srgbClr val="000000"/>
+                </a:solidFill>
+                <a:effectLst/>
+                <a:latin typeface="Courier New" panose="02070309020205020404" pitchFamily="49" charset="0"/>
+                <a:cs typeface="Courier New" panose="02070309020205020404" pitchFamily="49" charset="0"/>
+              </a:rPr>
+            </a:br>
+            <a:r>
+              <a:rPr kumimoji="0" lang="en-US" altLang="en-US" sz="2000" b="0" i="0" u="none" strike="noStrike" cap="none" normalizeH="0" baseline="0" dirty="0">
+                <a:ln>
+                  <a:noFill/>
+                </a:ln>
+                <a:solidFill>
+                  <a:srgbClr val="000000"/>
+                </a:solidFill>
+                <a:effectLst/>
+                <a:latin typeface="Courier New" panose="02070309020205020404" pitchFamily="49" charset="0"/>
+                <a:cs typeface="Courier New" panose="02070309020205020404" pitchFamily="49" charset="0"/>
+              </a:rPr>
+              <a:t>                pairs++;</a:t>
+            </a:r>
+            <a:br>
+              <a:rPr kumimoji="0" lang="en-US" altLang="en-US" sz="2000" b="0" i="0" u="none" strike="noStrike" cap="none" normalizeH="0" baseline="0" dirty="0">
+                <a:ln>
+                  <a:noFill/>
+                </a:ln>
+                <a:solidFill>
+                  <a:srgbClr val="000000"/>
+                </a:solidFill>
+                <a:effectLst/>
+                <a:latin typeface="Courier New" panose="02070309020205020404" pitchFamily="49" charset="0"/>
+                <a:cs typeface="Courier New" panose="02070309020205020404" pitchFamily="49" charset="0"/>
+              </a:rPr>
+            </a:br>
+            <a:r>
+              <a:rPr kumimoji="0" lang="en-US" altLang="en-US" sz="2000" b="0" i="0" u="none" strike="noStrike" cap="none" normalizeH="0" baseline="0" dirty="0">
+                <a:ln>
+                  <a:noFill/>
+                </a:ln>
+                <a:solidFill>
+                  <a:srgbClr val="000000"/>
+                </a:solidFill>
+                <a:effectLst/>
+                <a:latin typeface="Courier New" panose="02070309020205020404" pitchFamily="49" charset="0"/>
+                <a:cs typeface="Courier New" panose="02070309020205020404" pitchFamily="49" charset="0"/>
+              </a:rPr>
+              <a:t>            }</a:t>
+            </a:r>
+            <a:br>
+              <a:rPr kumimoji="0" lang="en-US" altLang="en-US" sz="2000" b="0" i="0" u="none" strike="noStrike" cap="none" normalizeH="0" baseline="0" dirty="0">
+                <a:ln>
+                  <a:noFill/>
+                </a:ln>
+                <a:solidFill>
+                  <a:srgbClr val="000000"/>
+                </a:solidFill>
+                <a:effectLst/>
+                <a:latin typeface="Courier New" panose="02070309020205020404" pitchFamily="49" charset="0"/>
+                <a:cs typeface="Courier New" panose="02070309020205020404" pitchFamily="49" charset="0"/>
+              </a:rPr>
+            </a:br>
+            <a:r>
+              <a:rPr kumimoji="0" lang="en-US" altLang="en-US" sz="2000" b="0" i="0" u="none" strike="noStrike" cap="none" normalizeH="0" baseline="0" dirty="0">
+                <a:ln>
+                  <a:noFill/>
+                </a:ln>
+                <a:solidFill>
+                  <a:srgbClr val="000000"/>
+                </a:solidFill>
+                <a:effectLst/>
+                <a:latin typeface="Courier New" panose="02070309020205020404" pitchFamily="49" charset="0"/>
+                <a:cs typeface="Courier New" panose="02070309020205020404" pitchFamily="49" charset="0"/>
+              </a:rPr>
+              <a:t>        }</a:t>
+            </a:r>
+            <a:br>
+              <a:rPr kumimoji="0" lang="en-US" altLang="en-US" sz="2000" b="0" i="0" u="none" strike="noStrike" cap="none" normalizeH="0" baseline="0" dirty="0">
+                <a:ln>
+                  <a:noFill/>
+                </a:ln>
+                <a:solidFill>
+                  <a:srgbClr val="000000"/>
+                </a:solidFill>
+                <a:effectLst/>
+                <a:latin typeface="Courier New" panose="02070309020205020404" pitchFamily="49" charset="0"/>
+                <a:cs typeface="Courier New" panose="02070309020205020404" pitchFamily="49" charset="0"/>
+              </a:rPr>
+            </a:br>
+            <a:r>
+              <a:rPr kumimoji="0" lang="en-US" altLang="en-US" sz="2000" b="0" i="0" u="none" strike="noStrike" cap="none" normalizeH="0" baseline="0" dirty="0">
+                <a:ln>
+                  <a:noFill/>
+                </a:ln>
+                <a:solidFill>
+                  <a:srgbClr val="000000"/>
+                </a:solidFill>
+                <a:effectLst/>
+                <a:latin typeface="Courier New" panose="02070309020205020404" pitchFamily="49" charset="0"/>
+                <a:cs typeface="Courier New" panose="02070309020205020404" pitchFamily="49" charset="0"/>
+              </a:rPr>
+              <a:t>    }</a:t>
+            </a:r>
+            <a:br>
+              <a:rPr kumimoji="0" lang="en-US" altLang="en-US" sz="2000" b="0" i="0" u="none" strike="noStrike" cap="none" normalizeH="0" baseline="0" dirty="0">
+                <a:ln>
+                  <a:noFill/>
+                </a:ln>
+                <a:solidFill>
+                  <a:srgbClr val="000000"/>
+                </a:solidFill>
+                <a:effectLst/>
+                <a:latin typeface="Courier New" panose="02070309020205020404" pitchFamily="49" charset="0"/>
+                <a:cs typeface="Courier New" panose="02070309020205020404" pitchFamily="49" charset="0"/>
+              </a:rPr>
+            </a:br>
+            <a:r>
+              <a:rPr kumimoji="0" lang="en-US" altLang="en-US" sz="2000" b="0" i="0" u="none" strike="noStrike" cap="none" normalizeH="0" baseline="0" dirty="0">
+                <a:ln>
+                  <a:noFill/>
+                </a:ln>
+                <a:solidFill>
+                  <a:srgbClr val="000000"/>
+                </a:solidFill>
+                <a:effectLst/>
+                <a:latin typeface="Courier New" panose="02070309020205020404" pitchFamily="49" charset="0"/>
+                <a:cs typeface="Courier New" panose="02070309020205020404" pitchFamily="49" charset="0"/>
+              </a:rPr>
+              <a:t>    </a:t>
+            </a:r>
+            <a:r>
+              <a:rPr kumimoji="0" lang="en-US" altLang="en-US" sz="2000" b="1" i="0" u="none" strike="noStrike" cap="none" normalizeH="0" baseline="0" dirty="0">
+                <a:ln>
+                  <a:noFill/>
+                </a:ln>
+                <a:solidFill>
+                  <a:srgbClr val="000080"/>
+                </a:solidFill>
+                <a:effectLst/>
+                <a:latin typeface="Courier New" panose="02070309020205020404" pitchFamily="49" charset="0"/>
+                <a:cs typeface="Courier New" panose="02070309020205020404" pitchFamily="49" charset="0"/>
+              </a:rPr>
+              <a:t>return </a:t>
+            </a:r>
+            <a:r>
+              <a:rPr kumimoji="0" lang="en-US" altLang="en-US" sz="2000" b="0" i="0" u="none" strike="noStrike" cap="none" normalizeH="0" baseline="0" dirty="0">
+                <a:ln>
+                  <a:noFill/>
+                </a:ln>
+                <a:solidFill>
+                  <a:srgbClr val="000000"/>
+                </a:solidFill>
+                <a:effectLst/>
+                <a:latin typeface="Courier New" panose="02070309020205020404" pitchFamily="49" charset="0"/>
+                <a:cs typeface="Courier New" panose="02070309020205020404" pitchFamily="49" charset="0"/>
+              </a:rPr>
+              <a:t>pairs;</a:t>
+            </a:r>
+            <a:br>
+              <a:rPr kumimoji="0" lang="en-US" altLang="en-US" sz="2000" b="0" i="0" u="none" strike="noStrike" cap="none" normalizeH="0" baseline="0" dirty="0">
+                <a:ln>
+                  <a:noFill/>
+                </a:ln>
+                <a:solidFill>
+                  <a:srgbClr val="000000"/>
+                </a:solidFill>
+                <a:effectLst/>
+                <a:latin typeface="Courier New" panose="02070309020205020404" pitchFamily="49" charset="0"/>
+                <a:cs typeface="Courier New" panose="02070309020205020404" pitchFamily="49" charset="0"/>
+              </a:rPr>
+            </a:br>
+            <a:r>
+              <a:rPr kumimoji="0" lang="en-US" altLang="en-US" sz="2000" b="0" i="0" u="none" strike="noStrike" cap="none" normalizeH="0" baseline="0" dirty="0">
+                <a:ln>
+                  <a:noFill/>
+                </a:ln>
+                <a:solidFill>
+                  <a:srgbClr val="000000"/>
+                </a:solidFill>
+                <a:effectLst/>
+                <a:latin typeface="Courier New" panose="02070309020205020404" pitchFamily="49" charset="0"/>
+                <a:cs typeface="Courier New" panose="02070309020205020404" pitchFamily="49" charset="0"/>
+              </a:rPr>
+              <a:t>}</a:t>
+            </a:r>
+            <a:endParaRPr kumimoji="0" lang="en-US" altLang="en-US" sz="2000" b="0" i="0" u="none" strike="noStrike" cap="none" normalizeH="0" baseline="0" dirty="0">
+              <a:ln>
+                <a:noFill/>
+              </a:ln>
+              <a:solidFill>
+                <a:schemeClr val="tx1"/>
+              </a:solidFill>
+              <a:effectLst/>
+              <a:latin typeface="Arial" panose="020B0604020202020204" pitchFamily="34" charset="0"/>
+            </a:endParaRPr>
+          </a:p>
+        </p:txBody>
+      </p:sp>
+      <p:sp>
+        <p:nvSpPr>
+          <p:cNvPr id="5" name="Rectangle 2"/>
+          <p:cNvSpPr>
+            <a:spLocks noChangeArrowheads="1"/>
+          </p:cNvSpPr>
+          <p:nvPr/>
+        </p:nvSpPr>
+        <p:spPr bwMode="auto">
+          <a:xfrm>
+            <a:off x="7524750" y="201602"/>
+            <a:ext cx="5372100" cy="3416320"/>
+          </a:xfrm>
+          <a:prstGeom prst="rect">
+            <a:avLst/>
+          </a:prstGeom>
+          <a:solidFill>
+            <a:srgbClr val="FFFFFF"/>
+          </a:solidFill>
+          <a:ln>
+            <a:noFill/>
+          </a:ln>
+          <a:effectLst/>
+          <a:extLst>
+            <a:ext uri="{91240B29-F687-4F45-9708-019B960494DF}">
+              <a14:hiddenLine xmlns:a14="http://schemas.microsoft.com/office/drawing/2010/main" w="9525">
+                <a:solidFill>
+                  <a:schemeClr val="tx1"/>
+                </a:solidFill>
+                <a:miter lim="800000"/>
+                <a:headEnd/>
+                <a:tailEnd/>
+              </a14:hiddenLine>
+            </a:ext>
+            <a:ext uri="{AF507438-7753-43E0-B8FC-AC1667EBCBE1}">
+              <a14:hiddenEffects xmlns:a14="http://schemas.microsoft.com/office/drawing/2010/main">
+                <a:effectLst>
+                  <a:outerShdw dist="35921" dir="2700000" algn="ctr" rotWithShape="0">
+                    <a:schemeClr val="bg2"/>
+                  </a:outerShdw>
+                </a:effectLst>
+              </a14:hiddenEffects>
+            </a:ext>
+          </a:extLst>
+        </p:spPr>
+        <p:txBody>
+          <a:bodyPr vert="horz" wrap="square" lIns="91440" tIns="45720" rIns="91440" bIns="45720" numCol="1" anchor="ctr" anchorCtr="0" compatLnSpc="1">
+            <a:prstTxWarp prst="textNoShape">
+              <a:avLst/>
+            </a:prstTxWarp>
+            <a:spAutoFit/>
+          </a:bodyPr>
+          <a:lstStyle/>
+          <a:p>
+            <a:pPr marL="0" marR="0" lvl="0" indent="0" algn="l" defTabSz="914400" rtl="0" eaLnBrk="0" fontAlgn="base" latinLnBrk="0" hangingPunct="0">
+              <a:lnSpc>
+                <a:spcPct val="100000"/>
+              </a:lnSpc>
+              <a:spcBef>
+                <a:spcPct val="0"/>
+              </a:spcBef>
+              <a:spcAft>
+                <a:spcPct val="0"/>
+              </a:spcAft>
+              <a:buClrTx/>
+              <a:buSzTx/>
+              <a:buFontTx/>
+              <a:buNone/>
+              <a:tabLst/>
+            </a:pPr>
+            <a:r>
+              <a:rPr kumimoji="0" lang="en-US" altLang="en-US" sz="1800" b="0" i="1" u="none" strike="noStrike" cap="none" normalizeH="0" baseline="0" dirty="0">
+                <a:ln>
+                  <a:noFill/>
+                </a:ln>
+                <a:solidFill>
+                  <a:srgbClr val="808080"/>
+                </a:solidFill>
+                <a:effectLst/>
+                <a:latin typeface="Courier New" panose="02070309020205020404" pitchFamily="49" charset="0"/>
+                <a:cs typeface="Courier New" panose="02070309020205020404" pitchFamily="49" charset="0"/>
+              </a:rPr>
+              <a:t>/*</a:t>
+            </a:r>
+            <a:br>
+              <a:rPr kumimoji="0" lang="en-US" altLang="en-US" sz="1800" b="0" i="1" u="none" strike="noStrike" cap="none" normalizeH="0" baseline="0" dirty="0">
+                <a:ln>
+                  <a:noFill/>
+                </a:ln>
+                <a:solidFill>
+                  <a:srgbClr val="808080"/>
+                </a:solidFill>
+                <a:effectLst/>
+                <a:latin typeface="Courier New" panose="02070309020205020404" pitchFamily="49" charset="0"/>
+                <a:cs typeface="Courier New" panose="02070309020205020404" pitchFamily="49" charset="0"/>
+              </a:rPr>
+            </a:br>
+            <a:r>
+              <a:rPr kumimoji="0" lang="en-US" altLang="en-US" sz="1800" b="0" i="1" u="none" strike="noStrike" cap="none" normalizeH="0" baseline="0" dirty="0">
+                <a:ln>
+                  <a:noFill/>
+                </a:ln>
+                <a:solidFill>
+                  <a:srgbClr val="808080"/>
+                </a:solidFill>
+                <a:effectLst/>
+                <a:latin typeface="Courier New" panose="02070309020205020404" pitchFamily="49" charset="0"/>
+                <a:cs typeface="Courier New" panose="02070309020205020404" pitchFamily="49" charset="0"/>
+              </a:rPr>
+              <a:t>    On my machine, repeated 100 times:</a:t>
+            </a:r>
+            <a:br>
+              <a:rPr kumimoji="0" lang="en-US" altLang="en-US" sz="1800" b="0" i="1" u="none" strike="noStrike" cap="none" normalizeH="0" baseline="0" dirty="0">
+                <a:ln>
+                  <a:noFill/>
+                </a:ln>
+                <a:solidFill>
+                  <a:srgbClr val="808080"/>
+                </a:solidFill>
+                <a:effectLst/>
+                <a:latin typeface="Courier New" panose="02070309020205020404" pitchFamily="49" charset="0"/>
+                <a:cs typeface="Courier New" panose="02070309020205020404" pitchFamily="49" charset="0"/>
+              </a:rPr>
+            </a:br>
+            <a:br>
+              <a:rPr kumimoji="0" lang="en-US" altLang="en-US" sz="1800" b="0" i="1" u="none" strike="noStrike" cap="none" normalizeH="0" baseline="0" dirty="0">
+                <a:ln>
+                  <a:noFill/>
+                </a:ln>
+                <a:solidFill>
+                  <a:srgbClr val="808080"/>
+                </a:solidFill>
+                <a:effectLst/>
+                <a:latin typeface="Courier New" panose="02070309020205020404" pitchFamily="49" charset="0"/>
+                <a:cs typeface="Courier New" panose="02070309020205020404" pitchFamily="49" charset="0"/>
+              </a:rPr>
+            </a:br>
+            <a:r>
+              <a:rPr kumimoji="0" lang="en-US" altLang="en-US" sz="1800" b="0" i="1" u="none" strike="noStrike" cap="none" normalizeH="0" baseline="0" dirty="0">
+                <a:ln>
+                  <a:noFill/>
+                </a:ln>
+                <a:solidFill>
+                  <a:srgbClr val="808080"/>
+                </a:solidFill>
+                <a:effectLst/>
+                <a:latin typeface="Courier New" panose="02070309020205020404" pitchFamily="49" charset="0"/>
+                <a:cs typeface="Courier New" panose="02070309020205020404" pitchFamily="49" charset="0"/>
+              </a:rPr>
+              <a:t>    N=100   seconds=0.005</a:t>
+            </a:r>
+            <a:br>
+              <a:rPr kumimoji="0" lang="en-US" altLang="en-US" sz="1800" b="0" i="1" u="none" strike="noStrike" cap="none" normalizeH="0" baseline="0" dirty="0">
+                <a:ln>
+                  <a:noFill/>
+                </a:ln>
+                <a:solidFill>
+                  <a:srgbClr val="808080"/>
+                </a:solidFill>
+                <a:effectLst/>
+                <a:latin typeface="Courier New" panose="02070309020205020404" pitchFamily="49" charset="0"/>
+                <a:cs typeface="Courier New" panose="02070309020205020404" pitchFamily="49" charset="0"/>
+              </a:rPr>
+            </a:br>
+            <a:r>
+              <a:rPr kumimoji="0" lang="en-US" altLang="en-US" sz="1800" b="0" i="1" u="none" strike="noStrike" cap="none" normalizeH="0" baseline="0" dirty="0">
+                <a:ln>
+                  <a:noFill/>
+                </a:ln>
+                <a:solidFill>
+                  <a:srgbClr val="808080"/>
+                </a:solidFill>
+                <a:effectLst/>
+                <a:latin typeface="Courier New" panose="02070309020205020404" pitchFamily="49" charset="0"/>
+                <a:cs typeface="Courier New" panose="02070309020205020404" pitchFamily="49" charset="0"/>
+              </a:rPr>
+              <a:t>    N=200   seconds=0.005</a:t>
+            </a:r>
+            <a:br>
+              <a:rPr kumimoji="0" lang="en-US" altLang="en-US" sz="1800" b="0" i="1" u="none" strike="noStrike" cap="none" normalizeH="0" baseline="0" dirty="0">
+                <a:ln>
+                  <a:noFill/>
+                </a:ln>
+                <a:solidFill>
+                  <a:srgbClr val="808080"/>
+                </a:solidFill>
+                <a:effectLst/>
+                <a:latin typeface="Courier New" panose="02070309020205020404" pitchFamily="49" charset="0"/>
+                <a:cs typeface="Courier New" panose="02070309020205020404" pitchFamily="49" charset="0"/>
+              </a:rPr>
+            </a:br>
+            <a:r>
+              <a:rPr kumimoji="0" lang="en-US" altLang="en-US" sz="1800" b="0" i="1" u="none" strike="noStrike" cap="none" normalizeH="0" baseline="0" dirty="0">
+                <a:ln>
+                  <a:noFill/>
+                </a:ln>
+                <a:solidFill>
+                  <a:srgbClr val="808080"/>
+                </a:solidFill>
+                <a:effectLst/>
+                <a:latin typeface="Courier New" panose="02070309020205020404" pitchFamily="49" charset="0"/>
+                <a:cs typeface="Courier New" panose="02070309020205020404" pitchFamily="49" charset="0"/>
+              </a:rPr>
+              <a:t>    N=400   seconds=0.012</a:t>
+            </a:r>
+            <a:br>
+              <a:rPr kumimoji="0" lang="en-US" altLang="en-US" sz="1800" b="0" i="1" u="none" strike="noStrike" cap="none" normalizeH="0" baseline="0" dirty="0">
+                <a:ln>
+                  <a:noFill/>
+                </a:ln>
+                <a:solidFill>
+                  <a:srgbClr val="808080"/>
+                </a:solidFill>
+                <a:effectLst/>
+                <a:latin typeface="Courier New" panose="02070309020205020404" pitchFamily="49" charset="0"/>
+                <a:cs typeface="Courier New" panose="02070309020205020404" pitchFamily="49" charset="0"/>
+              </a:rPr>
+            </a:br>
+            <a:r>
+              <a:rPr kumimoji="0" lang="en-US" altLang="en-US" sz="1800" b="0" i="1" u="none" strike="noStrike" cap="none" normalizeH="0" baseline="0" dirty="0">
+                <a:ln>
+                  <a:noFill/>
+                </a:ln>
+                <a:solidFill>
+                  <a:srgbClr val="808080"/>
+                </a:solidFill>
+                <a:effectLst/>
+                <a:latin typeface="Courier New" panose="02070309020205020404" pitchFamily="49" charset="0"/>
+                <a:cs typeface="Courier New" panose="02070309020205020404" pitchFamily="49" charset="0"/>
+              </a:rPr>
+              <a:t>    N=800   seconds=0.072</a:t>
+            </a:r>
+            <a:br>
+              <a:rPr kumimoji="0" lang="en-US" altLang="en-US" sz="1800" b="0" i="1" u="none" strike="noStrike" cap="none" normalizeH="0" baseline="0" dirty="0">
+                <a:ln>
+                  <a:noFill/>
+                </a:ln>
+                <a:solidFill>
+                  <a:srgbClr val="808080"/>
+                </a:solidFill>
+                <a:effectLst/>
+                <a:latin typeface="Courier New" panose="02070309020205020404" pitchFamily="49" charset="0"/>
+                <a:cs typeface="Courier New" panose="02070309020205020404" pitchFamily="49" charset="0"/>
+              </a:rPr>
+            </a:br>
+            <a:r>
+              <a:rPr kumimoji="0" lang="en-US" altLang="en-US" sz="1800" b="0" i="1" u="none" strike="noStrike" cap="none" normalizeH="0" baseline="0" dirty="0">
+                <a:ln>
+                  <a:noFill/>
+                </a:ln>
+                <a:solidFill>
+                  <a:srgbClr val="808080"/>
+                </a:solidFill>
+                <a:effectLst/>
+                <a:latin typeface="Courier New" panose="02070309020205020404" pitchFamily="49" charset="0"/>
+                <a:cs typeface="Courier New" panose="02070309020205020404" pitchFamily="49" charset="0"/>
+              </a:rPr>
+              <a:t>    N=1600  seconds=0.211</a:t>
+            </a:r>
+            <a:br>
+              <a:rPr kumimoji="0" lang="en-US" altLang="en-US" sz="1800" b="0" i="1" u="none" strike="noStrike" cap="none" normalizeH="0" baseline="0" dirty="0">
+                <a:ln>
+                  <a:noFill/>
+                </a:ln>
+                <a:solidFill>
+                  <a:srgbClr val="808080"/>
+                </a:solidFill>
+                <a:effectLst/>
+                <a:latin typeface="Courier New" panose="02070309020205020404" pitchFamily="49" charset="0"/>
+                <a:cs typeface="Courier New" panose="02070309020205020404" pitchFamily="49" charset="0"/>
+              </a:rPr>
+            </a:br>
+            <a:r>
+              <a:rPr kumimoji="0" lang="en-US" altLang="en-US" sz="1800" b="0" i="1" u="none" strike="noStrike" cap="none" normalizeH="0" baseline="0" dirty="0">
+                <a:ln>
+                  <a:noFill/>
+                </a:ln>
+                <a:solidFill>
+                  <a:srgbClr val="808080"/>
+                </a:solidFill>
+                <a:effectLst/>
+                <a:latin typeface="Courier New" panose="02070309020205020404" pitchFamily="49" charset="0"/>
+                <a:cs typeface="Courier New" panose="02070309020205020404" pitchFamily="49" charset="0"/>
+              </a:rPr>
+              <a:t>    N=3200  seconds=0.754</a:t>
+            </a:r>
+            <a:br>
+              <a:rPr kumimoji="0" lang="en-US" altLang="en-US" sz="1800" b="0" i="1" u="none" strike="noStrike" cap="none" normalizeH="0" baseline="0" dirty="0">
+                <a:ln>
+                  <a:noFill/>
+                </a:ln>
+                <a:solidFill>
+                  <a:srgbClr val="808080"/>
+                </a:solidFill>
+                <a:effectLst/>
+                <a:latin typeface="Courier New" panose="02070309020205020404" pitchFamily="49" charset="0"/>
+                <a:cs typeface="Courier New" panose="02070309020205020404" pitchFamily="49" charset="0"/>
+              </a:rPr>
+            </a:br>
+            <a:r>
+              <a:rPr kumimoji="0" lang="en-US" altLang="en-US" sz="1800" b="0" i="1" u="none" strike="noStrike" cap="none" normalizeH="0" baseline="0" dirty="0">
+                <a:ln>
+                  <a:noFill/>
+                </a:ln>
+                <a:solidFill>
+                  <a:srgbClr val="808080"/>
+                </a:solidFill>
+                <a:effectLst/>
+                <a:latin typeface="Courier New" panose="02070309020205020404" pitchFamily="49" charset="0"/>
+                <a:cs typeface="Courier New" panose="02070309020205020404" pitchFamily="49" charset="0"/>
+              </a:rPr>
+              <a:t>    N=6400  seconds=2.829</a:t>
+            </a:r>
+            <a:br>
+              <a:rPr kumimoji="0" lang="en-US" altLang="en-US" sz="1800" b="0" i="1" u="none" strike="noStrike" cap="none" normalizeH="0" baseline="0" dirty="0">
+                <a:ln>
+                  <a:noFill/>
+                </a:ln>
+                <a:solidFill>
+                  <a:srgbClr val="808080"/>
+                </a:solidFill>
+                <a:effectLst/>
+                <a:latin typeface="Courier New" panose="02070309020205020404" pitchFamily="49" charset="0"/>
+                <a:cs typeface="Courier New" panose="02070309020205020404" pitchFamily="49" charset="0"/>
+              </a:rPr>
+            </a:br>
+            <a:r>
+              <a:rPr kumimoji="0" lang="en-US" altLang="en-US" sz="1800" b="0" i="1" u="none" strike="noStrike" cap="none" normalizeH="0" baseline="0" dirty="0">
+                <a:ln>
+                  <a:noFill/>
+                </a:ln>
+                <a:solidFill>
+                  <a:srgbClr val="808080"/>
+                </a:solidFill>
+                <a:effectLst/>
+                <a:latin typeface="Courier New" panose="02070309020205020404" pitchFamily="49" charset="0"/>
+                <a:cs typeface="Courier New" panose="02070309020205020404" pitchFamily="49" charset="0"/>
+              </a:rPr>
+              <a:t>    N=12800 seconds=11.48</a:t>
+            </a:r>
+            <a:br>
+              <a:rPr kumimoji="0" lang="en-US" altLang="en-US" sz="1800" b="0" i="1" u="none" strike="noStrike" cap="none" normalizeH="0" baseline="0" dirty="0">
+                <a:ln>
+                  <a:noFill/>
+                </a:ln>
+                <a:solidFill>
+                  <a:srgbClr val="808080"/>
+                </a:solidFill>
+                <a:effectLst/>
+                <a:latin typeface="Courier New" panose="02070309020205020404" pitchFamily="49" charset="0"/>
+                <a:cs typeface="Courier New" panose="02070309020205020404" pitchFamily="49" charset="0"/>
+              </a:rPr>
+            </a:br>
+            <a:r>
+              <a:rPr kumimoji="0" lang="en-US" altLang="en-US" sz="1800" b="0" i="1" u="none" strike="noStrike" cap="none" normalizeH="0" baseline="0" dirty="0">
+                <a:ln>
+                  <a:noFill/>
+                </a:ln>
+                <a:solidFill>
+                  <a:srgbClr val="808080"/>
+                </a:solidFill>
+                <a:effectLst/>
+                <a:latin typeface="Courier New" panose="02070309020205020404" pitchFamily="49" charset="0"/>
+                <a:cs typeface="Courier New" panose="02070309020205020404" pitchFamily="49" charset="0"/>
+              </a:rPr>
+              <a:t> */</a:t>
+            </a:r>
+            <a:endParaRPr kumimoji="0" lang="en-US" altLang="en-US" sz="1800" b="0" i="0" u="none" strike="noStrike" cap="none" normalizeH="0" baseline="0" dirty="0">
+              <a:ln>
+                <a:noFill/>
+              </a:ln>
+              <a:solidFill>
+                <a:schemeClr val="tx1"/>
+              </a:solidFill>
+              <a:effectLst/>
+              <a:latin typeface="Arial" panose="020B0604020202020204" pitchFamily="34" charset="0"/>
+            </a:endParaRPr>
+          </a:p>
+        </p:txBody>
+      </p:sp>
+    </p:spTree>
+    <p:extLst>
+      <p:ext uri="{BB962C8B-B14F-4D97-AF65-F5344CB8AC3E}">
+        <p14:creationId xmlns:p14="http://schemas.microsoft.com/office/powerpoint/2010/main" val="1405945670"/>
+      </p:ext>
+    </p:extLst>
+  </p:cSld>
+  <p:clrMapOvr>
+    <a:masterClrMapping/>
+  </p:clrMapOvr>
+  <p:transition spd="med"/>
+</p:sld>
+</file>
+
+<file path=ppt/slides/slide50.xml><?xml version="1.0" encoding="utf-8"?>
 <p:sld xmlns:a="http://schemas.openxmlformats.org/drawingml/2006/main" xmlns:r="http://schemas.openxmlformats.org/officeDocument/2006/relationships" xmlns:p="http://schemas.openxmlformats.org/presentationml/2006/main">
   <p:cSld>
     <p:spTree>
@@ -23566,9 +25243,7 @@
           <p:cNvGraphicFramePr>
             <a:graphicFrameLocks noGrp="1"/>
           </p:cNvGraphicFramePr>
-          <p:nvPr>
-            <p:extLst/>
-          </p:nvPr>
+          <p:nvPr/>
         </p:nvGraphicFramePr>
         <p:xfrm>
           <a:off x="7227842" y="2906930"/>
@@ -23731,9 +25406,7 @@
           <p:cNvGraphicFramePr>
             <a:graphicFrameLocks noGrp="1"/>
           </p:cNvGraphicFramePr>
-          <p:nvPr>
-            <p:extLst/>
-          </p:nvPr>
+          <p:nvPr/>
         </p:nvGraphicFramePr>
         <p:xfrm>
           <a:off x="7227842" y="3952040"/>
@@ -23901,9 +25574,7 @@
           <p:cNvGraphicFramePr>
             <a:graphicFrameLocks noGrp="1"/>
           </p:cNvGraphicFramePr>
-          <p:nvPr>
-            <p:extLst/>
-          </p:nvPr>
+          <p:nvPr/>
         </p:nvGraphicFramePr>
         <p:xfrm>
           <a:off x="7227842" y="4997150"/>
@@ -24076,9 +25747,7 @@
           <p:cNvGraphicFramePr>
             <a:graphicFrameLocks noGrp="1"/>
           </p:cNvGraphicFramePr>
-          <p:nvPr>
-            <p:extLst/>
-          </p:nvPr>
+          <p:nvPr/>
         </p:nvGraphicFramePr>
         <p:xfrm>
           <a:off x="7227842" y="6042260"/>
@@ -24256,9 +25925,7 @@
           <p:cNvGraphicFramePr>
             <a:graphicFrameLocks noGrp="1"/>
           </p:cNvGraphicFramePr>
-          <p:nvPr>
-            <p:extLst/>
-          </p:nvPr>
+          <p:nvPr/>
         </p:nvGraphicFramePr>
         <p:xfrm>
           <a:off x="7227842" y="7087370"/>
@@ -24436,9 +26103,7 @@
           <p:cNvGraphicFramePr>
             <a:graphicFrameLocks noGrp="1"/>
           </p:cNvGraphicFramePr>
-          <p:nvPr>
-            <p:extLst/>
-          </p:nvPr>
+          <p:nvPr/>
         </p:nvGraphicFramePr>
         <p:xfrm>
           <a:off x="7227842" y="8132480"/>
@@ -25080,1589 +26745,7 @@
 </p:sld>
 </file>
 
-<file path=ppt/slides/slide5.xml><?xml version="1.0" encoding="utf-8"?>
-<p:sld xmlns:a="http://schemas.openxmlformats.org/drawingml/2006/main" xmlns:r="http://schemas.openxmlformats.org/officeDocument/2006/relationships" xmlns:p="http://schemas.openxmlformats.org/presentationml/2006/main">
-  <p:cSld>
-    <p:spTree>
-      <p:nvGrpSpPr>
-        <p:cNvPr id="1" name=""/>
-        <p:cNvGrpSpPr/>
-        <p:nvPr/>
-      </p:nvGrpSpPr>
-      <p:grpSpPr>
-        <a:xfrm>
-          <a:off x="0" y="0"/>
-          <a:ext cx="0" cy="0"/>
-          <a:chOff x="0" y="0"/>
-          <a:chExt cx="0" cy="0"/>
-        </a:xfrm>
-      </p:grpSpPr>
-      <mc:AlternateContent xmlns:mc="http://schemas.openxmlformats.org/markup-compatibility/2006" xmlns:a14="http://schemas.microsoft.com/office/drawing/2010/main">
-        <mc:Choice Requires="a14">
-          <p:sp>
-            <p:nvSpPr>
-              <p:cNvPr id="3" name="Text Placeholder 2"/>
-              <p:cNvSpPr>
-                <a:spLocks noGrp="1"/>
-              </p:cNvSpPr>
-              <p:nvPr>
-                <p:ph type="body" idx="1"/>
-              </p:nvPr>
-            </p:nvSpPr>
-            <p:spPr>
-              <a:xfrm>
-                <a:off x="361950" y="4583637"/>
-                <a:ext cx="12306300" cy="3936999"/>
-              </a:xfrm>
-            </p:spPr>
-            <p:txBody>
-              <a:bodyPr>
-                <a:normAutofit/>
-              </a:bodyPr>
-              <a:lstStyle/>
-              <a:p>
-                <a:r>
-                  <a:rPr lang="en-US" dirty="0"/>
-                  <a:t>Two nested loops </a:t>
-                </a:r>
-              </a:p>
-              <a:p>
-                <a:r>
-                  <a:rPr lang="en-US" dirty="0"/>
-                  <a:t>Inner loop executed once per each element in array</a:t>
-                </a:r>
-              </a:p>
-              <a:p>
-                <a:r>
-                  <a:rPr lang="en-US" dirty="0"/>
-                  <a:t>So, </a:t>
-                </a:r>
-                <a14:m>
-                  <m:oMath xmlns:m="http://schemas.openxmlformats.org/officeDocument/2006/math">
-                    <m:r>
-                      <a:rPr lang="en-US" b="0" i="1" smtClean="0">
-                        <a:latin typeface="Cambria Math" panose="02040503050406030204" pitchFamily="18" charset="0"/>
-                      </a:rPr>
-                      <m:t>𝑁</m:t>
-                    </m:r>
-                    <m:r>
-                      <a:rPr lang="en-US" b="0" i="1" smtClean="0">
-                        <a:latin typeface="Cambria Math" panose="02040503050406030204" pitchFamily="18" charset="0"/>
-                      </a:rPr>
-                      <m:t>∗</m:t>
-                    </m:r>
-                    <m:r>
-                      <a:rPr lang="en-US" b="0" i="1" smtClean="0">
-                        <a:latin typeface="Cambria Math" panose="02040503050406030204" pitchFamily="18" charset="0"/>
-                      </a:rPr>
-                      <m:t>𝑁</m:t>
-                    </m:r>
-                    <m:r>
-                      <a:rPr lang="en-US" b="0" i="1" smtClean="0">
-                        <a:latin typeface="Cambria Math" panose="02040503050406030204" pitchFamily="18" charset="0"/>
-                      </a:rPr>
-                      <m:t>=</m:t>
-                    </m:r>
-                    <m:sSup>
-                      <m:sSupPr>
-                        <m:ctrlPr>
-                          <a:rPr lang="en-US" b="0" i="1" smtClean="0">
-                            <a:latin typeface="Cambria Math" panose="02040503050406030204" pitchFamily="18" charset="0"/>
-                          </a:rPr>
-                        </m:ctrlPr>
-                      </m:sSupPr>
-                      <m:e>
-                        <m:r>
-                          <a:rPr lang="en-US" b="0" i="1" smtClean="0">
-                            <a:latin typeface="Cambria Math" panose="02040503050406030204" pitchFamily="18" charset="0"/>
-                          </a:rPr>
-                          <m:t>𝑁</m:t>
-                        </m:r>
-                      </m:e>
-                      <m:sup>
-                        <m:r>
-                          <a:rPr lang="en-US" b="0" i="1" smtClean="0">
-                            <a:latin typeface="Cambria Math" panose="02040503050406030204" pitchFamily="18" charset="0"/>
-                          </a:rPr>
-                          <m:t>2</m:t>
-                        </m:r>
-                      </m:sup>
-                    </m:sSup>
-                  </m:oMath>
-                </a14:m>
-                <a:endParaRPr lang="en-US" b="0" dirty="0"/>
-              </a:p>
-              <a:p>
-                <a:r>
-                  <a:rPr lang="en-US" dirty="0"/>
-                  <a:t>Twice as big is now </a:t>
-                </a:r>
-                <a14:m>
-                  <m:oMath xmlns:m="http://schemas.openxmlformats.org/officeDocument/2006/math">
-                    <m:r>
-                      <a:rPr lang="en-US" b="0" i="1" smtClean="0">
-                        <a:latin typeface="Cambria Math" panose="02040503050406030204" pitchFamily="18" charset="0"/>
-                      </a:rPr>
-                      <m:t>2∗2=4</m:t>
-                    </m:r>
-                  </m:oMath>
-                </a14:m>
-                <a:r>
-                  <a:rPr lang="en-US" dirty="0"/>
-                  <a:t> times as slow!!! (roughly)</a:t>
-                </a:r>
-              </a:p>
-            </p:txBody>
-          </p:sp>
-        </mc:Choice>
-        <mc:Fallback xmlns="">
-          <p:sp>
-            <p:nvSpPr>
-              <p:cNvPr id="3" name="Text Placeholder 2"/>
-              <p:cNvSpPr>
-                <a:spLocks noGrp="1" noRot="1" noChangeAspect="1" noMove="1" noResize="1" noEditPoints="1" noAdjustHandles="1" noChangeArrowheads="1" noChangeShapeType="1" noTextEdit="1"/>
-              </p:cNvSpPr>
-              <p:nvPr>
-                <p:ph type="body" idx="1"/>
-              </p:nvPr>
-            </p:nvSpPr>
-            <p:spPr>
-              <a:xfrm>
-                <a:off x="361950" y="4583637"/>
-                <a:ext cx="12306300" cy="3936999"/>
-              </a:xfrm>
-              <a:blipFill>
-                <a:blip r:embed="rId2"/>
-                <a:stretch>
-                  <a:fillRect l="-1139" t="-1703" b="-5108"/>
-                </a:stretch>
-              </a:blipFill>
-            </p:spPr>
-            <p:txBody>
-              <a:bodyPr/>
-              <a:lstStyle/>
-              <a:p>
-                <a:r>
-                  <a:rPr lang="en-US">
-                    <a:noFill/>
-                  </a:rPr>
-                  <a:t> </a:t>
-                </a:r>
-              </a:p>
-            </p:txBody>
-          </p:sp>
-        </mc:Fallback>
-      </mc:AlternateContent>
-      <p:sp>
-        <p:nvSpPr>
-          <p:cNvPr id="4" name="Rectangle 1"/>
-          <p:cNvSpPr>
-            <a:spLocks noChangeArrowheads="1"/>
-          </p:cNvSpPr>
-          <p:nvPr/>
-        </p:nvSpPr>
-        <p:spPr bwMode="auto">
-          <a:xfrm>
-            <a:off x="552451" y="759885"/>
-            <a:ext cx="7143750" cy="3785652"/>
-          </a:xfrm>
-          <a:prstGeom prst="rect">
-            <a:avLst/>
-          </a:prstGeom>
-          <a:solidFill>
-            <a:srgbClr val="FFFFFF"/>
-          </a:solidFill>
-          <a:ln>
-            <a:noFill/>
-          </a:ln>
-          <a:effectLst/>
-          <a:extLst>
-            <a:ext uri="{91240B29-F687-4F45-9708-019B960494DF}">
-              <a14:hiddenLine xmlns:a14="http://schemas.microsoft.com/office/drawing/2010/main" w="9525">
-                <a:solidFill>
-                  <a:schemeClr val="tx1"/>
-                </a:solidFill>
-                <a:miter lim="800000"/>
-                <a:headEnd/>
-                <a:tailEnd/>
-              </a14:hiddenLine>
-            </a:ext>
-            <a:ext uri="{AF507438-7753-43E0-B8FC-AC1667EBCBE1}">
-              <a14:hiddenEffects xmlns:a14="http://schemas.microsoft.com/office/drawing/2010/main">
-                <a:effectLst>
-                  <a:outerShdw dist="35921" dir="2700000" algn="ctr" rotWithShape="0">
-                    <a:schemeClr val="bg2"/>
-                  </a:outerShdw>
-                </a:effectLst>
-              </a14:hiddenEffects>
-            </a:ext>
-          </a:extLst>
-        </p:spPr>
-        <p:txBody>
-          <a:bodyPr vert="horz" wrap="square" lIns="91440" tIns="45720" rIns="91440" bIns="45720" numCol="1" anchor="ctr" anchorCtr="0" compatLnSpc="1">
-            <a:prstTxWarp prst="textNoShape">
-              <a:avLst/>
-            </a:prstTxWarp>
-            <a:spAutoFit/>
-          </a:bodyPr>
-          <a:lstStyle/>
-          <a:p>
-            <a:pPr marL="0" marR="0" lvl="0" indent="0" algn="l" defTabSz="914400" rtl="0" eaLnBrk="0" fontAlgn="base" latinLnBrk="0" hangingPunct="0">
-              <a:lnSpc>
-                <a:spcPct val="100000"/>
-              </a:lnSpc>
-              <a:spcBef>
-                <a:spcPct val="0"/>
-              </a:spcBef>
-              <a:spcAft>
-                <a:spcPct val="0"/>
-              </a:spcAft>
-              <a:buClrTx/>
-              <a:buSzTx/>
-              <a:buFontTx/>
-              <a:buNone/>
-              <a:tabLst/>
-            </a:pPr>
-            <a:r>
-              <a:rPr kumimoji="0" lang="en-US" altLang="en-US" sz="2000" b="1" i="0" u="none" strike="noStrike" cap="none" normalizeH="0" baseline="0" dirty="0">
-                <a:ln>
-                  <a:noFill/>
-                </a:ln>
-                <a:solidFill>
-                  <a:srgbClr val="000080"/>
-                </a:solidFill>
-                <a:effectLst/>
-                <a:latin typeface="Courier New" panose="02070309020205020404" pitchFamily="49" charset="0"/>
-                <a:cs typeface="Courier New" panose="02070309020205020404" pitchFamily="49" charset="0"/>
-              </a:rPr>
-              <a:t>public static </a:t>
-            </a:r>
-            <a:r>
-              <a:rPr kumimoji="0" lang="en-US" altLang="en-US" sz="2000" b="1" i="0" u="none" strike="noStrike" cap="none" normalizeH="0" baseline="0" dirty="0" err="1">
-                <a:ln>
-                  <a:noFill/>
-                </a:ln>
-                <a:solidFill>
-                  <a:srgbClr val="000080"/>
-                </a:solidFill>
-                <a:effectLst/>
-                <a:latin typeface="Courier New" panose="02070309020205020404" pitchFamily="49" charset="0"/>
-                <a:cs typeface="Courier New" panose="02070309020205020404" pitchFamily="49" charset="0"/>
-              </a:rPr>
-              <a:t>int</a:t>
-            </a:r>
-            <a:r>
-              <a:rPr kumimoji="0" lang="en-US" altLang="en-US" sz="2000" b="1" i="0" u="none" strike="noStrike" cap="none" normalizeH="0" baseline="0" dirty="0">
-                <a:ln>
-                  <a:noFill/>
-                </a:ln>
-                <a:solidFill>
-                  <a:srgbClr val="000080"/>
-                </a:solidFill>
-                <a:effectLst/>
-                <a:latin typeface="Courier New" panose="02070309020205020404" pitchFamily="49" charset="0"/>
-                <a:cs typeface="Courier New" panose="02070309020205020404" pitchFamily="49" charset="0"/>
-              </a:rPr>
-              <a:t> </a:t>
-            </a:r>
-            <a:r>
-              <a:rPr kumimoji="0" lang="en-US" altLang="en-US" sz="2000" b="0" i="0" u="none" strike="noStrike" cap="none" normalizeH="0" baseline="0" dirty="0">
-                <a:ln>
-                  <a:noFill/>
-                </a:ln>
-                <a:solidFill>
-                  <a:srgbClr val="000000"/>
-                </a:solidFill>
-                <a:effectLst/>
-                <a:latin typeface="Courier New" panose="02070309020205020404" pitchFamily="49" charset="0"/>
-                <a:cs typeface="Courier New" panose="02070309020205020404" pitchFamily="49" charset="0"/>
-              </a:rPr>
-              <a:t>pairs(</a:t>
-            </a:r>
-            <a:r>
-              <a:rPr kumimoji="0" lang="en-US" altLang="en-US" sz="2000" b="1" i="0" u="none" strike="noStrike" cap="none" normalizeH="0" baseline="0" dirty="0" err="1">
-                <a:ln>
-                  <a:noFill/>
-                </a:ln>
-                <a:solidFill>
-                  <a:srgbClr val="000080"/>
-                </a:solidFill>
-                <a:effectLst/>
-                <a:latin typeface="Courier New" panose="02070309020205020404" pitchFamily="49" charset="0"/>
-                <a:cs typeface="Courier New" panose="02070309020205020404" pitchFamily="49" charset="0"/>
-              </a:rPr>
-              <a:t>int</a:t>
-            </a:r>
-            <a:r>
-              <a:rPr kumimoji="0" lang="en-US" altLang="en-US" sz="2000" b="0" i="0" u="none" strike="noStrike" cap="none" normalizeH="0" baseline="0" dirty="0">
-                <a:ln>
-                  <a:noFill/>
-                </a:ln>
-                <a:solidFill>
-                  <a:srgbClr val="000000"/>
-                </a:solidFill>
-                <a:effectLst/>
-                <a:latin typeface="Courier New" panose="02070309020205020404" pitchFamily="49" charset="0"/>
-                <a:cs typeface="Courier New" panose="02070309020205020404" pitchFamily="49" charset="0"/>
-              </a:rPr>
-              <a:t>[] array){</a:t>
-            </a:r>
-            <a:br>
-              <a:rPr kumimoji="0" lang="en-US" altLang="en-US" sz="2000" b="0" i="0" u="none" strike="noStrike" cap="none" normalizeH="0" baseline="0" dirty="0">
-                <a:ln>
-                  <a:noFill/>
-                </a:ln>
-                <a:solidFill>
-                  <a:srgbClr val="000000"/>
-                </a:solidFill>
-                <a:effectLst/>
-                <a:latin typeface="Courier New" panose="02070309020205020404" pitchFamily="49" charset="0"/>
-                <a:cs typeface="Courier New" panose="02070309020205020404" pitchFamily="49" charset="0"/>
-              </a:rPr>
-            </a:br>
-            <a:r>
-              <a:rPr kumimoji="0" lang="en-US" altLang="en-US" sz="2000" b="0" i="0" u="none" strike="noStrike" cap="none" normalizeH="0" baseline="0" dirty="0">
-                <a:ln>
-                  <a:noFill/>
-                </a:ln>
-                <a:solidFill>
-                  <a:srgbClr val="000000"/>
-                </a:solidFill>
-                <a:effectLst/>
-                <a:latin typeface="Courier New" panose="02070309020205020404" pitchFamily="49" charset="0"/>
-                <a:cs typeface="Courier New" panose="02070309020205020404" pitchFamily="49" charset="0"/>
-              </a:rPr>
-              <a:t>    </a:t>
-            </a:r>
-            <a:r>
-              <a:rPr kumimoji="0" lang="en-US" altLang="en-US" sz="2000" b="1" i="0" u="none" strike="noStrike" cap="none" normalizeH="0" baseline="0" dirty="0" err="1">
-                <a:ln>
-                  <a:noFill/>
-                </a:ln>
-                <a:solidFill>
-                  <a:srgbClr val="000080"/>
-                </a:solidFill>
-                <a:effectLst/>
-                <a:latin typeface="Courier New" panose="02070309020205020404" pitchFamily="49" charset="0"/>
-                <a:cs typeface="Courier New" panose="02070309020205020404" pitchFamily="49" charset="0"/>
-              </a:rPr>
-              <a:t>int</a:t>
-            </a:r>
-            <a:r>
-              <a:rPr kumimoji="0" lang="en-US" altLang="en-US" sz="2000" b="1" i="0" u="none" strike="noStrike" cap="none" normalizeH="0" baseline="0" dirty="0">
-                <a:ln>
-                  <a:noFill/>
-                </a:ln>
-                <a:solidFill>
-                  <a:srgbClr val="000080"/>
-                </a:solidFill>
-                <a:effectLst/>
-                <a:latin typeface="Courier New" panose="02070309020205020404" pitchFamily="49" charset="0"/>
-                <a:cs typeface="Courier New" panose="02070309020205020404" pitchFamily="49" charset="0"/>
-              </a:rPr>
-              <a:t> </a:t>
-            </a:r>
-            <a:r>
-              <a:rPr kumimoji="0" lang="en-US" altLang="en-US" sz="2000" b="0" i="0" u="none" strike="noStrike" cap="none" normalizeH="0" baseline="0" dirty="0">
-                <a:ln>
-                  <a:noFill/>
-                </a:ln>
-                <a:solidFill>
-                  <a:srgbClr val="000000"/>
-                </a:solidFill>
-                <a:effectLst/>
-                <a:latin typeface="Courier New" panose="02070309020205020404" pitchFamily="49" charset="0"/>
-                <a:cs typeface="Courier New" panose="02070309020205020404" pitchFamily="49" charset="0"/>
-              </a:rPr>
-              <a:t>pairs = </a:t>
-            </a:r>
-            <a:r>
-              <a:rPr kumimoji="0" lang="en-US" altLang="en-US" sz="2000" b="0" i="0" u="none" strike="noStrike" cap="none" normalizeH="0" baseline="0" dirty="0">
-                <a:ln>
-                  <a:noFill/>
-                </a:ln>
-                <a:solidFill>
-                  <a:srgbClr val="0000FF"/>
-                </a:solidFill>
-                <a:effectLst/>
-                <a:latin typeface="Courier New" panose="02070309020205020404" pitchFamily="49" charset="0"/>
-                <a:cs typeface="Courier New" panose="02070309020205020404" pitchFamily="49" charset="0"/>
-              </a:rPr>
-              <a:t>0</a:t>
-            </a:r>
-            <a:r>
-              <a:rPr kumimoji="0" lang="en-US" altLang="en-US" sz="2000" b="0" i="0" u="none" strike="noStrike" cap="none" normalizeH="0" baseline="0" dirty="0">
-                <a:ln>
-                  <a:noFill/>
-                </a:ln>
-                <a:solidFill>
-                  <a:srgbClr val="000000"/>
-                </a:solidFill>
-                <a:effectLst/>
-                <a:latin typeface="Courier New" panose="02070309020205020404" pitchFamily="49" charset="0"/>
-                <a:cs typeface="Courier New" panose="02070309020205020404" pitchFamily="49" charset="0"/>
-              </a:rPr>
-              <a:t>;</a:t>
-            </a:r>
-          </a:p>
-          <a:p>
-            <a:pPr marL="0" marR="0" lvl="0" indent="0" algn="l" defTabSz="914400" rtl="0" eaLnBrk="0" fontAlgn="base" latinLnBrk="0" hangingPunct="0">
-              <a:lnSpc>
-                <a:spcPct val="100000"/>
-              </a:lnSpc>
-              <a:spcBef>
-                <a:spcPct val="0"/>
-              </a:spcBef>
-              <a:spcAft>
-                <a:spcPct val="0"/>
-              </a:spcAft>
-              <a:buClrTx/>
-              <a:buSzTx/>
-              <a:buFontTx/>
-              <a:buNone/>
-              <a:tabLst/>
-            </a:pPr>
-            <a:br>
-              <a:rPr kumimoji="0" lang="en-US" altLang="en-US" sz="2000" b="0" i="0" u="none" strike="noStrike" cap="none" normalizeH="0" baseline="0" dirty="0">
-                <a:ln>
-                  <a:noFill/>
-                </a:ln>
-                <a:solidFill>
-                  <a:srgbClr val="000000"/>
-                </a:solidFill>
-                <a:effectLst/>
-                <a:latin typeface="Courier New" panose="02070309020205020404" pitchFamily="49" charset="0"/>
-                <a:cs typeface="Courier New" panose="02070309020205020404" pitchFamily="49" charset="0"/>
-              </a:rPr>
-            </a:br>
-            <a:r>
-              <a:rPr kumimoji="0" lang="en-US" altLang="en-US" sz="2000" b="0" i="0" u="none" strike="noStrike" cap="none" normalizeH="0" baseline="0" dirty="0">
-                <a:ln>
-                  <a:noFill/>
-                </a:ln>
-                <a:solidFill>
-                  <a:srgbClr val="000000"/>
-                </a:solidFill>
-                <a:effectLst/>
-                <a:latin typeface="Courier New" panose="02070309020205020404" pitchFamily="49" charset="0"/>
-                <a:cs typeface="Courier New" panose="02070309020205020404" pitchFamily="49" charset="0"/>
-              </a:rPr>
-              <a:t>    </a:t>
-            </a:r>
-            <a:r>
-              <a:rPr kumimoji="0" lang="en-US" altLang="en-US" sz="2000" b="1" i="0" u="none" strike="noStrike" cap="none" normalizeH="0" baseline="0" dirty="0">
-                <a:ln>
-                  <a:noFill/>
-                </a:ln>
-                <a:solidFill>
-                  <a:srgbClr val="000080"/>
-                </a:solidFill>
-                <a:effectLst/>
-                <a:latin typeface="Courier New" panose="02070309020205020404" pitchFamily="49" charset="0"/>
-                <a:cs typeface="Courier New" panose="02070309020205020404" pitchFamily="49" charset="0"/>
-              </a:rPr>
-              <a:t>for</a:t>
-            </a:r>
-            <a:r>
-              <a:rPr kumimoji="0" lang="en-US" altLang="en-US" sz="2000" b="0" i="0" u="none" strike="noStrike" cap="none" normalizeH="0" baseline="0" dirty="0">
-                <a:ln>
-                  <a:noFill/>
-                </a:ln>
-                <a:solidFill>
-                  <a:srgbClr val="000000"/>
-                </a:solidFill>
-                <a:effectLst/>
-                <a:latin typeface="Courier New" panose="02070309020205020404" pitchFamily="49" charset="0"/>
-                <a:cs typeface="Courier New" panose="02070309020205020404" pitchFamily="49" charset="0"/>
-              </a:rPr>
-              <a:t>(</a:t>
-            </a:r>
-            <a:r>
-              <a:rPr kumimoji="0" lang="en-US" altLang="en-US" sz="2000" b="1" i="0" u="none" strike="noStrike" cap="none" normalizeH="0" baseline="0" dirty="0" err="1">
-                <a:ln>
-                  <a:noFill/>
-                </a:ln>
-                <a:solidFill>
-                  <a:srgbClr val="000080"/>
-                </a:solidFill>
-                <a:effectLst/>
-                <a:latin typeface="Courier New" panose="02070309020205020404" pitchFamily="49" charset="0"/>
-                <a:cs typeface="Courier New" panose="02070309020205020404" pitchFamily="49" charset="0"/>
-              </a:rPr>
-              <a:t>int</a:t>
-            </a:r>
-            <a:r>
-              <a:rPr kumimoji="0" lang="en-US" altLang="en-US" sz="2000" b="1" i="0" u="none" strike="noStrike" cap="none" normalizeH="0" baseline="0" dirty="0">
-                <a:ln>
-                  <a:noFill/>
-                </a:ln>
-                <a:solidFill>
-                  <a:srgbClr val="000080"/>
-                </a:solidFill>
-                <a:effectLst/>
-                <a:latin typeface="Courier New" panose="02070309020205020404" pitchFamily="49" charset="0"/>
-                <a:cs typeface="Courier New" panose="02070309020205020404" pitchFamily="49" charset="0"/>
-              </a:rPr>
-              <a:t> </a:t>
-            </a:r>
-            <a:r>
-              <a:rPr kumimoji="0" lang="en-US" altLang="en-US" sz="2000" b="0" i="0" u="none" strike="noStrike" cap="none" normalizeH="0" baseline="0" dirty="0" err="1">
-                <a:ln>
-                  <a:noFill/>
-                </a:ln>
-                <a:solidFill>
-                  <a:srgbClr val="000000"/>
-                </a:solidFill>
-                <a:effectLst/>
-                <a:latin typeface="Courier New" panose="02070309020205020404" pitchFamily="49" charset="0"/>
-                <a:cs typeface="Courier New" panose="02070309020205020404" pitchFamily="49" charset="0"/>
-              </a:rPr>
-              <a:t>i</a:t>
-            </a:r>
-            <a:r>
-              <a:rPr kumimoji="0" lang="en-US" altLang="en-US" sz="2000" b="0" i="0" u="none" strike="noStrike" cap="none" normalizeH="0" baseline="0" dirty="0">
-                <a:ln>
-                  <a:noFill/>
-                </a:ln>
-                <a:solidFill>
-                  <a:srgbClr val="000000"/>
-                </a:solidFill>
-                <a:effectLst/>
-                <a:latin typeface="Courier New" panose="02070309020205020404" pitchFamily="49" charset="0"/>
-                <a:cs typeface="Courier New" panose="02070309020205020404" pitchFamily="49" charset="0"/>
-              </a:rPr>
-              <a:t>=</a:t>
-            </a:r>
-            <a:r>
-              <a:rPr kumimoji="0" lang="en-US" altLang="en-US" sz="2000" b="0" i="0" u="none" strike="noStrike" cap="none" normalizeH="0" baseline="0" dirty="0">
-                <a:ln>
-                  <a:noFill/>
-                </a:ln>
-                <a:solidFill>
-                  <a:srgbClr val="0000FF"/>
-                </a:solidFill>
-                <a:effectLst/>
-                <a:latin typeface="Courier New" panose="02070309020205020404" pitchFamily="49" charset="0"/>
-                <a:cs typeface="Courier New" panose="02070309020205020404" pitchFamily="49" charset="0"/>
-              </a:rPr>
-              <a:t>0</a:t>
-            </a:r>
-            <a:r>
-              <a:rPr kumimoji="0" lang="en-US" altLang="en-US" sz="2000" b="0" i="0" u="none" strike="noStrike" cap="none" normalizeH="0" baseline="0" dirty="0">
-                <a:ln>
-                  <a:noFill/>
-                </a:ln>
-                <a:solidFill>
-                  <a:srgbClr val="000000"/>
-                </a:solidFill>
-                <a:effectLst/>
-                <a:latin typeface="Courier New" panose="02070309020205020404" pitchFamily="49" charset="0"/>
-                <a:cs typeface="Courier New" panose="02070309020205020404" pitchFamily="49" charset="0"/>
-              </a:rPr>
-              <a:t>; </a:t>
-            </a:r>
-            <a:r>
-              <a:rPr kumimoji="0" lang="en-US" altLang="en-US" sz="2000" b="0" i="0" u="none" strike="noStrike" cap="none" normalizeH="0" baseline="0" dirty="0" err="1">
-                <a:ln>
-                  <a:noFill/>
-                </a:ln>
-                <a:solidFill>
-                  <a:srgbClr val="000000"/>
-                </a:solidFill>
-                <a:effectLst/>
-                <a:latin typeface="Courier New" panose="02070309020205020404" pitchFamily="49" charset="0"/>
-                <a:cs typeface="Courier New" panose="02070309020205020404" pitchFamily="49" charset="0"/>
-              </a:rPr>
-              <a:t>i</a:t>
-            </a:r>
-            <a:r>
-              <a:rPr kumimoji="0" lang="en-US" altLang="en-US" sz="2000" b="0" i="0" u="none" strike="noStrike" cap="none" normalizeH="0" baseline="0" dirty="0">
-                <a:ln>
-                  <a:noFill/>
-                </a:ln>
-                <a:solidFill>
-                  <a:srgbClr val="000000"/>
-                </a:solidFill>
-                <a:effectLst/>
-                <a:latin typeface="Courier New" panose="02070309020205020404" pitchFamily="49" charset="0"/>
-                <a:cs typeface="Courier New" panose="02070309020205020404" pitchFamily="49" charset="0"/>
-              </a:rPr>
-              <a:t>&lt;</a:t>
-            </a:r>
-            <a:r>
-              <a:rPr kumimoji="0" lang="en-US" altLang="en-US" sz="2000" b="0" i="0" u="none" strike="noStrike" cap="none" normalizeH="0" baseline="0" dirty="0" err="1">
-                <a:ln>
-                  <a:noFill/>
-                </a:ln>
-                <a:solidFill>
-                  <a:srgbClr val="000000"/>
-                </a:solidFill>
-                <a:effectLst/>
-                <a:latin typeface="Courier New" panose="02070309020205020404" pitchFamily="49" charset="0"/>
-                <a:cs typeface="Courier New" panose="02070309020205020404" pitchFamily="49" charset="0"/>
-              </a:rPr>
-              <a:t>array.</a:t>
-            </a:r>
-            <a:r>
-              <a:rPr kumimoji="0" lang="en-US" altLang="en-US" sz="2000" b="1" i="0" u="none" strike="noStrike" cap="none" normalizeH="0" baseline="0" dirty="0" err="1">
-                <a:ln>
-                  <a:noFill/>
-                </a:ln>
-                <a:solidFill>
-                  <a:srgbClr val="660E7A"/>
-                </a:solidFill>
-                <a:effectLst/>
-                <a:latin typeface="Courier New" panose="02070309020205020404" pitchFamily="49" charset="0"/>
-                <a:cs typeface="Courier New" panose="02070309020205020404" pitchFamily="49" charset="0"/>
-              </a:rPr>
-              <a:t>length</a:t>
-            </a:r>
-            <a:r>
-              <a:rPr kumimoji="0" lang="en-US" altLang="en-US" sz="2000" b="0" i="0" u="none" strike="noStrike" cap="none" normalizeH="0" baseline="0" dirty="0">
-                <a:ln>
-                  <a:noFill/>
-                </a:ln>
-                <a:solidFill>
-                  <a:srgbClr val="000000"/>
-                </a:solidFill>
-                <a:effectLst/>
-                <a:latin typeface="Courier New" panose="02070309020205020404" pitchFamily="49" charset="0"/>
-                <a:cs typeface="Courier New" panose="02070309020205020404" pitchFamily="49" charset="0"/>
-              </a:rPr>
-              <a:t>; </a:t>
-            </a:r>
-            <a:r>
-              <a:rPr kumimoji="0" lang="en-US" altLang="en-US" sz="2000" b="0" i="0" u="none" strike="noStrike" cap="none" normalizeH="0" baseline="0" dirty="0" err="1">
-                <a:ln>
-                  <a:noFill/>
-                </a:ln>
-                <a:solidFill>
-                  <a:srgbClr val="000000"/>
-                </a:solidFill>
-                <a:effectLst/>
-                <a:latin typeface="Courier New" panose="02070309020205020404" pitchFamily="49" charset="0"/>
-                <a:cs typeface="Courier New" panose="02070309020205020404" pitchFamily="49" charset="0"/>
-              </a:rPr>
-              <a:t>i</a:t>
-            </a:r>
-            <a:r>
-              <a:rPr kumimoji="0" lang="en-US" altLang="en-US" sz="2000" b="0" i="0" u="none" strike="noStrike" cap="none" normalizeH="0" baseline="0" dirty="0">
-                <a:ln>
-                  <a:noFill/>
-                </a:ln>
-                <a:solidFill>
-                  <a:srgbClr val="000000"/>
-                </a:solidFill>
-                <a:effectLst/>
-                <a:latin typeface="Courier New" panose="02070309020205020404" pitchFamily="49" charset="0"/>
-                <a:cs typeface="Courier New" panose="02070309020205020404" pitchFamily="49" charset="0"/>
-              </a:rPr>
-              <a:t>++){</a:t>
-            </a:r>
-            <a:br>
-              <a:rPr kumimoji="0" lang="en-US" altLang="en-US" sz="2000" b="0" i="0" u="none" strike="noStrike" cap="none" normalizeH="0" baseline="0" dirty="0">
-                <a:ln>
-                  <a:noFill/>
-                </a:ln>
-                <a:solidFill>
-                  <a:srgbClr val="000000"/>
-                </a:solidFill>
-                <a:effectLst/>
-                <a:latin typeface="Courier New" panose="02070309020205020404" pitchFamily="49" charset="0"/>
-                <a:cs typeface="Courier New" panose="02070309020205020404" pitchFamily="49" charset="0"/>
-              </a:rPr>
-            </a:br>
-            <a:r>
-              <a:rPr kumimoji="0" lang="en-US" altLang="en-US" sz="2000" b="0" i="0" u="none" strike="noStrike" cap="none" normalizeH="0" baseline="0" dirty="0">
-                <a:ln>
-                  <a:noFill/>
-                </a:ln>
-                <a:solidFill>
-                  <a:srgbClr val="000000"/>
-                </a:solidFill>
-                <a:effectLst/>
-                <a:latin typeface="Courier New" panose="02070309020205020404" pitchFamily="49" charset="0"/>
-                <a:cs typeface="Courier New" panose="02070309020205020404" pitchFamily="49" charset="0"/>
-              </a:rPr>
-              <a:t>        </a:t>
-            </a:r>
-            <a:r>
-              <a:rPr kumimoji="0" lang="en-US" altLang="en-US" sz="2000" b="1" i="0" u="none" strike="noStrike" cap="none" normalizeH="0" baseline="0" dirty="0">
-                <a:ln>
-                  <a:noFill/>
-                </a:ln>
-                <a:solidFill>
-                  <a:srgbClr val="000080"/>
-                </a:solidFill>
-                <a:effectLst/>
-                <a:latin typeface="Courier New" panose="02070309020205020404" pitchFamily="49" charset="0"/>
-                <a:cs typeface="Courier New" panose="02070309020205020404" pitchFamily="49" charset="0"/>
-              </a:rPr>
-              <a:t>for</a:t>
-            </a:r>
-            <a:r>
-              <a:rPr kumimoji="0" lang="en-US" altLang="en-US" sz="2000" b="0" i="0" u="none" strike="noStrike" cap="none" normalizeH="0" baseline="0" dirty="0">
-                <a:ln>
-                  <a:noFill/>
-                </a:ln>
-                <a:solidFill>
-                  <a:srgbClr val="000000"/>
-                </a:solidFill>
-                <a:effectLst/>
-                <a:latin typeface="Courier New" panose="02070309020205020404" pitchFamily="49" charset="0"/>
-                <a:cs typeface="Courier New" panose="02070309020205020404" pitchFamily="49" charset="0"/>
-              </a:rPr>
-              <a:t>(</a:t>
-            </a:r>
-            <a:r>
-              <a:rPr kumimoji="0" lang="en-US" altLang="en-US" sz="2000" b="1" i="0" u="none" strike="noStrike" cap="none" normalizeH="0" baseline="0" dirty="0" err="1">
-                <a:ln>
-                  <a:noFill/>
-                </a:ln>
-                <a:solidFill>
-                  <a:srgbClr val="000080"/>
-                </a:solidFill>
-                <a:effectLst/>
-                <a:latin typeface="Courier New" panose="02070309020205020404" pitchFamily="49" charset="0"/>
-                <a:cs typeface="Courier New" panose="02070309020205020404" pitchFamily="49" charset="0"/>
-              </a:rPr>
-              <a:t>int</a:t>
-            </a:r>
-            <a:r>
-              <a:rPr kumimoji="0" lang="en-US" altLang="en-US" sz="2000" b="1" i="0" u="none" strike="noStrike" cap="none" normalizeH="0" baseline="0" dirty="0">
-                <a:ln>
-                  <a:noFill/>
-                </a:ln>
-                <a:solidFill>
-                  <a:srgbClr val="000080"/>
-                </a:solidFill>
-                <a:effectLst/>
-                <a:latin typeface="Courier New" panose="02070309020205020404" pitchFamily="49" charset="0"/>
-                <a:cs typeface="Courier New" panose="02070309020205020404" pitchFamily="49" charset="0"/>
-              </a:rPr>
-              <a:t> </a:t>
-            </a:r>
-            <a:r>
-              <a:rPr kumimoji="0" lang="en-US" altLang="en-US" sz="2000" b="0" i="0" u="none" strike="noStrike" cap="none" normalizeH="0" baseline="0" dirty="0">
-                <a:ln>
-                  <a:noFill/>
-                </a:ln>
-                <a:solidFill>
-                  <a:srgbClr val="000000"/>
-                </a:solidFill>
-                <a:effectLst/>
-                <a:latin typeface="Courier New" panose="02070309020205020404" pitchFamily="49" charset="0"/>
-                <a:cs typeface="Courier New" panose="02070309020205020404" pitchFamily="49" charset="0"/>
-              </a:rPr>
-              <a:t>j=</a:t>
-            </a:r>
-            <a:r>
-              <a:rPr kumimoji="0" lang="en-US" altLang="en-US" sz="2000" b="0" i="0" u="none" strike="noStrike" cap="none" normalizeH="0" baseline="0" dirty="0">
-                <a:ln>
-                  <a:noFill/>
-                </a:ln>
-                <a:solidFill>
-                  <a:srgbClr val="0000FF"/>
-                </a:solidFill>
-                <a:effectLst/>
-                <a:latin typeface="Courier New" panose="02070309020205020404" pitchFamily="49" charset="0"/>
-                <a:cs typeface="Courier New" panose="02070309020205020404" pitchFamily="49" charset="0"/>
-              </a:rPr>
-              <a:t>0</a:t>
-            </a:r>
-            <a:r>
-              <a:rPr kumimoji="0" lang="en-US" altLang="en-US" sz="2000" b="0" i="0" u="none" strike="noStrike" cap="none" normalizeH="0" baseline="0" dirty="0">
-                <a:ln>
-                  <a:noFill/>
-                </a:ln>
-                <a:solidFill>
-                  <a:srgbClr val="000000"/>
-                </a:solidFill>
-                <a:effectLst/>
-                <a:latin typeface="Courier New" panose="02070309020205020404" pitchFamily="49" charset="0"/>
-                <a:cs typeface="Courier New" panose="02070309020205020404" pitchFamily="49" charset="0"/>
-              </a:rPr>
-              <a:t>; j&lt;</a:t>
-            </a:r>
-            <a:r>
-              <a:rPr kumimoji="0" lang="en-US" altLang="en-US" sz="2000" b="0" i="0" u="none" strike="noStrike" cap="none" normalizeH="0" baseline="0" dirty="0" err="1">
-                <a:ln>
-                  <a:noFill/>
-                </a:ln>
-                <a:solidFill>
-                  <a:srgbClr val="000000"/>
-                </a:solidFill>
-                <a:effectLst/>
-                <a:latin typeface="Courier New" panose="02070309020205020404" pitchFamily="49" charset="0"/>
-                <a:cs typeface="Courier New" panose="02070309020205020404" pitchFamily="49" charset="0"/>
-              </a:rPr>
-              <a:t>array.</a:t>
-            </a:r>
-            <a:r>
-              <a:rPr kumimoji="0" lang="en-US" altLang="en-US" sz="2000" b="1" i="0" u="none" strike="noStrike" cap="none" normalizeH="0" baseline="0" dirty="0" err="1">
-                <a:ln>
-                  <a:noFill/>
-                </a:ln>
-                <a:solidFill>
-                  <a:srgbClr val="660E7A"/>
-                </a:solidFill>
-                <a:effectLst/>
-                <a:latin typeface="Courier New" panose="02070309020205020404" pitchFamily="49" charset="0"/>
-                <a:cs typeface="Courier New" panose="02070309020205020404" pitchFamily="49" charset="0"/>
-              </a:rPr>
-              <a:t>length</a:t>
-            </a:r>
-            <a:r>
-              <a:rPr kumimoji="0" lang="en-US" altLang="en-US" sz="2000" b="0" i="0" u="none" strike="noStrike" cap="none" normalizeH="0" baseline="0" dirty="0">
-                <a:ln>
-                  <a:noFill/>
-                </a:ln>
-                <a:solidFill>
-                  <a:srgbClr val="000000"/>
-                </a:solidFill>
-                <a:effectLst/>
-                <a:latin typeface="Courier New" panose="02070309020205020404" pitchFamily="49" charset="0"/>
-                <a:cs typeface="Courier New" panose="02070309020205020404" pitchFamily="49" charset="0"/>
-              </a:rPr>
-              <a:t>; </a:t>
-            </a:r>
-            <a:r>
-              <a:rPr kumimoji="0" lang="en-US" altLang="en-US" sz="2000" b="0" i="0" u="none" strike="noStrike" cap="none" normalizeH="0" baseline="0" dirty="0" err="1">
-                <a:ln>
-                  <a:noFill/>
-                </a:ln>
-                <a:solidFill>
-                  <a:srgbClr val="000000"/>
-                </a:solidFill>
-                <a:effectLst/>
-                <a:latin typeface="Courier New" panose="02070309020205020404" pitchFamily="49" charset="0"/>
-                <a:cs typeface="Courier New" panose="02070309020205020404" pitchFamily="49" charset="0"/>
-              </a:rPr>
-              <a:t>j++</a:t>
-            </a:r>
-            <a:r>
-              <a:rPr kumimoji="0" lang="en-US" altLang="en-US" sz="2000" b="0" i="0" u="none" strike="noStrike" cap="none" normalizeH="0" baseline="0" dirty="0">
-                <a:ln>
-                  <a:noFill/>
-                </a:ln>
-                <a:solidFill>
-                  <a:srgbClr val="000000"/>
-                </a:solidFill>
-                <a:effectLst/>
-                <a:latin typeface="Courier New" panose="02070309020205020404" pitchFamily="49" charset="0"/>
-                <a:cs typeface="Courier New" panose="02070309020205020404" pitchFamily="49" charset="0"/>
-              </a:rPr>
-              <a:t>){</a:t>
-            </a:r>
-            <a:br>
-              <a:rPr kumimoji="0" lang="en-US" altLang="en-US" sz="2000" b="0" i="0" u="none" strike="noStrike" cap="none" normalizeH="0" baseline="0" dirty="0">
-                <a:ln>
-                  <a:noFill/>
-                </a:ln>
-                <a:solidFill>
-                  <a:srgbClr val="000000"/>
-                </a:solidFill>
-                <a:effectLst/>
-                <a:latin typeface="Courier New" panose="02070309020205020404" pitchFamily="49" charset="0"/>
-                <a:cs typeface="Courier New" panose="02070309020205020404" pitchFamily="49" charset="0"/>
-              </a:rPr>
-            </a:br>
-            <a:r>
-              <a:rPr kumimoji="0" lang="en-US" altLang="en-US" sz="2000" b="0" i="0" u="none" strike="noStrike" cap="none" normalizeH="0" baseline="0" dirty="0">
-                <a:ln>
-                  <a:noFill/>
-                </a:ln>
-                <a:solidFill>
-                  <a:srgbClr val="000000"/>
-                </a:solidFill>
-                <a:effectLst/>
-                <a:latin typeface="Courier New" panose="02070309020205020404" pitchFamily="49" charset="0"/>
-                <a:cs typeface="Courier New" panose="02070309020205020404" pitchFamily="49" charset="0"/>
-              </a:rPr>
-              <a:t>            </a:t>
-            </a:r>
-            <a:r>
-              <a:rPr kumimoji="0" lang="en-US" altLang="en-US" sz="2000" b="1" i="0" u="none" strike="noStrike" cap="none" normalizeH="0" baseline="0" dirty="0">
-                <a:ln>
-                  <a:noFill/>
-                </a:ln>
-                <a:solidFill>
-                  <a:srgbClr val="000080"/>
-                </a:solidFill>
-                <a:effectLst/>
-                <a:latin typeface="Courier New" panose="02070309020205020404" pitchFamily="49" charset="0"/>
-                <a:cs typeface="Courier New" panose="02070309020205020404" pitchFamily="49" charset="0"/>
-              </a:rPr>
-              <a:t>if</a:t>
-            </a:r>
-            <a:r>
-              <a:rPr kumimoji="0" lang="en-US" altLang="en-US" sz="2000" b="0" i="0" u="none" strike="noStrike" cap="none" normalizeH="0" baseline="0" dirty="0">
-                <a:ln>
-                  <a:noFill/>
-                </a:ln>
-                <a:solidFill>
-                  <a:srgbClr val="000000"/>
-                </a:solidFill>
-                <a:effectLst/>
-                <a:latin typeface="Courier New" panose="02070309020205020404" pitchFamily="49" charset="0"/>
-                <a:cs typeface="Courier New" panose="02070309020205020404" pitchFamily="49" charset="0"/>
-              </a:rPr>
-              <a:t>(</a:t>
-            </a:r>
-            <a:r>
-              <a:rPr kumimoji="0" lang="en-US" altLang="en-US" sz="2000" b="0" i="0" u="none" strike="noStrike" cap="none" normalizeH="0" baseline="0" dirty="0" err="1">
-                <a:ln>
-                  <a:noFill/>
-                </a:ln>
-                <a:solidFill>
-                  <a:srgbClr val="000000"/>
-                </a:solidFill>
-                <a:effectLst/>
-                <a:latin typeface="Courier New" panose="02070309020205020404" pitchFamily="49" charset="0"/>
-                <a:cs typeface="Courier New" panose="02070309020205020404" pitchFamily="49" charset="0"/>
-              </a:rPr>
-              <a:t>i</a:t>
-            </a:r>
-            <a:r>
-              <a:rPr kumimoji="0" lang="en-US" altLang="en-US" sz="2000" b="0" i="0" u="none" strike="noStrike" cap="none" normalizeH="0" baseline="0" dirty="0">
-                <a:ln>
-                  <a:noFill/>
-                </a:ln>
-                <a:solidFill>
-                  <a:srgbClr val="000000"/>
-                </a:solidFill>
-                <a:effectLst/>
-                <a:latin typeface="Courier New" panose="02070309020205020404" pitchFamily="49" charset="0"/>
-                <a:cs typeface="Courier New" panose="02070309020205020404" pitchFamily="49" charset="0"/>
-              </a:rPr>
-              <a:t>!=j &amp;&amp; array[</a:t>
-            </a:r>
-            <a:r>
-              <a:rPr kumimoji="0" lang="en-US" altLang="en-US" sz="2000" b="0" i="0" u="none" strike="noStrike" cap="none" normalizeH="0" baseline="0" dirty="0" err="1">
-                <a:ln>
-                  <a:noFill/>
-                </a:ln>
-                <a:solidFill>
-                  <a:srgbClr val="000000"/>
-                </a:solidFill>
-                <a:effectLst/>
-                <a:latin typeface="Courier New" panose="02070309020205020404" pitchFamily="49" charset="0"/>
-                <a:cs typeface="Courier New" panose="02070309020205020404" pitchFamily="49" charset="0"/>
-              </a:rPr>
-              <a:t>i</a:t>
-            </a:r>
-            <a:r>
-              <a:rPr kumimoji="0" lang="en-US" altLang="en-US" sz="2000" b="0" i="0" u="none" strike="noStrike" cap="none" normalizeH="0" baseline="0" dirty="0">
-                <a:ln>
-                  <a:noFill/>
-                </a:ln>
-                <a:solidFill>
-                  <a:srgbClr val="000000"/>
-                </a:solidFill>
-                <a:effectLst/>
-                <a:latin typeface="Courier New" panose="02070309020205020404" pitchFamily="49" charset="0"/>
-                <a:cs typeface="Courier New" panose="02070309020205020404" pitchFamily="49" charset="0"/>
-              </a:rPr>
-              <a:t>] == array[j]){</a:t>
-            </a:r>
-            <a:br>
-              <a:rPr kumimoji="0" lang="en-US" altLang="en-US" sz="2000" b="0" i="0" u="none" strike="noStrike" cap="none" normalizeH="0" baseline="0" dirty="0">
-                <a:ln>
-                  <a:noFill/>
-                </a:ln>
-                <a:solidFill>
-                  <a:srgbClr val="000000"/>
-                </a:solidFill>
-                <a:effectLst/>
-                <a:latin typeface="Courier New" panose="02070309020205020404" pitchFamily="49" charset="0"/>
-                <a:cs typeface="Courier New" panose="02070309020205020404" pitchFamily="49" charset="0"/>
-              </a:rPr>
-            </a:br>
-            <a:r>
-              <a:rPr kumimoji="0" lang="en-US" altLang="en-US" sz="2000" b="0" i="0" u="none" strike="noStrike" cap="none" normalizeH="0" baseline="0" dirty="0">
-                <a:ln>
-                  <a:noFill/>
-                </a:ln>
-                <a:solidFill>
-                  <a:srgbClr val="000000"/>
-                </a:solidFill>
-                <a:effectLst/>
-                <a:latin typeface="Courier New" panose="02070309020205020404" pitchFamily="49" charset="0"/>
-                <a:cs typeface="Courier New" panose="02070309020205020404" pitchFamily="49" charset="0"/>
-              </a:rPr>
-              <a:t>                pairs++;</a:t>
-            </a:r>
-            <a:br>
-              <a:rPr kumimoji="0" lang="en-US" altLang="en-US" sz="2000" b="0" i="0" u="none" strike="noStrike" cap="none" normalizeH="0" baseline="0" dirty="0">
-                <a:ln>
-                  <a:noFill/>
-                </a:ln>
-                <a:solidFill>
-                  <a:srgbClr val="000000"/>
-                </a:solidFill>
-                <a:effectLst/>
-                <a:latin typeface="Courier New" panose="02070309020205020404" pitchFamily="49" charset="0"/>
-                <a:cs typeface="Courier New" panose="02070309020205020404" pitchFamily="49" charset="0"/>
-              </a:rPr>
-            </a:br>
-            <a:r>
-              <a:rPr kumimoji="0" lang="en-US" altLang="en-US" sz="2000" b="0" i="0" u="none" strike="noStrike" cap="none" normalizeH="0" baseline="0" dirty="0">
-                <a:ln>
-                  <a:noFill/>
-                </a:ln>
-                <a:solidFill>
-                  <a:srgbClr val="000000"/>
-                </a:solidFill>
-                <a:effectLst/>
-                <a:latin typeface="Courier New" panose="02070309020205020404" pitchFamily="49" charset="0"/>
-                <a:cs typeface="Courier New" panose="02070309020205020404" pitchFamily="49" charset="0"/>
-              </a:rPr>
-              <a:t>            }</a:t>
-            </a:r>
-            <a:br>
-              <a:rPr kumimoji="0" lang="en-US" altLang="en-US" sz="2000" b="0" i="0" u="none" strike="noStrike" cap="none" normalizeH="0" baseline="0" dirty="0">
-                <a:ln>
-                  <a:noFill/>
-                </a:ln>
-                <a:solidFill>
-                  <a:srgbClr val="000000"/>
-                </a:solidFill>
-                <a:effectLst/>
-                <a:latin typeface="Courier New" panose="02070309020205020404" pitchFamily="49" charset="0"/>
-                <a:cs typeface="Courier New" panose="02070309020205020404" pitchFamily="49" charset="0"/>
-              </a:rPr>
-            </a:br>
-            <a:r>
-              <a:rPr kumimoji="0" lang="en-US" altLang="en-US" sz="2000" b="0" i="0" u="none" strike="noStrike" cap="none" normalizeH="0" baseline="0" dirty="0">
-                <a:ln>
-                  <a:noFill/>
-                </a:ln>
-                <a:solidFill>
-                  <a:srgbClr val="000000"/>
-                </a:solidFill>
-                <a:effectLst/>
-                <a:latin typeface="Courier New" panose="02070309020205020404" pitchFamily="49" charset="0"/>
-                <a:cs typeface="Courier New" panose="02070309020205020404" pitchFamily="49" charset="0"/>
-              </a:rPr>
-              <a:t>        }</a:t>
-            </a:r>
-            <a:br>
-              <a:rPr kumimoji="0" lang="en-US" altLang="en-US" sz="2000" b="0" i="0" u="none" strike="noStrike" cap="none" normalizeH="0" baseline="0" dirty="0">
-                <a:ln>
-                  <a:noFill/>
-                </a:ln>
-                <a:solidFill>
-                  <a:srgbClr val="000000"/>
-                </a:solidFill>
-                <a:effectLst/>
-                <a:latin typeface="Courier New" panose="02070309020205020404" pitchFamily="49" charset="0"/>
-                <a:cs typeface="Courier New" panose="02070309020205020404" pitchFamily="49" charset="0"/>
-              </a:rPr>
-            </a:br>
-            <a:r>
-              <a:rPr kumimoji="0" lang="en-US" altLang="en-US" sz="2000" b="0" i="0" u="none" strike="noStrike" cap="none" normalizeH="0" baseline="0" dirty="0">
-                <a:ln>
-                  <a:noFill/>
-                </a:ln>
-                <a:solidFill>
-                  <a:srgbClr val="000000"/>
-                </a:solidFill>
-                <a:effectLst/>
-                <a:latin typeface="Courier New" panose="02070309020205020404" pitchFamily="49" charset="0"/>
-                <a:cs typeface="Courier New" panose="02070309020205020404" pitchFamily="49" charset="0"/>
-              </a:rPr>
-              <a:t>    }</a:t>
-            </a:r>
-            <a:br>
-              <a:rPr kumimoji="0" lang="en-US" altLang="en-US" sz="2000" b="0" i="0" u="none" strike="noStrike" cap="none" normalizeH="0" baseline="0" dirty="0">
-                <a:ln>
-                  <a:noFill/>
-                </a:ln>
-                <a:solidFill>
-                  <a:srgbClr val="000000"/>
-                </a:solidFill>
-                <a:effectLst/>
-                <a:latin typeface="Courier New" panose="02070309020205020404" pitchFamily="49" charset="0"/>
-                <a:cs typeface="Courier New" panose="02070309020205020404" pitchFamily="49" charset="0"/>
-              </a:rPr>
-            </a:br>
-            <a:r>
-              <a:rPr kumimoji="0" lang="en-US" altLang="en-US" sz="2000" b="0" i="0" u="none" strike="noStrike" cap="none" normalizeH="0" baseline="0" dirty="0">
-                <a:ln>
-                  <a:noFill/>
-                </a:ln>
-                <a:solidFill>
-                  <a:srgbClr val="000000"/>
-                </a:solidFill>
-                <a:effectLst/>
-                <a:latin typeface="Courier New" panose="02070309020205020404" pitchFamily="49" charset="0"/>
-                <a:cs typeface="Courier New" panose="02070309020205020404" pitchFamily="49" charset="0"/>
-              </a:rPr>
-              <a:t>    </a:t>
-            </a:r>
-            <a:r>
-              <a:rPr kumimoji="0" lang="en-US" altLang="en-US" sz="2000" b="1" i="0" u="none" strike="noStrike" cap="none" normalizeH="0" baseline="0" dirty="0">
-                <a:ln>
-                  <a:noFill/>
-                </a:ln>
-                <a:solidFill>
-                  <a:srgbClr val="000080"/>
-                </a:solidFill>
-                <a:effectLst/>
-                <a:latin typeface="Courier New" panose="02070309020205020404" pitchFamily="49" charset="0"/>
-                <a:cs typeface="Courier New" panose="02070309020205020404" pitchFamily="49" charset="0"/>
-              </a:rPr>
-              <a:t>return </a:t>
-            </a:r>
-            <a:r>
-              <a:rPr kumimoji="0" lang="en-US" altLang="en-US" sz="2000" b="0" i="0" u="none" strike="noStrike" cap="none" normalizeH="0" baseline="0" dirty="0">
-                <a:ln>
-                  <a:noFill/>
-                </a:ln>
-                <a:solidFill>
-                  <a:srgbClr val="000000"/>
-                </a:solidFill>
-                <a:effectLst/>
-                <a:latin typeface="Courier New" panose="02070309020205020404" pitchFamily="49" charset="0"/>
-                <a:cs typeface="Courier New" panose="02070309020205020404" pitchFamily="49" charset="0"/>
-              </a:rPr>
-              <a:t>pairs;</a:t>
-            </a:r>
-            <a:br>
-              <a:rPr kumimoji="0" lang="en-US" altLang="en-US" sz="2000" b="0" i="0" u="none" strike="noStrike" cap="none" normalizeH="0" baseline="0" dirty="0">
-                <a:ln>
-                  <a:noFill/>
-                </a:ln>
-                <a:solidFill>
-                  <a:srgbClr val="000000"/>
-                </a:solidFill>
-                <a:effectLst/>
-                <a:latin typeface="Courier New" panose="02070309020205020404" pitchFamily="49" charset="0"/>
-                <a:cs typeface="Courier New" panose="02070309020205020404" pitchFamily="49" charset="0"/>
-              </a:rPr>
-            </a:br>
-            <a:r>
-              <a:rPr kumimoji="0" lang="en-US" altLang="en-US" sz="2000" b="0" i="0" u="none" strike="noStrike" cap="none" normalizeH="0" baseline="0" dirty="0">
-                <a:ln>
-                  <a:noFill/>
-                </a:ln>
-                <a:solidFill>
-                  <a:srgbClr val="000000"/>
-                </a:solidFill>
-                <a:effectLst/>
-                <a:latin typeface="Courier New" panose="02070309020205020404" pitchFamily="49" charset="0"/>
-                <a:cs typeface="Courier New" panose="02070309020205020404" pitchFamily="49" charset="0"/>
-              </a:rPr>
-              <a:t>}</a:t>
-            </a:r>
-            <a:endParaRPr kumimoji="0" lang="en-US" altLang="en-US" sz="2000" b="0" i="0" u="none" strike="noStrike" cap="none" normalizeH="0" baseline="0" dirty="0">
-              <a:ln>
-                <a:noFill/>
-              </a:ln>
-              <a:solidFill>
-                <a:schemeClr val="tx1"/>
-              </a:solidFill>
-              <a:effectLst/>
-              <a:latin typeface="Arial" panose="020B0604020202020204" pitchFamily="34" charset="0"/>
-            </a:endParaRPr>
-          </a:p>
-        </p:txBody>
-      </p:sp>
-      <p:sp>
-        <p:nvSpPr>
-          <p:cNvPr id="5" name="Rectangle 2"/>
-          <p:cNvSpPr>
-            <a:spLocks noChangeArrowheads="1"/>
-          </p:cNvSpPr>
-          <p:nvPr/>
-        </p:nvSpPr>
-        <p:spPr bwMode="auto">
-          <a:xfrm>
-            <a:off x="7524750" y="201602"/>
-            <a:ext cx="5372100" cy="3416320"/>
-          </a:xfrm>
-          <a:prstGeom prst="rect">
-            <a:avLst/>
-          </a:prstGeom>
-          <a:solidFill>
-            <a:srgbClr val="FFFFFF"/>
-          </a:solidFill>
-          <a:ln>
-            <a:noFill/>
-          </a:ln>
-          <a:effectLst/>
-          <a:extLst>
-            <a:ext uri="{91240B29-F687-4F45-9708-019B960494DF}">
-              <a14:hiddenLine xmlns:a14="http://schemas.microsoft.com/office/drawing/2010/main" w="9525">
-                <a:solidFill>
-                  <a:schemeClr val="tx1"/>
-                </a:solidFill>
-                <a:miter lim="800000"/>
-                <a:headEnd/>
-                <a:tailEnd/>
-              </a14:hiddenLine>
-            </a:ext>
-            <a:ext uri="{AF507438-7753-43E0-B8FC-AC1667EBCBE1}">
-              <a14:hiddenEffects xmlns:a14="http://schemas.microsoft.com/office/drawing/2010/main">
-                <a:effectLst>
-                  <a:outerShdw dist="35921" dir="2700000" algn="ctr" rotWithShape="0">
-                    <a:schemeClr val="bg2"/>
-                  </a:outerShdw>
-                </a:effectLst>
-              </a14:hiddenEffects>
-            </a:ext>
-          </a:extLst>
-        </p:spPr>
-        <p:txBody>
-          <a:bodyPr vert="horz" wrap="square" lIns="91440" tIns="45720" rIns="91440" bIns="45720" numCol="1" anchor="ctr" anchorCtr="0" compatLnSpc="1">
-            <a:prstTxWarp prst="textNoShape">
-              <a:avLst/>
-            </a:prstTxWarp>
-            <a:spAutoFit/>
-          </a:bodyPr>
-          <a:lstStyle/>
-          <a:p>
-            <a:pPr marL="0" marR="0" lvl="0" indent="0" algn="l" defTabSz="914400" rtl="0" eaLnBrk="0" fontAlgn="base" latinLnBrk="0" hangingPunct="0">
-              <a:lnSpc>
-                <a:spcPct val="100000"/>
-              </a:lnSpc>
-              <a:spcBef>
-                <a:spcPct val="0"/>
-              </a:spcBef>
-              <a:spcAft>
-                <a:spcPct val="0"/>
-              </a:spcAft>
-              <a:buClrTx/>
-              <a:buSzTx/>
-              <a:buFontTx/>
-              <a:buNone/>
-              <a:tabLst/>
-            </a:pPr>
-            <a:r>
-              <a:rPr kumimoji="0" lang="en-US" altLang="en-US" sz="1800" b="0" i="1" u="none" strike="noStrike" cap="none" normalizeH="0" baseline="0" dirty="0">
-                <a:ln>
-                  <a:noFill/>
-                </a:ln>
-                <a:solidFill>
-                  <a:srgbClr val="808080"/>
-                </a:solidFill>
-                <a:effectLst/>
-                <a:latin typeface="Courier New" panose="02070309020205020404" pitchFamily="49" charset="0"/>
-                <a:cs typeface="Courier New" panose="02070309020205020404" pitchFamily="49" charset="0"/>
-              </a:rPr>
-              <a:t>/*</a:t>
-            </a:r>
-            <a:br>
-              <a:rPr kumimoji="0" lang="en-US" altLang="en-US" sz="1800" b="0" i="1" u="none" strike="noStrike" cap="none" normalizeH="0" baseline="0" dirty="0">
-                <a:ln>
-                  <a:noFill/>
-                </a:ln>
-                <a:solidFill>
-                  <a:srgbClr val="808080"/>
-                </a:solidFill>
-                <a:effectLst/>
-                <a:latin typeface="Courier New" panose="02070309020205020404" pitchFamily="49" charset="0"/>
-                <a:cs typeface="Courier New" panose="02070309020205020404" pitchFamily="49" charset="0"/>
-              </a:rPr>
-            </a:br>
-            <a:r>
-              <a:rPr kumimoji="0" lang="en-US" altLang="en-US" sz="1800" b="0" i="1" u="none" strike="noStrike" cap="none" normalizeH="0" baseline="0" dirty="0">
-                <a:ln>
-                  <a:noFill/>
-                </a:ln>
-                <a:solidFill>
-                  <a:srgbClr val="808080"/>
-                </a:solidFill>
-                <a:effectLst/>
-                <a:latin typeface="Courier New" panose="02070309020205020404" pitchFamily="49" charset="0"/>
-                <a:cs typeface="Courier New" panose="02070309020205020404" pitchFamily="49" charset="0"/>
-              </a:rPr>
-              <a:t>    On my machine, repeated 100 times:</a:t>
-            </a:r>
-            <a:br>
-              <a:rPr kumimoji="0" lang="en-US" altLang="en-US" sz="1800" b="0" i="1" u="none" strike="noStrike" cap="none" normalizeH="0" baseline="0" dirty="0">
-                <a:ln>
-                  <a:noFill/>
-                </a:ln>
-                <a:solidFill>
-                  <a:srgbClr val="808080"/>
-                </a:solidFill>
-                <a:effectLst/>
-                <a:latin typeface="Courier New" panose="02070309020205020404" pitchFamily="49" charset="0"/>
-                <a:cs typeface="Courier New" panose="02070309020205020404" pitchFamily="49" charset="0"/>
-              </a:rPr>
-            </a:br>
-            <a:br>
-              <a:rPr kumimoji="0" lang="en-US" altLang="en-US" sz="1800" b="0" i="1" u="none" strike="noStrike" cap="none" normalizeH="0" baseline="0" dirty="0">
-                <a:ln>
-                  <a:noFill/>
-                </a:ln>
-                <a:solidFill>
-                  <a:srgbClr val="808080"/>
-                </a:solidFill>
-                <a:effectLst/>
-                <a:latin typeface="Courier New" panose="02070309020205020404" pitchFamily="49" charset="0"/>
-                <a:cs typeface="Courier New" panose="02070309020205020404" pitchFamily="49" charset="0"/>
-              </a:rPr>
-            </a:br>
-            <a:r>
-              <a:rPr kumimoji="0" lang="en-US" altLang="en-US" sz="1800" b="0" i="1" u="none" strike="noStrike" cap="none" normalizeH="0" baseline="0" dirty="0">
-                <a:ln>
-                  <a:noFill/>
-                </a:ln>
-                <a:solidFill>
-                  <a:srgbClr val="808080"/>
-                </a:solidFill>
-                <a:effectLst/>
-                <a:latin typeface="Courier New" panose="02070309020205020404" pitchFamily="49" charset="0"/>
-                <a:cs typeface="Courier New" panose="02070309020205020404" pitchFamily="49" charset="0"/>
-              </a:rPr>
-              <a:t>    N=100   seconds=0.005</a:t>
-            </a:r>
-            <a:br>
-              <a:rPr kumimoji="0" lang="en-US" altLang="en-US" sz="1800" b="0" i="1" u="none" strike="noStrike" cap="none" normalizeH="0" baseline="0" dirty="0">
-                <a:ln>
-                  <a:noFill/>
-                </a:ln>
-                <a:solidFill>
-                  <a:srgbClr val="808080"/>
-                </a:solidFill>
-                <a:effectLst/>
-                <a:latin typeface="Courier New" panose="02070309020205020404" pitchFamily="49" charset="0"/>
-                <a:cs typeface="Courier New" panose="02070309020205020404" pitchFamily="49" charset="0"/>
-              </a:rPr>
-            </a:br>
-            <a:r>
-              <a:rPr kumimoji="0" lang="en-US" altLang="en-US" sz="1800" b="0" i="1" u="none" strike="noStrike" cap="none" normalizeH="0" baseline="0" dirty="0">
-                <a:ln>
-                  <a:noFill/>
-                </a:ln>
-                <a:solidFill>
-                  <a:srgbClr val="808080"/>
-                </a:solidFill>
-                <a:effectLst/>
-                <a:latin typeface="Courier New" panose="02070309020205020404" pitchFamily="49" charset="0"/>
-                <a:cs typeface="Courier New" panose="02070309020205020404" pitchFamily="49" charset="0"/>
-              </a:rPr>
-              <a:t>    N=200   seconds=0.005</a:t>
-            </a:r>
-            <a:br>
-              <a:rPr kumimoji="0" lang="en-US" altLang="en-US" sz="1800" b="0" i="1" u="none" strike="noStrike" cap="none" normalizeH="0" baseline="0" dirty="0">
-                <a:ln>
-                  <a:noFill/>
-                </a:ln>
-                <a:solidFill>
-                  <a:srgbClr val="808080"/>
-                </a:solidFill>
-                <a:effectLst/>
-                <a:latin typeface="Courier New" panose="02070309020205020404" pitchFamily="49" charset="0"/>
-                <a:cs typeface="Courier New" panose="02070309020205020404" pitchFamily="49" charset="0"/>
-              </a:rPr>
-            </a:br>
-            <a:r>
-              <a:rPr kumimoji="0" lang="en-US" altLang="en-US" sz="1800" b="0" i="1" u="none" strike="noStrike" cap="none" normalizeH="0" baseline="0" dirty="0">
-                <a:ln>
-                  <a:noFill/>
-                </a:ln>
-                <a:solidFill>
-                  <a:srgbClr val="808080"/>
-                </a:solidFill>
-                <a:effectLst/>
-                <a:latin typeface="Courier New" panose="02070309020205020404" pitchFamily="49" charset="0"/>
-                <a:cs typeface="Courier New" panose="02070309020205020404" pitchFamily="49" charset="0"/>
-              </a:rPr>
-              <a:t>    N=400   seconds=0.012</a:t>
-            </a:r>
-            <a:br>
-              <a:rPr kumimoji="0" lang="en-US" altLang="en-US" sz="1800" b="0" i="1" u="none" strike="noStrike" cap="none" normalizeH="0" baseline="0" dirty="0">
-                <a:ln>
-                  <a:noFill/>
-                </a:ln>
-                <a:solidFill>
-                  <a:srgbClr val="808080"/>
-                </a:solidFill>
-                <a:effectLst/>
-                <a:latin typeface="Courier New" panose="02070309020205020404" pitchFamily="49" charset="0"/>
-                <a:cs typeface="Courier New" panose="02070309020205020404" pitchFamily="49" charset="0"/>
-              </a:rPr>
-            </a:br>
-            <a:r>
-              <a:rPr kumimoji="0" lang="en-US" altLang="en-US" sz="1800" b="0" i="1" u="none" strike="noStrike" cap="none" normalizeH="0" baseline="0" dirty="0">
-                <a:ln>
-                  <a:noFill/>
-                </a:ln>
-                <a:solidFill>
-                  <a:srgbClr val="808080"/>
-                </a:solidFill>
-                <a:effectLst/>
-                <a:latin typeface="Courier New" panose="02070309020205020404" pitchFamily="49" charset="0"/>
-                <a:cs typeface="Courier New" panose="02070309020205020404" pitchFamily="49" charset="0"/>
-              </a:rPr>
-              <a:t>    N=800   seconds=0.072</a:t>
-            </a:r>
-            <a:br>
-              <a:rPr kumimoji="0" lang="en-US" altLang="en-US" sz="1800" b="0" i="1" u="none" strike="noStrike" cap="none" normalizeH="0" baseline="0" dirty="0">
-                <a:ln>
-                  <a:noFill/>
-                </a:ln>
-                <a:solidFill>
-                  <a:srgbClr val="808080"/>
-                </a:solidFill>
-                <a:effectLst/>
-                <a:latin typeface="Courier New" panose="02070309020205020404" pitchFamily="49" charset="0"/>
-                <a:cs typeface="Courier New" panose="02070309020205020404" pitchFamily="49" charset="0"/>
-              </a:rPr>
-            </a:br>
-            <a:r>
-              <a:rPr kumimoji="0" lang="en-US" altLang="en-US" sz="1800" b="0" i="1" u="none" strike="noStrike" cap="none" normalizeH="0" baseline="0" dirty="0">
-                <a:ln>
-                  <a:noFill/>
-                </a:ln>
-                <a:solidFill>
-                  <a:srgbClr val="808080"/>
-                </a:solidFill>
-                <a:effectLst/>
-                <a:latin typeface="Courier New" panose="02070309020205020404" pitchFamily="49" charset="0"/>
-                <a:cs typeface="Courier New" panose="02070309020205020404" pitchFamily="49" charset="0"/>
-              </a:rPr>
-              <a:t>    N=1600  seconds=0.211</a:t>
-            </a:r>
-            <a:br>
-              <a:rPr kumimoji="0" lang="en-US" altLang="en-US" sz="1800" b="0" i="1" u="none" strike="noStrike" cap="none" normalizeH="0" baseline="0" dirty="0">
-                <a:ln>
-                  <a:noFill/>
-                </a:ln>
-                <a:solidFill>
-                  <a:srgbClr val="808080"/>
-                </a:solidFill>
-                <a:effectLst/>
-                <a:latin typeface="Courier New" panose="02070309020205020404" pitchFamily="49" charset="0"/>
-                <a:cs typeface="Courier New" panose="02070309020205020404" pitchFamily="49" charset="0"/>
-              </a:rPr>
-            </a:br>
-            <a:r>
-              <a:rPr kumimoji="0" lang="en-US" altLang="en-US" sz="1800" b="0" i="1" u="none" strike="noStrike" cap="none" normalizeH="0" baseline="0" dirty="0">
-                <a:ln>
-                  <a:noFill/>
-                </a:ln>
-                <a:solidFill>
-                  <a:srgbClr val="808080"/>
-                </a:solidFill>
-                <a:effectLst/>
-                <a:latin typeface="Courier New" panose="02070309020205020404" pitchFamily="49" charset="0"/>
-                <a:cs typeface="Courier New" panose="02070309020205020404" pitchFamily="49" charset="0"/>
-              </a:rPr>
-              <a:t>    N=3200  seconds=0.754</a:t>
-            </a:r>
-            <a:br>
-              <a:rPr kumimoji="0" lang="en-US" altLang="en-US" sz="1800" b="0" i="1" u="none" strike="noStrike" cap="none" normalizeH="0" baseline="0" dirty="0">
-                <a:ln>
-                  <a:noFill/>
-                </a:ln>
-                <a:solidFill>
-                  <a:srgbClr val="808080"/>
-                </a:solidFill>
-                <a:effectLst/>
-                <a:latin typeface="Courier New" panose="02070309020205020404" pitchFamily="49" charset="0"/>
-                <a:cs typeface="Courier New" panose="02070309020205020404" pitchFamily="49" charset="0"/>
-              </a:rPr>
-            </a:br>
-            <a:r>
-              <a:rPr kumimoji="0" lang="en-US" altLang="en-US" sz="1800" b="0" i="1" u="none" strike="noStrike" cap="none" normalizeH="0" baseline="0" dirty="0">
-                <a:ln>
-                  <a:noFill/>
-                </a:ln>
-                <a:solidFill>
-                  <a:srgbClr val="808080"/>
-                </a:solidFill>
-                <a:effectLst/>
-                <a:latin typeface="Courier New" panose="02070309020205020404" pitchFamily="49" charset="0"/>
-                <a:cs typeface="Courier New" panose="02070309020205020404" pitchFamily="49" charset="0"/>
-              </a:rPr>
-              <a:t>    N=6400  seconds=2.829</a:t>
-            </a:r>
-            <a:br>
-              <a:rPr kumimoji="0" lang="en-US" altLang="en-US" sz="1800" b="0" i="1" u="none" strike="noStrike" cap="none" normalizeH="0" baseline="0" dirty="0">
-                <a:ln>
-                  <a:noFill/>
-                </a:ln>
-                <a:solidFill>
-                  <a:srgbClr val="808080"/>
-                </a:solidFill>
-                <a:effectLst/>
-                <a:latin typeface="Courier New" panose="02070309020205020404" pitchFamily="49" charset="0"/>
-                <a:cs typeface="Courier New" panose="02070309020205020404" pitchFamily="49" charset="0"/>
-              </a:rPr>
-            </a:br>
-            <a:r>
-              <a:rPr kumimoji="0" lang="en-US" altLang="en-US" sz="1800" b="0" i="1" u="none" strike="noStrike" cap="none" normalizeH="0" baseline="0" dirty="0">
-                <a:ln>
-                  <a:noFill/>
-                </a:ln>
-                <a:solidFill>
-                  <a:srgbClr val="808080"/>
-                </a:solidFill>
-                <a:effectLst/>
-                <a:latin typeface="Courier New" panose="02070309020205020404" pitchFamily="49" charset="0"/>
-                <a:cs typeface="Courier New" panose="02070309020205020404" pitchFamily="49" charset="0"/>
-              </a:rPr>
-              <a:t>    N=12800 seconds=11.48</a:t>
-            </a:r>
-            <a:br>
-              <a:rPr kumimoji="0" lang="en-US" altLang="en-US" sz="1800" b="0" i="1" u="none" strike="noStrike" cap="none" normalizeH="0" baseline="0" dirty="0">
-                <a:ln>
-                  <a:noFill/>
-                </a:ln>
-                <a:solidFill>
-                  <a:srgbClr val="808080"/>
-                </a:solidFill>
-                <a:effectLst/>
-                <a:latin typeface="Courier New" panose="02070309020205020404" pitchFamily="49" charset="0"/>
-                <a:cs typeface="Courier New" panose="02070309020205020404" pitchFamily="49" charset="0"/>
-              </a:rPr>
-            </a:br>
-            <a:r>
-              <a:rPr kumimoji="0" lang="en-US" altLang="en-US" sz="1800" b="0" i="1" u="none" strike="noStrike" cap="none" normalizeH="0" baseline="0" dirty="0">
-                <a:ln>
-                  <a:noFill/>
-                </a:ln>
-                <a:solidFill>
-                  <a:srgbClr val="808080"/>
-                </a:solidFill>
-                <a:effectLst/>
-                <a:latin typeface="Courier New" panose="02070309020205020404" pitchFamily="49" charset="0"/>
-                <a:cs typeface="Courier New" panose="02070309020205020404" pitchFamily="49" charset="0"/>
-              </a:rPr>
-              <a:t> */</a:t>
-            </a:r>
-            <a:endParaRPr kumimoji="0" lang="en-US" altLang="en-US" sz="1800" b="0" i="0" u="none" strike="noStrike" cap="none" normalizeH="0" baseline="0" dirty="0">
-              <a:ln>
-                <a:noFill/>
-              </a:ln>
-              <a:solidFill>
-                <a:schemeClr val="tx1"/>
-              </a:solidFill>
-              <a:effectLst/>
-              <a:latin typeface="Arial" panose="020B0604020202020204" pitchFamily="34" charset="0"/>
-            </a:endParaRPr>
-          </a:p>
-        </p:txBody>
-      </p:sp>
-    </p:spTree>
-    <p:extLst>
-      <p:ext uri="{BB962C8B-B14F-4D97-AF65-F5344CB8AC3E}">
-        <p14:creationId xmlns:p14="http://schemas.microsoft.com/office/powerpoint/2010/main" val="1405945670"/>
-      </p:ext>
-    </p:extLst>
-  </p:cSld>
-  <p:clrMapOvr>
-    <a:masterClrMapping/>
-  </p:clrMapOvr>
-  <p:transition spd="med"/>
-</p:sld>
-</file>
-
-<file path=ppt/slides/slide50.xml><?xml version="1.0" encoding="utf-8"?>
+<file path=ppt/slides/slide51.xml><?xml version="1.0" encoding="utf-8"?>
 <p:sld xmlns:a="http://schemas.openxmlformats.org/drawingml/2006/main" xmlns:r="http://schemas.openxmlformats.org/officeDocument/2006/relationships" xmlns:p="http://schemas.openxmlformats.org/presentationml/2006/main">
   <p:cSld>
     <p:spTree>
@@ -26714,9 +26797,7 @@
           <p:cNvGraphicFramePr>
             <a:graphicFrameLocks noGrp="1"/>
           </p:cNvGraphicFramePr>
-          <p:nvPr>
-            <p:extLst/>
-          </p:nvPr>
+          <p:nvPr/>
         </p:nvGraphicFramePr>
         <p:xfrm>
           <a:off x="479821" y="2003722"/>
@@ -26899,9 +26980,7 @@
           <p:cNvGraphicFramePr>
             <a:graphicFrameLocks noGrp="1"/>
           </p:cNvGraphicFramePr>
-          <p:nvPr>
-            <p:extLst/>
-          </p:nvPr>
+          <p:nvPr/>
         </p:nvGraphicFramePr>
         <p:xfrm>
           <a:off x="479821" y="2811683"/>
@@ -27084,9 +27163,7 @@
           <p:cNvGraphicFramePr>
             <a:graphicFrameLocks noGrp="1"/>
           </p:cNvGraphicFramePr>
-          <p:nvPr>
-            <p:extLst/>
-          </p:nvPr>
+          <p:nvPr/>
         </p:nvGraphicFramePr>
         <p:xfrm>
           <a:off x="479821" y="3614564"/>
@@ -27269,9 +27346,7 @@
           <p:cNvGraphicFramePr>
             <a:graphicFrameLocks noGrp="1"/>
           </p:cNvGraphicFramePr>
-          <p:nvPr>
-            <p:extLst/>
-          </p:nvPr>
+          <p:nvPr/>
         </p:nvGraphicFramePr>
         <p:xfrm>
           <a:off x="479821" y="4422525"/>
@@ -27459,9 +27534,7 @@
           <p:cNvGraphicFramePr>
             <a:graphicFrameLocks noGrp="1"/>
           </p:cNvGraphicFramePr>
-          <p:nvPr>
-            <p:extLst/>
-          </p:nvPr>
+          <p:nvPr/>
         </p:nvGraphicFramePr>
         <p:xfrm>
           <a:off x="479821" y="5230486"/>
@@ -27649,9 +27722,7 @@
           <p:cNvGraphicFramePr>
             <a:graphicFrameLocks noGrp="1"/>
           </p:cNvGraphicFramePr>
-          <p:nvPr>
-            <p:extLst/>
-          </p:nvPr>
+          <p:nvPr/>
         </p:nvGraphicFramePr>
         <p:xfrm>
           <a:off x="479821" y="6038447"/>
@@ -27839,9 +27910,7 @@
           <p:cNvGraphicFramePr>
             <a:graphicFrameLocks noGrp="1"/>
           </p:cNvGraphicFramePr>
-          <p:nvPr>
-            <p:extLst/>
-          </p:nvPr>
+          <p:nvPr/>
         </p:nvGraphicFramePr>
         <p:xfrm>
           <a:off x="479821" y="6852017"/>
@@ -28029,9 +28098,7 @@
           <p:cNvGraphicFramePr>
             <a:graphicFrameLocks noGrp="1"/>
           </p:cNvGraphicFramePr>
-          <p:nvPr>
-            <p:extLst/>
-          </p:nvPr>
+          <p:nvPr/>
         </p:nvGraphicFramePr>
         <p:xfrm>
           <a:off x="479821" y="7665587"/>
@@ -29125,7 +29192,7 @@
 </p:sld>
 </file>
 
-<file path=ppt/slides/slide51.xml><?xml version="1.0" encoding="utf-8"?>
+<file path=ppt/slides/slide52.xml><?xml version="1.0" encoding="utf-8"?>
 <p:sld xmlns:a="http://schemas.openxmlformats.org/drawingml/2006/main" xmlns:r="http://schemas.openxmlformats.org/officeDocument/2006/relationships" xmlns:p="http://schemas.openxmlformats.org/presentationml/2006/main">
   <p:cSld>
     <p:spTree>
@@ -29278,11 +29345,7 @@
                 <a:pPr lvl="1"/>
                 <a:r>
                   <a:rPr lang="en-US" dirty="0"/>
-                  <a:t>that is why we talk about BEST and WORST cases </a:t>
-                </a:r>
-                <a:r>
-                  <a:rPr lang="en-US"/>
-                  <a:t>in relation to </a:t>
+                  <a:t>that is why we talk about BEST and WORST cases in relation to </a:t>
                 </a:r>
                 <a:r>
                   <a:rPr lang="en-US" b="1" dirty="0"/>
@@ -29350,7 +29413,7 @@
 </p:sld>
 </file>
 
-<file path=ppt/slides/slide52.xml><?xml version="1.0" encoding="utf-8"?>
+<file path=ppt/slides/slide53.xml><?xml version="1.0" encoding="utf-8"?>
 <p:sld xmlns:a="http://schemas.openxmlformats.org/drawingml/2006/main" xmlns:r="http://schemas.openxmlformats.org/officeDocument/2006/relationships" xmlns:p="http://schemas.openxmlformats.org/presentationml/2006/main">
   <p:cSld>
     <p:spTree>
